--- a/slides/TP557_5_Medindo_a_precisão_de_um_modelo_de_ML.pptx
+++ b/slides/TP557_5_Medindo_a_precisão_de_um_modelo_de_ML.pptx
@@ -5,10 +5,10 @@
     <p:sldMasterId id="2147483648" r:id="rId1"/>
   </p:sldMasterIdLst>
   <p:notesMasterIdLst>
-    <p:notesMasterId r:id="rId21"/>
+    <p:notesMasterId r:id="rId22"/>
   </p:notesMasterIdLst>
   <p:handoutMasterIdLst>
-    <p:handoutMasterId r:id="rId22"/>
+    <p:handoutMasterId r:id="rId23"/>
   </p:handoutMasterIdLst>
   <p:sldIdLst>
     <p:sldId id="256" r:id="rId2"/>
@@ -24,12 +24,13 @@
     <p:sldId id="428" r:id="rId12"/>
     <p:sldId id="432" r:id="rId13"/>
     <p:sldId id="433" r:id="rId14"/>
-    <p:sldId id="431" r:id="rId15"/>
+    <p:sldId id="434" r:id="rId15"/>
     <p:sldId id="429" r:id="rId16"/>
-    <p:sldId id="405" r:id="rId17"/>
-    <p:sldId id="293" r:id="rId18"/>
-    <p:sldId id="306" r:id="rId19"/>
-    <p:sldId id="430" r:id="rId20"/>
+    <p:sldId id="431" r:id="rId17"/>
+    <p:sldId id="405" r:id="rId18"/>
+    <p:sldId id="293" r:id="rId19"/>
+    <p:sldId id="306" r:id="rId20"/>
+    <p:sldId id="430" r:id="rId21"/>
   </p:sldIdLst>
   <p:sldSz cx="12192000" cy="6858000"/>
   <p:notesSz cx="7315200" cy="9601200"/>
@@ -4409,8 +4410,8 @@
         </p:nvSpPr>
         <p:spPr>
           <a:xfrm>
-            <a:off x="6029355" y="1825624"/>
-            <a:ext cx="6028696" cy="5032375"/>
+            <a:off x="6358885" y="1825624"/>
+            <a:ext cx="5699166" cy="5032375"/>
           </a:xfrm>
         </p:spPr>
         <p:txBody>
@@ -4447,525 +4448,11 @@
           <a:p>
             <a:r>
               <a:rPr lang="pt-BR" dirty="0"/>
-              <a:t>O que fazer?</a:t>
+              <a:t>O que devemos fazer?</a:t>
             </a:r>
           </a:p>
         </p:txBody>
       </p:sp>
-      <p:grpSp>
-        <p:nvGrpSpPr>
-          <p:cNvPr id="17" name="Agrupar 16">
-            <a:extLst>
-              <a:ext uri="{FF2B5EF4-FFF2-40B4-BE49-F238E27FC236}">
-                <a16:creationId xmlns:a16="http://schemas.microsoft.com/office/drawing/2014/main" id="{89212B23-55CD-CCDA-9C3B-BA14483628E4}"/>
-              </a:ext>
-            </a:extLst>
-          </p:cNvPr>
-          <p:cNvGrpSpPr/>
-          <p:nvPr/>
-        </p:nvGrpSpPr>
-        <p:grpSpPr>
-          <a:xfrm>
-            <a:off x="400408" y="2051201"/>
-            <a:ext cx="4915689" cy="3568398"/>
-            <a:chOff x="336908" y="2375202"/>
-            <a:chExt cx="4915689" cy="3568398"/>
-          </a:xfrm>
-        </p:grpSpPr>
-        <p:grpSp>
-          <p:nvGrpSpPr>
-            <p:cNvPr id="4" name="Agrupar 3">
-              <a:extLst>
-                <a:ext uri="{FF2B5EF4-FFF2-40B4-BE49-F238E27FC236}">
-                  <a16:creationId xmlns:a16="http://schemas.microsoft.com/office/drawing/2014/main" id="{8FF7C909-12C2-1F28-3CD1-F415FDEBCF05}"/>
-                </a:ext>
-              </a:extLst>
-            </p:cNvPr>
-            <p:cNvGrpSpPr/>
-            <p:nvPr/>
-          </p:nvGrpSpPr>
-          <p:grpSpPr>
-            <a:xfrm>
-              <a:off x="336908" y="2375202"/>
-              <a:ext cx="4654432" cy="3568398"/>
-              <a:chOff x="324492" y="2280864"/>
-              <a:chExt cx="4654432" cy="3568398"/>
-            </a:xfrm>
-          </p:grpSpPr>
-          <p:pic>
-            <p:nvPicPr>
-              <p:cNvPr id="5" name="Picture 2">
-                <a:extLst>
-                  <a:ext uri="{FF2B5EF4-FFF2-40B4-BE49-F238E27FC236}">
-                    <a16:creationId xmlns:a16="http://schemas.microsoft.com/office/drawing/2014/main" id="{1D1D236C-D17A-910F-590E-14660AC344E8}"/>
-                  </a:ext>
-                </a:extLst>
-              </p:cNvPr>
-              <p:cNvPicPr>
-                <a:picLocks noChangeAspect="1" noChangeArrowheads="1"/>
-              </p:cNvPicPr>
-              <p:nvPr/>
-            </p:nvPicPr>
-            <p:blipFill>
-              <a:blip r:embed="rId2">
-                <a:extLst>
-                  <a:ext uri="{28A0092B-C50C-407E-A947-70E740481C1C}">
-                    <a14:useLocalDpi xmlns:a14="http://schemas.microsoft.com/office/drawing/2010/main" val="0"/>
-                  </a:ext>
-                </a:extLst>
-              </a:blip>
-              <a:srcRect/>
-              <a:stretch>
-                <a:fillRect/>
-              </a:stretch>
-            </p:blipFill>
-            <p:spPr bwMode="auto">
-              <a:xfrm>
-                <a:off x="324492" y="2280864"/>
-                <a:ext cx="4654432" cy="3568398"/>
-              </a:xfrm>
-              <a:prstGeom prst="rect">
-                <a:avLst/>
-              </a:prstGeom>
-              <a:noFill/>
-              <a:extLst>
-                <a:ext uri="{909E8E84-426E-40DD-AFC4-6F175D3DCCD1}">
-                  <a14:hiddenFill xmlns:a14="http://schemas.microsoft.com/office/drawing/2010/main">
-                    <a:solidFill>
-                      <a:srgbClr val="FFFFFF"/>
-                    </a:solidFill>
-                  </a14:hiddenFill>
-                </a:ext>
-              </a:extLst>
-            </p:spPr>
-          </p:pic>
-          <p:cxnSp>
-            <p:nvCxnSpPr>
-              <p:cNvPr id="6" name="Conector reto 5">
-                <a:extLst>
-                  <a:ext uri="{FF2B5EF4-FFF2-40B4-BE49-F238E27FC236}">
-                    <a16:creationId xmlns:a16="http://schemas.microsoft.com/office/drawing/2014/main" id="{17F923C8-0338-E3A0-307C-4C48FF5D48E6}"/>
-                  </a:ext>
-                </a:extLst>
-              </p:cNvPr>
-              <p:cNvCxnSpPr>
-                <a:cxnSpLocks/>
-              </p:cNvCxnSpPr>
-              <p:nvPr/>
-            </p:nvCxnSpPr>
-            <p:spPr>
-              <a:xfrm>
-                <a:off x="4719638" y="2488406"/>
-                <a:ext cx="0" cy="757238"/>
-              </a:xfrm>
-              <a:prstGeom prst="line">
-                <a:avLst/>
-              </a:prstGeom>
-              <a:ln w="19050">
-                <a:solidFill>
-                  <a:srgbClr val="FF0000"/>
-                </a:solidFill>
-              </a:ln>
-            </p:spPr>
-            <p:style>
-              <a:lnRef idx="1">
-                <a:schemeClr val="accent1"/>
-              </a:lnRef>
-              <a:fillRef idx="0">
-                <a:schemeClr val="accent1"/>
-              </a:fillRef>
-              <a:effectRef idx="0">
-                <a:schemeClr val="accent1"/>
-              </a:effectRef>
-              <a:fontRef idx="minor">
-                <a:schemeClr val="tx1"/>
-              </a:fontRef>
-            </p:style>
-          </p:cxnSp>
-          <p:cxnSp>
-            <p:nvCxnSpPr>
-              <p:cNvPr id="7" name="Conector reto 6">
-                <a:extLst>
-                  <a:ext uri="{FF2B5EF4-FFF2-40B4-BE49-F238E27FC236}">
-                    <a16:creationId xmlns:a16="http://schemas.microsoft.com/office/drawing/2014/main" id="{108E4EB3-0A18-7674-4972-08EE9EB6C50A}"/>
-                  </a:ext>
-                </a:extLst>
-              </p:cNvPr>
-              <p:cNvCxnSpPr>
-                <a:cxnSpLocks/>
-              </p:cNvCxnSpPr>
-              <p:nvPr/>
-            </p:nvCxnSpPr>
-            <p:spPr>
-              <a:xfrm>
-                <a:off x="3988118" y="3038475"/>
-                <a:ext cx="0" cy="559594"/>
-              </a:xfrm>
-              <a:prstGeom prst="line">
-                <a:avLst/>
-              </a:prstGeom>
-              <a:ln w="19050">
-                <a:solidFill>
-                  <a:srgbClr val="FF0000"/>
-                </a:solidFill>
-              </a:ln>
-            </p:spPr>
-            <p:style>
-              <a:lnRef idx="1">
-                <a:schemeClr val="accent1"/>
-              </a:lnRef>
-              <a:fillRef idx="0">
-                <a:schemeClr val="accent1"/>
-              </a:fillRef>
-              <a:effectRef idx="0">
-                <a:schemeClr val="accent1"/>
-              </a:effectRef>
-              <a:fontRef idx="minor">
-                <a:schemeClr val="tx1"/>
-              </a:fontRef>
-            </p:style>
-          </p:cxnSp>
-          <p:cxnSp>
-            <p:nvCxnSpPr>
-              <p:cNvPr id="8" name="Conector reto 7">
-                <a:extLst>
-                  <a:ext uri="{FF2B5EF4-FFF2-40B4-BE49-F238E27FC236}">
-                    <a16:creationId xmlns:a16="http://schemas.microsoft.com/office/drawing/2014/main" id="{2DD01A53-07A0-0690-1495-693F9ECD4A00}"/>
-                  </a:ext>
-                </a:extLst>
-              </p:cNvPr>
-              <p:cNvCxnSpPr>
-                <a:cxnSpLocks/>
-              </p:cNvCxnSpPr>
-              <p:nvPr/>
-            </p:nvCxnSpPr>
-            <p:spPr>
-              <a:xfrm>
-                <a:off x="3249931" y="3579019"/>
-                <a:ext cx="0" cy="383382"/>
-              </a:xfrm>
-              <a:prstGeom prst="line">
-                <a:avLst/>
-              </a:prstGeom>
-              <a:ln w="19050">
-                <a:solidFill>
-                  <a:srgbClr val="FF0000"/>
-                </a:solidFill>
-              </a:ln>
-            </p:spPr>
-            <p:style>
-              <a:lnRef idx="1">
-                <a:schemeClr val="accent1"/>
-              </a:lnRef>
-              <a:fillRef idx="0">
-                <a:schemeClr val="accent1"/>
-              </a:fillRef>
-              <a:effectRef idx="0">
-                <a:schemeClr val="accent1"/>
-              </a:effectRef>
-              <a:fontRef idx="minor">
-                <a:schemeClr val="tx1"/>
-              </a:fontRef>
-            </p:style>
-          </p:cxnSp>
-          <p:cxnSp>
-            <p:nvCxnSpPr>
-              <p:cNvPr id="9" name="Conector reto 8">
-                <a:extLst>
-                  <a:ext uri="{FF2B5EF4-FFF2-40B4-BE49-F238E27FC236}">
-                    <a16:creationId xmlns:a16="http://schemas.microsoft.com/office/drawing/2014/main" id="{CB18CCA6-494D-B0A3-4D7E-74DA8CC3B8A0}"/>
-                  </a:ext>
-                </a:extLst>
-              </p:cNvPr>
-              <p:cNvCxnSpPr>
-                <a:cxnSpLocks/>
-              </p:cNvCxnSpPr>
-              <p:nvPr/>
-            </p:nvCxnSpPr>
-            <p:spPr>
-              <a:xfrm>
-                <a:off x="2516506" y="4143375"/>
-                <a:ext cx="0" cy="195263"/>
-              </a:xfrm>
-              <a:prstGeom prst="line">
-                <a:avLst/>
-              </a:prstGeom>
-              <a:ln w="19050">
-                <a:solidFill>
-                  <a:srgbClr val="FF0000"/>
-                </a:solidFill>
-              </a:ln>
-            </p:spPr>
-            <p:style>
-              <a:lnRef idx="1">
-                <a:schemeClr val="accent1"/>
-              </a:lnRef>
-              <a:fillRef idx="0">
-                <a:schemeClr val="accent1"/>
-              </a:fillRef>
-              <a:effectRef idx="0">
-                <a:schemeClr val="accent1"/>
-              </a:effectRef>
-              <a:fontRef idx="minor">
-                <a:schemeClr val="tx1"/>
-              </a:fontRef>
-            </p:style>
-          </p:cxnSp>
-          <p:cxnSp>
-            <p:nvCxnSpPr>
-              <p:cNvPr id="10" name="Conector reto 9">
-                <a:extLst>
-                  <a:ext uri="{FF2B5EF4-FFF2-40B4-BE49-F238E27FC236}">
-                    <a16:creationId xmlns:a16="http://schemas.microsoft.com/office/drawing/2014/main" id="{A2C62E84-F226-525B-CA91-F7ED46F858A3}"/>
-                  </a:ext>
-                </a:extLst>
-              </p:cNvPr>
-              <p:cNvCxnSpPr>
-                <a:cxnSpLocks/>
-              </p:cNvCxnSpPr>
-              <p:nvPr/>
-            </p:nvCxnSpPr>
-            <p:spPr>
-              <a:xfrm>
-                <a:off x="1037750" y="5050635"/>
-                <a:ext cx="0" cy="195263"/>
-              </a:xfrm>
-              <a:prstGeom prst="line">
-                <a:avLst/>
-              </a:prstGeom>
-              <a:ln w="19050">
-                <a:solidFill>
-                  <a:srgbClr val="FF0000"/>
-                </a:solidFill>
-              </a:ln>
-            </p:spPr>
-            <p:style>
-              <a:lnRef idx="1">
-                <a:schemeClr val="accent1"/>
-              </a:lnRef>
-              <a:fillRef idx="0">
-                <a:schemeClr val="accent1"/>
-              </a:fillRef>
-              <a:effectRef idx="0">
-                <a:schemeClr val="accent1"/>
-              </a:effectRef>
-              <a:fontRef idx="minor">
-                <a:schemeClr val="tx1"/>
-              </a:fontRef>
-            </p:style>
-          </p:cxnSp>
-        </p:grpSp>
-        <p:sp>
-          <p:nvSpPr>
-            <p:cNvPr id="11" name="CaixaDeTexto 10">
-              <a:extLst>
-                <a:ext uri="{FF2B5EF4-FFF2-40B4-BE49-F238E27FC236}">
-                  <a16:creationId xmlns:a16="http://schemas.microsoft.com/office/drawing/2014/main" id="{319F74EA-B98D-DDFF-AB65-A7E1DCDF4697}"/>
-                </a:ext>
-              </a:extLst>
-            </p:cNvPr>
-            <p:cNvSpPr txBox="1"/>
-            <p:nvPr/>
-          </p:nvSpPr>
-          <p:spPr>
-            <a:xfrm>
-              <a:off x="1050166" y="5012580"/>
-              <a:ext cx="531524" cy="369332"/>
-            </a:xfrm>
-            <a:prstGeom prst="rect">
-              <a:avLst/>
-            </a:prstGeom>
-            <a:noFill/>
-          </p:spPr>
-          <p:txBody>
-            <a:bodyPr wrap="square" rtlCol="0">
-              <a:spAutoFit/>
-            </a:bodyPr>
-            <a:lstStyle/>
-            <a:p>
-              <a:r>
-                <a:rPr lang="pt-BR" dirty="0"/>
-                <a:t>1</a:t>
-              </a:r>
-            </a:p>
-          </p:txBody>
-        </p:sp>
-        <p:sp>
-          <p:nvSpPr>
-            <p:cNvPr id="12" name="CaixaDeTexto 11">
-              <a:extLst>
-                <a:ext uri="{FF2B5EF4-FFF2-40B4-BE49-F238E27FC236}">
-                  <a16:creationId xmlns:a16="http://schemas.microsoft.com/office/drawing/2014/main" id="{88FD813C-F31B-C73D-966D-8C7F0F909160}"/>
-                </a:ext>
-              </a:extLst>
-            </p:cNvPr>
-            <p:cNvSpPr txBox="1"/>
-            <p:nvPr/>
-          </p:nvSpPr>
-          <p:spPr>
-            <a:xfrm>
-              <a:off x="1794198" y="4598076"/>
-              <a:ext cx="531524" cy="369332"/>
-            </a:xfrm>
-            <a:prstGeom prst="rect">
-              <a:avLst/>
-            </a:prstGeom>
-            <a:noFill/>
-          </p:spPr>
-          <p:txBody>
-            <a:bodyPr wrap="square" rtlCol="0">
-              <a:spAutoFit/>
-            </a:bodyPr>
-            <a:lstStyle/>
-            <a:p>
-              <a:r>
-                <a:rPr lang="pt-BR" dirty="0"/>
-                <a:t>0</a:t>
-              </a:r>
-            </a:p>
-          </p:txBody>
-        </p:sp>
-        <p:sp>
-          <p:nvSpPr>
-            <p:cNvPr id="13" name="CaixaDeTexto 12">
-              <a:extLst>
-                <a:ext uri="{FF2B5EF4-FFF2-40B4-BE49-F238E27FC236}">
-                  <a16:creationId xmlns:a16="http://schemas.microsoft.com/office/drawing/2014/main" id="{C852C7D1-AB69-D606-FC4E-0B5C2BACB107}"/>
-                </a:ext>
-              </a:extLst>
-            </p:cNvPr>
-            <p:cNvSpPr txBox="1"/>
-            <p:nvPr/>
-          </p:nvSpPr>
-          <p:spPr>
-            <a:xfrm>
-              <a:off x="2551446" y="4154017"/>
-              <a:ext cx="531524" cy="369332"/>
-            </a:xfrm>
-            <a:prstGeom prst="rect">
-              <a:avLst/>
-            </a:prstGeom>
-            <a:noFill/>
-          </p:spPr>
-          <p:txBody>
-            <a:bodyPr wrap="square" rtlCol="0">
-              <a:spAutoFit/>
-            </a:bodyPr>
-            <a:lstStyle/>
-            <a:p>
-              <a:r>
-                <a:rPr lang="pt-BR" dirty="0"/>
-                <a:t>1</a:t>
-              </a:r>
-            </a:p>
-          </p:txBody>
-        </p:sp>
-        <p:sp>
-          <p:nvSpPr>
-            <p:cNvPr id="14" name="CaixaDeTexto 13">
-              <a:extLst>
-                <a:ext uri="{FF2B5EF4-FFF2-40B4-BE49-F238E27FC236}">
-                  <a16:creationId xmlns:a16="http://schemas.microsoft.com/office/drawing/2014/main" id="{9E922D3C-5A4A-3D21-6197-DBAF14CDD453}"/>
-                </a:ext>
-              </a:extLst>
-            </p:cNvPr>
-            <p:cNvSpPr txBox="1"/>
-            <p:nvPr/>
-          </p:nvSpPr>
-          <p:spPr>
-            <a:xfrm>
-              <a:off x="3270315" y="3686733"/>
-              <a:ext cx="531524" cy="369332"/>
-            </a:xfrm>
-            <a:prstGeom prst="rect">
-              <a:avLst/>
-            </a:prstGeom>
-            <a:noFill/>
-          </p:spPr>
-          <p:txBody>
-            <a:bodyPr wrap="square" rtlCol="0">
-              <a:spAutoFit/>
-            </a:bodyPr>
-            <a:lstStyle/>
-            <a:p>
-              <a:r>
-                <a:rPr lang="pt-BR" dirty="0"/>
-                <a:t>4</a:t>
-              </a:r>
-            </a:p>
-          </p:txBody>
-        </p:sp>
-        <p:sp>
-          <p:nvSpPr>
-            <p:cNvPr id="15" name="CaixaDeTexto 14">
-              <a:extLst>
-                <a:ext uri="{FF2B5EF4-FFF2-40B4-BE49-F238E27FC236}">
-                  <a16:creationId xmlns:a16="http://schemas.microsoft.com/office/drawing/2014/main" id="{0086DBF0-CF72-E0B1-1CAA-C89D91AF58FC}"/>
-                </a:ext>
-              </a:extLst>
-            </p:cNvPr>
-            <p:cNvSpPr txBox="1"/>
-            <p:nvPr/>
-          </p:nvSpPr>
-          <p:spPr>
-            <a:xfrm>
-              <a:off x="4010104" y="3215801"/>
-              <a:ext cx="531524" cy="369332"/>
-            </a:xfrm>
-            <a:prstGeom prst="rect">
-              <a:avLst/>
-            </a:prstGeom>
-            <a:noFill/>
-          </p:spPr>
-          <p:txBody>
-            <a:bodyPr wrap="square" rtlCol="0">
-              <a:spAutoFit/>
-            </a:bodyPr>
-            <a:lstStyle/>
-            <a:p>
-              <a:r>
-                <a:rPr lang="pt-BR" dirty="0"/>
-                <a:t>9</a:t>
-              </a:r>
-            </a:p>
-          </p:txBody>
-        </p:sp>
-        <p:sp>
-          <p:nvSpPr>
-            <p:cNvPr id="16" name="CaixaDeTexto 15">
-              <a:extLst>
-                <a:ext uri="{FF2B5EF4-FFF2-40B4-BE49-F238E27FC236}">
-                  <a16:creationId xmlns:a16="http://schemas.microsoft.com/office/drawing/2014/main" id="{BFC5DBDA-2B32-374E-2937-C6D4CC105E04}"/>
-                </a:ext>
-              </a:extLst>
-            </p:cNvPr>
-            <p:cNvSpPr txBox="1"/>
-            <p:nvPr/>
-          </p:nvSpPr>
-          <p:spPr>
-            <a:xfrm>
-              <a:off x="4721073" y="2763481"/>
-              <a:ext cx="531524" cy="369332"/>
-            </a:xfrm>
-            <a:prstGeom prst="rect">
-              <a:avLst/>
-            </a:prstGeom>
-            <a:noFill/>
-          </p:spPr>
-          <p:txBody>
-            <a:bodyPr wrap="square" rtlCol="0">
-              <a:spAutoFit/>
-            </a:bodyPr>
-            <a:lstStyle/>
-            <a:p>
-              <a:r>
-                <a:rPr lang="pt-BR" dirty="0"/>
-                <a:t>16</a:t>
-              </a:r>
-            </a:p>
-          </p:txBody>
-        </p:sp>
-      </p:grpSp>
       <mc:AlternateContent xmlns:mc="http://schemas.openxmlformats.org/markup-compatibility/2006">
         <mc:Choice xmlns:a14="http://schemas.microsoft.com/office/drawing/2010/main" Requires="a14">
           <p:sp>
@@ -4982,8 +4469,8 @@
             </p:nvSpPr>
             <p:spPr>
               <a:xfrm>
-                <a:off x="133948" y="5684244"/>
-                <a:ext cx="5767225" cy="670568"/>
+                <a:off x="0" y="5966722"/>
+                <a:ext cx="6708641" cy="670568"/>
               </a:xfrm>
               <a:prstGeom prst="rect">
                 <a:avLst/>
@@ -4996,6 +4483,7 @@
               </a:bodyPr>
               <a:lstStyle/>
               <a:p>
+                <a:pPr/>
                 <a14:m>
                   <m:oMathPara xmlns:m="http://schemas.openxmlformats.org/officeDocument/2006/math">
                     <m:oMathParaPr>
@@ -5009,43 +4497,7 @@
                         <a:rPr lang="pt-BR" sz="2000" b="0" i="0" smtClean="0">
                           <a:latin typeface="Cambria Math" panose="02040503050406030204" pitchFamily="18" charset="0"/>
                         </a:rPr>
-                        <m:t>erro</m:t>
-                      </m:r>
-                      <m:r>
-                        <a:rPr lang="pt-BR" sz="2000" b="0" i="0" smtClean="0">
-                          <a:latin typeface="Cambria Math" panose="02040503050406030204" pitchFamily="18" charset="0"/>
-                        </a:rPr>
-                        <m:t> </m:t>
-                      </m:r>
-                      <m:r>
-                        <m:rPr>
-                          <m:sty m:val="p"/>
-                        </m:rPr>
-                        <a:rPr lang="pt-BR" sz="2000" b="0" i="0" smtClean="0">
-                          <a:latin typeface="Cambria Math" panose="02040503050406030204" pitchFamily="18" charset="0"/>
-                        </a:rPr>
-                        <m:t>m</m:t>
-                      </m:r>
-                      <m:r>
-                        <a:rPr lang="pt-BR" sz="2000" b="0" i="0" smtClean="0">
-                          <a:latin typeface="Cambria Math" panose="02040503050406030204" pitchFamily="18" charset="0"/>
-                        </a:rPr>
-                        <m:t>é</m:t>
-                      </m:r>
-                      <m:r>
-                        <m:rPr>
-                          <m:sty m:val="p"/>
-                        </m:rPr>
-                        <a:rPr lang="pt-BR" sz="2000" b="0" i="0" smtClean="0">
-                          <a:latin typeface="Cambria Math" panose="02040503050406030204" pitchFamily="18" charset="0"/>
-                        </a:rPr>
-                        <m:t>dio</m:t>
-                      </m:r>
-                      <m:r>
-                        <a:rPr lang="pt-BR" sz="2000" b="0" i="0" smtClean="0">
-                          <a:latin typeface="Cambria Math" panose="02040503050406030204" pitchFamily="18" charset="0"/>
-                        </a:rPr>
-                        <m:t> </m:t>
+                        <m:t>EQM</m:t>
                       </m:r>
                       <m:r>
                         <a:rPr lang="pt-BR" sz="2000" b="0" i="1" smtClean="0">
@@ -5082,7 +4534,13 @@
                         <a:rPr lang="pt-BR" sz="2000" b="0" i="1" smtClean="0">
                           <a:latin typeface="Cambria Math" panose="02040503050406030204" pitchFamily="18" charset="0"/>
                         </a:rPr>
-                        <m:t>=5.17</m:t>
+                        <m:t>=</m:t>
+                      </m:r>
+                      <m:r>
+                        <a:rPr lang="pt-BR" sz="2000" i="1">
+                          <a:latin typeface="Cambria Math" panose="02040503050406030204" pitchFamily="18" charset="0"/>
+                        </a:rPr>
+                        <m:t>5.17</m:t>
                       </m:r>
                     </m:oMath>
                   </m:oMathPara>
@@ -5109,14 +4567,14 @@
             </p:nvSpPr>
             <p:spPr>
               <a:xfrm>
-                <a:off x="133948" y="5684244"/>
-                <a:ext cx="5767225" cy="670568"/>
+                <a:off x="0" y="5966722"/>
+                <a:ext cx="6708641" cy="670568"/>
               </a:xfrm>
               <a:prstGeom prst="rect">
                 <a:avLst/>
               </a:prstGeom>
               <a:blipFill>
-                <a:blip r:embed="rId3"/>
+                <a:blip r:embed="rId2"/>
                 <a:stretch>
                   <a:fillRect/>
                 </a:stretch>
@@ -5151,7 +4609,7 @@
         </p:nvSpPr>
         <p:spPr>
           <a:xfrm>
-            <a:off x="1840100" y="5646029"/>
+            <a:off x="1799763" y="5930777"/>
             <a:ext cx="531524" cy="461665"/>
           </a:xfrm>
           <a:prstGeom prst="ellipse">
@@ -5203,7 +4661,7 @@
         </p:nvSpPr>
         <p:spPr>
           <a:xfrm>
-            <a:off x="2756968" y="5637227"/>
+            <a:off x="2716631" y="5921975"/>
             <a:ext cx="531524" cy="461665"/>
           </a:xfrm>
           <a:prstGeom prst="ellipse">
@@ -5241,110 +4699,878 @@
           </a:p>
         </p:txBody>
       </p:sp>
-      <p:sp>
-        <p:nvSpPr>
-          <p:cNvPr id="21" name="Elipse 20">
+      <p:grpSp>
+        <p:nvGrpSpPr>
+          <p:cNvPr id="25" name="Agrupar 24">
             <a:extLst>
               <a:ext uri="{FF2B5EF4-FFF2-40B4-BE49-F238E27FC236}">
-                <a16:creationId xmlns:a16="http://schemas.microsoft.com/office/drawing/2014/main" id="{E872EBD6-3B01-CA1B-1131-CA2567F9A9ED}"/>
+                <a16:creationId xmlns:a16="http://schemas.microsoft.com/office/drawing/2014/main" id="{1A6ED2DA-25CE-E3E3-BAB3-9815A7D28358}"/>
               </a:ext>
             </a:extLst>
           </p:cNvPr>
-          <p:cNvSpPr/>
+          <p:cNvGrpSpPr/>
           <p:nvPr/>
-        </p:nvSpPr>
-        <p:spPr>
+        </p:nvGrpSpPr>
+        <p:grpSpPr>
           <a:xfrm>
-            <a:off x="954125" y="4643407"/>
-            <a:ext cx="531524" cy="461665"/>
+            <a:off x="838200" y="1547971"/>
+            <a:ext cx="4915689" cy="3568398"/>
+            <a:chOff x="400408" y="2051201"/>
+            <a:chExt cx="4915689" cy="3568398"/>
           </a:xfrm>
-          <a:prstGeom prst="ellipse">
-            <a:avLst/>
-          </a:prstGeom>
-          <a:noFill/>
-          <a:ln w="19050">
-            <a:solidFill>
-              <a:srgbClr val="FF0000"/>
-            </a:solidFill>
-          </a:ln>
-        </p:spPr>
-        <p:style>
-          <a:lnRef idx="2">
-            <a:schemeClr val="accent1">
-              <a:shade val="15000"/>
-            </a:schemeClr>
-          </a:lnRef>
-          <a:fillRef idx="1">
-            <a:schemeClr val="accent1"/>
-          </a:fillRef>
-          <a:effectRef idx="0">
-            <a:schemeClr val="accent1"/>
-          </a:effectRef>
-          <a:fontRef idx="minor">
-            <a:schemeClr val="lt1"/>
-          </a:fontRef>
-        </p:style>
-        <p:txBody>
-          <a:bodyPr rtlCol="0" anchor="ctr"/>
-          <a:lstStyle/>
-          <a:p>
-            <a:pPr algn="ctr"/>
-            <a:endParaRPr lang="pt-BR"/>
-          </a:p>
-        </p:txBody>
-      </p:sp>
-      <p:sp>
-        <p:nvSpPr>
-          <p:cNvPr id="22" name="Elipse 21">
-            <a:extLst>
-              <a:ext uri="{FF2B5EF4-FFF2-40B4-BE49-F238E27FC236}">
-                <a16:creationId xmlns:a16="http://schemas.microsoft.com/office/drawing/2014/main" id="{7C6891EA-E337-0F90-D14F-45641BBAEBBD}"/>
-              </a:ext>
-            </a:extLst>
-          </p:cNvPr>
-          <p:cNvSpPr/>
-          <p:nvPr/>
-        </p:nvSpPr>
-        <p:spPr>
-          <a:xfrm>
-            <a:off x="2361031" y="3804532"/>
-            <a:ext cx="531524" cy="461665"/>
-          </a:xfrm>
-          <a:prstGeom prst="ellipse">
-            <a:avLst/>
-          </a:prstGeom>
-          <a:noFill/>
-          <a:ln w="19050">
-            <a:solidFill>
-              <a:srgbClr val="FF0000"/>
-            </a:solidFill>
-          </a:ln>
-        </p:spPr>
-        <p:style>
-          <a:lnRef idx="2">
-            <a:schemeClr val="accent1">
-              <a:shade val="15000"/>
-            </a:schemeClr>
-          </a:lnRef>
-          <a:fillRef idx="1">
-            <a:schemeClr val="accent1"/>
-          </a:fillRef>
-          <a:effectRef idx="0">
-            <a:schemeClr val="accent1"/>
-          </a:effectRef>
-          <a:fontRef idx="minor">
-            <a:schemeClr val="lt1"/>
-          </a:fontRef>
-        </p:style>
-        <p:txBody>
-          <a:bodyPr rtlCol="0" anchor="ctr"/>
-          <a:lstStyle/>
-          <a:p>
-            <a:pPr algn="ctr"/>
-            <a:endParaRPr lang="pt-BR"/>
-          </a:p>
-        </p:txBody>
-      </p:sp>
+        </p:grpSpPr>
+        <p:grpSp>
+          <p:nvGrpSpPr>
+            <p:cNvPr id="17" name="Agrupar 16">
+              <a:extLst>
+                <a:ext uri="{FF2B5EF4-FFF2-40B4-BE49-F238E27FC236}">
+                  <a16:creationId xmlns:a16="http://schemas.microsoft.com/office/drawing/2014/main" id="{89212B23-55CD-CCDA-9C3B-BA14483628E4}"/>
+                </a:ext>
+              </a:extLst>
+            </p:cNvPr>
+            <p:cNvGrpSpPr/>
+            <p:nvPr/>
+          </p:nvGrpSpPr>
+          <p:grpSpPr>
+            <a:xfrm>
+              <a:off x="400408" y="2051201"/>
+              <a:ext cx="4915689" cy="3568398"/>
+              <a:chOff x="336908" y="2375202"/>
+              <a:chExt cx="4915689" cy="3568398"/>
+            </a:xfrm>
+          </p:grpSpPr>
+          <p:grpSp>
+            <p:nvGrpSpPr>
+              <p:cNvPr id="4" name="Agrupar 3">
+                <a:extLst>
+                  <a:ext uri="{FF2B5EF4-FFF2-40B4-BE49-F238E27FC236}">
+                    <a16:creationId xmlns:a16="http://schemas.microsoft.com/office/drawing/2014/main" id="{8FF7C909-12C2-1F28-3CD1-F415FDEBCF05}"/>
+                  </a:ext>
+                </a:extLst>
+              </p:cNvPr>
+              <p:cNvGrpSpPr/>
+              <p:nvPr/>
+            </p:nvGrpSpPr>
+            <p:grpSpPr>
+              <a:xfrm>
+                <a:off x="336908" y="2375202"/>
+                <a:ext cx="4654432" cy="3568398"/>
+                <a:chOff x="324492" y="2280864"/>
+                <a:chExt cx="4654432" cy="3568398"/>
+              </a:xfrm>
+            </p:grpSpPr>
+            <p:pic>
+              <p:nvPicPr>
+                <p:cNvPr id="5" name="Picture 2">
+                  <a:extLst>
+                    <a:ext uri="{FF2B5EF4-FFF2-40B4-BE49-F238E27FC236}">
+                      <a16:creationId xmlns:a16="http://schemas.microsoft.com/office/drawing/2014/main" id="{1D1D236C-D17A-910F-590E-14660AC344E8}"/>
+                    </a:ext>
+                  </a:extLst>
+                </p:cNvPr>
+                <p:cNvPicPr>
+                  <a:picLocks noChangeAspect="1" noChangeArrowheads="1"/>
+                </p:cNvPicPr>
+                <p:nvPr/>
+              </p:nvPicPr>
+              <p:blipFill>
+                <a:blip r:embed="rId3">
+                  <a:extLst>
+                    <a:ext uri="{28A0092B-C50C-407E-A947-70E740481C1C}">
+                      <a14:useLocalDpi xmlns:a14="http://schemas.microsoft.com/office/drawing/2010/main" val="0"/>
+                    </a:ext>
+                  </a:extLst>
+                </a:blip>
+                <a:srcRect/>
+                <a:stretch>
+                  <a:fillRect/>
+                </a:stretch>
+              </p:blipFill>
+              <p:spPr bwMode="auto">
+                <a:xfrm>
+                  <a:off x="324492" y="2280864"/>
+                  <a:ext cx="4654432" cy="3568398"/>
+                </a:xfrm>
+                <a:prstGeom prst="rect">
+                  <a:avLst/>
+                </a:prstGeom>
+                <a:noFill/>
+                <a:extLst>
+                  <a:ext uri="{909E8E84-426E-40DD-AFC4-6F175D3DCCD1}">
+                    <a14:hiddenFill xmlns:a14="http://schemas.microsoft.com/office/drawing/2010/main">
+                      <a:solidFill>
+                        <a:srgbClr val="FFFFFF"/>
+                      </a:solidFill>
+                    </a14:hiddenFill>
+                  </a:ext>
+                </a:extLst>
+              </p:spPr>
+            </p:pic>
+            <p:cxnSp>
+              <p:nvCxnSpPr>
+                <p:cNvPr id="6" name="Conector reto 5">
+                  <a:extLst>
+                    <a:ext uri="{FF2B5EF4-FFF2-40B4-BE49-F238E27FC236}">
+                      <a16:creationId xmlns:a16="http://schemas.microsoft.com/office/drawing/2014/main" id="{17F923C8-0338-E3A0-307C-4C48FF5D48E6}"/>
+                    </a:ext>
+                  </a:extLst>
+                </p:cNvPr>
+                <p:cNvCxnSpPr>
+                  <a:cxnSpLocks/>
+                </p:cNvCxnSpPr>
+                <p:nvPr/>
+              </p:nvCxnSpPr>
+              <p:spPr>
+                <a:xfrm>
+                  <a:off x="4719638" y="2488406"/>
+                  <a:ext cx="0" cy="757238"/>
+                </a:xfrm>
+                <a:prstGeom prst="line">
+                  <a:avLst/>
+                </a:prstGeom>
+                <a:ln w="19050">
+                  <a:solidFill>
+                    <a:srgbClr val="FF0000"/>
+                  </a:solidFill>
+                </a:ln>
+              </p:spPr>
+              <p:style>
+                <a:lnRef idx="1">
+                  <a:schemeClr val="accent1"/>
+                </a:lnRef>
+                <a:fillRef idx="0">
+                  <a:schemeClr val="accent1"/>
+                </a:fillRef>
+                <a:effectRef idx="0">
+                  <a:schemeClr val="accent1"/>
+                </a:effectRef>
+                <a:fontRef idx="minor">
+                  <a:schemeClr val="tx1"/>
+                </a:fontRef>
+              </p:style>
+            </p:cxnSp>
+            <p:cxnSp>
+              <p:nvCxnSpPr>
+                <p:cNvPr id="7" name="Conector reto 6">
+                  <a:extLst>
+                    <a:ext uri="{FF2B5EF4-FFF2-40B4-BE49-F238E27FC236}">
+                      <a16:creationId xmlns:a16="http://schemas.microsoft.com/office/drawing/2014/main" id="{108E4EB3-0A18-7674-4972-08EE9EB6C50A}"/>
+                    </a:ext>
+                  </a:extLst>
+                </p:cNvPr>
+                <p:cNvCxnSpPr>
+                  <a:cxnSpLocks/>
+                </p:cNvCxnSpPr>
+                <p:nvPr/>
+              </p:nvCxnSpPr>
+              <p:spPr>
+                <a:xfrm>
+                  <a:off x="3988118" y="3038475"/>
+                  <a:ext cx="0" cy="559594"/>
+                </a:xfrm>
+                <a:prstGeom prst="line">
+                  <a:avLst/>
+                </a:prstGeom>
+                <a:ln w="19050">
+                  <a:solidFill>
+                    <a:srgbClr val="FF0000"/>
+                  </a:solidFill>
+                </a:ln>
+              </p:spPr>
+              <p:style>
+                <a:lnRef idx="1">
+                  <a:schemeClr val="accent1"/>
+                </a:lnRef>
+                <a:fillRef idx="0">
+                  <a:schemeClr val="accent1"/>
+                </a:fillRef>
+                <a:effectRef idx="0">
+                  <a:schemeClr val="accent1"/>
+                </a:effectRef>
+                <a:fontRef idx="minor">
+                  <a:schemeClr val="tx1"/>
+                </a:fontRef>
+              </p:style>
+            </p:cxnSp>
+            <p:cxnSp>
+              <p:nvCxnSpPr>
+                <p:cNvPr id="8" name="Conector reto 7">
+                  <a:extLst>
+                    <a:ext uri="{FF2B5EF4-FFF2-40B4-BE49-F238E27FC236}">
+                      <a16:creationId xmlns:a16="http://schemas.microsoft.com/office/drawing/2014/main" id="{2DD01A53-07A0-0690-1495-693F9ECD4A00}"/>
+                    </a:ext>
+                  </a:extLst>
+                </p:cNvPr>
+                <p:cNvCxnSpPr>
+                  <a:cxnSpLocks/>
+                </p:cNvCxnSpPr>
+                <p:nvPr/>
+              </p:nvCxnSpPr>
+              <p:spPr>
+                <a:xfrm>
+                  <a:off x="3249931" y="3579019"/>
+                  <a:ext cx="0" cy="383382"/>
+                </a:xfrm>
+                <a:prstGeom prst="line">
+                  <a:avLst/>
+                </a:prstGeom>
+                <a:ln w="19050">
+                  <a:solidFill>
+                    <a:srgbClr val="FF0000"/>
+                  </a:solidFill>
+                </a:ln>
+              </p:spPr>
+              <p:style>
+                <a:lnRef idx="1">
+                  <a:schemeClr val="accent1"/>
+                </a:lnRef>
+                <a:fillRef idx="0">
+                  <a:schemeClr val="accent1"/>
+                </a:fillRef>
+                <a:effectRef idx="0">
+                  <a:schemeClr val="accent1"/>
+                </a:effectRef>
+                <a:fontRef idx="minor">
+                  <a:schemeClr val="tx1"/>
+                </a:fontRef>
+              </p:style>
+            </p:cxnSp>
+            <p:cxnSp>
+              <p:nvCxnSpPr>
+                <p:cNvPr id="9" name="Conector reto 8">
+                  <a:extLst>
+                    <a:ext uri="{FF2B5EF4-FFF2-40B4-BE49-F238E27FC236}">
+                      <a16:creationId xmlns:a16="http://schemas.microsoft.com/office/drawing/2014/main" id="{CB18CCA6-494D-B0A3-4D7E-74DA8CC3B8A0}"/>
+                    </a:ext>
+                  </a:extLst>
+                </p:cNvPr>
+                <p:cNvCxnSpPr>
+                  <a:cxnSpLocks/>
+                </p:cNvCxnSpPr>
+                <p:nvPr/>
+              </p:nvCxnSpPr>
+              <p:spPr>
+                <a:xfrm>
+                  <a:off x="2516506" y="4143375"/>
+                  <a:ext cx="0" cy="195263"/>
+                </a:xfrm>
+                <a:prstGeom prst="line">
+                  <a:avLst/>
+                </a:prstGeom>
+                <a:ln w="19050">
+                  <a:solidFill>
+                    <a:srgbClr val="FF0000"/>
+                  </a:solidFill>
+                </a:ln>
+              </p:spPr>
+              <p:style>
+                <a:lnRef idx="1">
+                  <a:schemeClr val="accent1"/>
+                </a:lnRef>
+                <a:fillRef idx="0">
+                  <a:schemeClr val="accent1"/>
+                </a:fillRef>
+                <a:effectRef idx="0">
+                  <a:schemeClr val="accent1"/>
+                </a:effectRef>
+                <a:fontRef idx="minor">
+                  <a:schemeClr val="tx1"/>
+                </a:fontRef>
+              </p:style>
+            </p:cxnSp>
+            <p:cxnSp>
+              <p:nvCxnSpPr>
+                <p:cNvPr id="10" name="Conector reto 9">
+                  <a:extLst>
+                    <a:ext uri="{FF2B5EF4-FFF2-40B4-BE49-F238E27FC236}">
+                      <a16:creationId xmlns:a16="http://schemas.microsoft.com/office/drawing/2014/main" id="{A2C62E84-F226-525B-CA91-F7ED46F858A3}"/>
+                    </a:ext>
+                  </a:extLst>
+                </p:cNvPr>
+                <p:cNvCxnSpPr>
+                  <a:cxnSpLocks/>
+                </p:cNvCxnSpPr>
+                <p:nvPr/>
+              </p:nvCxnSpPr>
+              <p:spPr>
+                <a:xfrm>
+                  <a:off x="1037750" y="5050635"/>
+                  <a:ext cx="0" cy="195263"/>
+                </a:xfrm>
+                <a:prstGeom prst="line">
+                  <a:avLst/>
+                </a:prstGeom>
+                <a:ln w="19050">
+                  <a:solidFill>
+                    <a:srgbClr val="FF0000"/>
+                  </a:solidFill>
+                </a:ln>
+              </p:spPr>
+              <p:style>
+                <a:lnRef idx="1">
+                  <a:schemeClr val="accent1"/>
+                </a:lnRef>
+                <a:fillRef idx="0">
+                  <a:schemeClr val="accent1"/>
+                </a:fillRef>
+                <a:effectRef idx="0">
+                  <a:schemeClr val="accent1"/>
+                </a:effectRef>
+                <a:fontRef idx="minor">
+                  <a:schemeClr val="tx1"/>
+                </a:fontRef>
+              </p:style>
+            </p:cxnSp>
+          </p:grpSp>
+          <p:sp>
+            <p:nvSpPr>
+              <p:cNvPr id="11" name="CaixaDeTexto 10">
+                <a:extLst>
+                  <a:ext uri="{FF2B5EF4-FFF2-40B4-BE49-F238E27FC236}">
+                    <a16:creationId xmlns:a16="http://schemas.microsoft.com/office/drawing/2014/main" id="{319F74EA-B98D-DDFF-AB65-A7E1DCDF4697}"/>
+                  </a:ext>
+                </a:extLst>
+              </p:cNvPr>
+              <p:cNvSpPr txBox="1"/>
+              <p:nvPr/>
+            </p:nvSpPr>
+            <p:spPr>
+              <a:xfrm>
+                <a:off x="1050166" y="5012580"/>
+                <a:ext cx="531524" cy="369332"/>
+              </a:xfrm>
+              <a:prstGeom prst="rect">
+                <a:avLst/>
+              </a:prstGeom>
+              <a:noFill/>
+            </p:spPr>
+            <p:txBody>
+              <a:bodyPr wrap="square" rtlCol="0">
+                <a:spAutoFit/>
+              </a:bodyPr>
+              <a:lstStyle/>
+              <a:p>
+                <a:r>
+                  <a:rPr lang="pt-BR" dirty="0"/>
+                  <a:t>1</a:t>
+                </a:r>
+              </a:p>
+            </p:txBody>
+          </p:sp>
+          <p:sp>
+            <p:nvSpPr>
+              <p:cNvPr id="12" name="CaixaDeTexto 11">
+                <a:extLst>
+                  <a:ext uri="{FF2B5EF4-FFF2-40B4-BE49-F238E27FC236}">
+                    <a16:creationId xmlns:a16="http://schemas.microsoft.com/office/drawing/2014/main" id="{88FD813C-F31B-C73D-966D-8C7F0F909160}"/>
+                  </a:ext>
+                </a:extLst>
+              </p:cNvPr>
+              <p:cNvSpPr txBox="1"/>
+              <p:nvPr/>
+            </p:nvSpPr>
+            <p:spPr>
+              <a:xfrm>
+                <a:off x="1794198" y="4598076"/>
+                <a:ext cx="531524" cy="369332"/>
+              </a:xfrm>
+              <a:prstGeom prst="rect">
+                <a:avLst/>
+              </a:prstGeom>
+              <a:noFill/>
+            </p:spPr>
+            <p:txBody>
+              <a:bodyPr wrap="square" rtlCol="0">
+                <a:spAutoFit/>
+              </a:bodyPr>
+              <a:lstStyle/>
+              <a:p>
+                <a:r>
+                  <a:rPr lang="pt-BR" dirty="0"/>
+                  <a:t>0</a:t>
+                </a:r>
+              </a:p>
+            </p:txBody>
+          </p:sp>
+          <p:sp>
+            <p:nvSpPr>
+              <p:cNvPr id="13" name="CaixaDeTexto 12">
+                <a:extLst>
+                  <a:ext uri="{FF2B5EF4-FFF2-40B4-BE49-F238E27FC236}">
+                    <a16:creationId xmlns:a16="http://schemas.microsoft.com/office/drawing/2014/main" id="{C852C7D1-AB69-D606-FC4E-0B5C2BACB107}"/>
+                  </a:ext>
+                </a:extLst>
+              </p:cNvPr>
+              <p:cNvSpPr txBox="1"/>
+              <p:nvPr/>
+            </p:nvSpPr>
+            <p:spPr>
+              <a:xfrm>
+                <a:off x="2551446" y="4154017"/>
+                <a:ext cx="531524" cy="369332"/>
+              </a:xfrm>
+              <a:prstGeom prst="rect">
+                <a:avLst/>
+              </a:prstGeom>
+              <a:noFill/>
+            </p:spPr>
+            <p:txBody>
+              <a:bodyPr wrap="square" rtlCol="0">
+                <a:spAutoFit/>
+              </a:bodyPr>
+              <a:lstStyle/>
+              <a:p>
+                <a:r>
+                  <a:rPr lang="pt-BR" dirty="0"/>
+                  <a:t>1</a:t>
+                </a:r>
+              </a:p>
+            </p:txBody>
+          </p:sp>
+          <p:sp>
+            <p:nvSpPr>
+              <p:cNvPr id="14" name="CaixaDeTexto 13">
+                <a:extLst>
+                  <a:ext uri="{FF2B5EF4-FFF2-40B4-BE49-F238E27FC236}">
+                    <a16:creationId xmlns:a16="http://schemas.microsoft.com/office/drawing/2014/main" id="{9E922D3C-5A4A-3D21-6197-DBAF14CDD453}"/>
+                  </a:ext>
+                </a:extLst>
+              </p:cNvPr>
+              <p:cNvSpPr txBox="1"/>
+              <p:nvPr/>
+            </p:nvSpPr>
+            <p:spPr>
+              <a:xfrm>
+                <a:off x="3270315" y="3686733"/>
+                <a:ext cx="531524" cy="369332"/>
+              </a:xfrm>
+              <a:prstGeom prst="rect">
+                <a:avLst/>
+              </a:prstGeom>
+              <a:noFill/>
+            </p:spPr>
+            <p:txBody>
+              <a:bodyPr wrap="square" rtlCol="0">
+                <a:spAutoFit/>
+              </a:bodyPr>
+              <a:lstStyle/>
+              <a:p>
+                <a:r>
+                  <a:rPr lang="pt-BR" dirty="0"/>
+                  <a:t>4</a:t>
+                </a:r>
+              </a:p>
+            </p:txBody>
+          </p:sp>
+          <p:sp>
+            <p:nvSpPr>
+              <p:cNvPr id="15" name="CaixaDeTexto 14">
+                <a:extLst>
+                  <a:ext uri="{FF2B5EF4-FFF2-40B4-BE49-F238E27FC236}">
+                    <a16:creationId xmlns:a16="http://schemas.microsoft.com/office/drawing/2014/main" id="{0086DBF0-CF72-E0B1-1CAA-C89D91AF58FC}"/>
+                  </a:ext>
+                </a:extLst>
+              </p:cNvPr>
+              <p:cNvSpPr txBox="1"/>
+              <p:nvPr/>
+            </p:nvSpPr>
+            <p:spPr>
+              <a:xfrm>
+                <a:off x="4010104" y="3215801"/>
+                <a:ext cx="531524" cy="369332"/>
+              </a:xfrm>
+              <a:prstGeom prst="rect">
+                <a:avLst/>
+              </a:prstGeom>
+              <a:noFill/>
+            </p:spPr>
+            <p:txBody>
+              <a:bodyPr wrap="square" rtlCol="0">
+                <a:spAutoFit/>
+              </a:bodyPr>
+              <a:lstStyle/>
+              <a:p>
+                <a:r>
+                  <a:rPr lang="pt-BR" dirty="0"/>
+                  <a:t>9</a:t>
+                </a:r>
+              </a:p>
+            </p:txBody>
+          </p:sp>
+          <p:sp>
+            <p:nvSpPr>
+              <p:cNvPr id="16" name="CaixaDeTexto 15">
+                <a:extLst>
+                  <a:ext uri="{FF2B5EF4-FFF2-40B4-BE49-F238E27FC236}">
+                    <a16:creationId xmlns:a16="http://schemas.microsoft.com/office/drawing/2014/main" id="{BFC5DBDA-2B32-374E-2937-C6D4CC105E04}"/>
+                  </a:ext>
+                </a:extLst>
+              </p:cNvPr>
+              <p:cNvSpPr txBox="1"/>
+              <p:nvPr/>
+            </p:nvSpPr>
+            <p:spPr>
+              <a:xfrm>
+                <a:off x="4721073" y="2763481"/>
+                <a:ext cx="531524" cy="369332"/>
+              </a:xfrm>
+              <a:prstGeom prst="rect">
+                <a:avLst/>
+              </a:prstGeom>
+              <a:noFill/>
+            </p:spPr>
+            <p:txBody>
+              <a:bodyPr wrap="square" rtlCol="0">
+                <a:spAutoFit/>
+              </a:bodyPr>
+              <a:lstStyle/>
+              <a:p>
+                <a:r>
+                  <a:rPr lang="pt-BR" dirty="0"/>
+                  <a:t>16</a:t>
+                </a:r>
+              </a:p>
+            </p:txBody>
+          </p:sp>
+        </p:grpSp>
+        <p:sp>
+          <p:nvSpPr>
+            <p:cNvPr id="21" name="Elipse 20">
+              <a:extLst>
+                <a:ext uri="{FF2B5EF4-FFF2-40B4-BE49-F238E27FC236}">
+                  <a16:creationId xmlns:a16="http://schemas.microsoft.com/office/drawing/2014/main" id="{E872EBD6-3B01-CA1B-1131-CA2567F9A9ED}"/>
+                </a:ext>
+              </a:extLst>
+            </p:cNvPr>
+            <p:cNvSpPr/>
+            <p:nvPr/>
+          </p:nvSpPr>
+          <p:spPr>
+            <a:xfrm>
+              <a:off x="954125" y="4643407"/>
+              <a:ext cx="531524" cy="461665"/>
+            </a:xfrm>
+            <a:prstGeom prst="ellipse">
+              <a:avLst/>
+            </a:prstGeom>
+            <a:noFill/>
+            <a:ln w="19050">
+              <a:solidFill>
+                <a:srgbClr val="FF0000"/>
+              </a:solidFill>
+            </a:ln>
+          </p:spPr>
+          <p:style>
+            <a:lnRef idx="2">
+              <a:schemeClr val="accent1">
+                <a:shade val="15000"/>
+              </a:schemeClr>
+            </a:lnRef>
+            <a:fillRef idx="1">
+              <a:schemeClr val="accent1"/>
+            </a:fillRef>
+            <a:effectRef idx="0">
+              <a:schemeClr val="accent1"/>
+            </a:effectRef>
+            <a:fontRef idx="minor">
+              <a:schemeClr val="lt1"/>
+            </a:fontRef>
+          </p:style>
+          <p:txBody>
+            <a:bodyPr rtlCol="0" anchor="ctr"/>
+            <a:lstStyle/>
+            <a:p>
+              <a:pPr algn="ctr"/>
+              <a:endParaRPr lang="pt-BR"/>
+            </a:p>
+          </p:txBody>
+        </p:sp>
+        <p:sp>
+          <p:nvSpPr>
+            <p:cNvPr id="22" name="Elipse 21">
+              <a:extLst>
+                <a:ext uri="{FF2B5EF4-FFF2-40B4-BE49-F238E27FC236}">
+                  <a16:creationId xmlns:a16="http://schemas.microsoft.com/office/drawing/2014/main" id="{7C6891EA-E337-0F90-D14F-45641BBAEBBD}"/>
+                </a:ext>
+              </a:extLst>
+            </p:cNvPr>
+            <p:cNvSpPr/>
+            <p:nvPr/>
+          </p:nvSpPr>
+          <p:spPr>
+            <a:xfrm>
+              <a:off x="2361031" y="3804532"/>
+              <a:ext cx="531524" cy="461665"/>
+            </a:xfrm>
+            <a:prstGeom prst="ellipse">
+              <a:avLst/>
+            </a:prstGeom>
+            <a:noFill/>
+            <a:ln w="19050">
+              <a:solidFill>
+                <a:srgbClr val="FF0000"/>
+              </a:solidFill>
+            </a:ln>
+          </p:spPr>
+          <p:style>
+            <a:lnRef idx="2">
+              <a:schemeClr val="accent1">
+                <a:shade val="15000"/>
+              </a:schemeClr>
+            </a:lnRef>
+            <a:fillRef idx="1">
+              <a:schemeClr val="accent1"/>
+            </a:fillRef>
+            <a:effectRef idx="0">
+              <a:schemeClr val="accent1"/>
+            </a:effectRef>
+            <a:fontRef idx="minor">
+              <a:schemeClr val="lt1"/>
+            </a:fontRef>
+          </p:style>
+          <p:txBody>
+            <a:bodyPr rtlCol="0" anchor="ctr"/>
+            <a:lstStyle/>
+            <a:p>
+              <a:pPr algn="ctr"/>
+              <a:endParaRPr lang="pt-BR"/>
+            </a:p>
+          </p:txBody>
+        </p:sp>
+      </p:grpSp>
+      <mc:AlternateContent xmlns:mc="http://schemas.openxmlformats.org/markup-compatibility/2006">
+        <mc:Choice xmlns:a14="http://schemas.microsoft.com/office/drawing/2010/main" Requires="a14">
+          <p:sp>
+            <p:nvSpPr>
+              <p:cNvPr id="26" name="CaixaDeTexto 25">
+                <a:extLst>
+                  <a:ext uri="{FF2B5EF4-FFF2-40B4-BE49-F238E27FC236}">
+                    <a16:creationId xmlns:a16="http://schemas.microsoft.com/office/drawing/2014/main" id="{EA0B3A29-D4D6-FCDB-D400-00DDC5DD35B0}"/>
+                  </a:ext>
+                </a:extLst>
+              </p:cNvPr>
+              <p:cNvSpPr txBox="1"/>
+              <p:nvPr/>
+            </p:nvSpPr>
+            <p:spPr>
+              <a:xfrm>
+                <a:off x="0" y="5156527"/>
+                <a:ext cx="6358883" cy="737189"/>
+              </a:xfrm>
+              <a:prstGeom prst="rect">
+                <a:avLst/>
+              </a:prstGeom>
+              <a:noFill/>
+            </p:spPr>
+            <p:txBody>
+              <a:bodyPr wrap="square" rtlCol="0">
+                <a:spAutoFit/>
+              </a:bodyPr>
+              <a:lstStyle/>
+              <a:p>
+                <a:pPr/>
+                <a14:m>
+                  <m:oMathPara xmlns:m="http://schemas.openxmlformats.org/officeDocument/2006/math">
+                    <m:oMathParaPr>
+                      <m:jc m:val="centerGroup"/>
+                    </m:oMathParaPr>
+                    <m:oMath xmlns:m="http://schemas.openxmlformats.org/officeDocument/2006/math">
+                      <m:r>
+                        <m:rPr>
+                          <m:sty m:val="p"/>
+                        </m:rPr>
+                        <a:rPr lang="pt-BR" sz="2000" b="0" i="0" smtClean="0">
+                          <a:latin typeface="Cambria Math" panose="02040503050406030204" pitchFamily="18" charset="0"/>
+                        </a:rPr>
+                        <m:t>erro</m:t>
+                      </m:r>
+                      <m:r>
+                        <a:rPr lang="pt-BR" sz="2000" b="0" i="0" smtClean="0">
+                          <a:latin typeface="Cambria Math" panose="02040503050406030204" pitchFamily="18" charset="0"/>
+                        </a:rPr>
+                        <m:t> </m:t>
+                      </m:r>
+                      <m:r>
+                        <m:rPr>
+                          <m:sty m:val="p"/>
+                        </m:rPr>
+                        <a:rPr lang="pt-BR" sz="2000" b="0" i="0" smtClean="0">
+                          <a:latin typeface="Cambria Math" panose="02040503050406030204" pitchFamily="18" charset="0"/>
+                        </a:rPr>
+                        <m:t>quadr</m:t>
+                      </m:r>
+                      <m:r>
+                        <a:rPr lang="pt-BR" sz="2000" b="0" i="0" smtClean="0">
+                          <a:latin typeface="Cambria Math" panose="02040503050406030204" pitchFamily="18" charset="0"/>
+                        </a:rPr>
+                        <m:t>á</m:t>
+                      </m:r>
+                      <m:r>
+                        <m:rPr>
+                          <m:sty m:val="p"/>
+                        </m:rPr>
+                        <a:rPr lang="pt-BR" sz="2000" b="0" i="0" smtClean="0">
+                          <a:latin typeface="Cambria Math" panose="02040503050406030204" pitchFamily="18" charset="0"/>
+                        </a:rPr>
+                        <m:t>tico</m:t>
+                      </m:r>
+                      <m:r>
+                        <a:rPr lang="pt-BR" sz="2000" b="0" i="0" smtClean="0">
+                          <a:latin typeface="Cambria Math" panose="02040503050406030204" pitchFamily="18" charset="0"/>
+                        </a:rPr>
+                        <m:t> </m:t>
+                      </m:r>
+                      <m:r>
+                        <m:rPr>
+                          <m:sty m:val="p"/>
+                        </m:rPr>
+                        <a:rPr lang="pt-BR" sz="2000" b="0" i="0" smtClean="0">
+                          <a:latin typeface="Cambria Math" panose="02040503050406030204" pitchFamily="18" charset="0"/>
+                        </a:rPr>
+                        <m:t>m</m:t>
+                      </m:r>
+                      <m:r>
+                        <a:rPr lang="pt-BR" sz="2000" b="0" i="0" smtClean="0">
+                          <a:latin typeface="Cambria Math" panose="02040503050406030204" pitchFamily="18" charset="0"/>
+                        </a:rPr>
+                        <m:t>é</m:t>
+                      </m:r>
+                      <m:r>
+                        <m:rPr>
+                          <m:sty m:val="p"/>
+                        </m:rPr>
+                        <a:rPr lang="pt-BR" sz="2000" b="0" i="0" smtClean="0">
+                          <a:latin typeface="Cambria Math" panose="02040503050406030204" pitchFamily="18" charset="0"/>
+                        </a:rPr>
+                        <m:t>dio</m:t>
+                      </m:r>
+                      <m:r>
+                        <a:rPr lang="pt-BR" sz="2000" b="0" i="0" smtClean="0">
+                          <a:latin typeface="Cambria Math" panose="02040503050406030204" pitchFamily="18" charset="0"/>
+                        </a:rPr>
+                        <m:t> (</m:t>
+                      </m:r>
+                      <m:r>
+                        <m:rPr>
+                          <m:sty m:val="p"/>
+                        </m:rPr>
+                        <a:rPr lang="pt-BR" sz="2000" b="0" i="0" smtClean="0">
+                          <a:latin typeface="Cambria Math" panose="02040503050406030204" pitchFamily="18" charset="0"/>
+                        </a:rPr>
+                        <m:t>EQM</m:t>
+                      </m:r>
+                      <m:r>
+                        <a:rPr lang="pt-BR" sz="2000" b="0" i="0" smtClean="0">
+                          <a:latin typeface="Cambria Math" panose="02040503050406030204" pitchFamily="18" charset="0"/>
+                        </a:rPr>
+                        <m:t>) </m:t>
+                      </m:r>
+                      <m:r>
+                        <a:rPr lang="pt-BR" sz="2000" b="0" i="1" smtClean="0">
+                          <a:latin typeface="Cambria Math" panose="02040503050406030204" pitchFamily="18" charset="0"/>
+                        </a:rPr>
+                        <m:t>=</m:t>
+                      </m:r>
+                      <m:f>
+                        <m:fPr>
+                          <m:ctrlPr>
+                            <a:rPr lang="pt-BR" sz="2000" b="0" i="1" smtClean="0">
+                              <a:latin typeface="Cambria Math" panose="02040503050406030204" pitchFamily="18" charset="0"/>
+                            </a:rPr>
+                          </m:ctrlPr>
+                        </m:fPr>
+                        <m:num>
+                          <m:sSup>
+                            <m:sSupPr>
+                              <m:ctrlPr>
+                                <a:rPr lang="pt-BR" sz="2000" b="0" i="1" smtClean="0">
+                                  <a:latin typeface="Cambria Math" panose="02040503050406030204" pitchFamily="18" charset="0"/>
+                                </a:rPr>
+                              </m:ctrlPr>
+                            </m:sSupPr>
+                            <m:e>
+                              <m:r>
+                                <m:rPr>
+                                  <m:sty m:val="p"/>
+                                </m:rPr>
+                                <a:rPr lang="pt-BR" sz="2000" b="0" i="0" smtClean="0">
+                                  <a:latin typeface="Cambria Math" panose="02040503050406030204" pitchFamily="18" charset="0"/>
+                                </a:rPr>
+                                <m:t>diff</m:t>
+                              </m:r>
+                            </m:e>
+                            <m:sup>
+                              <m:r>
+                                <a:rPr lang="pt-BR" sz="2000" b="0" i="1" smtClean="0">
+                                  <a:latin typeface="Cambria Math" panose="02040503050406030204" pitchFamily="18" charset="0"/>
+                                </a:rPr>
+                                <m:t>2</m:t>
+                              </m:r>
+                            </m:sup>
+                          </m:sSup>
+                        </m:num>
+                        <m:den>
+                          <m:r>
+                            <a:rPr lang="pt-BR" sz="2000" b="0" i="1" smtClean="0">
+                              <a:latin typeface="Cambria Math" panose="02040503050406030204" pitchFamily="18" charset="0"/>
+                            </a:rPr>
+                            <m:t>6</m:t>
+                          </m:r>
+                        </m:den>
+                      </m:f>
+                    </m:oMath>
+                  </m:oMathPara>
+                </a14:m>
+                <a:endParaRPr lang="pt-BR" sz="2000" dirty="0"/>
+              </a:p>
+            </p:txBody>
+          </p:sp>
+        </mc:Choice>
+        <mc:Fallback>
+          <p:sp>
+            <p:nvSpPr>
+              <p:cNvPr id="26" name="CaixaDeTexto 25">
+                <a:extLst>
+                  <a:ext uri="{FF2B5EF4-FFF2-40B4-BE49-F238E27FC236}">
+                    <a16:creationId xmlns:a16="http://schemas.microsoft.com/office/drawing/2014/main" id="{EA0B3A29-D4D6-FCDB-D400-00DDC5DD35B0}"/>
+                  </a:ext>
+                </a:extLst>
+              </p:cNvPr>
+              <p:cNvSpPr txBox="1">
+                <a:spLocks noRot="1" noChangeAspect="1" noMove="1" noResize="1" noEditPoints="1" noAdjustHandles="1" noChangeArrowheads="1" noChangeShapeType="1" noTextEdit="1"/>
+              </p:cNvSpPr>
+              <p:nvPr/>
+            </p:nvSpPr>
+            <p:spPr>
+              <a:xfrm>
+                <a:off x="0" y="5156527"/>
+                <a:ext cx="6358883" cy="737189"/>
+              </a:xfrm>
+              <a:prstGeom prst="rect">
+                <a:avLst/>
+              </a:prstGeom>
+              <a:blipFill>
+                <a:blip r:embed="rId4"/>
+                <a:stretch>
+                  <a:fillRect/>
+                </a:stretch>
+              </a:blipFill>
+            </p:spPr>
+            <p:txBody>
+              <a:bodyPr/>
+              <a:lstStyle/>
+              <a:p>
+                <a:r>
+                  <a:rPr lang="pt-BR">
+                    <a:noFill/>
+                  </a:rPr>
+                  <a:t> </a:t>
+                </a:r>
+              </a:p>
+            </p:txBody>
+          </p:sp>
+        </mc:Fallback>
+      </mc:AlternateContent>
     </p:spTree>
     <p:extLst>
       <p:ext uri="{BB962C8B-B14F-4D97-AF65-F5344CB8AC3E}">
@@ -5403,8 +5629,8 @@
           </a:p>
         </p:txBody>
       </p:sp>
-      <mc:AlternateContent xmlns:mc="http://schemas.openxmlformats.org/markup-compatibility/2006">
-        <mc:Choice xmlns:a14="http://schemas.microsoft.com/office/drawing/2010/main" Requires="a14">
+      <mc:AlternateContent xmlns:mc="http://schemas.openxmlformats.org/markup-compatibility/2006" xmlns:a14="http://schemas.microsoft.com/office/drawing/2010/main">
+        <mc:Choice Requires="a14">
           <p:sp>
             <p:nvSpPr>
               <p:cNvPr id="3" name="Espaço Reservado para Conteúdo 2">
@@ -5505,7 +5731,7 @@
             </p:txBody>
           </p:sp>
         </mc:Choice>
-        <mc:Fallback>
+        <mc:Fallback xmlns="">
           <p:sp>
             <p:nvSpPr>
               <p:cNvPr id="3" name="Espaço Reservado para Conteúdo 2">
@@ -5585,8 +5811,8 @@
           </a:prstGeom>
         </p:spPr>
       </p:pic>
-      <mc:AlternateContent xmlns:mc="http://schemas.openxmlformats.org/markup-compatibility/2006">
-        <mc:Choice xmlns:a14="http://schemas.microsoft.com/office/drawing/2010/main" Requires="a14">
+      <mc:AlternateContent xmlns:mc="http://schemas.openxmlformats.org/markup-compatibility/2006" xmlns:a14="http://schemas.microsoft.com/office/drawing/2010/main">
+        <mc:Choice Requires="a14">
           <p:sp>
             <p:nvSpPr>
               <p:cNvPr id="9" name="CaixaDeTexto 8">
@@ -5652,7 +5878,7 @@
                             <a:rPr lang="pt-BR" sz="3200" b="0" i="0" smtClean="0">
                               <a:latin typeface="Cambria Math" panose="02040503050406030204" pitchFamily="18" charset="0"/>
                             </a:rPr>
-                            <m:t>-</m:t>
+                            <m:t>−</m:t>
                           </m:r>
                           <m:r>
                             <a:rPr lang="pt-BR" sz="3200" b="0" i="1" smtClean="0">
@@ -5672,7 +5898,7 @@
             </p:txBody>
           </p:sp>
         </mc:Choice>
-        <mc:Fallback>
+        <mc:Fallback xmlns="">
           <p:sp>
             <p:nvSpPr>
               <p:cNvPr id="9" name="CaixaDeTexto 8">
@@ -5717,8 +5943,8 @@
           </p:sp>
         </mc:Fallback>
       </mc:AlternateContent>
-      <mc:AlternateContent xmlns:mc="http://schemas.openxmlformats.org/markup-compatibility/2006">
-        <mc:Choice xmlns:a14="http://schemas.microsoft.com/office/drawing/2010/main" Requires="a14">
+      <mc:AlternateContent xmlns:mc="http://schemas.openxmlformats.org/markup-compatibility/2006" xmlns:a14="http://schemas.microsoft.com/office/drawing/2010/main">
+        <mc:Choice Requires="a14">
           <p:sp>
             <p:nvSpPr>
               <p:cNvPr id="10" name="CaixaDeTexto 9">
@@ -5778,25 +6004,7 @@
                         <a:rPr lang="pt-BR" sz="3200" b="0" i="1" smtClean="0">
                           <a:latin typeface="Cambria Math" panose="02040503050406030204" pitchFamily="18" charset="0"/>
                         </a:rPr>
-                        <m:t>=−</m:t>
-                      </m:r>
-                      <m:r>
-                        <a:rPr lang="pt-BR" sz="3200" b="0" i="1" smtClean="0">
-                          <a:latin typeface="Cambria Math" panose="02040503050406030204" pitchFamily="18" charset="0"/>
-                        </a:rPr>
-                        <m:t>2</m:t>
-                      </m:r>
-                      <m:r>
-                        <a:rPr lang="pt-BR" sz="3200" b="0" i="1" smtClean="0">
-                          <a:latin typeface="Cambria Math" panose="02040503050406030204" pitchFamily="18" charset="0"/>
-                        </a:rPr>
-                        <m:t>+</m:t>
-                      </m:r>
-                      <m:r>
-                        <a:rPr lang="pt-BR" sz="3200" b="0" i="1" smtClean="0">
-                          <a:latin typeface="Cambria Math" panose="02040503050406030204" pitchFamily="18" charset="0"/>
-                        </a:rPr>
-                        <m:t>2</m:t>
+                        <m:t>=−2+2</m:t>
                       </m:r>
                       <m:r>
                         <a:rPr lang="pt-BR" sz="3200" b="0" i="1" smtClean="0">
@@ -5812,7 +6020,7 @@
             </p:txBody>
           </p:sp>
         </mc:Choice>
-        <mc:Fallback>
+        <mc:Fallback xmlns="">
           <p:sp>
             <p:nvSpPr>
               <p:cNvPr id="10" name="CaixaDeTexto 9">
@@ -5896,10 +6104,11 @@
                 </a:lvl1pPr>
               </a:lstStyle>
               <a:p>
+                <a:pPr/>
                 <a14:m>
                   <m:oMathPara xmlns:m="http://schemas.openxmlformats.org/officeDocument/2006/math">
                     <m:oMathParaPr>
-                      <m:jc m:val="centerGroup"/>
+                      <m:jc m:val="left"/>
                     </m:oMathParaPr>
                     <m:oMath xmlns:m="http://schemas.openxmlformats.org/officeDocument/2006/math">
                       <m:acc>
@@ -5921,7 +6130,9 @@
                         </m:e>
                       </m:acc>
                       <m:r>
-                        <a:rPr lang="pt-BR"/>
+                        <a:rPr lang="pt-BR">
+                          <a:latin typeface="Cambria Math" panose="02040503050406030204" pitchFamily="18" charset="0"/>
+                        </a:rPr>
                         <m:t>=</m:t>
                       </m:r>
                       <m:d>
@@ -5929,7 +6140,9 @@
                           <m:begChr m:val="{"/>
                           <m:endChr m:val="}"/>
                           <m:ctrlPr>
-                            <a:rPr lang="pt-BR"/>
+                            <a:rPr lang="pt-BR" i="1">
+                              <a:latin typeface="Cambria Math" panose="02040503050406030204" pitchFamily="18" charset="0"/>
+                            </a:rPr>
                           </m:ctrlPr>
                         </m:dPr>
                         <m:e>
@@ -5938,7 +6151,7 @@
                               <m:nor/>
                             </m:rPr>
                             <a:rPr lang="pt-BR" b="0" i="0" smtClean="0"/>
-                            <m:t>-</m:t>
+                            <m:t>−</m:t>
                           </m:r>
                           <m:r>
                             <m:rPr>
@@ -5966,7 +6179,7 @@
                               <m:nor/>
                             </m:rPr>
                             <a:rPr lang="pt-BR" b="0" i="0" smtClean="0"/>
-                            <m:t>-</m:t>
+                            <m:t>−</m:t>
                           </m:r>
                           <m:r>
                             <m:rPr>
@@ -6121,8 +6334,8 @@
           </a:p>
         </p:txBody>
       </p:sp>
-      <mc:AlternateContent xmlns:mc="http://schemas.openxmlformats.org/markup-compatibility/2006">
-        <mc:Choice xmlns:a14="http://schemas.microsoft.com/office/drawing/2010/main" Requires="a14">
+      <mc:AlternateContent xmlns:mc="http://schemas.openxmlformats.org/markup-compatibility/2006" xmlns:a14="http://schemas.microsoft.com/office/drawing/2010/main">
+        <mc:Choice Requires="a14">
           <p:sp>
             <p:nvSpPr>
               <p:cNvPr id="15" name="CaixaDeTexto 14">
@@ -6217,7 +6430,7 @@
             </p:txBody>
           </p:sp>
         </mc:Choice>
-        <mc:Fallback>
+        <mc:Fallback xmlns="">
           <p:sp>
             <p:nvSpPr>
               <p:cNvPr id="15" name="CaixaDeTexto 14">
@@ -6297,8 +6510,8 @@
           </a:p>
         </p:txBody>
       </p:sp>
-      <mc:AlternateContent xmlns:mc="http://schemas.openxmlformats.org/markup-compatibility/2006">
-        <mc:Choice xmlns:a14="http://schemas.microsoft.com/office/drawing/2010/main" Requires="a14">
+      <mc:AlternateContent xmlns:mc="http://schemas.openxmlformats.org/markup-compatibility/2006" xmlns:a14="http://schemas.microsoft.com/office/drawing/2010/main">
+        <mc:Choice Requires="a14">
           <p:sp>
             <p:nvSpPr>
               <p:cNvPr id="17" name="CaixaDeTexto 16">
@@ -6383,55 +6596,7 @@
                             <a:rPr lang="pt-BR" sz="3200" b="0" i="1" smtClean="0">
                               <a:latin typeface="Cambria Math" panose="02040503050406030204" pitchFamily="18" charset="0"/>
                             </a:rPr>
-                            <m:t>1</m:t>
-                          </m:r>
-                          <m:r>
-                            <a:rPr lang="pt-BR" sz="3200" b="0" i="1" smtClean="0">
-                              <a:latin typeface="Cambria Math" panose="02040503050406030204" pitchFamily="18" charset="0"/>
-                            </a:rPr>
-                            <m:t>, </m:t>
-                          </m:r>
-                          <m:r>
-                            <a:rPr lang="pt-BR" sz="3200" b="0" i="1" smtClean="0">
-                              <a:latin typeface="Cambria Math" panose="02040503050406030204" pitchFamily="18" charset="0"/>
-                            </a:rPr>
-                            <m:t>1</m:t>
-                          </m:r>
-                          <m:r>
-                            <a:rPr lang="pt-BR" sz="3200" b="0" i="1" smtClean="0">
-                              <a:latin typeface="Cambria Math" panose="02040503050406030204" pitchFamily="18" charset="0"/>
-                            </a:rPr>
-                            <m:t>, 1, </m:t>
-                          </m:r>
-                          <m:r>
-                            <a:rPr lang="pt-BR" sz="3200" b="0" i="1" smtClean="0">
-                              <a:latin typeface="Cambria Math" panose="02040503050406030204" pitchFamily="18" charset="0"/>
-                            </a:rPr>
-                            <m:t>1</m:t>
-                          </m:r>
-                          <m:r>
-                            <a:rPr lang="pt-BR" sz="3200" b="0" i="1" smtClean="0">
-                              <a:latin typeface="Cambria Math" panose="02040503050406030204" pitchFamily="18" charset="0"/>
-                            </a:rPr>
-                            <m:t>, </m:t>
-                          </m:r>
-                          <m:r>
-                            <a:rPr lang="pt-BR" sz="3200" b="0" i="1" smtClean="0">
-                              <a:latin typeface="Cambria Math" panose="02040503050406030204" pitchFamily="18" charset="0"/>
-                            </a:rPr>
-                            <m:t>1</m:t>
-                          </m:r>
-                          <m:r>
-                            <a:rPr lang="pt-BR" sz="3200" b="0" i="1" smtClean="0">
-                              <a:latin typeface="Cambria Math" panose="02040503050406030204" pitchFamily="18" charset="0"/>
-                            </a:rPr>
-                            <m:t>, </m:t>
-                          </m:r>
-                          <m:r>
-                            <a:rPr lang="pt-BR" sz="3200" b="0" i="1" smtClean="0">
-                              <a:latin typeface="Cambria Math" panose="02040503050406030204" pitchFamily="18" charset="0"/>
-                            </a:rPr>
-                            <m:t>1</m:t>
+                            <m:t>1, 1, 1, 1, 1, 1</m:t>
                           </m:r>
                         </m:e>
                       </m:d>
@@ -6443,7 +6608,7 @@
             </p:txBody>
           </p:sp>
         </mc:Choice>
-        <mc:Fallback>
+        <mc:Fallback xmlns="">
           <p:sp>
             <p:nvSpPr>
               <p:cNvPr id="17" name="CaixaDeTexto 16">
@@ -6581,8 +6746,8 @@
           </a:p>
         </p:txBody>
       </p:sp>
-      <mc:AlternateContent xmlns:mc="http://schemas.openxmlformats.org/markup-compatibility/2006">
-        <mc:Choice xmlns:a14="http://schemas.microsoft.com/office/drawing/2010/main" Requires="a14">
+      <mc:AlternateContent xmlns:mc="http://schemas.openxmlformats.org/markup-compatibility/2006" xmlns:a14="http://schemas.microsoft.com/office/drawing/2010/main">
+        <mc:Choice Requires="a14">
           <p:sp>
             <p:nvSpPr>
               <p:cNvPr id="3" name="Espaço Reservado para Conteúdo 2">
@@ -6676,7 +6841,7 @@
             </p:txBody>
           </p:sp>
         </mc:Choice>
-        <mc:Fallback>
+        <mc:Fallback xmlns="">
           <p:sp>
             <p:nvSpPr>
               <p:cNvPr id="3" name="Espaço Reservado para Conteúdo 2">
@@ -6720,8 +6885,8 @@
           </p:sp>
         </mc:Fallback>
       </mc:AlternateContent>
-      <mc:AlternateContent xmlns:mc="http://schemas.openxmlformats.org/markup-compatibility/2006">
-        <mc:Choice xmlns:a14="http://schemas.microsoft.com/office/drawing/2010/main" Requires="a14">
+      <mc:AlternateContent xmlns:mc="http://schemas.openxmlformats.org/markup-compatibility/2006" xmlns:a14="http://schemas.microsoft.com/office/drawing/2010/main">
+        <mc:Choice Requires="a14">
           <p:sp>
             <p:nvSpPr>
               <p:cNvPr id="5" name="CaixaDeTexto 4">
@@ -6781,25 +6946,7 @@
                         <a:rPr lang="pt-BR" sz="2800" b="0" i="1" smtClean="0">
                           <a:latin typeface="Cambria Math" panose="02040503050406030204" pitchFamily="18" charset="0"/>
                         </a:rPr>
-                        <m:t>=−</m:t>
-                      </m:r>
-                      <m:r>
-                        <a:rPr lang="pt-BR" sz="2800" b="0" i="1" smtClean="0">
-                          <a:latin typeface="Cambria Math" panose="02040503050406030204" pitchFamily="18" charset="0"/>
-                        </a:rPr>
-                        <m:t>2</m:t>
-                      </m:r>
-                      <m:r>
-                        <a:rPr lang="pt-BR" sz="2800" b="0" i="1" smtClean="0">
-                          <a:latin typeface="Cambria Math" panose="02040503050406030204" pitchFamily="18" charset="0"/>
-                        </a:rPr>
-                        <m:t>+</m:t>
-                      </m:r>
-                      <m:r>
-                        <a:rPr lang="pt-BR" sz="2800" b="0" i="1" smtClean="0">
-                          <a:latin typeface="Cambria Math" panose="02040503050406030204" pitchFamily="18" charset="0"/>
-                        </a:rPr>
-                        <m:t>2</m:t>
+                        <m:t>=−2+2</m:t>
                       </m:r>
                       <m:r>
                         <a:rPr lang="pt-BR" sz="2800" b="0" i="1" smtClean="0">
@@ -6815,7 +6962,7 @@
             </p:txBody>
           </p:sp>
         </mc:Choice>
-        <mc:Fallback>
+        <mc:Fallback xmlns="">
           <p:sp>
             <p:nvSpPr>
               <p:cNvPr id="5" name="CaixaDeTexto 4">
@@ -6860,8 +7007,8 @@
           </p:sp>
         </mc:Fallback>
       </mc:AlternateContent>
-      <mc:AlternateContent xmlns:mc="http://schemas.openxmlformats.org/markup-compatibility/2006">
-        <mc:Choice xmlns:a14="http://schemas.microsoft.com/office/drawing/2010/main" Requires="a14">
+      <mc:AlternateContent xmlns:mc="http://schemas.openxmlformats.org/markup-compatibility/2006" xmlns:a14="http://schemas.microsoft.com/office/drawing/2010/main">
+        <mc:Choice Requires="a14">
           <p:sp>
             <p:nvSpPr>
               <p:cNvPr id="4" name="CaixaDeTexto 3">
@@ -6927,7 +7074,7 @@
                             <a:rPr lang="pt-BR" sz="2800" b="0" i="0" smtClean="0">
                               <a:latin typeface="Cambria Math" panose="02040503050406030204" pitchFamily="18" charset="0"/>
                             </a:rPr>
-                            <m:t>-</m:t>
+                            <m:t>−</m:t>
                           </m:r>
                           <m:r>
                             <a:rPr lang="pt-BR" sz="2800" b="0" i="1" smtClean="0">
@@ -6947,7 +7094,7 @@
             </p:txBody>
           </p:sp>
         </mc:Choice>
-        <mc:Fallback>
+        <mc:Fallback xmlns="">
           <p:sp>
             <p:nvSpPr>
               <p:cNvPr id="4" name="CaixaDeTexto 3">
@@ -7044,8 +7191,8 @@
             </p:nvSpPr>
             <p:spPr>
               <a:xfrm>
-                <a:off x="0" y="3042489"/>
-                <a:ext cx="5795455" cy="786177"/>
+                <a:off x="838200" y="3042489"/>
+                <a:ext cx="4957255" cy="786177"/>
               </a:xfrm>
               <a:prstGeom prst="rect">
                 <a:avLst/>
@@ -7058,10 +7205,11 @@
               </a:bodyPr>
               <a:lstStyle/>
               <a:p>
+                <a:pPr/>
                 <a14:m>
                   <m:oMathPara xmlns:m="http://schemas.openxmlformats.org/officeDocument/2006/math">
                     <m:oMathParaPr>
-                      <m:jc m:val="centerGroup"/>
+                      <m:jc m:val="left"/>
                     </m:oMathParaPr>
                     <m:oMath xmlns:m="http://schemas.openxmlformats.org/officeDocument/2006/math">
                       <m:r>
@@ -7071,43 +7219,7 @@
                         <a:rPr lang="pt-BR" sz="2400" b="0" i="0" smtClean="0">
                           <a:latin typeface="Cambria Math" panose="02040503050406030204" pitchFamily="18" charset="0"/>
                         </a:rPr>
-                        <m:t>erro</m:t>
-                      </m:r>
-                      <m:r>
-                        <a:rPr lang="pt-BR" sz="2400" b="0" i="0" smtClean="0">
-                          <a:latin typeface="Cambria Math" panose="02040503050406030204" pitchFamily="18" charset="0"/>
-                        </a:rPr>
-                        <m:t> </m:t>
-                      </m:r>
-                      <m:r>
-                        <m:rPr>
-                          <m:sty m:val="p"/>
-                        </m:rPr>
-                        <a:rPr lang="pt-BR" sz="2400" b="0" i="0" smtClean="0">
-                          <a:latin typeface="Cambria Math" panose="02040503050406030204" pitchFamily="18" charset="0"/>
-                        </a:rPr>
-                        <m:t>m</m:t>
-                      </m:r>
-                      <m:r>
-                        <a:rPr lang="pt-BR" sz="2400" b="0" i="0" smtClean="0">
-                          <a:latin typeface="Cambria Math" panose="02040503050406030204" pitchFamily="18" charset="0"/>
-                        </a:rPr>
-                        <m:t>é</m:t>
-                      </m:r>
-                      <m:r>
-                        <m:rPr>
-                          <m:sty m:val="p"/>
-                        </m:rPr>
-                        <a:rPr lang="pt-BR" sz="2400" b="0" i="0" smtClean="0">
-                          <a:latin typeface="Cambria Math" panose="02040503050406030204" pitchFamily="18" charset="0"/>
-                        </a:rPr>
-                        <m:t>dio</m:t>
-                      </m:r>
-                      <m:r>
-                        <a:rPr lang="pt-BR" sz="2400" b="0" i="0" smtClean="0">
-                          <a:latin typeface="Cambria Math" panose="02040503050406030204" pitchFamily="18" charset="0"/>
-                        </a:rPr>
-                        <m:t> </m:t>
+                        <m:t>EQM</m:t>
                       </m:r>
                       <m:r>
                         <a:rPr lang="pt-BR" sz="2400" b="0" i="1" smtClean="0">
@@ -7207,8 +7319,8 @@
             </p:nvSpPr>
             <p:spPr>
               <a:xfrm>
-                <a:off x="0" y="3042489"/>
-                <a:ext cx="5795455" cy="786177"/>
+                <a:off x="838200" y="3042489"/>
+                <a:ext cx="4957255" cy="786177"/>
               </a:xfrm>
               <a:prstGeom prst="rect">
                 <a:avLst/>
@@ -7423,7 +7535,7 @@
                 </a14:m>
                 <a:r>
                   <a:rPr lang="pt-BR" dirty="0"/>
-                  <a:t> e </a:t>
+                  <a:t> em </a:t>
                 </a:r>
                 <a14:m>
                   <m:oMath xmlns:m="http://schemas.openxmlformats.org/officeDocument/2006/math">
@@ -7437,7 +7549,7 @@
                 </a14:m>
                 <a:r>
                   <a:rPr lang="pt-BR" dirty="0"/>
-                  <a:t>, resultando em um erro médio igual a 0.</a:t>
+                  <a:t>, resultando em um EQM igual a 0.</a:t>
                 </a:r>
               </a:p>
             </p:txBody>
@@ -7468,7 +7580,7 @@
               <a:blipFill>
                 <a:blip r:embed="rId2"/>
                 <a:stretch>
-                  <a:fillRect l="-1840" t="-3340"/>
+                  <a:fillRect l="-1840" t="-3340" r="-1534"/>
                 </a:stretch>
               </a:blipFill>
             </p:spPr>
@@ -7523,8 +7635,8 @@
           </a:prstGeom>
         </p:spPr>
       </p:pic>
-      <mc:AlternateContent xmlns:mc="http://schemas.openxmlformats.org/markup-compatibility/2006">
-        <mc:Choice xmlns:a14="http://schemas.microsoft.com/office/drawing/2010/main" Requires="a14">
+      <mc:AlternateContent xmlns:mc="http://schemas.openxmlformats.org/markup-compatibility/2006" xmlns:a14="http://schemas.microsoft.com/office/drawing/2010/main">
+        <mc:Choice Requires="a14">
           <p:sp>
             <p:nvSpPr>
               <p:cNvPr id="7" name="CaixaDeTexto 6">
@@ -7590,7 +7702,7 @@
                             <a:rPr lang="pt-BR" sz="2800" b="0" i="0" smtClean="0">
                               <a:latin typeface="Cambria Math" panose="02040503050406030204" pitchFamily="18" charset="0"/>
                             </a:rPr>
-                            <m:t>-</m:t>
+                            <m:t>−</m:t>
                           </m:r>
                           <m:r>
                             <a:rPr lang="pt-BR" sz="2800" b="0" i="1" smtClean="0">
@@ -7610,7 +7722,7 @@
             </p:txBody>
           </p:sp>
         </mc:Choice>
-        <mc:Fallback>
+        <mc:Fallback xmlns="">
           <p:sp>
             <p:nvSpPr>
               <p:cNvPr id="7" name="CaixaDeTexto 6">
@@ -7655,8 +7767,8 @@
           </p:sp>
         </mc:Fallback>
       </mc:AlternateContent>
-      <mc:AlternateContent xmlns:mc="http://schemas.openxmlformats.org/markup-compatibility/2006">
-        <mc:Choice xmlns:a14="http://schemas.microsoft.com/office/drawing/2010/main" Requires="a14">
+      <mc:AlternateContent xmlns:mc="http://schemas.openxmlformats.org/markup-compatibility/2006" xmlns:a14="http://schemas.microsoft.com/office/drawing/2010/main">
+        <mc:Choice Requires="a14">
           <p:sp>
             <p:nvSpPr>
               <p:cNvPr id="8" name="CaixaDeTexto 7">
@@ -7716,25 +7828,7 @@
                         <a:rPr lang="pt-BR" sz="2800" b="0" i="1" smtClean="0">
                           <a:latin typeface="Cambria Math" panose="02040503050406030204" pitchFamily="18" charset="0"/>
                         </a:rPr>
-                        <m:t>=−</m:t>
-                      </m:r>
-                      <m:r>
-                        <a:rPr lang="pt-BR" sz="2800" b="0" i="1" smtClean="0">
-                          <a:latin typeface="Cambria Math" panose="02040503050406030204" pitchFamily="18" charset="0"/>
-                        </a:rPr>
-                        <m:t>1</m:t>
-                      </m:r>
-                      <m:r>
-                        <a:rPr lang="pt-BR" sz="2800" b="0" i="1" smtClean="0">
-                          <a:latin typeface="Cambria Math" panose="02040503050406030204" pitchFamily="18" charset="0"/>
-                        </a:rPr>
-                        <m:t>+</m:t>
-                      </m:r>
-                      <m:r>
-                        <a:rPr lang="pt-BR" sz="2800" b="0" i="1" smtClean="0">
-                          <a:latin typeface="Cambria Math" panose="02040503050406030204" pitchFamily="18" charset="0"/>
-                        </a:rPr>
-                        <m:t>2</m:t>
+                        <m:t>=−1+2</m:t>
                       </m:r>
                       <m:r>
                         <a:rPr lang="pt-BR" sz="2800" b="0" i="1" smtClean="0">
@@ -7750,7 +7844,7 @@
             </p:txBody>
           </p:sp>
         </mc:Choice>
-        <mc:Fallback>
+        <mc:Fallback xmlns="">
           <p:sp>
             <p:nvSpPr>
               <p:cNvPr id="8" name="CaixaDeTexto 7">
@@ -7795,8 +7889,8 @@
           </p:sp>
         </mc:Fallback>
       </mc:AlternateContent>
-      <mc:AlternateContent xmlns:mc="http://schemas.openxmlformats.org/markup-compatibility/2006">
-        <mc:Choice xmlns:a14="http://schemas.microsoft.com/office/drawing/2010/main" Requires="a14">
+      <mc:AlternateContent xmlns:mc="http://schemas.openxmlformats.org/markup-compatibility/2006" xmlns:a14="http://schemas.microsoft.com/office/drawing/2010/main">
+        <mc:Choice Requires="a14">
           <p:sp>
             <p:nvSpPr>
               <p:cNvPr id="9" name="CaixaDeTexto 8">
@@ -7834,6 +7928,7 @@
                 </a:lvl1pPr>
               </a:lstStyle>
               <a:p>
+                <a:pPr/>
                 <a14:m>
                   <m:oMathPara xmlns:m="http://schemas.openxmlformats.org/officeDocument/2006/math">
                     <m:oMathParaPr>
@@ -7844,18 +7939,24 @@
                         <m:accPr>
                           <m:chr m:val="̂"/>
                           <m:ctrlPr>
-                            <a:rPr lang="pt-BR" sz="2800" i="1" smtClean="0"/>
+                            <a:rPr lang="pt-BR" sz="2800" i="1" smtClean="0">
+                              <a:latin typeface="Cambria Math" panose="02040503050406030204" pitchFamily="18" charset="0"/>
+                            </a:rPr>
                           </m:ctrlPr>
                         </m:accPr>
                         <m:e>
                           <m:r>
-                            <a:rPr lang="pt-BR" sz="2800" b="1" i="1" smtClean="0"/>
+                            <a:rPr lang="pt-BR" sz="2800" b="1" i="1" smtClean="0">
+                              <a:latin typeface="Cambria Math" panose="02040503050406030204" pitchFamily="18" charset="0"/>
+                            </a:rPr>
                             <m:t>𝒚</m:t>
                           </m:r>
                         </m:e>
                       </m:acc>
                       <m:r>
-                        <a:rPr lang="pt-BR" sz="2800"/>
+                        <a:rPr lang="pt-BR" sz="2800">
+                          <a:latin typeface="Cambria Math" panose="02040503050406030204" pitchFamily="18" charset="0"/>
+                        </a:rPr>
                         <m:t>=</m:t>
                       </m:r>
                       <m:d>
@@ -7863,7 +7964,9 @@
                           <m:begChr m:val="{"/>
                           <m:endChr m:val="}"/>
                           <m:ctrlPr>
-                            <a:rPr lang="pt-BR" sz="2800"/>
+                            <a:rPr lang="pt-BR" sz="2800" i="1">
+                              <a:latin typeface="Cambria Math" panose="02040503050406030204" pitchFamily="18" charset="0"/>
+                            </a:rPr>
                           </m:ctrlPr>
                         </m:dPr>
                         <m:e>
@@ -7872,14 +7975,7 @@
                               <m:nor/>
                             </m:rPr>
                             <a:rPr lang="pt-BR" sz="2800" b="0" i="0" smtClean="0"/>
-                            <m:t>-</m:t>
-                          </m:r>
-                          <m:r>
-                            <m:rPr>
-                              <m:nor/>
-                            </m:rPr>
-                            <a:rPr lang="pt-BR" sz="2800" b="0" i="0" smtClean="0"/>
-                            <m:t>3,</m:t>
+                            <m:t>−3,</m:t>
                           </m:r>
                           <m:r>
                             <m:rPr>
@@ -7893,7 +7989,7 @@
                               <m:nor/>
                             </m:rPr>
                             <a:rPr lang="pt-BR" sz="2800" b="0" i="0" smtClean="0"/>
-                            <m:t>-1,</m:t>
+                            <m:t>−1,</m:t>
                           </m:r>
                           <m:r>
                             <m:rPr>
@@ -7945,7 +8041,9 @@
                             <m:t> </m:t>
                           </m:r>
                           <m:r>
-                            <a:rPr lang="pt-BR" sz="2800" b="0" i="0" smtClean="0"/>
+                            <a:rPr lang="pt-BR" sz="2800" b="0" i="0" smtClean="0">
+                              <a:latin typeface="Cambria Math" panose="02040503050406030204" pitchFamily="18" charset="0"/>
+                            </a:rPr>
                             <m:t>7</m:t>
                           </m:r>
                         </m:e>
@@ -7958,7 +8056,7 @@
             </p:txBody>
           </p:sp>
         </mc:Choice>
-        <mc:Fallback>
+        <mc:Fallback xmlns="">
           <p:sp>
             <p:nvSpPr>
               <p:cNvPr id="9" name="CaixaDeTexto 8">
@@ -8038,8 +8136,8 @@
           </a:p>
         </p:txBody>
       </p:sp>
-      <mc:AlternateContent xmlns:mc="http://schemas.openxmlformats.org/markup-compatibility/2006">
-        <mc:Choice xmlns:a14="http://schemas.microsoft.com/office/drawing/2010/main" Requires="a14">
+      <mc:AlternateContent xmlns:mc="http://schemas.openxmlformats.org/markup-compatibility/2006" xmlns:a14="http://schemas.microsoft.com/office/drawing/2010/main">
+        <mc:Choice Requires="a14">
           <p:sp>
             <p:nvSpPr>
               <p:cNvPr id="11" name="CaixaDeTexto 10">
@@ -8134,7 +8232,7 @@
             </p:txBody>
           </p:sp>
         </mc:Choice>
-        <mc:Fallback>
+        <mc:Fallback xmlns="">
           <p:sp>
             <p:nvSpPr>
               <p:cNvPr id="11" name="CaixaDeTexto 10">
@@ -8214,8 +8312,8 @@
           </a:p>
         </p:txBody>
       </p:sp>
-      <mc:AlternateContent xmlns:mc="http://schemas.openxmlformats.org/markup-compatibility/2006">
-        <mc:Choice xmlns:a14="http://schemas.microsoft.com/office/drawing/2010/main" Requires="a14">
+      <mc:AlternateContent xmlns:mc="http://schemas.openxmlformats.org/markup-compatibility/2006" xmlns:a14="http://schemas.microsoft.com/office/drawing/2010/main">
+        <mc:Choice Requires="a14">
           <p:sp>
             <p:nvSpPr>
               <p:cNvPr id="13" name="CaixaDeTexto 12">
@@ -8312,7 +8410,7 @@
             </p:txBody>
           </p:sp>
         </mc:Choice>
-        <mc:Fallback>
+        <mc:Fallback xmlns="">
           <p:sp>
             <p:nvSpPr>
               <p:cNvPr id="13" name="CaixaDeTexto 12">
@@ -8455,8 +8553,8 @@
             </p:nvSpPr>
             <p:spPr>
               <a:xfrm>
-                <a:off x="193853" y="5878143"/>
-                <a:ext cx="5795455" cy="786177"/>
+                <a:off x="835885" y="5878143"/>
+                <a:ext cx="5153423" cy="786177"/>
               </a:xfrm>
               <a:prstGeom prst="rect">
                 <a:avLst/>
@@ -8469,10 +8567,11 @@
               </a:bodyPr>
               <a:lstStyle/>
               <a:p>
+                <a:pPr/>
                 <a14:m>
                   <m:oMathPara xmlns:m="http://schemas.openxmlformats.org/officeDocument/2006/math">
                     <m:oMathParaPr>
-                      <m:jc m:val="centerGroup"/>
+                      <m:jc m:val="left"/>
                     </m:oMathParaPr>
                     <m:oMath xmlns:m="http://schemas.openxmlformats.org/officeDocument/2006/math">
                       <m:r>
@@ -8482,43 +8581,7 @@
                         <a:rPr lang="pt-BR" sz="2400" b="0" i="0" smtClean="0">
                           <a:latin typeface="Cambria Math" panose="02040503050406030204" pitchFamily="18" charset="0"/>
                         </a:rPr>
-                        <m:t>erro</m:t>
-                      </m:r>
-                      <m:r>
-                        <a:rPr lang="pt-BR" sz="2400" b="0" i="0" smtClean="0">
-                          <a:latin typeface="Cambria Math" panose="02040503050406030204" pitchFamily="18" charset="0"/>
-                        </a:rPr>
-                        <m:t> </m:t>
-                      </m:r>
-                      <m:r>
-                        <m:rPr>
-                          <m:sty m:val="p"/>
-                        </m:rPr>
-                        <a:rPr lang="pt-BR" sz="2400" b="0" i="0" smtClean="0">
-                          <a:latin typeface="Cambria Math" panose="02040503050406030204" pitchFamily="18" charset="0"/>
-                        </a:rPr>
-                        <m:t>m</m:t>
-                      </m:r>
-                      <m:r>
-                        <a:rPr lang="pt-BR" sz="2400" b="0" i="0" smtClean="0">
-                          <a:latin typeface="Cambria Math" panose="02040503050406030204" pitchFamily="18" charset="0"/>
-                        </a:rPr>
-                        <m:t>é</m:t>
-                      </m:r>
-                      <m:r>
-                        <m:rPr>
-                          <m:sty m:val="p"/>
-                        </m:rPr>
-                        <a:rPr lang="pt-BR" sz="2400" b="0" i="0" smtClean="0">
-                          <a:latin typeface="Cambria Math" panose="02040503050406030204" pitchFamily="18" charset="0"/>
-                        </a:rPr>
-                        <m:t>dio</m:t>
-                      </m:r>
-                      <m:r>
-                        <a:rPr lang="pt-BR" sz="2400" b="0" i="0" smtClean="0">
-                          <a:latin typeface="Cambria Math" panose="02040503050406030204" pitchFamily="18" charset="0"/>
-                        </a:rPr>
-                        <m:t> </m:t>
+                        <m:t>EQM</m:t>
                       </m:r>
                       <m:r>
                         <a:rPr lang="pt-BR" sz="2400" b="0" i="1" smtClean="0">
@@ -8642,8 +8705,8 @@
             </p:nvSpPr>
             <p:spPr>
               <a:xfrm>
-                <a:off x="193853" y="5878143"/>
-                <a:ext cx="5795455" cy="786177"/>
+                <a:off x="835885" y="5878143"/>
+                <a:ext cx="5153423" cy="786177"/>
               </a:xfrm>
               <a:prstGeom prst="rect">
                 <a:avLst/>
@@ -8705,7 +8768,7 @@
           <p:cNvPr id="2" name="Título 1">
             <a:extLst>
               <a:ext uri="{FF2B5EF4-FFF2-40B4-BE49-F238E27FC236}">
-                <a16:creationId xmlns:a16="http://schemas.microsoft.com/office/drawing/2014/main" id="{A9BB36A8-6590-17D8-1A21-CACFBD100B4A}"/>
+                <a16:creationId xmlns:a16="http://schemas.microsoft.com/office/drawing/2014/main" id="{ABEFD801-7E8D-0885-F1AD-8DAF6F77CEEE}"/>
               </a:ext>
             </a:extLst>
           </p:cNvPr>
@@ -8730,7 +8793,7 @@
           <p:cNvPr id="3" name="Espaço Reservado para Conteúdo 2">
             <a:extLst>
               <a:ext uri="{FF2B5EF4-FFF2-40B4-BE49-F238E27FC236}">
-                <a16:creationId xmlns:a16="http://schemas.microsoft.com/office/drawing/2014/main" id="{AF22D6CE-63C9-8C53-326D-3596DA5E210E}"/>
+                <a16:creationId xmlns:a16="http://schemas.microsoft.com/office/drawing/2014/main" id="{9BA6276C-11C7-FBDF-9CC4-A84A195D7527}"/>
               </a:ext>
             </a:extLst>
           </p:cNvPr>
@@ -8741,25 +8804,1461 @@
             <p:ph idx="1"/>
           </p:nvPr>
         </p:nvSpPr>
-        <p:spPr/>
+        <p:spPr>
+          <a:xfrm>
+            <a:off x="514350" y="5772627"/>
+            <a:ext cx="10839449" cy="842319"/>
+          </a:xfrm>
+        </p:spPr>
         <p:txBody>
           <a:bodyPr/>
           <a:lstStyle/>
           <a:p>
+            <a:r>
+              <a:rPr lang="pt-BR" dirty="0"/>
+              <a:t>a</a:t>
+            </a:r>
+          </a:p>
+        </p:txBody>
+      </p:sp>
+      <p:grpSp>
+        <p:nvGrpSpPr>
+          <p:cNvPr id="4" name="Agrupar 3">
+            <a:extLst>
+              <a:ext uri="{FF2B5EF4-FFF2-40B4-BE49-F238E27FC236}">
+                <a16:creationId xmlns:a16="http://schemas.microsoft.com/office/drawing/2014/main" id="{7043207C-E08F-0373-D6FF-F0C502F36306}"/>
+              </a:ext>
+            </a:extLst>
+          </p:cNvPr>
+          <p:cNvGrpSpPr/>
+          <p:nvPr/>
+        </p:nvGrpSpPr>
+        <p:grpSpPr>
+          <a:xfrm>
+            <a:off x="1320613" y="2558363"/>
+            <a:ext cx="4730868" cy="3031571"/>
+            <a:chOff x="3440214" y="2034381"/>
+            <a:chExt cx="4730868" cy="3031571"/>
+          </a:xfrm>
+        </p:grpSpPr>
+        <p:cxnSp>
+          <p:nvCxnSpPr>
+            <p:cNvPr id="6" name="Straight Arrow Connector 14">
+              <a:extLst>
+                <a:ext uri="{FF2B5EF4-FFF2-40B4-BE49-F238E27FC236}">
+                  <a16:creationId xmlns:a16="http://schemas.microsoft.com/office/drawing/2014/main" id="{F238EB8B-055A-9659-C6C7-E8D6D2401278}"/>
+                </a:ext>
+              </a:extLst>
+            </p:cNvPr>
+            <p:cNvCxnSpPr>
+              <a:cxnSpLocks/>
+            </p:cNvCxnSpPr>
+            <p:nvPr/>
+          </p:nvCxnSpPr>
+          <p:spPr>
+            <a:xfrm>
+              <a:off x="4176814" y="3127539"/>
+              <a:ext cx="288000" cy="0"/>
+            </a:xfrm>
+            <a:prstGeom prst="straightConnector1">
+              <a:avLst/>
+            </a:prstGeom>
+            <a:ln w="19050">
+              <a:tailEnd type="triangle"/>
+            </a:ln>
+          </p:spPr>
+          <p:style>
+            <a:lnRef idx="1">
+              <a:schemeClr val="accent1"/>
+            </a:lnRef>
+            <a:fillRef idx="0">
+              <a:schemeClr val="accent1"/>
+            </a:fillRef>
+            <a:effectRef idx="0">
+              <a:schemeClr val="accent1"/>
+            </a:effectRef>
+            <a:fontRef idx="minor">
+              <a:schemeClr val="tx1"/>
+            </a:fontRef>
+          </p:style>
+        </p:cxnSp>
+        <p:cxnSp>
+          <p:nvCxnSpPr>
+            <p:cNvPr id="7" name="Straight Arrow Connector 14">
+              <a:extLst>
+                <a:ext uri="{FF2B5EF4-FFF2-40B4-BE49-F238E27FC236}">
+                  <a16:creationId xmlns:a16="http://schemas.microsoft.com/office/drawing/2014/main" id="{10811772-B5E2-C96E-FC88-09170CBCFB66}"/>
+                </a:ext>
+              </a:extLst>
+            </p:cNvPr>
+            <p:cNvCxnSpPr>
+              <a:cxnSpLocks/>
+            </p:cNvCxnSpPr>
+            <p:nvPr/>
+          </p:nvCxnSpPr>
+          <p:spPr>
+            <a:xfrm>
+              <a:off x="5973245" y="3123247"/>
+              <a:ext cx="576000" cy="0"/>
+            </a:xfrm>
+            <a:prstGeom prst="straightConnector1">
+              <a:avLst/>
+            </a:prstGeom>
+            <a:ln w="19050">
+              <a:tailEnd type="triangle"/>
+            </a:ln>
+          </p:spPr>
+          <p:style>
+            <a:lnRef idx="1">
+              <a:schemeClr val="accent1"/>
+            </a:lnRef>
+            <a:fillRef idx="0">
+              <a:schemeClr val="accent1"/>
+            </a:fillRef>
+            <a:effectRef idx="0">
+              <a:schemeClr val="accent1"/>
+            </a:effectRef>
+            <a:fontRef idx="minor">
+              <a:schemeClr val="tx1"/>
+            </a:fontRef>
+          </p:style>
+        </p:cxnSp>
+        <p:sp>
+          <p:nvSpPr>
+            <p:cNvPr id="8" name="Rectangle 12">
+              <a:extLst>
+                <a:ext uri="{FF2B5EF4-FFF2-40B4-BE49-F238E27FC236}">
+                  <a16:creationId xmlns:a16="http://schemas.microsoft.com/office/drawing/2014/main" id="{1B0D0AE8-BDC0-49CC-107A-ED44A46639BD}"/>
+                </a:ext>
+              </a:extLst>
+            </p:cNvPr>
+            <p:cNvSpPr/>
+            <p:nvPr/>
+          </p:nvSpPr>
+          <p:spPr>
+            <a:xfrm>
+              <a:off x="6554520" y="2686163"/>
+              <a:ext cx="1216818" cy="849086"/>
+            </a:xfrm>
+            <a:prstGeom prst="rect">
+              <a:avLst/>
+            </a:prstGeom>
+            <a:noFill/>
+            <a:ln>
+              <a:solidFill>
+                <a:schemeClr val="tx1"/>
+              </a:solidFill>
+            </a:ln>
+          </p:spPr>
+          <p:style>
+            <a:lnRef idx="2">
+              <a:schemeClr val="accent1">
+                <a:shade val="50000"/>
+              </a:schemeClr>
+            </a:lnRef>
+            <a:fillRef idx="1">
+              <a:schemeClr val="accent1"/>
+            </a:fillRef>
+            <a:effectRef idx="0">
+              <a:schemeClr val="accent1"/>
+            </a:effectRef>
+            <a:fontRef idx="minor">
+              <a:schemeClr val="lt1"/>
+            </a:fontRef>
+          </p:style>
+          <p:txBody>
+            <a:bodyPr rtlCol="0" anchor="ctr"/>
+            <a:lstStyle/>
+            <a:p>
+              <a:pPr algn="ctr"/>
+              <a:r>
+                <a:rPr lang="pt-BR" dirty="0">
+                  <a:solidFill>
+                    <a:schemeClr val="tx1"/>
+                  </a:solidFill>
+                </a:rPr>
+                <a:t>Função de erro</a:t>
+              </a:r>
+            </a:p>
+          </p:txBody>
+        </p:sp>
+        <mc:AlternateContent xmlns:mc="http://schemas.openxmlformats.org/markup-compatibility/2006" xmlns:a14="http://schemas.microsoft.com/office/drawing/2010/main">
+          <mc:Choice Requires="a14">
+            <p:sp>
+              <p:nvSpPr>
+                <p:cNvPr id="9" name="CaixaDeTexto 8">
+                  <a:extLst>
+                    <a:ext uri="{FF2B5EF4-FFF2-40B4-BE49-F238E27FC236}">
+                      <a16:creationId xmlns:a16="http://schemas.microsoft.com/office/drawing/2014/main" id="{949F9987-4ABF-C340-D042-BBC34574BF4C}"/>
+                    </a:ext>
+                  </a:extLst>
+                </p:cNvPr>
+                <p:cNvSpPr txBox="1"/>
+                <p:nvPr/>
+              </p:nvSpPr>
+              <p:spPr>
+                <a:xfrm flipH="1">
+                  <a:off x="3719614" y="2818318"/>
+                  <a:ext cx="467999" cy="461665"/>
+                </a:xfrm>
+                <a:prstGeom prst="rect">
+                  <a:avLst/>
+                </a:prstGeom>
+                <a:noFill/>
+              </p:spPr>
+              <p:txBody>
+                <a:bodyPr wrap="square">
+                  <a:spAutoFit/>
+                </a:bodyPr>
+                <a:lstStyle/>
+                <a:p>
+                  <a:pPr/>
+                  <a14:m>
+                    <m:oMathPara xmlns:m="http://schemas.openxmlformats.org/officeDocument/2006/math">
+                      <m:oMathParaPr>
+                        <m:jc m:val="center"/>
+                      </m:oMathParaPr>
+                      <m:oMath xmlns:m="http://schemas.openxmlformats.org/officeDocument/2006/math">
+                        <m:r>
+                          <a:rPr lang="pt-BR" sz="2400" i="1" smtClean="0">
+                            <a:latin typeface="Cambria Math" panose="02040503050406030204" pitchFamily="18" charset="0"/>
+                          </a:rPr>
+                          <m:t>𝑥</m:t>
+                        </m:r>
+                      </m:oMath>
+                    </m:oMathPara>
+                  </a14:m>
+                  <a:endParaRPr lang="pt-BR" sz="2400" dirty="0"/>
+                </a:p>
+              </p:txBody>
+            </p:sp>
+          </mc:Choice>
+          <mc:Fallback xmlns="">
+            <p:sp>
+              <p:nvSpPr>
+                <p:cNvPr id="9" name="CaixaDeTexto 8">
+                  <a:extLst>
+                    <a:ext uri="{FF2B5EF4-FFF2-40B4-BE49-F238E27FC236}">
+                      <a16:creationId xmlns:a16="http://schemas.microsoft.com/office/drawing/2014/main" id="{DA4ABC62-C35B-9FE0-837A-4791504D8B0C}"/>
+                    </a:ext>
+                  </a:extLst>
+                </p:cNvPr>
+                <p:cNvSpPr txBox="1">
+                  <a:spLocks noRot="1" noChangeAspect="1" noMove="1" noResize="1" noEditPoints="1" noAdjustHandles="1" noChangeArrowheads="1" noChangeShapeType="1" noTextEdit="1"/>
+                </p:cNvSpPr>
+                <p:nvPr/>
+              </p:nvSpPr>
+              <p:spPr>
+                <a:xfrm flipH="1">
+                  <a:off x="3719614" y="2818318"/>
+                  <a:ext cx="467999" cy="461665"/>
+                </a:xfrm>
+                <a:prstGeom prst="rect">
+                  <a:avLst/>
+                </a:prstGeom>
+                <a:blipFill>
+                  <a:blip r:embed="rId4"/>
+                  <a:stretch>
+                    <a:fillRect/>
+                  </a:stretch>
+                </a:blipFill>
+              </p:spPr>
+              <p:txBody>
+                <a:bodyPr/>
+                <a:lstStyle/>
+                <a:p>
+                  <a:r>
+                    <a:rPr lang="pt-BR">
+                      <a:noFill/>
+                    </a:rPr>
+                    <a:t> </a:t>
+                  </a:r>
+                </a:p>
+              </p:txBody>
+            </p:sp>
+          </mc:Fallback>
+        </mc:AlternateContent>
+        <mc:AlternateContent xmlns:mc="http://schemas.openxmlformats.org/markup-compatibility/2006" xmlns:a14="http://schemas.microsoft.com/office/drawing/2010/main">
+          <mc:Choice Requires="a14">
+            <p:sp>
+              <p:nvSpPr>
+                <p:cNvPr id="10" name="CaixaDeTexto 9">
+                  <a:extLst>
+                    <a:ext uri="{FF2B5EF4-FFF2-40B4-BE49-F238E27FC236}">
+                      <a16:creationId xmlns:a16="http://schemas.microsoft.com/office/drawing/2014/main" id="{7F15E993-4422-806B-1EAF-0E2278B7F409}"/>
+                    </a:ext>
+                  </a:extLst>
+                </p:cNvPr>
+                <p:cNvSpPr txBox="1"/>
+                <p:nvPr/>
+              </p:nvSpPr>
+              <p:spPr>
+                <a:xfrm flipH="1">
+                  <a:off x="3708815" y="4023518"/>
+                  <a:ext cx="467999" cy="461665"/>
+                </a:xfrm>
+                <a:prstGeom prst="rect">
+                  <a:avLst/>
+                </a:prstGeom>
+                <a:noFill/>
+              </p:spPr>
+              <p:txBody>
+                <a:bodyPr wrap="square">
+                  <a:spAutoFit/>
+                </a:bodyPr>
+                <a:lstStyle/>
+                <a:p>
+                  <a:pPr/>
+                  <a14:m>
+                    <m:oMathPara xmlns:m="http://schemas.openxmlformats.org/officeDocument/2006/math">
+                      <m:oMathParaPr>
+                        <m:jc m:val="center"/>
+                      </m:oMathParaPr>
+                      <m:oMath xmlns:m="http://schemas.openxmlformats.org/officeDocument/2006/math">
+                        <m:r>
+                          <a:rPr lang="pt-BR" sz="2400" b="0" i="1" smtClean="0">
+                            <a:latin typeface="Cambria Math" panose="02040503050406030204" pitchFamily="18" charset="0"/>
+                          </a:rPr>
+                          <m:t>𝑦</m:t>
+                        </m:r>
+                      </m:oMath>
+                    </m:oMathPara>
+                  </a14:m>
+                  <a:endParaRPr lang="pt-BR" sz="2400" dirty="0"/>
+                </a:p>
+              </p:txBody>
+            </p:sp>
+          </mc:Choice>
+          <mc:Fallback xmlns="">
+            <p:sp>
+              <p:nvSpPr>
+                <p:cNvPr id="10" name="CaixaDeTexto 9">
+                  <a:extLst>
+                    <a:ext uri="{FF2B5EF4-FFF2-40B4-BE49-F238E27FC236}">
+                      <a16:creationId xmlns:a16="http://schemas.microsoft.com/office/drawing/2014/main" id="{A5E5AD39-A7D5-E436-9BBF-FFF6ADD6FD8F}"/>
+                    </a:ext>
+                  </a:extLst>
+                </p:cNvPr>
+                <p:cNvSpPr txBox="1">
+                  <a:spLocks noRot="1" noChangeAspect="1" noMove="1" noResize="1" noEditPoints="1" noAdjustHandles="1" noChangeArrowheads="1" noChangeShapeType="1" noTextEdit="1"/>
+                </p:cNvSpPr>
+                <p:nvPr/>
+              </p:nvSpPr>
+              <p:spPr>
+                <a:xfrm flipH="1">
+                  <a:off x="3708815" y="4023518"/>
+                  <a:ext cx="467999" cy="461665"/>
+                </a:xfrm>
+                <a:prstGeom prst="rect">
+                  <a:avLst/>
+                </a:prstGeom>
+                <a:blipFill>
+                  <a:blip r:embed="rId5"/>
+                  <a:stretch>
+                    <a:fillRect b="-10526"/>
+                  </a:stretch>
+                </a:blipFill>
+              </p:spPr>
+              <p:txBody>
+                <a:bodyPr/>
+                <a:lstStyle/>
+                <a:p>
+                  <a:r>
+                    <a:rPr lang="pt-BR">
+                      <a:noFill/>
+                    </a:rPr>
+                    <a:t> </a:t>
+                  </a:r>
+                </a:p>
+              </p:txBody>
+            </p:sp>
+          </mc:Fallback>
+        </mc:AlternateContent>
+        <mc:AlternateContent xmlns:mc="http://schemas.openxmlformats.org/markup-compatibility/2006" xmlns:a14="http://schemas.microsoft.com/office/drawing/2010/main">
+          <mc:Choice Requires="a14">
+            <p:sp>
+              <p:nvSpPr>
+                <p:cNvPr id="11" name="CaixaDeTexto 10">
+                  <a:extLst>
+                    <a:ext uri="{FF2B5EF4-FFF2-40B4-BE49-F238E27FC236}">
+                      <a16:creationId xmlns:a16="http://schemas.microsoft.com/office/drawing/2014/main" id="{124DCDD6-D8CF-6576-CFF0-698F7B3EB2CE}"/>
+                    </a:ext>
+                  </a:extLst>
+                </p:cNvPr>
+                <p:cNvSpPr txBox="1"/>
+                <p:nvPr/>
+              </p:nvSpPr>
+              <p:spPr>
+                <a:xfrm flipH="1">
+                  <a:off x="5939999" y="2664758"/>
+                  <a:ext cx="467999" cy="461665"/>
+                </a:xfrm>
+                <a:prstGeom prst="rect">
+                  <a:avLst/>
+                </a:prstGeom>
+                <a:noFill/>
+              </p:spPr>
+              <p:txBody>
+                <a:bodyPr wrap="square">
+                  <a:spAutoFit/>
+                </a:bodyPr>
+                <a:lstStyle/>
+                <a:p>
+                  <a:pPr/>
+                  <a14:m>
+                    <m:oMathPara xmlns:m="http://schemas.openxmlformats.org/officeDocument/2006/math">
+                      <m:oMathParaPr>
+                        <m:jc m:val="center"/>
+                      </m:oMathParaPr>
+                      <m:oMath xmlns:m="http://schemas.openxmlformats.org/officeDocument/2006/math">
+                        <m:acc>
+                          <m:accPr>
+                            <m:chr m:val="̂"/>
+                            <m:ctrlPr>
+                              <a:rPr lang="pt-BR" sz="2400" b="0" i="1" smtClean="0">
+                                <a:latin typeface="Cambria Math" panose="02040503050406030204" pitchFamily="18" charset="0"/>
+                              </a:rPr>
+                            </m:ctrlPr>
+                          </m:accPr>
+                          <m:e>
+                            <m:r>
+                              <a:rPr lang="pt-BR" sz="2400" b="0" i="1" smtClean="0">
+                                <a:latin typeface="Cambria Math" panose="02040503050406030204" pitchFamily="18" charset="0"/>
+                              </a:rPr>
+                              <m:t>𝑦</m:t>
+                            </m:r>
+                          </m:e>
+                        </m:acc>
+                      </m:oMath>
+                    </m:oMathPara>
+                  </a14:m>
+                  <a:endParaRPr lang="pt-BR" sz="2400" dirty="0"/>
+                </a:p>
+              </p:txBody>
+            </p:sp>
+          </mc:Choice>
+          <mc:Fallback xmlns="">
+            <p:sp>
+              <p:nvSpPr>
+                <p:cNvPr id="11" name="CaixaDeTexto 10">
+                  <a:extLst>
+                    <a:ext uri="{FF2B5EF4-FFF2-40B4-BE49-F238E27FC236}">
+                      <a16:creationId xmlns:a16="http://schemas.microsoft.com/office/drawing/2014/main" id="{1CE7135F-E568-D584-D67C-E15C08BC53CE}"/>
+                    </a:ext>
+                  </a:extLst>
+                </p:cNvPr>
+                <p:cNvSpPr txBox="1">
+                  <a:spLocks noRot="1" noChangeAspect="1" noMove="1" noResize="1" noEditPoints="1" noAdjustHandles="1" noChangeArrowheads="1" noChangeShapeType="1" noTextEdit="1"/>
+                </p:cNvSpPr>
+                <p:nvPr/>
+              </p:nvSpPr>
+              <p:spPr>
+                <a:xfrm flipH="1">
+                  <a:off x="5939999" y="2664758"/>
+                  <a:ext cx="467999" cy="461665"/>
+                </a:xfrm>
+                <a:prstGeom prst="rect">
+                  <a:avLst/>
+                </a:prstGeom>
+                <a:blipFill>
+                  <a:blip r:embed="rId6"/>
+                  <a:stretch>
+                    <a:fillRect t="-3947" r="-25974" b="-10526"/>
+                  </a:stretch>
+                </a:blipFill>
+              </p:spPr>
+              <p:txBody>
+                <a:bodyPr/>
+                <a:lstStyle/>
+                <a:p>
+                  <a:r>
+                    <a:rPr lang="pt-BR">
+                      <a:noFill/>
+                    </a:rPr>
+                    <a:t> </a:t>
+                  </a:r>
+                </a:p>
+              </p:txBody>
+            </p:sp>
+          </mc:Fallback>
+        </mc:AlternateContent>
+        <p:cxnSp>
+          <p:nvCxnSpPr>
+            <p:cNvPr id="12" name="Conector: Angulado 11">
+              <a:extLst>
+                <a:ext uri="{FF2B5EF4-FFF2-40B4-BE49-F238E27FC236}">
+                  <a16:creationId xmlns:a16="http://schemas.microsoft.com/office/drawing/2014/main" id="{BE324F06-24FA-DC3F-B2D3-6D62EF999C7A}"/>
+                </a:ext>
+              </a:extLst>
+            </p:cNvPr>
+            <p:cNvCxnSpPr>
+              <a:cxnSpLocks/>
+              <a:stCxn id="10" idx="1"/>
+              <a:endCxn id="8" idx="2"/>
+            </p:cNvCxnSpPr>
+            <p:nvPr/>
+          </p:nvCxnSpPr>
+          <p:spPr>
+            <a:xfrm flipV="1">
+              <a:off x="4176814" y="3535249"/>
+              <a:ext cx="2986115" cy="719102"/>
+            </a:xfrm>
+            <a:prstGeom prst="bentConnector2">
+              <a:avLst/>
+            </a:prstGeom>
+            <a:ln>
+              <a:tailEnd type="triangle"/>
+            </a:ln>
+          </p:spPr>
+          <p:style>
+            <a:lnRef idx="1">
+              <a:schemeClr val="accent1"/>
+            </a:lnRef>
+            <a:fillRef idx="0">
+              <a:schemeClr val="accent1"/>
+            </a:fillRef>
+            <a:effectRef idx="0">
+              <a:schemeClr val="accent1"/>
+            </a:effectRef>
+            <a:fontRef idx="minor">
+              <a:schemeClr val="tx1"/>
+            </a:fontRef>
+          </p:style>
+        </p:cxnSp>
+        <p:cxnSp>
+          <p:nvCxnSpPr>
+            <p:cNvPr id="13" name="Conector: Angulado 12">
+              <a:extLst>
+                <a:ext uri="{FF2B5EF4-FFF2-40B4-BE49-F238E27FC236}">
+                  <a16:creationId xmlns:a16="http://schemas.microsoft.com/office/drawing/2014/main" id="{CA314D9A-D6E0-712D-48EB-B4C1887A6B1C}"/>
+                </a:ext>
+              </a:extLst>
+            </p:cNvPr>
+            <p:cNvCxnSpPr>
+              <a:stCxn id="8" idx="3"/>
+            </p:cNvCxnSpPr>
+            <p:nvPr/>
+          </p:nvCxnSpPr>
+          <p:spPr>
+            <a:xfrm flipH="1" flipV="1">
+              <a:off x="5946110" y="2034381"/>
+              <a:ext cx="1825228" cy="1076325"/>
+            </a:xfrm>
+            <a:prstGeom prst="bentConnector3">
+              <a:avLst>
+                <a:gd name="adj1" fmla="val -12524"/>
+              </a:avLst>
+            </a:prstGeom>
+            <a:ln>
+              <a:prstDash val="dash"/>
+              <a:headEnd type="none" w="med" len="med"/>
+              <a:tailEnd type="none" w="med" len="med"/>
+            </a:ln>
+          </p:spPr>
+          <p:style>
+            <a:lnRef idx="1">
+              <a:schemeClr val="accent1"/>
+            </a:lnRef>
+            <a:fillRef idx="0">
+              <a:schemeClr val="accent1"/>
+            </a:fillRef>
+            <a:effectRef idx="0">
+              <a:schemeClr val="accent1"/>
+            </a:effectRef>
+            <a:fontRef idx="minor">
+              <a:schemeClr val="tx1"/>
+            </a:fontRef>
+          </p:style>
+        </p:cxnSp>
+        <p:sp>
+          <p:nvSpPr>
+            <p:cNvPr id="14" name="CaixaDeTexto 13">
+              <a:extLst>
+                <a:ext uri="{FF2B5EF4-FFF2-40B4-BE49-F238E27FC236}">
+                  <a16:creationId xmlns:a16="http://schemas.microsoft.com/office/drawing/2014/main" id="{6C81948B-BB65-3F38-F6E4-2BA28B046FA8}"/>
+                </a:ext>
+              </a:extLst>
+            </p:cNvPr>
+            <p:cNvSpPr txBox="1"/>
+            <p:nvPr/>
+          </p:nvSpPr>
+          <p:spPr>
+            <a:xfrm>
+              <a:off x="4124144" y="3698676"/>
+              <a:ext cx="1651758" cy="461665"/>
+            </a:xfrm>
+            <a:prstGeom prst="rect">
+              <a:avLst/>
+            </a:prstGeom>
+            <a:noFill/>
+          </p:spPr>
+          <p:txBody>
+            <a:bodyPr wrap="square" rtlCol="0">
+              <a:spAutoFit/>
+            </a:bodyPr>
+            <a:lstStyle/>
+            <a:p>
+              <a:pPr algn="ctr"/>
+              <a:r>
+                <a:rPr lang="pt-BR" sz="1200" dirty="0"/>
+                <a:t>Ajuste dos </a:t>
+              </a:r>
+              <a:r>
+                <a:rPr lang="pt-BR" sz="1200" u="sng" dirty="0"/>
+                <a:t>parâmetros</a:t>
+              </a:r>
+              <a:r>
+                <a:rPr lang="pt-BR" sz="1200" dirty="0"/>
+                <a:t> do modelo</a:t>
+              </a:r>
+            </a:p>
+          </p:txBody>
+        </p:sp>
+        <p:sp>
+          <p:nvSpPr>
+            <p:cNvPr id="15" name="Retângulo 14">
+              <a:extLst>
+                <a:ext uri="{FF2B5EF4-FFF2-40B4-BE49-F238E27FC236}">
+                  <a16:creationId xmlns:a16="http://schemas.microsoft.com/office/drawing/2014/main" id="{16FC2795-212E-91C6-32E5-2EA13A55B896}"/>
+                </a:ext>
+              </a:extLst>
+            </p:cNvPr>
+            <p:cNvSpPr/>
+            <p:nvPr/>
+          </p:nvSpPr>
+          <p:spPr>
+            <a:xfrm>
+              <a:off x="3708815" y="2686164"/>
+              <a:ext cx="463575" cy="1935842"/>
+            </a:xfrm>
+            <a:prstGeom prst="rect">
+              <a:avLst/>
+            </a:prstGeom>
+            <a:solidFill>
+              <a:schemeClr val="accent1">
+                <a:alpha val="41000"/>
+              </a:schemeClr>
+            </a:solidFill>
+            <a:ln>
+              <a:solidFill>
+                <a:schemeClr val="accent1">
+                  <a:shade val="15000"/>
+                </a:schemeClr>
+              </a:solidFill>
+            </a:ln>
+          </p:spPr>
+          <p:style>
+            <a:lnRef idx="2">
+              <a:schemeClr val="accent1">
+                <a:shade val="15000"/>
+              </a:schemeClr>
+            </a:lnRef>
+            <a:fillRef idx="1">
+              <a:schemeClr val="accent1"/>
+            </a:fillRef>
+            <a:effectRef idx="0">
+              <a:schemeClr val="accent1"/>
+            </a:effectRef>
+            <a:fontRef idx="minor">
+              <a:schemeClr val="lt1"/>
+            </a:fontRef>
+          </p:style>
+          <p:txBody>
+            <a:bodyPr rtlCol="0" anchor="ctr"/>
+            <a:lstStyle/>
+            <a:p>
+              <a:pPr algn="ctr"/>
+              <a:endParaRPr lang="pt-BR"/>
+            </a:p>
+          </p:txBody>
+        </p:sp>
+        <p:sp>
+          <p:nvSpPr>
+            <p:cNvPr id="16" name="CaixaDeTexto 15">
+              <a:extLst>
+                <a:ext uri="{FF2B5EF4-FFF2-40B4-BE49-F238E27FC236}">
+                  <a16:creationId xmlns:a16="http://schemas.microsoft.com/office/drawing/2014/main" id="{B2CE912B-5038-EBC1-81A7-D20EE5D6E46D}"/>
+                </a:ext>
+              </a:extLst>
+            </p:cNvPr>
+            <p:cNvSpPr txBox="1"/>
+            <p:nvPr/>
+          </p:nvSpPr>
+          <p:spPr>
+            <a:xfrm>
+              <a:off x="3440214" y="4604287"/>
+              <a:ext cx="1047413" cy="461665"/>
+            </a:xfrm>
+            <a:prstGeom prst="rect">
+              <a:avLst/>
+            </a:prstGeom>
+            <a:noFill/>
+          </p:spPr>
+          <p:txBody>
+            <a:bodyPr wrap="square" rtlCol="0">
+              <a:spAutoFit/>
+            </a:bodyPr>
+            <a:lstStyle/>
+            <a:p>
+              <a:pPr algn="ctr"/>
+              <a:r>
+                <a:rPr lang="pt-BR" sz="1200" dirty="0"/>
+                <a:t>Conjunto de treinamento</a:t>
+              </a:r>
+            </a:p>
+          </p:txBody>
+        </p:sp>
+        <p:sp>
+          <p:nvSpPr>
+            <p:cNvPr id="17" name="CaixaDeTexto 16">
+              <a:extLst>
+                <a:ext uri="{FF2B5EF4-FFF2-40B4-BE49-F238E27FC236}">
+                  <a16:creationId xmlns:a16="http://schemas.microsoft.com/office/drawing/2014/main" id="{D3E11F84-4477-5F76-06FD-69734A1728E7}"/>
+                </a:ext>
+              </a:extLst>
+            </p:cNvPr>
+            <p:cNvSpPr txBox="1"/>
+            <p:nvPr/>
+          </p:nvSpPr>
+          <p:spPr>
+            <a:xfrm>
+              <a:off x="5915101" y="3146446"/>
+              <a:ext cx="639419" cy="276999"/>
+            </a:xfrm>
+            <a:prstGeom prst="rect">
+              <a:avLst/>
+            </a:prstGeom>
+            <a:noFill/>
+          </p:spPr>
+          <p:txBody>
+            <a:bodyPr wrap="square" rtlCol="0">
+              <a:spAutoFit/>
+            </a:bodyPr>
+            <a:lstStyle/>
+            <a:p>
+              <a:pPr algn="ctr"/>
+              <a:r>
+                <a:rPr lang="pt-BR" sz="1200" dirty="0"/>
+                <a:t>palpite</a:t>
+              </a:r>
+            </a:p>
+          </p:txBody>
+        </p:sp>
+        <p:sp>
+          <p:nvSpPr>
+            <p:cNvPr id="18" name="CaixaDeTexto 17">
+              <a:extLst>
+                <a:ext uri="{FF2B5EF4-FFF2-40B4-BE49-F238E27FC236}">
+                  <a16:creationId xmlns:a16="http://schemas.microsoft.com/office/drawing/2014/main" id="{45EED265-0627-E165-4B85-2F60C945BCA4}"/>
+                </a:ext>
+              </a:extLst>
+            </p:cNvPr>
+            <p:cNvSpPr txBox="1"/>
+            <p:nvPr/>
+          </p:nvSpPr>
+          <p:spPr>
+            <a:xfrm>
+              <a:off x="7716165" y="3099689"/>
+              <a:ext cx="454917" cy="276999"/>
+            </a:xfrm>
+            <a:prstGeom prst="rect">
+              <a:avLst/>
+            </a:prstGeom>
+            <a:noFill/>
+          </p:spPr>
+          <p:txBody>
+            <a:bodyPr wrap="square" rtlCol="0">
+              <a:spAutoFit/>
+            </a:bodyPr>
+            <a:lstStyle/>
+            <a:p>
+              <a:pPr algn="ctr"/>
+              <a:r>
+                <a:rPr lang="pt-BR" sz="1200" dirty="0"/>
+                <a:t>erro</a:t>
+              </a:r>
+            </a:p>
+          </p:txBody>
+        </p:sp>
+        <p:cxnSp>
+          <p:nvCxnSpPr>
+            <p:cNvPr id="19" name="Conector reto 18">
+              <a:extLst>
+                <a:ext uri="{FF2B5EF4-FFF2-40B4-BE49-F238E27FC236}">
+                  <a16:creationId xmlns:a16="http://schemas.microsoft.com/office/drawing/2014/main" id="{4FBB144A-D3B1-58ED-79D4-025C07566D4A}"/>
+                </a:ext>
+              </a:extLst>
+            </p:cNvPr>
+            <p:cNvCxnSpPr/>
+            <p:nvPr/>
+          </p:nvCxnSpPr>
+          <p:spPr>
+            <a:xfrm flipH="1">
+              <a:off x="4733134" y="2034381"/>
+              <a:ext cx="1212396" cy="1743075"/>
+            </a:xfrm>
+            <a:prstGeom prst="line">
+              <a:avLst/>
+            </a:prstGeom>
+            <a:ln>
+              <a:prstDash val="dash"/>
+              <a:headEnd type="none" w="med" len="med"/>
+              <a:tailEnd type="triangle" w="med" len="med"/>
+            </a:ln>
+          </p:spPr>
+          <p:style>
+            <a:lnRef idx="1">
+              <a:schemeClr val="accent1"/>
+            </a:lnRef>
+            <a:fillRef idx="0">
+              <a:schemeClr val="accent1"/>
+            </a:fillRef>
+            <a:effectRef idx="0">
+              <a:schemeClr val="accent1"/>
+            </a:effectRef>
+            <a:fontRef idx="minor">
+              <a:schemeClr val="tx1"/>
+            </a:fontRef>
+          </p:style>
+        </p:cxnSp>
+      </p:grpSp>
+      <mc:AlternateContent xmlns:mc="http://schemas.openxmlformats.org/markup-compatibility/2006">
+        <mc:Choice xmlns:a14="http://schemas.microsoft.com/office/drawing/2010/main" Requires="a14">
+          <p:sp>
+            <p:nvSpPr>
+              <p:cNvPr id="20" name="Retângulo 19">
+                <a:extLst>
+                  <a:ext uri="{FF2B5EF4-FFF2-40B4-BE49-F238E27FC236}">
+                    <a16:creationId xmlns:a16="http://schemas.microsoft.com/office/drawing/2014/main" id="{677D043A-F43E-B0F3-37B7-346AE0697B04}"/>
+                  </a:ext>
+                </a:extLst>
+              </p:cNvPr>
+              <p:cNvSpPr/>
+              <p:nvPr/>
+            </p:nvSpPr>
+            <p:spPr>
+              <a:xfrm>
+                <a:off x="2343971" y="3188740"/>
+                <a:ext cx="1499087" cy="870491"/>
+              </a:xfrm>
+              <a:prstGeom prst="rect">
+                <a:avLst/>
+              </a:prstGeom>
+              <a:noFill/>
+            </p:spPr>
+            <p:style>
+              <a:lnRef idx="2">
+                <a:schemeClr val="accent1">
+                  <a:shade val="15000"/>
+                </a:schemeClr>
+              </a:lnRef>
+              <a:fillRef idx="1">
+                <a:schemeClr val="accent1"/>
+              </a:fillRef>
+              <a:effectRef idx="0">
+                <a:schemeClr val="accent1"/>
+              </a:effectRef>
+              <a:fontRef idx="minor">
+                <a:schemeClr val="lt1"/>
+              </a:fontRef>
+            </p:style>
+            <p:txBody>
+              <a:bodyPr rtlCol="0" anchor="ctr"/>
+              <a:lstStyle/>
+              <a:p>
+                <a:pPr algn="ctr"/>
+                <a14:m>
+                  <m:oMathPara xmlns:m="http://schemas.openxmlformats.org/officeDocument/2006/math">
+                    <m:oMathParaPr>
+                      <m:jc m:val="centerGroup"/>
+                    </m:oMathParaPr>
+                    <m:oMath xmlns:m="http://schemas.openxmlformats.org/officeDocument/2006/math">
+                      <m:acc>
+                        <m:accPr>
+                          <m:chr m:val="̂"/>
+                          <m:ctrlPr>
+                            <a:rPr lang="pt-BR" i="1" smtClean="0">
+                              <a:solidFill>
+                                <a:schemeClr val="tx1"/>
+                              </a:solidFill>
+                              <a:latin typeface="Cambria Math" panose="02040503050406030204" pitchFamily="18" charset="0"/>
+                            </a:rPr>
+                          </m:ctrlPr>
+                        </m:accPr>
+                        <m:e>
+                          <m:r>
+                            <a:rPr lang="pt-BR" b="0" i="1" smtClean="0">
+                              <a:solidFill>
+                                <a:schemeClr val="tx1"/>
+                              </a:solidFill>
+                              <a:latin typeface="Cambria Math" panose="02040503050406030204" pitchFamily="18" charset="0"/>
+                            </a:rPr>
+                            <m:t>𝑦</m:t>
+                          </m:r>
+                        </m:e>
+                      </m:acc>
+                      <m:r>
+                        <a:rPr lang="pt-BR" b="0" i="1" smtClean="0">
+                          <a:solidFill>
+                            <a:schemeClr val="tx1"/>
+                          </a:solidFill>
+                          <a:latin typeface="Cambria Math" panose="02040503050406030204" pitchFamily="18" charset="0"/>
+                        </a:rPr>
+                        <m:t>=</m:t>
+                      </m:r>
+                      <m:sSub>
+                        <m:sSubPr>
+                          <m:ctrlPr>
+                            <a:rPr lang="pt-BR" b="0" i="1" smtClean="0">
+                              <a:solidFill>
+                                <a:schemeClr val="tx1"/>
+                              </a:solidFill>
+                              <a:latin typeface="Cambria Math" panose="02040503050406030204" pitchFamily="18" charset="0"/>
+                            </a:rPr>
+                          </m:ctrlPr>
+                        </m:sSubPr>
+                        <m:e>
+                          <m:r>
+                            <a:rPr lang="pt-BR" b="0" i="1" smtClean="0">
+                              <a:solidFill>
+                                <a:schemeClr val="tx1"/>
+                              </a:solidFill>
+                              <a:latin typeface="Cambria Math" panose="02040503050406030204" pitchFamily="18" charset="0"/>
+                            </a:rPr>
+                            <m:t>𝑎</m:t>
+                          </m:r>
+                        </m:e>
+                        <m:sub>
+                          <m:r>
+                            <a:rPr lang="pt-BR" b="0" i="1" smtClean="0">
+                              <a:solidFill>
+                                <a:schemeClr val="tx1"/>
+                              </a:solidFill>
+                              <a:latin typeface="Cambria Math" panose="02040503050406030204" pitchFamily="18" charset="0"/>
+                            </a:rPr>
+                            <m:t>0</m:t>
+                          </m:r>
+                        </m:sub>
+                      </m:sSub>
+                      <m:r>
+                        <a:rPr lang="pt-BR" b="0" i="1" smtClean="0">
+                          <a:solidFill>
+                            <a:schemeClr val="tx1"/>
+                          </a:solidFill>
+                          <a:latin typeface="Cambria Math" panose="02040503050406030204" pitchFamily="18" charset="0"/>
+                        </a:rPr>
+                        <m:t>+</m:t>
+                      </m:r>
+                      <m:sSub>
+                        <m:sSubPr>
+                          <m:ctrlPr>
+                            <a:rPr lang="pt-BR" b="0" i="1" smtClean="0">
+                              <a:solidFill>
+                                <a:schemeClr val="tx1"/>
+                              </a:solidFill>
+                              <a:latin typeface="Cambria Math" panose="02040503050406030204" pitchFamily="18" charset="0"/>
+                            </a:rPr>
+                          </m:ctrlPr>
+                        </m:sSubPr>
+                        <m:e>
+                          <m:r>
+                            <a:rPr lang="pt-BR" b="0" i="1" smtClean="0">
+                              <a:solidFill>
+                                <a:schemeClr val="tx1"/>
+                              </a:solidFill>
+                              <a:latin typeface="Cambria Math" panose="02040503050406030204" pitchFamily="18" charset="0"/>
+                            </a:rPr>
+                            <m:t>𝑎</m:t>
+                          </m:r>
+                        </m:e>
+                        <m:sub>
+                          <m:r>
+                            <a:rPr lang="pt-BR" b="0" i="1" smtClean="0">
+                              <a:solidFill>
+                                <a:schemeClr val="tx1"/>
+                              </a:solidFill>
+                              <a:latin typeface="Cambria Math" panose="02040503050406030204" pitchFamily="18" charset="0"/>
+                            </a:rPr>
+                            <m:t>1</m:t>
+                          </m:r>
+                        </m:sub>
+                      </m:sSub>
+                      <m:r>
+                        <a:rPr lang="pt-BR" b="0" i="1" smtClean="0">
+                          <a:solidFill>
+                            <a:schemeClr val="tx1"/>
+                          </a:solidFill>
+                          <a:latin typeface="Cambria Math" panose="02040503050406030204" pitchFamily="18" charset="0"/>
+                        </a:rPr>
+                        <m:t>𝑥</m:t>
+                      </m:r>
+                    </m:oMath>
+                  </m:oMathPara>
+                </a14:m>
+                <a:endParaRPr lang="pt-BR" dirty="0">
+                  <a:solidFill>
+                    <a:schemeClr val="tx1"/>
+                  </a:solidFill>
+                </a:endParaRPr>
+              </a:p>
+            </p:txBody>
+          </p:sp>
+        </mc:Choice>
+        <mc:Fallback>
+          <p:sp>
+            <p:nvSpPr>
+              <p:cNvPr id="20" name="Retângulo 19">
+                <a:extLst>
+                  <a:ext uri="{FF2B5EF4-FFF2-40B4-BE49-F238E27FC236}">
+                    <a16:creationId xmlns:a16="http://schemas.microsoft.com/office/drawing/2014/main" id="{677D043A-F43E-B0F3-37B7-346AE0697B04}"/>
+                  </a:ext>
+                </a:extLst>
+              </p:cNvPr>
+              <p:cNvSpPr>
+                <a:spLocks noRot="1" noChangeAspect="1" noMove="1" noResize="1" noEditPoints="1" noAdjustHandles="1" noChangeArrowheads="1" noChangeShapeType="1" noTextEdit="1"/>
+              </p:cNvSpPr>
+              <p:nvPr/>
+            </p:nvSpPr>
+            <p:spPr>
+              <a:xfrm>
+                <a:off x="2343971" y="3188740"/>
+                <a:ext cx="1499087" cy="870491"/>
+              </a:xfrm>
+              <a:prstGeom prst="rect">
+                <a:avLst/>
+              </a:prstGeom>
+              <a:blipFill>
+                <a:blip r:embed="rId7"/>
+                <a:stretch>
+                  <a:fillRect l="-405"/>
+                </a:stretch>
+              </a:blipFill>
+            </p:spPr>
+            <p:txBody>
+              <a:bodyPr/>
+              <a:lstStyle/>
+              <a:p>
+                <a:r>
+                  <a:rPr lang="pt-BR">
+                    <a:noFill/>
+                  </a:rPr>
+                  <a:t> </a:t>
+                </a:r>
+              </a:p>
+            </p:txBody>
+          </p:sp>
+        </mc:Fallback>
+      </mc:AlternateContent>
+      <p:sp>
+        <p:nvSpPr>
+          <p:cNvPr id="23" name="Retângulo 22">
+            <a:extLst>
+              <a:ext uri="{FF2B5EF4-FFF2-40B4-BE49-F238E27FC236}">
+                <a16:creationId xmlns:a16="http://schemas.microsoft.com/office/drawing/2014/main" id="{850665E7-60C9-9057-ADB6-2CAE2237B854}"/>
+              </a:ext>
+            </a:extLst>
+          </p:cNvPr>
+          <p:cNvSpPr/>
+          <p:nvPr/>
+        </p:nvSpPr>
+        <p:spPr>
+          <a:xfrm>
+            <a:off x="2828925" y="3540919"/>
+            <a:ext cx="270358" cy="230981"/>
+          </a:xfrm>
+          <a:prstGeom prst="rect">
+            <a:avLst/>
+          </a:prstGeom>
+          <a:noFill/>
+          <a:ln w="19050">
+            <a:solidFill>
+              <a:srgbClr val="FF0000"/>
+            </a:solidFill>
+          </a:ln>
+        </p:spPr>
+        <p:style>
+          <a:lnRef idx="2">
+            <a:schemeClr val="accent1">
+              <a:shade val="15000"/>
+            </a:schemeClr>
+          </a:lnRef>
+          <a:fillRef idx="1">
+            <a:schemeClr val="accent1"/>
+          </a:fillRef>
+          <a:effectRef idx="0">
+            <a:schemeClr val="accent1"/>
+          </a:effectRef>
+          <a:fontRef idx="minor">
+            <a:schemeClr val="lt1"/>
+          </a:fontRef>
+        </p:style>
+        <p:txBody>
+          <a:bodyPr rtlCol="0" anchor="ctr"/>
+          <a:lstStyle/>
+          <a:p>
+            <a:pPr algn="ctr"/>
             <a:endParaRPr lang="pt-BR"/>
           </a:p>
         </p:txBody>
       </p:sp>
+      <p:sp>
+        <p:nvSpPr>
+          <p:cNvPr id="24" name="Retângulo 23">
+            <a:extLst>
+              <a:ext uri="{FF2B5EF4-FFF2-40B4-BE49-F238E27FC236}">
+                <a16:creationId xmlns:a16="http://schemas.microsoft.com/office/drawing/2014/main" id="{C7E874E7-5F26-FF77-A6A0-4A158DC458C0}"/>
+              </a:ext>
+            </a:extLst>
+          </p:cNvPr>
+          <p:cNvSpPr/>
+          <p:nvPr/>
+        </p:nvSpPr>
+        <p:spPr>
+          <a:xfrm>
+            <a:off x="3324661" y="3540919"/>
+            <a:ext cx="270358" cy="230981"/>
+          </a:xfrm>
+          <a:prstGeom prst="rect">
+            <a:avLst/>
+          </a:prstGeom>
+          <a:noFill/>
+          <a:ln w="19050">
+            <a:solidFill>
+              <a:srgbClr val="FF0000"/>
+            </a:solidFill>
+          </a:ln>
+        </p:spPr>
+        <p:style>
+          <a:lnRef idx="2">
+            <a:schemeClr val="accent1">
+              <a:shade val="15000"/>
+            </a:schemeClr>
+          </a:lnRef>
+          <a:fillRef idx="1">
+            <a:schemeClr val="accent1"/>
+          </a:fillRef>
+          <a:effectRef idx="0">
+            <a:schemeClr val="accent1"/>
+          </a:effectRef>
+          <a:fontRef idx="minor">
+            <a:schemeClr val="lt1"/>
+          </a:fontRef>
+        </p:style>
+        <p:txBody>
+          <a:bodyPr rtlCol="0" anchor="ctr"/>
+          <a:lstStyle/>
+          <a:p>
+            <a:pPr algn="ctr"/>
+            <a:endParaRPr lang="pt-BR"/>
+          </a:p>
+        </p:txBody>
+      </p:sp>
+      <p:cxnSp>
+        <p:nvCxnSpPr>
+          <p:cNvPr id="28" name="Conector de Seta Reta 27">
+            <a:extLst>
+              <a:ext uri="{FF2B5EF4-FFF2-40B4-BE49-F238E27FC236}">
+                <a16:creationId xmlns:a16="http://schemas.microsoft.com/office/drawing/2014/main" id="{CB280270-DF7E-B48C-54FA-D35DD769A8F2}"/>
+              </a:ext>
+            </a:extLst>
+          </p:cNvPr>
+          <p:cNvCxnSpPr>
+            <a:stCxn id="24" idx="2"/>
+          </p:cNvCxnSpPr>
+          <p:nvPr/>
+        </p:nvCxnSpPr>
+        <p:spPr>
+          <a:xfrm flipH="1">
+            <a:off x="3219731" y="3771900"/>
+            <a:ext cx="240109" cy="529538"/>
+          </a:xfrm>
+          <a:prstGeom prst="straightConnector1">
+            <a:avLst/>
+          </a:prstGeom>
+          <a:ln>
+            <a:solidFill>
+              <a:srgbClr val="FF0000"/>
+            </a:solidFill>
+            <a:tailEnd type="triangle"/>
+          </a:ln>
+        </p:spPr>
+        <p:style>
+          <a:lnRef idx="1">
+            <a:schemeClr val="accent1"/>
+          </a:lnRef>
+          <a:fillRef idx="0">
+            <a:schemeClr val="accent1"/>
+          </a:fillRef>
+          <a:effectRef idx="0">
+            <a:schemeClr val="accent1"/>
+          </a:effectRef>
+          <a:fontRef idx="minor">
+            <a:schemeClr val="tx1"/>
+          </a:fontRef>
+        </p:style>
+      </p:cxnSp>
+      <p:cxnSp>
+        <p:nvCxnSpPr>
+          <p:cNvPr id="30" name="Conector de Seta Reta 29">
+            <a:extLst>
+              <a:ext uri="{FF2B5EF4-FFF2-40B4-BE49-F238E27FC236}">
+                <a16:creationId xmlns:a16="http://schemas.microsoft.com/office/drawing/2014/main" id="{C10D38CF-E0FA-1551-91EE-C0598E273D40}"/>
+              </a:ext>
+            </a:extLst>
+          </p:cNvPr>
+          <p:cNvCxnSpPr>
+            <a:stCxn id="23" idx="2"/>
+          </p:cNvCxnSpPr>
+          <p:nvPr/>
+        </p:nvCxnSpPr>
+        <p:spPr>
+          <a:xfrm>
+            <a:off x="2964104" y="3771900"/>
+            <a:ext cx="237794" cy="529538"/>
+          </a:xfrm>
+          <a:prstGeom prst="straightConnector1">
+            <a:avLst/>
+          </a:prstGeom>
+          <a:ln>
+            <a:solidFill>
+              <a:srgbClr val="FF0000"/>
+            </a:solidFill>
+            <a:tailEnd type="triangle"/>
+          </a:ln>
+        </p:spPr>
+        <p:style>
+          <a:lnRef idx="1">
+            <a:schemeClr val="accent1"/>
+          </a:lnRef>
+          <a:fillRef idx="0">
+            <a:schemeClr val="accent1"/>
+          </a:fillRef>
+          <a:effectRef idx="0">
+            <a:schemeClr val="accent1"/>
+          </a:effectRef>
+          <a:fontRef idx="minor">
+            <a:schemeClr val="tx1"/>
+          </a:fontRef>
+        </p:style>
+      </p:cxnSp>
+      <p:sp>
+        <p:nvSpPr>
+          <p:cNvPr id="31" name="CaixaDeTexto 30">
+            <a:extLst>
+              <a:ext uri="{FF2B5EF4-FFF2-40B4-BE49-F238E27FC236}">
+                <a16:creationId xmlns:a16="http://schemas.microsoft.com/office/drawing/2014/main" id="{3DB927FD-619C-3B92-17E3-53ADFB087CC0}"/>
+              </a:ext>
+            </a:extLst>
+          </p:cNvPr>
+          <p:cNvSpPr txBox="1"/>
+          <p:nvPr/>
+        </p:nvSpPr>
+        <p:spPr>
+          <a:xfrm>
+            <a:off x="2270990" y="2946533"/>
+            <a:ext cx="1115869" cy="276999"/>
+          </a:xfrm>
+          <a:prstGeom prst="rect">
+            <a:avLst/>
+          </a:prstGeom>
+          <a:noFill/>
+        </p:spPr>
+        <p:txBody>
+          <a:bodyPr wrap="square" rtlCol="0">
+            <a:spAutoFit/>
+          </a:bodyPr>
+          <a:lstStyle/>
+          <a:p>
+            <a:r>
+              <a:rPr lang="pt-BR" sz="1200" dirty="0"/>
+              <a:t>Modelo de ML</a:t>
+            </a:r>
+          </a:p>
+        </p:txBody>
+      </p:sp>
+      <p:pic>
+        <p:nvPicPr>
+          <p:cNvPr id="32" name="animated_linear_regression">
+            <a:hlinkClick r:id="" action="ppaction://media"/>
+            <a:extLst>
+              <a:ext uri="{FF2B5EF4-FFF2-40B4-BE49-F238E27FC236}">
+                <a16:creationId xmlns:a16="http://schemas.microsoft.com/office/drawing/2014/main" id="{66D25972-58E8-79DB-2476-AFDFC171820F}"/>
+              </a:ext>
+            </a:extLst>
+          </p:cNvPr>
+          <p:cNvPicPr>
+            <a:picLocks noChangeAspect="1"/>
+          </p:cNvPicPr>
+          <p:nvPr>
+            <a:videoFile r:link="rId2"/>
+            <p:extLst>
+              <p:ext uri="{DAA4B4D4-6D71-4841-9C94-3DE7FCFB9230}">
+                <p14:media xmlns:p14="http://schemas.microsoft.com/office/powerpoint/2010/main" r:embed="rId1"/>
+              </p:ext>
+            </p:extLst>
+          </p:nvPr>
+        </p:nvPicPr>
+        <p:blipFill>
+          <a:blip r:embed="rId8"/>
+          <a:stretch>
+            <a:fillRect/>
+          </a:stretch>
+        </p:blipFill>
+        <p:spPr>
+          <a:xfrm>
+            <a:off x="6610352" y="2200663"/>
+            <a:ext cx="4211251" cy="3158438"/>
+          </a:xfrm>
+          <a:prstGeom prst="rect">
+            <a:avLst/>
+          </a:prstGeom>
+        </p:spPr>
+      </p:pic>
     </p:spTree>
     <p:extLst>
       <p:ext uri="{BB962C8B-B14F-4D97-AF65-F5344CB8AC3E}">
-        <p14:creationId xmlns:p14="http://schemas.microsoft.com/office/powerpoint/2010/main" val="3217882827"/>
+        <p14:creationId xmlns:p14="http://schemas.microsoft.com/office/powerpoint/2010/main" val="2662001933"/>
       </p:ext>
     </p:extLst>
   </p:cSld>
   <p:clrMapOvr>
     <a:masterClrMapping/>
   </p:clrMapOvr>
+  <p:timing>
+    <p:tnLst>
+      <p:par>
+        <p:cTn id="1" dur="indefinite" restart="never" nodeType="tmRoot">
+          <p:childTnLst>
+            <p:seq concurrent="1" nextAc="seek">
+              <p:cTn id="2" dur="indefinite" nodeType="mainSeq">
+                <p:childTnLst>
+                  <p:par>
+                    <p:cTn id="3" fill="hold">
+                      <p:stCondLst>
+                        <p:cond delay="indefinite"/>
+                      </p:stCondLst>
+                      <p:childTnLst>
+                        <p:par>
+                          <p:cTn id="4" fill="hold">
+                            <p:stCondLst>
+                              <p:cond delay="0"/>
+                            </p:stCondLst>
+                            <p:childTnLst>
+                              <p:par>
+                                <p:cTn id="5" presetID="1" presetClass="mediacall" presetSubtype="0" fill="hold" nodeType="clickEffect">
+                                  <p:stCondLst>
+                                    <p:cond delay="0"/>
+                                  </p:stCondLst>
+                                  <p:childTnLst>
+                                    <p:cmd type="call" cmd="playFrom(0.0)">
+                                      <p:cBhvr>
+                                        <p:cTn id="6" dur="200000" fill="hold"/>
+                                        <p:tgtEl>
+                                          <p:spTgt spid="32"/>
+                                        </p:tgtEl>
+                                      </p:cBhvr>
+                                    </p:cmd>
+                                  </p:childTnLst>
+                                </p:cTn>
+                              </p:par>
+                            </p:childTnLst>
+                          </p:cTn>
+                        </p:par>
+                      </p:childTnLst>
+                    </p:cTn>
+                  </p:par>
+                </p:childTnLst>
+              </p:cTn>
+              <p:prevCondLst>
+                <p:cond evt="onPrev" delay="0">
+                  <p:tgtEl>
+                    <p:sldTgt/>
+                  </p:tgtEl>
+                </p:cond>
+              </p:prevCondLst>
+              <p:nextCondLst>
+                <p:cond evt="onNext" delay="0">
+                  <p:tgtEl>
+                    <p:sldTgt/>
+                  </p:tgtEl>
+                </p:cond>
+              </p:nextCondLst>
+            </p:seq>
+            <p:video>
+              <p:cMediaNode vol="80000">
+                <p:cTn id="7" fill="hold" display="0">
+                  <p:stCondLst>
+                    <p:cond delay="indefinite"/>
+                  </p:stCondLst>
+                </p:cTn>
+                <p:tgtEl>
+                  <p:spTgt spid="32"/>
+                </p:tgtEl>
+              </p:cMediaNode>
+            </p:video>
+            <p:seq concurrent="1" nextAc="seek">
+              <p:cTn id="8" restart="whenNotActive" fill="hold" evtFilter="cancelBubble" nodeType="interactiveSeq">
+                <p:stCondLst>
+                  <p:cond evt="onClick" delay="0">
+                    <p:tgtEl>
+                      <p:spTgt spid="32"/>
+                    </p:tgtEl>
+                  </p:cond>
+                </p:stCondLst>
+                <p:endSync evt="end" delay="0">
+                  <p:rtn val="all"/>
+                </p:endSync>
+                <p:childTnLst>
+                  <p:par>
+                    <p:cTn id="9" fill="hold">
+                      <p:stCondLst>
+                        <p:cond delay="0"/>
+                      </p:stCondLst>
+                      <p:childTnLst>
+                        <p:par>
+                          <p:cTn id="10" fill="hold">
+                            <p:stCondLst>
+                              <p:cond delay="0"/>
+                            </p:stCondLst>
+                            <p:childTnLst>
+                              <p:par>
+                                <p:cTn id="11" presetID="2" presetClass="mediacall" presetSubtype="0" fill="hold" nodeType="clickEffect">
+                                  <p:stCondLst>
+                                    <p:cond delay="0"/>
+                                  </p:stCondLst>
+                                  <p:childTnLst>
+                                    <p:cmd type="call" cmd="togglePause">
+                                      <p:cBhvr>
+                                        <p:cTn id="12" dur="1" fill="hold"/>
+                                        <p:tgtEl>
+                                          <p:spTgt spid="32"/>
+                                        </p:tgtEl>
+                                      </p:cBhvr>
+                                    </p:cmd>
+                                  </p:childTnLst>
+                                </p:cTn>
+                              </p:par>
+                            </p:childTnLst>
+                          </p:cTn>
+                        </p:par>
+                      </p:childTnLst>
+                    </p:cTn>
+                  </p:par>
+                </p:childTnLst>
+              </p:cTn>
+              <p:nextCondLst>
+                <p:cond evt="onClick" delay="0">
+                  <p:tgtEl>
+                    <p:spTgt spid="32"/>
+                  </p:tgtEl>
+                </p:cond>
+              </p:nextCondLst>
+            </p:seq>
+          </p:childTnLst>
+        </p:cTn>
+      </p:par>
+    </p:tnLst>
+  </p:timing>
 </p:sld>
 </file>
 
@@ -8801,7 +10300,10 @@
           <a:bodyPr/>
           <a:lstStyle/>
           <a:p>
-            <a:endParaRPr lang="pt-BR"/>
+            <a:r>
+              <a:rPr lang="pt-BR" dirty="0"/>
+              <a:t>Outras medidas de erro</a:t>
+            </a:r>
           </a:p>
         </p:txBody>
       </p:sp>
@@ -8823,8 +10325,8 @@
         </p:nvSpPr>
         <p:spPr>
           <a:xfrm>
-            <a:off x="6718300" y="1825625"/>
-            <a:ext cx="4635500" cy="4351338"/>
+            <a:off x="6096001" y="1825625"/>
+            <a:ext cx="5955586" cy="4883400"/>
           </a:xfrm>
         </p:spPr>
         <p:txBody>
@@ -8833,129 +10335,1050 @@
           <a:p>
             <a:r>
               <a:rPr lang="pt-BR" dirty="0"/>
-              <a:t>Existem outras métricas que podemos usar</a:t>
+              <a:t>Além do EQM (</a:t>
+            </a:r>
+            <a:r>
+              <a:rPr lang="pt-BR" dirty="0" err="1"/>
+              <a:t>Mean</a:t>
+            </a:r>
+            <a:r>
+              <a:rPr lang="pt-BR" dirty="0"/>
+              <a:t> </a:t>
+            </a:r>
+            <a:r>
+              <a:rPr lang="pt-BR" dirty="0" err="1"/>
+              <a:t>Squared</a:t>
+            </a:r>
+            <a:r>
+              <a:rPr lang="pt-BR" dirty="0"/>
+              <a:t> </a:t>
+            </a:r>
+            <a:r>
+              <a:rPr lang="pt-BR" dirty="0" err="1"/>
+              <a:t>Error</a:t>
+            </a:r>
+            <a:r>
+              <a:rPr lang="pt-BR" dirty="0"/>
+              <a:t> – MSE), existem diversas outras métricas de erro que podemos usar</a:t>
             </a:r>
           </a:p>
           <a:p>
-            <a:pPr lvl="1"/>
+            <a:pPr lvl="1">
+              <a:buFont typeface="Wingdings" panose="05000000000000000000" pitchFamily="2" charset="2"/>
+              <a:buChar char="§"/>
+            </a:pPr>
             <a:r>
               <a:rPr lang="pt-BR" dirty="0"/>
-              <a:t>MSE</a:t>
+              <a:t>Erro Absoluto Média (</a:t>
+            </a:r>
+            <a:r>
+              <a:rPr lang="pt-BR" dirty="0" err="1"/>
+              <a:t>Mean</a:t>
+            </a:r>
+            <a:r>
+              <a:rPr lang="pt-BR" dirty="0"/>
+              <a:t> Absolute </a:t>
+            </a:r>
+            <a:r>
+              <a:rPr lang="pt-BR" dirty="0" err="1"/>
+              <a:t>Error</a:t>
+            </a:r>
+            <a:r>
+              <a:rPr lang="pt-BR" dirty="0"/>
+              <a:t> –MAE);</a:t>
             </a:r>
           </a:p>
           <a:p>
-            <a:pPr lvl="1"/>
+            <a:pPr lvl="1">
+              <a:buFont typeface="Wingdings" panose="05000000000000000000" pitchFamily="2" charset="2"/>
+              <a:buChar char="§"/>
+            </a:pPr>
             <a:r>
               <a:rPr lang="pt-BR" dirty="0"/>
-              <a:t>MAE</a:t>
+              <a:t>Entropia Cruzada (Cross-Entropia);</a:t>
             </a:r>
           </a:p>
           <a:p>
-            <a:pPr lvl="1"/>
+            <a:pPr lvl="1">
+              <a:buFont typeface="Wingdings" panose="05000000000000000000" pitchFamily="2" charset="2"/>
+              <a:buChar char="§"/>
+            </a:pPr>
             <a:r>
               <a:rPr lang="pt-BR" dirty="0"/>
-              <a:t>Cross-Entropia</a:t>
+              <a:t>Etc.</a:t>
             </a:r>
-          </a:p>
-          <a:p>
-            <a:pPr lvl="1"/>
-            <a:endParaRPr lang="pt-BR" dirty="0"/>
-          </a:p>
-          <a:p>
-            <a:endParaRPr lang="pt-BR" dirty="0"/>
           </a:p>
         </p:txBody>
       </p:sp>
-      <p:pic>
-        <p:nvPicPr>
-          <p:cNvPr id="5" name="Imagem 4">
+      <mc:AlternateContent xmlns:mc="http://schemas.openxmlformats.org/markup-compatibility/2006">
+        <mc:Choice xmlns:a14="http://schemas.microsoft.com/office/drawing/2010/main" Requires="a14">
+          <p:sp>
+            <p:nvSpPr>
+              <p:cNvPr id="4" name="CaixaDeTexto 3">
+                <a:extLst>
+                  <a:ext uri="{FF2B5EF4-FFF2-40B4-BE49-F238E27FC236}">
+                    <a16:creationId xmlns:a16="http://schemas.microsoft.com/office/drawing/2014/main" id="{912EE77C-6A3E-1677-40E5-D9887B8F1F1E}"/>
+                  </a:ext>
+                </a:extLst>
+              </p:cNvPr>
+              <p:cNvSpPr txBox="1"/>
+              <p:nvPr/>
+            </p:nvSpPr>
+            <p:spPr>
+              <a:xfrm>
+                <a:off x="838200" y="1993368"/>
+                <a:ext cx="3520374" cy="1130822"/>
+              </a:xfrm>
+              <a:prstGeom prst="rect">
+                <a:avLst/>
+              </a:prstGeom>
+              <a:noFill/>
+            </p:spPr>
+            <p:txBody>
+              <a:bodyPr wrap="square" rtlCol="0">
+                <a:spAutoFit/>
+              </a:bodyPr>
+              <a:lstStyle/>
+              <a:p>
+                <a:pPr/>
+                <a14:m>
+                  <m:oMathPara xmlns:m="http://schemas.openxmlformats.org/officeDocument/2006/math">
+                    <m:oMathParaPr>
+                      <m:jc m:val="left"/>
+                    </m:oMathParaPr>
+                    <m:oMath xmlns:m="http://schemas.openxmlformats.org/officeDocument/2006/math">
+                      <m:r>
+                        <m:rPr>
+                          <m:sty m:val="p"/>
+                        </m:rPr>
+                        <a:rPr lang="pt-BR" sz="2400" b="0" i="0" smtClean="0">
+                          <a:latin typeface="Cambria Math" panose="02040503050406030204" pitchFamily="18" charset="0"/>
+                        </a:rPr>
+                        <m:t>MSE</m:t>
+                      </m:r>
+                      <m:r>
+                        <a:rPr lang="pt-BR" sz="2400" b="0" i="1" smtClean="0">
+                          <a:latin typeface="Cambria Math" panose="02040503050406030204" pitchFamily="18" charset="0"/>
+                        </a:rPr>
+                        <m:t>=</m:t>
+                      </m:r>
+                      <m:f>
+                        <m:fPr>
+                          <m:ctrlPr>
+                            <a:rPr lang="pt-BR" sz="2400" b="0" i="1" smtClean="0">
+                              <a:latin typeface="Cambria Math" panose="02040503050406030204" pitchFamily="18" charset="0"/>
+                            </a:rPr>
+                          </m:ctrlPr>
+                        </m:fPr>
+                        <m:num>
+                          <m:r>
+                            <a:rPr lang="pt-BR" sz="2400" b="0" i="1" smtClean="0">
+                              <a:latin typeface="Cambria Math" panose="02040503050406030204" pitchFamily="18" charset="0"/>
+                            </a:rPr>
+                            <m:t>1</m:t>
+                          </m:r>
+                        </m:num>
+                        <m:den>
+                          <m:r>
+                            <a:rPr lang="pt-BR" sz="2400" b="0" i="1" smtClean="0">
+                              <a:latin typeface="Cambria Math" panose="02040503050406030204" pitchFamily="18" charset="0"/>
+                            </a:rPr>
+                            <m:t>𝑁</m:t>
+                          </m:r>
+                        </m:den>
+                      </m:f>
+                      <m:nary>
+                        <m:naryPr>
+                          <m:chr m:val="∑"/>
+                          <m:ctrlPr>
+                            <a:rPr lang="pt-BR" sz="2400" b="0" i="1" smtClean="0">
+                              <a:latin typeface="Cambria Math" panose="02040503050406030204" pitchFamily="18" charset="0"/>
+                            </a:rPr>
+                          </m:ctrlPr>
+                        </m:naryPr>
+                        <m:sub>
+                          <m:r>
+                            <m:rPr>
+                              <m:brk m:alnAt="23"/>
+                            </m:rPr>
+                            <a:rPr lang="pt-BR" sz="2400" b="0" i="1" smtClean="0">
+                              <a:latin typeface="Cambria Math" panose="02040503050406030204" pitchFamily="18" charset="0"/>
+                            </a:rPr>
+                            <m:t>𝑛</m:t>
+                          </m:r>
+                          <m:r>
+                            <a:rPr lang="pt-BR" sz="2400" b="0" i="1" smtClean="0">
+                              <a:latin typeface="Cambria Math" panose="02040503050406030204" pitchFamily="18" charset="0"/>
+                            </a:rPr>
+                            <m:t>=1</m:t>
+                          </m:r>
+                        </m:sub>
+                        <m:sup>
+                          <m:r>
+                            <a:rPr lang="pt-BR" sz="2400" b="0" i="1" smtClean="0">
+                              <a:latin typeface="Cambria Math" panose="02040503050406030204" pitchFamily="18" charset="0"/>
+                            </a:rPr>
+                            <m:t>𝑁</m:t>
+                          </m:r>
+                        </m:sup>
+                        <m:e>
+                          <m:sSup>
+                            <m:sSupPr>
+                              <m:ctrlPr>
+                                <a:rPr lang="pt-BR" sz="2400" b="0" i="1" smtClean="0">
+                                  <a:latin typeface="Cambria Math" panose="02040503050406030204" pitchFamily="18" charset="0"/>
+                                </a:rPr>
+                              </m:ctrlPr>
+                            </m:sSupPr>
+                            <m:e>
+                              <m:d>
+                                <m:dPr>
+                                  <m:ctrlPr>
+                                    <a:rPr lang="pt-BR" sz="2400" b="0" i="1" smtClean="0">
+                                      <a:latin typeface="Cambria Math" panose="02040503050406030204" pitchFamily="18" charset="0"/>
+                                    </a:rPr>
+                                  </m:ctrlPr>
+                                </m:dPr>
+                                <m:e>
+                                  <m:sSub>
+                                    <m:sSubPr>
+                                      <m:ctrlPr>
+                                        <a:rPr lang="pt-BR" sz="2400" i="1">
+                                          <a:latin typeface="Cambria Math" panose="02040503050406030204" pitchFamily="18" charset="0"/>
+                                        </a:rPr>
+                                      </m:ctrlPr>
+                                    </m:sSubPr>
+                                    <m:e>
+                                      <m:acc>
+                                        <m:accPr>
+                                          <m:chr m:val="̂"/>
+                                          <m:ctrlPr>
+                                            <a:rPr lang="pt-BR" sz="2400" i="1">
+                                              <a:latin typeface="Cambria Math" panose="02040503050406030204" pitchFamily="18" charset="0"/>
+                                            </a:rPr>
+                                          </m:ctrlPr>
+                                        </m:accPr>
+                                        <m:e>
+                                          <m:r>
+                                            <a:rPr lang="pt-BR" sz="2400" i="1">
+                                              <a:latin typeface="Cambria Math" panose="02040503050406030204" pitchFamily="18" charset="0"/>
+                                            </a:rPr>
+                                            <m:t>𝑦</m:t>
+                                          </m:r>
+                                        </m:e>
+                                      </m:acc>
+                                    </m:e>
+                                    <m:sub>
+                                      <m:r>
+                                        <a:rPr lang="pt-BR" sz="2400" i="1">
+                                          <a:latin typeface="Cambria Math" panose="02040503050406030204" pitchFamily="18" charset="0"/>
+                                        </a:rPr>
+                                        <m:t>𝑛</m:t>
+                                      </m:r>
+                                    </m:sub>
+                                  </m:sSub>
+                                  <m:r>
+                                    <a:rPr lang="pt-BR" sz="2400" b="0" i="1" smtClean="0">
+                                      <a:latin typeface="Cambria Math" panose="02040503050406030204" pitchFamily="18" charset="0"/>
+                                    </a:rPr>
+                                    <m:t>−</m:t>
+                                  </m:r>
+                                  <m:sSub>
+                                    <m:sSubPr>
+                                      <m:ctrlPr>
+                                        <a:rPr lang="pt-BR" sz="2400" i="1">
+                                          <a:latin typeface="Cambria Math" panose="02040503050406030204" pitchFamily="18" charset="0"/>
+                                        </a:rPr>
+                                      </m:ctrlPr>
+                                    </m:sSubPr>
+                                    <m:e>
+                                      <m:r>
+                                        <a:rPr lang="pt-BR" sz="2400" i="1">
+                                          <a:latin typeface="Cambria Math" panose="02040503050406030204" pitchFamily="18" charset="0"/>
+                                        </a:rPr>
+                                        <m:t>𝑦</m:t>
+                                      </m:r>
+                                    </m:e>
+                                    <m:sub>
+                                      <m:r>
+                                        <a:rPr lang="pt-BR" sz="2400" i="1">
+                                          <a:latin typeface="Cambria Math" panose="02040503050406030204" pitchFamily="18" charset="0"/>
+                                        </a:rPr>
+                                        <m:t>𝑛</m:t>
+                                      </m:r>
+                                    </m:sub>
+                                  </m:sSub>
+                                </m:e>
+                              </m:d>
+                            </m:e>
+                            <m:sup>
+                              <m:r>
+                                <a:rPr lang="pt-BR" sz="2400" b="0" i="1" smtClean="0">
+                                  <a:latin typeface="Cambria Math" panose="02040503050406030204" pitchFamily="18" charset="0"/>
+                                </a:rPr>
+                                <m:t>2</m:t>
+                              </m:r>
+                            </m:sup>
+                          </m:sSup>
+                        </m:e>
+                      </m:nary>
+                    </m:oMath>
+                  </m:oMathPara>
+                </a14:m>
+                <a:endParaRPr lang="pt-BR" sz="2400" dirty="0"/>
+              </a:p>
+            </p:txBody>
+          </p:sp>
+        </mc:Choice>
+        <mc:Fallback>
+          <p:sp>
+            <p:nvSpPr>
+              <p:cNvPr id="4" name="CaixaDeTexto 3">
+                <a:extLst>
+                  <a:ext uri="{FF2B5EF4-FFF2-40B4-BE49-F238E27FC236}">
+                    <a16:creationId xmlns:a16="http://schemas.microsoft.com/office/drawing/2014/main" id="{912EE77C-6A3E-1677-40E5-D9887B8F1F1E}"/>
+                  </a:ext>
+                </a:extLst>
+              </p:cNvPr>
+              <p:cNvSpPr txBox="1">
+                <a:spLocks noRot="1" noChangeAspect="1" noMove="1" noResize="1" noEditPoints="1" noAdjustHandles="1" noChangeArrowheads="1" noChangeShapeType="1" noTextEdit="1"/>
+              </p:cNvSpPr>
+              <p:nvPr/>
+            </p:nvSpPr>
+            <p:spPr>
+              <a:xfrm>
+                <a:off x="838200" y="1993368"/>
+                <a:ext cx="3520374" cy="1130822"/>
+              </a:xfrm>
+              <a:prstGeom prst="rect">
+                <a:avLst/>
+              </a:prstGeom>
+              <a:blipFill>
+                <a:blip r:embed="rId2"/>
+                <a:stretch>
+                  <a:fillRect/>
+                </a:stretch>
+              </a:blipFill>
+            </p:spPr>
+            <p:txBody>
+              <a:bodyPr/>
+              <a:lstStyle/>
+              <a:p>
+                <a:r>
+                  <a:rPr lang="pt-BR">
+                    <a:noFill/>
+                  </a:rPr>
+                  <a:t> </a:t>
+                </a:r>
+              </a:p>
+            </p:txBody>
+          </p:sp>
+        </mc:Fallback>
+      </mc:AlternateContent>
+      <mc:AlternateContent xmlns:mc="http://schemas.openxmlformats.org/markup-compatibility/2006">
+        <mc:Choice xmlns:a14="http://schemas.microsoft.com/office/drawing/2010/main" Requires="a14">
+          <p:sp>
+            <p:nvSpPr>
+              <p:cNvPr id="6" name="CaixaDeTexto 5">
+                <a:extLst>
+                  <a:ext uri="{FF2B5EF4-FFF2-40B4-BE49-F238E27FC236}">
+                    <a16:creationId xmlns:a16="http://schemas.microsoft.com/office/drawing/2014/main" id="{4F978C60-702A-3E84-6A73-7B615BC32415}"/>
+                  </a:ext>
+                </a:extLst>
+              </p:cNvPr>
+              <p:cNvSpPr txBox="1"/>
+              <p:nvPr/>
+            </p:nvSpPr>
+            <p:spPr>
+              <a:xfrm>
+                <a:off x="838201" y="3342729"/>
+                <a:ext cx="3520373" cy="1130822"/>
+              </a:xfrm>
+              <a:prstGeom prst="rect">
+                <a:avLst/>
+              </a:prstGeom>
+              <a:noFill/>
+            </p:spPr>
+            <p:txBody>
+              <a:bodyPr wrap="square" rtlCol="0">
+                <a:spAutoFit/>
+              </a:bodyPr>
+              <a:lstStyle/>
+              <a:p>
+                <a:pPr/>
+                <a14:m>
+                  <m:oMathPara xmlns:m="http://schemas.openxmlformats.org/officeDocument/2006/math">
+                    <m:oMathParaPr>
+                      <m:jc m:val="left"/>
+                    </m:oMathParaPr>
+                    <m:oMath xmlns:m="http://schemas.openxmlformats.org/officeDocument/2006/math">
+                      <m:r>
+                        <m:rPr>
+                          <m:sty m:val="p"/>
+                        </m:rPr>
+                        <a:rPr lang="pt-BR" sz="2400" b="0" i="0" smtClean="0">
+                          <a:latin typeface="Cambria Math" panose="02040503050406030204" pitchFamily="18" charset="0"/>
+                        </a:rPr>
+                        <m:t>MAE</m:t>
+                      </m:r>
+                      <m:r>
+                        <a:rPr lang="pt-BR" sz="2400" b="0" i="1" smtClean="0">
+                          <a:latin typeface="Cambria Math" panose="02040503050406030204" pitchFamily="18" charset="0"/>
+                        </a:rPr>
+                        <m:t>=</m:t>
+                      </m:r>
+                      <m:f>
+                        <m:fPr>
+                          <m:ctrlPr>
+                            <a:rPr lang="pt-BR" sz="2400" b="0" i="1" smtClean="0">
+                              <a:latin typeface="Cambria Math" panose="02040503050406030204" pitchFamily="18" charset="0"/>
+                            </a:rPr>
+                          </m:ctrlPr>
+                        </m:fPr>
+                        <m:num>
+                          <m:r>
+                            <a:rPr lang="pt-BR" sz="2400" b="0" i="1" smtClean="0">
+                              <a:latin typeface="Cambria Math" panose="02040503050406030204" pitchFamily="18" charset="0"/>
+                            </a:rPr>
+                            <m:t>1</m:t>
+                          </m:r>
+                        </m:num>
+                        <m:den>
+                          <m:r>
+                            <a:rPr lang="pt-BR" sz="2400" b="0" i="1" smtClean="0">
+                              <a:latin typeface="Cambria Math" panose="02040503050406030204" pitchFamily="18" charset="0"/>
+                            </a:rPr>
+                            <m:t>𝑁</m:t>
+                          </m:r>
+                        </m:den>
+                      </m:f>
+                      <m:nary>
+                        <m:naryPr>
+                          <m:chr m:val="∑"/>
+                          <m:ctrlPr>
+                            <a:rPr lang="pt-BR" sz="2400" b="0" i="1" smtClean="0">
+                              <a:latin typeface="Cambria Math" panose="02040503050406030204" pitchFamily="18" charset="0"/>
+                            </a:rPr>
+                          </m:ctrlPr>
+                        </m:naryPr>
+                        <m:sub>
+                          <m:r>
+                            <m:rPr>
+                              <m:brk m:alnAt="23"/>
+                            </m:rPr>
+                            <a:rPr lang="pt-BR" sz="2400" b="0" i="1" smtClean="0">
+                              <a:latin typeface="Cambria Math" panose="02040503050406030204" pitchFamily="18" charset="0"/>
+                            </a:rPr>
+                            <m:t>𝑛</m:t>
+                          </m:r>
+                          <m:r>
+                            <a:rPr lang="pt-BR" sz="2400" b="0" i="1" smtClean="0">
+                              <a:latin typeface="Cambria Math" panose="02040503050406030204" pitchFamily="18" charset="0"/>
+                            </a:rPr>
+                            <m:t>=1</m:t>
+                          </m:r>
+                        </m:sub>
+                        <m:sup>
+                          <m:r>
+                            <a:rPr lang="pt-BR" sz="2400" b="0" i="1" smtClean="0">
+                              <a:latin typeface="Cambria Math" panose="02040503050406030204" pitchFamily="18" charset="0"/>
+                            </a:rPr>
+                            <m:t>𝑁</m:t>
+                          </m:r>
+                        </m:sup>
+                        <m:e>
+                          <m:d>
+                            <m:dPr>
+                              <m:begChr m:val="|"/>
+                              <m:endChr m:val="|"/>
+                              <m:ctrlPr>
+                                <a:rPr lang="pt-BR" sz="2400" b="0" i="1" smtClean="0">
+                                  <a:latin typeface="Cambria Math" panose="02040503050406030204" pitchFamily="18" charset="0"/>
+                                </a:rPr>
+                              </m:ctrlPr>
+                            </m:dPr>
+                            <m:e>
+                              <m:sSub>
+                                <m:sSubPr>
+                                  <m:ctrlPr>
+                                    <a:rPr lang="pt-BR" sz="2400" i="1">
+                                      <a:latin typeface="Cambria Math" panose="02040503050406030204" pitchFamily="18" charset="0"/>
+                                    </a:rPr>
+                                  </m:ctrlPr>
+                                </m:sSubPr>
+                                <m:e>
+                                  <m:acc>
+                                    <m:accPr>
+                                      <m:chr m:val="̂"/>
+                                      <m:ctrlPr>
+                                        <a:rPr lang="pt-BR" sz="2400" i="1">
+                                          <a:latin typeface="Cambria Math" panose="02040503050406030204" pitchFamily="18" charset="0"/>
+                                        </a:rPr>
+                                      </m:ctrlPr>
+                                    </m:accPr>
+                                    <m:e>
+                                      <m:r>
+                                        <a:rPr lang="pt-BR" sz="2400" i="1">
+                                          <a:latin typeface="Cambria Math" panose="02040503050406030204" pitchFamily="18" charset="0"/>
+                                        </a:rPr>
+                                        <m:t>𝑦</m:t>
+                                      </m:r>
+                                    </m:e>
+                                  </m:acc>
+                                </m:e>
+                                <m:sub>
+                                  <m:r>
+                                    <a:rPr lang="pt-BR" sz="2400" i="1">
+                                      <a:latin typeface="Cambria Math" panose="02040503050406030204" pitchFamily="18" charset="0"/>
+                                    </a:rPr>
+                                    <m:t>𝑛</m:t>
+                                  </m:r>
+                                </m:sub>
+                              </m:sSub>
+                              <m:r>
+                                <a:rPr lang="pt-BR" sz="2400" i="1">
+                                  <a:latin typeface="Cambria Math" panose="02040503050406030204" pitchFamily="18" charset="0"/>
+                                </a:rPr>
+                                <m:t>−</m:t>
+                              </m:r>
+                              <m:sSub>
+                                <m:sSubPr>
+                                  <m:ctrlPr>
+                                    <a:rPr lang="pt-BR" sz="2400" i="1">
+                                      <a:latin typeface="Cambria Math" panose="02040503050406030204" pitchFamily="18" charset="0"/>
+                                    </a:rPr>
+                                  </m:ctrlPr>
+                                </m:sSubPr>
+                                <m:e>
+                                  <m:r>
+                                    <a:rPr lang="pt-BR" sz="2400" i="1">
+                                      <a:latin typeface="Cambria Math" panose="02040503050406030204" pitchFamily="18" charset="0"/>
+                                    </a:rPr>
+                                    <m:t>𝑦</m:t>
+                                  </m:r>
+                                </m:e>
+                                <m:sub>
+                                  <m:r>
+                                    <a:rPr lang="pt-BR" sz="2400" i="1">
+                                      <a:latin typeface="Cambria Math" panose="02040503050406030204" pitchFamily="18" charset="0"/>
+                                    </a:rPr>
+                                    <m:t>𝑛</m:t>
+                                  </m:r>
+                                </m:sub>
+                              </m:sSub>
+                            </m:e>
+                          </m:d>
+                        </m:e>
+                      </m:nary>
+                    </m:oMath>
+                  </m:oMathPara>
+                </a14:m>
+                <a:endParaRPr lang="pt-BR" sz="2400" dirty="0"/>
+              </a:p>
+            </p:txBody>
+          </p:sp>
+        </mc:Choice>
+        <mc:Fallback>
+          <p:sp>
+            <p:nvSpPr>
+              <p:cNvPr id="6" name="CaixaDeTexto 5">
+                <a:extLst>
+                  <a:ext uri="{FF2B5EF4-FFF2-40B4-BE49-F238E27FC236}">
+                    <a16:creationId xmlns:a16="http://schemas.microsoft.com/office/drawing/2014/main" id="{4F978C60-702A-3E84-6A73-7B615BC32415}"/>
+                  </a:ext>
+                </a:extLst>
+              </p:cNvPr>
+              <p:cNvSpPr txBox="1">
+                <a:spLocks noRot="1" noChangeAspect="1" noMove="1" noResize="1" noEditPoints="1" noAdjustHandles="1" noChangeArrowheads="1" noChangeShapeType="1" noTextEdit="1"/>
+              </p:cNvSpPr>
+              <p:nvPr/>
+            </p:nvSpPr>
+            <p:spPr>
+              <a:xfrm>
+                <a:off x="838201" y="3342729"/>
+                <a:ext cx="3520373" cy="1130822"/>
+              </a:xfrm>
+              <a:prstGeom prst="rect">
+                <a:avLst/>
+              </a:prstGeom>
+              <a:blipFill>
+                <a:blip r:embed="rId3"/>
+                <a:stretch>
+                  <a:fillRect/>
+                </a:stretch>
+              </a:blipFill>
+            </p:spPr>
+            <p:txBody>
+              <a:bodyPr/>
+              <a:lstStyle/>
+              <a:p>
+                <a:r>
+                  <a:rPr lang="pt-BR">
+                    <a:noFill/>
+                  </a:rPr>
+                  <a:t> </a:t>
+                </a:r>
+              </a:p>
+            </p:txBody>
+          </p:sp>
+        </mc:Fallback>
+      </mc:AlternateContent>
+      <mc:AlternateContent xmlns:mc="http://schemas.openxmlformats.org/markup-compatibility/2006">
+        <mc:Choice xmlns:a14="http://schemas.microsoft.com/office/drawing/2010/main" Requires="a14">
+          <p:sp>
+            <p:nvSpPr>
+              <p:cNvPr id="8" name="CaixaDeTexto 7">
+                <a:extLst>
+                  <a:ext uri="{FF2B5EF4-FFF2-40B4-BE49-F238E27FC236}">
+                    <a16:creationId xmlns:a16="http://schemas.microsoft.com/office/drawing/2014/main" id="{B2E122A9-38F7-3EDD-EB51-59C40B04209A}"/>
+                  </a:ext>
+                </a:extLst>
+              </p:cNvPr>
+              <p:cNvSpPr txBox="1"/>
+              <p:nvPr/>
+            </p:nvSpPr>
+            <p:spPr>
+              <a:xfrm>
+                <a:off x="838200" y="4906192"/>
+                <a:ext cx="4976973" cy="1130822"/>
+              </a:xfrm>
+              <a:prstGeom prst="rect">
+                <a:avLst/>
+              </a:prstGeom>
+              <a:noFill/>
+            </p:spPr>
+            <p:txBody>
+              <a:bodyPr wrap="square" rtlCol="0">
+                <a:spAutoFit/>
+              </a:bodyPr>
+              <a:lstStyle/>
+              <a:p>
+                <a:pPr/>
+                <a14:m>
+                  <m:oMathPara xmlns:m="http://schemas.openxmlformats.org/officeDocument/2006/math">
+                    <m:oMathParaPr>
+                      <m:jc m:val="left"/>
+                    </m:oMathParaPr>
+                    <m:oMath xmlns:m="http://schemas.openxmlformats.org/officeDocument/2006/math">
+                      <m:r>
+                        <m:rPr>
+                          <m:sty m:val="p"/>
+                        </m:rPr>
+                        <a:rPr lang="pt-BR" sz="2400" b="0" i="0" smtClean="0">
+                          <a:latin typeface="Cambria Math" panose="02040503050406030204" pitchFamily="18" charset="0"/>
+                        </a:rPr>
+                        <m:t>cross</m:t>
+                      </m:r>
+                      <m:r>
+                        <a:rPr lang="pt-BR" sz="2400" b="0" i="0" smtClean="0">
+                          <a:latin typeface="Cambria Math" panose="02040503050406030204" pitchFamily="18" charset="0"/>
+                        </a:rPr>
+                        <m:t> </m:t>
+                      </m:r>
+                      <m:r>
+                        <m:rPr>
+                          <m:sty m:val="p"/>
+                        </m:rPr>
+                        <a:rPr lang="pt-BR" sz="2400" b="0" i="0" smtClean="0">
+                          <a:latin typeface="Cambria Math" panose="02040503050406030204" pitchFamily="18" charset="0"/>
+                        </a:rPr>
+                        <m:t>entropy</m:t>
+                      </m:r>
+                      <m:r>
+                        <a:rPr lang="pt-BR" sz="2400" b="0" i="1" smtClean="0">
+                          <a:latin typeface="Cambria Math" panose="02040503050406030204" pitchFamily="18" charset="0"/>
+                        </a:rPr>
+                        <m:t>=−</m:t>
+                      </m:r>
+                      <m:f>
+                        <m:fPr>
+                          <m:ctrlPr>
+                            <a:rPr lang="pt-BR" sz="2400" b="0" i="1" smtClean="0">
+                              <a:latin typeface="Cambria Math" panose="02040503050406030204" pitchFamily="18" charset="0"/>
+                            </a:rPr>
+                          </m:ctrlPr>
+                        </m:fPr>
+                        <m:num>
+                          <m:r>
+                            <a:rPr lang="pt-BR" sz="2400" b="0" i="1" smtClean="0">
+                              <a:latin typeface="Cambria Math" panose="02040503050406030204" pitchFamily="18" charset="0"/>
+                            </a:rPr>
+                            <m:t>1</m:t>
+                          </m:r>
+                        </m:num>
+                        <m:den>
+                          <m:r>
+                            <a:rPr lang="pt-BR" sz="2400" b="0" i="1" smtClean="0">
+                              <a:latin typeface="Cambria Math" panose="02040503050406030204" pitchFamily="18" charset="0"/>
+                            </a:rPr>
+                            <m:t>𝑁</m:t>
+                          </m:r>
+                        </m:den>
+                      </m:f>
+                      <m:nary>
+                        <m:naryPr>
+                          <m:chr m:val="∑"/>
+                          <m:ctrlPr>
+                            <a:rPr lang="pt-BR" sz="2400" b="0" i="1" smtClean="0">
+                              <a:latin typeface="Cambria Math" panose="02040503050406030204" pitchFamily="18" charset="0"/>
+                            </a:rPr>
+                          </m:ctrlPr>
+                        </m:naryPr>
+                        <m:sub>
+                          <m:r>
+                            <m:rPr>
+                              <m:brk m:alnAt="23"/>
+                            </m:rPr>
+                            <a:rPr lang="pt-BR" sz="2400" b="0" i="1" smtClean="0">
+                              <a:latin typeface="Cambria Math" panose="02040503050406030204" pitchFamily="18" charset="0"/>
+                            </a:rPr>
+                            <m:t>𝑛</m:t>
+                          </m:r>
+                          <m:r>
+                            <a:rPr lang="pt-BR" sz="2400" b="0" i="1" smtClean="0">
+                              <a:latin typeface="Cambria Math" panose="02040503050406030204" pitchFamily="18" charset="0"/>
+                            </a:rPr>
+                            <m:t>=1</m:t>
+                          </m:r>
+                        </m:sub>
+                        <m:sup>
+                          <m:r>
+                            <a:rPr lang="pt-BR" sz="2400" b="0" i="1" smtClean="0">
+                              <a:latin typeface="Cambria Math" panose="02040503050406030204" pitchFamily="18" charset="0"/>
+                            </a:rPr>
+                            <m:t>𝑁</m:t>
+                          </m:r>
+                        </m:sup>
+                        <m:e>
+                          <m:sSub>
+                            <m:sSubPr>
+                              <m:ctrlPr>
+                                <a:rPr lang="pt-BR" sz="2400" b="0" i="1" smtClean="0">
+                                  <a:latin typeface="Cambria Math" panose="02040503050406030204" pitchFamily="18" charset="0"/>
+                                </a:rPr>
+                              </m:ctrlPr>
+                            </m:sSubPr>
+                            <m:e>
+                              <m:r>
+                                <a:rPr lang="pt-BR" sz="2400" b="0" i="1" smtClean="0">
+                                  <a:latin typeface="Cambria Math" panose="02040503050406030204" pitchFamily="18" charset="0"/>
+                                </a:rPr>
+                                <m:t>𝑦</m:t>
+                              </m:r>
+                            </m:e>
+                            <m:sub>
+                              <m:r>
+                                <a:rPr lang="pt-BR" sz="2400" b="0" i="1" smtClean="0">
+                                  <a:latin typeface="Cambria Math" panose="02040503050406030204" pitchFamily="18" charset="0"/>
+                                </a:rPr>
+                                <m:t>𝑛</m:t>
+                              </m:r>
+                            </m:sub>
+                          </m:sSub>
+                          <m:func>
+                            <m:funcPr>
+                              <m:ctrlPr>
+                                <a:rPr lang="pt-BR" sz="2400" b="0" i="1" smtClean="0">
+                                  <a:latin typeface="Cambria Math" panose="02040503050406030204" pitchFamily="18" charset="0"/>
+                                </a:rPr>
+                              </m:ctrlPr>
+                            </m:funcPr>
+                            <m:fName>
+                              <m:sSub>
+                                <m:sSubPr>
+                                  <m:ctrlPr>
+                                    <a:rPr lang="pt-BR" sz="2400" b="0" i="1" smtClean="0">
+                                      <a:latin typeface="Cambria Math" panose="02040503050406030204" pitchFamily="18" charset="0"/>
+                                    </a:rPr>
+                                  </m:ctrlPr>
+                                </m:sSubPr>
+                                <m:e>
+                                  <m:r>
+                                    <m:rPr>
+                                      <m:sty m:val="p"/>
+                                    </m:rPr>
+                                    <a:rPr lang="pt-BR" sz="2400" b="0" i="0" smtClean="0">
+                                      <a:latin typeface="Cambria Math" panose="02040503050406030204" pitchFamily="18" charset="0"/>
+                                    </a:rPr>
+                                    <m:t>log</m:t>
+                                  </m:r>
+                                </m:e>
+                                <m:sub>
+                                  <m:r>
+                                    <a:rPr lang="pt-BR" sz="2400" b="0" i="1" smtClean="0">
+                                      <a:latin typeface="Cambria Math" panose="02040503050406030204" pitchFamily="18" charset="0"/>
+                                    </a:rPr>
+                                    <m:t>𝑒</m:t>
+                                  </m:r>
+                                </m:sub>
+                              </m:sSub>
+                            </m:fName>
+                            <m:e>
+                              <m:d>
+                                <m:dPr>
+                                  <m:ctrlPr>
+                                    <a:rPr lang="pt-BR" sz="2400" b="0" i="1" smtClean="0">
+                                      <a:latin typeface="Cambria Math" panose="02040503050406030204" pitchFamily="18" charset="0"/>
+                                    </a:rPr>
+                                  </m:ctrlPr>
+                                </m:dPr>
+                                <m:e>
+                                  <m:sSub>
+                                    <m:sSubPr>
+                                      <m:ctrlPr>
+                                        <a:rPr lang="pt-BR" sz="2400" b="0" i="1" smtClean="0">
+                                          <a:latin typeface="Cambria Math" panose="02040503050406030204" pitchFamily="18" charset="0"/>
+                                        </a:rPr>
+                                      </m:ctrlPr>
+                                    </m:sSubPr>
+                                    <m:e>
+                                      <m:acc>
+                                        <m:accPr>
+                                          <m:chr m:val="̂"/>
+                                          <m:ctrlPr>
+                                            <a:rPr lang="pt-BR" sz="2400" b="0" i="1" smtClean="0">
+                                              <a:latin typeface="Cambria Math" panose="02040503050406030204" pitchFamily="18" charset="0"/>
+                                            </a:rPr>
+                                          </m:ctrlPr>
+                                        </m:accPr>
+                                        <m:e>
+                                          <m:r>
+                                            <a:rPr lang="pt-BR" sz="2400" b="0" i="1" smtClean="0">
+                                              <a:latin typeface="Cambria Math" panose="02040503050406030204" pitchFamily="18" charset="0"/>
+                                            </a:rPr>
+                                            <m:t>𝑦</m:t>
+                                          </m:r>
+                                        </m:e>
+                                      </m:acc>
+                                    </m:e>
+                                    <m:sub>
+                                      <m:r>
+                                        <a:rPr lang="pt-BR" sz="2400" b="0" i="1" smtClean="0">
+                                          <a:latin typeface="Cambria Math" panose="02040503050406030204" pitchFamily="18" charset="0"/>
+                                        </a:rPr>
+                                        <m:t>𝑛</m:t>
+                                      </m:r>
+                                    </m:sub>
+                                  </m:sSub>
+                                </m:e>
+                              </m:d>
+                            </m:e>
+                          </m:func>
+                        </m:e>
+                      </m:nary>
+                    </m:oMath>
+                  </m:oMathPara>
+                </a14:m>
+                <a:endParaRPr lang="pt-BR" sz="2400" dirty="0"/>
+              </a:p>
+            </p:txBody>
+          </p:sp>
+        </mc:Choice>
+        <mc:Fallback>
+          <p:sp>
+            <p:nvSpPr>
+              <p:cNvPr id="8" name="CaixaDeTexto 7">
+                <a:extLst>
+                  <a:ext uri="{FF2B5EF4-FFF2-40B4-BE49-F238E27FC236}">
+                    <a16:creationId xmlns:a16="http://schemas.microsoft.com/office/drawing/2014/main" id="{B2E122A9-38F7-3EDD-EB51-59C40B04209A}"/>
+                  </a:ext>
+                </a:extLst>
+              </p:cNvPr>
+              <p:cNvSpPr txBox="1">
+                <a:spLocks noRot="1" noChangeAspect="1" noMove="1" noResize="1" noEditPoints="1" noAdjustHandles="1" noChangeArrowheads="1" noChangeShapeType="1" noTextEdit="1"/>
+              </p:cNvSpPr>
+              <p:nvPr/>
+            </p:nvSpPr>
+            <p:spPr>
+              <a:xfrm>
+                <a:off x="838200" y="4906192"/>
+                <a:ext cx="4976973" cy="1130822"/>
+              </a:xfrm>
+              <a:prstGeom prst="rect">
+                <a:avLst/>
+              </a:prstGeom>
+              <a:blipFill>
+                <a:blip r:embed="rId4"/>
+                <a:stretch>
+                  <a:fillRect/>
+                </a:stretch>
+              </a:blipFill>
+            </p:spPr>
+            <p:txBody>
+              <a:bodyPr/>
+              <a:lstStyle/>
+              <a:p>
+                <a:r>
+                  <a:rPr lang="pt-BR">
+                    <a:noFill/>
+                  </a:rPr>
+                  <a:t> </a:t>
+                </a:r>
+              </a:p>
+            </p:txBody>
+          </p:sp>
+        </mc:Fallback>
+      </mc:AlternateContent>
+      <p:sp>
+        <p:nvSpPr>
+          <p:cNvPr id="10" name="Chave Direita 9">
             <a:extLst>
               <a:ext uri="{FF2B5EF4-FFF2-40B4-BE49-F238E27FC236}">
-                <a16:creationId xmlns:a16="http://schemas.microsoft.com/office/drawing/2014/main" id="{BEB765A0-105F-B3C2-F177-474DFC3D30CC}"/>
+                <a16:creationId xmlns:a16="http://schemas.microsoft.com/office/drawing/2014/main" id="{93847FBB-5EC0-2B17-E863-7E714B0F2822}"/>
               </a:ext>
             </a:extLst>
           </p:cNvPr>
-          <p:cNvPicPr>
-            <a:picLocks noChangeAspect="1"/>
-          </p:cNvPicPr>
+          <p:cNvSpPr/>
           <p:nvPr/>
-        </p:nvPicPr>
-        <p:blipFill>
-          <a:blip r:embed="rId2"/>
-          <a:stretch>
-            <a:fillRect/>
-          </a:stretch>
-        </p:blipFill>
+        </p:nvSpPr>
         <p:spPr>
           <a:xfrm>
-            <a:off x="441665" y="2032000"/>
-            <a:ext cx="3127035" cy="2583203"/>
+            <a:off x="4048018" y="1993368"/>
+            <a:ext cx="310556" cy="2480183"/>
+          </a:xfrm>
+          <a:prstGeom prst="rightBrace">
+            <a:avLst/>
+          </a:prstGeom>
+        </p:spPr>
+        <p:style>
+          <a:lnRef idx="1">
+            <a:schemeClr val="accent1"/>
+          </a:lnRef>
+          <a:fillRef idx="0">
+            <a:schemeClr val="accent1"/>
+          </a:fillRef>
+          <a:effectRef idx="0">
+            <a:schemeClr val="accent1"/>
+          </a:effectRef>
+          <a:fontRef idx="minor">
+            <a:schemeClr val="tx1"/>
+          </a:fontRef>
+        </p:style>
+        <p:txBody>
+          <a:bodyPr rtlCol="0" anchor="ctr"/>
+          <a:lstStyle/>
+          <a:p>
+            <a:pPr algn="ctr"/>
+            <a:endParaRPr lang="pt-BR"/>
+          </a:p>
+        </p:txBody>
+      </p:sp>
+      <p:sp>
+        <p:nvSpPr>
+          <p:cNvPr id="11" name="CaixaDeTexto 10">
+            <a:extLst>
+              <a:ext uri="{FF2B5EF4-FFF2-40B4-BE49-F238E27FC236}">
+                <a16:creationId xmlns:a16="http://schemas.microsoft.com/office/drawing/2014/main" id="{6BADE38C-30AD-7CB9-1E21-F23E5394C2BF}"/>
+              </a:ext>
+            </a:extLst>
+          </p:cNvPr>
+          <p:cNvSpPr txBox="1"/>
+          <p:nvPr/>
+        </p:nvSpPr>
+        <p:spPr>
+          <a:xfrm>
+            <a:off x="4465834" y="2628286"/>
+            <a:ext cx="1456599" cy="1200329"/>
           </a:xfrm>
           <a:prstGeom prst="rect">
             <a:avLst/>
           </a:prstGeom>
+          <a:noFill/>
         </p:spPr>
-      </p:pic>
-      <p:pic>
-        <p:nvPicPr>
-          <p:cNvPr id="7" name="Imagem 6">
+        <p:txBody>
+          <a:bodyPr wrap="square" rtlCol="0">
+            <a:spAutoFit/>
+          </a:bodyPr>
+          <a:lstStyle/>
+          <a:p>
+            <a:pPr algn="ctr"/>
+            <a:r>
+              <a:rPr lang="pt-BR" dirty="0"/>
+              <a:t>Usadas em problemas de aproximação de curvas</a:t>
+            </a:r>
+          </a:p>
+        </p:txBody>
+      </p:sp>
+      <p:sp>
+        <p:nvSpPr>
+          <p:cNvPr id="12" name="Chave Direita 11">
             <a:extLst>
               <a:ext uri="{FF2B5EF4-FFF2-40B4-BE49-F238E27FC236}">
-                <a16:creationId xmlns:a16="http://schemas.microsoft.com/office/drawing/2014/main" id="{0304987C-DC3D-A1F8-93E0-0AEF63EB9F66}"/>
+                <a16:creationId xmlns:a16="http://schemas.microsoft.com/office/drawing/2014/main" id="{188BC520-3A22-1304-CF44-585EBB62C79B}"/>
               </a:ext>
             </a:extLst>
           </p:cNvPr>
-          <p:cNvPicPr>
-            <a:picLocks noChangeAspect="1"/>
-          </p:cNvPicPr>
+          <p:cNvSpPr/>
           <p:nvPr/>
-        </p:nvPicPr>
-        <p:blipFill>
-          <a:blip r:embed="rId3"/>
-          <a:stretch>
-            <a:fillRect/>
-          </a:stretch>
-        </p:blipFill>
+        </p:nvSpPr>
+        <p:spPr>
+          <a:xfrm rot="5400000">
+            <a:off x="3171408" y="3622310"/>
+            <a:ext cx="310556" cy="4976973"/>
+          </a:xfrm>
+          <a:prstGeom prst="rightBrace">
+            <a:avLst/>
+          </a:prstGeom>
+        </p:spPr>
+        <p:style>
+          <a:lnRef idx="1">
+            <a:schemeClr val="accent1"/>
+          </a:lnRef>
+          <a:fillRef idx="0">
+            <a:schemeClr val="accent1"/>
+          </a:fillRef>
+          <a:effectRef idx="0">
+            <a:schemeClr val="accent1"/>
+          </a:effectRef>
+          <a:fontRef idx="minor">
+            <a:schemeClr val="tx1"/>
+          </a:fontRef>
+        </p:style>
+        <p:txBody>
+          <a:bodyPr rtlCol="0" anchor="ctr"/>
+          <a:lstStyle/>
+          <a:p>
+            <a:pPr algn="ctr"/>
+            <a:endParaRPr lang="pt-BR"/>
+          </a:p>
+        </p:txBody>
+      </p:sp>
+      <p:sp>
+        <p:nvSpPr>
+          <p:cNvPr id="13" name="CaixaDeTexto 12">
+            <a:extLst>
+              <a:ext uri="{FF2B5EF4-FFF2-40B4-BE49-F238E27FC236}">
+                <a16:creationId xmlns:a16="http://schemas.microsoft.com/office/drawing/2014/main" id="{51AFB85E-4781-4569-8ECE-CCDFAA667CDA}"/>
+              </a:ext>
+            </a:extLst>
+          </p:cNvPr>
+          <p:cNvSpPr txBox="1"/>
+          <p:nvPr/>
+        </p:nvSpPr>
         <p:spPr>
           <a:xfrm>
-            <a:off x="3568700" y="2215251"/>
-            <a:ext cx="2897706" cy="2427498"/>
+            <a:off x="838199" y="6339694"/>
+            <a:ext cx="4976974" cy="369332"/>
           </a:xfrm>
           <a:prstGeom prst="rect">
             <a:avLst/>
           </a:prstGeom>
+          <a:noFill/>
         </p:spPr>
-      </p:pic>
-      <p:pic>
-        <p:nvPicPr>
-          <p:cNvPr id="9" name="Imagem 8">
-            <a:extLst>
-              <a:ext uri="{FF2B5EF4-FFF2-40B4-BE49-F238E27FC236}">
-                <a16:creationId xmlns:a16="http://schemas.microsoft.com/office/drawing/2014/main" id="{1573A3DA-51C2-B751-C826-2357CE7233E1}"/>
-              </a:ext>
-            </a:extLst>
-          </p:cNvPr>
-          <p:cNvPicPr>
-            <a:picLocks noChangeAspect="1"/>
-          </p:cNvPicPr>
-          <p:nvPr/>
-        </p:nvPicPr>
-        <p:blipFill>
-          <a:blip r:embed="rId4"/>
-          <a:stretch>
-            <a:fillRect/>
-          </a:stretch>
-        </p:blipFill>
-        <p:spPr>
-          <a:xfrm>
-            <a:off x="953978" y="4284286"/>
-            <a:ext cx="3118415" cy="2573714"/>
-          </a:xfrm>
-          <a:prstGeom prst="rect">
-            <a:avLst/>
-          </a:prstGeom>
-        </p:spPr>
-      </p:pic>
+        <p:txBody>
+          <a:bodyPr wrap="square" rtlCol="0">
+            <a:spAutoFit/>
+          </a:bodyPr>
+          <a:lstStyle/>
+          <a:p>
+            <a:pPr algn="ctr"/>
+            <a:r>
+              <a:rPr lang="pt-BR" dirty="0"/>
+              <a:t>Usada em problemas de classificação</a:t>
+            </a:r>
+          </a:p>
+        </p:txBody>
+      </p:sp>
     </p:spTree>
     <p:extLst>
       <p:ext uri="{BB962C8B-B14F-4D97-AF65-F5344CB8AC3E}">
@@ -8970,6 +11393,125 @@
 </file>
 
 <file path=ppt/slides/slide16.xml><?xml version="1.0" encoding="utf-8"?>
+<p:sld xmlns:a="http://schemas.openxmlformats.org/drawingml/2006/main" xmlns:r="http://schemas.openxmlformats.org/officeDocument/2006/relationships" xmlns:p="http://schemas.openxmlformats.org/presentationml/2006/main">
+  <p:cSld>
+    <p:spTree>
+      <p:nvGrpSpPr>
+        <p:cNvPr id="1" name=""/>
+        <p:cNvGrpSpPr/>
+        <p:nvPr/>
+      </p:nvGrpSpPr>
+      <p:grpSpPr>
+        <a:xfrm>
+          <a:off x="0" y="0"/>
+          <a:ext cx="0" cy="0"/>
+          <a:chOff x="0" y="0"/>
+          <a:chExt cx="0" cy="0"/>
+        </a:xfrm>
+      </p:grpSpPr>
+      <p:sp>
+        <p:nvSpPr>
+          <p:cNvPr id="2" name="Título 1">
+            <a:extLst>
+              <a:ext uri="{FF2B5EF4-FFF2-40B4-BE49-F238E27FC236}">
+                <a16:creationId xmlns:a16="http://schemas.microsoft.com/office/drawing/2014/main" id="{A9BB36A8-6590-17D8-1A21-CACFBD100B4A}"/>
+              </a:ext>
+            </a:extLst>
+          </p:cNvPr>
+          <p:cNvSpPr>
+            <a:spLocks noGrp="1"/>
+          </p:cNvSpPr>
+          <p:nvPr>
+            <p:ph type="title"/>
+          </p:nvPr>
+        </p:nvSpPr>
+        <p:spPr/>
+        <p:txBody>
+          <a:bodyPr/>
+          <a:lstStyle/>
+          <a:p>
+            <a:r>
+              <a:rPr lang="pt-BR" dirty="0"/>
+              <a:t>Próximos passos</a:t>
+            </a:r>
+          </a:p>
+        </p:txBody>
+      </p:sp>
+      <p:sp>
+        <p:nvSpPr>
+          <p:cNvPr id="3" name="Espaço Reservado para Conteúdo 2">
+            <a:extLst>
+              <a:ext uri="{FF2B5EF4-FFF2-40B4-BE49-F238E27FC236}">
+                <a16:creationId xmlns:a16="http://schemas.microsoft.com/office/drawing/2014/main" id="{AF22D6CE-63C9-8C53-326D-3596DA5E210E}"/>
+              </a:ext>
+            </a:extLst>
+          </p:cNvPr>
+          <p:cNvSpPr>
+            <a:spLocks noGrp="1"/>
+          </p:cNvSpPr>
+          <p:nvPr>
+            <p:ph idx="1"/>
+          </p:nvPr>
+        </p:nvSpPr>
+        <p:spPr>
+          <a:xfrm>
+            <a:off x="838200" y="1825625"/>
+            <a:ext cx="10812694" cy="4667250"/>
+          </a:xfrm>
+        </p:spPr>
+        <p:txBody>
+          <a:bodyPr>
+            <a:normAutofit/>
+          </a:bodyPr>
+          <a:lstStyle/>
+          <a:p>
+            <a:r>
+              <a:rPr lang="pt-BR" dirty="0"/>
+              <a:t>Nesse tópico nós vimos o que é o erro (ou perda) e definimos uma forma de medi-lo. </a:t>
+            </a:r>
+          </a:p>
+          <a:p>
+            <a:r>
+              <a:rPr lang="pt-BR" dirty="0"/>
+              <a:t>Agora, o próximo passo envolverá a definição de um processo que utilize a informação do erro para gerar o próximo palpite (ou suposição) de forma que ele seja melhor do que o atual.</a:t>
+            </a:r>
+          </a:p>
+          <a:p>
+            <a:r>
+              <a:rPr lang="pt-BR" dirty="0"/>
+              <a:t>Esse processo é chamado de </a:t>
+            </a:r>
+            <a:r>
+              <a:rPr lang="pt-BR" b="1" i="1" dirty="0"/>
+              <a:t>otimização </a:t>
+            </a:r>
+            <a:r>
+              <a:rPr lang="pt-BR" dirty="0"/>
+              <a:t>e será abordado em breve.</a:t>
+            </a:r>
+          </a:p>
+          <a:p>
+            <a:r>
+              <a:rPr lang="pt-BR" dirty="0"/>
+              <a:t>Mas primeiro, vamos dar uma olhada em um código que usa esse processo.</a:t>
+            </a:r>
+          </a:p>
+        </p:txBody>
+      </p:sp>
+    </p:spTree>
+    <p:extLst>
+      <p:ext uri="{BB962C8B-B14F-4D97-AF65-F5344CB8AC3E}">
+        <p14:creationId xmlns:p14="http://schemas.microsoft.com/office/powerpoint/2010/main" val="3217882827"/>
+      </p:ext>
+    </p:extLst>
+  </p:cSld>
+  <p:clrMapOvr>
+    <a:masterClrMapping/>
+  </p:clrMapOvr>
+</p:sld>
+</file>
+
+<file path=ppt/slides/slide17.xml><?xml version="1.0" encoding="utf-8"?>
 <p:sld xmlns:a="http://schemas.openxmlformats.org/drawingml/2006/main" xmlns:r="http://schemas.openxmlformats.org/officeDocument/2006/relationships" xmlns:p="http://schemas.openxmlformats.org/presentationml/2006/main">
   <p:cSld>
     <p:spTree>
@@ -9055,7 +11597,7 @@
 </p:sld>
 </file>
 
-<file path=ppt/slides/slide17.xml><?xml version="1.0" encoding="utf-8"?>
+<file path=ppt/slides/slide18.xml><?xml version="1.0" encoding="utf-8"?>
 <p:sld xmlns:a="http://schemas.openxmlformats.org/drawingml/2006/main" xmlns:r="http://schemas.openxmlformats.org/officeDocument/2006/relationships" xmlns:p="http://schemas.openxmlformats.org/presentationml/2006/main">
   <p:cSld>
     <p:spTree>
@@ -9141,7 +11683,7 @@
 </p:sld>
 </file>
 
-<file path=ppt/slides/slide18.xml><?xml version="1.0" encoding="utf-8"?>
+<file path=ppt/slides/slide19.xml><?xml version="1.0" encoding="utf-8"?>
 <p:sld xmlns:a="http://schemas.openxmlformats.org/drawingml/2006/main" xmlns:r="http://schemas.openxmlformats.org/officeDocument/2006/relationships" xmlns:p="http://schemas.openxmlformats.org/presentationml/2006/main">
   <p:cSld>
     <p:spTree>
@@ -9227,7 +11769,124 @@
 </p:sld>
 </file>
 
-<file path=ppt/slides/slide19.xml><?xml version="1.0" encoding="utf-8"?>
+<file path=ppt/slides/slide2.xml><?xml version="1.0" encoding="utf-8"?>
+<p:sld xmlns:a="http://schemas.openxmlformats.org/drawingml/2006/main" xmlns:r="http://schemas.openxmlformats.org/officeDocument/2006/relationships" xmlns:p="http://schemas.openxmlformats.org/presentationml/2006/main">
+  <p:cSld>
+    <p:spTree>
+      <p:nvGrpSpPr>
+        <p:cNvPr id="1" name=""/>
+        <p:cNvGrpSpPr/>
+        <p:nvPr/>
+      </p:nvGrpSpPr>
+      <p:grpSpPr>
+        <a:xfrm>
+          <a:off x="0" y="0"/>
+          <a:ext cx="0" cy="0"/>
+          <a:chOff x="0" y="0"/>
+          <a:chExt cx="0" cy="0"/>
+        </a:xfrm>
+      </p:grpSpPr>
+      <p:sp>
+        <p:nvSpPr>
+          <p:cNvPr id="2" name="Título 1">
+            <a:extLst>
+              <a:ext uri="{FF2B5EF4-FFF2-40B4-BE49-F238E27FC236}">
+                <a16:creationId xmlns:a16="http://schemas.microsoft.com/office/drawing/2014/main" id="{EECB3FED-5D1A-7084-5333-A3B2FA75F608}"/>
+              </a:ext>
+            </a:extLst>
+          </p:cNvPr>
+          <p:cNvSpPr>
+            <a:spLocks noGrp="1"/>
+          </p:cNvSpPr>
+          <p:nvPr>
+            <p:ph type="title"/>
+          </p:nvPr>
+        </p:nvSpPr>
+        <p:spPr/>
+        <p:txBody>
+          <a:bodyPr/>
+          <a:lstStyle/>
+          <a:p>
+            <a:r>
+              <a:rPr lang="pt-BR" dirty="0"/>
+              <a:t>O que vamos ver?</a:t>
+            </a:r>
+          </a:p>
+        </p:txBody>
+      </p:sp>
+      <p:sp>
+        <p:nvSpPr>
+          <p:cNvPr id="3" name="Espaço Reservado para Conteúdo 2">
+            <a:extLst>
+              <a:ext uri="{FF2B5EF4-FFF2-40B4-BE49-F238E27FC236}">
+                <a16:creationId xmlns:a16="http://schemas.microsoft.com/office/drawing/2014/main" id="{25FE7774-7186-A846-D8DE-518B2CBF4EBD}"/>
+              </a:ext>
+            </a:extLst>
+          </p:cNvPr>
+          <p:cNvSpPr>
+            <a:spLocks noGrp="1"/>
+          </p:cNvSpPr>
+          <p:nvPr>
+            <p:ph idx="1"/>
+          </p:nvPr>
+        </p:nvSpPr>
+        <p:spPr>
+          <a:xfrm>
+            <a:off x="838199" y="1825624"/>
+            <a:ext cx="10929257" cy="5032376"/>
+          </a:xfrm>
+        </p:spPr>
+        <p:txBody>
+          <a:bodyPr>
+            <a:normAutofit/>
+          </a:bodyPr>
+          <a:lstStyle/>
+          <a:p>
+            <a:r>
+              <a:rPr lang="pt-BR" dirty="0"/>
+              <a:t>Nesta aula vamos ver como medir o desempenho de um modelo de aprendizado de máquina ao longo do seu processo de aprendizagem.</a:t>
+            </a:r>
+          </a:p>
+          <a:p>
+            <a:r>
+              <a:rPr lang="pt-BR" dirty="0"/>
+              <a:t>Para isso, como já discutido brevemente antes, usaremos uma função chamada de função de erro ou de perda.</a:t>
+            </a:r>
+          </a:p>
+          <a:p>
+            <a:r>
+              <a:rPr lang="pt-BR" dirty="0"/>
+              <a:t>Idealmente, o processo de treinamento tem como objetivo minimizar o erro e, consequentemente, aumentar a precisão do modelo.</a:t>
+            </a:r>
+          </a:p>
+          <a:p>
+            <a:r>
+              <a:rPr lang="pt-BR" dirty="0"/>
+              <a:t>Além disso, veremos em breve diferentes estratégias para minimizar o erro.</a:t>
+            </a:r>
+          </a:p>
+          <a:p>
+            <a:r>
+              <a:rPr lang="pt-BR" dirty="0"/>
+              <a:t>Porém, primeiro, vamos aprender como calcular o erro.</a:t>
+            </a:r>
+          </a:p>
+        </p:txBody>
+      </p:sp>
+    </p:spTree>
+    <p:extLst>
+      <p:ext uri="{BB962C8B-B14F-4D97-AF65-F5344CB8AC3E}">
+        <p14:creationId xmlns:p14="http://schemas.microsoft.com/office/powerpoint/2010/main" val="529739951"/>
+      </p:ext>
+    </p:extLst>
+  </p:cSld>
+  <p:clrMapOvr>
+    <a:masterClrMapping/>
+  </p:clrMapOvr>
+</p:sld>
+</file>
+
+<file path=ppt/slides/slide20.xml><?xml version="1.0" encoding="utf-8"?>
 <p:sld xmlns:a="http://schemas.openxmlformats.org/drawingml/2006/main" xmlns:r="http://schemas.openxmlformats.org/officeDocument/2006/relationships" xmlns:p="http://schemas.openxmlformats.org/presentationml/2006/main">
   <p:cSld>
     <p:spTree>
@@ -10410,123 +13069,6 @@
 </p:sld>
 </file>
 
-<file path=ppt/slides/slide2.xml><?xml version="1.0" encoding="utf-8"?>
-<p:sld xmlns:a="http://schemas.openxmlformats.org/drawingml/2006/main" xmlns:r="http://schemas.openxmlformats.org/officeDocument/2006/relationships" xmlns:p="http://schemas.openxmlformats.org/presentationml/2006/main">
-  <p:cSld>
-    <p:spTree>
-      <p:nvGrpSpPr>
-        <p:cNvPr id="1" name=""/>
-        <p:cNvGrpSpPr/>
-        <p:nvPr/>
-      </p:nvGrpSpPr>
-      <p:grpSpPr>
-        <a:xfrm>
-          <a:off x="0" y="0"/>
-          <a:ext cx="0" cy="0"/>
-          <a:chOff x="0" y="0"/>
-          <a:chExt cx="0" cy="0"/>
-        </a:xfrm>
-      </p:grpSpPr>
-      <p:sp>
-        <p:nvSpPr>
-          <p:cNvPr id="2" name="Título 1">
-            <a:extLst>
-              <a:ext uri="{FF2B5EF4-FFF2-40B4-BE49-F238E27FC236}">
-                <a16:creationId xmlns:a16="http://schemas.microsoft.com/office/drawing/2014/main" id="{EECB3FED-5D1A-7084-5333-A3B2FA75F608}"/>
-              </a:ext>
-            </a:extLst>
-          </p:cNvPr>
-          <p:cNvSpPr>
-            <a:spLocks noGrp="1"/>
-          </p:cNvSpPr>
-          <p:nvPr>
-            <p:ph type="title"/>
-          </p:nvPr>
-        </p:nvSpPr>
-        <p:spPr/>
-        <p:txBody>
-          <a:bodyPr/>
-          <a:lstStyle/>
-          <a:p>
-            <a:r>
-              <a:rPr lang="pt-BR" dirty="0"/>
-              <a:t>O que vamos ver?</a:t>
-            </a:r>
-          </a:p>
-        </p:txBody>
-      </p:sp>
-      <p:sp>
-        <p:nvSpPr>
-          <p:cNvPr id="3" name="Espaço Reservado para Conteúdo 2">
-            <a:extLst>
-              <a:ext uri="{FF2B5EF4-FFF2-40B4-BE49-F238E27FC236}">
-                <a16:creationId xmlns:a16="http://schemas.microsoft.com/office/drawing/2014/main" id="{25FE7774-7186-A846-D8DE-518B2CBF4EBD}"/>
-              </a:ext>
-            </a:extLst>
-          </p:cNvPr>
-          <p:cNvSpPr>
-            <a:spLocks noGrp="1"/>
-          </p:cNvSpPr>
-          <p:nvPr>
-            <p:ph idx="1"/>
-          </p:nvPr>
-        </p:nvSpPr>
-        <p:spPr>
-          <a:xfrm>
-            <a:off x="838199" y="1825624"/>
-            <a:ext cx="10929257" cy="5032376"/>
-          </a:xfrm>
-        </p:spPr>
-        <p:txBody>
-          <a:bodyPr>
-            <a:normAutofit/>
-          </a:bodyPr>
-          <a:lstStyle/>
-          <a:p>
-            <a:r>
-              <a:rPr lang="pt-BR" dirty="0"/>
-              <a:t>Nesta aula vamos ver como medir o desempenho de um modelo de aprendizado de máquina ao longo do seu processo de aprendizagem.</a:t>
-            </a:r>
-          </a:p>
-          <a:p>
-            <a:r>
-              <a:rPr lang="pt-BR" dirty="0"/>
-              <a:t>Para isso, como já discutido brevemente antes, usaremos uma função chamada de função de erro ou de perda.</a:t>
-            </a:r>
-          </a:p>
-          <a:p>
-            <a:r>
-              <a:rPr lang="pt-BR" dirty="0"/>
-              <a:t>Idealmente, o processo de treinamento tem como objetivo minimizar o erro e, consequentemente, aumentar a precisão do modelo.</a:t>
-            </a:r>
-          </a:p>
-          <a:p>
-            <a:r>
-              <a:rPr lang="pt-BR" dirty="0"/>
-              <a:t>Além disso, veremos em breve diferentes estratégias para minimizar o erro.</a:t>
-            </a:r>
-          </a:p>
-          <a:p>
-            <a:r>
-              <a:rPr lang="pt-BR" dirty="0"/>
-              <a:t>Porém, primeiro, vamos aprender como calcular o erro.</a:t>
-            </a:r>
-          </a:p>
-        </p:txBody>
-      </p:sp>
-    </p:spTree>
-    <p:extLst>
-      <p:ext uri="{BB962C8B-B14F-4D97-AF65-F5344CB8AC3E}">
-        <p14:creationId xmlns:p14="http://schemas.microsoft.com/office/powerpoint/2010/main" val="529739951"/>
-      </p:ext>
-    </p:extLst>
-  </p:cSld>
-  <p:clrMapOvr>
-    <a:masterClrMapping/>
-  </p:clrMapOvr>
-</p:sld>
-</file>
-
 <file path=ppt/slides/slide3.xml><?xml version="1.0" encoding="utf-8"?>
 <p:sld xmlns:a="http://schemas.openxmlformats.org/drawingml/2006/main" xmlns:r="http://schemas.openxmlformats.org/officeDocument/2006/relationships" xmlns:p="http://schemas.openxmlformats.org/presentationml/2006/main">
   <p:cSld>
@@ -10640,8 +13182,8 @@
           </p:sp>
         </mc:Fallback>
       </mc:AlternateContent>
-      <mc:AlternateContent xmlns:mc="http://schemas.openxmlformats.org/markup-compatibility/2006">
-        <mc:Choice xmlns:a14="http://schemas.microsoft.com/office/drawing/2010/main" Requires="a14">
+      <mc:AlternateContent xmlns:mc="http://schemas.openxmlformats.org/markup-compatibility/2006" xmlns:a14="http://schemas.microsoft.com/office/drawing/2010/main">
+        <mc:Choice Requires="a14">
           <p:sp>
             <p:nvSpPr>
               <p:cNvPr id="3" name="Espaço Reservado para Conteúdo 2">
@@ -10762,7 +13304,7 @@
             </p:txBody>
           </p:sp>
         </mc:Choice>
-        <mc:Fallback>
+        <mc:Fallback xmlns="">
           <p:sp>
             <p:nvSpPr>
               <p:cNvPr id="3" name="Espaço Reservado para Conteúdo 2">
@@ -11003,8 +13545,8 @@
           <a:chExt cx="0" cy="0"/>
         </a:xfrm>
       </p:grpSpPr>
-      <mc:AlternateContent xmlns:mc="http://schemas.openxmlformats.org/markup-compatibility/2006">
-        <mc:Choice xmlns:a14="http://schemas.microsoft.com/office/drawing/2010/main" Requires="a14">
+      <mc:AlternateContent xmlns:mc="http://schemas.openxmlformats.org/markup-compatibility/2006" xmlns:a14="http://schemas.microsoft.com/office/drawing/2010/main">
+        <mc:Choice Requires="a14">
           <p:sp>
             <p:nvSpPr>
               <p:cNvPr id="2" name="Título 1">
@@ -11062,7 +13604,7 @@
             </p:txBody>
           </p:sp>
         </mc:Choice>
-        <mc:Fallback>
+        <mc:Fallback xmlns="">
           <p:sp>
             <p:nvSpPr>
               <p:cNvPr id="2" name="Título 1">
@@ -11689,8 +14231,8 @@
           </a:p>
         </p:txBody>
       </p:sp>
-      <mc:AlternateContent xmlns:mc="http://schemas.openxmlformats.org/markup-compatibility/2006">
-        <mc:Choice xmlns:a14="http://schemas.microsoft.com/office/drawing/2010/main" Requires="a14">
+      <mc:AlternateContent xmlns:mc="http://schemas.openxmlformats.org/markup-compatibility/2006" xmlns:a14="http://schemas.microsoft.com/office/drawing/2010/main">
+        <mc:Choice Requires="a14">
           <p:sp>
             <p:nvSpPr>
               <p:cNvPr id="3" name="Espaço Reservado para Conteúdo 2">
@@ -11769,7 +14311,7 @@
             </p:txBody>
           </p:sp>
         </mc:Choice>
-        <mc:Fallback>
+        <mc:Fallback xmlns="">
           <p:sp>
             <p:nvSpPr>
               <p:cNvPr id="3" name="Espaço Reservado para Conteúdo 2">
@@ -11813,8 +14355,8 @@
           </p:sp>
         </mc:Fallback>
       </mc:AlternateContent>
-      <mc:AlternateContent xmlns:mc="http://schemas.openxmlformats.org/markup-compatibility/2006">
-        <mc:Choice xmlns:a14="http://schemas.microsoft.com/office/drawing/2010/main" Requires="a14">
+      <mc:AlternateContent xmlns:mc="http://schemas.openxmlformats.org/markup-compatibility/2006" xmlns:a14="http://schemas.microsoft.com/office/drawing/2010/main">
+        <mc:Choice Requires="a14">
           <p:sp>
             <p:nvSpPr>
               <p:cNvPr id="5" name="CaixaDeTexto 4">
@@ -11890,7 +14432,7 @@
             </p:txBody>
           </p:sp>
         </mc:Choice>
-        <mc:Fallback>
+        <mc:Fallback xmlns="">
           <p:sp>
             <p:nvSpPr>
               <p:cNvPr id="5" name="CaixaDeTexto 4">
@@ -11935,8 +14477,8 @@
           </p:sp>
         </mc:Fallback>
       </mc:AlternateContent>
-      <mc:AlternateContent xmlns:mc="http://schemas.openxmlformats.org/markup-compatibility/2006">
-        <mc:Choice xmlns:a14="http://schemas.microsoft.com/office/drawing/2010/main" Requires="a14">
+      <mc:AlternateContent xmlns:mc="http://schemas.openxmlformats.org/markup-compatibility/2006" xmlns:a14="http://schemas.microsoft.com/office/drawing/2010/main">
+        <mc:Choice Requires="a14">
           <p:sp>
             <p:nvSpPr>
               <p:cNvPr id="4" name="CaixaDeTexto 3">
@@ -12002,7 +14544,7 @@
                             <a:rPr lang="pt-BR" sz="3200" b="0" i="0" smtClean="0">
                               <a:latin typeface="Cambria Math" panose="02040503050406030204" pitchFamily="18" charset="0"/>
                             </a:rPr>
-                            <m:t>-</m:t>
+                            <m:t>−</m:t>
                           </m:r>
                           <m:r>
                             <a:rPr lang="pt-BR" sz="3200" b="0" i="1" smtClean="0">
@@ -12022,7 +14564,7 @@
             </p:txBody>
           </p:sp>
         </mc:Choice>
-        <mc:Fallback>
+        <mc:Fallback xmlns="">
           <p:sp>
             <p:nvSpPr>
               <p:cNvPr id="4" name="CaixaDeTexto 3">
@@ -12067,8 +14609,8 @@
           </p:sp>
         </mc:Fallback>
       </mc:AlternateContent>
-      <mc:AlternateContent xmlns:mc="http://schemas.openxmlformats.org/markup-compatibility/2006">
-        <mc:Choice xmlns:a14="http://schemas.microsoft.com/office/drawing/2010/main" Requires="a14">
+      <mc:AlternateContent xmlns:mc="http://schemas.openxmlformats.org/markup-compatibility/2006" xmlns:a14="http://schemas.microsoft.com/office/drawing/2010/main">
+        <mc:Choice Requires="a14">
           <p:sp>
             <p:nvSpPr>
               <p:cNvPr id="7" name="CaixaDeTexto 6">
@@ -12106,6 +14648,7 @@
                 </a:lvl1pPr>
               </a:lstStyle>
               <a:p>
+                <a:pPr/>
                 <a14:m>
                   <m:oMathPara xmlns:m="http://schemas.openxmlformats.org/officeDocument/2006/math">
                     <m:oMathParaPr>
@@ -12116,18 +14659,24 @@
                         <m:accPr>
                           <m:chr m:val="̂"/>
                           <m:ctrlPr>
-                            <a:rPr lang="pt-BR"/>
+                            <a:rPr lang="pt-BR" i="1">
+                              <a:latin typeface="Cambria Math" panose="02040503050406030204" pitchFamily="18" charset="0"/>
+                            </a:rPr>
                           </m:ctrlPr>
                         </m:accPr>
                         <m:e>
                           <m:r>
-                            <a:rPr lang="pt-BR"/>
+                            <a:rPr lang="pt-BR">
+                              <a:latin typeface="Cambria Math" panose="02040503050406030204" pitchFamily="18" charset="0"/>
+                            </a:rPr>
                             <m:t>𝒚</m:t>
                           </m:r>
                         </m:e>
                       </m:acc>
                       <m:r>
-                        <a:rPr lang="pt-BR"/>
+                        <a:rPr lang="pt-BR">
+                          <a:latin typeface="Cambria Math" panose="02040503050406030204" pitchFamily="18" charset="0"/>
+                        </a:rPr>
                         <m:t>=</m:t>
                       </m:r>
                       <m:d>
@@ -12135,7 +14684,9 @@
                           <m:begChr m:val="{"/>
                           <m:endChr m:val="}"/>
                           <m:ctrlPr>
-                            <a:rPr lang="pt-BR"/>
+                            <a:rPr lang="pt-BR" i="1">
+                              <a:latin typeface="Cambria Math" panose="02040503050406030204" pitchFamily="18" charset="0"/>
+                            </a:rPr>
                           </m:ctrlPr>
                         </m:dPr>
                         <m:e>
@@ -12144,84 +14695,14 @@
                               <m:nor/>
                             </m:rPr>
                             <a:rPr lang="pt-BR" b="0" i="0" smtClean="0"/>
-                            <m:t>-</m:t>
+                            <m:t>−</m:t>
                           </m:r>
                           <m:r>
                             <m:rPr>
                               <m:nor/>
                             </m:rPr>
                             <a:rPr lang="pt-BR" b="0" i="0"/>
-                            <m:t>4</m:t>
-                          </m:r>
-                          <m:r>
-                            <m:rPr>
-                              <m:nor/>
-                            </m:rPr>
-                            <a:rPr lang="pt-BR" b="0" i="0"/>
-                            <m:t>,</m:t>
-                          </m:r>
-                          <m:r>
-                            <m:rPr>
-                              <m:nor/>
-                            </m:rPr>
-                            <a:rPr lang="pt-BR" b="0" i="0"/>
-                            <m:t> -1</m:t>
-                          </m:r>
-                          <m:r>
-                            <m:rPr>
-                              <m:nor/>
-                            </m:rPr>
-                            <a:rPr lang="pt-BR" b="0" i="0"/>
-                            <m:t>,</m:t>
-                          </m:r>
-                          <m:r>
-                            <m:rPr>
-                              <m:nor/>
-                            </m:rPr>
-                            <a:rPr lang="pt-BR" b="0" i="0"/>
-                            <m:t> 2</m:t>
-                          </m:r>
-                          <m:r>
-                            <m:rPr>
-                              <m:nor/>
-                            </m:rPr>
-                            <a:rPr lang="pt-BR" b="0" i="0"/>
-                            <m:t>,</m:t>
-                          </m:r>
-                          <m:r>
-                            <m:rPr>
-                              <m:nor/>
-                            </m:rPr>
-                            <a:rPr lang="pt-BR" b="0" i="0"/>
-                            <m:t> 5</m:t>
-                          </m:r>
-                          <m:r>
-                            <m:rPr>
-                              <m:nor/>
-                            </m:rPr>
-                            <a:rPr lang="pt-BR" b="0" i="0"/>
-                            <m:t>,</m:t>
-                          </m:r>
-                          <m:r>
-                            <m:rPr>
-                              <m:nor/>
-                            </m:rPr>
-                            <a:rPr lang="pt-BR" b="0" i="0"/>
-                            <m:t> 8</m:t>
-                          </m:r>
-                          <m:r>
-                            <m:rPr>
-                              <m:nor/>
-                            </m:rPr>
-                            <a:rPr lang="pt-BR" b="0" i="0"/>
-                            <m:t>,</m:t>
-                          </m:r>
-                          <m:r>
-                            <m:rPr>
-                              <m:nor/>
-                            </m:rPr>
-                            <a:rPr lang="pt-BR" b="0" i="0"/>
-                            <m:t> 11</m:t>
+                            <m:t>4, −1, 2, 5, 8, 11</m:t>
                           </m:r>
                         </m:e>
                       </m:d>
@@ -12233,7 +14714,7 @@
             </p:txBody>
           </p:sp>
         </mc:Choice>
-        <mc:Fallback>
+        <mc:Fallback xmlns="">
           <p:sp>
             <p:nvSpPr>
               <p:cNvPr id="7" name="CaixaDeTexto 6">
@@ -12452,8 +14933,8 @@
           </a:p>
         </p:txBody>
       </p:sp>
-      <mc:AlternateContent xmlns:mc="http://schemas.openxmlformats.org/markup-compatibility/2006">
-        <mc:Choice xmlns:a14="http://schemas.microsoft.com/office/drawing/2010/main" Requires="a14">
+      <mc:AlternateContent xmlns:mc="http://schemas.openxmlformats.org/markup-compatibility/2006" xmlns:a14="http://schemas.microsoft.com/office/drawing/2010/main">
+        <mc:Choice Requires="a14">
           <p:sp>
             <p:nvSpPr>
               <p:cNvPr id="5" name="CaixaDeTexto 4">
@@ -12529,7 +15010,7 @@
             </p:txBody>
           </p:sp>
         </mc:Choice>
-        <mc:Fallback>
+        <mc:Fallback xmlns="">
           <p:sp>
             <p:nvSpPr>
               <p:cNvPr id="5" name="CaixaDeTexto 4">
@@ -12574,8 +15055,8 @@
           </p:sp>
         </mc:Fallback>
       </mc:AlternateContent>
-      <mc:AlternateContent xmlns:mc="http://schemas.openxmlformats.org/markup-compatibility/2006">
-        <mc:Choice xmlns:a14="http://schemas.microsoft.com/office/drawing/2010/main" Requires="a14">
+      <mc:AlternateContent xmlns:mc="http://schemas.openxmlformats.org/markup-compatibility/2006" xmlns:a14="http://schemas.microsoft.com/office/drawing/2010/main">
+        <mc:Choice Requires="a14">
           <p:sp>
             <p:nvSpPr>
               <p:cNvPr id="4" name="CaixaDeTexto 3">
@@ -12641,7 +15122,7 @@
                             <a:rPr lang="pt-BR" sz="3200" b="0" i="0" smtClean="0">
                               <a:latin typeface="Cambria Math" panose="02040503050406030204" pitchFamily="18" charset="0"/>
                             </a:rPr>
-                            <m:t>-</m:t>
+                            <m:t>−</m:t>
                           </m:r>
                           <m:r>
                             <a:rPr lang="pt-BR" sz="3200" b="0" i="1" smtClean="0">
@@ -12661,7 +15142,7 @@
             </p:txBody>
           </p:sp>
         </mc:Choice>
-        <mc:Fallback>
+        <mc:Fallback xmlns="">
           <p:sp>
             <p:nvSpPr>
               <p:cNvPr id="4" name="CaixaDeTexto 3">
@@ -12706,8 +15187,8 @@
           </p:sp>
         </mc:Fallback>
       </mc:AlternateContent>
-      <mc:AlternateContent xmlns:mc="http://schemas.openxmlformats.org/markup-compatibility/2006">
-        <mc:Choice xmlns:a14="http://schemas.microsoft.com/office/drawing/2010/main" Requires="a14">
+      <mc:AlternateContent xmlns:mc="http://schemas.openxmlformats.org/markup-compatibility/2006" xmlns:a14="http://schemas.microsoft.com/office/drawing/2010/main">
+        <mc:Choice Requires="a14">
           <p:sp>
             <p:nvSpPr>
               <p:cNvPr id="7" name="CaixaDeTexto 6">
@@ -12745,6 +15226,7 @@
                 </a:lvl1pPr>
               </a:lstStyle>
               <a:p>
+                <a:pPr/>
                 <a14:m>
                   <m:oMathPara xmlns:m="http://schemas.openxmlformats.org/officeDocument/2006/math">
                     <m:oMathParaPr>
@@ -12770,7 +15252,9 @@
                         </m:e>
                       </m:acc>
                       <m:r>
-                        <a:rPr lang="pt-BR"/>
+                        <a:rPr lang="pt-BR">
+                          <a:latin typeface="Cambria Math" panose="02040503050406030204" pitchFamily="18" charset="0"/>
+                        </a:rPr>
                         <m:t>=</m:t>
                       </m:r>
                       <m:d>
@@ -12778,7 +15262,9 @@
                           <m:begChr m:val="{"/>
                           <m:endChr m:val="}"/>
                           <m:ctrlPr>
-                            <a:rPr lang="pt-BR"/>
+                            <a:rPr lang="pt-BR" i="1">
+                              <a:latin typeface="Cambria Math" panose="02040503050406030204" pitchFamily="18" charset="0"/>
+                            </a:rPr>
                           </m:ctrlPr>
                         </m:dPr>
                         <m:e>
@@ -12787,84 +15273,14 @@
                               <m:nor/>
                             </m:rPr>
                             <a:rPr lang="pt-BR" b="0" i="0" smtClean="0"/>
-                            <m:t>-</m:t>
+                            <m:t>−</m:t>
                           </m:r>
                           <m:r>
                             <m:rPr>
                               <m:nor/>
                             </m:rPr>
                             <a:rPr lang="pt-BR" b="0" i="0"/>
-                            <m:t>4</m:t>
-                          </m:r>
-                          <m:r>
-                            <m:rPr>
-                              <m:nor/>
-                            </m:rPr>
-                            <a:rPr lang="pt-BR" b="0" i="0"/>
-                            <m:t>,</m:t>
-                          </m:r>
-                          <m:r>
-                            <m:rPr>
-                              <m:nor/>
-                            </m:rPr>
-                            <a:rPr lang="pt-BR" b="0" i="0"/>
-                            <m:t> -1</m:t>
-                          </m:r>
-                          <m:r>
-                            <m:rPr>
-                              <m:nor/>
-                            </m:rPr>
-                            <a:rPr lang="pt-BR" b="0" i="0"/>
-                            <m:t>,</m:t>
-                          </m:r>
-                          <m:r>
-                            <m:rPr>
-                              <m:nor/>
-                            </m:rPr>
-                            <a:rPr lang="pt-BR" b="0" i="0"/>
-                            <m:t> 2</m:t>
-                          </m:r>
-                          <m:r>
-                            <m:rPr>
-                              <m:nor/>
-                            </m:rPr>
-                            <a:rPr lang="pt-BR" b="0" i="0"/>
-                            <m:t>,</m:t>
-                          </m:r>
-                          <m:r>
-                            <m:rPr>
-                              <m:nor/>
-                            </m:rPr>
-                            <a:rPr lang="pt-BR" b="0" i="0"/>
-                            <m:t> 5</m:t>
-                          </m:r>
-                          <m:r>
-                            <m:rPr>
-                              <m:nor/>
-                            </m:rPr>
-                            <a:rPr lang="pt-BR" b="0" i="0"/>
-                            <m:t>,</m:t>
-                          </m:r>
-                          <m:r>
-                            <m:rPr>
-                              <m:nor/>
-                            </m:rPr>
-                            <a:rPr lang="pt-BR" b="0" i="0"/>
-                            <m:t> 8</m:t>
-                          </m:r>
-                          <m:r>
-                            <m:rPr>
-                              <m:nor/>
-                            </m:rPr>
-                            <a:rPr lang="pt-BR" b="0" i="0"/>
-                            <m:t>,</m:t>
-                          </m:r>
-                          <m:r>
-                            <m:rPr>
-                              <m:nor/>
-                            </m:rPr>
-                            <a:rPr lang="pt-BR" b="0" i="0"/>
-                            <m:t> 11</m:t>
+                            <m:t>4, −1, 2, 5, 8, 11</m:t>
                           </m:r>
                         </m:e>
                       </m:d>
@@ -12876,7 +15292,7 @@
             </p:txBody>
           </p:sp>
         </mc:Choice>
-        <mc:Fallback>
+        <mc:Fallback xmlns="">
           <p:sp>
             <p:nvSpPr>
               <p:cNvPr id="7" name="CaixaDeTexto 6">
@@ -12956,8 +15372,8 @@
           </a:p>
         </p:txBody>
       </p:sp>
-      <mc:AlternateContent xmlns:mc="http://schemas.openxmlformats.org/markup-compatibility/2006">
-        <mc:Choice xmlns:a14="http://schemas.microsoft.com/office/drawing/2010/main" Requires="a14">
+      <mc:AlternateContent xmlns:mc="http://schemas.openxmlformats.org/markup-compatibility/2006" xmlns:a14="http://schemas.microsoft.com/office/drawing/2010/main">
+        <mc:Choice Requires="a14">
           <p:sp>
             <p:nvSpPr>
               <p:cNvPr id="9" name="CaixaDeTexto 8">
@@ -13032,7 +15448,7 @@
             </p:txBody>
           </p:sp>
         </mc:Choice>
-        <mc:Fallback>
+        <mc:Fallback xmlns="">
           <p:sp>
             <p:nvSpPr>
               <p:cNvPr id="9" name="CaixaDeTexto 8">
@@ -13206,8 +15622,8 @@
           </a:p>
         </p:txBody>
       </p:sp>
-      <mc:AlternateContent xmlns:mc="http://schemas.openxmlformats.org/markup-compatibility/2006">
-        <mc:Choice xmlns:a14="http://schemas.microsoft.com/office/drawing/2010/main" Requires="a14">
+      <mc:AlternateContent xmlns:mc="http://schemas.openxmlformats.org/markup-compatibility/2006" xmlns:a14="http://schemas.microsoft.com/office/drawing/2010/main">
+        <mc:Choice Requires="a14">
           <p:sp>
             <p:nvSpPr>
               <p:cNvPr id="3" name="Espaço Reservado para Conteúdo 2">
@@ -13262,7 +15678,7 @@
             </p:txBody>
           </p:sp>
         </mc:Choice>
-        <mc:Fallback>
+        <mc:Fallback xmlns="">
           <p:sp>
             <p:nvSpPr>
               <p:cNvPr id="3" name="Espaço Reservado para Conteúdo 2">
@@ -13441,7 +15857,15 @@
           <a:p>
             <a:r>
               <a:rPr lang="pt-BR" dirty="0"/>
-              <a:t>Podemos traçar uma reta entre cada ponto e, pelo comprimento dessas retas (ou distância entre os pontos), descobrir se a função hipótese é boa ou não.</a:t>
+              <a:t>Podemos traçar uma reta entre cada ponto e, pelo comprimento dessas retas (ou </a:t>
+            </a:r>
+            <a:r>
+              <a:rPr lang="pt-BR" b="1" i="1" dirty="0"/>
+              <a:t>diferença</a:t>
+            </a:r>
+            <a:r>
+              <a:rPr lang="pt-BR" dirty="0"/>
+              <a:t> entre os pontos), descobrir se a função hipótese é boa ou não.</a:t>
             </a:r>
           </a:p>
           <a:p>
@@ -13468,10 +15892,10 @@
       </p:sp>
       <p:grpSp>
         <p:nvGrpSpPr>
-          <p:cNvPr id="4" name="Agrupar 3">
+          <p:cNvPr id="17" name="Agrupar 16">
             <a:extLst>
               <a:ext uri="{FF2B5EF4-FFF2-40B4-BE49-F238E27FC236}">
-                <a16:creationId xmlns:a16="http://schemas.microsoft.com/office/drawing/2014/main" id="{8FF7C909-12C2-1F28-3CD1-F415FDEBCF05}"/>
+                <a16:creationId xmlns:a16="http://schemas.microsoft.com/office/drawing/2014/main" id="{6C6C7F99-319F-3F5F-707A-3647CB0C494E}"/>
               </a:ext>
             </a:extLst>
           </p:cNvPr>
@@ -13480,482 +15904,681 @@
         </p:nvGrpSpPr>
         <p:grpSpPr>
           <a:xfrm>
-            <a:off x="336908" y="2375202"/>
-            <a:ext cx="4654432" cy="3568398"/>
-            <a:chOff x="324492" y="2280864"/>
-            <a:chExt cx="4654432" cy="3568398"/>
+            <a:off x="501294" y="1825624"/>
+            <a:ext cx="4902989" cy="3568398"/>
+            <a:chOff x="336908" y="2375202"/>
+            <a:chExt cx="4902989" cy="3568398"/>
           </a:xfrm>
         </p:grpSpPr>
-        <p:pic>
-          <p:nvPicPr>
-            <p:cNvPr id="5" name="Picture 2">
+        <p:grpSp>
+          <p:nvGrpSpPr>
+            <p:cNvPr id="4" name="Agrupar 3">
               <a:extLst>
                 <a:ext uri="{FF2B5EF4-FFF2-40B4-BE49-F238E27FC236}">
-                  <a16:creationId xmlns:a16="http://schemas.microsoft.com/office/drawing/2014/main" id="{1D1D236C-D17A-910F-590E-14660AC344E8}"/>
+                  <a16:creationId xmlns:a16="http://schemas.microsoft.com/office/drawing/2014/main" id="{8FF7C909-12C2-1F28-3CD1-F415FDEBCF05}"/>
                 </a:ext>
               </a:extLst>
             </p:cNvPr>
-            <p:cNvPicPr>
-              <a:picLocks noChangeAspect="1" noChangeArrowheads="1"/>
-            </p:cNvPicPr>
+            <p:cNvGrpSpPr/>
             <p:nvPr/>
-          </p:nvPicPr>
-          <p:blipFill>
-            <a:blip r:embed="rId2">
+          </p:nvGrpSpPr>
+          <p:grpSpPr>
+            <a:xfrm>
+              <a:off x="336908" y="2375202"/>
+              <a:ext cx="4654432" cy="3568398"/>
+              <a:chOff x="324492" y="2280864"/>
+              <a:chExt cx="4654432" cy="3568398"/>
+            </a:xfrm>
+          </p:grpSpPr>
+          <p:pic>
+            <p:nvPicPr>
+              <p:cNvPr id="5" name="Picture 2">
+                <a:extLst>
+                  <a:ext uri="{FF2B5EF4-FFF2-40B4-BE49-F238E27FC236}">
+                    <a16:creationId xmlns:a16="http://schemas.microsoft.com/office/drawing/2014/main" id="{1D1D236C-D17A-910F-590E-14660AC344E8}"/>
+                  </a:ext>
+                </a:extLst>
+              </p:cNvPr>
+              <p:cNvPicPr>
+                <a:picLocks noChangeAspect="1" noChangeArrowheads="1"/>
+              </p:cNvPicPr>
+              <p:nvPr/>
+            </p:nvPicPr>
+            <p:blipFill>
+              <a:blip r:embed="rId2">
+                <a:extLst>
+                  <a:ext uri="{28A0092B-C50C-407E-A947-70E740481C1C}">
+                    <a14:useLocalDpi xmlns:a14="http://schemas.microsoft.com/office/drawing/2010/main" val="0"/>
+                  </a:ext>
+                </a:extLst>
+              </a:blip>
+              <a:srcRect/>
+              <a:stretch>
+                <a:fillRect/>
+              </a:stretch>
+            </p:blipFill>
+            <p:spPr bwMode="auto">
+              <a:xfrm>
+                <a:off x="324492" y="2280864"/>
+                <a:ext cx="4654432" cy="3568398"/>
+              </a:xfrm>
+              <a:prstGeom prst="rect">
+                <a:avLst/>
+              </a:prstGeom>
+              <a:noFill/>
               <a:extLst>
-                <a:ext uri="{28A0092B-C50C-407E-A947-70E740481C1C}">
-                  <a14:useLocalDpi xmlns:a14="http://schemas.microsoft.com/office/drawing/2010/main" val="0"/>
+                <a:ext uri="{909E8E84-426E-40DD-AFC4-6F175D3DCCD1}">
+                  <a14:hiddenFill xmlns:a14="http://schemas.microsoft.com/office/drawing/2010/main">
+                    <a:solidFill>
+                      <a:srgbClr val="FFFFFF"/>
+                    </a:solidFill>
+                  </a14:hiddenFill>
                 </a:ext>
               </a:extLst>
-            </a:blip>
-            <a:srcRect/>
-            <a:stretch>
-              <a:fillRect/>
-            </a:stretch>
-          </p:blipFill>
-          <p:spPr bwMode="auto">
+            </p:spPr>
+          </p:pic>
+          <p:cxnSp>
+            <p:nvCxnSpPr>
+              <p:cNvPr id="6" name="Conector reto 5">
+                <a:extLst>
+                  <a:ext uri="{FF2B5EF4-FFF2-40B4-BE49-F238E27FC236}">
+                    <a16:creationId xmlns:a16="http://schemas.microsoft.com/office/drawing/2014/main" id="{17F923C8-0338-E3A0-307C-4C48FF5D48E6}"/>
+                  </a:ext>
+                </a:extLst>
+              </p:cNvPr>
+              <p:cNvCxnSpPr>
+                <a:cxnSpLocks/>
+              </p:cNvCxnSpPr>
+              <p:nvPr/>
+            </p:nvCxnSpPr>
+            <p:spPr>
+              <a:xfrm>
+                <a:off x="4719638" y="2488406"/>
+                <a:ext cx="0" cy="757238"/>
+              </a:xfrm>
+              <a:prstGeom prst="line">
+                <a:avLst/>
+              </a:prstGeom>
+              <a:ln w="19050">
+                <a:solidFill>
+                  <a:srgbClr val="FF0000"/>
+                </a:solidFill>
+              </a:ln>
+            </p:spPr>
+            <p:style>
+              <a:lnRef idx="1">
+                <a:schemeClr val="accent1"/>
+              </a:lnRef>
+              <a:fillRef idx="0">
+                <a:schemeClr val="accent1"/>
+              </a:fillRef>
+              <a:effectRef idx="0">
+                <a:schemeClr val="accent1"/>
+              </a:effectRef>
+              <a:fontRef idx="minor">
+                <a:schemeClr val="tx1"/>
+              </a:fontRef>
+            </p:style>
+          </p:cxnSp>
+          <p:cxnSp>
+            <p:nvCxnSpPr>
+              <p:cNvPr id="7" name="Conector reto 6">
+                <a:extLst>
+                  <a:ext uri="{FF2B5EF4-FFF2-40B4-BE49-F238E27FC236}">
+                    <a16:creationId xmlns:a16="http://schemas.microsoft.com/office/drawing/2014/main" id="{108E4EB3-0A18-7674-4972-08EE9EB6C50A}"/>
+                  </a:ext>
+                </a:extLst>
+              </p:cNvPr>
+              <p:cNvCxnSpPr>
+                <a:cxnSpLocks/>
+              </p:cNvCxnSpPr>
+              <p:nvPr/>
+            </p:nvCxnSpPr>
+            <p:spPr>
+              <a:xfrm>
+                <a:off x="3988118" y="3038475"/>
+                <a:ext cx="0" cy="559594"/>
+              </a:xfrm>
+              <a:prstGeom prst="line">
+                <a:avLst/>
+              </a:prstGeom>
+              <a:ln w="19050">
+                <a:solidFill>
+                  <a:srgbClr val="FF0000"/>
+                </a:solidFill>
+              </a:ln>
+            </p:spPr>
+            <p:style>
+              <a:lnRef idx="1">
+                <a:schemeClr val="accent1"/>
+              </a:lnRef>
+              <a:fillRef idx="0">
+                <a:schemeClr val="accent1"/>
+              </a:fillRef>
+              <a:effectRef idx="0">
+                <a:schemeClr val="accent1"/>
+              </a:effectRef>
+              <a:fontRef idx="minor">
+                <a:schemeClr val="tx1"/>
+              </a:fontRef>
+            </p:style>
+          </p:cxnSp>
+          <p:cxnSp>
+            <p:nvCxnSpPr>
+              <p:cNvPr id="8" name="Conector reto 7">
+                <a:extLst>
+                  <a:ext uri="{FF2B5EF4-FFF2-40B4-BE49-F238E27FC236}">
+                    <a16:creationId xmlns:a16="http://schemas.microsoft.com/office/drawing/2014/main" id="{2DD01A53-07A0-0690-1495-693F9ECD4A00}"/>
+                  </a:ext>
+                </a:extLst>
+              </p:cNvPr>
+              <p:cNvCxnSpPr>
+                <a:cxnSpLocks/>
+              </p:cNvCxnSpPr>
+              <p:nvPr/>
+            </p:nvCxnSpPr>
+            <p:spPr>
+              <a:xfrm>
+                <a:off x="3249931" y="3579019"/>
+                <a:ext cx="0" cy="383382"/>
+              </a:xfrm>
+              <a:prstGeom prst="line">
+                <a:avLst/>
+              </a:prstGeom>
+              <a:ln w="19050">
+                <a:solidFill>
+                  <a:srgbClr val="FF0000"/>
+                </a:solidFill>
+              </a:ln>
+            </p:spPr>
+            <p:style>
+              <a:lnRef idx="1">
+                <a:schemeClr val="accent1"/>
+              </a:lnRef>
+              <a:fillRef idx="0">
+                <a:schemeClr val="accent1"/>
+              </a:fillRef>
+              <a:effectRef idx="0">
+                <a:schemeClr val="accent1"/>
+              </a:effectRef>
+              <a:fontRef idx="minor">
+                <a:schemeClr val="tx1"/>
+              </a:fontRef>
+            </p:style>
+          </p:cxnSp>
+          <p:cxnSp>
+            <p:nvCxnSpPr>
+              <p:cNvPr id="9" name="Conector reto 8">
+                <a:extLst>
+                  <a:ext uri="{FF2B5EF4-FFF2-40B4-BE49-F238E27FC236}">
+                    <a16:creationId xmlns:a16="http://schemas.microsoft.com/office/drawing/2014/main" id="{CB18CCA6-494D-B0A3-4D7E-74DA8CC3B8A0}"/>
+                  </a:ext>
+                </a:extLst>
+              </p:cNvPr>
+              <p:cNvCxnSpPr>
+                <a:cxnSpLocks/>
+              </p:cNvCxnSpPr>
+              <p:nvPr/>
+            </p:nvCxnSpPr>
+            <p:spPr>
+              <a:xfrm>
+                <a:off x="2516506" y="4143375"/>
+                <a:ext cx="0" cy="195263"/>
+              </a:xfrm>
+              <a:prstGeom prst="line">
+                <a:avLst/>
+              </a:prstGeom>
+              <a:ln w="19050">
+                <a:solidFill>
+                  <a:srgbClr val="FF0000"/>
+                </a:solidFill>
+              </a:ln>
+            </p:spPr>
+            <p:style>
+              <a:lnRef idx="1">
+                <a:schemeClr val="accent1"/>
+              </a:lnRef>
+              <a:fillRef idx="0">
+                <a:schemeClr val="accent1"/>
+              </a:fillRef>
+              <a:effectRef idx="0">
+                <a:schemeClr val="accent1"/>
+              </a:effectRef>
+              <a:fontRef idx="minor">
+                <a:schemeClr val="tx1"/>
+              </a:fontRef>
+            </p:style>
+          </p:cxnSp>
+          <p:cxnSp>
+            <p:nvCxnSpPr>
+              <p:cNvPr id="10" name="Conector reto 9">
+                <a:extLst>
+                  <a:ext uri="{FF2B5EF4-FFF2-40B4-BE49-F238E27FC236}">
+                    <a16:creationId xmlns:a16="http://schemas.microsoft.com/office/drawing/2014/main" id="{A2C62E84-F226-525B-CA91-F7ED46F858A3}"/>
+                  </a:ext>
+                </a:extLst>
+              </p:cNvPr>
+              <p:cNvCxnSpPr>
+                <a:cxnSpLocks/>
+              </p:cNvCxnSpPr>
+              <p:nvPr/>
+            </p:nvCxnSpPr>
+            <p:spPr>
+              <a:xfrm>
+                <a:off x="1037750" y="5050635"/>
+                <a:ext cx="0" cy="195263"/>
+              </a:xfrm>
+              <a:prstGeom prst="line">
+                <a:avLst/>
+              </a:prstGeom>
+              <a:ln w="19050">
+                <a:solidFill>
+                  <a:srgbClr val="FF0000"/>
+                </a:solidFill>
+              </a:ln>
+            </p:spPr>
+            <p:style>
+              <a:lnRef idx="1">
+                <a:schemeClr val="accent1"/>
+              </a:lnRef>
+              <a:fillRef idx="0">
+                <a:schemeClr val="accent1"/>
+              </a:fillRef>
+              <a:effectRef idx="0">
+                <a:schemeClr val="accent1"/>
+              </a:effectRef>
+              <a:fontRef idx="minor">
+                <a:schemeClr val="tx1"/>
+              </a:fontRef>
+            </p:style>
+          </p:cxnSp>
+        </p:grpSp>
+        <p:sp>
+          <p:nvSpPr>
+            <p:cNvPr id="11" name="CaixaDeTexto 10">
+              <a:extLst>
+                <a:ext uri="{FF2B5EF4-FFF2-40B4-BE49-F238E27FC236}">
+                  <a16:creationId xmlns:a16="http://schemas.microsoft.com/office/drawing/2014/main" id="{319F74EA-B98D-DDFF-AB65-A7E1DCDF4697}"/>
+                </a:ext>
+              </a:extLst>
+            </p:cNvPr>
+            <p:cNvSpPr txBox="1"/>
+            <p:nvPr/>
+          </p:nvSpPr>
+          <p:spPr>
             <a:xfrm>
-              <a:off x="324492" y="2280864"/>
-              <a:ext cx="4654432" cy="3568398"/>
+              <a:off x="1050166" y="5012580"/>
+              <a:ext cx="531524" cy="369332"/>
             </a:xfrm>
             <a:prstGeom prst="rect">
               <a:avLst/>
             </a:prstGeom>
             <a:noFill/>
-            <a:extLst>
-              <a:ext uri="{909E8E84-426E-40DD-AFC4-6F175D3DCCD1}">
-                <a14:hiddenFill xmlns:a14="http://schemas.microsoft.com/office/drawing/2010/main">
-                  <a:solidFill>
-                    <a:srgbClr val="FFFFFF"/>
-                  </a:solidFill>
-                </a14:hiddenFill>
-              </a:ext>
-            </a:extLst>
           </p:spPr>
-        </p:pic>
-        <p:cxnSp>
-          <p:nvCxnSpPr>
-            <p:cNvPr id="6" name="Conector reto 5">
+          <p:txBody>
+            <a:bodyPr wrap="square" rtlCol="0">
+              <a:spAutoFit/>
+            </a:bodyPr>
+            <a:lstStyle/>
+            <a:p>
+              <a:r>
+                <a:rPr lang="pt-BR" dirty="0"/>
+                <a:t>-1</a:t>
+              </a:r>
+            </a:p>
+          </p:txBody>
+        </p:sp>
+        <p:sp>
+          <p:nvSpPr>
+            <p:cNvPr id="12" name="CaixaDeTexto 11">
               <a:extLst>
                 <a:ext uri="{FF2B5EF4-FFF2-40B4-BE49-F238E27FC236}">
-                  <a16:creationId xmlns:a16="http://schemas.microsoft.com/office/drawing/2014/main" id="{17F923C8-0338-E3A0-307C-4C48FF5D48E6}"/>
+                  <a16:creationId xmlns:a16="http://schemas.microsoft.com/office/drawing/2014/main" id="{88FD813C-F31B-C73D-966D-8C7F0F909160}"/>
                 </a:ext>
               </a:extLst>
             </p:cNvPr>
-            <p:cNvCxnSpPr>
-              <a:cxnSpLocks/>
-            </p:cNvCxnSpPr>
+            <p:cNvSpPr txBox="1"/>
             <p:nvPr/>
-          </p:nvCxnSpPr>
+          </p:nvSpPr>
           <p:spPr>
             <a:xfrm>
-              <a:off x="4719638" y="2488406"/>
-              <a:ext cx="0" cy="757238"/>
+              <a:off x="1794198" y="4598076"/>
+              <a:ext cx="531524" cy="369332"/>
             </a:xfrm>
-            <a:prstGeom prst="line">
+            <a:prstGeom prst="rect">
               <a:avLst/>
             </a:prstGeom>
-            <a:ln w="19050">
-              <a:solidFill>
-                <a:srgbClr val="FF0000"/>
-              </a:solidFill>
-            </a:ln>
+            <a:noFill/>
           </p:spPr>
-          <p:style>
-            <a:lnRef idx="1">
-              <a:schemeClr val="accent1"/>
-            </a:lnRef>
-            <a:fillRef idx="0">
-              <a:schemeClr val="accent1"/>
-            </a:fillRef>
-            <a:effectRef idx="0">
-              <a:schemeClr val="accent1"/>
-            </a:effectRef>
-            <a:fontRef idx="minor">
-              <a:schemeClr val="tx1"/>
-            </a:fontRef>
-          </p:style>
-        </p:cxnSp>
-        <p:cxnSp>
-          <p:nvCxnSpPr>
-            <p:cNvPr id="7" name="Conector reto 6">
+          <p:txBody>
+            <a:bodyPr wrap="square" rtlCol="0">
+              <a:spAutoFit/>
+            </a:bodyPr>
+            <a:lstStyle/>
+            <a:p>
+              <a:r>
+                <a:rPr lang="pt-BR" dirty="0"/>
+                <a:t>0</a:t>
+              </a:r>
+            </a:p>
+          </p:txBody>
+        </p:sp>
+        <p:sp>
+          <p:nvSpPr>
+            <p:cNvPr id="13" name="CaixaDeTexto 12">
               <a:extLst>
                 <a:ext uri="{FF2B5EF4-FFF2-40B4-BE49-F238E27FC236}">
-                  <a16:creationId xmlns:a16="http://schemas.microsoft.com/office/drawing/2014/main" id="{108E4EB3-0A18-7674-4972-08EE9EB6C50A}"/>
+                  <a16:creationId xmlns:a16="http://schemas.microsoft.com/office/drawing/2014/main" id="{C852C7D1-AB69-D606-FC4E-0B5C2BACB107}"/>
                 </a:ext>
               </a:extLst>
             </p:cNvPr>
-            <p:cNvCxnSpPr>
-              <a:cxnSpLocks/>
-            </p:cNvCxnSpPr>
+            <p:cNvSpPr txBox="1"/>
             <p:nvPr/>
-          </p:nvCxnSpPr>
+          </p:nvSpPr>
           <p:spPr>
             <a:xfrm>
-              <a:off x="3988118" y="3038475"/>
-              <a:ext cx="0" cy="559594"/>
+              <a:off x="2551446" y="4154017"/>
+              <a:ext cx="531524" cy="369332"/>
             </a:xfrm>
-            <a:prstGeom prst="line">
+            <a:prstGeom prst="rect">
               <a:avLst/>
             </a:prstGeom>
-            <a:ln w="19050">
-              <a:solidFill>
-                <a:srgbClr val="FF0000"/>
-              </a:solidFill>
-            </a:ln>
+            <a:noFill/>
           </p:spPr>
-          <p:style>
-            <a:lnRef idx="1">
-              <a:schemeClr val="accent1"/>
-            </a:lnRef>
-            <a:fillRef idx="0">
-              <a:schemeClr val="accent1"/>
-            </a:fillRef>
-            <a:effectRef idx="0">
-              <a:schemeClr val="accent1"/>
-            </a:effectRef>
-            <a:fontRef idx="minor">
-              <a:schemeClr val="tx1"/>
-            </a:fontRef>
-          </p:style>
-        </p:cxnSp>
-        <p:cxnSp>
-          <p:nvCxnSpPr>
-            <p:cNvPr id="8" name="Conector reto 7">
+          <p:txBody>
+            <a:bodyPr wrap="square" rtlCol="0">
+              <a:spAutoFit/>
+            </a:bodyPr>
+            <a:lstStyle/>
+            <a:p>
+              <a:r>
+                <a:rPr lang="pt-BR" dirty="0"/>
+                <a:t>1</a:t>
+              </a:r>
+            </a:p>
+          </p:txBody>
+        </p:sp>
+        <p:sp>
+          <p:nvSpPr>
+            <p:cNvPr id="14" name="CaixaDeTexto 13">
               <a:extLst>
                 <a:ext uri="{FF2B5EF4-FFF2-40B4-BE49-F238E27FC236}">
-                  <a16:creationId xmlns:a16="http://schemas.microsoft.com/office/drawing/2014/main" id="{2DD01A53-07A0-0690-1495-693F9ECD4A00}"/>
+                  <a16:creationId xmlns:a16="http://schemas.microsoft.com/office/drawing/2014/main" id="{9E922D3C-5A4A-3D21-6197-DBAF14CDD453}"/>
                 </a:ext>
               </a:extLst>
             </p:cNvPr>
-            <p:cNvCxnSpPr>
-              <a:cxnSpLocks/>
-            </p:cNvCxnSpPr>
+            <p:cNvSpPr txBox="1"/>
             <p:nvPr/>
-          </p:nvCxnSpPr>
+          </p:nvSpPr>
           <p:spPr>
             <a:xfrm>
-              <a:off x="3249931" y="3579019"/>
-              <a:ext cx="0" cy="383382"/>
+              <a:off x="3270315" y="3686733"/>
+              <a:ext cx="531524" cy="369332"/>
             </a:xfrm>
-            <a:prstGeom prst="line">
+            <a:prstGeom prst="rect">
               <a:avLst/>
             </a:prstGeom>
-            <a:ln w="19050">
-              <a:solidFill>
-                <a:srgbClr val="FF0000"/>
-              </a:solidFill>
-            </a:ln>
+            <a:noFill/>
           </p:spPr>
-          <p:style>
-            <a:lnRef idx="1">
-              <a:schemeClr val="accent1"/>
-            </a:lnRef>
-            <a:fillRef idx="0">
-              <a:schemeClr val="accent1"/>
-            </a:fillRef>
-            <a:effectRef idx="0">
-              <a:schemeClr val="accent1"/>
-            </a:effectRef>
-            <a:fontRef idx="minor">
-              <a:schemeClr val="tx1"/>
-            </a:fontRef>
-          </p:style>
-        </p:cxnSp>
-        <p:cxnSp>
-          <p:nvCxnSpPr>
-            <p:cNvPr id="9" name="Conector reto 8">
+          <p:txBody>
+            <a:bodyPr wrap="square" rtlCol="0">
+              <a:spAutoFit/>
+            </a:bodyPr>
+            <a:lstStyle/>
+            <a:p>
+              <a:r>
+                <a:rPr lang="pt-BR" dirty="0"/>
+                <a:t>2</a:t>
+              </a:r>
+            </a:p>
+          </p:txBody>
+        </p:sp>
+        <p:sp>
+          <p:nvSpPr>
+            <p:cNvPr id="15" name="CaixaDeTexto 14">
               <a:extLst>
                 <a:ext uri="{FF2B5EF4-FFF2-40B4-BE49-F238E27FC236}">
-                  <a16:creationId xmlns:a16="http://schemas.microsoft.com/office/drawing/2014/main" id="{CB18CCA6-494D-B0A3-4D7E-74DA8CC3B8A0}"/>
+                  <a16:creationId xmlns:a16="http://schemas.microsoft.com/office/drawing/2014/main" id="{0086DBF0-CF72-E0B1-1CAA-C89D91AF58FC}"/>
                 </a:ext>
               </a:extLst>
             </p:cNvPr>
-            <p:cNvCxnSpPr>
-              <a:cxnSpLocks/>
-            </p:cNvCxnSpPr>
+            <p:cNvSpPr txBox="1"/>
             <p:nvPr/>
-          </p:nvCxnSpPr>
+          </p:nvSpPr>
           <p:spPr>
             <a:xfrm>
-              <a:off x="2516506" y="4143375"/>
-              <a:ext cx="0" cy="195263"/>
+              <a:off x="4010104" y="3215801"/>
+              <a:ext cx="531524" cy="369332"/>
             </a:xfrm>
-            <a:prstGeom prst="line">
+            <a:prstGeom prst="rect">
               <a:avLst/>
             </a:prstGeom>
-            <a:ln w="19050">
-              <a:solidFill>
-                <a:srgbClr val="FF0000"/>
-              </a:solidFill>
-            </a:ln>
+            <a:noFill/>
           </p:spPr>
-          <p:style>
-            <a:lnRef idx="1">
-              <a:schemeClr val="accent1"/>
-            </a:lnRef>
-            <a:fillRef idx="0">
-              <a:schemeClr val="accent1"/>
-            </a:fillRef>
-            <a:effectRef idx="0">
-              <a:schemeClr val="accent1"/>
-            </a:effectRef>
-            <a:fontRef idx="minor">
-              <a:schemeClr val="tx1"/>
-            </a:fontRef>
-          </p:style>
-        </p:cxnSp>
-        <p:cxnSp>
-          <p:nvCxnSpPr>
-            <p:cNvPr id="10" name="Conector reto 9">
+          <p:txBody>
+            <a:bodyPr wrap="square" rtlCol="0">
+              <a:spAutoFit/>
+            </a:bodyPr>
+            <a:lstStyle/>
+            <a:p>
+              <a:r>
+                <a:rPr lang="pt-BR" dirty="0"/>
+                <a:t>3</a:t>
+              </a:r>
+            </a:p>
+          </p:txBody>
+        </p:sp>
+        <p:sp>
+          <p:nvSpPr>
+            <p:cNvPr id="16" name="CaixaDeTexto 15">
               <a:extLst>
                 <a:ext uri="{FF2B5EF4-FFF2-40B4-BE49-F238E27FC236}">
-                  <a16:creationId xmlns:a16="http://schemas.microsoft.com/office/drawing/2014/main" id="{A2C62E84-F226-525B-CA91-F7ED46F858A3}"/>
+                  <a16:creationId xmlns:a16="http://schemas.microsoft.com/office/drawing/2014/main" id="{BFC5DBDA-2B32-374E-2937-C6D4CC105E04}"/>
                 </a:ext>
               </a:extLst>
             </p:cNvPr>
-            <p:cNvCxnSpPr>
-              <a:cxnSpLocks/>
-            </p:cNvCxnSpPr>
+            <p:cNvSpPr txBox="1"/>
             <p:nvPr/>
-          </p:nvCxnSpPr>
+          </p:nvSpPr>
           <p:spPr>
             <a:xfrm>
-              <a:off x="1037750" y="5050635"/>
-              <a:ext cx="0" cy="195263"/>
+              <a:off x="4708373" y="2763481"/>
+              <a:ext cx="531524" cy="369332"/>
             </a:xfrm>
-            <a:prstGeom prst="line">
+            <a:prstGeom prst="rect">
               <a:avLst/>
             </a:prstGeom>
-            <a:ln w="19050">
-              <a:solidFill>
-                <a:srgbClr val="FF0000"/>
-              </a:solidFill>
-            </a:ln>
+            <a:noFill/>
           </p:spPr>
-          <p:style>
-            <a:lnRef idx="1">
-              <a:schemeClr val="accent1"/>
-            </a:lnRef>
-            <a:fillRef idx="0">
-              <a:schemeClr val="accent1"/>
-            </a:fillRef>
-            <a:effectRef idx="0">
-              <a:schemeClr val="accent1"/>
-            </a:effectRef>
-            <a:fontRef idx="minor">
-              <a:schemeClr val="tx1"/>
-            </a:fontRef>
-          </p:style>
-        </p:cxnSp>
+          <p:txBody>
+            <a:bodyPr wrap="square" rtlCol="0">
+              <a:spAutoFit/>
+            </a:bodyPr>
+            <a:lstStyle/>
+            <a:p>
+              <a:r>
+                <a:rPr lang="pt-BR" dirty="0"/>
+                <a:t>4</a:t>
+              </a:r>
+            </a:p>
+          </p:txBody>
+        </p:sp>
       </p:grpSp>
+      <mc:AlternateContent xmlns:mc="http://schemas.openxmlformats.org/markup-compatibility/2006">
+        <mc:Choice xmlns:a14="http://schemas.microsoft.com/office/drawing/2010/main" Requires="a14">
+          <p:sp>
+            <p:nvSpPr>
+              <p:cNvPr id="18" name="CaixaDeTexto 17">
+                <a:extLst>
+                  <a:ext uri="{FF2B5EF4-FFF2-40B4-BE49-F238E27FC236}">
+                    <a16:creationId xmlns:a16="http://schemas.microsoft.com/office/drawing/2014/main" id="{DD20CBB2-FDAA-391D-A50B-D2D2B6FB1278}"/>
+                  </a:ext>
+                </a:extLst>
+              </p:cNvPr>
+              <p:cNvSpPr txBox="1"/>
+              <p:nvPr/>
+            </p:nvSpPr>
+            <p:spPr>
+              <a:xfrm>
+                <a:off x="1603184" y="5672102"/>
+                <a:ext cx="2783461" cy="584775"/>
+              </a:xfrm>
+              <a:prstGeom prst="rect">
+                <a:avLst/>
+              </a:prstGeom>
+              <a:noFill/>
+            </p:spPr>
+            <p:txBody>
+              <a:bodyPr wrap="square" rtlCol="0">
+                <a:spAutoFit/>
+              </a:bodyPr>
+              <a:lstStyle/>
+              <a:p>
+                <a14:m>
+                  <m:oMathPara xmlns:m="http://schemas.openxmlformats.org/officeDocument/2006/math">
+                    <m:oMathParaPr>
+                      <m:jc m:val="centerGroup"/>
+                    </m:oMathParaPr>
+                    <m:oMath xmlns:m="http://schemas.openxmlformats.org/officeDocument/2006/math">
+                      <m:r>
+                        <m:rPr>
+                          <m:sty m:val="p"/>
+                        </m:rPr>
+                        <a:rPr lang="pt-BR" sz="3200" b="0" i="0" smtClean="0">
+                          <a:latin typeface="Cambria Math" panose="02040503050406030204" pitchFamily="18" charset="0"/>
+                        </a:rPr>
+                        <m:t>diff</m:t>
+                      </m:r>
+                      <m:r>
+                        <a:rPr lang="pt-BR" sz="3200" b="0" i="1" smtClean="0">
+                          <a:latin typeface="Cambria Math" panose="02040503050406030204" pitchFamily="18" charset="0"/>
+                        </a:rPr>
+                        <m:t>=</m:t>
+                      </m:r>
+                      <m:acc>
+                        <m:accPr>
+                          <m:chr m:val="̂"/>
+                          <m:ctrlPr>
+                            <a:rPr lang="pt-BR" sz="3200" i="1">
+                              <a:latin typeface="Cambria Math" panose="02040503050406030204" pitchFamily="18" charset="0"/>
+                            </a:rPr>
+                          </m:ctrlPr>
+                        </m:accPr>
+                        <m:e>
+                          <m:r>
+                            <a:rPr lang="pt-BR" sz="3200" i="1">
+                              <a:latin typeface="Cambria Math" panose="02040503050406030204" pitchFamily="18" charset="0"/>
+                            </a:rPr>
+                            <m:t>𝑦</m:t>
+                          </m:r>
+                        </m:e>
+                      </m:acc>
+                      <m:r>
+                        <a:rPr lang="pt-BR" sz="3200" b="0" i="1" smtClean="0">
+                          <a:latin typeface="Cambria Math" panose="02040503050406030204" pitchFamily="18" charset="0"/>
+                        </a:rPr>
+                        <m:t>−</m:t>
+                      </m:r>
+                      <m:r>
+                        <a:rPr lang="pt-BR" sz="3200" b="0" i="1" smtClean="0">
+                          <a:latin typeface="Cambria Math" panose="02040503050406030204" pitchFamily="18" charset="0"/>
+                        </a:rPr>
+                        <m:t>𝑦</m:t>
+                      </m:r>
+                    </m:oMath>
+                  </m:oMathPara>
+                </a14:m>
+                <a:endParaRPr lang="pt-BR" sz="3200" dirty="0"/>
+              </a:p>
+            </p:txBody>
+          </p:sp>
+        </mc:Choice>
+        <mc:Fallback>
+          <p:sp>
+            <p:nvSpPr>
+              <p:cNvPr id="18" name="CaixaDeTexto 17">
+                <a:extLst>
+                  <a:ext uri="{FF2B5EF4-FFF2-40B4-BE49-F238E27FC236}">
+                    <a16:creationId xmlns:a16="http://schemas.microsoft.com/office/drawing/2014/main" id="{DD20CBB2-FDAA-391D-A50B-D2D2B6FB1278}"/>
+                  </a:ext>
+                </a:extLst>
+              </p:cNvPr>
+              <p:cNvSpPr txBox="1">
+                <a:spLocks noRot="1" noChangeAspect="1" noMove="1" noResize="1" noEditPoints="1" noAdjustHandles="1" noChangeArrowheads="1" noChangeShapeType="1" noTextEdit="1"/>
+              </p:cNvSpPr>
+              <p:nvPr/>
+            </p:nvSpPr>
+            <p:spPr>
+              <a:xfrm>
+                <a:off x="1603184" y="5672102"/>
+                <a:ext cx="2783461" cy="584775"/>
+              </a:xfrm>
+              <a:prstGeom prst="rect">
+                <a:avLst/>
+              </a:prstGeom>
+              <a:blipFill>
+                <a:blip r:embed="rId3"/>
+                <a:stretch>
+                  <a:fillRect/>
+                </a:stretch>
+              </a:blipFill>
+            </p:spPr>
+            <p:txBody>
+              <a:bodyPr/>
+              <a:lstStyle/>
+              <a:p>
+                <a:r>
+                  <a:rPr lang="pt-BR">
+                    <a:noFill/>
+                  </a:rPr>
+                  <a:t> </a:t>
+                </a:r>
+              </a:p>
+            </p:txBody>
+          </p:sp>
+        </mc:Fallback>
+      </mc:AlternateContent>
       <p:sp>
         <p:nvSpPr>
-          <p:cNvPr id="11" name="CaixaDeTexto 10">
+          <p:cNvPr id="19" name="Chave Direita 18">
             <a:extLst>
               <a:ext uri="{FF2B5EF4-FFF2-40B4-BE49-F238E27FC236}">
-                <a16:creationId xmlns:a16="http://schemas.microsoft.com/office/drawing/2014/main" id="{319F74EA-B98D-DDFF-AB65-A7E1DCDF4697}"/>
+                <a16:creationId xmlns:a16="http://schemas.microsoft.com/office/drawing/2014/main" id="{B6B6FEBB-31F4-7252-312B-0E7FCA16E244}"/>
               </a:ext>
             </a:extLst>
           </p:cNvPr>
-          <p:cNvSpPr txBox="1"/>
+          <p:cNvSpPr/>
           <p:nvPr/>
         </p:nvSpPr>
         <p:spPr>
-          <a:xfrm>
-            <a:off x="1050166" y="5012580"/>
-            <a:ext cx="531524" cy="369332"/>
+          <a:xfrm rot="5400000">
+            <a:off x="2837020" y="3426863"/>
+            <a:ext cx="315791" cy="4099388"/>
           </a:xfrm>
-          <a:prstGeom prst="rect">
+          <a:prstGeom prst="rightBrace">
             <a:avLst/>
           </a:prstGeom>
-          <a:noFill/>
         </p:spPr>
+        <p:style>
+          <a:lnRef idx="1">
+            <a:schemeClr val="accent1"/>
+          </a:lnRef>
+          <a:fillRef idx="0">
+            <a:schemeClr val="accent1"/>
+          </a:fillRef>
+          <a:effectRef idx="0">
+            <a:schemeClr val="accent1"/>
+          </a:effectRef>
+          <a:fontRef idx="minor">
+            <a:schemeClr val="tx1"/>
+          </a:fontRef>
+        </p:style>
         <p:txBody>
-          <a:bodyPr wrap="square" rtlCol="0">
-            <a:spAutoFit/>
-          </a:bodyPr>
+          <a:bodyPr rtlCol="0" anchor="ctr"/>
           <a:lstStyle/>
           <a:p>
-            <a:r>
-              <a:rPr lang="pt-BR" dirty="0"/>
-              <a:t>-1</a:t>
-            </a:r>
-          </a:p>
-        </p:txBody>
-      </p:sp>
-      <p:sp>
-        <p:nvSpPr>
-          <p:cNvPr id="12" name="CaixaDeTexto 11">
-            <a:extLst>
-              <a:ext uri="{FF2B5EF4-FFF2-40B4-BE49-F238E27FC236}">
-                <a16:creationId xmlns:a16="http://schemas.microsoft.com/office/drawing/2014/main" id="{88FD813C-F31B-C73D-966D-8C7F0F909160}"/>
-              </a:ext>
-            </a:extLst>
-          </p:cNvPr>
-          <p:cNvSpPr txBox="1"/>
-          <p:nvPr/>
-        </p:nvSpPr>
-        <p:spPr>
-          <a:xfrm>
-            <a:off x="1794198" y="4598076"/>
-            <a:ext cx="531524" cy="369332"/>
-          </a:xfrm>
-          <a:prstGeom prst="rect">
-            <a:avLst/>
-          </a:prstGeom>
-          <a:noFill/>
-        </p:spPr>
-        <p:txBody>
-          <a:bodyPr wrap="square" rtlCol="0">
-            <a:spAutoFit/>
-          </a:bodyPr>
-          <a:lstStyle/>
-          <a:p>
-            <a:r>
-              <a:rPr lang="pt-BR" dirty="0"/>
-              <a:t>0</a:t>
-            </a:r>
-          </a:p>
-        </p:txBody>
-      </p:sp>
-      <p:sp>
-        <p:nvSpPr>
-          <p:cNvPr id="13" name="CaixaDeTexto 12">
-            <a:extLst>
-              <a:ext uri="{FF2B5EF4-FFF2-40B4-BE49-F238E27FC236}">
-                <a16:creationId xmlns:a16="http://schemas.microsoft.com/office/drawing/2014/main" id="{C852C7D1-AB69-D606-FC4E-0B5C2BACB107}"/>
-              </a:ext>
-            </a:extLst>
-          </p:cNvPr>
-          <p:cNvSpPr txBox="1"/>
-          <p:nvPr/>
-        </p:nvSpPr>
-        <p:spPr>
-          <a:xfrm>
-            <a:off x="2551446" y="4154017"/>
-            <a:ext cx="531524" cy="369332"/>
-          </a:xfrm>
-          <a:prstGeom prst="rect">
-            <a:avLst/>
-          </a:prstGeom>
-          <a:noFill/>
-        </p:spPr>
-        <p:txBody>
-          <a:bodyPr wrap="square" rtlCol="0">
-            <a:spAutoFit/>
-          </a:bodyPr>
-          <a:lstStyle/>
-          <a:p>
-            <a:r>
-              <a:rPr lang="pt-BR" dirty="0"/>
-              <a:t>1</a:t>
-            </a:r>
-          </a:p>
-        </p:txBody>
-      </p:sp>
-      <p:sp>
-        <p:nvSpPr>
-          <p:cNvPr id="14" name="CaixaDeTexto 13">
-            <a:extLst>
-              <a:ext uri="{FF2B5EF4-FFF2-40B4-BE49-F238E27FC236}">
-                <a16:creationId xmlns:a16="http://schemas.microsoft.com/office/drawing/2014/main" id="{9E922D3C-5A4A-3D21-6197-DBAF14CDD453}"/>
-              </a:ext>
-            </a:extLst>
-          </p:cNvPr>
-          <p:cNvSpPr txBox="1"/>
-          <p:nvPr/>
-        </p:nvSpPr>
-        <p:spPr>
-          <a:xfrm>
-            <a:off x="3270315" y="3686733"/>
-            <a:ext cx="531524" cy="369332"/>
-          </a:xfrm>
-          <a:prstGeom prst="rect">
-            <a:avLst/>
-          </a:prstGeom>
-          <a:noFill/>
-        </p:spPr>
-        <p:txBody>
-          <a:bodyPr wrap="square" rtlCol="0">
-            <a:spAutoFit/>
-          </a:bodyPr>
-          <a:lstStyle/>
-          <a:p>
-            <a:r>
-              <a:rPr lang="pt-BR" dirty="0"/>
-              <a:t>2</a:t>
-            </a:r>
-          </a:p>
-        </p:txBody>
-      </p:sp>
-      <p:sp>
-        <p:nvSpPr>
-          <p:cNvPr id="15" name="CaixaDeTexto 14">
-            <a:extLst>
-              <a:ext uri="{FF2B5EF4-FFF2-40B4-BE49-F238E27FC236}">
-                <a16:creationId xmlns:a16="http://schemas.microsoft.com/office/drawing/2014/main" id="{0086DBF0-CF72-E0B1-1CAA-C89D91AF58FC}"/>
-              </a:ext>
-            </a:extLst>
-          </p:cNvPr>
-          <p:cNvSpPr txBox="1"/>
-          <p:nvPr/>
-        </p:nvSpPr>
-        <p:spPr>
-          <a:xfrm>
-            <a:off x="4010104" y="3215801"/>
-            <a:ext cx="531524" cy="369332"/>
-          </a:xfrm>
-          <a:prstGeom prst="rect">
-            <a:avLst/>
-          </a:prstGeom>
-          <a:noFill/>
-        </p:spPr>
-        <p:txBody>
-          <a:bodyPr wrap="square" rtlCol="0">
-            <a:spAutoFit/>
-          </a:bodyPr>
-          <a:lstStyle/>
-          <a:p>
-            <a:r>
-              <a:rPr lang="pt-BR" dirty="0"/>
-              <a:t>3</a:t>
-            </a:r>
-          </a:p>
-        </p:txBody>
-      </p:sp>
-      <p:sp>
-        <p:nvSpPr>
-          <p:cNvPr id="16" name="CaixaDeTexto 15">
-            <a:extLst>
-              <a:ext uri="{FF2B5EF4-FFF2-40B4-BE49-F238E27FC236}">
-                <a16:creationId xmlns:a16="http://schemas.microsoft.com/office/drawing/2014/main" id="{BFC5DBDA-2B32-374E-2937-C6D4CC105E04}"/>
-              </a:ext>
-            </a:extLst>
-          </p:cNvPr>
-          <p:cNvSpPr txBox="1"/>
-          <p:nvPr/>
-        </p:nvSpPr>
-        <p:spPr>
-          <a:xfrm>
-            <a:off x="4708373" y="2763481"/>
-            <a:ext cx="531524" cy="369332"/>
-          </a:xfrm>
-          <a:prstGeom prst="rect">
-            <a:avLst/>
-          </a:prstGeom>
-          <a:noFill/>
-        </p:spPr>
-        <p:txBody>
-          <a:bodyPr wrap="square" rtlCol="0">
-            <a:spAutoFit/>
-          </a:bodyPr>
-          <a:lstStyle/>
-          <a:p>
-            <a:r>
-              <a:rPr lang="pt-BR" dirty="0"/>
-              <a:t>4</a:t>
-            </a:r>
+            <a:pPr algn="ctr"/>
+            <a:endParaRPr lang="pt-BR"/>
           </a:p>
         </p:txBody>
       </p:sp>
@@ -14578,229 +17201,6 @@
           </p:txBody>
         </p:sp>
       </p:grpSp>
-      <mc:AlternateContent xmlns:mc="http://schemas.openxmlformats.org/markup-compatibility/2006">
-        <mc:Choice xmlns:a14="http://schemas.microsoft.com/office/drawing/2010/main" Requires="a14">
-          <p:sp>
-            <p:nvSpPr>
-              <p:cNvPr id="18" name="CaixaDeTexto 17">
-                <a:extLst>
-                  <a:ext uri="{FF2B5EF4-FFF2-40B4-BE49-F238E27FC236}">
-                    <a16:creationId xmlns:a16="http://schemas.microsoft.com/office/drawing/2014/main" id="{FA05A557-7AB7-A40B-7A50-EB6EBA9FB964}"/>
-                  </a:ext>
-                </a:extLst>
-              </p:cNvPr>
-              <p:cNvSpPr txBox="1"/>
-              <p:nvPr/>
-            </p:nvSpPr>
-            <p:spPr>
-              <a:xfrm>
-                <a:off x="142023" y="5308206"/>
-                <a:ext cx="5847810" cy="670568"/>
-              </a:xfrm>
-              <a:prstGeom prst="rect">
-                <a:avLst/>
-              </a:prstGeom>
-              <a:noFill/>
-            </p:spPr>
-            <p:txBody>
-              <a:bodyPr wrap="square" rtlCol="0">
-                <a:spAutoFit/>
-              </a:bodyPr>
-              <a:lstStyle/>
-              <a:p>
-                <a14:m>
-                  <m:oMathPara xmlns:m="http://schemas.openxmlformats.org/officeDocument/2006/math">
-                    <m:oMathParaPr>
-                      <m:jc m:val="centerGroup"/>
-                    </m:oMathParaPr>
-                    <m:oMath xmlns:m="http://schemas.openxmlformats.org/officeDocument/2006/math">
-                      <m:r>
-                        <m:rPr>
-                          <m:sty m:val="p"/>
-                        </m:rPr>
-                        <a:rPr lang="pt-BR" sz="2000" b="0" i="0" smtClean="0">
-                          <a:latin typeface="Cambria Math" panose="02040503050406030204" pitchFamily="18" charset="0"/>
-                        </a:rPr>
-                        <m:t>erro</m:t>
-                      </m:r>
-                      <m:r>
-                        <a:rPr lang="pt-BR" sz="2000" b="0" i="0" smtClean="0">
-                          <a:latin typeface="Cambria Math" panose="02040503050406030204" pitchFamily="18" charset="0"/>
-                        </a:rPr>
-                        <m:t> </m:t>
-                      </m:r>
-                      <m:r>
-                        <m:rPr>
-                          <m:sty m:val="p"/>
-                        </m:rPr>
-                        <a:rPr lang="pt-BR" sz="2000" b="0" i="0" smtClean="0">
-                          <a:latin typeface="Cambria Math" panose="02040503050406030204" pitchFamily="18" charset="0"/>
-                        </a:rPr>
-                        <m:t>m</m:t>
-                      </m:r>
-                      <m:r>
-                        <a:rPr lang="pt-BR" sz="2000" b="0" i="0" smtClean="0">
-                          <a:latin typeface="Cambria Math" panose="02040503050406030204" pitchFamily="18" charset="0"/>
-                        </a:rPr>
-                        <m:t>é</m:t>
-                      </m:r>
-                      <m:r>
-                        <m:rPr>
-                          <m:sty m:val="p"/>
-                        </m:rPr>
-                        <a:rPr lang="pt-BR" sz="2000" b="0" i="0" smtClean="0">
-                          <a:latin typeface="Cambria Math" panose="02040503050406030204" pitchFamily="18" charset="0"/>
-                        </a:rPr>
-                        <m:t>dio</m:t>
-                      </m:r>
-                      <m:r>
-                        <a:rPr lang="pt-BR" sz="2000" b="0" i="0" smtClean="0">
-                          <a:latin typeface="Cambria Math" panose="02040503050406030204" pitchFamily="18" charset="0"/>
-                        </a:rPr>
-                        <m:t> </m:t>
-                      </m:r>
-                      <m:r>
-                        <a:rPr lang="pt-BR" sz="2000" b="0" i="1" smtClean="0">
-                          <a:latin typeface="Cambria Math" panose="02040503050406030204" pitchFamily="18" charset="0"/>
-                        </a:rPr>
-                        <m:t>=</m:t>
-                      </m:r>
-                      <m:f>
-                        <m:fPr>
-                          <m:ctrlPr>
-                            <a:rPr lang="pt-BR" sz="2000" b="0" i="1" smtClean="0">
-                              <a:latin typeface="Cambria Math" panose="02040503050406030204" pitchFamily="18" charset="0"/>
-                            </a:rPr>
-                          </m:ctrlPr>
-                        </m:fPr>
-                        <m:num>
-                          <m:r>
-                            <a:rPr lang="pt-BR" sz="2000" i="1">
-                              <a:latin typeface="Cambria Math" panose="02040503050406030204" pitchFamily="18" charset="0"/>
-                            </a:rPr>
-                            <m:t>−1+0+1+2+3+4</m:t>
-                          </m:r>
-                        </m:num>
-                        <m:den>
-                          <m:r>
-                            <a:rPr lang="pt-BR" sz="2000" b="0" i="1" smtClean="0">
-                              <a:latin typeface="Cambria Math" panose="02040503050406030204" pitchFamily="18" charset="0"/>
-                            </a:rPr>
-                            <m:t>6</m:t>
-                          </m:r>
-                        </m:den>
-                      </m:f>
-                      <m:r>
-                        <a:rPr lang="pt-BR" sz="2000" b="0" i="1" smtClean="0">
-                          <a:latin typeface="Cambria Math" panose="02040503050406030204" pitchFamily="18" charset="0"/>
-                        </a:rPr>
-                        <m:t>=1.5</m:t>
-                      </m:r>
-                    </m:oMath>
-                  </m:oMathPara>
-                </a14:m>
-                <a:endParaRPr lang="pt-BR" sz="2000" dirty="0"/>
-              </a:p>
-            </p:txBody>
-          </p:sp>
-        </mc:Choice>
-        <mc:Fallback>
-          <p:sp>
-            <p:nvSpPr>
-              <p:cNvPr id="18" name="CaixaDeTexto 17">
-                <a:extLst>
-                  <a:ext uri="{FF2B5EF4-FFF2-40B4-BE49-F238E27FC236}">
-                    <a16:creationId xmlns:a16="http://schemas.microsoft.com/office/drawing/2014/main" id="{FA05A557-7AB7-A40B-7A50-EB6EBA9FB964}"/>
-                  </a:ext>
-                </a:extLst>
-              </p:cNvPr>
-              <p:cNvSpPr txBox="1">
-                <a:spLocks noRot="1" noChangeAspect="1" noMove="1" noResize="1" noEditPoints="1" noAdjustHandles="1" noChangeArrowheads="1" noChangeShapeType="1" noTextEdit="1"/>
-              </p:cNvSpPr>
-              <p:nvPr/>
-            </p:nvSpPr>
-            <p:spPr>
-              <a:xfrm>
-                <a:off x="142023" y="5308206"/>
-                <a:ext cx="5847810" cy="670568"/>
-              </a:xfrm>
-              <a:prstGeom prst="rect">
-                <a:avLst/>
-              </a:prstGeom>
-              <a:blipFill>
-                <a:blip r:embed="rId3"/>
-                <a:stretch>
-                  <a:fillRect/>
-                </a:stretch>
-              </a:blipFill>
-            </p:spPr>
-            <p:txBody>
-              <a:bodyPr/>
-              <a:lstStyle/>
-              <a:p>
-                <a:r>
-                  <a:rPr lang="pt-BR">
-                    <a:noFill/>
-                  </a:rPr>
-                  <a:t> </a:t>
-                </a:r>
-              </a:p>
-            </p:txBody>
-          </p:sp>
-        </mc:Fallback>
-      </mc:AlternateContent>
-      <p:sp>
-        <p:nvSpPr>
-          <p:cNvPr id="20" name="Elipse 19">
-            <a:extLst>
-              <a:ext uri="{FF2B5EF4-FFF2-40B4-BE49-F238E27FC236}">
-                <a16:creationId xmlns:a16="http://schemas.microsoft.com/office/drawing/2014/main" id="{2AAD787D-9C05-A7F6-E8E3-65DF6731B54C}"/>
-              </a:ext>
-            </a:extLst>
-          </p:cNvPr>
-          <p:cNvSpPr/>
-          <p:nvPr/>
-        </p:nvSpPr>
-        <p:spPr>
-          <a:xfrm>
-            <a:off x="3032194" y="5233235"/>
-            <a:ext cx="531524" cy="441629"/>
-          </a:xfrm>
-          <a:prstGeom prst="ellipse">
-            <a:avLst/>
-          </a:prstGeom>
-          <a:noFill/>
-          <a:ln w="19050">
-            <a:solidFill>
-              <a:srgbClr val="FF0000"/>
-            </a:solidFill>
-          </a:ln>
-        </p:spPr>
-        <p:style>
-          <a:lnRef idx="2">
-            <a:schemeClr val="accent1">
-              <a:shade val="15000"/>
-            </a:schemeClr>
-          </a:lnRef>
-          <a:fillRef idx="1">
-            <a:schemeClr val="accent1"/>
-          </a:fillRef>
-          <a:effectRef idx="0">
-            <a:schemeClr val="accent1"/>
-          </a:effectRef>
-          <a:fontRef idx="minor">
-            <a:schemeClr val="lt1"/>
-          </a:fontRef>
-        </p:style>
-        <p:txBody>
-          <a:bodyPr rtlCol="0" anchor="ctr"/>
-          <a:lstStyle/>
-          <a:p>
-            <a:pPr algn="ctr"/>
-            <a:endParaRPr lang="pt-BR"/>
-          </a:p>
-        </p:txBody>
-      </p:sp>
       <p:sp>
         <p:nvSpPr>
           <p:cNvPr id="21" name="Elipse 20">
@@ -14905,58 +17305,472 @@
           </a:p>
         </p:txBody>
       </p:sp>
-      <p:sp>
-        <p:nvSpPr>
-          <p:cNvPr id="23" name="Elipse 22">
+      <p:grpSp>
+        <p:nvGrpSpPr>
+          <p:cNvPr id="19" name="Agrupar 18">
             <a:extLst>
               <a:ext uri="{FF2B5EF4-FFF2-40B4-BE49-F238E27FC236}">
-                <a16:creationId xmlns:a16="http://schemas.microsoft.com/office/drawing/2014/main" id="{82B32199-B2BC-FA91-4F4B-324430A78F74}"/>
+                <a16:creationId xmlns:a16="http://schemas.microsoft.com/office/drawing/2014/main" id="{49A3BA49-253D-6EBB-43D5-F2D359406770}"/>
               </a:ext>
             </a:extLst>
           </p:cNvPr>
-          <p:cNvSpPr/>
+          <p:cNvGrpSpPr/>
           <p:nvPr/>
-        </p:nvSpPr>
-        <p:spPr>
+        </p:nvGrpSpPr>
+        <p:grpSpPr>
           <a:xfrm>
-            <a:off x="2122522" y="5260881"/>
-            <a:ext cx="531524" cy="441629"/>
+            <a:off x="142023" y="5991267"/>
+            <a:ext cx="5847810" cy="745539"/>
+            <a:chOff x="142023" y="5233235"/>
+            <a:chExt cx="5847810" cy="745539"/>
           </a:xfrm>
-          <a:prstGeom prst="ellipse">
-            <a:avLst/>
-          </a:prstGeom>
-          <a:noFill/>
-          <a:ln w="19050">
-            <a:solidFill>
-              <a:srgbClr val="FF0000"/>
-            </a:solidFill>
-          </a:ln>
-        </p:spPr>
-        <p:style>
-          <a:lnRef idx="2">
-            <a:schemeClr val="accent1">
-              <a:shade val="15000"/>
-            </a:schemeClr>
-          </a:lnRef>
-          <a:fillRef idx="1">
-            <a:schemeClr val="accent1"/>
-          </a:fillRef>
-          <a:effectRef idx="0">
-            <a:schemeClr val="accent1"/>
-          </a:effectRef>
-          <a:fontRef idx="minor">
-            <a:schemeClr val="lt1"/>
-          </a:fontRef>
-        </p:style>
-        <p:txBody>
-          <a:bodyPr rtlCol="0" anchor="ctr"/>
-          <a:lstStyle/>
-          <a:p>
-            <a:pPr algn="ctr"/>
-            <a:endParaRPr lang="pt-BR"/>
-          </a:p>
-        </p:txBody>
-      </p:sp>
+        </p:grpSpPr>
+        <mc:AlternateContent xmlns:mc="http://schemas.openxmlformats.org/markup-compatibility/2006">
+          <mc:Choice xmlns:a14="http://schemas.microsoft.com/office/drawing/2010/main" Requires="a14">
+            <p:sp>
+              <p:nvSpPr>
+                <p:cNvPr id="18" name="CaixaDeTexto 17">
+                  <a:extLst>
+                    <a:ext uri="{FF2B5EF4-FFF2-40B4-BE49-F238E27FC236}">
+                      <a16:creationId xmlns:a16="http://schemas.microsoft.com/office/drawing/2014/main" id="{FA05A557-7AB7-A40B-7A50-EB6EBA9FB964}"/>
+                    </a:ext>
+                  </a:extLst>
+                </p:cNvPr>
+                <p:cNvSpPr txBox="1"/>
+                <p:nvPr/>
+              </p:nvSpPr>
+              <p:spPr>
+                <a:xfrm>
+                  <a:off x="142023" y="5308206"/>
+                  <a:ext cx="5847810" cy="670568"/>
+                </a:xfrm>
+                <a:prstGeom prst="rect">
+                  <a:avLst/>
+                </a:prstGeom>
+                <a:noFill/>
+              </p:spPr>
+              <p:txBody>
+                <a:bodyPr wrap="square" rtlCol="0">
+                  <a:spAutoFit/>
+                </a:bodyPr>
+                <a:lstStyle/>
+                <a:p>
+                  <a:pPr/>
+                  <a14:m>
+                    <m:oMathPara xmlns:m="http://schemas.openxmlformats.org/officeDocument/2006/math">
+                      <m:oMathParaPr>
+                        <m:jc m:val="centerGroup"/>
+                      </m:oMathParaPr>
+                      <m:oMath xmlns:m="http://schemas.openxmlformats.org/officeDocument/2006/math">
+                        <m:r>
+                          <m:rPr>
+                            <m:sty m:val="p"/>
+                          </m:rPr>
+                          <a:rPr lang="pt-BR" sz="2000" b="0" i="0" smtClean="0">
+                            <a:latin typeface="Cambria Math" panose="02040503050406030204" pitchFamily="18" charset="0"/>
+                          </a:rPr>
+                          <m:t>erro</m:t>
+                        </m:r>
+                        <m:r>
+                          <a:rPr lang="pt-BR" sz="2000" b="0" i="0" smtClean="0">
+                            <a:latin typeface="Cambria Math" panose="02040503050406030204" pitchFamily="18" charset="0"/>
+                          </a:rPr>
+                          <m:t> </m:t>
+                        </m:r>
+                        <m:r>
+                          <m:rPr>
+                            <m:sty m:val="p"/>
+                          </m:rPr>
+                          <a:rPr lang="pt-BR" sz="2000" b="0" i="0" smtClean="0">
+                            <a:latin typeface="Cambria Math" panose="02040503050406030204" pitchFamily="18" charset="0"/>
+                          </a:rPr>
+                          <m:t>m</m:t>
+                        </m:r>
+                        <m:r>
+                          <a:rPr lang="pt-BR" sz="2000" b="0" i="0" smtClean="0">
+                            <a:latin typeface="Cambria Math" panose="02040503050406030204" pitchFamily="18" charset="0"/>
+                          </a:rPr>
+                          <m:t>é</m:t>
+                        </m:r>
+                        <m:r>
+                          <m:rPr>
+                            <m:sty m:val="p"/>
+                          </m:rPr>
+                          <a:rPr lang="pt-BR" sz="2000" b="0" i="0" smtClean="0">
+                            <a:latin typeface="Cambria Math" panose="02040503050406030204" pitchFamily="18" charset="0"/>
+                          </a:rPr>
+                          <m:t>dio</m:t>
+                        </m:r>
+                        <m:r>
+                          <a:rPr lang="pt-BR" sz="2000" b="0" i="0" smtClean="0">
+                            <a:latin typeface="Cambria Math" panose="02040503050406030204" pitchFamily="18" charset="0"/>
+                          </a:rPr>
+                          <m:t> </m:t>
+                        </m:r>
+                        <m:r>
+                          <a:rPr lang="pt-BR" sz="2000" b="0" i="1" smtClean="0">
+                            <a:latin typeface="Cambria Math" panose="02040503050406030204" pitchFamily="18" charset="0"/>
+                          </a:rPr>
+                          <m:t>=</m:t>
+                        </m:r>
+                        <m:f>
+                          <m:fPr>
+                            <m:ctrlPr>
+                              <a:rPr lang="pt-BR" sz="2000" b="0" i="1" smtClean="0">
+                                <a:latin typeface="Cambria Math" panose="02040503050406030204" pitchFamily="18" charset="0"/>
+                              </a:rPr>
+                            </m:ctrlPr>
+                          </m:fPr>
+                          <m:num>
+                            <m:r>
+                              <a:rPr lang="pt-BR" sz="2000" i="1">
+                                <a:latin typeface="Cambria Math" panose="02040503050406030204" pitchFamily="18" charset="0"/>
+                              </a:rPr>
+                              <m:t>−1+0+1+2+3+4</m:t>
+                            </m:r>
+                          </m:num>
+                          <m:den>
+                            <m:r>
+                              <a:rPr lang="pt-BR" sz="2000" b="0" i="1" smtClean="0">
+                                <a:latin typeface="Cambria Math" panose="02040503050406030204" pitchFamily="18" charset="0"/>
+                              </a:rPr>
+                              <m:t>6</m:t>
+                            </m:r>
+                          </m:den>
+                        </m:f>
+                        <m:r>
+                          <a:rPr lang="pt-BR" sz="2000" b="0" i="1" smtClean="0">
+                            <a:latin typeface="Cambria Math" panose="02040503050406030204" pitchFamily="18" charset="0"/>
+                          </a:rPr>
+                          <m:t>=1.5</m:t>
+                        </m:r>
+                      </m:oMath>
+                    </m:oMathPara>
+                  </a14:m>
+                  <a:endParaRPr lang="pt-BR" sz="2000" dirty="0"/>
+                </a:p>
+              </p:txBody>
+            </p:sp>
+          </mc:Choice>
+          <mc:Fallback>
+            <p:sp>
+              <p:nvSpPr>
+                <p:cNvPr id="18" name="CaixaDeTexto 17">
+                  <a:extLst>
+                    <a:ext uri="{FF2B5EF4-FFF2-40B4-BE49-F238E27FC236}">
+                      <a16:creationId xmlns:a16="http://schemas.microsoft.com/office/drawing/2014/main" id="{FA05A557-7AB7-A40B-7A50-EB6EBA9FB964}"/>
+                    </a:ext>
+                  </a:extLst>
+                </p:cNvPr>
+                <p:cNvSpPr txBox="1">
+                  <a:spLocks noRot="1" noChangeAspect="1" noMove="1" noResize="1" noEditPoints="1" noAdjustHandles="1" noChangeArrowheads="1" noChangeShapeType="1" noTextEdit="1"/>
+                </p:cNvSpPr>
+                <p:nvPr/>
+              </p:nvSpPr>
+              <p:spPr>
+                <a:xfrm>
+                  <a:off x="142023" y="5308206"/>
+                  <a:ext cx="5847810" cy="670568"/>
+                </a:xfrm>
+                <a:prstGeom prst="rect">
+                  <a:avLst/>
+                </a:prstGeom>
+                <a:blipFill>
+                  <a:blip r:embed="rId3"/>
+                  <a:stretch>
+                    <a:fillRect/>
+                  </a:stretch>
+                </a:blipFill>
+              </p:spPr>
+              <p:txBody>
+                <a:bodyPr/>
+                <a:lstStyle/>
+                <a:p>
+                  <a:r>
+                    <a:rPr lang="pt-BR">
+                      <a:noFill/>
+                    </a:rPr>
+                    <a:t> </a:t>
+                  </a:r>
+                </a:p>
+              </p:txBody>
+            </p:sp>
+          </mc:Fallback>
+        </mc:AlternateContent>
+        <p:sp>
+          <p:nvSpPr>
+            <p:cNvPr id="20" name="Elipse 19">
+              <a:extLst>
+                <a:ext uri="{FF2B5EF4-FFF2-40B4-BE49-F238E27FC236}">
+                  <a16:creationId xmlns:a16="http://schemas.microsoft.com/office/drawing/2014/main" id="{2AAD787D-9C05-A7F6-E8E3-65DF6731B54C}"/>
+                </a:ext>
+              </a:extLst>
+            </p:cNvPr>
+            <p:cNvSpPr/>
+            <p:nvPr/>
+          </p:nvSpPr>
+          <p:spPr>
+            <a:xfrm>
+              <a:off x="3032194" y="5233235"/>
+              <a:ext cx="531524" cy="441629"/>
+            </a:xfrm>
+            <a:prstGeom prst="ellipse">
+              <a:avLst/>
+            </a:prstGeom>
+            <a:noFill/>
+            <a:ln w="19050">
+              <a:solidFill>
+                <a:srgbClr val="FF0000"/>
+              </a:solidFill>
+            </a:ln>
+          </p:spPr>
+          <p:style>
+            <a:lnRef idx="2">
+              <a:schemeClr val="accent1">
+                <a:shade val="15000"/>
+              </a:schemeClr>
+            </a:lnRef>
+            <a:fillRef idx="1">
+              <a:schemeClr val="accent1"/>
+            </a:fillRef>
+            <a:effectRef idx="0">
+              <a:schemeClr val="accent1"/>
+            </a:effectRef>
+            <a:fontRef idx="minor">
+              <a:schemeClr val="lt1"/>
+            </a:fontRef>
+          </p:style>
+          <p:txBody>
+            <a:bodyPr rtlCol="0" anchor="ctr"/>
+            <a:lstStyle/>
+            <a:p>
+              <a:pPr algn="ctr"/>
+              <a:endParaRPr lang="pt-BR"/>
+            </a:p>
+          </p:txBody>
+        </p:sp>
+        <p:sp>
+          <p:nvSpPr>
+            <p:cNvPr id="23" name="Elipse 22">
+              <a:extLst>
+                <a:ext uri="{FF2B5EF4-FFF2-40B4-BE49-F238E27FC236}">
+                  <a16:creationId xmlns:a16="http://schemas.microsoft.com/office/drawing/2014/main" id="{82B32199-B2BC-FA91-4F4B-324430A78F74}"/>
+                </a:ext>
+              </a:extLst>
+            </p:cNvPr>
+            <p:cNvSpPr/>
+            <p:nvPr/>
+          </p:nvSpPr>
+          <p:spPr>
+            <a:xfrm>
+              <a:off x="2122522" y="5260881"/>
+              <a:ext cx="531524" cy="441629"/>
+            </a:xfrm>
+            <a:prstGeom prst="ellipse">
+              <a:avLst/>
+            </a:prstGeom>
+            <a:noFill/>
+            <a:ln w="19050">
+              <a:solidFill>
+                <a:srgbClr val="FF0000"/>
+              </a:solidFill>
+            </a:ln>
+          </p:spPr>
+          <p:style>
+            <a:lnRef idx="2">
+              <a:schemeClr val="accent1">
+                <a:shade val="15000"/>
+              </a:schemeClr>
+            </a:lnRef>
+            <a:fillRef idx="1">
+              <a:schemeClr val="accent1"/>
+            </a:fillRef>
+            <a:effectRef idx="0">
+              <a:schemeClr val="accent1"/>
+            </a:effectRef>
+            <a:fontRef idx="minor">
+              <a:schemeClr val="lt1"/>
+            </a:fontRef>
+          </p:style>
+          <p:txBody>
+            <a:bodyPr rtlCol="0" anchor="ctr"/>
+            <a:lstStyle/>
+            <a:p>
+              <a:pPr algn="ctr"/>
+              <a:endParaRPr lang="pt-BR"/>
+            </a:p>
+          </p:txBody>
+        </p:sp>
+      </p:grpSp>
+      <mc:AlternateContent xmlns:mc="http://schemas.openxmlformats.org/markup-compatibility/2006">
+        <mc:Choice xmlns:a14="http://schemas.microsoft.com/office/drawing/2010/main" Requires="a14">
+          <p:sp>
+            <p:nvSpPr>
+              <p:cNvPr id="24" name="CaixaDeTexto 23">
+                <a:extLst>
+                  <a:ext uri="{FF2B5EF4-FFF2-40B4-BE49-F238E27FC236}">
+                    <a16:creationId xmlns:a16="http://schemas.microsoft.com/office/drawing/2014/main" id="{EB2CBE63-CC5F-A3D8-77A2-7786CDE19147}"/>
+                  </a:ext>
+                </a:extLst>
+              </p:cNvPr>
+              <p:cNvSpPr txBox="1"/>
+              <p:nvPr/>
+            </p:nvSpPr>
+            <p:spPr>
+              <a:xfrm>
+                <a:off x="482885" y="5201072"/>
+                <a:ext cx="5163729" cy="677493"/>
+              </a:xfrm>
+              <a:prstGeom prst="rect">
+                <a:avLst/>
+              </a:prstGeom>
+              <a:noFill/>
+            </p:spPr>
+            <p:txBody>
+              <a:bodyPr wrap="square" rtlCol="0">
+                <a:spAutoFit/>
+              </a:bodyPr>
+              <a:lstStyle/>
+              <a:p>
+                <a:pPr/>
+                <a14:m>
+                  <m:oMathPara xmlns:m="http://schemas.openxmlformats.org/officeDocument/2006/math">
+                    <m:oMathParaPr>
+                      <m:jc m:val="centerGroup"/>
+                    </m:oMathParaPr>
+                    <m:oMath xmlns:m="http://schemas.openxmlformats.org/officeDocument/2006/math">
+                      <m:r>
+                        <m:rPr>
+                          <m:sty m:val="p"/>
+                        </m:rPr>
+                        <a:rPr lang="pt-BR" sz="2000" b="0" i="0" smtClean="0">
+                          <a:latin typeface="Cambria Math" panose="02040503050406030204" pitchFamily="18" charset="0"/>
+                        </a:rPr>
+                        <m:t>erro</m:t>
+                      </m:r>
+                      <m:r>
+                        <a:rPr lang="pt-BR" sz="2000" b="0" i="0" smtClean="0">
+                          <a:latin typeface="Cambria Math" panose="02040503050406030204" pitchFamily="18" charset="0"/>
+                        </a:rPr>
+                        <m:t> </m:t>
+                      </m:r>
+                      <m:r>
+                        <m:rPr>
+                          <m:sty m:val="p"/>
+                        </m:rPr>
+                        <a:rPr lang="pt-BR" sz="2000" b="0" i="0" smtClean="0">
+                          <a:latin typeface="Cambria Math" panose="02040503050406030204" pitchFamily="18" charset="0"/>
+                        </a:rPr>
+                        <m:t>m</m:t>
+                      </m:r>
+                      <m:r>
+                        <a:rPr lang="pt-BR" sz="2000" b="0" i="0" smtClean="0">
+                          <a:latin typeface="Cambria Math" panose="02040503050406030204" pitchFamily="18" charset="0"/>
+                        </a:rPr>
+                        <m:t>é</m:t>
+                      </m:r>
+                      <m:r>
+                        <m:rPr>
+                          <m:sty m:val="p"/>
+                        </m:rPr>
+                        <a:rPr lang="pt-BR" sz="2000" b="0" i="0" smtClean="0">
+                          <a:latin typeface="Cambria Math" panose="02040503050406030204" pitchFamily="18" charset="0"/>
+                        </a:rPr>
+                        <m:t>dio</m:t>
+                      </m:r>
+                      <m:r>
+                        <a:rPr lang="pt-BR" sz="2000" b="0" i="0" smtClean="0">
+                          <a:latin typeface="Cambria Math" panose="02040503050406030204" pitchFamily="18" charset="0"/>
+                        </a:rPr>
+                        <m:t> </m:t>
+                      </m:r>
+                      <m:r>
+                        <a:rPr lang="pt-BR" sz="2000" b="0" i="1" smtClean="0">
+                          <a:latin typeface="Cambria Math" panose="02040503050406030204" pitchFamily="18" charset="0"/>
+                        </a:rPr>
+                        <m:t>=</m:t>
+                      </m:r>
+                      <m:f>
+                        <m:fPr>
+                          <m:ctrlPr>
+                            <a:rPr lang="pt-BR" sz="2000" b="0" i="1" smtClean="0">
+                              <a:latin typeface="Cambria Math" panose="02040503050406030204" pitchFamily="18" charset="0"/>
+                            </a:rPr>
+                          </m:ctrlPr>
+                        </m:fPr>
+                        <m:num>
+                          <m:r>
+                            <m:rPr>
+                              <m:sty m:val="p"/>
+                            </m:rPr>
+                            <a:rPr lang="pt-BR" sz="2000" b="0" i="0" smtClean="0">
+                              <a:latin typeface="Cambria Math" panose="02040503050406030204" pitchFamily="18" charset="0"/>
+                            </a:rPr>
+                            <m:t>diff</m:t>
+                          </m:r>
+                        </m:num>
+                        <m:den>
+                          <m:r>
+                            <a:rPr lang="pt-BR" sz="2000" b="0" i="1" smtClean="0">
+                              <a:latin typeface="Cambria Math" panose="02040503050406030204" pitchFamily="18" charset="0"/>
+                            </a:rPr>
+                            <m:t>6</m:t>
+                          </m:r>
+                        </m:den>
+                      </m:f>
+                    </m:oMath>
+                  </m:oMathPara>
+                </a14:m>
+                <a:endParaRPr lang="pt-BR" sz="2000" dirty="0"/>
+              </a:p>
+            </p:txBody>
+          </p:sp>
+        </mc:Choice>
+        <mc:Fallback>
+          <p:sp>
+            <p:nvSpPr>
+              <p:cNvPr id="24" name="CaixaDeTexto 23">
+                <a:extLst>
+                  <a:ext uri="{FF2B5EF4-FFF2-40B4-BE49-F238E27FC236}">
+                    <a16:creationId xmlns:a16="http://schemas.microsoft.com/office/drawing/2014/main" id="{EB2CBE63-CC5F-A3D8-77A2-7786CDE19147}"/>
+                  </a:ext>
+                </a:extLst>
+              </p:cNvPr>
+              <p:cNvSpPr txBox="1">
+                <a:spLocks noRot="1" noChangeAspect="1" noMove="1" noResize="1" noEditPoints="1" noAdjustHandles="1" noChangeArrowheads="1" noChangeShapeType="1" noTextEdit="1"/>
+              </p:cNvSpPr>
+              <p:nvPr/>
+            </p:nvSpPr>
+            <p:spPr>
+              <a:xfrm>
+                <a:off x="482885" y="5201072"/>
+                <a:ext cx="5163729" cy="677493"/>
+              </a:xfrm>
+              <a:prstGeom prst="rect">
+                <a:avLst/>
+              </a:prstGeom>
+              <a:blipFill>
+                <a:blip r:embed="rId4"/>
+                <a:stretch>
+                  <a:fillRect/>
+                </a:stretch>
+              </a:blipFill>
+            </p:spPr>
+            <p:txBody>
+              <a:bodyPr/>
+              <a:lstStyle/>
+              <a:p>
+                <a:r>
+                  <a:rPr lang="pt-BR">
+                    <a:noFill/>
+                  </a:rPr>
+                  <a:t> </a:t>
+                </a:r>
+              </a:p>
+            </p:txBody>
+          </p:sp>
+        </mc:Fallback>
+      </mc:AlternateContent>
     </p:spTree>
     <p:extLst>
       <p:ext uri="{BB962C8B-B14F-4D97-AF65-F5344CB8AC3E}">

--- a/slides/TP557_5_Medindo_a_precisão_de_um_modelo_de_ML.pptx
+++ b/slides/TP557_5_Medindo_a_precisão_de_um_modelo_de_ML.pptx
@@ -5,10 +5,10 @@
     <p:sldMasterId id="2147483648" r:id="rId1"/>
   </p:sldMasterIdLst>
   <p:notesMasterIdLst>
-    <p:notesMasterId r:id="rId22"/>
+    <p:notesMasterId r:id="rId25"/>
   </p:notesMasterIdLst>
   <p:handoutMasterIdLst>
-    <p:handoutMasterId r:id="rId23"/>
+    <p:handoutMasterId r:id="rId26"/>
   </p:handoutMasterIdLst>
   <p:sldIdLst>
     <p:sldId id="256" r:id="rId2"/>
@@ -24,13 +24,16 @@
     <p:sldId id="428" r:id="rId12"/>
     <p:sldId id="432" r:id="rId13"/>
     <p:sldId id="433" r:id="rId14"/>
-    <p:sldId id="434" r:id="rId15"/>
-    <p:sldId id="429" r:id="rId16"/>
-    <p:sldId id="431" r:id="rId17"/>
-    <p:sldId id="405" r:id="rId18"/>
-    <p:sldId id="293" r:id="rId19"/>
-    <p:sldId id="306" r:id="rId20"/>
-    <p:sldId id="430" r:id="rId21"/>
+    <p:sldId id="436" r:id="rId15"/>
+    <p:sldId id="435" r:id="rId16"/>
+    <p:sldId id="437" r:id="rId17"/>
+    <p:sldId id="434" r:id="rId18"/>
+    <p:sldId id="429" r:id="rId19"/>
+    <p:sldId id="431" r:id="rId20"/>
+    <p:sldId id="405" r:id="rId21"/>
+    <p:sldId id="293" r:id="rId22"/>
+    <p:sldId id="306" r:id="rId23"/>
+    <p:sldId id="430" r:id="rId24"/>
   </p:sldIdLst>
   <p:sldSz cx="12192000" cy="6858000"/>
   <p:notesSz cx="7315200" cy="9601200"/>
@@ -294,7 +297,7 @@
           <a:p>
             <a:fld id="{144F1436-6906-4D93-B7A2-786C327BFA14}" type="datetimeFigureOut">
               <a:rPr lang="nl-BE" smtClean="0"/>
-              <a:t>28/07/2023</a:t>
+              <a:t>29/07/2023</a:t>
             </a:fld>
             <a:endParaRPr lang="nl-BE"/>
           </a:p>
@@ -459,7 +462,7 @@
           <a:p>
             <a:fld id="{AA8CD09E-2914-4F47-B6C1-51B2C31814C9}" type="datetimeFigureOut">
               <a:rPr lang="pt-BR" smtClean="0"/>
-              <a:t>28/07/2023</a:t>
+              <a:t>29/07/2023</a:t>
             </a:fld>
             <a:endParaRPr lang="pt-BR"/>
           </a:p>
@@ -894,6 +897,90 @@
 </p:notes>
 </file>
 
+<file path=ppt/notesSlides/notesSlide3.xml><?xml version="1.0" encoding="utf-8"?>
+<p:notes xmlns:a="http://schemas.openxmlformats.org/drawingml/2006/main" xmlns:r="http://schemas.openxmlformats.org/officeDocument/2006/relationships" xmlns:p="http://schemas.openxmlformats.org/presentationml/2006/main">
+  <p:cSld>
+    <p:spTree>
+      <p:nvGrpSpPr>
+        <p:cNvPr id="1" name=""/>
+        <p:cNvGrpSpPr/>
+        <p:nvPr/>
+      </p:nvGrpSpPr>
+      <p:grpSpPr>
+        <a:xfrm>
+          <a:off x="0" y="0"/>
+          <a:ext cx="0" cy="0"/>
+          <a:chOff x="0" y="0"/>
+          <a:chExt cx="0" cy="0"/>
+        </a:xfrm>
+      </p:grpSpPr>
+      <p:sp>
+        <p:nvSpPr>
+          <p:cNvPr id="2" name="Espaço Reservado para Imagem de Slide 1"/>
+          <p:cNvSpPr>
+            <a:spLocks noGrp="1" noRot="1" noChangeAspect="1"/>
+          </p:cNvSpPr>
+          <p:nvPr>
+            <p:ph type="sldImg"/>
+          </p:nvPr>
+        </p:nvSpPr>
+        <p:spPr/>
+      </p:sp>
+      <p:sp>
+        <p:nvSpPr>
+          <p:cNvPr id="3" name="Espaço Reservado para Anotações 2"/>
+          <p:cNvSpPr>
+            <a:spLocks noGrp="1"/>
+          </p:cNvSpPr>
+          <p:nvPr>
+            <p:ph type="body" idx="1"/>
+          </p:nvPr>
+        </p:nvSpPr>
+        <p:spPr/>
+        <p:txBody>
+          <a:bodyPr/>
+          <a:lstStyle/>
+          <a:p>
+            <a:endParaRPr lang="pt-BR" dirty="0"/>
+          </a:p>
+        </p:txBody>
+      </p:sp>
+      <p:sp>
+        <p:nvSpPr>
+          <p:cNvPr id="4" name="Espaço Reservado para Número de Slide 3"/>
+          <p:cNvSpPr>
+            <a:spLocks noGrp="1"/>
+          </p:cNvSpPr>
+          <p:nvPr>
+            <p:ph type="sldNum" sz="quarter" idx="5"/>
+          </p:nvPr>
+        </p:nvSpPr>
+        <p:spPr/>
+        <p:txBody>
+          <a:bodyPr/>
+          <a:lstStyle/>
+          <a:p>
+            <a:fld id="{6FC8D850-966F-45A6-8DE7-15B891E7D40D}" type="slidenum">
+              <a:rPr lang="pt-BR" smtClean="0"/>
+              <a:t>18</a:t>
+            </a:fld>
+            <a:endParaRPr lang="pt-BR"/>
+          </a:p>
+        </p:txBody>
+      </p:sp>
+    </p:spTree>
+    <p:extLst>
+      <p:ext uri="{BB962C8B-B14F-4D97-AF65-F5344CB8AC3E}">
+        <p14:creationId xmlns:p14="http://schemas.microsoft.com/office/powerpoint/2010/main" val="3377004942"/>
+      </p:ext>
+    </p:extLst>
+  </p:cSld>
+  <p:clrMapOvr>
+    <a:masterClrMapping/>
+  </p:clrMapOvr>
+</p:notes>
+</file>
+
 <file path=ppt/slideLayouts/slideLayout1.xml><?xml version="1.0" encoding="utf-8"?>
 <p:sldLayout xmlns:a="http://schemas.openxmlformats.org/drawingml/2006/main" xmlns:r="http://schemas.openxmlformats.org/officeDocument/2006/relationships" xmlns:p="http://schemas.openxmlformats.org/presentationml/2006/main" type="title" preserve="1">
   <p:cSld name="Slide de Título">
@@ -1041,7 +1128,7 @@
           <a:p>
             <a:fld id="{63289F7E-B80B-496E-81B4-D396C37C9454}" type="datetimeFigureOut">
               <a:rPr lang="pt-BR" smtClean="0"/>
-              <a:t>28/07/2023</a:t>
+              <a:t>29/07/2023</a:t>
             </a:fld>
             <a:endParaRPr lang="pt-BR"/>
           </a:p>
@@ -1239,7 +1326,7 @@
           <a:p>
             <a:fld id="{63289F7E-B80B-496E-81B4-D396C37C9454}" type="datetimeFigureOut">
               <a:rPr lang="pt-BR" smtClean="0"/>
-              <a:t>28/07/2023</a:t>
+              <a:t>29/07/2023</a:t>
             </a:fld>
             <a:endParaRPr lang="pt-BR"/>
           </a:p>
@@ -1447,7 +1534,7 @@
           <a:p>
             <a:fld id="{63289F7E-B80B-496E-81B4-D396C37C9454}" type="datetimeFigureOut">
               <a:rPr lang="pt-BR" smtClean="0"/>
-              <a:t>28/07/2023</a:t>
+              <a:t>29/07/2023</a:t>
             </a:fld>
             <a:endParaRPr lang="pt-BR"/>
           </a:p>
@@ -1645,7 +1732,7 @@
           <a:p>
             <a:fld id="{63289F7E-B80B-496E-81B4-D396C37C9454}" type="datetimeFigureOut">
               <a:rPr lang="pt-BR" smtClean="0"/>
-              <a:t>28/07/2023</a:t>
+              <a:t>29/07/2023</a:t>
             </a:fld>
             <a:endParaRPr lang="pt-BR"/>
           </a:p>
@@ -1920,7 +2007,7 @@
           <a:p>
             <a:fld id="{63289F7E-B80B-496E-81B4-D396C37C9454}" type="datetimeFigureOut">
               <a:rPr lang="pt-BR" smtClean="0"/>
-              <a:t>28/07/2023</a:t>
+              <a:t>29/07/2023</a:t>
             </a:fld>
             <a:endParaRPr lang="pt-BR"/>
           </a:p>
@@ -2185,7 +2272,7 @@
           <a:p>
             <a:fld id="{63289F7E-B80B-496E-81B4-D396C37C9454}" type="datetimeFigureOut">
               <a:rPr lang="pt-BR" smtClean="0"/>
-              <a:t>28/07/2023</a:t>
+              <a:t>29/07/2023</a:t>
             </a:fld>
             <a:endParaRPr lang="pt-BR"/>
           </a:p>
@@ -2597,7 +2684,7 @@
           <a:p>
             <a:fld id="{63289F7E-B80B-496E-81B4-D396C37C9454}" type="datetimeFigureOut">
               <a:rPr lang="pt-BR" smtClean="0"/>
-              <a:t>28/07/2023</a:t>
+              <a:t>29/07/2023</a:t>
             </a:fld>
             <a:endParaRPr lang="pt-BR"/>
           </a:p>
@@ -2738,7 +2825,7 @@
           <a:p>
             <a:fld id="{63289F7E-B80B-496E-81B4-D396C37C9454}" type="datetimeFigureOut">
               <a:rPr lang="pt-BR" smtClean="0"/>
-              <a:t>28/07/2023</a:t>
+              <a:t>29/07/2023</a:t>
             </a:fld>
             <a:endParaRPr lang="pt-BR"/>
           </a:p>
@@ -2851,7 +2938,7 @@
           <a:p>
             <a:fld id="{63289F7E-B80B-496E-81B4-D396C37C9454}" type="datetimeFigureOut">
               <a:rPr lang="pt-BR" smtClean="0"/>
-              <a:t>28/07/2023</a:t>
+              <a:t>29/07/2023</a:t>
             </a:fld>
             <a:endParaRPr lang="pt-BR"/>
           </a:p>
@@ -3162,7 +3249,7 @@
           <a:p>
             <a:fld id="{63289F7E-B80B-496E-81B4-D396C37C9454}" type="datetimeFigureOut">
               <a:rPr lang="pt-BR" smtClean="0"/>
-              <a:t>28/07/2023</a:t>
+              <a:t>29/07/2023</a:t>
             </a:fld>
             <a:endParaRPr lang="pt-BR"/>
           </a:p>
@@ -3450,7 +3537,7 @@
           <a:p>
             <a:fld id="{63289F7E-B80B-496E-81B4-D396C37C9454}" type="datetimeFigureOut">
               <a:rPr lang="pt-BR" smtClean="0"/>
-              <a:t>28/07/2023</a:t>
+              <a:t>29/07/2023</a:t>
             </a:fld>
             <a:endParaRPr lang="pt-BR"/>
           </a:p>
@@ -3691,7 +3778,7 @@
           <a:p>
             <a:fld id="{63289F7E-B80B-496E-81B4-D396C37C9454}" type="datetimeFigureOut">
               <a:rPr lang="pt-BR" smtClean="0"/>
-              <a:t>28/07/2023</a:t>
+              <a:t>29/07/2023</a:t>
             </a:fld>
             <a:endParaRPr lang="pt-BR"/>
           </a:p>
@@ -4453,8 +4540,8 @@
           </a:p>
         </p:txBody>
       </p:sp>
-      <mc:AlternateContent xmlns:mc="http://schemas.openxmlformats.org/markup-compatibility/2006">
-        <mc:Choice xmlns:a14="http://schemas.microsoft.com/office/drawing/2010/main" Requires="a14">
+      <mc:AlternateContent xmlns:mc="http://schemas.openxmlformats.org/markup-compatibility/2006" xmlns:a14="http://schemas.microsoft.com/office/drawing/2010/main">
+        <mc:Choice Requires="a14">
           <p:sp>
             <p:nvSpPr>
               <p:cNvPr id="18" name="CaixaDeTexto 17">
@@ -4550,7 +4637,7 @@
             </p:txBody>
           </p:sp>
         </mc:Choice>
-        <mc:Fallback>
+        <mc:Fallback xmlns="">
           <p:sp>
             <p:nvSpPr>
               <p:cNvPr id="18" name="CaixaDeTexto 17">
@@ -5338,8 +5425,8 @@
           </p:txBody>
         </p:sp>
       </p:grpSp>
-      <mc:AlternateContent xmlns:mc="http://schemas.openxmlformats.org/markup-compatibility/2006">
-        <mc:Choice xmlns:a14="http://schemas.microsoft.com/office/drawing/2010/main" Requires="a14">
+      <mc:AlternateContent xmlns:mc="http://schemas.openxmlformats.org/markup-compatibility/2006" xmlns:a14="http://schemas.microsoft.com/office/drawing/2010/main">
+        <mc:Choice Requires="a14">
           <p:sp>
             <p:nvSpPr>
               <p:cNvPr id="26" name="CaixaDeTexto 25">
@@ -5526,7 +5613,7 @@
             </p:txBody>
           </p:sp>
         </mc:Choice>
-        <mc:Fallback>
+        <mc:Fallback xmlns="">
           <p:sp>
             <p:nvSpPr>
               <p:cNvPr id="26" name="CaixaDeTexto 25">
@@ -6065,8 +6152,8 @@
           </p:sp>
         </mc:Fallback>
       </mc:AlternateContent>
-      <mc:AlternateContent xmlns:mc="http://schemas.openxmlformats.org/markup-compatibility/2006">
-        <mc:Choice xmlns:a14="http://schemas.microsoft.com/office/drawing/2010/main" Requires="a14">
+      <mc:AlternateContent xmlns:mc="http://schemas.openxmlformats.org/markup-compatibility/2006" xmlns:a14="http://schemas.microsoft.com/office/drawing/2010/main">
+        <mc:Choice Requires="a14">
           <p:sp>
             <p:nvSpPr>
               <p:cNvPr id="11" name="CaixaDeTexto 10">
@@ -6254,7 +6341,7 @@
             </p:txBody>
           </p:sp>
         </mc:Choice>
-        <mc:Fallback>
+        <mc:Fallback xmlns="">
           <p:sp>
             <p:nvSpPr>
               <p:cNvPr id="11" name="CaixaDeTexto 10">
@@ -7175,8 +7262,8 @@
           </a:prstGeom>
         </p:spPr>
       </p:pic>
-      <mc:AlternateContent xmlns:mc="http://schemas.openxmlformats.org/markup-compatibility/2006">
-        <mc:Choice xmlns:a14="http://schemas.microsoft.com/office/drawing/2010/main" Requires="a14">
+      <mc:AlternateContent xmlns:mc="http://schemas.openxmlformats.org/markup-compatibility/2006" xmlns:a14="http://schemas.microsoft.com/office/drawing/2010/main">
+        <mc:Choice Requires="a14">
           <p:sp>
             <p:nvSpPr>
               <p:cNvPr id="6" name="CaixaDeTexto 5">
@@ -7302,7 +7389,7 @@
             </p:txBody>
           </p:sp>
         </mc:Choice>
-        <mc:Fallback>
+        <mc:Fallback xmlns="">
           <p:sp>
             <p:nvSpPr>
               <p:cNvPr id="6" name="CaixaDeTexto 5">
@@ -7452,8 +7539,8 @@
           </a:p>
         </p:txBody>
       </p:sp>
-      <mc:AlternateContent xmlns:mc="http://schemas.openxmlformats.org/markup-compatibility/2006">
-        <mc:Choice xmlns:a14="http://schemas.microsoft.com/office/drawing/2010/main" Requires="a14">
+      <mc:AlternateContent xmlns:mc="http://schemas.openxmlformats.org/markup-compatibility/2006" xmlns:a14="http://schemas.microsoft.com/office/drawing/2010/main">
+        <mc:Choice Requires="a14">
           <p:sp>
             <p:nvSpPr>
               <p:cNvPr id="3" name="Espaço Reservado para Conteúdo 2">
@@ -7555,7 +7642,7 @@
             </p:txBody>
           </p:sp>
         </mc:Choice>
-        <mc:Fallback>
+        <mc:Fallback xmlns="">
           <p:sp>
             <p:nvSpPr>
               <p:cNvPr id="3" name="Espaço Reservado para Conteúdo 2">
@@ -8537,8 +8624,8 @@
           </a:extLst>
         </p:spPr>
       </p:pic>
-      <mc:AlternateContent xmlns:mc="http://schemas.openxmlformats.org/markup-compatibility/2006">
-        <mc:Choice xmlns:a14="http://schemas.microsoft.com/office/drawing/2010/main" Requires="a14">
+      <mc:AlternateContent xmlns:mc="http://schemas.openxmlformats.org/markup-compatibility/2006" xmlns:a14="http://schemas.microsoft.com/office/drawing/2010/main">
+        <mc:Choice Requires="a14">
           <p:sp>
             <p:nvSpPr>
               <p:cNvPr id="16" name="CaixaDeTexto 15">
@@ -8688,7 +8775,7 @@
             </p:txBody>
           </p:sp>
         </mc:Choice>
-        <mc:Fallback>
+        <mc:Fallback xmlns="">
           <p:sp>
             <p:nvSpPr>
               <p:cNvPr id="16" name="CaixaDeTexto 15">
@@ -8784,7 +8871,2960 @@
           <a:bodyPr/>
           <a:lstStyle/>
           <a:p>
+            <a:r>
+              <a:rPr lang="pt-BR" dirty="0"/>
+              <a:t>Otimização (treinamento) do modelo</a:t>
+            </a:r>
+          </a:p>
+        </p:txBody>
+      </p:sp>
+      <p:sp>
+        <p:nvSpPr>
+          <p:cNvPr id="3" name="Espaço Reservado para Conteúdo 2">
+            <a:extLst>
+              <a:ext uri="{FF2B5EF4-FFF2-40B4-BE49-F238E27FC236}">
+                <a16:creationId xmlns:a16="http://schemas.microsoft.com/office/drawing/2014/main" id="{9BA6276C-11C7-FBDF-9CC4-A84A195D7527}"/>
+              </a:ext>
+            </a:extLst>
+          </p:cNvPr>
+          <p:cNvSpPr>
+            <a:spLocks noGrp="1"/>
+          </p:cNvSpPr>
+          <p:nvPr>
+            <p:ph idx="1"/>
+          </p:nvPr>
+        </p:nvSpPr>
+        <p:spPr>
+          <a:xfrm>
+            <a:off x="5517197" y="2260315"/>
+            <a:ext cx="6458904" cy="4597685"/>
+          </a:xfrm>
+        </p:spPr>
+        <p:txBody>
+          <a:bodyPr>
+            <a:normAutofit lnSpcReduction="10000"/>
+          </a:bodyPr>
+          <a:lstStyle/>
+          <a:p>
+            <a:r>
+              <a:rPr lang="pt-BR" dirty="0"/>
+              <a:t>O problema que vimos neste tópico é conhecido como </a:t>
+            </a:r>
+            <a:r>
+              <a:rPr lang="pt-BR" b="1" i="1" dirty="0"/>
+              <a:t>regressão</a:t>
+            </a:r>
+            <a:r>
+              <a:rPr lang="pt-BR" dirty="0"/>
+              <a:t> ou </a:t>
+            </a:r>
+            <a:r>
+              <a:rPr lang="pt-BR" b="1" i="1" dirty="0"/>
+              <a:t>aproximação de funções</a:t>
+            </a:r>
+            <a:r>
+              <a:rPr lang="pt-BR" dirty="0"/>
+              <a:t>.</a:t>
+            </a:r>
+          </a:p>
+          <a:p>
+            <a:r>
+              <a:rPr lang="pt-BR" dirty="0"/>
+              <a:t>Nele, a reta que definimos como função hipótese é o </a:t>
+            </a:r>
+            <a:r>
+              <a:rPr lang="pt-BR" b="1" i="1" dirty="0">
+                <a:solidFill>
+                  <a:srgbClr val="00B050"/>
+                </a:solidFill>
+              </a:rPr>
+              <a:t>modelo de ML </a:t>
+            </a:r>
+            <a:r>
+              <a:rPr lang="pt-BR" dirty="0"/>
+              <a:t>e nosso </a:t>
+            </a:r>
+            <a:r>
+              <a:rPr lang="pt-BR" b="1" i="1" dirty="0"/>
+              <a:t>objetivo é encontrar os parâmetros (ou pesos) que minimizem a função de erro</a:t>
+            </a:r>
+            <a:r>
+              <a:rPr lang="pt-BR" dirty="0"/>
+              <a:t>.</a:t>
+            </a:r>
+          </a:p>
+          <a:p>
+            <a:r>
+              <a:rPr lang="pt-BR" b="1" dirty="0"/>
+              <a:t>OBS</a:t>
+            </a:r>
+            <a:r>
+              <a:rPr lang="pt-BR" dirty="0"/>
+              <a:t>.: Nesse exemplo, foi fácil identificar a equação (ou formato) da função hipótese, mas em outros casos, além dos pesos, temos que descobrir o formato da função.</a:t>
+            </a:r>
+          </a:p>
+        </p:txBody>
+      </p:sp>
+      <p:grpSp>
+        <p:nvGrpSpPr>
+          <p:cNvPr id="35" name="Agrupar 34">
+            <a:extLst>
+              <a:ext uri="{FF2B5EF4-FFF2-40B4-BE49-F238E27FC236}">
+                <a16:creationId xmlns:a16="http://schemas.microsoft.com/office/drawing/2014/main" id="{A9782521-FE16-7376-22C4-2B622220EFB1}"/>
+              </a:ext>
+            </a:extLst>
+          </p:cNvPr>
+          <p:cNvGrpSpPr/>
+          <p:nvPr/>
+        </p:nvGrpSpPr>
+        <p:grpSpPr>
+          <a:xfrm>
+            <a:off x="368183" y="2748863"/>
+            <a:ext cx="4838818" cy="3031571"/>
+            <a:chOff x="1320613" y="2558363"/>
+            <a:chExt cx="4838818" cy="3031571"/>
+          </a:xfrm>
+        </p:grpSpPr>
+        <p:grpSp>
+          <p:nvGrpSpPr>
+            <p:cNvPr id="4" name="Agrupar 3">
+              <a:extLst>
+                <a:ext uri="{FF2B5EF4-FFF2-40B4-BE49-F238E27FC236}">
+                  <a16:creationId xmlns:a16="http://schemas.microsoft.com/office/drawing/2014/main" id="{7043207C-E08F-0373-D6FF-F0C502F36306}"/>
+                </a:ext>
+              </a:extLst>
+            </p:cNvPr>
+            <p:cNvGrpSpPr/>
+            <p:nvPr/>
+          </p:nvGrpSpPr>
+          <p:grpSpPr>
+            <a:xfrm>
+              <a:off x="1320613" y="2558363"/>
+              <a:ext cx="4838818" cy="3031571"/>
+              <a:chOff x="3440214" y="2034381"/>
+              <a:chExt cx="4838818" cy="3031571"/>
+            </a:xfrm>
+          </p:grpSpPr>
+          <p:cxnSp>
+            <p:nvCxnSpPr>
+              <p:cNvPr id="6" name="Straight Arrow Connector 14">
+                <a:extLst>
+                  <a:ext uri="{FF2B5EF4-FFF2-40B4-BE49-F238E27FC236}">
+                    <a16:creationId xmlns:a16="http://schemas.microsoft.com/office/drawing/2014/main" id="{F238EB8B-055A-9659-C6C7-E8D6D2401278}"/>
+                  </a:ext>
+                </a:extLst>
+              </p:cNvPr>
+              <p:cNvCxnSpPr>
+                <a:cxnSpLocks/>
+              </p:cNvCxnSpPr>
+              <p:nvPr/>
+            </p:nvCxnSpPr>
+            <p:spPr>
+              <a:xfrm>
+                <a:off x="4176814" y="3127539"/>
+                <a:ext cx="288000" cy="0"/>
+              </a:xfrm>
+              <a:prstGeom prst="straightConnector1">
+                <a:avLst/>
+              </a:prstGeom>
+              <a:ln w="19050">
+                <a:tailEnd type="triangle"/>
+              </a:ln>
+            </p:spPr>
+            <p:style>
+              <a:lnRef idx="1">
+                <a:schemeClr val="accent1"/>
+              </a:lnRef>
+              <a:fillRef idx="0">
+                <a:schemeClr val="accent1"/>
+              </a:fillRef>
+              <a:effectRef idx="0">
+                <a:schemeClr val="accent1"/>
+              </a:effectRef>
+              <a:fontRef idx="minor">
+                <a:schemeClr val="tx1"/>
+              </a:fontRef>
+            </p:style>
+          </p:cxnSp>
+          <p:cxnSp>
+            <p:nvCxnSpPr>
+              <p:cNvPr id="7" name="Straight Arrow Connector 14">
+                <a:extLst>
+                  <a:ext uri="{FF2B5EF4-FFF2-40B4-BE49-F238E27FC236}">
+                    <a16:creationId xmlns:a16="http://schemas.microsoft.com/office/drawing/2014/main" id="{10811772-B5E2-C96E-FC88-09170CBCFB66}"/>
+                  </a:ext>
+                </a:extLst>
+              </p:cNvPr>
+              <p:cNvCxnSpPr>
+                <a:cxnSpLocks/>
+                <a:stCxn id="20" idx="3"/>
+                <a:endCxn id="8" idx="1"/>
+              </p:cNvCxnSpPr>
+              <p:nvPr/>
+            </p:nvCxnSpPr>
+            <p:spPr>
+              <a:xfrm flipV="1">
+                <a:off x="5962659" y="3098836"/>
+                <a:ext cx="704875" cy="1168"/>
+              </a:xfrm>
+              <a:prstGeom prst="straightConnector1">
+                <a:avLst/>
+              </a:prstGeom>
+              <a:ln w="19050">
+                <a:tailEnd type="triangle"/>
+              </a:ln>
+            </p:spPr>
+            <p:style>
+              <a:lnRef idx="1">
+                <a:schemeClr val="accent1"/>
+              </a:lnRef>
+              <a:fillRef idx="0">
+                <a:schemeClr val="accent1"/>
+              </a:fillRef>
+              <a:effectRef idx="0">
+                <a:schemeClr val="accent1"/>
+              </a:effectRef>
+              <a:fontRef idx="minor">
+                <a:schemeClr val="tx1"/>
+              </a:fontRef>
+            </p:style>
+          </p:cxnSp>
+          <p:sp>
+            <p:nvSpPr>
+              <p:cNvPr id="8" name="Rectangle 12">
+                <a:extLst>
+                  <a:ext uri="{FF2B5EF4-FFF2-40B4-BE49-F238E27FC236}">
+                    <a16:creationId xmlns:a16="http://schemas.microsoft.com/office/drawing/2014/main" id="{1B0D0AE8-BDC0-49CC-107A-ED44A46639BD}"/>
+                  </a:ext>
+                </a:extLst>
+              </p:cNvPr>
+              <p:cNvSpPr/>
+              <p:nvPr/>
+            </p:nvSpPr>
+            <p:spPr>
+              <a:xfrm>
+                <a:off x="6667534" y="2663590"/>
+                <a:ext cx="1216818" cy="870491"/>
+              </a:xfrm>
+              <a:prstGeom prst="rect">
+                <a:avLst/>
+              </a:prstGeom>
+              <a:noFill/>
+              <a:ln>
+                <a:solidFill>
+                  <a:schemeClr val="tx1"/>
+                </a:solidFill>
+              </a:ln>
+            </p:spPr>
+            <p:style>
+              <a:lnRef idx="2">
+                <a:schemeClr val="accent1">
+                  <a:shade val="50000"/>
+                </a:schemeClr>
+              </a:lnRef>
+              <a:fillRef idx="1">
+                <a:schemeClr val="accent1"/>
+              </a:fillRef>
+              <a:effectRef idx="0">
+                <a:schemeClr val="accent1"/>
+              </a:effectRef>
+              <a:fontRef idx="minor">
+                <a:schemeClr val="lt1"/>
+              </a:fontRef>
+            </p:style>
+            <p:txBody>
+              <a:bodyPr rtlCol="0" anchor="ctr"/>
+              <a:lstStyle/>
+              <a:p>
+                <a:pPr algn="ctr"/>
+                <a:r>
+                  <a:rPr lang="pt-BR" dirty="0">
+                    <a:solidFill>
+                      <a:schemeClr val="tx1"/>
+                    </a:solidFill>
+                  </a:rPr>
+                  <a:t>Função de erro</a:t>
+                </a:r>
+              </a:p>
+            </p:txBody>
+          </p:sp>
+          <mc:AlternateContent xmlns:mc="http://schemas.openxmlformats.org/markup-compatibility/2006" xmlns:a14="http://schemas.microsoft.com/office/drawing/2010/main">
+            <mc:Choice Requires="a14">
+              <p:sp>
+                <p:nvSpPr>
+                  <p:cNvPr id="9" name="CaixaDeTexto 8">
+                    <a:extLst>
+                      <a:ext uri="{FF2B5EF4-FFF2-40B4-BE49-F238E27FC236}">
+                        <a16:creationId xmlns:a16="http://schemas.microsoft.com/office/drawing/2014/main" id="{949F9987-4ABF-C340-D042-BBC34574BF4C}"/>
+                      </a:ext>
+                    </a:extLst>
+                  </p:cNvPr>
+                  <p:cNvSpPr txBox="1"/>
+                  <p:nvPr/>
+                </p:nvSpPr>
+                <p:spPr>
+                  <a:xfrm flipH="1">
+                    <a:off x="3719614" y="2818318"/>
+                    <a:ext cx="467999" cy="461665"/>
+                  </a:xfrm>
+                  <a:prstGeom prst="rect">
+                    <a:avLst/>
+                  </a:prstGeom>
+                  <a:noFill/>
+                </p:spPr>
+                <p:txBody>
+                  <a:bodyPr wrap="square">
+                    <a:spAutoFit/>
+                  </a:bodyPr>
+                  <a:lstStyle/>
+                  <a:p>
+                    <a:pPr/>
+                    <a14:m>
+                      <m:oMathPara xmlns:m="http://schemas.openxmlformats.org/officeDocument/2006/math">
+                        <m:oMathParaPr>
+                          <m:jc m:val="center"/>
+                        </m:oMathParaPr>
+                        <m:oMath xmlns:m="http://schemas.openxmlformats.org/officeDocument/2006/math">
+                          <m:r>
+                            <a:rPr lang="pt-BR" sz="2400" i="1" smtClean="0">
+                              <a:latin typeface="Cambria Math" panose="02040503050406030204" pitchFamily="18" charset="0"/>
+                            </a:rPr>
+                            <m:t>𝑥</m:t>
+                          </m:r>
+                        </m:oMath>
+                      </m:oMathPara>
+                    </a14:m>
+                    <a:endParaRPr lang="pt-BR" sz="2400" dirty="0"/>
+                  </a:p>
+                </p:txBody>
+              </p:sp>
+            </mc:Choice>
+            <mc:Fallback xmlns="">
+              <p:sp>
+                <p:nvSpPr>
+                  <p:cNvPr id="9" name="CaixaDeTexto 8">
+                    <a:extLst>
+                      <a:ext uri="{FF2B5EF4-FFF2-40B4-BE49-F238E27FC236}">
+                        <a16:creationId xmlns:a16="http://schemas.microsoft.com/office/drawing/2014/main" id="{DA4ABC62-C35B-9FE0-837A-4791504D8B0C}"/>
+                      </a:ext>
+                    </a:extLst>
+                  </p:cNvPr>
+                  <p:cNvSpPr txBox="1">
+                    <a:spLocks noRot="1" noChangeAspect="1" noMove="1" noResize="1" noEditPoints="1" noAdjustHandles="1" noChangeArrowheads="1" noChangeShapeType="1" noTextEdit="1"/>
+                  </p:cNvSpPr>
+                  <p:nvPr/>
+                </p:nvSpPr>
+                <p:spPr>
+                  <a:xfrm flipH="1">
+                    <a:off x="3719614" y="2818318"/>
+                    <a:ext cx="467999" cy="461665"/>
+                  </a:xfrm>
+                  <a:prstGeom prst="rect">
+                    <a:avLst/>
+                  </a:prstGeom>
+                  <a:blipFill>
+                    <a:blip r:embed="rId4"/>
+                    <a:stretch>
+                      <a:fillRect/>
+                    </a:stretch>
+                  </a:blipFill>
+                </p:spPr>
+                <p:txBody>
+                  <a:bodyPr/>
+                  <a:lstStyle/>
+                  <a:p>
+                    <a:r>
+                      <a:rPr lang="pt-BR">
+                        <a:noFill/>
+                      </a:rPr>
+                      <a:t> </a:t>
+                    </a:r>
+                  </a:p>
+                </p:txBody>
+              </p:sp>
+            </mc:Fallback>
+          </mc:AlternateContent>
+          <mc:AlternateContent xmlns:mc="http://schemas.openxmlformats.org/markup-compatibility/2006" xmlns:a14="http://schemas.microsoft.com/office/drawing/2010/main">
+            <mc:Choice Requires="a14">
+              <p:sp>
+                <p:nvSpPr>
+                  <p:cNvPr id="10" name="CaixaDeTexto 9">
+                    <a:extLst>
+                      <a:ext uri="{FF2B5EF4-FFF2-40B4-BE49-F238E27FC236}">
+                        <a16:creationId xmlns:a16="http://schemas.microsoft.com/office/drawing/2014/main" id="{7F15E993-4422-806B-1EAF-0E2278B7F409}"/>
+                      </a:ext>
+                    </a:extLst>
+                  </p:cNvPr>
+                  <p:cNvSpPr txBox="1"/>
+                  <p:nvPr/>
+                </p:nvSpPr>
+                <p:spPr>
+                  <a:xfrm flipH="1">
+                    <a:off x="3708815" y="4023518"/>
+                    <a:ext cx="467999" cy="461665"/>
+                  </a:xfrm>
+                  <a:prstGeom prst="rect">
+                    <a:avLst/>
+                  </a:prstGeom>
+                  <a:noFill/>
+                </p:spPr>
+                <p:txBody>
+                  <a:bodyPr wrap="square">
+                    <a:spAutoFit/>
+                  </a:bodyPr>
+                  <a:lstStyle/>
+                  <a:p>
+                    <a:pPr/>
+                    <a14:m>
+                      <m:oMathPara xmlns:m="http://schemas.openxmlformats.org/officeDocument/2006/math">
+                        <m:oMathParaPr>
+                          <m:jc m:val="center"/>
+                        </m:oMathParaPr>
+                        <m:oMath xmlns:m="http://schemas.openxmlformats.org/officeDocument/2006/math">
+                          <m:r>
+                            <a:rPr lang="pt-BR" sz="2400" b="0" i="1" smtClean="0">
+                              <a:latin typeface="Cambria Math" panose="02040503050406030204" pitchFamily="18" charset="0"/>
+                            </a:rPr>
+                            <m:t>𝑦</m:t>
+                          </m:r>
+                        </m:oMath>
+                      </m:oMathPara>
+                    </a14:m>
+                    <a:endParaRPr lang="pt-BR" sz="2400" dirty="0"/>
+                  </a:p>
+                </p:txBody>
+              </p:sp>
+            </mc:Choice>
+            <mc:Fallback xmlns="">
+              <p:sp>
+                <p:nvSpPr>
+                  <p:cNvPr id="10" name="CaixaDeTexto 9">
+                    <a:extLst>
+                      <a:ext uri="{FF2B5EF4-FFF2-40B4-BE49-F238E27FC236}">
+                        <a16:creationId xmlns:a16="http://schemas.microsoft.com/office/drawing/2014/main" id="{A5E5AD39-A7D5-E436-9BBF-FFF6ADD6FD8F}"/>
+                      </a:ext>
+                    </a:extLst>
+                  </p:cNvPr>
+                  <p:cNvSpPr txBox="1">
+                    <a:spLocks noRot="1" noChangeAspect="1" noMove="1" noResize="1" noEditPoints="1" noAdjustHandles="1" noChangeArrowheads="1" noChangeShapeType="1" noTextEdit="1"/>
+                  </p:cNvSpPr>
+                  <p:nvPr/>
+                </p:nvSpPr>
+                <p:spPr>
+                  <a:xfrm flipH="1">
+                    <a:off x="3708815" y="4023518"/>
+                    <a:ext cx="467999" cy="461665"/>
+                  </a:xfrm>
+                  <a:prstGeom prst="rect">
+                    <a:avLst/>
+                  </a:prstGeom>
+                  <a:blipFill>
+                    <a:blip r:embed="rId5"/>
+                    <a:stretch>
+                      <a:fillRect b="-10526"/>
+                    </a:stretch>
+                  </a:blipFill>
+                </p:spPr>
+                <p:txBody>
+                  <a:bodyPr/>
+                  <a:lstStyle/>
+                  <a:p>
+                    <a:r>
+                      <a:rPr lang="pt-BR">
+                        <a:noFill/>
+                      </a:rPr>
+                      <a:t> </a:t>
+                    </a:r>
+                  </a:p>
+                </p:txBody>
+              </p:sp>
+            </mc:Fallback>
+          </mc:AlternateContent>
+          <mc:AlternateContent xmlns:mc="http://schemas.openxmlformats.org/markup-compatibility/2006">
+            <mc:Choice xmlns:a14="http://schemas.microsoft.com/office/drawing/2010/main" Requires="a14">
+              <p:sp>
+                <p:nvSpPr>
+                  <p:cNvPr id="11" name="CaixaDeTexto 10">
+                    <a:extLst>
+                      <a:ext uri="{FF2B5EF4-FFF2-40B4-BE49-F238E27FC236}">
+                        <a16:creationId xmlns:a16="http://schemas.microsoft.com/office/drawing/2014/main" id="{124DCDD6-D8CF-6576-CFF0-698F7B3EB2CE}"/>
+                      </a:ext>
+                    </a:extLst>
+                  </p:cNvPr>
+                  <p:cNvSpPr txBox="1"/>
+                  <p:nvPr/>
+                </p:nvSpPr>
+                <p:spPr>
+                  <a:xfrm flipH="1">
+                    <a:off x="5962658" y="2664758"/>
+                    <a:ext cx="703831" cy="461665"/>
+                  </a:xfrm>
+                  <a:prstGeom prst="rect">
+                    <a:avLst/>
+                  </a:prstGeom>
+                  <a:noFill/>
+                </p:spPr>
+                <p:txBody>
+                  <a:bodyPr wrap="square">
+                    <a:spAutoFit/>
+                  </a:bodyPr>
+                  <a:lstStyle/>
+                  <a:p>
+                    <a:pPr/>
+                    <a14:m>
+                      <m:oMathPara xmlns:m="http://schemas.openxmlformats.org/officeDocument/2006/math">
+                        <m:oMathParaPr>
+                          <m:jc m:val="center"/>
+                        </m:oMathParaPr>
+                        <m:oMath xmlns:m="http://schemas.openxmlformats.org/officeDocument/2006/math">
+                          <m:acc>
+                            <m:accPr>
+                              <m:chr m:val="̂"/>
+                              <m:ctrlPr>
+                                <a:rPr lang="pt-BR" sz="2400" b="0" i="1" smtClean="0">
+                                  <a:latin typeface="Cambria Math" panose="02040503050406030204" pitchFamily="18" charset="0"/>
+                                </a:rPr>
+                              </m:ctrlPr>
+                            </m:accPr>
+                            <m:e>
+                              <m:r>
+                                <a:rPr lang="pt-BR" sz="2400" b="0" i="1" smtClean="0">
+                                  <a:latin typeface="Cambria Math" panose="02040503050406030204" pitchFamily="18" charset="0"/>
+                                </a:rPr>
+                                <m:t>𝑦</m:t>
+                              </m:r>
+                            </m:e>
+                          </m:acc>
+                        </m:oMath>
+                      </m:oMathPara>
+                    </a14:m>
+                    <a:endParaRPr lang="pt-BR" sz="2400" dirty="0"/>
+                  </a:p>
+                </p:txBody>
+              </p:sp>
+            </mc:Choice>
+            <mc:Fallback>
+              <p:sp>
+                <p:nvSpPr>
+                  <p:cNvPr id="11" name="CaixaDeTexto 10">
+                    <a:extLst>
+                      <a:ext uri="{FF2B5EF4-FFF2-40B4-BE49-F238E27FC236}">
+                        <a16:creationId xmlns:a16="http://schemas.microsoft.com/office/drawing/2014/main" id="{124DCDD6-D8CF-6576-CFF0-698F7B3EB2CE}"/>
+                      </a:ext>
+                    </a:extLst>
+                  </p:cNvPr>
+                  <p:cNvSpPr txBox="1">
+                    <a:spLocks noRot="1" noChangeAspect="1" noMove="1" noResize="1" noEditPoints="1" noAdjustHandles="1" noChangeArrowheads="1" noChangeShapeType="1" noTextEdit="1"/>
+                  </p:cNvSpPr>
+                  <p:nvPr/>
+                </p:nvSpPr>
+                <p:spPr>
+                  <a:xfrm flipH="1">
+                    <a:off x="5962658" y="2664758"/>
+                    <a:ext cx="703831" cy="461665"/>
+                  </a:xfrm>
+                  <a:prstGeom prst="rect">
+                    <a:avLst/>
+                  </a:prstGeom>
+                  <a:blipFill>
+                    <a:blip r:embed="rId6"/>
+                    <a:stretch>
+                      <a:fillRect t="-3947" r="-31897" b="-10526"/>
+                    </a:stretch>
+                  </a:blipFill>
+                </p:spPr>
+                <p:txBody>
+                  <a:bodyPr/>
+                  <a:lstStyle/>
+                  <a:p>
+                    <a:r>
+                      <a:rPr lang="pt-BR">
+                        <a:noFill/>
+                      </a:rPr>
+                      <a:t> </a:t>
+                    </a:r>
+                  </a:p>
+                </p:txBody>
+              </p:sp>
+            </mc:Fallback>
+          </mc:AlternateContent>
+          <p:cxnSp>
+            <p:nvCxnSpPr>
+              <p:cNvPr id="12" name="Conector: Angulado 11">
+                <a:extLst>
+                  <a:ext uri="{FF2B5EF4-FFF2-40B4-BE49-F238E27FC236}">
+                    <a16:creationId xmlns:a16="http://schemas.microsoft.com/office/drawing/2014/main" id="{BE324F06-24FA-DC3F-B2D3-6D62EF999C7A}"/>
+                  </a:ext>
+                </a:extLst>
+              </p:cNvPr>
+              <p:cNvCxnSpPr>
+                <a:cxnSpLocks/>
+                <a:stCxn id="10" idx="1"/>
+                <a:endCxn id="8" idx="2"/>
+              </p:cNvCxnSpPr>
+              <p:nvPr/>
+            </p:nvCxnSpPr>
+            <p:spPr>
+              <a:xfrm flipV="1">
+                <a:off x="4176814" y="3534081"/>
+                <a:ext cx="3099129" cy="720270"/>
+              </a:xfrm>
+              <a:prstGeom prst="bentConnector2">
+                <a:avLst/>
+              </a:prstGeom>
+              <a:ln>
+                <a:tailEnd type="triangle"/>
+              </a:ln>
+            </p:spPr>
+            <p:style>
+              <a:lnRef idx="1">
+                <a:schemeClr val="accent1"/>
+              </a:lnRef>
+              <a:fillRef idx="0">
+                <a:schemeClr val="accent1"/>
+              </a:fillRef>
+              <a:effectRef idx="0">
+                <a:schemeClr val="accent1"/>
+              </a:effectRef>
+              <a:fontRef idx="minor">
+                <a:schemeClr val="tx1"/>
+              </a:fontRef>
+            </p:style>
+          </p:cxnSp>
+          <p:cxnSp>
+            <p:nvCxnSpPr>
+              <p:cNvPr id="13" name="Conector: Angulado 12">
+                <a:extLst>
+                  <a:ext uri="{FF2B5EF4-FFF2-40B4-BE49-F238E27FC236}">
+                    <a16:creationId xmlns:a16="http://schemas.microsoft.com/office/drawing/2014/main" id="{CA314D9A-D6E0-712D-48EB-B4C1887A6B1C}"/>
+                  </a:ext>
+                </a:extLst>
+              </p:cNvPr>
+              <p:cNvCxnSpPr>
+                <a:cxnSpLocks/>
+                <a:stCxn id="8" idx="3"/>
+              </p:cNvCxnSpPr>
+              <p:nvPr/>
+            </p:nvCxnSpPr>
+            <p:spPr>
+              <a:xfrm flipH="1" flipV="1">
+                <a:off x="5962658" y="2034381"/>
+                <a:ext cx="1921694" cy="1064455"/>
+              </a:xfrm>
+              <a:prstGeom prst="bentConnector3">
+                <a:avLst>
+                  <a:gd name="adj1" fmla="val -11896"/>
+                </a:avLst>
+              </a:prstGeom>
+              <a:ln>
+                <a:prstDash val="dash"/>
+                <a:headEnd type="none" w="med" len="med"/>
+                <a:tailEnd type="none" w="med" len="med"/>
+              </a:ln>
+            </p:spPr>
+            <p:style>
+              <a:lnRef idx="1">
+                <a:schemeClr val="accent1"/>
+              </a:lnRef>
+              <a:fillRef idx="0">
+                <a:schemeClr val="accent1"/>
+              </a:fillRef>
+              <a:effectRef idx="0">
+                <a:schemeClr val="accent1"/>
+              </a:effectRef>
+              <a:fontRef idx="minor">
+                <a:schemeClr val="tx1"/>
+              </a:fontRef>
+            </p:style>
+          </p:cxnSp>
+          <p:sp>
+            <p:nvSpPr>
+              <p:cNvPr id="14" name="CaixaDeTexto 13">
+                <a:extLst>
+                  <a:ext uri="{FF2B5EF4-FFF2-40B4-BE49-F238E27FC236}">
+                    <a16:creationId xmlns:a16="http://schemas.microsoft.com/office/drawing/2014/main" id="{6C81948B-BB65-3F38-F6E4-2BA28B046FA8}"/>
+                  </a:ext>
+                </a:extLst>
+              </p:cNvPr>
+              <p:cNvSpPr txBox="1"/>
+              <p:nvPr/>
+            </p:nvSpPr>
+            <p:spPr>
+              <a:xfrm>
+                <a:off x="4124144" y="3698676"/>
+                <a:ext cx="1651758" cy="461665"/>
+              </a:xfrm>
+              <a:prstGeom prst="rect">
+                <a:avLst/>
+              </a:prstGeom>
+              <a:noFill/>
+            </p:spPr>
+            <p:txBody>
+              <a:bodyPr wrap="square" rtlCol="0">
+                <a:spAutoFit/>
+              </a:bodyPr>
+              <a:lstStyle/>
+              <a:p>
+                <a:pPr algn="ctr"/>
+                <a:r>
+                  <a:rPr lang="pt-BR" sz="1200" dirty="0"/>
+                  <a:t>Ajuste dos </a:t>
+                </a:r>
+                <a:r>
+                  <a:rPr lang="pt-BR" sz="1200" u="sng" dirty="0"/>
+                  <a:t>parâmetros</a:t>
+                </a:r>
+                <a:r>
+                  <a:rPr lang="pt-BR" sz="1200" dirty="0"/>
+                  <a:t> do modelo</a:t>
+                </a:r>
+              </a:p>
+            </p:txBody>
+          </p:sp>
+          <p:sp>
+            <p:nvSpPr>
+              <p:cNvPr id="15" name="Retângulo 14">
+                <a:extLst>
+                  <a:ext uri="{FF2B5EF4-FFF2-40B4-BE49-F238E27FC236}">
+                    <a16:creationId xmlns:a16="http://schemas.microsoft.com/office/drawing/2014/main" id="{16FC2795-212E-91C6-32E5-2EA13A55B896}"/>
+                  </a:ext>
+                </a:extLst>
+              </p:cNvPr>
+              <p:cNvSpPr/>
+              <p:nvPr/>
+            </p:nvSpPr>
+            <p:spPr>
+              <a:xfrm>
+                <a:off x="3708815" y="2686164"/>
+                <a:ext cx="463575" cy="1935842"/>
+              </a:xfrm>
+              <a:prstGeom prst="rect">
+                <a:avLst/>
+              </a:prstGeom>
+              <a:solidFill>
+                <a:schemeClr val="accent1">
+                  <a:alpha val="41000"/>
+                </a:schemeClr>
+              </a:solidFill>
+              <a:ln>
+                <a:solidFill>
+                  <a:schemeClr val="accent1">
+                    <a:shade val="15000"/>
+                  </a:schemeClr>
+                </a:solidFill>
+              </a:ln>
+            </p:spPr>
+            <p:style>
+              <a:lnRef idx="2">
+                <a:schemeClr val="accent1">
+                  <a:shade val="15000"/>
+                </a:schemeClr>
+              </a:lnRef>
+              <a:fillRef idx="1">
+                <a:schemeClr val="accent1"/>
+              </a:fillRef>
+              <a:effectRef idx="0">
+                <a:schemeClr val="accent1"/>
+              </a:effectRef>
+              <a:fontRef idx="minor">
+                <a:schemeClr val="lt1"/>
+              </a:fontRef>
+            </p:style>
+            <p:txBody>
+              <a:bodyPr rtlCol="0" anchor="ctr"/>
+              <a:lstStyle/>
+              <a:p>
+                <a:pPr algn="ctr"/>
+                <a:endParaRPr lang="pt-BR"/>
+              </a:p>
+            </p:txBody>
+          </p:sp>
+          <p:sp>
+            <p:nvSpPr>
+              <p:cNvPr id="16" name="CaixaDeTexto 15">
+                <a:extLst>
+                  <a:ext uri="{FF2B5EF4-FFF2-40B4-BE49-F238E27FC236}">
+                    <a16:creationId xmlns:a16="http://schemas.microsoft.com/office/drawing/2014/main" id="{B2CE912B-5038-EBC1-81A7-D20EE5D6E46D}"/>
+                  </a:ext>
+                </a:extLst>
+              </p:cNvPr>
+              <p:cNvSpPr txBox="1"/>
+              <p:nvPr/>
+            </p:nvSpPr>
+            <p:spPr>
+              <a:xfrm>
+                <a:off x="3440214" y="4604287"/>
+                <a:ext cx="1047413" cy="461665"/>
+              </a:xfrm>
+              <a:prstGeom prst="rect">
+                <a:avLst/>
+              </a:prstGeom>
+              <a:noFill/>
+            </p:spPr>
+            <p:txBody>
+              <a:bodyPr wrap="square" rtlCol="0">
+                <a:spAutoFit/>
+              </a:bodyPr>
+              <a:lstStyle/>
+              <a:p>
+                <a:pPr algn="ctr"/>
+                <a:r>
+                  <a:rPr lang="pt-BR" sz="1200" dirty="0"/>
+                  <a:t>Conjunto de treinamento</a:t>
+                </a:r>
+              </a:p>
+            </p:txBody>
+          </p:sp>
+          <p:sp>
+            <p:nvSpPr>
+              <p:cNvPr id="17" name="CaixaDeTexto 16">
+                <a:extLst>
+                  <a:ext uri="{FF2B5EF4-FFF2-40B4-BE49-F238E27FC236}">
+                    <a16:creationId xmlns:a16="http://schemas.microsoft.com/office/drawing/2014/main" id="{D3E11F84-4477-5F76-06FD-69734A1728E7}"/>
+                  </a:ext>
+                </a:extLst>
+              </p:cNvPr>
+              <p:cNvSpPr txBox="1"/>
+              <p:nvPr/>
+            </p:nvSpPr>
+            <p:spPr>
+              <a:xfrm>
+                <a:off x="5949953" y="3108346"/>
+                <a:ext cx="729489" cy="646331"/>
+              </a:xfrm>
+              <a:prstGeom prst="rect">
+                <a:avLst/>
+              </a:prstGeom>
+              <a:noFill/>
+            </p:spPr>
+            <p:txBody>
+              <a:bodyPr wrap="square" rtlCol="0">
+                <a:spAutoFit/>
+              </a:bodyPr>
+              <a:lstStyle/>
+              <a:p>
+                <a:pPr algn="ctr"/>
+                <a:r>
+                  <a:rPr lang="pt-BR" sz="1200" dirty="0"/>
+                  <a:t>Palpite</a:t>
+                </a:r>
+              </a:p>
+              <a:p>
+                <a:pPr algn="ctr"/>
+                <a:r>
+                  <a:rPr lang="pt-BR" sz="1200" dirty="0"/>
+                  <a:t>ou</a:t>
+                </a:r>
+              </a:p>
+              <a:p>
+                <a:pPr algn="ctr"/>
+                <a:r>
+                  <a:rPr lang="pt-BR" sz="1200" dirty="0"/>
+                  <a:t>predição</a:t>
+                </a:r>
+              </a:p>
+            </p:txBody>
+          </p:sp>
+          <p:sp>
+            <p:nvSpPr>
+              <p:cNvPr id="18" name="CaixaDeTexto 17">
+                <a:extLst>
+                  <a:ext uri="{FF2B5EF4-FFF2-40B4-BE49-F238E27FC236}">
+                    <a16:creationId xmlns:a16="http://schemas.microsoft.com/office/drawing/2014/main" id="{45EED265-0627-E165-4B85-2F60C945BCA4}"/>
+                  </a:ext>
+                </a:extLst>
+              </p:cNvPr>
+              <p:cNvSpPr txBox="1"/>
+              <p:nvPr/>
+            </p:nvSpPr>
+            <p:spPr>
+              <a:xfrm>
+                <a:off x="7824115" y="3099689"/>
+                <a:ext cx="454917" cy="276999"/>
+              </a:xfrm>
+              <a:prstGeom prst="rect">
+                <a:avLst/>
+              </a:prstGeom>
+              <a:noFill/>
+            </p:spPr>
+            <p:txBody>
+              <a:bodyPr wrap="square" rtlCol="0">
+                <a:spAutoFit/>
+              </a:bodyPr>
+              <a:lstStyle/>
+              <a:p>
+                <a:pPr algn="ctr"/>
+                <a:r>
+                  <a:rPr lang="pt-BR" sz="1200" dirty="0"/>
+                  <a:t>erro</a:t>
+                </a:r>
+              </a:p>
+            </p:txBody>
+          </p:sp>
+          <p:cxnSp>
+            <p:nvCxnSpPr>
+              <p:cNvPr id="19" name="Conector reto 18">
+                <a:extLst>
+                  <a:ext uri="{FF2B5EF4-FFF2-40B4-BE49-F238E27FC236}">
+                    <a16:creationId xmlns:a16="http://schemas.microsoft.com/office/drawing/2014/main" id="{4FBB144A-D3B1-58ED-79D4-025C07566D4A}"/>
+                  </a:ext>
+                </a:extLst>
+              </p:cNvPr>
+              <p:cNvCxnSpPr/>
+              <p:nvPr/>
+            </p:nvCxnSpPr>
+            <p:spPr>
+              <a:xfrm flipH="1">
+                <a:off x="4733134" y="2034381"/>
+                <a:ext cx="1212396" cy="1743075"/>
+              </a:xfrm>
+              <a:prstGeom prst="line">
+                <a:avLst/>
+              </a:prstGeom>
+              <a:ln>
+                <a:prstDash val="dash"/>
+                <a:headEnd type="none" w="med" len="med"/>
+                <a:tailEnd type="triangle" w="med" len="med"/>
+              </a:ln>
+            </p:spPr>
+            <p:style>
+              <a:lnRef idx="1">
+                <a:schemeClr val="accent1"/>
+              </a:lnRef>
+              <a:fillRef idx="0">
+                <a:schemeClr val="accent1"/>
+              </a:fillRef>
+              <a:effectRef idx="0">
+                <a:schemeClr val="accent1"/>
+              </a:effectRef>
+              <a:fontRef idx="minor">
+                <a:schemeClr val="tx1"/>
+              </a:fontRef>
+            </p:style>
+          </p:cxnSp>
+        </p:grpSp>
+        <mc:AlternateContent xmlns:mc="http://schemas.openxmlformats.org/markup-compatibility/2006">
+          <mc:Choice xmlns:a14="http://schemas.microsoft.com/office/drawing/2010/main" Requires="a14">
+            <p:sp>
+              <p:nvSpPr>
+                <p:cNvPr id="20" name="Retângulo 19">
+                  <a:extLst>
+                    <a:ext uri="{FF2B5EF4-FFF2-40B4-BE49-F238E27FC236}">
+                      <a16:creationId xmlns:a16="http://schemas.microsoft.com/office/drawing/2014/main" id="{677D043A-F43E-B0F3-37B7-346AE0697B04}"/>
+                    </a:ext>
+                  </a:extLst>
+                </p:cNvPr>
+                <p:cNvSpPr/>
+                <p:nvPr/>
+              </p:nvSpPr>
+              <p:spPr>
+                <a:xfrm>
+                  <a:off x="2343971" y="3188740"/>
+                  <a:ext cx="1499087" cy="870491"/>
+                </a:xfrm>
+                <a:prstGeom prst="rect">
+                  <a:avLst/>
+                </a:prstGeom>
+                <a:noFill/>
+              </p:spPr>
+              <p:style>
+                <a:lnRef idx="2">
+                  <a:schemeClr val="accent1">
+                    <a:shade val="15000"/>
+                  </a:schemeClr>
+                </a:lnRef>
+                <a:fillRef idx="1">
+                  <a:schemeClr val="accent1"/>
+                </a:fillRef>
+                <a:effectRef idx="0">
+                  <a:schemeClr val="accent1"/>
+                </a:effectRef>
+                <a:fontRef idx="minor">
+                  <a:schemeClr val="lt1"/>
+                </a:fontRef>
+              </p:style>
+              <p:txBody>
+                <a:bodyPr rtlCol="0" anchor="ctr"/>
+                <a:lstStyle/>
+                <a:p>
+                  <a:pPr algn="ctr"/>
+                  <a14:m>
+                    <m:oMathPara xmlns:m="http://schemas.openxmlformats.org/officeDocument/2006/math">
+                      <m:oMathParaPr>
+                        <m:jc m:val="centerGroup"/>
+                      </m:oMathParaPr>
+                      <m:oMath xmlns:m="http://schemas.openxmlformats.org/officeDocument/2006/math">
+                        <m:acc>
+                          <m:accPr>
+                            <m:chr m:val="̂"/>
+                            <m:ctrlPr>
+                              <a:rPr lang="pt-BR" i="1" smtClean="0">
+                                <a:solidFill>
+                                  <a:schemeClr val="tx1"/>
+                                </a:solidFill>
+                                <a:latin typeface="Cambria Math" panose="02040503050406030204" pitchFamily="18" charset="0"/>
+                              </a:rPr>
+                            </m:ctrlPr>
+                          </m:accPr>
+                          <m:e>
+                            <m:r>
+                              <a:rPr lang="pt-BR" b="0" i="1" smtClean="0">
+                                <a:solidFill>
+                                  <a:schemeClr val="tx1"/>
+                                </a:solidFill>
+                                <a:latin typeface="Cambria Math" panose="02040503050406030204" pitchFamily="18" charset="0"/>
+                              </a:rPr>
+                              <m:t>𝑦</m:t>
+                            </m:r>
+                          </m:e>
+                        </m:acc>
+                        <m:r>
+                          <a:rPr lang="pt-BR" b="0" i="1" smtClean="0">
+                            <a:solidFill>
+                              <a:schemeClr val="tx1"/>
+                            </a:solidFill>
+                            <a:latin typeface="Cambria Math" panose="02040503050406030204" pitchFamily="18" charset="0"/>
+                          </a:rPr>
+                          <m:t>=</m:t>
+                        </m:r>
+                        <m:sSub>
+                          <m:sSubPr>
+                            <m:ctrlPr>
+                              <a:rPr lang="pt-BR" b="0" i="1" smtClean="0">
+                                <a:solidFill>
+                                  <a:schemeClr val="tx1"/>
+                                </a:solidFill>
+                                <a:latin typeface="Cambria Math" panose="02040503050406030204" pitchFamily="18" charset="0"/>
+                              </a:rPr>
+                            </m:ctrlPr>
+                          </m:sSubPr>
+                          <m:e>
+                            <m:r>
+                              <a:rPr lang="pt-BR" b="0" i="1" smtClean="0">
+                                <a:solidFill>
+                                  <a:schemeClr val="tx1"/>
+                                </a:solidFill>
+                                <a:latin typeface="Cambria Math" panose="02040503050406030204" pitchFamily="18" charset="0"/>
+                              </a:rPr>
+                              <m:t>𝑎</m:t>
+                            </m:r>
+                          </m:e>
+                          <m:sub>
+                            <m:r>
+                              <a:rPr lang="pt-BR" b="0" i="1" smtClean="0">
+                                <a:solidFill>
+                                  <a:schemeClr val="tx1"/>
+                                </a:solidFill>
+                                <a:latin typeface="Cambria Math" panose="02040503050406030204" pitchFamily="18" charset="0"/>
+                              </a:rPr>
+                              <m:t>0</m:t>
+                            </m:r>
+                          </m:sub>
+                        </m:sSub>
+                        <m:r>
+                          <a:rPr lang="pt-BR" b="0" i="1" smtClean="0">
+                            <a:solidFill>
+                              <a:schemeClr val="tx1"/>
+                            </a:solidFill>
+                            <a:latin typeface="Cambria Math" panose="02040503050406030204" pitchFamily="18" charset="0"/>
+                          </a:rPr>
+                          <m:t>+</m:t>
+                        </m:r>
+                        <m:sSub>
+                          <m:sSubPr>
+                            <m:ctrlPr>
+                              <a:rPr lang="pt-BR" b="0" i="1" smtClean="0">
+                                <a:solidFill>
+                                  <a:schemeClr val="tx1"/>
+                                </a:solidFill>
+                                <a:latin typeface="Cambria Math" panose="02040503050406030204" pitchFamily="18" charset="0"/>
+                              </a:rPr>
+                            </m:ctrlPr>
+                          </m:sSubPr>
+                          <m:e>
+                            <m:r>
+                              <a:rPr lang="pt-BR" b="0" i="1" smtClean="0">
+                                <a:solidFill>
+                                  <a:schemeClr val="tx1"/>
+                                </a:solidFill>
+                                <a:latin typeface="Cambria Math" panose="02040503050406030204" pitchFamily="18" charset="0"/>
+                              </a:rPr>
+                              <m:t>𝑎</m:t>
+                            </m:r>
+                          </m:e>
+                          <m:sub>
+                            <m:r>
+                              <a:rPr lang="pt-BR" b="0" i="1" smtClean="0">
+                                <a:solidFill>
+                                  <a:schemeClr val="tx1"/>
+                                </a:solidFill>
+                                <a:latin typeface="Cambria Math" panose="02040503050406030204" pitchFamily="18" charset="0"/>
+                              </a:rPr>
+                              <m:t>1</m:t>
+                            </m:r>
+                          </m:sub>
+                        </m:sSub>
+                        <m:r>
+                          <a:rPr lang="pt-BR" b="0" i="1" smtClean="0">
+                            <a:solidFill>
+                              <a:schemeClr val="tx1"/>
+                            </a:solidFill>
+                            <a:latin typeface="Cambria Math" panose="02040503050406030204" pitchFamily="18" charset="0"/>
+                          </a:rPr>
+                          <m:t>𝑥</m:t>
+                        </m:r>
+                      </m:oMath>
+                    </m:oMathPara>
+                  </a14:m>
+                  <a:endParaRPr lang="pt-BR" dirty="0">
+                    <a:solidFill>
+                      <a:schemeClr val="tx1"/>
+                    </a:solidFill>
+                  </a:endParaRPr>
+                </a:p>
+              </p:txBody>
+            </p:sp>
+          </mc:Choice>
+          <mc:Fallback>
+            <p:sp>
+              <p:nvSpPr>
+                <p:cNvPr id="20" name="Retângulo 19">
+                  <a:extLst>
+                    <a:ext uri="{FF2B5EF4-FFF2-40B4-BE49-F238E27FC236}">
+                      <a16:creationId xmlns:a16="http://schemas.microsoft.com/office/drawing/2014/main" id="{677D043A-F43E-B0F3-37B7-346AE0697B04}"/>
+                    </a:ext>
+                  </a:extLst>
+                </p:cNvPr>
+                <p:cNvSpPr>
+                  <a:spLocks noRot="1" noChangeAspect="1" noMove="1" noResize="1" noEditPoints="1" noAdjustHandles="1" noChangeArrowheads="1" noChangeShapeType="1" noTextEdit="1"/>
+                </p:cNvSpPr>
+                <p:nvPr/>
+              </p:nvSpPr>
+              <p:spPr>
+                <a:xfrm>
+                  <a:off x="2343971" y="3188740"/>
+                  <a:ext cx="1499087" cy="870491"/>
+                </a:xfrm>
+                <a:prstGeom prst="rect">
+                  <a:avLst/>
+                </a:prstGeom>
+                <a:blipFill>
+                  <a:blip r:embed="rId7"/>
+                  <a:stretch>
+                    <a:fillRect/>
+                  </a:stretch>
+                </a:blipFill>
+              </p:spPr>
+              <p:txBody>
+                <a:bodyPr/>
+                <a:lstStyle/>
+                <a:p>
+                  <a:r>
+                    <a:rPr lang="pt-BR">
+                      <a:noFill/>
+                    </a:rPr>
+                    <a:t> </a:t>
+                  </a:r>
+                </a:p>
+              </p:txBody>
+            </p:sp>
+          </mc:Fallback>
+        </mc:AlternateContent>
+        <p:sp>
+          <p:nvSpPr>
+            <p:cNvPr id="23" name="Retângulo 22">
+              <a:extLst>
+                <a:ext uri="{FF2B5EF4-FFF2-40B4-BE49-F238E27FC236}">
+                  <a16:creationId xmlns:a16="http://schemas.microsoft.com/office/drawing/2014/main" id="{850665E7-60C9-9057-ADB6-2CAE2237B854}"/>
+                </a:ext>
+              </a:extLst>
+            </p:cNvPr>
+            <p:cNvSpPr/>
+            <p:nvPr/>
+          </p:nvSpPr>
+          <p:spPr>
+            <a:xfrm>
+              <a:off x="2828925" y="3540919"/>
+              <a:ext cx="270358" cy="230981"/>
+            </a:xfrm>
+            <a:prstGeom prst="rect">
+              <a:avLst/>
+            </a:prstGeom>
+            <a:noFill/>
+            <a:ln w="19050">
+              <a:solidFill>
+                <a:srgbClr val="FF0000"/>
+              </a:solidFill>
+            </a:ln>
+          </p:spPr>
+          <p:style>
+            <a:lnRef idx="2">
+              <a:schemeClr val="accent1">
+                <a:shade val="15000"/>
+              </a:schemeClr>
+            </a:lnRef>
+            <a:fillRef idx="1">
+              <a:schemeClr val="accent1"/>
+            </a:fillRef>
+            <a:effectRef idx="0">
+              <a:schemeClr val="accent1"/>
+            </a:effectRef>
+            <a:fontRef idx="minor">
+              <a:schemeClr val="lt1"/>
+            </a:fontRef>
+          </p:style>
+          <p:txBody>
+            <a:bodyPr rtlCol="0" anchor="ctr"/>
+            <a:lstStyle/>
+            <a:p>
+              <a:pPr algn="ctr"/>
+              <a:endParaRPr lang="pt-BR"/>
+            </a:p>
+          </p:txBody>
+        </p:sp>
+        <p:sp>
+          <p:nvSpPr>
+            <p:cNvPr id="24" name="Retângulo 23">
+              <a:extLst>
+                <a:ext uri="{FF2B5EF4-FFF2-40B4-BE49-F238E27FC236}">
+                  <a16:creationId xmlns:a16="http://schemas.microsoft.com/office/drawing/2014/main" id="{C7E874E7-5F26-FF77-A6A0-4A158DC458C0}"/>
+                </a:ext>
+              </a:extLst>
+            </p:cNvPr>
+            <p:cNvSpPr/>
+            <p:nvPr/>
+          </p:nvSpPr>
+          <p:spPr>
+            <a:xfrm>
+              <a:off x="3324661" y="3540919"/>
+              <a:ext cx="270358" cy="230981"/>
+            </a:xfrm>
+            <a:prstGeom prst="rect">
+              <a:avLst/>
+            </a:prstGeom>
+            <a:noFill/>
+            <a:ln w="19050">
+              <a:solidFill>
+                <a:srgbClr val="FF0000"/>
+              </a:solidFill>
+            </a:ln>
+          </p:spPr>
+          <p:style>
+            <a:lnRef idx="2">
+              <a:schemeClr val="accent1">
+                <a:shade val="15000"/>
+              </a:schemeClr>
+            </a:lnRef>
+            <a:fillRef idx="1">
+              <a:schemeClr val="accent1"/>
+            </a:fillRef>
+            <a:effectRef idx="0">
+              <a:schemeClr val="accent1"/>
+            </a:effectRef>
+            <a:fontRef idx="minor">
+              <a:schemeClr val="lt1"/>
+            </a:fontRef>
+          </p:style>
+          <p:txBody>
+            <a:bodyPr rtlCol="0" anchor="ctr"/>
+            <a:lstStyle/>
+            <a:p>
+              <a:pPr algn="ctr"/>
+              <a:endParaRPr lang="pt-BR"/>
+            </a:p>
+          </p:txBody>
+        </p:sp>
+        <p:cxnSp>
+          <p:nvCxnSpPr>
+            <p:cNvPr id="28" name="Conector de Seta Reta 27">
+              <a:extLst>
+                <a:ext uri="{FF2B5EF4-FFF2-40B4-BE49-F238E27FC236}">
+                  <a16:creationId xmlns:a16="http://schemas.microsoft.com/office/drawing/2014/main" id="{CB280270-DF7E-B48C-54FA-D35DD769A8F2}"/>
+                </a:ext>
+              </a:extLst>
+            </p:cNvPr>
+            <p:cNvCxnSpPr>
+              <a:stCxn id="24" idx="2"/>
+            </p:cNvCxnSpPr>
+            <p:nvPr/>
+          </p:nvCxnSpPr>
+          <p:spPr>
+            <a:xfrm flipH="1">
+              <a:off x="3219731" y="3771900"/>
+              <a:ext cx="240109" cy="529538"/>
+            </a:xfrm>
+            <a:prstGeom prst="straightConnector1">
+              <a:avLst/>
+            </a:prstGeom>
+            <a:ln>
+              <a:solidFill>
+                <a:srgbClr val="FF0000"/>
+              </a:solidFill>
+              <a:tailEnd type="triangle"/>
+            </a:ln>
+          </p:spPr>
+          <p:style>
+            <a:lnRef idx="1">
+              <a:schemeClr val="accent1"/>
+            </a:lnRef>
+            <a:fillRef idx="0">
+              <a:schemeClr val="accent1"/>
+            </a:fillRef>
+            <a:effectRef idx="0">
+              <a:schemeClr val="accent1"/>
+            </a:effectRef>
+            <a:fontRef idx="minor">
+              <a:schemeClr val="tx1"/>
+            </a:fontRef>
+          </p:style>
+        </p:cxnSp>
+        <p:cxnSp>
+          <p:nvCxnSpPr>
+            <p:cNvPr id="30" name="Conector de Seta Reta 29">
+              <a:extLst>
+                <a:ext uri="{FF2B5EF4-FFF2-40B4-BE49-F238E27FC236}">
+                  <a16:creationId xmlns:a16="http://schemas.microsoft.com/office/drawing/2014/main" id="{C10D38CF-E0FA-1551-91EE-C0598E273D40}"/>
+                </a:ext>
+              </a:extLst>
+            </p:cNvPr>
+            <p:cNvCxnSpPr>
+              <a:stCxn id="23" idx="2"/>
+            </p:cNvCxnSpPr>
+            <p:nvPr/>
+          </p:nvCxnSpPr>
+          <p:spPr>
+            <a:xfrm>
+              <a:off x="2964104" y="3771900"/>
+              <a:ext cx="237794" cy="529538"/>
+            </a:xfrm>
+            <a:prstGeom prst="straightConnector1">
+              <a:avLst/>
+            </a:prstGeom>
+            <a:ln>
+              <a:solidFill>
+                <a:srgbClr val="FF0000"/>
+              </a:solidFill>
+              <a:tailEnd type="triangle"/>
+            </a:ln>
+          </p:spPr>
+          <p:style>
+            <a:lnRef idx="1">
+              <a:schemeClr val="accent1"/>
+            </a:lnRef>
+            <a:fillRef idx="0">
+              <a:schemeClr val="accent1"/>
+            </a:fillRef>
+            <a:effectRef idx="0">
+              <a:schemeClr val="accent1"/>
+            </a:effectRef>
+            <a:fontRef idx="minor">
+              <a:schemeClr val="tx1"/>
+            </a:fontRef>
+          </p:style>
+        </p:cxnSp>
+        <p:sp>
+          <p:nvSpPr>
+            <p:cNvPr id="31" name="CaixaDeTexto 30">
+              <a:extLst>
+                <a:ext uri="{FF2B5EF4-FFF2-40B4-BE49-F238E27FC236}">
+                  <a16:creationId xmlns:a16="http://schemas.microsoft.com/office/drawing/2014/main" id="{3DB927FD-619C-3B92-17E3-53ADFB087CC0}"/>
+                </a:ext>
+              </a:extLst>
+            </p:cNvPr>
+            <p:cNvSpPr txBox="1"/>
+            <p:nvPr/>
+          </p:nvSpPr>
+          <p:spPr>
+            <a:xfrm>
+              <a:off x="2270990" y="2946533"/>
+              <a:ext cx="1115869" cy="276999"/>
+            </a:xfrm>
+            <a:prstGeom prst="rect">
+              <a:avLst/>
+            </a:prstGeom>
+            <a:noFill/>
+          </p:spPr>
+          <p:txBody>
+            <a:bodyPr wrap="square" rtlCol="0">
+              <a:spAutoFit/>
+            </a:bodyPr>
+            <a:lstStyle/>
+            <a:p>
+              <a:r>
+                <a:rPr lang="pt-BR" sz="1200" dirty="0"/>
+                <a:t>Modelo de ML</a:t>
+              </a:r>
+            </a:p>
+          </p:txBody>
+        </p:sp>
+      </p:grpSp>
+    </p:spTree>
+    <p:extLst>
+      <p:ext uri="{BB962C8B-B14F-4D97-AF65-F5344CB8AC3E}">
+        <p14:creationId xmlns:p14="http://schemas.microsoft.com/office/powerpoint/2010/main" val="3473155749"/>
+      </p:ext>
+    </p:extLst>
+  </p:cSld>
+  <p:clrMapOvr>
+    <a:masterClrMapping/>
+  </p:clrMapOvr>
+</p:sld>
+</file>
+
+<file path=ppt/slides/slide15.xml><?xml version="1.0" encoding="utf-8"?>
+<p:sld xmlns:a="http://schemas.openxmlformats.org/drawingml/2006/main" xmlns:r="http://schemas.openxmlformats.org/officeDocument/2006/relationships" xmlns:p="http://schemas.openxmlformats.org/presentationml/2006/main">
+  <p:cSld>
+    <p:spTree>
+      <p:nvGrpSpPr>
+        <p:cNvPr id="1" name=""/>
+        <p:cNvGrpSpPr/>
+        <p:nvPr/>
+      </p:nvGrpSpPr>
+      <p:grpSpPr>
+        <a:xfrm>
+          <a:off x="0" y="0"/>
+          <a:ext cx="0" cy="0"/>
+          <a:chOff x="0" y="0"/>
+          <a:chExt cx="0" cy="0"/>
+        </a:xfrm>
+      </p:grpSpPr>
+      <p:sp>
+        <p:nvSpPr>
+          <p:cNvPr id="2" name="Título 1">
+            <a:extLst>
+              <a:ext uri="{FF2B5EF4-FFF2-40B4-BE49-F238E27FC236}">
+                <a16:creationId xmlns:a16="http://schemas.microsoft.com/office/drawing/2014/main" id="{ABEFD801-7E8D-0885-F1AD-8DAF6F77CEEE}"/>
+              </a:ext>
+            </a:extLst>
+          </p:cNvPr>
+          <p:cNvSpPr>
+            <a:spLocks noGrp="1"/>
+          </p:cNvSpPr>
+          <p:nvPr>
+            <p:ph type="title"/>
+          </p:nvPr>
+        </p:nvSpPr>
+        <p:spPr/>
+        <p:txBody>
+          <a:bodyPr/>
+          <a:lstStyle/>
+          <a:p>
+            <a:r>
+              <a:rPr lang="pt-BR" dirty="0"/>
+              <a:t>Otimização (treinamento) do modelo</a:t>
+            </a:r>
+          </a:p>
+        </p:txBody>
+      </p:sp>
+      <p:sp>
+        <p:nvSpPr>
+          <p:cNvPr id="3" name="Espaço Reservado para Conteúdo 2">
+            <a:extLst>
+              <a:ext uri="{FF2B5EF4-FFF2-40B4-BE49-F238E27FC236}">
+                <a16:creationId xmlns:a16="http://schemas.microsoft.com/office/drawing/2014/main" id="{9BA6276C-11C7-FBDF-9CC4-A84A195D7527}"/>
+              </a:ext>
+            </a:extLst>
+          </p:cNvPr>
+          <p:cNvSpPr>
+            <a:spLocks noGrp="1"/>
+          </p:cNvSpPr>
+          <p:nvPr>
+            <p:ph idx="1"/>
+          </p:nvPr>
+        </p:nvSpPr>
+        <p:spPr>
+          <a:xfrm>
+            <a:off x="6096000" y="2260315"/>
+            <a:ext cx="5867400" cy="4597685"/>
+          </a:xfrm>
+        </p:spPr>
+        <p:txBody>
+          <a:bodyPr>
+            <a:normAutofit lnSpcReduction="10000"/>
+          </a:bodyPr>
+          <a:lstStyle/>
+          <a:p>
+            <a:r>
+              <a:rPr lang="pt-BR" b="1" dirty="0" err="1">
+                <a:solidFill>
+                  <a:srgbClr val="00B050"/>
+                </a:solidFill>
+              </a:rPr>
+              <a:t>Encontar</a:t>
+            </a:r>
+            <a:r>
+              <a:rPr lang="pt-BR" b="1" dirty="0">
+                <a:solidFill>
+                  <a:srgbClr val="00B050"/>
+                </a:solidFill>
+              </a:rPr>
+              <a:t> o ponto de mínimo da função</a:t>
+            </a:r>
+          </a:p>
+          <a:p>
+            <a:r>
+              <a:rPr lang="pt-BR" dirty="0"/>
+              <a:t>O processo que tem como objetivo minimizar o erro é chamado de </a:t>
+            </a:r>
+            <a:r>
+              <a:rPr lang="pt-BR" b="1" i="1" dirty="0"/>
+              <a:t>otimização</a:t>
+            </a:r>
+            <a:r>
+              <a:rPr lang="pt-BR" dirty="0"/>
+              <a:t> e, no contexto de ML, é conhecido como </a:t>
+            </a:r>
+            <a:r>
+              <a:rPr lang="pt-BR" b="1" i="1" dirty="0"/>
+              <a:t>treinamento do modelo</a:t>
+            </a:r>
+            <a:r>
+              <a:rPr lang="pt-BR" dirty="0"/>
+              <a:t>.</a:t>
+            </a:r>
+          </a:p>
+          <a:p>
+            <a:r>
+              <a:rPr lang="pt-BR" dirty="0"/>
+              <a:t>O treinamento/atualização do modelo se baseia na informação fornecida pela métrica de erro.</a:t>
+            </a:r>
+          </a:p>
+          <a:p>
+            <a:r>
+              <a:rPr lang="pt-BR" dirty="0"/>
+              <a:t>O erro basicamente aponta para a direção </a:t>
+            </a:r>
+          </a:p>
+        </p:txBody>
+      </p:sp>
+      <p:grpSp>
+        <p:nvGrpSpPr>
+          <p:cNvPr id="35" name="Agrupar 34">
+            <a:extLst>
+              <a:ext uri="{FF2B5EF4-FFF2-40B4-BE49-F238E27FC236}">
+                <a16:creationId xmlns:a16="http://schemas.microsoft.com/office/drawing/2014/main" id="{A9782521-FE16-7376-22C4-2B622220EFB1}"/>
+              </a:ext>
+            </a:extLst>
+          </p:cNvPr>
+          <p:cNvGrpSpPr/>
+          <p:nvPr/>
+        </p:nvGrpSpPr>
+        <p:grpSpPr>
+          <a:xfrm>
+            <a:off x="634883" y="2685363"/>
+            <a:ext cx="4838818" cy="3031571"/>
+            <a:chOff x="1320613" y="2558363"/>
+            <a:chExt cx="4838818" cy="3031571"/>
+          </a:xfrm>
+        </p:grpSpPr>
+        <p:grpSp>
+          <p:nvGrpSpPr>
+            <p:cNvPr id="4" name="Agrupar 3">
+              <a:extLst>
+                <a:ext uri="{FF2B5EF4-FFF2-40B4-BE49-F238E27FC236}">
+                  <a16:creationId xmlns:a16="http://schemas.microsoft.com/office/drawing/2014/main" id="{7043207C-E08F-0373-D6FF-F0C502F36306}"/>
+                </a:ext>
+              </a:extLst>
+            </p:cNvPr>
+            <p:cNvGrpSpPr/>
+            <p:nvPr/>
+          </p:nvGrpSpPr>
+          <p:grpSpPr>
+            <a:xfrm>
+              <a:off x="1320613" y="2558363"/>
+              <a:ext cx="4838818" cy="3031571"/>
+              <a:chOff x="3440214" y="2034381"/>
+              <a:chExt cx="4838818" cy="3031571"/>
+            </a:xfrm>
+          </p:grpSpPr>
+          <p:cxnSp>
+            <p:nvCxnSpPr>
+              <p:cNvPr id="6" name="Straight Arrow Connector 14">
+                <a:extLst>
+                  <a:ext uri="{FF2B5EF4-FFF2-40B4-BE49-F238E27FC236}">
+                    <a16:creationId xmlns:a16="http://schemas.microsoft.com/office/drawing/2014/main" id="{F238EB8B-055A-9659-C6C7-E8D6D2401278}"/>
+                  </a:ext>
+                </a:extLst>
+              </p:cNvPr>
+              <p:cNvCxnSpPr>
+                <a:cxnSpLocks/>
+              </p:cNvCxnSpPr>
+              <p:nvPr/>
+            </p:nvCxnSpPr>
+            <p:spPr>
+              <a:xfrm>
+                <a:off x="4176814" y="3127539"/>
+                <a:ext cx="288000" cy="0"/>
+              </a:xfrm>
+              <a:prstGeom prst="straightConnector1">
+                <a:avLst/>
+              </a:prstGeom>
+              <a:ln w="19050">
+                <a:tailEnd type="triangle"/>
+              </a:ln>
+            </p:spPr>
+            <p:style>
+              <a:lnRef idx="1">
+                <a:schemeClr val="accent1"/>
+              </a:lnRef>
+              <a:fillRef idx="0">
+                <a:schemeClr val="accent1"/>
+              </a:fillRef>
+              <a:effectRef idx="0">
+                <a:schemeClr val="accent1"/>
+              </a:effectRef>
+              <a:fontRef idx="minor">
+                <a:schemeClr val="tx1"/>
+              </a:fontRef>
+            </p:style>
+          </p:cxnSp>
+          <p:cxnSp>
+            <p:nvCxnSpPr>
+              <p:cNvPr id="7" name="Straight Arrow Connector 14">
+                <a:extLst>
+                  <a:ext uri="{FF2B5EF4-FFF2-40B4-BE49-F238E27FC236}">
+                    <a16:creationId xmlns:a16="http://schemas.microsoft.com/office/drawing/2014/main" id="{10811772-B5E2-C96E-FC88-09170CBCFB66}"/>
+                  </a:ext>
+                </a:extLst>
+              </p:cNvPr>
+              <p:cNvCxnSpPr>
+                <a:cxnSpLocks/>
+                <a:stCxn id="20" idx="3"/>
+                <a:endCxn id="8" idx="1"/>
+              </p:cNvCxnSpPr>
+              <p:nvPr/>
+            </p:nvCxnSpPr>
+            <p:spPr>
+              <a:xfrm flipV="1">
+                <a:off x="5962659" y="3098836"/>
+                <a:ext cx="704875" cy="1168"/>
+              </a:xfrm>
+              <a:prstGeom prst="straightConnector1">
+                <a:avLst/>
+              </a:prstGeom>
+              <a:ln w="19050">
+                <a:tailEnd type="triangle"/>
+              </a:ln>
+            </p:spPr>
+            <p:style>
+              <a:lnRef idx="1">
+                <a:schemeClr val="accent1"/>
+              </a:lnRef>
+              <a:fillRef idx="0">
+                <a:schemeClr val="accent1"/>
+              </a:fillRef>
+              <a:effectRef idx="0">
+                <a:schemeClr val="accent1"/>
+              </a:effectRef>
+              <a:fontRef idx="minor">
+                <a:schemeClr val="tx1"/>
+              </a:fontRef>
+            </p:style>
+          </p:cxnSp>
+          <p:sp>
+            <p:nvSpPr>
+              <p:cNvPr id="8" name="Rectangle 12">
+                <a:extLst>
+                  <a:ext uri="{FF2B5EF4-FFF2-40B4-BE49-F238E27FC236}">
+                    <a16:creationId xmlns:a16="http://schemas.microsoft.com/office/drawing/2014/main" id="{1B0D0AE8-BDC0-49CC-107A-ED44A46639BD}"/>
+                  </a:ext>
+                </a:extLst>
+              </p:cNvPr>
+              <p:cNvSpPr/>
+              <p:nvPr/>
+            </p:nvSpPr>
+            <p:spPr>
+              <a:xfrm>
+                <a:off x="6667534" y="2663590"/>
+                <a:ext cx="1216818" cy="870491"/>
+              </a:xfrm>
+              <a:prstGeom prst="rect">
+                <a:avLst/>
+              </a:prstGeom>
+              <a:noFill/>
+              <a:ln>
+                <a:solidFill>
+                  <a:schemeClr val="tx1"/>
+                </a:solidFill>
+              </a:ln>
+            </p:spPr>
+            <p:style>
+              <a:lnRef idx="2">
+                <a:schemeClr val="accent1">
+                  <a:shade val="50000"/>
+                </a:schemeClr>
+              </a:lnRef>
+              <a:fillRef idx="1">
+                <a:schemeClr val="accent1"/>
+              </a:fillRef>
+              <a:effectRef idx="0">
+                <a:schemeClr val="accent1"/>
+              </a:effectRef>
+              <a:fontRef idx="minor">
+                <a:schemeClr val="lt1"/>
+              </a:fontRef>
+            </p:style>
+            <p:txBody>
+              <a:bodyPr rtlCol="0" anchor="ctr"/>
+              <a:lstStyle/>
+              <a:p>
+                <a:pPr algn="ctr"/>
+                <a:r>
+                  <a:rPr lang="pt-BR" dirty="0">
+                    <a:solidFill>
+                      <a:schemeClr val="tx1"/>
+                    </a:solidFill>
+                  </a:rPr>
+                  <a:t>Função de erro</a:t>
+                </a:r>
+              </a:p>
+            </p:txBody>
+          </p:sp>
+          <mc:AlternateContent xmlns:mc="http://schemas.openxmlformats.org/markup-compatibility/2006" xmlns:a14="http://schemas.microsoft.com/office/drawing/2010/main">
+            <mc:Choice Requires="a14">
+              <p:sp>
+                <p:nvSpPr>
+                  <p:cNvPr id="9" name="CaixaDeTexto 8">
+                    <a:extLst>
+                      <a:ext uri="{FF2B5EF4-FFF2-40B4-BE49-F238E27FC236}">
+                        <a16:creationId xmlns:a16="http://schemas.microsoft.com/office/drawing/2014/main" id="{949F9987-4ABF-C340-D042-BBC34574BF4C}"/>
+                      </a:ext>
+                    </a:extLst>
+                  </p:cNvPr>
+                  <p:cNvSpPr txBox="1"/>
+                  <p:nvPr/>
+                </p:nvSpPr>
+                <p:spPr>
+                  <a:xfrm flipH="1">
+                    <a:off x="3719614" y="2818318"/>
+                    <a:ext cx="467999" cy="461665"/>
+                  </a:xfrm>
+                  <a:prstGeom prst="rect">
+                    <a:avLst/>
+                  </a:prstGeom>
+                  <a:noFill/>
+                </p:spPr>
+                <p:txBody>
+                  <a:bodyPr wrap="square">
+                    <a:spAutoFit/>
+                  </a:bodyPr>
+                  <a:lstStyle/>
+                  <a:p>
+                    <a:pPr/>
+                    <a14:m>
+                      <m:oMathPara xmlns:m="http://schemas.openxmlformats.org/officeDocument/2006/math">
+                        <m:oMathParaPr>
+                          <m:jc m:val="center"/>
+                        </m:oMathParaPr>
+                        <m:oMath xmlns:m="http://schemas.openxmlformats.org/officeDocument/2006/math">
+                          <m:r>
+                            <a:rPr lang="pt-BR" sz="2400" i="1" smtClean="0">
+                              <a:latin typeface="Cambria Math" panose="02040503050406030204" pitchFamily="18" charset="0"/>
+                            </a:rPr>
+                            <m:t>𝑥</m:t>
+                          </m:r>
+                        </m:oMath>
+                      </m:oMathPara>
+                    </a14:m>
+                    <a:endParaRPr lang="pt-BR" sz="2400" dirty="0"/>
+                  </a:p>
+                </p:txBody>
+              </p:sp>
+            </mc:Choice>
+            <mc:Fallback xmlns="">
+              <p:sp>
+                <p:nvSpPr>
+                  <p:cNvPr id="9" name="CaixaDeTexto 8">
+                    <a:extLst>
+                      <a:ext uri="{FF2B5EF4-FFF2-40B4-BE49-F238E27FC236}">
+                        <a16:creationId xmlns:a16="http://schemas.microsoft.com/office/drawing/2014/main" id="{DA4ABC62-C35B-9FE0-837A-4791504D8B0C}"/>
+                      </a:ext>
+                    </a:extLst>
+                  </p:cNvPr>
+                  <p:cNvSpPr txBox="1">
+                    <a:spLocks noRot="1" noChangeAspect="1" noMove="1" noResize="1" noEditPoints="1" noAdjustHandles="1" noChangeArrowheads="1" noChangeShapeType="1" noTextEdit="1"/>
+                  </p:cNvSpPr>
+                  <p:nvPr/>
+                </p:nvSpPr>
+                <p:spPr>
+                  <a:xfrm flipH="1">
+                    <a:off x="3719614" y="2818318"/>
+                    <a:ext cx="467999" cy="461665"/>
+                  </a:xfrm>
+                  <a:prstGeom prst="rect">
+                    <a:avLst/>
+                  </a:prstGeom>
+                  <a:blipFill>
+                    <a:blip r:embed="rId4"/>
+                    <a:stretch>
+                      <a:fillRect/>
+                    </a:stretch>
+                  </a:blipFill>
+                </p:spPr>
+                <p:txBody>
+                  <a:bodyPr/>
+                  <a:lstStyle/>
+                  <a:p>
+                    <a:r>
+                      <a:rPr lang="pt-BR">
+                        <a:noFill/>
+                      </a:rPr>
+                      <a:t> </a:t>
+                    </a:r>
+                  </a:p>
+                </p:txBody>
+              </p:sp>
+            </mc:Fallback>
+          </mc:AlternateContent>
+          <mc:AlternateContent xmlns:mc="http://schemas.openxmlformats.org/markup-compatibility/2006" xmlns:a14="http://schemas.microsoft.com/office/drawing/2010/main">
+            <mc:Choice Requires="a14">
+              <p:sp>
+                <p:nvSpPr>
+                  <p:cNvPr id="10" name="CaixaDeTexto 9">
+                    <a:extLst>
+                      <a:ext uri="{FF2B5EF4-FFF2-40B4-BE49-F238E27FC236}">
+                        <a16:creationId xmlns:a16="http://schemas.microsoft.com/office/drawing/2014/main" id="{7F15E993-4422-806B-1EAF-0E2278B7F409}"/>
+                      </a:ext>
+                    </a:extLst>
+                  </p:cNvPr>
+                  <p:cNvSpPr txBox="1"/>
+                  <p:nvPr/>
+                </p:nvSpPr>
+                <p:spPr>
+                  <a:xfrm flipH="1">
+                    <a:off x="3708815" y="4023518"/>
+                    <a:ext cx="467999" cy="461665"/>
+                  </a:xfrm>
+                  <a:prstGeom prst="rect">
+                    <a:avLst/>
+                  </a:prstGeom>
+                  <a:noFill/>
+                </p:spPr>
+                <p:txBody>
+                  <a:bodyPr wrap="square">
+                    <a:spAutoFit/>
+                  </a:bodyPr>
+                  <a:lstStyle/>
+                  <a:p>
+                    <a:pPr/>
+                    <a14:m>
+                      <m:oMathPara xmlns:m="http://schemas.openxmlformats.org/officeDocument/2006/math">
+                        <m:oMathParaPr>
+                          <m:jc m:val="center"/>
+                        </m:oMathParaPr>
+                        <m:oMath xmlns:m="http://schemas.openxmlformats.org/officeDocument/2006/math">
+                          <m:r>
+                            <a:rPr lang="pt-BR" sz="2400" b="0" i="1" smtClean="0">
+                              <a:latin typeface="Cambria Math" panose="02040503050406030204" pitchFamily="18" charset="0"/>
+                            </a:rPr>
+                            <m:t>𝑦</m:t>
+                          </m:r>
+                        </m:oMath>
+                      </m:oMathPara>
+                    </a14:m>
+                    <a:endParaRPr lang="pt-BR" sz="2400" dirty="0"/>
+                  </a:p>
+                </p:txBody>
+              </p:sp>
+            </mc:Choice>
+            <mc:Fallback xmlns="">
+              <p:sp>
+                <p:nvSpPr>
+                  <p:cNvPr id="10" name="CaixaDeTexto 9">
+                    <a:extLst>
+                      <a:ext uri="{FF2B5EF4-FFF2-40B4-BE49-F238E27FC236}">
+                        <a16:creationId xmlns:a16="http://schemas.microsoft.com/office/drawing/2014/main" id="{A5E5AD39-A7D5-E436-9BBF-FFF6ADD6FD8F}"/>
+                      </a:ext>
+                    </a:extLst>
+                  </p:cNvPr>
+                  <p:cNvSpPr txBox="1">
+                    <a:spLocks noRot="1" noChangeAspect="1" noMove="1" noResize="1" noEditPoints="1" noAdjustHandles="1" noChangeArrowheads="1" noChangeShapeType="1" noTextEdit="1"/>
+                  </p:cNvSpPr>
+                  <p:nvPr/>
+                </p:nvSpPr>
+                <p:spPr>
+                  <a:xfrm flipH="1">
+                    <a:off x="3708815" y="4023518"/>
+                    <a:ext cx="467999" cy="461665"/>
+                  </a:xfrm>
+                  <a:prstGeom prst="rect">
+                    <a:avLst/>
+                  </a:prstGeom>
+                  <a:blipFill>
+                    <a:blip r:embed="rId5"/>
+                    <a:stretch>
+                      <a:fillRect b="-10526"/>
+                    </a:stretch>
+                  </a:blipFill>
+                </p:spPr>
+                <p:txBody>
+                  <a:bodyPr/>
+                  <a:lstStyle/>
+                  <a:p>
+                    <a:r>
+                      <a:rPr lang="pt-BR">
+                        <a:noFill/>
+                      </a:rPr>
+                      <a:t> </a:t>
+                    </a:r>
+                  </a:p>
+                </p:txBody>
+              </p:sp>
+            </mc:Fallback>
+          </mc:AlternateContent>
+          <mc:AlternateContent xmlns:mc="http://schemas.openxmlformats.org/markup-compatibility/2006">
+            <mc:Choice xmlns:a14="http://schemas.microsoft.com/office/drawing/2010/main" Requires="a14">
+              <p:sp>
+                <p:nvSpPr>
+                  <p:cNvPr id="11" name="CaixaDeTexto 10">
+                    <a:extLst>
+                      <a:ext uri="{FF2B5EF4-FFF2-40B4-BE49-F238E27FC236}">
+                        <a16:creationId xmlns:a16="http://schemas.microsoft.com/office/drawing/2014/main" id="{124DCDD6-D8CF-6576-CFF0-698F7B3EB2CE}"/>
+                      </a:ext>
+                    </a:extLst>
+                  </p:cNvPr>
+                  <p:cNvSpPr txBox="1"/>
+                  <p:nvPr/>
+                </p:nvSpPr>
+                <p:spPr>
+                  <a:xfrm flipH="1">
+                    <a:off x="5962658" y="2664758"/>
+                    <a:ext cx="703831" cy="461665"/>
+                  </a:xfrm>
+                  <a:prstGeom prst="rect">
+                    <a:avLst/>
+                  </a:prstGeom>
+                  <a:noFill/>
+                </p:spPr>
+                <p:txBody>
+                  <a:bodyPr wrap="square">
+                    <a:spAutoFit/>
+                  </a:bodyPr>
+                  <a:lstStyle/>
+                  <a:p>
+                    <a:pPr/>
+                    <a14:m>
+                      <m:oMathPara xmlns:m="http://schemas.openxmlformats.org/officeDocument/2006/math">
+                        <m:oMathParaPr>
+                          <m:jc m:val="center"/>
+                        </m:oMathParaPr>
+                        <m:oMath xmlns:m="http://schemas.openxmlformats.org/officeDocument/2006/math">
+                          <m:acc>
+                            <m:accPr>
+                              <m:chr m:val="̂"/>
+                              <m:ctrlPr>
+                                <a:rPr lang="pt-BR" sz="2400" b="0" i="1" smtClean="0">
+                                  <a:latin typeface="Cambria Math" panose="02040503050406030204" pitchFamily="18" charset="0"/>
+                                </a:rPr>
+                              </m:ctrlPr>
+                            </m:accPr>
+                            <m:e>
+                              <m:r>
+                                <a:rPr lang="pt-BR" sz="2400" b="0" i="1" smtClean="0">
+                                  <a:latin typeface="Cambria Math" panose="02040503050406030204" pitchFamily="18" charset="0"/>
+                                </a:rPr>
+                                <m:t>𝑦</m:t>
+                              </m:r>
+                            </m:e>
+                          </m:acc>
+                        </m:oMath>
+                      </m:oMathPara>
+                    </a14:m>
+                    <a:endParaRPr lang="pt-BR" sz="2400" dirty="0"/>
+                  </a:p>
+                </p:txBody>
+              </p:sp>
+            </mc:Choice>
+            <mc:Fallback>
+              <p:sp>
+                <p:nvSpPr>
+                  <p:cNvPr id="11" name="CaixaDeTexto 10">
+                    <a:extLst>
+                      <a:ext uri="{FF2B5EF4-FFF2-40B4-BE49-F238E27FC236}">
+                        <a16:creationId xmlns:a16="http://schemas.microsoft.com/office/drawing/2014/main" id="{124DCDD6-D8CF-6576-CFF0-698F7B3EB2CE}"/>
+                      </a:ext>
+                    </a:extLst>
+                  </p:cNvPr>
+                  <p:cNvSpPr txBox="1">
+                    <a:spLocks noRot="1" noChangeAspect="1" noMove="1" noResize="1" noEditPoints="1" noAdjustHandles="1" noChangeArrowheads="1" noChangeShapeType="1" noTextEdit="1"/>
+                  </p:cNvSpPr>
+                  <p:nvPr/>
+                </p:nvSpPr>
+                <p:spPr>
+                  <a:xfrm flipH="1">
+                    <a:off x="5962658" y="2664758"/>
+                    <a:ext cx="703831" cy="461665"/>
+                  </a:xfrm>
+                  <a:prstGeom prst="rect">
+                    <a:avLst/>
+                  </a:prstGeom>
+                  <a:blipFill>
+                    <a:blip r:embed="rId6"/>
+                    <a:stretch>
+                      <a:fillRect t="-3947" r="-32174" b="-9211"/>
+                    </a:stretch>
+                  </a:blipFill>
+                </p:spPr>
+                <p:txBody>
+                  <a:bodyPr/>
+                  <a:lstStyle/>
+                  <a:p>
+                    <a:r>
+                      <a:rPr lang="pt-BR">
+                        <a:noFill/>
+                      </a:rPr>
+                      <a:t> </a:t>
+                    </a:r>
+                  </a:p>
+                </p:txBody>
+              </p:sp>
+            </mc:Fallback>
+          </mc:AlternateContent>
+          <p:cxnSp>
+            <p:nvCxnSpPr>
+              <p:cNvPr id="12" name="Conector: Angulado 11">
+                <a:extLst>
+                  <a:ext uri="{FF2B5EF4-FFF2-40B4-BE49-F238E27FC236}">
+                    <a16:creationId xmlns:a16="http://schemas.microsoft.com/office/drawing/2014/main" id="{BE324F06-24FA-DC3F-B2D3-6D62EF999C7A}"/>
+                  </a:ext>
+                </a:extLst>
+              </p:cNvPr>
+              <p:cNvCxnSpPr>
+                <a:cxnSpLocks/>
+                <a:stCxn id="10" idx="1"/>
+                <a:endCxn id="8" idx="2"/>
+              </p:cNvCxnSpPr>
+              <p:nvPr/>
+            </p:nvCxnSpPr>
+            <p:spPr>
+              <a:xfrm flipV="1">
+                <a:off x="4176814" y="3534081"/>
+                <a:ext cx="3099129" cy="720270"/>
+              </a:xfrm>
+              <a:prstGeom prst="bentConnector2">
+                <a:avLst/>
+              </a:prstGeom>
+              <a:ln>
+                <a:tailEnd type="triangle"/>
+              </a:ln>
+            </p:spPr>
+            <p:style>
+              <a:lnRef idx="1">
+                <a:schemeClr val="accent1"/>
+              </a:lnRef>
+              <a:fillRef idx="0">
+                <a:schemeClr val="accent1"/>
+              </a:fillRef>
+              <a:effectRef idx="0">
+                <a:schemeClr val="accent1"/>
+              </a:effectRef>
+              <a:fontRef idx="minor">
+                <a:schemeClr val="tx1"/>
+              </a:fontRef>
+            </p:style>
+          </p:cxnSp>
+          <p:cxnSp>
+            <p:nvCxnSpPr>
+              <p:cNvPr id="13" name="Conector: Angulado 12">
+                <a:extLst>
+                  <a:ext uri="{FF2B5EF4-FFF2-40B4-BE49-F238E27FC236}">
+                    <a16:creationId xmlns:a16="http://schemas.microsoft.com/office/drawing/2014/main" id="{CA314D9A-D6E0-712D-48EB-B4C1887A6B1C}"/>
+                  </a:ext>
+                </a:extLst>
+              </p:cNvPr>
+              <p:cNvCxnSpPr>
+                <a:cxnSpLocks/>
+                <a:stCxn id="8" idx="3"/>
+              </p:cNvCxnSpPr>
+              <p:nvPr/>
+            </p:nvCxnSpPr>
+            <p:spPr>
+              <a:xfrm flipH="1" flipV="1">
+                <a:off x="5962658" y="2034381"/>
+                <a:ext cx="1921694" cy="1064455"/>
+              </a:xfrm>
+              <a:prstGeom prst="bentConnector3">
+                <a:avLst>
+                  <a:gd name="adj1" fmla="val -11896"/>
+                </a:avLst>
+              </a:prstGeom>
+              <a:ln>
+                <a:prstDash val="dash"/>
+                <a:headEnd type="none" w="med" len="med"/>
+                <a:tailEnd type="none" w="med" len="med"/>
+              </a:ln>
+            </p:spPr>
+            <p:style>
+              <a:lnRef idx="1">
+                <a:schemeClr val="accent1"/>
+              </a:lnRef>
+              <a:fillRef idx="0">
+                <a:schemeClr val="accent1"/>
+              </a:fillRef>
+              <a:effectRef idx="0">
+                <a:schemeClr val="accent1"/>
+              </a:effectRef>
+              <a:fontRef idx="minor">
+                <a:schemeClr val="tx1"/>
+              </a:fontRef>
+            </p:style>
+          </p:cxnSp>
+          <p:sp>
+            <p:nvSpPr>
+              <p:cNvPr id="14" name="CaixaDeTexto 13">
+                <a:extLst>
+                  <a:ext uri="{FF2B5EF4-FFF2-40B4-BE49-F238E27FC236}">
+                    <a16:creationId xmlns:a16="http://schemas.microsoft.com/office/drawing/2014/main" id="{6C81948B-BB65-3F38-F6E4-2BA28B046FA8}"/>
+                  </a:ext>
+                </a:extLst>
+              </p:cNvPr>
+              <p:cNvSpPr txBox="1"/>
+              <p:nvPr/>
+            </p:nvSpPr>
+            <p:spPr>
+              <a:xfrm>
+                <a:off x="4124144" y="3698676"/>
+                <a:ext cx="1651758" cy="461665"/>
+              </a:xfrm>
+              <a:prstGeom prst="rect">
+                <a:avLst/>
+              </a:prstGeom>
+              <a:noFill/>
+            </p:spPr>
+            <p:txBody>
+              <a:bodyPr wrap="square" rtlCol="0">
+                <a:spAutoFit/>
+              </a:bodyPr>
+              <a:lstStyle/>
+              <a:p>
+                <a:pPr algn="ctr"/>
+                <a:r>
+                  <a:rPr lang="pt-BR" sz="1200" dirty="0"/>
+                  <a:t>Ajuste dos </a:t>
+                </a:r>
+                <a:r>
+                  <a:rPr lang="pt-BR" sz="1200" u="sng" dirty="0"/>
+                  <a:t>parâmetros</a:t>
+                </a:r>
+                <a:r>
+                  <a:rPr lang="pt-BR" sz="1200" dirty="0"/>
+                  <a:t> do modelo</a:t>
+                </a:r>
+              </a:p>
+            </p:txBody>
+          </p:sp>
+          <p:sp>
+            <p:nvSpPr>
+              <p:cNvPr id="15" name="Retângulo 14">
+                <a:extLst>
+                  <a:ext uri="{FF2B5EF4-FFF2-40B4-BE49-F238E27FC236}">
+                    <a16:creationId xmlns:a16="http://schemas.microsoft.com/office/drawing/2014/main" id="{16FC2795-212E-91C6-32E5-2EA13A55B896}"/>
+                  </a:ext>
+                </a:extLst>
+              </p:cNvPr>
+              <p:cNvSpPr/>
+              <p:nvPr/>
+            </p:nvSpPr>
+            <p:spPr>
+              <a:xfrm>
+                <a:off x="3708815" y="2686164"/>
+                <a:ext cx="463575" cy="1935842"/>
+              </a:xfrm>
+              <a:prstGeom prst="rect">
+                <a:avLst/>
+              </a:prstGeom>
+              <a:solidFill>
+                <a:schemeClr val="accent1">
+                  <a:alpha val="41000"/>
+                </a:schemeClr>
+              </a:solidFill>
+              <a:ln>
+                <a:solidFill>
+                  <a:schemeClr val="accent1">
+                    <a:shade val="15000"/>
+                  </a:schemeClr>
+                </a:solidFill>
+              </a:ln>
+            </p:spPr>
+            <p:style>
+              <a:lnRef idx="2">
+                <a:schemeClr val="accent1">
+                  <a:shade val="15000"/>
+                </a:schemeClr>
+              </a:lnRef>
+              <a:fillRef idx="1">
+                <a:schemeClr val="accent1"/>
+              </a:fillRef>
+              <a:effectRef idx="0">
+                <a:schemeClr val="accent1"/>
+              </a:effectRef>
+              <a:fontRef idx="minor">
+                <a:schemeClr val="lt1"/>
+              </a:fontRef>
+            </p:style>
+            <p:txBody>
+              <a:bodyPr rtlCol="0" anchor="ctr"/>
+              <a:lstStyle/>
+              <a:p>
+                <a:pPr algn="ctr"/>
+                <a:endParaRPr lang="pt-BR"/>
+              </a:p>
+            </p:txBody>
+          </p:sp>
+          <p:sp>
+            <p:nvSpPr>
+              <p:cNvPr id="16" name="CaixaDeTexto 15">
+                <a:extLst>
+                  <a:ext uri="{FF2B5EF4-FFF2-40B4-BE49-F238E27FC236}">
+                    <a16:creationId xmlns:a16="http://schemas.microsoft.com/office/drawing/2014/main" id="{B2CE912B-5038-EBC1-81A7-D20EE5D6E46D}"/>
+                  </a:ext>
+                </a:extLst>
+              </p:cNvPr>
+              <p:cNvSpPr txBox="1"/>
+              <p:nvPr/>
+            </p:nvSpPr>
+            <p:spPr>
+              <a:xfrm>
+                <a:off x="3440214" y="4604287"/>
+                <a:ext cx="1047413" cy="461665"/>
+              </a:xfrm>
+              <a:prstGeom prst="rect">
+                <a:avLst/>
+              </a:prstGeom>
+              <a:noFill/>
+            </p:spPr>
+            <p:txBody>
+              <a:bodyPr wrap="square" rtlCol="0">
+                <a:spAutoFit/>
+              </a:bodyPr>
+              <a:lstStyle/>
+              <a:p>
+                <a:pPr algn="ctr"/>
+                <a:r>
+                  <a:rPr lang="pt-BR" sz="1200" dirty="0"/>
+                  <a:t>Conjunto de treinamento</a:t>
+                </a:r>
+              </a:p>
+            </p:txBody>
+          </p:sp>
+          <p:sp>
+            <p:nvSpPr>
+              <p:cNvPr id="17" name="CaixaDeTexto 16">
+                <a:extLst>
+                  <a:ext uri="{FF2B5EF4-FFF2-40B4-BE49-F238E27FC236}">
+                    <a16:creationId xmlns:a16="http://schemas.microsoft.com/office/drawing/2014/main" id="{D3E11F84-4477-5F76-06FD-69734A1728E7}"/>
+                  </a:ext>
+                </a:extLst>
+              </p:cNvPr>
+              <p:cNvSpPr txBox="1"/>
+              <p:nvPr/>
+            </p:nvSpPr>
+            <p:spPr>
+              <a:xfrm>
+                <a:off x="5949953" y="3108346"/>
+                <a:ext cx="729489" cy="646331"/>
+              </a:xfrm>
+              <a:prstGeom prst="rect">
+                <a:avLst/>
+              </a:prstGeom>
+              <a:noFill/>
+            </p:spPr>
+            <p:txBody>
+              <a:bodyPr wrap="square" rtlCol="0">
+                <a:spAutoFit/>
+              </a:bodyPr>
+              <a:lstStyle/>
+              <a:p>
+                <a:pPr algn="ctr"/>
+                <a:r>
+                  <a:rPr lang="pt-BR" sz="1200" dirty="0"/>
+                  <a:t>Palpite</a:t>
+                </a:r>
+              </a:p>
+              <a:p>
+                <a:pPr algn="ctr"/>
+                <a:r>
+                  <a:rPr lang="pt-BR" sz="1200" dirty="0"/>
+                  <a:t>ou</a:t>
+                </a:r>
+              </a:p>
+              <a:p>
+                <a:pPr algn="ctr"/>
+                <a:r>
+                  <a:rPr lang="pt-BR" sz="1200" dirty="0"/>
+                  <a:t>predição</a:t>
+                </a:r>
+              </a:p>
+            </p:txBody>
+          </p:sp>
+          <p:sp>
+            <p:nvSpPr>
+              <p:cNvPr id="18" name="CaixaDeTexto 17">
+                <a:extLst>
+                  <a:ext uri="{FF2B5EF4-FFF2-40B4-BE49-F238E27FC236}">
+                    <a16:creationId xmlns:a16="http://schemas.microsoft.com/office/drawing/2014/main" id="{45EED265-0627-E165-4B85-2F60C945BCA4}"/>
+                  </a:ext>
+                </a:extLst>
+              </p:cNvPr>
+              <p:cNvSpPr txBox="1"/>
+              <p:nvPr/>
+            </p:nvSpPr>
+            <p:spPr>
+              <a:xfrm>
+                <a:off x="7824115" y="3099689"/>
+                <a:ext cx="454917" cy="276999"/>
+              </a:xfrm>
+              <a:prstGeom prst="rect">
+                <a:avLst/>
+              </a:prstGeom>
+              <a:noFill/>
+            </p:spPr>
+            <p:txBody>
+              <a:bodyPr wrap="square" rtlCol="0">
+                <a:spAutoFit/>
+              </a:bodyPr>
+              <a:lstStyle/>
+              <a:p>
+                <a:pPr algn="ctr"/>
+                <a:r>
+                  <a:rPr lang="pt-BR" sz="1200" dirty="0"/>
+                  <a:t>erro</a:t>
+                </a:r>
+              </a:p>
+            </p:txBody>
+          </p:sp>
+          <p:cxnSp>
+            <p:nvCxnSpPr>
+              <p:cNvPr id="19" name="Conector reto 18">
+                <a:extLst>
+                  <a:ext uri="{FF2B5EF4-FFF2-40B4-BE49-F238E27FC236}">
+                    <a16:creationId xmlns:a16="http://schemas.microsoft.com/office/drawing/2014/main" id="{4FBB144A-D3B1-58ED-79D4-025C07566D4A}"/>
+                  </a:ext>
+                </a:extLst>
+              </p:cNvPr>
+              <p:cNvCxnSpPr/>
+              <p:nvPr/>
+            </p:nvCxnSpPr>
+            <p:spPr>
+              <a:xfrm flipH="1">
+                <a:off x="4733134" y="2034381"/>
+                <a:ext cx="1212396" cy="1743075"/>
+              </a:xfrm>
+              <a:prstGeom prst="line">
+                <a:avLst/>
+              </a:prstGeom>
+              <a:ln>
+                <a:prstDash val="dash"/>
+                <a:headEnd type="none" w="med" len="med"/>
+                <a:tailEnd type="triangle" w="med" len="med"/>
+              </a:ln>
+            </p:spPr>
+            <p:style>
+              <a:lnRef idx="1">
+                <a:schemeClr val="accent1"/>
+              </a:lnRef>
+              <a:fillRef idx="0">
+                <a:schemeClr val="accent1"/>
+              </a:fillRef>
+              <a:effectRef idx="0">
+                <a:schemeClr val="accent1"/>
+              </a:effectRef>
+              <a:fontRef idx="minor">
+                <a:schemeClr val="tx1"/>
+              </a:fontRef>
+            </p:style>
+          </p:cxnSp>
+        </p:grpSp>
+        <mc:AlternateContent xmlns:mc="http://schemas.openxmlformats.org/markup-compatibility/2006">
+          <mc:Choice xmlns:a14="http://schemas.microsoft.com/office/drawing/2010/main" Requires="a14">
+            <p:sp>
+              <p:nvSpPr>
+                <p:cNvPr id="20" name="Retângulo 19">
+                  <a:extLst>
+                    <a:ext uri="{FF2B5EF4-FFF2-40B4-BE49-F238E27FC236}">
+                      <a16:creationId xmlns:a16="http://schemas.microsoft.com/office/drawing/2014/main" id="{677D043A-F43E-B0F3-37B7-346AE0697B04}"/>
+                    </a:ext>
+                  </a:extLst>
+                </p:cNvPr>
+                <p:cNvSpPr/>
+                <p:nvPr/>
+              </p:nvSpPr>
+              <p:spPr>
+                <a:xfrm>
+                  <a:off x="2343971" y="3188740"/>
+                  <a:ext cx="1499087" cy="870491"/>
+                </a:xfrm>
+                <a:prstGeom prst="rect">
+                  <a:avLst/>
+                </a:prstGeom>
+                <a:noFill/>
+              </p:spPr>
+              <p:style>
+                <a:lnRef idx="2">
+                  <a:schemeClr val="accent1">
+                    <a:shade val="15000"/>
+                  </a:schemeClr>
+                </a:lnRef>
+                <a:fillRef idx="1">
+                  <a:schemeClr val="accent1"/>
+                </a:fillRef>
+                <a:effectRef idx="0">
+                  <a:schemeClr val="accent1"/>
+                </a:effectRef>
+                <a:fontRef idx="minor">
+                  <a:schemeClr val="lt1"/>
+                </a:fontRef>
+              </p:style>
+              <p:txBody>
+                <a:bodyPr rtlCol="0" anchor="ctr"/>
+                <a:lstStyle/>
+                <a:p>
+                  <a:pPr algn="ctr"/>
+                  <a14:m>
+                    <m:oMathPara xmlns:m="http://schemas.openxmlformats.org/officeDocument/2006/math">
+                      <m:oMathParaPr>
+                        <m:jc m:val="centerGroup"/>
+                      </m:oMathParaPr>
+                      <m:oMath xmlns:m="http://schemas.openxmlformats.org/officeDocument/2006/math">
+                        <m:acc>
+                          <m:accPr>
+                            <m:chr m:val="̂"/>
+                            <m:ctrlPr>
+                              <a:rPr lang="pt-BR" i="1" smtClean="0">
+                                <a:solidFill>
+                                  <a:schemeClr val="tx1"/>
+                                </a:solidFill>
+                                <a:latin typeface="Cambria Math" panose="02040503050406030204" pitchFamily="18" charset="0"/>
+                              </a:rPr>
+                            </m:ctrlPr>
+                          </m:accPr>
+                          <m:e>
+                            <m:r>
+                              <a:rPr lang="pt-BR" b="0" i="1" smtClean="0">
+                                <a:solidFill>
+                                  <a:schemeClr val="tx1"/>
+                                </a:solidFill>
+                                <a:latin typeface="Cambria Math" panose="02040503050406030204" pitchFamily="18" charset="0"/>
+                              </a:rPr>
+                              <m:t>𝑦</m:t>
+                            </m:r>
+                          </m:e>
+                        </m:acc>
+                        <m:r>
+                          <a:rPr lang="pt-BR" b="0" i="1" smtClean="0">
+                            <a:solidFill>
+                              <a:schemeClr val="tx1"/>
+                            </a:solidFill>
+                            <a:latin typeface="Cambria Math" panose="02040503050406030204" pitchFamily="18" charset="0"/>
+                          </a:rPr>
+                          <m:t>=</m:t>
+                        </m:r>
+                        <m:sSub>
+                          <m:sSubPr>
+                            <m:ctrlPr>
+                              <a:rPr lang="pt-BR" b="0" i="1" smtClean="0">
+                                <a:solidFill>
+                                  <a:schemeClr val="tx1"/>
+                                </a:solidFill>
+                                <a:latin typeface="Cambria Math" panose="02040503050406030204" pitchFamily="18" charset="0"/>
+                              </a:rPr>
+                            </m:ctrlPr>
+                          </m:sSubPr>
+                          <m:e>
+                            <m:r>
+                              <a:rPr lang="pt-BR" b="0" i="1" smtClean="0">
+                                <a:solidFill>
+                                  <a:schemeClr val="tx1"/>
+                                </a:solidFill>
+                                <a:latin typeface="Cambria Math" panose="02040503050406030204" pitchFamily="18" charset="0"/>
+                              </a:rPr>
+                              <m:t>𝑎</m:t>
+                            </m:r>
+                          </m:e>
+                          <m:sub>
+                            <m:r>
+                              <a:rPr lang="pt-BR" b="0" i="1" smtClean="0">
+                                <a:solidFill>
+                                  <a:schemeClr val="tx1"/>
+                                </a:solidFill>
+                                <a:latin typeface="Cambria Math" panose="02040503050406030204" pitchFamily="18" charset="0"/>
+                              </a:rPr>
+                              <m:t>0</m:t>
+                            </m:r>
+                          </m:sub>
+                        </m:sSub>
+                        <m:r>
+                          <a:rPr lang="pt-BR" b="0" i="1" smtClean="0">
+                            <a:solidFill>
+                              <a:schemeClr val="tx1"/>
+                            </a:solidFill>
+                            <a:latin typeface="Cambria Math" panose="02040503050406030204" pitchFamily="18" charset="0"/>
+                          </a:rPr>
+                          <m:t>+</m:t>
+                        </m:r>
+                        <m:sSub>
+                          <m:sSubPr>
+                            <m:ctrlPr>
+                              <a:rPr lang="pt-BR" b="0" i="1" smtClean="0">
+                                <a:solidFill>
+                                  <a:schemeClr val="tx1"/>
+                                </a:solidFill>
+                                <a:latin typeface="Cambria Math" panose="02040503050406030204" pitchFamily="18" charset="0"/>
+                              </a:rPr>
+                            </m:ctrlPr>
+                          </m:sSubPr>
+                          <m:e>
+                            <m:r>
+                              <a:rPr lang="pt-BR" b="0" i="1" smtClean="0">
+                                <a:solidFill>
+                                  <a:schemeClr val="tx1"/>
+                                </a:solidFill>
+                                <a:latin typeface="Cambria Math" panose="02040503050406030204" pitchFamily="18" charset="0"/>
+                              </a:rPr>
+                              <m:t>𝑎</m:t>
+                            </m:r>
+                          </m:e>
+                          <m:sub>
+                            <m:r>
+                              <a:rPr lang="pt-BR" b="0" i="1" smtClean="0">
+                                <a:solidFill>
+                                  <a:schemeClr val="tx1"/>
+                                </a:solidFill>
+                                <a:latin typeface="Cambria Math" panose="02040503050406030204" pitchFamily="18" charset="0"/>
+                              </a:rPr>
+                              <m:t>1</m:t>
+                            </m:r>
+                          </m:sub>
+                        </m:sSub>
+                        <m:r>
+                          <a:rPr lang="pt-BR" b="0" i="1" smtClean="0">
+                            <a:solidFill>
+                              <a:schemeClr val="tx1"/>
+                            </a:solidFill>
+                            <a:latin typeface="Cambria Math" panose="02040503050406030204" pitchFamily="18" charset="0"/>
+                          </a:rPr>
+                          <m:t>𝑥</m:t>
+                        </m:r>
+                      </m:oMath>
+                    </m:oMathPara>
+                  </a14:m>
+                  <a:endParaRPr lang="pt-BR" dirty="0">
+                    <a:solidFill>
+                      <a:schemeClr val="tx1"/>
+                    </a:solidFill>
+                  </a:endParaRPr>
+                </a:p>
+              </p:txBody>
+            </p:sp>
+          </mc:Choice>
+          <mc:Fallback>
+            <p:sp>
+              <p:nvSpPr>
+                <p:cNvPr id="20" name="Retângulo 19">
+                  <a:extLst>
+                    <a:ext uri="{FF2B5EF4-FFF2-40B4-BE49-F238E27FC236}">
+                      <a16:creationId xmlns:a16="http://schemas.microsoft.com/office/drawing/2014/main" id="{677D043A-F43E-B0F3-37B7-346AE0697B04}"/>
+                    </a:ext>
+                  </a:extLst>
+                </p:cNvPr>
+                <p:cNvSpPr>
+                  <a:spLocks noRot="1" noChangeAspect="1" noMove="1" noResize="1" noEditPoints="1" noAdjustHandles="1" noChangeArrowheads="1" noChangeShapeType="1" noTextEdit="1"/>
+                </p:cNvSpPr>
+                <p:nvPr/>
+              </p:nvSpPr>
+              <p:spPr>
+                <a:xfrm>
+                  <a:off x="2343971" y="3188740"/>
+                  <a:ext cx="1499087" cy="870491"/>
+                </a:xfrm>
+                <a:prstGeom prst="rect">
+                  <a:avLst/>
+                </a:prstGeom>
+                <a:blipFill>
+                  <a:blip r:embed="rId7"/>
+                  <a:stretch>
+                    <a:fillRect/>
+                  </a:stretch>
+                </a:blipFill>
+              </p:spPr>
+              <p:txBody>
+                <a:bodyPr/>
+                <a:lstStyle/>
+                <a:p>
+                  <a:r>
+                    <a:rPr lang="pt-BR">
+                      <a:noFill/>
+                    </a:rPr>
+                    <a:t> </a:t>
+                  </a:r>
+                </a:p>
+              </p:txBody>
+            </p:sp>
+          </mc:Fallback>
+        </mc:AlternateContent>
+        <p:sp>
+          <p:nvSpPr>
+            <p:cNvPr id="23" name="Retângulo 22">
+              <a:extLst>
+                <a:ext uri="{FF2B5EF4-FFF2-40B4-BE49-F238E27FC236}">
+                  <a16:creationId xmlns:a16="http://schemas.microsoft.com/office/drawing/2014/main" id="{850665E7-60C9-9057-ADB6-2CAE2237B854}"/>
+                </a:ext>
+              </a:extLst>
+            </p:cNvPr>
+            <p:cNvSpPr/>
+            <p:nvPr/>
+          </p:nvSpPr>
+          <p:spPr>
+            <a:xfrm>
+              <a:off x="2828925" y="3540919"/>
+              <a:ext cx="270358" cy="230981"/>
+            </a:xfrm>
+            <a:prstGeom prst="rect">
+              <a:avLst/>
+            </a:prstGeom>
+            <a:noFill/>
+            <a:ln w="19050">
+              <a:solidFill>
+                <a:srgbClr val="FF0000"/>
+              </a:solidFill>
+            </a:ln>
+          </p:spPr>
+          <p:style>
+            <a:lnRef idx="2">
+              <a:schemeClr val="accent1">
+                <a:shade val="15000"/>
+              </a:schemeClr>
+            </a:lnRef>
+            <a:fillRef idx="1">
+              <a:schemeClr val="accent1"/>
+            </a:fillRef>
+            <a:effectRef idx="0">
+              <a:schemeClr val="accent1"/>
+            </a:effectRef>
+            <a:fontRef idx="minor">
+              <a:schemeClr val="lt1"/>
+            </a:fontRef>
+          </p:style>
+          <p:txBody>
+            <a:bodyPr rtlCol="0" anchor="ctr"/>
+            <a:lstStyle/>
+            <a:p>
+              <a:pPr algn="ctr"/>
+              <a:endParaRPr lang="pt-BR"/>
+            </a:p>
+          </p:txBody>
+        </p:sp>
+        <p:sp>
+          <p:nvSpPr>
+            <p:cNvPr id="24" name="Retângulo 23">
+              <a:extLst>
+                <a:ext uri="{FF2B5EF4-FFF2-40B4-BE49-F238E27FC236}">
+                  <a16:creationId xmlns:a16="http://schemas.microsoft.com/office/drawing/2014/main" id="{C7E874E7-5F26-FF77-A6A0-4A158DC458C0}"/>
+                </a:ext>
+              </a:extLst>
+            </p:cNvPr>
+            <p:cNvSpPr/>
+            <p:nvPr/>
+          </p:nvSpPr>
+          <p:spPr>
+            <a:xfrm>
+              <a:off x="3324661" y="3540919"/>
+              <a:ext cx="270358" cy="230981"/>
+            </a:xfrm>
+            <a:prstGeom prst="rect">
+              <a:avLst/>
+            </a:prstGeom>
+            <a:noFill/>
+            <a:ln w="19050">
+              <a:solidFill>
+                <a:srgbClr val="FF0000"/>
+              </a:solidFill>
+            </a:ln>
+          </p:spPr>
+          <p:style>
+            <a:lnRef idx="2">
+              <a:schemeClr val="accent1">
+                <a:shade val="15000"/>
+              </a:schemeClr>
+            </a:lnRef>
+            <a:fillRef idx="1">
+              <a:schemeClr val="accent1"/>
+            </a:fillRef>
+            <a:effectRef idx="0">
+              <a:schemeClr val="accent1"/>
+            </a:effectRef>
+            <a:fontRef idx="minor">
+              <a:schemeClr val="lt1"/>
+            </a:fontRef>
+          </p:style>
+          <p:txBody>
+            <a:bodyPr rtlCol="0" anchor="ctr"/>
+            <a:lstStyle/>
+            <a:p>
+              <a:pPr algn="ctr"/>
+              <a:endParaRPr lang="pt-BR"/>
+            </a:p>
+          </p:txBody>
+        </p:sp>
+        <p:cxnSp>
+          <p:nvCxnSpPr>
+            <p:cNvPr id="28" name="Conector de Seta Reta 27">
+              <a:extLst>
+                <a:ext uri="{FF2B5EF4-FFF2-40B4-BE49-F238E27FC236}">
+                  <a16:creationId xmlns:a16="http://schemas.microsoft.com/office/drawing/2014/main" id="{CB280270-DF7E-B48C-54FA-D35DD769A8F2}"/>
+                </a:ext>
+              </a:extLst>
+            </p:cNvPr>
+            <p:cNvCxnSpPr>
+              <a:stCxn id="24" idx="2"/>
+            </p:cNvCxnSpPr>
+            <p:nvPr/>
+          </p:nvCxnSpPr>
+          <p:spPr>
+            <a:xfrm flipH="1">
+              <a:off x="3219731" y="3771900"/>
+              <a:ext cx="240109" cy="529538"/>
+            </a:xfrm>
+            <a:prstGeom prst="straightConnector1">
+              <a:avLst/>
+            </a:prstGeom>
+            <a:ln>
+              <a:solidFill>
+                <a:srgbClr val="FF0000"/>
+              </a:solidFill>
+              <a:tailEnd type="triangle"/>
+            </a:ln>
+          </p:spPr>
+          <p:style>
+            <a:lnRef idx="1">
+              <a:schemeClr val="accent1"/>
+            </a:lnRef>
+            <a:fillRef idx="0">
+              <a:schemeClr val="accent1"/>
+            </a:fillRef>
+            <a:effectRef idx="0">
+              <a:schemeClr val="accent1"/>
+            </a:effectRef>
+            <a:fontRef idx="minor">
+              <a:schemeClr val="tx1"/>
+            </a:fontRef>
+          </p:style>
+        </p:cxnSp>
+        <p:cxnSp>
+          <p:nvCxnSpPr>
+            <p:cNvPr id="30" name="Conector de Seta Reta 29">
+              <a:extLst>
+                <a:ext uri="{FF2B5EF4-FFF2-40B4-BE49-F238E27FC236}">
+                  <a16:creationId xmlns:a16="http://schemas.microsoft.com/office/drawing/2014/main" id="{C10D38CF-E0FA-1551-91EE-C0598E273D40}"/>
+                </a:ext>
+              </a:extLst>
+            </p:cNvPr>
+            <p:cNvCxnSpPr>
+              <a:stCxn id="23" idx="2"/>
+            </p:cNvCxnSpPr>
+            <p:nvPr/>
+          </p:nvCxnSpPr>
+          <p:spPr>
+            <a:xfrm>
+              <a:off x="2964104" y="3771900"/>
+              <a:ext cx="237794" cy="529538"/>
+            </a:xfrm>
+            <a:prstGeom prst="straightConnector1">
+              <a:avLst/>
+            </a:prstGeom>
+            <a:ln>
+              <a:solidFill>
+                <a:srgbClr val="FF0000"/>
+              </a:solidFill>
+              <a:tailEnd type="triangle"/>
+            </a:ln>
+          </p:spPr>
+          <p:style>
+            <a:lnRef idx="1">
+              <a:schemeClr val="accent1"/>
+            </a:lnRef>
+            <a:fillRef idx="0">
+              <a:schemeClr val="accent1"/>
+            </a:fillRef>
+            <a:effectRef idx="0">
+              <a:schemeClr val="accent1"/>
+            </a:effectRef>
+            <a:fontRef idx="minor">
+              <a:schemeClr val="tx1"/>
+            </a:fontRef>
+          </p:style>
+        </p:cxnSp>
+        <p:sp>
+          <p:nvSpPr>
+            <p:cNvPr id="31" name="CaixaDeTexto 30">
+              <a:extLst>
+                <a:ext uri="{FF2B5EF4-FFF2-40B4-BE49-F238E27FC236}">
+                  <a16:creationId xmlns:a16="http://schemas.microsoft.com/office/drawing/2014/main" id="{3DB927FD-619C-3B92-17E3-53ADFB087CC0}"/>
+                </a:ext>
+              </a:extLst>
+            </p:cNvPr>
+            <p:cNvSpPr txBox="1"/>
+            <p:nvPr/>
+          </p:nvSpPr>
+          <p:spPr>
+            <a:xfrm>
+              <a:off x="2270990" y="2946533"/>
+              <a:ext cx="1115869" cy="276999"/>
+            </a:xfrm>
+            <a:prstGeom prst="rect">
+              <a:avLst/>
+            </a:prstGeom>
+            <a:noFill/>
+          </p:spPr>
+          <p:txBody>
+            <a:bodyPr wrap="square" rtlCol="0">
+              <a:spAutoFit/>
+            </a:bodyPr>
+            <a:lstStyle/>
+            <a:p>
+              <a:r>
+                <a:rPr lang="pt-BR" sz="1200" dirty="0"/>
+                <a:t>Modelo de ML</a:t>
+              </a:r>
+            </a:p>
+          </p:txBody>
+        </p:sp>
+      </p:grpSp>
+    </p:spTree>
+    <p:extLst>
+      <p:ext uri="{BB962C8B-B14F-4D97-AF65-F5344CB8AC3E}">
+        <p14:creationId xmlns:p14="http://schemas.microsoft.com/office/powerpoint/2010/main" val="1002052220"/>
+      </p:ext>
+    </p:extLst>
+  </p:cSld>
+  <p:clrMapOvr>
+    <a:masterClrMapping/>
+  </p:clrMapOvr>
+</p:sld>
+</file>
+
+<file path=ppt/slides/slide16.xml><?xml version="1.0" encoding="utf-8"?>
+<p:sld xmlns:a="http://schemas.openxmlformats.org/drawingml/2006/main" xmlns:r="http://schemas.openxmlformats.org/officeDocument/2006/relationships" xmlns:p="http://schemas.openxmlformats.org/presentationml/2006/main">
+  <p:cSld>
+    <p:spTree>
+      <p:nvGrpSpPr>
+        <p:cNvPr id="1" name=""/>
+        <p:cNvGrpSpPr/>
+        <p:nvPr/>
+      </p:nvGrpSpPr>
+      <p:grpSpPr>
+        <a:xfrm>
+          <a:off x="0" y="0"/>
+          <a:ext cx="0" cy="0"/>
+          <a:chOff x="0" y="0"/>
+          <a:chExt cx="0" cy="0"/>
+        </a:xfrm>
+      </p:grpSpPr>
+      <p:sp>
+        <p:nvSpPr>
+          <p:cNvPr id="2" name="Título 1">
+            <a:extLst>
+              <a:ext uri="{FF2B5EF4-FFF2-40B4-BE49-F238E27FC236}">
+                <a16:creationId xmlns:a16="http://schemas.microsoft.com/office/drawing/2014/main" id="{EB346D5F-9333-6688-3B85-AFB8D9EE6901}"/>
+              </a:ext>
+            </a:extLst>
+          </p:cNvPr>
+          <p:cNvSpPr>
+            <a:spLocks noGrp="1"/>
+          </p:cNvSpPr>
+          <p:nvPr>
+            <p:ph type="title"/>
+          </p:nvPr>
+        </p:nvSpPr>
+        <p:spPr/>
+        <p:txBody>
+          <a:bodyPr/>
+          <a:lstStyle/>
+          <a:p>
             <a:endParaRPr lang="pt-BR"/>
+          </a:p>
+        </p:txBody>
+      </p:sp>
+      <p:sp>
+        <p:nvSpPr>
+          <p:cNvPr id="3" name="Espaço Reservado para Conteúdo 2">
+            <a:extLst>
+              <a:ext uri="{FF2B5EF4-FFF2-40B4-BE49-F238E27FC236}">
+                <a16:creationId xmlns:a16="http://schemas.microsoft.com/office/drawing/2014/main" id="{EF0DC5D0-D0D2-68F7-B51B-C9FEAC1C87AB}"/>
+              </a:ext>
+            </a:extLst>
+          </p:cNvPr>
+          <p:cNvSpPr>
+            <a:spLocks noGrp="1"/>
+          </p:cNvSpPr>
+          <p:nvPr>
+            <p:ph idx="1"/>
+          </p:nvPr>
+        </p:nvSpPr>
+        <p:spPr/>
+        <p:txBody>
+          <a:bodyPr/>
+          <a:lstStyle/>
+          <a:p>
+            <a:endParaRPr lang="pt-BR"/>
+          </a:p>
+        </p:txBody>
+      </p:sp>
+    </p:spTree>
+    <p:extLst>
+      <p:ext uri="{BB962C8B-B14F-4D97-AF65-F5344CB8AC3E}">
+        <p14:creationId xmlns:p14="http://schemas.microsoft.com/office/powerpoint/2010/main" val="2396834259"/>
+      </p:ext>
+    </p:extLst>
+  </p:cSld>
+  <p:clrMapOvr>
+    <a:masterClrMapping/>
+  </p:clrMapOvr>
+</p:sld>
+</file>
+
+<file path=ppt/slides/slide17.xml><?xml version="1.0" encoding="utf-8"?>
+<p:sld xmlns:a="http://schemas.openxmlformats.org/drawingml/2006/main" xmlns:r="http://schemas.openxmlformats.org/officeDocument/2006/relationships" xmlns:p="http://schemas.openxmlformats.org/presentationml/2006/main">
+  <p:cSld>
+    <p:spTree>
+      <p:nvGrpSpPr>
+        <p:cNvPr id="1" name=""/>
+        <p:cNvGrpSpPr/>
+        <p:nvPr/>
+      </p:nvGrpSpPr>
+      <p:grpSpPr>
+        <a:xfrm>
+          <a:off x="0" y="0"/>
+          <a:ext cx="0" cy="0"/>
+          <a:chOff x="0" y="0"/>
+          <a:chExt cx="0" cy="0"/>
+        </a:xfrm>
+      </p:grpSpPr>
+      <p:sp>
+        <p:nvSpPr>
+          <p:cNvPr id="2" name="Título 1">
+            <a:extLst>
+              <a:ext uri="{FF2B5EF4-FFF2-40B4-BE49-F238E27FC236}">
+                <a16:creationId xmlns:a16="http://schemas.microsoft.com/office/drawing/2014/main" id="{ABEFD801-7E8D-0885-F1AD-8DAF6F77CEEE}"/>
+              </a:ext>
+            </a:extLst>
+          </p:cNvPr>
+          <p:cNvSpPr>
+            <a:spLocks noGrp="1"/>
+          </p:cNvSpPr>
+          <p:nvPr>
+            <p:ph type="title"/>
+          </p:nvPr>
+        </p:nvSpPr>
+        <p:spPr/>
+        <p:txBody>
+          <a:bodyPr/>
+          <a:lstStyle/>
+          <a:p>
+            <a:r>
+              <a:rPr lang="pt-BR" dirty="0"/>
+              <a:t>Otimização</a:t>
+            </a:r>
           </a:p>
         </p:txBody>
       </p:sp>
@@ -8821,12 +11861,50 @@
           </a:p>
         </p:txBody>
       </p:sp>
+      <p:pic>
+        <p:nvPicPr>
+          <p:cNvPr id="32" name="animated_linear_regression">
+            <a:hlinkClick r:id="" action="ppaction://media"/>
+            <a:extLst>
+              <a:ext uri="{FF2B5EF4-FFF2-40B4-BE49-F238E27FC236}">
+                <a16:creationId xmlns:a16="http://schemas.microsoft.com/office/drawing/2014/main" id="{66D25972-58E8-79DB-2476-AFDFC171820F}"/>
+              </a:ext>
+            </a:extLst>
+          </p:cNvPr>
+          <p:cNvPicPr>
+            <a:picLocks noChangeAspect="1"/>
+          </p:cNvPicPr>
+          <p:nvPr>
+            <a:videoFile r:link="rId2"/>
+            <p:extLst>
+              <p:ext uri="{DAA4B4D4-6D71-4841-9C94-3DE7FCFB9230}">
+                <p14:media xmlns:p14="http://schemas.microsoft.com/office/powerpoint/2010/main" r:embed="rId1"/>
+              </p:ext>
+            </p:extLst>
+          </p:nvPr>
+        </p:nvPicPr>
+        <p:blipFill>
+          <a:blip r:embed="rId4"/>
+          <a:stretch>
+            <a:fillRect/>
+          </a:stretch>
+        </p:blipFill>
+        <p:spPr>
+          <a:xfrm>
+            <a:off x="6610352" y="2200663"/>
+            <a:ext cx="4211251" cy="3158438"/>
+          </a:xfrm>
+          <a:prstGeom prst="rect">
+            <a:avLst/>
+          </a:prstGeom>
+        </p:spPr>
+      </p:pic>
       <p:grpSp>
         <p:nvGrpSpPr>
-          <p:cNvPr id="4" name="Agrupar 3">
+          <p:cNvPr id="5" name="Agrupar 4">
             <a:extLst>
               <a:ext uri="{FF2B5EF4-FFF2-40B4-BE49-F238E27FC236}">
-                <a16:creationId xmlns:a16="http://schemas.microsoft.com/office/drawing/2014/main" id="{7043207C-E08F-0373-D6FF-F0C502F36306}"/>
+                <a16:creationId xmlns:a16="http://schemas.microsoft.com/office/drawing/2014/main" id="{D74C00ED-BCCF-922E-4CCE-447665B37E98}"/>
               </a:ext>
             </a:extLst>
           </p:cNvPr>
@@ -8835,192 +11913,996 @@
         </p:nvGrpSpPr>
         <p:grpSpPr>
           <a:xfrm>
-            <a:off x="1320613" y="2558363"/>
-            <a:ext cx="4730868" cy="3031571"/>
-            <a:chOff x="3440214" y="2034381"/>
-            <a:chExt cx="4730868" cy="3031571"/>
+            <a:off x="838200" y="2012263"/>
+            <a:ext cx="4838818" cy="3031571"/>
+            <a:chOff x="1320613" y="2558363"/>
+            <a:chExt cx="4838818" cy="3031571"/>
           </a:xfrm>
         </p:grpSpPr>
-        <p:cxnSp>
-          <p:nvCxnSpPr>
-            <p:cNvPr id="6" name="Straight Arrow Connector 14">
+        <p:grpSp>
+          <p:nvGrpSpPr>
+            <p:cNvPr id="21" name="Agrupar 20">
               <a:extLst>
                 <a:ext uri="{FF2B5EF4-FFF2-40B4-BE49-F238E27FC236}">
-                  <a16:creationId xmlns:a16="http://schemas.microsoft.com/office/drawing/2014/main" id="{F238EB8B-055A-9659-C6C7-E8D6D2401278}"/>
+                  <a16:creationId xmlns:a16="http://schemas.microsoft.com/office/drawing/2014/main" id="{356E3F89-8F60-A7D1-F181-1A44A0EF711B}"/>
                 </a:ext>
               </a:extLst>
             </p:cNvPr>
-            <p:cNvCxnSpPr>
-              <a:cxnSpLocks/>
-            </p:cNvCxnSpPr>
+            <p:cNvGrpSpPr/>
             <p:nvPr/>
-          </p:nvCxnSpPr>
-          <p:spPr>
+          </p:nvGrpSpPr>
+          <p:grpSpPr>
             <a:xfrm>
-              <a:off x="4176814" y="3127539"/>
-              <a:ext cx="288000" cy="0"/>
+              <a:off x="1320613" y="2558363"/>
+              <a:ext cx="4838818" cy="3031571"/>
+              <a:chOff x="3440214" y="2034381"/>
+              <a:chExt cx="4838818" cy="3031571"/>
             </a:xfrm>
-            <a:prstGeom prst="straightConnector1">
-              <a:avLst/>
-            </a:prstGeom>
-            <a:ln w="19050">
-              <a:tailEnd type="triangle"/>
-            </a:ln>
-          </p:spPr>
-          <p:style>
-            <a:lnRef idx="1">
-              <a:schemeClr val="accent1"/>
-            </a:lnRef>
-            <a:fillRef idx="0">
-              <a:schemeClr val="accent1"/>
-            </a:fillRef>
-            <a:effectRef idx="0">
-              <a:schemeClr val="accent1"/>
-            </a:effectRef>
-            <a:fontRef idx="minor">
-              <a:schemeClr val="tx1"/>
-            </a:fontRef>
-          </p:style>
-        </p:cxnSp>
-        <p:cxnSp>
-          <p:nvCxnSpPr>
-            <p:cNvPr id="7" name="Straight Arrow Connector 14">
-              <a:extLst>
-                <a:ext uri="{FF2B5EF4-FFF2-40B4-BE49-F238E27FC236}">
-                  <a16:creationId xmlns:a16="http://schemas.microsoft.com/office/drawing/2014/main" id="{10811772-B5E2-C96E-FC88-09170CBCFB66}"/>
-                </a:ext>
-              </a:extLst>
-            </p:cNvPr>
-            <p:cNvCxnSpPr>
-              <a:cxnSpLocks/>
-            </p:cNvCxnSpPr>
-            <p:nvPr/>
-          </p:nvCxnSpPr>
-          <p:spPr>
-            <a:xfrm>
-              <a:off x="5973245" y="3123247"/>
-              <a:ext cx="576000" cy="0"/>
-            </a:xfrm>
-            <a:prstGeom prst="straightConnector1">
-              <a:avLst/>
-            </a:prstGeom>
-            <a:ln w="19050">
-              <a:tailEnd type="triangle"/>
-            </a:ln>
-          </p:spPr>
-          <p:style>
-            <a:lnRef idx="1">
-              <a:schemeClr val="accent1"/>
-            </a:lnRef>
-            <a:fillRef idx="0">
-              <a:schemeClr val="accent1"/>
-            </a:fillRef>
-            <a:effectRef idx="0">
-              <a:schemeClr val="accent1"/>
-            </a:effectRef>
-            <a:fontRef idx="minor">
-              <a:schemeClr val="tx1"/>
-            </a:fontRef>
-          </p:style>
-        </p:cxnSp>
-        <p:sp>
-          <p:nvSpPr>
-            <p:cNvPr id="8" name="Rectangle 12">
-              <a:extLst>
-                <a:ext uri="{FF2B5EF4-FFF2-40B4-BE49-F238E27FC236}">
-                  <a16:creationId xmlns:a16="http://schemas.microsoft.com/office/drawing/2014/main" id="{1B0D0AE8-BDC0-49CC-107A-ED44A46639BD}"/>
-                </a:ext>
-              </a:extLst>
-            </p:cNvPr>
-            <p:cNvSpPr/>
-            <p:nvPr/>
-          </p:nvSpPr>
-          <p:spPr>
-            <a:xfrm>
-              <a:off x="6554520" y="2686163"/>
-              <a:ext cx="1216818" cy="849086"/>
-            </a:xfrm>
-            <a:prstGeom prst="rect">
-              <a:avLst/>
-            </a:prstGeom>
-            <a:noFill/>
-            <a:ln>
+          </p:grpSpPr>
+          <p:cxnSp>
+            <p:nvCxnSpPr>
+              <p:cNvPr id="34" name="Straight Arrow Connector 14">
+                <a:extLst>
+                  <a:ext uri="{FF2B5EF4-FFF2-40B4-BE49-F238E27FC236}">
+                    <a16:creationId xmlns:a16="http://schemas.microsoft.com/office/drawing/2014/main" id="{DFD1AC60-3ED2-5708-6D27-04F822602830}"/>
+                  </a:ext>
+                </a:extLst>
+              </p:cNvPr>
+              <p:cNvCxnSpPr>
+                <a:cxnSpLocks/>
+              </p:cNvCxnSpPr>
+              <p:nvPr/>
+            </p:nvCxnSpPr>
+            <p:spPr>
+              <a:xfrm>
+                <a:off x="4176814" y="3127539"/>
+                <a:ext cx="288000" cy="0"/>
+              </a:xfrm>
+              <a:prstGeom prst="straightConnector1">
+                <a:avLst/>
+              </a:prstGeom>
+              <a:ln w="19050">
+                <a:tailEnd type="triangle"/>
+              </a:ln>
+            </p:spPr>
+            <p:style>
+              <a:lnRef idx="1">
+                <a:schemeClr val="accent1"/>
+              </a:lnRef>
+              <a:fillRef idx="0">
+                <a:schemeClr val="accent1"/>
+              </a:fillRef>
+              <a:effectRef idx="0">
+                <a:schemeClr val="accent1"/>
+              </a:effectRef>
+              <a:fontRef idx="minor">
+                <a:schemeClr val="tx1"/>
+              </a:fontRef>
+            </p:style>
+          </p:cxnSp>
+          <p:cxnSp>
+            <p:nvCxnSpPr>
+              <p:cNvPr id="35" name="Straight Arrow Connector 14">
+                <a:extLst>
+                  <a:ext uri="{FF2B5EF4-FFF2-40B4-BE49-F238E27FC236}">
+                    <a16:creationId xmlns:a16="http://schemas.microsoft.com/office/drawing/2014/main" id="{85399B4B-B008-0045-55A5-80BBE1E10B3A}"/>
+                  </a:ext>
+                </a:extLst>
+              </p:cNvPr>
+              <p:cNvCxnSpPr>
+                <a:cxnSpLocks/>
+                <a:stCxn id="22" idx="3"/>
+                <a:endCxn id="36" idx="1"/>
+              </p:cNvCxnSpPr>
+              <p:nvPr/>
+            </p:nvCxnSpPr>
+            <p:spPr>
+              <a:xfrm flipV="1">
+                <a:off x="5962659" y="3098836"/>
+                <a:ext cx="704875" cy="1168"/>
+              </a:xfrm>
+              <a:prstGeom prst="straightConnector1">
+                <a:avLst/>
+              </a:prstGeom>
+              <a:ln w="19050">
+                <a:tailEnd type="triangle"/>
+              </a:ln>
+            </p:spPr>
+            <p:style>
+              <a:lnRef idx="1">
+                <a:schemeClr val="accent1"/>
+              </a:lnRef>
+              <a:fillRef idx="0">
+                <a:schemeClr val="accent1"/>
+              </a:fillRef>
+              <a:effectRef idx="0">
+                <a:schemeClr val="accent1"/>
+              </a:effectRef>
+              <a:fontRef idx="minor">
+                <a:schemeClr val="tx1"/>
+              </a:fontRef>
+            </p:style>
+          </p:cxnSp>
+          <p:sp>
+            <p:nvSpPr>
+              <p:cNvPr id="36" name="Rectangle 12">
+                <a:extLst>
+                  <a:ext uri="{FF2B5EF4-FFF2-40B4-BE49-F238E27FC236}">
+                    <a16:creationId xmlns:a16="http://schemas.microsoft.com/office/drawing/2014/main" id="{4F7FFD28-20EC-2C81-3778-1CB8527B8A3D}"/>
+                  </a:ext>
+                </a:extLst>
+              </p:cNvPr>
+              <p:cNvSpPr/>
+              <p:nvPr/>
+            </p:nvSpPr>
+            <p:spPr>
+              <a:xfrm>
+                <a:off x="6667534" y="2663590"/>
+                <a:ext cx="1216818" cy="870491"/>
+              </a:xfrm>
+              <a:prstGeom prst="rect">
+                <a:avLst/>
+              </a:prstGeom>
+              <a:noFill/>
+              <a:ln>
+                <a:solidFill>
+                  <a:schemeClr val="tx1"/>
+                </a:solidFill>
+              </a:ln>
+            </p:spPr>
+            <p:style>
+              <a:lnRef idx="2">
+                <a:schemeClr val="accent1">
+                  <a:shade val="50000"/>
+                </a:schemeClr>
+              </a:lnRef>
+              <a:fillRef idx="1">
+                <a:schemeClr val="accent1"/>
+              </a:fillRef>
+              <a:effectRef idx="0">
+                <a:schemeClr val="accent1"/>
+              </a:effectRef>
+              <a:fontRef idx="minor">
+                <a:schemeClr val="lt1"/>
+              </a:fontRef>
+            </p:style>
+            <p:txBody>
+              <a:bodyPr rtlCol="0" anchor="ctr"/>
+              <a:lstStyle/>
+              <a:p>
+                <a:pPr algn="ctr"/>
+                <a:r>
+                  <a:rPr lang="pt-BR" dirty="0">
+                    <a:solidFill>
+                      <a:schemeClr val="tx1"/>
+                    </a:solidFill>
+                  </a:rPr>
+                  <a:t>Função de erro</a:t>
+                </a:r>
+              </a:p>
+            </p:txBody>
+          </p:sp>
+          <mc:AlternateContent xmlns:mc="http://schemas.openxmlformats.org/markup-compatibility/2006" xmlns:a14="http://schemas.microsoft.com/office/drawing/2010/main">
+            <mc:Choice Requires="a14">
+              <p:sp>
+                <p:nvSpPr>
+                  <p:cNvPr id="37" name="CaixaDeTexto 36">
+                    <a:extLst>
+                      <a:ext uri="{FF2B5EF4-FFF2-40B4-BE49-F238E27FC236}">
+                        <a16:creationId xmlns:a16="http://schemas.microsoft.com/office/drawing/2014/main" id="{22C99CDD-44B9-FAC5-2E68-2044F34228E2}"/>
+                      </a:ext>
+                    </a:extLst>
+                  </p:cNvPr>
+                  <p:cNvSpPr txBox="1"/>
+                  <p:nvPr/>
+                </p:nvSpPr>
+                <p:spPr>
+                  <a:xfrm flipH="1">
+                    <a:off x="3719614" y="2818318"/>
+                    <a:ext cx="467999" cy="461665"/>
+                  </a:xfrm>
+                  <a:prstGeom prst="rect">
+                    <a:avLst/>
+                  </a:prstGeom>
+                  <a:noFill/>
+                </p:spPr>
+                <p:txBody>
+                  <a:bodyPr wrap="square">
+                    <a:spAutoFit/>
+                  </a:bodyPr>
+                  <a:lstStyle/>
+                  <a:p>
+                    <a:pPr/>
+                    <a14:m>
+                      <m:oMathPara xmlns:m="http://schemas.openxmlformats.org/officeDocument/2006/math">
+                        <m:oMathParaPr>
+                          <m:jc m:val="center"/>
+                        </m:oMathParaPr>
+                        <m:oMath xmlns:m="http://schemas.openxmlformats.org/officeDocument/2006/math">
+                          <m:r>
+                            <a:rPr lang="pt-BR" sz="2400" i="1" smtClean="0">
+                              <a:latin typeface="Cambria Math" panose="02040503050406030204" pitchFamily="18" charset="0"/>
+                            </a:rPr>
+                            <m:t>𝑥</m:t>
+                          </m:r>
+                        </m:oMath>
+                      </m:oMathPara>
+                    </a14:m>
+                    <a:endParaRPr lang="pt-BR" sz="2400" dirty="0"/>
+                  </a:p>
+                </p:txBody>
+              </p:sp>
+            </mc:Choice>
+            <mc:Fallback xmlns="">
+              <p:sp>
+                <p:nvSpPr>
+                  <p:cNvPr id="9" name="CaixaDeTexto 8">
+                    <a:extLst>
+                      <a:ext uri="{FF2B5EF4-FFF2-40B4-BE49-F238E27FC236}">
+                        <a16:creationId xmlns:a16="http://schemas.microsoft.com/office/drawing/2014/main" id="{DA4ABC62-C35B-9FE0-837A-4791504D8B0C}"/>
+                      </a:ext>
+                    </a:extLst>
+                  </p:cNvPr>
+                  <p:cNvSpPr txBox="1">
+                    <a:spLocks noRot="1" noChangeAspect="1" noMove="1" noResize="1" noEditPoints="1" noAdjustHandles="1" noChangeArrowheads="1" noChangeShapeType="1" noTextEdit="1"/>
+                  </p:cNvSpPr>
+                  <p:nvPr/>
+                </p:nvSpPr>
+                <p:spPr>
+                  <a:xfrm flipH="1">
+                    <a:off x="3719614" y="2818318"/>
+                    <a:ext cx="467999" cy="461665"/>
+                  </a:xfrm>
+                  <a:prstGeom prst="rect">
+                    <a:avLst/>
+                  </a:prstGeom>
+                  <a:blipFill>
+                    <a:blip r:embed="rId5"/>
+                    <a:stretch>
+                      <a:fillRect/>
+                    </a:stretch>
+                  </a:blipFill>
+                </p:spPr>
+                <p:txBody>
+                  <a:bodyPr/>
+                  <a:lstStyle/>
+                  <a:p>
+                    <a:r>
+                      <a:rPr lang="pt-BR">
+                        <a:noFill/>
+                      </a:rPr>
+                      <a:t> </a:t>
+                    </a:r>
+                  </a:p>
+                </p:txBody>
+              </p:sp>
+            </mc:Fallback>
+          </mc:AlternateContent>
+          <mc:AlternateContent xmlns:mc="http://schemas.openxmlformats.org/markup-compatibility/2006" xmlns:a14="http://schemas.microsoft.com/office/drawing/2010/main">
+            <mc:Choice Requires="a14">
+              <p:sp>
+                <p:nvSpPr>
+                  <p:cNvPr id="38" name="CaixaDeTexto 37">
+                    <a:extLst>
+                      <a:ext uri="{FF2B5EF4-FFF2-40B4-BE49-F238E27FC236}">
+                        <a16:creationId xmlns:a16="http://schemas.microsoft.com/office/drawing/2014/main" id="{8EC83E08-599A-C8C2-7D1B-BE831CEE1B44}"/>
+                      </a:ext>
+                    </a:extLst>
+                  </p:cNvPr>
+                  <p:cNvSpPr txBox="1"/>
+                  <p:nvPr/>
+                </p:nvSpPr>
+                <p:spPr>
+                  <a:xfrm flipH="1">
+                    <a:off x="3708815" y="4023518"/>
+                    <a:ext cx="467999" cy="461665"/>
+                  </a:xfrm>
+                  <a:prstGeom prst="rect">
+                    <a:avLst/>
+                  </a:prstGeom>
+                  <a:noFill/>
+                </p:spPr>
+                <p:txBody>
+                  <a:bodyPr wrap="square">
+                    <a:spAutoFit/>
+                  </a:bodyPr>
+                  <a:lstStyle/>
+                  <a:p>
+                    <a:pPr/>
+                    <a14:m>
+                      <m:oMathPara xmlns:m="http://schemas.openxmlformats.org/officeDocument/2006/math">
+                        <m:oMathParaPr>
+                          <m:jc m:val="center"/>
+                        </m:oMathParaPr>
+                        <m:oMath xmlns:m="http://schemas.openxmlformats.org/officeDocument/2006/math">
+                          <m:r>
+                            <a:rPr lang="pt-BR" sz="2400" b="0" i="1" smtClean="0">
+                              <a:latin typeface="Cambria Math" panose="02040503050406030204" pitchFamily="18" charset="0"/>
+                            </a:rPr>
+                            <m:t>𝑦</m:t>
+                          </m:r>
+                        </m:oMath>
+                      </m:oMathPara>
+                    </a14:m>
+                    <a:endParaRPr lang="pt-BR" sz="2400" dirty="0"/>
+                  </a:p>
+                </p:txBody>
+              </p:sp>
+            </mc:Choice>
+            <mc:Fallback xmlns="">
+              <p:sp>
+                <p:nvSpPr>
+                  <p:cNvPr id="10" name="CaixaDeTexto 9">
+                    <a:extLst>
+                      <a:ext uri="{FF2B5EF4-FFF2-40B4-BE49-F238E27FC236}">
+                        <a16:creationId xmlns:a16="http://schemas.microsoft.com/office/drawing/2014/main" id="{A5E5AD39-A7D5-E436-9BBF-FFF6ADD6FD8F}"/>
+                      </a:ext>
+                    </a:extLst>
+                  </p:cNvPr>
+                  <p:cNvSpPr txBox="1">
+                    <a:spLocks noRot="1" noChangeAspect="1" noMove="1" noResize="1" noEditPoints="1" noAdjustHandles="1" noChangeArrowheads="1" noChangeShapeType="1" noTextEdit="1"/>
+                  </p:cNvSpPr>
+                  <p:nvPr/>
+                </p:nvSpPr>
+                <p:spPr>
+                  <a:xfrm flipH="1">
+                    <a:off x="3708815" y="4023518"/>
+                    <a:ext cx="467999" cy="461665"/>
+                  </a:xfrm>
+                  <a:prstGeom prst="rect">
+                    <a:avLst/>
+                  </a:prstGeom>
+                  <a:blipFill>
+                    <a:blip r:embed="rId6"/>
+                    <a:stretch>
+                      <a:fillRect b="-10526"/>
+                    </a:stretch>
+                  </a:blipFill>
+                </p:spPr>
+                <p:txBody>
+                  <a:bodyPr/>
+                  <a:lstStyle/>
+                  <a:p>
+                    <a:r>
+                      <a:rPr lang="pt-BR">
+                        <a:noFill/>
+                      </a:rPr>
+                      <a:t> </a:t>
+                    </a:r>
+                  </a:p>
+                </p:txBody>
+              </p:sp>
+            </mc:Fallback>
+          </mc:AlternateContent>
+          <mc:AlternateContent xmlns:mc="http://schemas.openxmlformats.org/markup-compatibility/2006">
+            <mc:Choice xmlns:a14="http://schemas.microsoft.com/office/drawing/2010/main" Requires="a14">
+              <p:sp>
+                <p:nvSpPr>
+                  <p:cNvPr id="39" name="CaixaDeTexto 38">
+                    <a:extLst>
+                      <a:ext uri="{FF2B5EF4-FFF2-40B4-BE49-F238E27FC236}">
+                        <a16:creationId xmlns:a16="http://schemas.microsoft.com/office/drawing/2014/main" id="{389B4B94-9D7D-DA24-7C55-EB399A27CFF2}"/>
+                      </a:ext>
+                    </a:extLst>
+                  </p:cNvPr>
+                  <p:cNvSpPr txBox="1"/>
+                  <p:nvPr/>
+                </p:nvSpPr>
+                <p:spPr>
+                  <a:xfrm flipH="1">
+                    <a:off x="5962658" y="2664758"/>
+                    <a:ext cx="703831" cy="461665"/>
+                  </a:xfrm>
+                  <a:prstGeom prst="rect">
+                    <a:avLst/>
+                  </a:prstGeom>
+                  <a:noFill/>
+                </p:spPr>
+                <p:txBody>
+                  <a:bodyPr wrap="square">
+                    <a:spAutoFit/>
+                  </a:bodyPr>
+                  <a:lstStyle/>
+                  <a:p>
+                    <a:pPr/>
+                    <a14:m>
+                      <m:oMathPara xmlns:m="http://schemas.openxmlformats.org/officeDocument/2006/math">
+                        <m:oMathParaPr>
+                          <m:jc m:val="center"/>
+                        </m:oMathParaPr>
+                        <m:oMath xmlns:m="http://schemas.openxmlformats.org/officeDocument/2006/math">
+                          <m:acc>
+                            <m:accPr>
+                              <m:chr m:val="̂"/>
+                              <m:ctrlPr>
+                                <a:rPr lang="pt-BR" sz="2400" b="0" i="1" smtClean="0">
+                                  <a:latin typeface="Cambria Math" panose="02040503050406030204" pitchFamily="18" charset="0"/>
+                                </a:rPr>
+                              </m:ctrlPr>
+                            </m:accPr>
+                            <m:e>
+                              <m:r>
+                                <a:rPr lang="pt-BR" sz="2400" b="0" i="1" smtClean="0">
+                                  <a:latin typeface="Cambria Math" panose="02040503050406030204" pitchFamily="18" charset="0"/>
+                                </a:rPr>
+                                <m:t>𝑦</m:t>
+                              </m:r>
+                            </m:e>
+                          </m:acc>
+                        </m:oMath>
+                      </m:oMathPara>
+                    </a14:m>
+                    <a:endParaRPr lang="pt-BR" sz="2400" dirty="0"/>
+                  </a:p>
+                </p:txBody>
+              </p:sp>
+            </mc:Choice>
+            <mc:Fallback>
+              <p:sp>
+                <p:nvSpPr>
+                  <p:cNvPr id="39" name="CaixaDeTexto 38">
+                    <a:extLst>
+                      <a:ext uri="{FF2B5EF4-FFF2-40B4-BE49-F238E27FC236}">
+                        <a16:creationId xmlns:a16="http://schemas.microsoft.com/office/drawing/2014/main" id="{389B4B94-9D7D-DA24-7C55-EB399A27CFF2}"/>
+                      </a:ext>
+                    </a:extLst>
+                  </p:cNvPr>
+                  <p:cNvSpPr txBox="1">
+                    <a:spLocks noRot="1" noChangeAspect="1" noMove="1" noResize="1" noEditPoints="1" noAdjustHandles="1" noChangeArrowheads="1" noChangeShapeType="1" noTextEdit="1"/>
+                  </p:cNvSpPr>
+                  <p:nvPr/>
+                </p:nvSpPr>
+                <p:spPr>
+                  <a:xfrm flipH="1">
+                    <a:off x="5962658" y="2664758"/>
+                    <a:ext cx="703831" cy="461665"/>
+                  </a:xfrm>
+                  <a:prstGeom prst="rect">
+                    <a:avLst/>
+                  </a:prstGeom>
+                  <a:blipFill>
+                    <a:blip r:embed="rId7"/>
+                    <a:stretch>
+                      <a:fillRect t="-4000" r="-31897" b="-10667"/>
+                    </a:stretch>
+                  </a:blipFill>
+                </p:spPr>
+                <p:txBody>
+                  <a:bodyPr/>
+                  <a:lstStyle/>
+                  <a:p>
+                    <a:r>
+                      <a:rPr lang="pt-BR">
+                        <a:noFill/>
+                      </a:rPr>
+                      <a:t> </a:t>
+                    </a:r>
+                  </a:p>
+                </p:txBody>
+              </p:sp>
+            </mc:Fallback>
+          </mc:AlternateContent>
+          <p:cxnSp>
+            <p:nvCxnSpPr>
+              <p:cNvPr id="40" name="Conector: Angulado 39">
+                <a:extLst>
+                  <a:ext uri="{FF2B5EF4-FFF2-40B4-BE49-F238E27FC236}">
+                    <a16:creationId xmlns:a16="http://schemas.microsoft.com/office/drawing/2014/main" id="{1DF13A9A-5C93-193F-EF1E-90BB099DA685}"/>
+                  </a:ext>
+                </a:extLst>
+              </p:cNvPr>
+              <p:cNvCxnSpPr>
+                <a:cxnSpLocks/>
+                <a:stCxn id="38" idx="1"/>
+                <a:endCxn id="36" idx="2"/>
+              </p:cNvCxnSpPr>
+              <p:nvPr/>
+            </p:nvCxnSpPr>
+            <p:spPr>
+              <a:xfrm flipV="1">
+                <a:off x="4176814" y="3534081"/>
+                <a:ext cx="3099129" cy="720270"/>
+              </a:xfrm>
+              <a:prstGeom prst="bentConnector2">
+                <a:avLst/>
+              </a:prstGeom>
+              <a:ln>
+                <a:tailEnd type="triangle"/>
+              </a:ln>
+            </p:spPr>
+            <p:style>
+              <a:lnRef idx="1">
+                <a:schemeClr val="accent1"/>
+              </a:lnRef>
+              <a:fillRef idx="0">
+                <a:schemeClr val="accent1"/>
+              </a:fillRef>
+              <a:effectRef idx="0">
+                <a:schemeClr val="accent1"/>
+              </a:effectRef>
+              <a:fontRef idx="minor">
+                <a:schemeClr val="tx1"/>
+              </a:fontRef>
+            </p:style>
+          </p:cxnSp>
+          <p:cxnSp>
+            <p:nvCxnSpPr>
+              <p:cNvPr id="41" name="Conector: Angulado 40">
+                <a:extLst>
+                  <a:ext uri="{FF2B5EF4-FFF2-40B4-BE49-F238E27FC236}">
+                    <a16:creationId xmlns:a16="http://schemas.microsoft.com/office/drawing/2014/main" id="{D28A99DB-AB6A-4B32-661C-9B2F0CD91153}"/>
+                  </a:ext>
+                </a:extLst>
+              </p:cNvPr>
+              <p:cNvCxnSpPr>
+                <a:cxnSpLocks/>
+                <a:stCxn id="36" idx="3"/>
+              </p:cNvCxnSpPr>
+              <p:nvPr/>
+            </p:nvCxnSpPr>
+            <p:spPr>
+              <a:xfrm flipH="1" flipV="1">
+                <a:off x="6059124" y="2034381"/>
+                <a:ext cx="1825228" cy="1064455"/>
+              </a:xfrm>
+              <a:prstGeom prst="bentConnector3">
+                <a:avLst>
+                  <a:gd name="adj1" fmla="val -17395"/>
+                </a:avLst>
+              </a:prstGeom>
+              <a:ln>
+                <a:prstDash val="dash"/>
+                <a:headEnd type="none" w="med" len="med"/>
+                <a:tailEnd type="none" w="med" len="med"/>
+              </a:ln>
+            </p:spPr>
+            <p:style>
+              <a:lnRef idx="1">
+                <a:schemeClr val="accent1"/>
+              </a:lnRef>
+              <a:fillRef idx="0">
+                <a:schemeClr val="accent1"/>
+              </a:fillRef>
+              <a:effectRef idx="0">
+                <a:schemeClr val="accent1"/>
+              </a:effectRef>
+              <a:fontRef idx="minor">
+                <a:schemeClr val="tx1"/>
+              </a:fontRef>
+            </p:style>
+          </p:cxnSp>
+          <p:sp>
+            <p:nvSpPr>
+              <p:cNvPr id="42" name="CaixaDeTexto 41">
+                <a:extLst>
+                  <a:ext uri="{FF2B5EF4-FFF2-40B4-BE49-F238E27FC236}">
+                    <a16:creationId xmlns:a16="http://schemas.microsoft.com/office/drawing/2014/main" id="{90689274-3CC2-CCB3-EB32-D329F87E6A94}"/>
+                  </a:ext>
+                </a:extLst>
+              </p:cNvPr>
+              <p:cNvSpPr txBox="1"/>
+              <p:nvPr/>
+            </p:nvSpPr>
+            <p:spPr>
+              <a:xfrm>
+                <a:off x="4124144" y="3698676"/>
+                <a:ext cx="1651758" cy="461665"/>
+              </a:xfrm>
+              <a:prstGeom prst="rect">
+                <a:avLst/>
+              </a:prstGeom>
+              <a:noFill/>
+            </p:spPr>
+            <p:txBody>
+              <a:bodyPr wrap="square" rtlCol="0">
+                <a:spAutoFit/>
+              </a:bodyPr>
+              <a:lstStyle/>
+              <a:p>
+                <a:pPr algn="ctr"/>
+                <a:r>
+                  <a:rPr lang="pt-BR" sz="1200" dirty="0"/>
+                  <a:t>Ajuste dos </a:t>
+                </a:r>
+                <a:r>
+                  <a:rPr lang="pt-BR" sz="1200" u="sng" dirty="0"/>
+                  <a:t>parâmetros</a:t>
+                </a:r>
+                <a:r>
+                  <a:rPr lang="pt-BR" sz="1200" dirty="0"/>
+                  <a:t> do modelo</a:t>
+                </a:r>
+              </a:p>
+            </p:txBody>
+          </p:sp>
+          <p:sp>
+            <p:nvSpPr>
+              <p:cNvPr id="43" name="Retângulo 42">
+                <a:extLst>
+                  <a:ext uri="{FF2B5EF4-FFF2-40B4-BE49-F238E27FC236}">
+                    <a16:creationId xmlns:a16="http://schemas.microsoft.com/office/drawing/2014/main" id="{25F2649C-D1F3-67D1-C75D-DC70648A591B}"/>
+                  </a:ext>
+                </a:extLst>
+              </p:cNvPr>
+              <p:cNvSpPr/>
+              <p:nvPr/>
+            </p:nvSpPr>
+            <p:spPr>
+              <a:xfrm>
+                <a:off x="3708815" y="2686164"/>
+                <a:ext cx="463575" cy="1935842"/>
+              </a:xfrm>
+              <a:prstGeom prst="rect">
+                <a:avLst/>
+              </a:prstGeom>
               <a:solidFill>
+                <a:schemeClr val="accent1">
+                  <a:alpha val="41000"/>
+                </a:schemeClr>
+              </a:solidFill>
+              <a:ln>
+                <a:solidFill>
+                  <a:schemeClr val="accent1">
+                    <a:shade val="15000"/>
+                  </a:schemeClr>
+                </a:solidFill>
+              </a:ln>
+            </p:spPr>
+            <p:style>
+              <a:lnRef idx="2">
+                <a:schemeClr val="accent1">
+                  <a:shade val="15000"/>
+                </a:schemeClr>
+              </a:lnRef>
+              <a:fillRef idx="1">
+                <a:schemeClr val="accent1"/>
+              </a:fillRef>
+              <a:effectRef idx="0">
+                <a:schemeClr val="accent1"/>
+              </a:effectRef>
+              <a:fontRef idx="minor">
+                <a:schemeClr val="lt1"/>
+              </a:fontRef>
+            </p:style>
+            <p:txBody>
+              <a:bodyPr rtlCol="0" anchor="ctr"/>
+              <a:lstStyle/>
+              <a:p>
+                <a:pPr algn="ctr"/>
+                <a:endParaRPr lang="pt-BR"/>
+              </a:p>
+            </p:txBody>
+          </p:sp>
+          <p:sp>
+            <p:nvSpPr>
+              <p:cNvPr id="44" name="CaixaDeTexto 43">
+                <a:extLst>
+                  <a:ext uri="{FF2B5EF4-FFF2-40B4-BE49-F238E27FC236}">
+                    <a16:creationId xmlns:a16="http://schemas.microsoft.com/office/drawing/2014/main" id="{61C3341E-BBF3-2250-D583-40FD8AFA27C4}"/>
+                  </a:ext>
+                </a:extLst>
+              </p:cNvPr>
+              <p:cNvSpPr txBox="1"/>
+              <p:nvPr/>
+            </p:nvSpPr>
+            <p:spPr>
+              <a:xfrm>
+                <a:off x="3440214" y="4604287"/>
+                <a:ext cx="1047413" cy="461665"/>
+              </a:xfrm>
+              <a:prstGeom prst="rect">
+                <a:avLst/>
+              </a:prstGeom>
+              <a:noFill/>
+            </p:spPr>
+            <p:txBody>
+              <a:bodyPr wrap="square" rtlCol="0">
+                <a:spAutoFit/>
+              </a:bodyPr>
+              <a:lstStyle/>
+              <a:p>
+                <a:pPr algn="ctr"/>
+                <a:r>
+                  <a:rPr lang="pt-BR" sz="1200" dirty="0"/>
+                  <a:t>Conjunto de treinamento</a:t>
+                </a:r>
+              </a:p>
+            </p:txBody>
+          </p:sp>
+          <p:sp>
+            <p:nvSpPr>
+              <p:cNvPr id="45" name="CaixaDeTexto 44">
+                <a:extLst>
+                  <a:ext uri="{FF2B5EF4-FFF2-40B4-BE49-F238E27FC236}">
+                    <a16:creationId xmlns:a16="http://schemas.microsoft.com/office/drawing/2014/main" id="{519F3F38-E426-9C7C-11C3-F63B5B81CD5A}"/>
+                  </a:ext>
+                </a:extLst>
+              </p:cNvPr>
+              <p:cNvSpPr txBox="1"/>
+              <p:nvPr/>
+            </p:nvSpPr>
+            <p:spPr>
+              <a:xfrm>
+                <a:off x="5949953" y="3108346"/>
+                <a:ext cx="729489" cy="646331"/>
+              </a:xfrm>
+              <a:prstGeom prst="rect">
+                <a:avLst/>
+              </a:prstGeom>
+              <a:noFill/>
+            </p:spPr>
+            <p:txBody>
+              <a:bodyPr wrap="square" rtlCol="0">
+                <a:spAutoFit/>
+              </a:bodyPr>
+              <a:lstStyle/>
+              <a:p>
+                <a:pPr algn="ctr"/>
+                <a:r>
+                  <a:rPr lang="pt-BR" sz="1200" dirty="0"/>
+                  <a:t>Palpite</a:t>
+                </a:r>
+              </a:p>
+              <a:p>
+                <a:pPr algn="ctr"/>
+                <a:r>
+                  <a:rPr lang="pt-BR" sz="1200" dirty="0"/>
+                  <a:t>ou</a:t>
+                </a:r>
+              </a:p>
+              <a:p>
+                <a:pPr algn="ctr"/>
+                <a:r>
+                  <a:rPr lang="pt-BR" sz="1200" dirty="0"/>
+                  <a:t>predição</a:t>
+                </a:r>
+              </a:p>
+            </p:txBody>
+          </p:sp>
+          <p:sp>
+            <p:nvSpPr>
+              <p:cNvPr id="46" name="CaixaDeTexto 45">
+                <a:extLst>
+                  <a:ext uri="{FF2B5EF4-FFF2-40B4-BE49-F238E27FC236}">
+                    <a16:creationId xmlns:a16="http://schemas.microsoft.com/office/drawing/2014/main" id="{3AF0F960-6A54-E296-0586-ADA265EC57B1}"/>
+                  </a:ext>
+                </a:extLst>
+              </p:cNvPr>
+              <p:cNvSpPr txBox="1"/>
+              <p:nvPr/>
+            </p:nvSpPr>
+            <p:spPr>
+              <a:xfrm>
+                <a:off x="7824115" y="3099689"/>
+                <a:ext cx="454917" cy="276999"/>
+              </a:xfrm>
+              <a:prstGeom prst="rect">
+                <a:avLst/>
+              </a:prstGeom>
+              <a:noFill/>
+            </p:spPr>
+            <p:txBody>
+              <a:bodyPr wrap="square" rtlCol="0">
+                <a:spAutoFit/>
+              </a:bodyPr>
+              <a:lstStyle/>
+              <a:p>
+                <a:pPr algn="ctr"/>
+                <a:r>
+                  <a:rPr lang="pt-BR" sz="1200" dirty="0"/>
+                  <a:t>erro</a:t>
+                </a:r>
+              </a:p>
+            </p:txBody>
+          </p:sp>
+          <p:cxnSp>
+            <p:nvCxnSpPr>
+              <p:cNvPr id="47" name="Conector reto 46">
+                <a:extLst>
+                  <a:ext uri="{FF2B5EF4-FFF2-40B4-BE49-F238E27FC236}">
+                    <a16:creationId xmlns:a16="http://schemas.microsoft.com/office/drawing/2014/main" id="{FC0D49E1-FF80-9BF5-0027-2F35F364EA76}"/>
+                  </a:ext>
+                </a:extLst>
+              </p:cNvPr>
+              <p:cNvCxnSpPr/>
+              <p:nvPr/>
+            </p:nvCxnSpPr>
+            <p:spPr>
+              <a:xfrm flipH="1">
+                <a:off x="4733134" y="2034381"/>
+                <a:ext cx="1212396" cy="1743075"/>
+              </a:xfrm>
+              <a:prstGeom prst="line">
+                <a:avLst/>
+              </a:prstGeom>
+              <a:ln>
+                <a:prstDash val="dash"/>
+                <a:headEnd type="none" w="med" len="med"/>
+                <a:tailEnd type="triangle" w="med" len="med"/>
+              </a:ln>
+            </p:spPr>
+            <p:style>
+              <a:lnRef idx="1">
+                <a:schemeClr val="accent1"/>
+              </a:lnRef>
+              <a:fillRef idx="0">
+                <a:schemeClr val="accent1"/>
+              </a:fillRef>
+              <a:effectRef idx="0">
+                <a:schemeClr val="accent1"/>
+              </a:effectRef>
+              <a:fontRef idx="minor">
                 <a:schemeClr val="tx1"/>
-              </a:solidFill>
-            </a:ln>
-          </p:spPr>
-          <p:style>
-            <a:lnRef idx="2">
-              <a:schemeClr val="accent1">
-                <a:shade val="50000"/>
-              </a:schemeClr>
-            </a:lnRef>
-            <a:fillRef idx="1">
-              <a:schemeClr val="accent1"/>
-            </a:fillRef>
-            <a:effectRef idx="0">
-              <a:schemeClr val="accent1"/>
-            </a:effectRef>
-            <a:fontRef idx="minor">
-              <a:schemeClr val="lt1"/>
-            </a:fontRef>
-          </p:style>
-          <p:txBody>
-            <a:bodyPr rtlCol="0" anchor="ctr"/>
-            <a:lstStyle/>
-            <a:p>
-              <a:pPr algn="ctr"/>
-              <a:r>
-                <a:rPr lang="pt-BR" dirty="0">
-                  <a:solidFill>
-                    <a:schemeClr val="tx1"/>
-                  </a:solidFill>
-                </a:rPr>
-                <a:t>Função de erro</a:t>
-              </a:r>
-            </a:p>
-          </p:txBody>
-        </p:sp>
-        <mc:AlternateContent xmlns:mc="http://schemas.openxmlformats.org/markup-compatibility/2006" xmlns:a14="http://schemas.microsoft.com/office/drawing/2010/main">
-          <mc:Choice Requires="a14">
+              </a:fontRef>
+            </p:style>
+          </p:cxnSp>
+        </p:grpSp>
+        <mc:AlternateContent xmlns:mc="http://schemas.openxmlformats.org/markup-compatibility/2006">
+          <mc:Choice xmlns:a14="http://schemas.microsoft.com/office/drawing/2010/main" Requires="a14">
             <p:sp>
               <p:nvSpPr>
-                <p:cNvPr id="9" name="CaixaDeTexto 8">
+                <p:cNvPr id="22" name="Retângulo 21">
                   <a:extLst>
                     <a:ext uri="{FF2B5EF4-FFF2-40B4-BE49-F238E27FC236}">
-                      <a16:creationId xmlns:a16="http://schemas.microsoft.com/office/drawing/2014/main" id="{949F9987-4ABF-C340-D042-BBC34574BF4C}"/>
+                      <a16:creationId xmlns:a16="http://schemas.microsoft.com/office/drawing/2014/main" id="{5A2505DD-6AF9-E411-4241-BE265FC09384}"/>
                     </a:ext>
                   </a:extLst>
                 </p:cNvPr>
-                <p:cNvSpPr txBox="1"/>
+                <p:cNvSpPr/>
                 <p:nvPr/>
               </p:nvSpPr>
               <p:spPr>
-                <a:xfrm flipH="1">
-                  <a:off x="3719614" y="2818318"/>
-                  <a:ext cx="467999" cy="461665"/>
+                <a:xfrm>
+                  <a:off x="2343971" y="3188740"/>
+                  <a:ext cx="1499087" cy="870491"/>
                 </a:xfrm>
                 <a:prstGeom prst="rect">
                   <a:avLst/>
                 </a:prstGeom>
                 <a:noFill/>
               </p:spPr>
+              <p:style>
+                <a:lnRef idx="2">
+                  <a:schemeClr val="accent1">
+                    <a:shade val="15000"/>
+                  </a:schemeClr>
+                </a:lnRef>
+                <a:fillRef idx="1">
+                  <a:schemeClr val="accent1"/>
+                </a:fillRef>
+                <a:effectRef idx="0">
+                  <a:schemeClr val="accent1"/>
+                </a:effectRef>
+                <a:fontRef idx="minor">
+                  <a:schemeClr val="lt1"/>
+                </a:fontRef>
+              </p:style>
               <p:txBody>
-                <a:bodyPr wrap="square">
-                  <a:spAutoFit/>
-                </a:bodyPr>
+                <a:bodyPr rtlCol="0" anchor="ctr"/>
                 <a:lstStyle/>
                 <a:p>
-                  <a:pPr/>
+                  <a:pPr algn="ctr"/>
                   <a14:m>
                     <m:oMathPara xmlns:m="http://schemas.openxmlformats.org/officeDocument/2006/math">
                       <m:oMathParaPr>
-                        <m:jc m:val="center"/>
+                        <m:jc m:val="centerGroup"/>
                       </m:oMathParaPr>
                       <m:oMath xmlns:m="http://schemas.openxmlformats.org/officeDocument/2006/math">
+                        <m:acc>
+                          <m:accPr>
+                            <m:chr m:val="̂"/>
+                            <m:ctrlPr>
+                              <a:rPr lang="pt-BR" i="1" smtClean="0">
+                                <a:solidFill>
+                                  <a:schemeClr val="tx1"/>
+                                </a:solidFill>
+                                <a:latin typeface="Cambria Math" panose="02040503050406030204" pitchFamily="18" charset="0"/>
+                              </a:rPr>
+                            </m:ctrlPr>
+                          </m:accPr>
+                          <m:e>
+                            <m:r>
+                              <a:rPr lang="pt-BR" b="0" i="1" smtClean="0">
+                                <a:solidFill>
+                                  <a:schemeClr val="tx1"/>
+                                </a:solidFill>
+                                <a:latin typeface="Cambria Math" panose="02040503050406030204" pitchFamily="18" charset="0"/>
+                              </a:rPr>
+                              <m:t>𝑦</m:t>
+                            </m:r>
+                          </m:e>
+                        </m:acc>
                         <m:r>
-                          <a:rPr lang="pt-BR" sz="2400" i="1" smtClean="0">
+                          <a:rPr lang="pt-BR" b="0" i="1" smtClean="0">
+                            <a:solidFill>
+                              <a:schemeClr val="tx1"/>
+                            </a:solidFill>
+                            <a:latin typeface="Cambria Math" panose="02040503050406030204" pitchFamily="18" charset="0"/>
+                          </a:rPr>
+                          <m:t>=</m:t>
+                        </m:r>
+                        <m:sSub>
+                          <m:sSubPr>
+                            <m:ctrlPr>
+                              <a:rPr lang="pt-BR" b="0" i="1" smtClean="0">
+                                <a:solidFill>
+                                  <a:schemeClr val="tx1"/>
+                                </a:solidFill>
+                                <a:latin typeface="Cambria Math" panose="02040503050406030204" pitchFamily="18" charset="0"/>
+                              </a:rPr>
+                            </m:ctrlPr>
+                          </m:sSubPr>
+                          <m:e>
+                            <m:r>
+                              <a:rPr lang="pt-BR" b="0" i="1" smtClean="0">
+                                <a:solidFill>
+                                  <a:schemeClr val="tx1"/>
+                                </a:solidFill>
+                                <a:latin typeface="Cambria Math" panose="02040503050406030204" pitchFamily="18" charset="0"/>
+                              </a:rPr>
+                              <m:t>𝑎</m:t>
+                            </m:r>
+                          </m:e>
+                          <m:sub>
+                            <m:r>
+                              <a:rPr lang="pt-BR" b="0" i="1" smtClean="0">
+                                <a:solidFill>
+                                  <a:schemeClr val="tx1"/>
+                                </a:solidFill>
+                                <a:latin typeface="Cambria Math" panose="02040503050406030204" pitchFamily="18" charset="0"/>
+                              </a:rPr>
+                              <m:t>0</m:t>
+                            </m:r>
+                          </m:sub>
+                        </m:sSub>
+                        <m:r>
+                          <a:rPr lang="pt-BR" b="0" i="1" smtClean="0">
+                            <a:solidFill>
+                              <a:schemeClr val="tx1"/>
+                            </a:solidFill>
+                            <a:latin typeface="Cambria Math" panose="02040503050406030204" pitchFamily="18" charset="0"/>
+                          </a:rPr>
+                          <m:t>+</m:t>
+                        </m:r>
+                        <m:sSub>
+                          <m:sSubPr>
+                            <m:ctrlPr>
+                              <a:rPr lang="pt-BR" b="0" i="1" smtClean="0">
+                                <a:solidFill>
+                                  <a:schemeClr val="tx1"/>
+                                </a:solidFill>
+                                <a:latin typeface="Cambria Math" panose="02040503050406030204" pitchFamily="18" charset="0"/>
+                              </a:rPr>
+                            </m:ctrlPr>
+                          </m:sSubPr>
+                          <m:e>
+                            <m:r>
+                              <a:rPr lang="pt-BR" b="0" i="1" smtClean="0">
+                                <a:solidFill>
+                                  <a:schemeClr val="tx1"/>
+                                </a:solidFill>
+                                <a:latin typeface="Cambria Math" panose="02040503050406030204" pitchFamily="18" charset="0"/>
+                              </a:rPr>
+                              <m:t>𝑎</m:t>
+                            </m:r>
+                          </m:e>
+                          <m:sub>
+                            <m:r>
+                              <a:rPr lang="pt-BR" b="0" i="1" smtClean="0">
+                                <a:solidFill>
+                                  <a:schemeClr val="tx1"/>
+                                </a:solidFill>
+                                <a:latin typeface="Cambria Math" panose="02040503050406030204" pitchFamily="18" charset="0"/>
+                              </a:rPr>
+                              <m:t>1</m:t>
+                            </m:r>
+                          </m:sub>
+                        </m:sSub>
+                        <m:r>
+                          <a:rPr lang="pt-BR" b="0" i="1" smtClean="0">
+                            <a:solidFill>
+                              <a:schemeClr val="tx1"/>
+                            </a:solidFill>
                             <a:latin typeface="Cambria Math" panose="02040503050406030204" pitchFamily="18" charset="0"/>
                           </a:rPr>
                           <m:t>𝑥</m:t>
@@ -9028,36 +12910,40 @@
                       </m:oMath>
                     </m:oMathPara>
                   </a14:m>
-                  <a:endParaRPr lang="pt-BR" sz="2400" dirty="0"/>
+                  <a:endParaRPr lang="pt-BR" dirty="0">
+                    <a:solidFill>
+                      <a:schemeClr val="tx1"/>
+                    </a:solidFill>
+                  </a:endParaRPr>
                 </a:p>
               </p:txBody>
             </p:sp>
           </mc:Choice>
-          <mc:Fallback xmlns="">
+          <mc:Fallback>
             <p:sp>
               <p:nvSpPr>
-                <p:cNvPr id="9" name="CaixaDeTexto 8">
+                <p:cNvPr id="22" name="Retângulo 21">
                   <a:extLst>
                     <a:ext uri="{FF2B5EF4-FFF2-40B4-BE49-F238E27FC236}">
-                      <a16:creationId xmlns:a16="http://schemas.microsoft.com/office/drawing/2014/main" id="{DA4ABC62-C35B-9FE0-837A-4791504D8B0C}"/>
+                      <a16:creationId xmlns:a16="http://schemas.microsoft.com/office/drawing/2014/main" id="{5A2505DD-6AF9-E411-4241-BE265FC09384}"/>
                     </a:ext>
                   </a:extLst>
                 </p:cNvPr>
-                <p:cNvSpPr txBox="1">
+                <p:cNvSpPr>
                   <a:spLocks noRot="1" noChangeAspect="1" noMove="1" noResize="1" noEditPoints="1" noAdjustHandles="1" noChangeArrowheads="1" noChangeShapeType="1" noTextEdit="1"/>
                 </p:cNvSpPr>
                 <p:nvPr/>
               </p:nvSpPr>
               <p:spPr>
-                <a:xfrm flipH="1">
-                  <a:off x="3719614" y="2818318"/>
-                  <a:ext cx="467999" cy="461665"/>
+                <a:xfrm>
+                  <a:off x="2343971" y="3188740"/>
+                  <a:ext cx="1499087" cy="870491"/>
                 </a:xfrm>
                 <a:prstGeom prst="rect">
                   <a:avLst/>
                 </a:prstGeom>
                 <a:blipFill>
-                  <a:blip r:embed="rId4"/>
+                  <a:blip r:embed="rId8"/>
                   <a:stretch>
                     <a:fillRect/>
                   </a:stretch>
@@ -9078,348 +12964,12 @@
             </p:sp>
           </mc:Fallback>
         </mc:AlternateContent>
-        <mc:AlternateContent xmlns:mc="http://schemas.openxmlformats.org/markup-compatibility/2006" xmlns:a14="http://schemas.microsoft.com/office/drawing/2010/main">
-          <mc:Choice Requires="a14">
-            <p:sp>
-              <p:nvSpPr>
-                <p:cNvPr id="10" name="CaixaDeTexto 9">
-                  <a:extLst>
-                    <a:ext uri="{FF2B5EF4-FFF2-40B4-BE49-F238E27FC236}">
-                      <a16:creationId xmlns:a16="http://schemas.microsoft.com/office/drawing/2014/main" id="{7F15E993-4422-806B-1EAF-0E2278B7F409}"/>
-                    </a:ext>
-                  </a:extLst>
-                </p:cNvPr>
-                <p:cNvSpPr txBox="1"/>
-                <p:nvPr/>
-              </p:nvSpPr>
-              <p:spPr>
-                <a:xfrm flipH="1">
-                  <a:off x="3708815" y="4023518"/>
-                  <a:ext cx="467999" cy="461665"/>
-                </a:xfrm>
-                <a:prstGeom prst="rect">
-                  <a:avLst/>
-                </a:prstGeom>
-                <a:noFill/>
-              </p:spPr>
-              <p:txBody>
-                <a:bodyPr wrap="square">
-                  <a:spAutoFit/>
-                </a:bodyPr>
-                <a:lstStyle/>
-                <a:p>
-                  <a:pPr/>
-                  <a14:m>
-                    <m:oMathPara xmlns:m="http://schemas.openxmlformats.org/officeDocument/2006/math">
-                      <m:oMathParaPr>
-                        <m:jc m:val="center"/>
-                      </m:oMathParaPr>
-                      <m:oMath xmlns:m="http://schemas.openxmlformats.org/officeDocument/2006/math">
-                        <m:r>
-                          <a:rPr lang="pt-BR" sz="2400" b="0" i="1" smtClean="0">
-                            <a:latin typeface="Cambria Math" panose="02040503050406030204" pitchFamily="18" charset="0"/>
-                          </a:rPr>
-                          <m:t>𝑦</m:t>
-                        </m:r>
-                      </m:oMath>
-                    </m:oMathPara>
-                  </a14:m>
-                  <a:endParaRPr lang="pt-BR" sz="2400" dirty="0"/>
-                </a:p>
-              </p:txBody>
-            </p:sp>
-          </mc:Choice>
-          <mc:Fallback xmlns="">
-            <p:sp>
-              <p:nvSpPr>
-                <p:cNvPr id="10" name="CaixaDeTexto 9">
-                  <a:extLst>
-                    <a:ext uri="{FF2B5EF4-FFF2-40B4-BE49-F238E27FC236}">
-                      <a16:creationId xmlns:a16="http://schemas.microsoft.com/office/drawing/2014/main" id="{A5E5AD39-A7D5-E436-9BBF-FFF6ADD6FD8F}"/>
-                    </a:ext>
-                  </a:extLst>
-                </p:cNvPr>
-                <p:cNvSpPr txBox="1">
-                  <a:spLocks noRot="1" noChangeAspect="1" noMove="1" noResize="1" noEditPoints="1" noAdjustHandles="1" noChangeArrowheads="1" noChangeShapeType="1" noTextEdit="1"/>
-                </p:cNvSpPr>
-                <p:nvPr/>
-              </p:nvSpPr>
-              <p:spPr>
-                <a:xfrm flipH="1">
-                  <a:off x="3708815" y="4023518"/>
-                  <a:ext cx="467999" cy="461665"/>
-                </a:xfrm>
-                <a:prstGeom prst="rect">
-                  <a:avLst/>
-                </a:prstGeom>
-                <a:blipFill>
-                  <a:blip r:embed="rId5"/>
-                  <a:stretch>
-                    <a:fillRect b="-10526"/>
-                  </a:stretch>
-                </a:blipFill>
-              </p:spPr>
-              <p:txBody>
-                <a:bodyPr/>
-                <a:lstStyle/>
-                <a:p>
-                  <a:r>
-                    <a:rPr lang="pt-BR">
-                      <a:noFill/>
-                    </a:rPr>
-                    <a:t> </a:t>
-                  </a:r>
-                </a:p>
-              </p:txBody>
-            </p:sp>
-          </mc:Fallback>
-        </mc:AlternateContent>
-        <mc:AlternateContent xmlns:mc="http://schemas.openxmlformats.org/markup-compatibility/2006" xmlns:a14="http://schemas.microsoft.com/office/drawing/2010/main">
-          <mc:Choice Requires="a14">
-            <p:sp>
-              <p:nvSpPr>
-                <p:cNvPr id="11" name="CaixaDeTexto 10">
-                  <a:extLst>
-                    <a:ext uri="{FF2B5EF4-FFF2-40B4-BE49-F238E27FC236}">
-                      <a16:creationId xmlns:a16="http://schemas.microsoft.com/office/drawing/2014/main" id="{124DCDD6-D8CF-6576-CFF0-698F7B3EB2CE}"/>
-                    </a:ext>
-                  </a:extLst>
-                </p:cNvPr>
-                <p:cNvSpPr txBox="1"/>
-                <p:nvPr/>
-              </p:nvSpPr>
-              <p:spPr>
-                <a:xfrm flipH="1">
-                  <a:off x="5939999" y="2664758"/>
-                  <a:ext cx="467999" cy="461665"/>
-                </a:xfrm>
-                <a:prstGeom prst="rect">
-                  <a:avLst/>
-                </a:prstGeom>
-                <a:noFill/>
-              </p:spPr>
-              <p:txBody>
-                <a:bodyPr wrap="square">
-                  <a:spAutoFit/>
-                </a:bodyPr>
-                <a:lstStyle/>
-                <a:p>
-                  <a:pPr/>
-                  <a14:m>
-                    <m:oMathPara xmlns:m="http://schemas.openxmlformats.org/officeDocument/2006/math">
-                      <m:oMathParaPr>
-                        <m:jc m:val="center"/>
-                      </m:oMathParaPr>
-                      <m:oMath xmlns:m="http://schemas.openxmlformats.org/officeDocument/2006/math">
-                        <m:acc>
-                          <m:accPr>
-                            <m:chr m:val="̂"/>
-                            <m:ctrlPr>
-                              <a:rPr lang="pt-BR" sz="2400" b="0" i="1" smtClean="0">
-                                <a:latin typeface="Cambria Math" panose="02040503050406030204" pitchFamily="18" charset="0"/>
-                              </a:rPr>
-                            </m:ctrlPr>
-                          </m:accPr>
-                          <m:e>
-                            <m:r>
-                              <a:rPr lang="pt-BR" sz="2400" b="0" i="1" smtClean="0">
-                                <a:latin typeface="Cambria Math" panose="02040503050406030204" pitchFamily="18" charset="0"/>
-                              </a:rPr>
-                              <m:t>𝑦</m:t>
-                            </m:r>
-                          </m:e>
-                        </m:acc>
-                      </m:oMath>
-                    </m:oMathPara>
-                  </a14:m>
-                  <a:endParaRPr lang="pt-BR" sz="2400" dirty="0"/>
-                </a:p>
-              </p:txBody>
-            </p:sp>
-          </mc:Choice>
-          <mc:Fallback xmlns="">
-            <p:sp>
-              <p:nvSpPr>
-                <p:cNvPr id="11" name="CaixaDeTexto 10">
-                  <a:extLst>
-                    <a:ext uri="{FF2B5EF4-FFF2-40B4-BE49-F238E27FC236}">
-                      <a16:creationId xmlns:a16="http://schemas.microsoft.com/office/drawing/2014/main" id="{1CE7135F-E568-D584-D67C-E15C08BC53CE}"/>
-                    </a:ext>
-                  </a:extLst>
-                </p:cNvPr>
-                <p:cNvSpPr txBox="1">
-                  <a:spLocks noRot="1" noChangeAspect="1" noMove="1" noResize="1" noEditPoints="1" noAdjustHandles="1" noChangeArrowheads="1" noChangeShapeType="1" noTextEdit="1"/>
-                </p:cNvSpPr>
-                <p:nvPr/>
-              </p:nvSpPr>
-              <p:spPr>
-                <a:xfrm flipH="1">
-                  <a:off x="5939999" y="2664758"/>
-                  <a:ext cx="467999" cy="461665"/>
-                </a:xfrm>
-                <a:prstGeom prst="rect">
-                  <a:avLst/>
-                </a:prstGeom>
-                <a:blipFill>
-                  <a:blip r:embed="rId6"/>
-                  <a:stretch>
-                    <a:fillRect t="-3947" r="-25974" b="-10526"/>
-                  </a:stretch>
-                </a:blipFill>
-              </p:spPr>
-              <p:txBody>
-                <a:bodyPr/>
-                <a:lstStyle/>
-                <a:p>
-                  <a:r>
-                    <a:rPr lang="pt-BR">
-                      <a:noFill/>
-                    </a:rPr>
-                    <a:t> </a:t>
-                  </a:r>
-                </a:p>
-              </p:txBody>
-            </p:sp>
-          </mc:Fallback>
-        </mc:AlternateContent>
-        <p:cxnSp>
-          <p:nvCxnSpPr>
-            <p:cNvPr id="12" name="Conector: Angulado 11">
+        <p:sp>
+          <p:nvSpPr>
+            <p:cNvPr id="25" name="Retângulo 24">
               <a:extLst>
                 <a:ext uri="{FF2B5EF4-FFF2-40B4-BE49-F238E27FC236}">
-                  <a16:creationId xmlns:a16="http://schemas.microsoft.com/office/drawing/2014/main" id="{BE324F06-24FA-DC3F-B2D3-6D62EF999C7A}"/>
-                </a:ext>
-              </a:extLst>
-            </p:cNvPr>
-            <p:cNvCxnSpPr>
-              <a:cxnSpLocks/>
-              <a:stCxn id="10" idx="1"/>
-              <a:endCxn id="8" idx="2"/>
-            </p:cNvCxnSpPr>
-            <p:nvPr/>
-          </p:nvCxnSpPr>
-          <p:spPr>
-            <a:xfrm flipV="1">
-              <a:off x="4176814" y="3535249"/>
-              <a:ext cx="2986115" cy="719102"/>
-            </a:xfrm>
-            <a:prstGeom prst="bentConnector2">
-              <a:avLst/>
-            </a:prstGeom>
-            <a:ln>
-              <a:tailEnd type="triangle"/>
-            </a:ln>
-          </p:spPr>
-          <p:style>
-            <a:lnRef idx="1">
-              <a:schemeClr val="accent1"/>
-            </a:lnRef>
-            <a:fillRef idx="0">
-              <a:schemeClr val="accent1"/>
-            </a:fillRef>
-            <a:effectRef idx="0">
-              <a:schemeClr val="accent1"/>
-            </a:effectRef>
-            <a:fontRef idx="minor">
-              <a:schemeClr val="tx1"/>
-            </a:fontRef>
-          </p:style>
-        </p:cxnSp>
-        <p:cxnSp>
-          <p:nvCxnSpPr>
-            <p:cNvPr id="13" name="Conector: Angulado 12">
-              <a:extLst>
-                <a:ext uri="{FF2B5EF4-FFF2-40B4-BE49-F238E27FC236}">
-                  <a16:creationId xmlns:a16="http://schemas.microsoft.com/office/drawing/2014/main" id="{CA314D9A-D6E0-712D-48EB-B4C1887A6B1C}"/>
-                </a:ext>
-              </a:extLst>
-            </p:cNvPr>
-            <p:cNvCxnSpPr>
-              <a:stCxn id="8" idx="3"/>
-            </p:cNvCxnSpPr>
-            <p:nvPr/>
-          </p:nvCxnSpPr>
-          <p:spPr>
-            <a:xfrm flipH="1" flipV="1">
-              <a:off x="5946110" y="2034381"/>
-              <a:ext cx="1825228" cy="1076325"/>
-            </a:xfrm>
-            <a:prstGeom prst="bentConnector3">
-              <a:avLst>
-                <a:gd name="adj1" fmla="val -12524"/>
-              </a:avLst>
-            </a:prstGeom>
-            <a:ln>
-              <a:prstDash val="dash"/>
-              <a:headEnd type="none" w="med" len="med"/>
-              <a:tailEnd type="none" w="med" len="med"/>
-            </a:ln>
-          </p:spPr>
-          <p:style>
-            <a:lnRef idx="1">
-              <a:schemeClr val="accent1"/>
-            </a:lnRef>
-            <a:fillRef idx="0">
-              <a:schemeClr val="accent1"/>
-            </a:fillRef>
-            <a:effectRef idx="0">
-              <a:schemeClr val="accent1"/>
-            </a:effectRef>
-            <a:fontRef idx="minor">
-              <a:schemeClr val="tx1"/>
-            </a:fontRef>
-          </p:style>
-        </p:cxnSp>
-        <p:sp>
-          <p:nvSpPr>
-            <p:cNvPr id="14" name="CaixaDeTexto 13">
-              <a:extLst>
-                <a:ext uri="{FF2B5EF4-FFF2-40B4-BE49-F238E27FC236}">
-                  <a16:creationId xmlns:a16="http://schemas.microsoft.com/office/drawing/2014/main" id="{6C81948B-BB65-3F38-F6E4-2BA28B046FA8}"/>
-                </a:ext>
-              </a:extLst>
-            </p:cNvPr>
-            <p:cNvSpPr txBox="1"/>
-            <p:nvPr/>
-          </p:nvSpPr>
-          <p:spPr>
-            <a:xfrm>
-              <a:off x="4124144" y="3698676"/>
-              <a:ext cx="1651758" cy="461665"/>
-            </a:xfrm>
-            <a:prstGeom prst="rect">
-              <a:avLst/>
-            </a:prstGeom>
-            <a:noFill/>
-          </p:spPr>
-          <p:txBody>
-            <a:bodyPr wrap="square" rtlCol="0">
-              <a:spAutoFit/>
-            </a:bodyPr>
-            <a:lstStyle/>
-            <a:p>
-              <a:pPr algn="ctr"/>
-              <a:r>
-                <a:rPr lang="pt-BR" sz="1200" dirty="0"/>
-                <a:t>Ajuste dos </a:t>
-              </a:r>
-              <a:r>
-                <a:rPr lang="pt-BR" sz="1200" u="sng" dirty="0"/>
-                <a:t>parâmetros</a:t>
-              </a:r>
-              <a:r>
-                <a:rPr lang="pt-BR" sz="1200" dirty="0"/>
-                <a:t> do modelo</a:t>
-              </a:r>
-            </a:p>
-          </p:txBody>
-        </p:sp>
-        <p:sp>
-          <p:nvSpPr>
-            <p:cNvPr id="15" name="Retângulo 14">
-              <a:extLst>
-                <a:ext uri="{FF2B5EF4-FFF2-40B4-BE49-F238E27FC236}">
-                  <a16:creationId xmlns:a16="http://schemas.microsoft.com/office/drawing/2014/main" id="{16FC2795-212E-91C6-32E5-2EA13A55B896}"/>
+                  <a16:creationId xmlns:a16="http://schemas.microsoft.com/office/drawing/2014/main" id="{590050C5-C1C9-2ED6-EF01-16F0876147A0}"/>
                 </a:ext>
               </a:extLst>
             </p:cNvPr>
@@ -9428,22 +12978,16 @@
           </p:nvSpPr>
           <p:spPr>
             <a:xfrm>
-              <a:off x="3708815" y="2686164"/>
-              <a:ext cx="463575" cy="1935842"/>
+              <a:off x="2828925" y="3540919"/>
+              <a:ext cx="270358" cy="230981"/>
             </a:xfrm>
             <a:prstGeom prst="rect">
               <a:avLst/>
             </a:prstGeom>
-            <a:solidFill>
-              <a:schemeClr val="accent1">
-                <a:alpha val="41000"/>
-              </a:schemeClr>
-            </a:solidFill>
-            <a:ln>
+            <a:noFill/>
+            <a:ln w="19050">
               <a:solidFill>
-                <a:schemeClr val="accent1">
-                  <a:shade val="15000"/>
-                </a:schemeClr>
+                <a:srgbClr val="FF0000"/>
               </a:solidFill>
             </a:ln>
           </p:spPr>
@@ -9474,136 +13018,83 @@
         </p:sp>
         <p:sp>
           <p:nvSpPr>
-            <p:cNvPr id="16" name="CaixaDeTexto 15">
+            <p:cNvPr id="26" name="Retângulo 25">
               <a:extLst>
                 <a:ext uri="{FF2B5EF4-FFF2-40B4-BE49-F238E27FC236}">
-                  <a16:creationId xmlns:a16="http://schemas.microsoft.com/office/drawing/2014/main" id="{B2CE912B-5038-EBC1-81A7-D20EE5D6E46D}"/>
+                  <a16:creationId xmlns:a16="http://schemas.microsoft.com/office/drawing/2014/main" id="{3410AA7F-EA70-00BA-E689-200898B757D2}"/>
                 </a:ext>
               </a:extLst>
             </p:cNvPr>
-            <p:cNvSpPr txBox="1"/>
+            <p:cNvSpPr/>
             <p:nvPr/>
           </p:nvSpPr>
           <p:spPr>
             <a:xfrm>
-              <a:off x="3440214" y="4604287"/>
-              <a:ext cx="1047413" cy="461665"/>
+              <a:off x="3324661" y="3540919"/>
+              <a:ext cx="270358" cy="230981"/>
             </a:xfrm>
             <a:prstGeom prst="rect">
               <a:avLst/>
             </a:prstGeom>
             <a:noFill/>
+            <a:ln w="19050">
+              <a:solidFill>
+                <a:srgbClr val="FF0000"/>
+              </a:solidFill>
+            </a:ln>
           </p:spPr>
+          <p:style>
+            <a:lnRef idx="2">
+              <a:schemeClr val="accent1">
+                <a:shade val="15000"/>
+              </a:schemeClr>
+            </a:lnRef>
+            <a:fillRef idx="1">
+              <a:schemeClr val="accent1"/>
+            </a:fillRef>
+            <a:effectRef idx="0">
+              <a:schemeClr val="accent1"/>
+            </a:effectRef>
+            <a:fontRef idx="minor">
+              <a:schemeClr val="lt1"/>
+            </a:fontRef>
+          </p:style>
           <p:txBody>
-            <a:bodyPr wrap="square" rtlCol="0">
-              <a:spAutoFit/>
-            </a:bodyPr>
+            <a:bodyPr rtlCol="0" anchor="ctr"/>
             <a:lstStyle/>
             <a:p>
               <a:pPr algn="ctr"/>
-              <a:r>
-                <a:rPr lang="pt-BR" sz="1200" dirty="0"/>
-                <a:t>Conjunto de treinamento</a:t>
-              </a:r>
-            </a:p>
-          </p:txBody>
-        </p:sp>
-        <p:sp>
-          <p:nvSpPr>
-            <p:cNvPr id="17" name="CaixaDeTexto 16">
-              <a:extLst>
-                <a:ext uri="{FF2B5EF4-FFF2-40B4-BE49-F238E27FC236}">
-                  <a16:creationId xmlns:a16="http://schemas.microsoft.com/office/drawing/2014/main" id="{D3E11F84-4477-5F76-06FD-69734A1728E7}"/>
-                </a:ext>
-              </a:extLst>
-            </p:cNvPr>
-            <p:cNvSpPr txBox="1"/>
-            <p:nvPr/>
-          </p:nvSpPr>
-          <p:spPr>
-            <a:xfrm>
-              <a:off x="5915101" y="3146446"/>
-              <a:ext cx="639419" cy="276999"/>
-            </a:xfrm>
-            <a:prstGeom prst="rect">
-              <a:avLst/>
-            </a:prstGeom>
-            <a:noFill/>
-          </p:spPr>
-          <p:txBody>
-            <a:bodyPr wrap="square" rtlCol="0">
-              <a:spAutoFit/>
-            </a:bodyPr>
-            <a:lstStyle/>
-            <a:p>
-              <a:pPr algn="ctr"/>
-              <a:r>
-                <a:rPr lang="pt-BR" sz="1200" dirty="0"/>
-                <a:t>palpite</a:t>
-              </a:r>
-            </a:p>
-          </p:txBody>
-        </p:sp>
-        <p:sp>
-          <p:nvSpPr>
-            <p:cNvPr id="18" name="CaixaDeTexto 17">
-              <a:extLst>
-                <a:ext uri="{FF2B5EF4-FFF2-40B4-BE49-F238E27FC236}">
-                  <a16:creationId xmlns:a16="http://schemas.microsoft.com/office/drawing/2014/main" id="{45EED265-0627-E165-4B85-2F60C945BCA4}"/>
-                </a:ext>
-              </a:extLst>
-            </p:cNvPr>
-            <p:cNvSpPr txBox="1"/>
-            <p:nvPr/>
-          </p:nvSpPr>
-          <p:spPr>
-            <a:xfrm>
-              <a:off x="7716165" y="3099689"/>
-              <a:ext cx="454917" cy="276999"/>
-            </a:xfrm>
-            <a:prstGeom prst="rect">
-              <a:avLst/>
-            </a:prstGeom>
-            <a:noFill/>
-          </p:spPr>
-          <p:txBody>
-            <a:bodyPr wrap="square" rtlCol="0">
-              <a:spAutoFit/>
-            </a:bodyPr>
-            <a:lstStyle/>
-            <a:p>
-              <a:pPr algn="ctr"/>
-              <a:r>
-                <a:rPr lang="pt-BR" sz="1200" dirty="0"/>
-                <a:t>erro</a:t>
-              </a:r>
+              <a:endParaRPr lang="pt-BR"/>
             </a:p>
           </p:txBody>
         </p:sp>
         <p:cxnSp>
           <p:nvCxnSpPr>
-            <p:cNvPr id="19" name="Conector reto 18">
+            <p:cNvPr id="27" name="Conector de Seta Reta 26">
               <a:extLst>
                 <a:ext uri="{FF2B5EF4-FFF2-40B4-BE49-F238E27FC236}">
-                  <a16:creationId xmlns:a16="http://schemas.microsoft.com/office/drawing/2014/main" id="{4FBB144A-D3B1-58ED-79D4-025C07566D4A}"/>
+                  <a16:creationId xmlns:a16="http://schemas.microsoft.com/office/drawing/2014/main" id="{E10254BA-FA5D-CC36-D820-4FE1002B0965}"/>
                 </a:ext>
               </a:extLst>
             </p:cNvPr>
-            <p:cNvCxnSpPr/>
+            <p:cNvCxnSpPr>
+              <a:stCxn id="26" idx="2"/>
+            </p:cNvCxnSpPr>
             <p:nvPr/>
           </p:nvCxnSpPr>
           <p:spPr>
             <a:xfrm flipH="1">
-              <a:off x="4733134" y="2034381"/>
-              <a:ext cx="1212396" cy="1743075"/>
+              <a:off x="3219731" y="3771900"/>
+              <a:ext cx="240109" cy="529538"/>
             </a:xfrm>
-            <a:prstGeom prst="line">
+            <a:prstGeom prst="straightConnector1">
               <a:avLst/>
             </a:prstGeom>
             <a:ln>
-              <a:prstDash val="dash"/>
-              <a:headEnd type="none" w="med" len="med"/>
-              <a:tailEnd type="triangle" w="med" len="med"/>
+              <a:solidFill>
+                <a:srgbClr val="FF0000"/>
+              </a:solidFill>
+              <a:tailEnd type="triangle"/>
             </a:ln>
           </p:spPr>
           <p:style>
@@ -9621,499 +13112,86 @@
             </a:fontRef>
           </p:style>
         </p:cxnSp>
+        <p:cxnSp>
+          <p:nvCxnSpPr>
+            <p:cNvPr id="29" name="Conector de Seta Reta 28">
+              <a:extLst>
+                <a:ext uri="{FF2B5EF4-FFF2-40B4-BE49-F238E27FC236}">
+                  <a16:creationId xmlns:a16="http://schemas.microsoft.com/office/drawing/2014/main" id="{A6C6E62B-83E0-9E3D-3857-6EA79B24D417}"/>
+                </a:ext>
+              </a:extLst>
+            </p:cNvPr>
+            <p:cNvCxnSpPr>
+              <a:stCxn id="25" idx="2"/>
+            </p:cNvCxnSpPr>
+            <p:nvPr/>
+          </p:nvCxnSpPr>
+          <p:spPr>
+            <a:xfrm>
+              <a:off x="2964104" y="3771900"/>
+              <a:ext cx="237794" cy="529538"/>
+            </a:xfrm>
+            <a:prstGeom prst="straightConnector1">
+              <a:avLst/>
+            </a:prstGeom>
+            <a:ln>
+              <a:solidFill>
+                <a:srgbClr val="FF0000"/>
+              </a:solidFill>
+              <a:tailEnd type="triangle"/>
+            </a:ln>
+          </p:spPr>
+          <p:style>
+            <a:lnRef idx="1">
+              <a:schemeClr val="accent1"/>
+            </a:lnRef>
+            <a:fillRef idx="0">
+              <a:schemeClr val="accent1"/>
+            </a:fillRef>
+            <a:effectRef idx="0">
+              <a:schemeClr val="accent1"/>
+            </a:effectRef>
+            <a:fontRef idx="minor">
+              <a:schemeClr val="tx1"/>
+            </a:fontRef>
+          </p:style>
+        </p:cxnSp>
+        <p:sp>
+          <p:nvSpPr>
+            <p:cNvPr id="33" name="CaixaDeTexto 32">
+              <a:extLst>
+                <a:ext uri="{FF2B5EF4-FFF2-40B4-BE49-F238E27FC236}">
+                  <a16:creationId xmlns:a16="http://schemas.microsoft.com/office/drawing/2014/main" id="{D8EE8F3B-807F-F9F1-CDC4-A16FE9FAABBE}"/>
+                </a:ext>
+              </a:extLst>
+            </p:cNvPr>
+            <p:cNvSpPr txBox="1"/>
+            <p:nvPr/>
+          </p:nvSpPr>
+          <p:spPr>
+            <a:xfrm>
+              <a:off x="2270990" y="2946533"/>
+              <a:ext cx="1115869" cy="276999"/>
+            </a:xfrm>
+            <a:prstGeom prst="rect">
+              <a:avLst/>
+            </a:prstGeom>
+            <a:noFill/>
+          </p:spPr>
+          <p:txBody>
+            <a:bodyPr wrap="square" rtlCol="0">
+              <a:spAutoFit/>
+            </a:bodyPr>
+            <a:lstStyle/>
+            <a:p>
+              <a:r>
+                <a:rPr lang="pt-BR" sz="1200" dirty="0"/>
+                <a:t>Modelo de ML</a:t>
+              </a:r>
+            </a:p>
+          </p:txBody>
+        </p:sp>
       </p:grpSp>
-      <mc:AlternateContent xmlns:mc="http://schemas.openxmlformats.org/markup-compatibility/2006">
-        <mc:Choice xmlns:a14="http://schemas.microsoft.com/office/drawing/2010/main" Requires="a14">
-          <p:sp>
-            <p:nvSpPr>
-              <p:cNvPr id="20" name="Retângulo 19">
-                <a:extLst>
-                  <a:ext uri="{FF2B5EF4-FFF2-40B4-BE49-F238E27FC236}">
-                    <a16:creationId xmlns:a16="http://schemas.microsoft.com/office/drawing/2014/main" id="{677D043A-F43E-B0F3-37B7-346AE0697B04}"/>
-                  </a:ext>
-                </a:extLst>
-              </p:cNvPr>
-              <p:cNvSpPr/>
-              <p:nvPr/>
-            </p:nvSpPr>
-            <p:spPr>
-              <a:xfrm>
-                <a:off x="2343971" y="3188740"/>
-                <a:ext cx="1499087" cy="870491"/>
-              </a:xfrm>
-              <a:prstGeom prst="rect">
-                <a:avLst/>
-              </a:prstGeom>
-              <a:noFill/>
-            </p:spPr>
-            <p:style>
-              <a:lnRef idx="2">
-                <a:schemeClr val="accent1">
-                  <a:shade val="15000"/>
-                </a:schemeClr>
-              </a:lnRef>
-              <a:fillRef idx="1">
-                <a:schemeClr val="accent1"/>
-              </a:fillRef>
-              <a:effectRef idx="0">
-                <a:schemeClr val="accent1"/>
-              </a:effectRef>
-              <a:fontRef idx="minor">
-                <a:schemeClr val="lt1"/>
-              </a:fontRef>
-            </p:style>
-            <p:txBody>
-              <a:bodyPr rtlCol="0" anchor="ctr"/>
-              <a:lstStyle/>
-              <a:p>
-                <a:pPr algn="ctr"/>
-                <a14:m>
-                  <m:oMathPara xmlns:m="http://schemas.openxmlformats.org/officeDocument/2006/math">
-                    <m:oMathParaPr>
-                      <m:jc m:val="centerGroup"/>
-                    </m:oMathParaPr>
-                    <m:oMath xmlns:m="http://schemas.openxmlformats.org/officeDocument/2006/math">
-                      <m:acc>
-                        <m:accPr>
-                          <m:chr m:val="̂"/>
-                          <m:ctrlPr>
-                            <a:rPr lang="pt-BR" i="1" smtClean="0">
-                              <a:solidFill>
-                                <a:schemeClr val="tx1"/>
-                              </a:solidFill>
-                              <a:latin typeface="Cambria Math" panose="02040503050406030204" pitchFamily="18" charset="0"/>
-                            </a:rPr>
-                          </m:ctrlPr>
-                        </m:accPr>
-                        <m:e>
-                          <m:r>
-                            <a:rPr lang="pt-BR" b="0" i="1" smtClean="0">
-                              <a:solidFill>
-                                <a:schemeClr val="tx1"/>
-                              </a:solidFill>
-                              <a:latin typeface="Cambria Math" panose="02040503050406030204" pitchFamily="18" charset="0"/>
-                            </a:rPr>
-                            <m:t>𝑦</m:t>
-                          </m:r>
-                        </m:e>
-                      </m:acc>
-                      <m:r>
-                        <a:rPr lang="pt-BR" b="0" i="1" smtClean="0">
-                          <a:solidFill>
-                            <a:schemeClr val="tx1"/>
-                          </a:solidFill>
-                          <a:latin typeface="Cambria Math" panose="02040503050406030204" pitchFamily="18" charset="0"/>
-                        </a:rPr>
-                        <m:t>=</m:t>
-                      </m:r>
-                      <m:sSub>
-                        <m:sSubPr>
-                          <m:ctrlPr>
-                            <a:rPr lang="pt-BR" b="0" i="1" smtClean="0">
-                              <a:solidFill>
-                                <a:schemeClr val="tx1"/>
-                              </a:solidFill>
-                              <a:latin typeface="Cambria Math" panose="02040503050406030204" pitchFamily="18" charset="0"/>
-                            </a:rPr>
-                          </m:ctrlPr>
-                        </m:sSubPr>
-                        <m:e>
-                          <m:r>
-                            <a:rPr lang="pt-BR" b="0" i="1" smtClean="0">
-                              <a:solidFill>
-                                <a:schemeClr val="tx1"/>
-                              </a:solidFill>
-                              <a:latin typeface="Cambria Math" panose="02040503050406030204" pitchFamily="18" charset="0"/>
-                            </a:rPr>
-                            <m:t>𝑎</m:t>
-                          </m:r>
-                        </m:e>
-                        <m:sub>
-                          <m:r>
-                            <a:rPr lang="pt-BR" b="0" i="1" smtClean="0">
-                              <a:solidFill>
-                                <a:schemeClr val="tx1"/>
-                              </a:solidFill>
-                              <a:latin typeface="Cambria Math" panose="02040503050406030204" pitchFamily="18" charset="0"/>
-                            </a:rPr>
-                            <m:t>0</m:t>
-                          </m:r>
-                        </m:sub>
-                      </m:sSub>
-                      <m:r>
-                        <a:rPr lang="pt-BR" b="0" i="1" smtClean="0">
-                          <a:solidFill>
-                            <a:schemeClr val="tx1"/>
-                          </a:solidFill>
-                          <a:latin typeface="Cambria Math" panose="02040503050406030204" pitchFamily="18" charset="0"/>
-                        </a:rPr>
-                        <m:t>+</m:t>
-                      </m:r>
-                      <m:sSub>
-                        <m:sSubPr>
-                          <m:ctrlPr>
-                            <a:rPr lang="pt-BR" b="0" i="1" smtClean="0">
-                              <a:solidFill>
-                                <a:schemeClr val="tx1"/>
-                              </a:solidFill>
-                              <a:latin typeface="Cambria Math" panose="02040503050406030204" pitchFamily="18" charset="0"/>
-                            </a:rPr>
-                          </m:ctrlPr>
-                        </m:sSubPr>
-                        <m:e>
-                          <m:r>
-                            <a:rPr lang="pt-BR" b="0" i="1" smtClean="0">
-                              <a:solidFill>
-                                <a:schemeClr val="tx1"/>
-                              </a:solidFill>
-                              <a:latin typeface="Cambria Math" panose="02040503050406030204" pitchFamily="18" charset="0"/>
-                            </a:rPr>
-                            <m:t>𝑎</m:t>
-                          </m:r>
-                        </m:e>
-                        <m:sub>
-                          <m:r>
-                            <a:rPr lang="pt-BR" b="0" i="1" smtClean="0">
-                              <a:solidFill>
-                                <a:schemeClr val="tx1"/>
-                              </a:solidFill>
-                              <a:latin typeface="Cambria Math" panose="02040503050406030204" pitchFamily="18" charset="0"/>
-                            </a:rPr>
-                            <m:t>1</m:t>
-                          </m:r>
-                        </m:sub>
-                      </m:sSub>
-                      <m:r>
-                        <a:rPr lang="pt-BR" b="0" i="1" smtClean="0">
-                          <a:solidFill>
-                            <a:schemeClr val="tx1"/>
-                          </a:solidFill>
-                          <a:latin typeface="Cambria Math" panose="02040503050406030204" pitchFamily="18" charset="0"/>
-                        </a:rPr>
-                        <m:t>𝑥</m:t>
-                      </m:r>
-                    </m:oMath>
-                  </m:oMathPara>
-                </a14:m>
-                <a:endParaRPr lang="pt-BR" dirty="0">
-                  <a:solidFill>
-                    <a:schemeClr val="tx1"/>
-                  </a:solidFill>
-                </a:endParaRPr>
-              </a:p>
-            </p:txBody>
-          </p:sp>
-        </mc:Choice>
-        <mc:Fallback>
-          <p:sp>
-            <p:nvSpPr>
-              <p:cNvPr id="20" name="Retângulo 19">
-                <a:extLst>
-                  <a:ext uri="{FF2B5EF4-FFF2-40B4-BE49-F238E27FC236}">
-                    <a16:creationId xmlns:a16="http://schemas.microsoft.com/office/drawing/2014/main" id="{677D043A-F43E-B0F3-37B7-346AE0697B04}"/>
-                  </a:ext>
-                </a:extLst>
-              </p:cNvPr>
-              <p:cNvSpPr>
-                <a:spLocks noRot="1" noChangeAspect="1" noMove="1" noResize="1" noEditPoints="1" noAdjustHandles="1" noChangeArrowheads="1" noChangeShapeType="1" noTextEdit="1"/>
-              </p:cNvSpPr>
-              <p:nvPr/>
-            </p:nvSpPr>
-            <p:spPr>
-              <a:xfrm>
-                <a:off x="2343971" y="3188740"/>
-                <a:ext cx="1499087" cy="870491"/>
-              </a:xfrm>
-              <a:prstGeom prst="rect">
-                <a:avLst/>
-              </a:prstGeom>
-              <a:blipFill>
-                <a:blip r:embed="rId7"/>
-                <a:stretch>
-                  <a:fillRect l="-405"/>
-                </a:stretch>
-              </a:blipFill>
-            </p:spPr>
-            <p:txBody>
-              <a:bodyPr/>
-              <a:lstStyle/>
-              <a:p>
-                <a:r>
-                  <a:rPr lang="pt-BR">
-                    <a:noFill/>
-                  </a:rPr>
-                  <a:t> </a:t>
-                </a:r>
-              </a:p>
-            </p:txBody>
-          </p:sp>
-        </mc:Fallback>
-      </mc:AlternateContent>
-      <p:sp>
-        <p:nvSpPr>
-          <p:cNvPr id="23" name="Retângulo 22">
-            <a:extLst>
-              <a:ext uri="{FF2B5EF4-FFF2-40B4-BE49-F238E27FC236}">
-                <a16:creationId xmlns:a16="http://schemas.microsoft.com/office/drawing/2014/main" id="{850665E7-60C9-9057-ADB6-2CAE2237B854}"/>
-              </a:ext>
-            </a:extLst>
-          </p:cNvPr>
-          <p:cNvSpPr/>
-          <p:nvPr/>
-        </p:nvSpPr>
-        <p:spPr>
-          <a:xfrm>
-            <a:off x="2828925" y="3540919"/>
-            <a:ext cx="270358" cy="230981"/>
-          </a:xfrm>
-          <a:prstGeom prst="rect">
-            <a:avLst/>
-          </a:prstGeom>
-          <a:noFill/>
-          <a:ln w="19050">
-            <a:solidFill>
-              <a:srgbClr val="FF0000"/>
-            </a:solidFill>
-          </a:ln>
-        </p:spPr>
-        <p:style>
-          <a:lnRef idx="2">
-            <a:schemeClr val="accent1">
-              <a:shade val="15000"/>
-            </a:schemeClr>
-          </a:lnRef>
-          <a:fillRef idx="1">
-            <a:schemeClr val="accent1"/>
-          </a:fillRef>
-          <a:effectRef idx="0">
-            <a:schemeClr val="accent1"/>
-          </a:effectRef>
-          <a:fontRef idx="minor">
-            <a:schemeClr val="lt1"/>
-          </a:fontRef>
-        </p:style>
-        <p:txBody>
-          <a:bodyPr rtlCol="0" anchor="ctr"/>
-          <a:lstStyle/>
-          <a:p>
-            <a:pPr algn="ctr"/>
-            <a:endParaRPr lang="pt-BR"/>
-          </a:p>
-        </p:txBody>
-      </p:sp>
-      <p:sp>
-        <p:nvSpPr>
-          <p:cNvPr id="24" name="Retângulo 23">
-            <a:extLst>
-              <a:ext uri="{FF2B5EF4-FFF2-40B4-BE49-F238E27FC236}">
-                <a16:creationId xmlns:a16="http://schemas.microsoft.com/office/drawing/2014/main" id="{C7E874E7-5F26-FF77-A6A0-4A158DC458C0}"/>
-              </a:ext>
-            </a:extLst>
-          </p:cNvPr>
-          <p:cNvSpPr/>
-          <p:nvPr/>
-        </p:nvSpPr>
-        <p:spPr>
-          <a:xfrm>
-            <a:off x="3324661" y="3540919"/>
-            <a:ext cx="270358" cy="230981"/>
-          </a:xfrm>
-          <a:prstGeom prst="rect">
-            <a:avLst/>
-          </a:prstGeom>
-          <a:noFill/>
-          <a:ln w="19050">
-            <a:solidFill>
-              <a:srgbClr val="FF0000"/>
-            </a:solidFill>
-          </a:ln>
-        </p:spPr>
-        <p:style>
-          <a:lnRef idx="2">
-            <a:schemeClr val="accent1">
-              <a:shade val="15000"/>
-            </a:schemeClr>
-          </a:lnRef>
-          <a:fillRef idx="1">
-            <a:schemeClr val="accent1"/>
-          </a:fillRef>
-          <a:effectRef idx="0">
-            <a:schemeClr val="accent1"/>
-          </a:effectRef>
-          <a:fontRef idx="minor">
-            <a:schemeClr val="lt1"/>
-          </a:fontRef>
-        </p:style>
-        <p:txBody>
-          <a:bodyPr rtlCol="0" anchor="ctr"/>
-          <a:lstStyle/>
-          <a:p>
-            <a:pPr algn="ctr"/>
-            <a:endParaRPr lang="pt-BR"/>
-          </a:p>
-        </p:txBody>
-      </p:sp>
-      <p:cxnSp>
-        <p:nvCxnSpPr>
-          <p:cNvPr id="28" name="Conector de Seta Reta 27">
-            <a:extLst>
-              <a:ext uri="{FF2B5EF4-FFF2-40B4-BE49-F238E27FC236}">
-                <a16:creationId xmlns:a16="http://schemas.microsoft.com/office/drawing/2014/main" id="{CB280270-DF7E-B48C-54FA-D35DD769A8F2}"/>
-              </a:ext>
-            </a:extLst>
-          </p:cNvPr>
-          <p:cNvCxnSpPr>
-            <a:stCxn id="24" idx="2"/>
-          </p:cNvCxnSpPr>
-          <p:nvPr/>
-        </p:nvCxnSpPr>
-        <p:spPr>
-          <a:xfrm flipH="1">
-            <a:off x="3219731" y="3771900"/>
-            <a:ext cx="240109" cy="529538"/>
-          </a:xfrm>
-          <a:prstGeom prst="straightConnector1">
-            <a:avLst/>
-          </a:prstGeom>
-          <a:ln>
-            <a:solidFill>
-              <a:srgbClr val="FF0000"/>
-            </a:solidFill>
-            <a:tailEnd type="triangle"/>
-          </a:ln>
-        </p:spPr>
-        <p:style>
-          <a:lnRef idx="1">
-            <a:schemeClr val="accent1"/>
-          </a:lnRef>
-          <a:fillRef idx="0">
-            <a:schemeClr val="accent1"/>
-          </a:fillRef>
-          <a:effectRef idx="0">
-            <a:schemeClr val="accent1"/>
-          </a:effectRef>
-          <a:fontRef idx="minor">
-            <a:schemeClr val="tx1"/>
-          </a:fontRef>
-        </p:style>
-      </p:cxnSp>
-      <p:cxnSp>
-        <p:nvCxnSpPr>
-          <p:cNvPr id="30" name="Conector de Seta Reta 29">
-            <a:extLst>
-              <a:ext uri="{FF2B5EF4-FFF2-40B4-BE49-F238E27FC236}">
-                <a16:creationId xmlns:a16="http://schemas.microsoft.com/office/drawing/2014/main" id="{C10D38CF-E0FA-1551-91EE-C0598E273D40}"/>
-              </a:ext>
-            </a:extLst>
-          </p:cNvPr>
-          <p:cNvCxnSpPr>
-            <a:stCxn id="23" idx="2"/>
-          </p:cNvCxnSpPr>
-          <p:nvPr/>
-        </p:nvCxnSpPr>
-        <p:spPr>
-          <a:xfrm>
-            <a:off x="2964104" y="3771900"/>
-            <a:ext cx="237794" cy="529538"/>
-          </a:xfrm>
-          <a:prstGeom prst="straightConnector1">
-            <a:avLst/>
-          </a:prstGeom>
-          <a:ln>
-            <a:solidFill>
-              <a:srgbClr val="FF0000"/>
-            </a:solidFill>
-            <a:tailEnd type="triangle"/>
-          </a:ln>
-        </p:spPr>
-        <p:style>
-          <a:lnRef idx="1">
-            <a:schemeClr val="accent1"/>
-          </a:lnRef>
-          <a:fillRef idx="0">
-            <a:schemeClr val="accent1"/>
-          </a:fillRef>
-          <a:effectRef idx="0">
-            <a:schemeClr val="accent1"/>
-          </a:effectRef>
-          <a:fontRef idx="minor">
-            <a:schemeClr val="tx1"/>
-          </a:fontRef>
-        </p:style>
-      </p:cxnSp>
-      <p:sp>
-        <p:nvSpPr>
-          <p:cNvPr id="31" name="CaixaDeTexto 30">
-            <a:extLst>
-              <a:ext uri="{FF2B5EF4-FFF2-40B4-BE49-F238E27FC236}">
-                <a16:creationId xmlns:a16="http://schemas.microsoft.com/office/drawing/2014/main" id="{3DB927FD-619C-3B92-17E3-53ADFB087CC0}"/>
-              </a:ext>
-            </a:extLst>
-          </p:cNvPr>
-          <p:cNvSpPr txBox="1"/>
-          <p:nvPr/>
-        </p:nvSpPr>
-        <p:spPr>
-          <a:xfrm>
-            <a:off x="2270990" y="2946533"/>
-            <a:ext cx="1115869" cy="276999"/>
-          </a:xfrm>
-          <a:prstGeom prst="rect">
-            <a:avLst/>
-          </a:prstGeom>
-          <a:noFill/>
-        </p:spPr>
-        <p:txBody>
-          <a:bodyPr wrap="square" rtlCol="0">
-            <a:spAutoFit/>
-          </a:bodyPr>
-          <a:lstStyle/>
-          <a:p>
-            <a:r>
-              <a:rPr lang="pt-BR" sz="1200" dirty="0"/>
-              <a:t>Modelo de ML</a:t>
-            </a:r>
-          </a:p>
-        </p:txBody>
-      </p:sp>
-      <p:pic>
-        <p:nvPicPr>
-          <p:cNvPr id="32" name="animated_linear_regression">
-            <a:hlinkClick r:id="" action="ppaction://media"/>
-            <a:extLst>
-              <a:ext uri="{FF2B5EF4-FFF2-40B4-BE49-F238E27FC236}">
-                <a16:creationId xmlns:a16="http://schemas.microsoft.com/office/drawing/2014/main" id="{66D25972-58E8-79DB-2476-AFDFC171820F}"/>
-              </a:ext>
-            </a:extLst>
-          </p:cNvPr>
-          <p:cNvPicPr>
-            <a:picLocks noChangeAspect="1"/>
-          </p:cNvPicPr>
-          <p:nvPr>
-            <a:videoFile r:link="rId2"/>
-            <p:extLst>
-              <p:ext uri="{DAA4B4D4-6D71-4841-9C94-3DE7FCFB9230}">
-                <p14:media xmlns:p14="http://schemas.microsoft.com/office/powerpoint/2010/main" r:embed="rId1"/>
-              </p:ext>
-            </p:extLst>
-          </p:nvPr>
-        </p:nvPicPr>
-        <p:blipFill>
-          <a:blip r:embed="rId8"/>
-          <a:stretch>
-            <a:fillRect/>
-          </a:stretch>
-        </p:blipFill>
-        <p:spPr>
-          <a:xfrm>
-            <a:off x="6610352" y="2200663"/>
-            <a:ext cx="4211251" cy="3158438"/>
-          </a:xfrm>
-          <a:prstGeom prst="rect">
-            <a:avLst/>
-          </a:prstGeom>
-        </p:spPr>
-      </p:pic>
     </p:spTree>
     <p:extLst>
       <p:ext uri="{BB962C8B-B14F-4D97-AF65-F5344CB8AC3E}">
@@ -10262,7 +13340,7 @@
 </p:sld>
 </file>
 
-<file path=ppt/slides/slide15.xml><?xml version="1.0" encoding="utf-8"?>
+<file path=ppt/slides/slide18.xml><?xml version="1.0" encoding="utf-8"?>
 <p:sld xmlns:a="http://schemas.openxmlformats.org/drawingml/2006/main" xmlns:r="http://schemas.openxmlformats.org/officeDocument/2006/relationships" xmlns:p="http://schemas.openxmlformats.org/presentationml/2006/main">
   <p:cSld>
     <p:spTree>
@@ -10325,8 +13403,8 @@
         </p:nvSpPr>
         <p:spPr>
           <a:xfrm>
-            <a:off x="6096001" y="1825625"/>
-            <a:ext cx="5955586" cy="4883400"/>
+            <a:off x="6376829" y="1825625"/>
+            <a:ext cx="5674758" cy="4883400"/>
           </a:xfrm>
         </p:spPr>
         <p:txBody>
@@ -10369,6 +13447,40 @@
             </a:pPr>
             <a:r>
               <a:rPr lang="pt-BR" dirty="0"/>
+              <a:t>Raíz do Erro Quadrático Médio (Root </a:t>
+            </a:r>
+            <a:r>
+              <a:rPr lang="pt-BR" dirty="0" err="1"/>
+              <a:t>Mean</a:t>
+            </a:r>
+            <a:r>
+              <a:rPr lang="pt-BR" dirty="0"/>
+              <a:t> </a:t>
+            </a:r>
+            <a:r>
+              <a:rPr lang="pt-BR" dirty="0" err="1"/>
+              <a:t>Squared</a:t>
+            </a:r>
+            <a:r>
+              <a:rPr lang="pt-BR" dirty="0"/>
+              <a:t> </a:t>
+            </a:r>
+            <a:r>
+              <a:rPr lang="pt-BR" dirty="0" err="1"/>
+              <a:t>Error</a:t>
+            </a:r>
+            <a:r>
+              <a:rPr lang="pt-BR" dirty="0"/>
+              <a:t> – RMSE)</a:t>
+            </a:r>
+          </a:p>
+          <a:p>
+            <a:pPr lvl="1">
+              <a:buFont typeface="Wingdings" panose="05000000000000000000" pitchFamily="2" charset="2"/>
+              <a:buChar char="§"/>
+            </a:pPr>
+            <a:r>
+              <a:rPr lang="pt-BR" dirty="0"/>
               <a:t>Erro Absoluto Média (</a:t>
             </a:r>
             <a:r>
@@ -10385,7 +13497,7 @@
             </a:r>
             <a:r>
               <a:rPr lang="pt-BR" dirty="0"/>
-              <a:t> –MAE);</a:t>
+              <a:t> – MAE);</a:t>
             </a:r>
           </a:p>
           <a:p>
@@ -10426,7 +13538,7 @@
             </p:nvSpPr>
             <p:spPr>
               <a:xfrm>
-                <a:off x="838200" y="1993368"/>
+                <a:off x="838200" y="1513028"/>
                 <a:ext cx="3520374" cy="1130822"/>
               </a:xfrm>
               <a:prstGeom prst="rect">
@@ -10647,14 +13759,14 @@
             </p:nvSpPr>
             <p:spPr>
               <a:xfrm>
-                <a:off x="838200" y="1993368"/>
+                <a:off x="838200" y="1513028"/>
                 <a:ext cx="3520374" cy="1130822"/>
               </a:xfrm>
               <a:prstGeom prst="rect">
                 <a:avLst/>
               </a:prstGeom>
               <a:blipFill>
-                <a:blip r:embed="rId2"/>
+                <a:blip r:embed="rId3"/>
                 <a:stretch>
                   <a:fillRect/>
                 </a:stretch>
@@ -10691,7 +13803,7 @@
             </p:nvSpPr>
             <p:spPr>
               <a:xfrm>
-                <a:off x="838201" y="3342729"/>
+                <a:off x="838201" y="4123565"/>
                 <a:ext cx="3520373" cy="1130822"/>
               </a:xfrm>
               <a:prstGeom prst="rect">
@@ -10895,14 +14007,14 @@
             </p:nvSpPr>
             <p:spPr>
               <a:xfrm>
-                <a:off x="838201" y="3342729"/>
+                <a:off x="838201" y="4123565"/>
                 <a:ext cx="3520373" cy="1130822"/>
               </a:xfrm>
               <a:prstGeom prst="rect">
                 <a:avLst/>
               </a:prstGeom>
               <a:blipFill>
-                <a:blip r:embed="rId3"/>
+                <a:blip r:embed="rId4"/>
                 <a:stretch>
                   <a:fillRect/>
                 </a:stretch>
@@ -10939,7 +14051,7 @@
             </p:nvSpPr>
             <p:spPr>
               <a:xfrm>
-                <a:off x="838200" y="4906192"/>
+                <a:off x="838200" y="5296761"/>
                 <a:ext cx="4976973" cy="1130822"/>
               </a:xfrm>
               <a:prstGeom prst="rect">
@@ -11191,14 +14303,14 @@
             </p:nvSpPr>
             <p:spPr>
               <a:xfrm>
-                <a:off x="838200" y="4906192"/>
+                <a:off x="838200" y="5296761"/>
                 <a:ext cx="4976973" cy="1130822"/>
               </a:xfrm>
               <a:prstGeom prst="rect">
                 <a:avLst/>
               </a:prstGeom>
               <a:blipFill>
-                <a:blip r:embed="rId4"/>
+                <a:blip r:embed="rId5"/>
                 <a:stretch>
                   <a:fillRect/>
                 </a:stretch>
@@ -11233,8 +14345,8 @@
         </p:nvSpPr>
         <p:spPr>
           <a:xfrm>
-            <a:off x="4048018" y="1993368"/>
-            <a:ext cx="310556" cy="2480183"/>
+            <a:off x="4560440" y="1513028"/>
+            <a:ext cx="310556" cy="3687625"/>
           </a:xfrm>
           <a:prstGeom prst="rightBrace">
             <a:avLst/>
@@ -11277,7 +14389,7 @@
         </p:nvSpPr>
         <p:spPr>
           <a:xfrm>
-            <a:off x="4465834" y="2628286"/>
+            <a:off x="4870996" y="2756675"/>
             <a:ext cx="1456599" cy="1200329"/>
           </a:xfrm>
           <a:prstGeom prst="rect">
@@ -11313,7 +14425,7 @@
         </p:nvSpPr>
         <p:spPr>
           <a:xfrm rot="5400000">
-            <a:off x="3171408" y="3622310"/>
+            <a:off x="3171408" y="3920413"/>
             <a:ext cx="310556" cy="4976973"/>
           </a:xfrm>
           <a:prstGeom prst="rightBrace">
@@ -11357,7 +14469,7 @@
         </p:nvSpPr>
         <p:spPr>
           <a:xfrm>
-            <a:off x="838199" y="6339694"/>
+            <a:off x="838199" y="6452865"/>
             <a:ext cx="4976974" cy="369332"/>
           </a:xfrm>
           <a:prstGeom prst="rect">
@@ -11379,6 +14491,293 @@
           </a:p>
         </p:txBody>
       </p:sp>
+      <mc:AlternateContent xmlns:mc="http://schemas.openxmlformats.org/markup-compatibility/2006">
+        <mc:Choice xmlns:a14="http://schemas.microsoft.com/office/drawing/2010/main" Requires="a14">
+          <p:sp>
+            <p:nvSpPr>
+              <p:cNvPr id="5" name="CaixaDeTexto 4">
+                <a:extLst>
+                  <a:ext uri="{FF2B5EF4-FFF2-40B4-BE49-F238E27FC236}">
+                    <a16:creationId xmlns:a16="http://schemas.microsoft.com/office/drawing/2014/main" id="{58660048-2E5D-834E-A26B-95299D0CB16C}"/>
+                  </a:ext>
+                </a:extLst>
+              </p:cNvPr>
+              <p:cNvSpPr txBox="1"/>
+              <p:nvPr/>
+            </p:nvSpPr>
+            <p:spPr>
+              <a:xfrm>
+                <a:off x="838199" y="2644521"/>
+                <a:ext cx="4101291" cy="1529201"/>
+              </a:xfrm>
+              <a:prstGeom prst="rect">
+                <a:avLst/>
+              </a:prstGeom>
+              <a:noFill/>
+            </p:spPr>
+            <p:txBody>
+              <a:bodyPr wrap="square" rtlCol="0">
+                <a:spAutoFit/>
+              </a:bodyPr>
+              <a:lstStyle/>
+              <a:p>
+                <a:pPr/>
+                <a14:m>
+                  <m:oMathPara xmlns:m="http://schemas.openxmlformats.org/officeDocument/2006/math">
+                    <m:oMathParaPr>
+                      <m:jc m:val="left"/>
+                    </m:oMathParaPr>
+                    <m:oMath xmlns:m="http://schemas.openxmlformats.org/officeDocument/2006/math">
+                      <m:r>
+                        <m:rPr>
+                          <m:sty m:val="p"/>
+                        </m:rPr>
+                        <a:rPr lang="pt-BR" sz="2400" b="0" i="0" smtClean="0">
+                          <a:latin typeface="Cambria Math" panose="02040503050406030204" pitchFamily="18" charset="0"/>
+                        </a:rPr>
+                        <m:t>R</m:t>
+                      </m:r>
+                      <m:r>
+                        <m:rPr>
+                          <m:sty m:val="p"/>
+                        </m:rPr>
+                        <a:rPr lang="pt-BR" sz="2400" b="0" i="0" smtClean="0">
+                          <a:latin typeface="Cambria Math" panose="02040503050406030204" pitchFamily="18" charset="0"/>
+                        </a:rPr>
+                        <m:t>MSE</m:t>
+                      </m:r>
+                      <m:r>
+                        <a:rPr lang="pt-BR" sz="2400" b="0" i="1" smtClean="0">
+                          <a:latin typeface="Cambria Math" panose="02040503050406030204" pitchFamily="18" charset="0"/>
+                        </a:rPr>
+                        <m:t>=</m:t>
+                      </m:r>
+                      <m:rad>
+                        <m:radPr>
+                          <m:degHide m:val="on"/>
+                          <m:ctrlPr>
+                            <a:rPr lang="pt-BR" sz="2400" b="0" i="1" smtClean="0">
+                              <a:latin typeface="Cambria Math" panose="02040503050406030204" pitchFamily="18" charset="0"/>
+                            </a:rPr>
+                          </m:ctrlPr>
+                        </m:radPr>
+                        <m:deg/>
+                        <m:e>
+                          <m:f>
+                            <m:fPr>
+                              <m:ctrlPr>
+                                <a:rPr lang="pt-BR" sz="2400" i="1">
+                                  <a:latin typeface="Cambria Math" panose="02040503050406030204" pitchFamily="18" charset="0"/>
+                                </a:rPr>
+                              </m:ctrlPr>
+                            </m:fPr>
+                            <m:num>
+                              <m:r>
+                                <a:rPr lang="pt-BR" sz="2400" i="1">
+                                  <a:latin typeface="Cambria Math" panose="02040503050406030204" pitchFamily="18" charset="0"/>
+                                </a:rPr>
+                                <m:t>1</m:t>
+                              </m:r>
+                            </m:num>
+                            <m:den>
+                              <m:r>
+                                <a:rPr lang="pt-BR" sz="2400" i="1">
+                                  <a:latin typeface="Cambria Math" panose="02040503050406030204" pitchFamily="18" charset="0"/>
+                                </a:rPr>
+                                <m:t>𝑁</m:t>
+                              </m:r>
+                            </m:den>
+                          </m:f>
+                          <m:nary>
+                            <m:naryPr>
+                              <m:chr m:val="∑"/>
+                              <m:ctrlPr>
+                                <a:rPr lang="pt-BR" sz="2400" i="1">
+                                  <a:latin typeface="Cambria Math" panose="02040503050406030204" pitchFamily="18" charset="0"/>
+                                </a:rPr>
+                              </m:ctrlPr>
+                            </m:naryPr>
+                            <m:sub>
+                              <m:r>
+                                <m:rPr>
+                                  <m:brk m:alnAt="23"/>
+                                </m:rPr>
+                                <a:rPr lang="pt-BR" sz="2400" i="1">
+                                  <a:latin typeface="Cambria Math" panose="02040503050406030204" pitchFamily="18" charset="0"/>
+                                </a:rPr>
+                                <m:t>𝑛</m:t>
+                              </m:r>
+                              <m:r>
+                                <a:rPr lang="pt-BR" sz="2400" i="1">
+                                  <a:latin typeface="Cambria Math" panose="02040503050406030204" pitchFamily="18" charset="0"/>
+                                </a:rPr>
+                                <m:t>=1</m:t>
+                              </m:r>
+                            </m:sub>
+                            <m:sup>
+                              <m:r>
+                                <a:rPr lang="pt-BR" sz="2400" i="1">
+                                  <a:latin typeface="Cambria Math" panose="02040503050406030204" pitchFamily="18" charset="0"/>
+                                </a:rPr>
+                                <m:t>𝑁</m:t>
+                              </m:r>
+                            </m:sup>
+                            <m:e>
+                              <m:sSup>
+                                <m:sSupPr>
+                                  <m:ctrlPr>
+                                    <a:rPr lang="pt-BR" sz="2400" i="1">
+                                      <a:latin typeface="Cambria Math" panose="02040503050406030204" pitchFamily="18" charset="0"/>
+                                    </a:rPr>
+                                  </m:ctrlPr>
+                                </m:sSupPr>
+                                <m:e>
+                                  <m:d>
+                                    <m:dPr>
+                                      <m:ctrlPr>
+                                        <a:rPr lang="pt-BR" sz="2400" i="1">
+                                          <a:latin typeface="Cambria Math" panose="02040503050406030204" pitchFamily="18" charset="0"/>
+                                        </a:rPr>
+                                      </m:ctrlPr>
+                                    </m:dPr>
+                                    <m:e>
+                                      <m:sSub>
+                                        <m:sSubPr>
+                                          <m:ctrlPr>
+                                            <a:rPr lang="pt-BR" sz="2400" i="1">
+                                              <a:latin typeface="Cambria Math" panose="02040503050406030204" pitchFamily="18" charset="0"/>
+                                            </a:rPr>
+                                          </m:ctrlPr>
+                                        </m:sSubPr>
+                                        <m:e>
+                                          <m:acc>
+                                            <m:accPr>
+                                              <m:chr m:val="̂"/>
+                                              <m:ctrlPr>
+                                                <a:rPr lang="pt-BR" sz="2400" i="1">
+                                                  <a:latin typeface="Cambria Math" panose="02040503050406030204" pitchFamily="18" charset="0"/>
+                                                </a:rPr>
+                                              </m:ctrlPr>
+                                            </m:accPr>
+                                            <m:e>
+                                              <m:r>
+                                                <a:rPr lang="pt-BR" sz="2400" i="1">
+                                                  <a:latin typeface="Cambria Math" panose="02040503050406030204" pitchFamily="18" charset="0"/>
+                                                </a:rPr>
+                                                <m:t>𝑦</m:t>
+                                              </m:r>
+                                            </m:e>
+                                          </m:acc>
+                                        </m:e>
+                                        <m:sub>
+                                          <m:r>
+                                            <a:rPr lang="pt-BR" sz="2400" i="1">
+                                              <a:latin typeface="Cambria Math" panose="02040503050406030204" pitchFamily="18" charset="0"/>
+                                            </a:rPr>
+                                            <m:t>𝑛</m:t>
+                                          </m:r>
+                                        </m:sub>
+                                      </m:sSub>
+                                      <m:r>
+                                        <a:rPr lang="pt-BR" sz="2400" i="1">
+                                          <a:latin typeface="Cambria Math" panose="02040503050406030204" pitchFamily="18" charset="0"/>
+                                        </a:rPr>
+                                        <m:t>−</m:t>
+                                      </m:r>
+                                      <m:sSub>
+                                        <m:sSubPr>
+                                          <m:ctrlPr>
+                                            <a:rPr lang="pt-BR" sz="2400" i="1">
+                                              <a:latin typeface="Cambria Math" panose="02040503050406030204" pitchFamily="18" charset="0"/>
+                                            </a:rPr>
+                                          </m:ctrlPr>
+                                        </m:sSubPr>
+                                        <m:e>
+                                          <m:r>
+                                            <a:rPr lang="pt-BR" sz="2400" i="1">
+                                              <a:latin typeface="Cambria Math" panose="02040503050406030204" pitchFamily="18" charset="0"/>
+                                            </a:rPr>
+                                            <m:t>𝑦</m:t>
+                                          </m:r>
+                                        </m:e>
+                                        <m:sub>
+                                          <m:r>
+                                            <a:rPr lang="pt-BR" sz="2400" i="1">
+                                              <a:latin typeface="Cambria Math" panose="02040503050406030204" pitchFamily="18" charset="0"/>
+                                            </a:rPr>
+                                            <m:t>𝑛</m:t>
+                                          </m:r>
+                                        </m:sub>
+                                      </m:sSub>
+                                    </m:e>
+                                  </m:d>
+                                </m:e>
+                                <m:sup>
+                                  <m:r>
+                                    <a:rPr lang="pt-BR" sz="2400" i="1">
+                                      <a:latin typeface="Cambria Math" panose="02040503050406030204" pitchFamily="18" charset="0"/>
+                                    </a:rPr>
+                                    <m:t>2</m:t>
+                                  </m:r>
+                                </m:sup>
+                              </m:sSup>
+                            </m:e>
+                          </m:nary>
+                        </m:e>
+                      </m:rad>
+                    </m:oMath>
+                  </m:oMathPara>
+                </a14:m>
+                <a:endParaRPr lang="pt-BR" sz="2400" dirty="0"/>
+              </a:p>
+            </p:txBody>
+          </p:sp>
+        </mc:Choice>
+        <mc:Fallback>
+          <p:sp>
+            <p:nvSpPr>
+              <p:cNvPr id="5" name="CaixaDeTexto 4">
+                <a:extLst>
+                  <a:ext uri="{FF2B5EF4-FFF2-40B4-BE49-F238E27FC236}">
+                    <a16:creationId xmlns:a16="http://schemas.microsoft.com/office/drawing/2014/main" id="{58660048-2E5D-834E-A26B-95299D0CB16C}"/>
+                  </a:ext>
+                </a:extLst>
+              </p:cNvPr>
+              <p:cNvSpPr txBox="1">
+                <a:spLocks noRot="1" noChangeAspect="1" noMove="1" noResize="1" noEditPoints="1" noAdjustHandles="1" noChangeArrowheads="1" noChangeShapeType="1" noTextEdit="1"/>
+              </p:cNvSpPr>
+              <p:nvPr/>
+            </p:nvSpPr>
+            <p:spPr>
+              <a:xfrm>
+                <a:off x="838199" y="2644521"/>
+                <a:ext cx="4101291" cy="1529201"/>
+              </a:xfrm>
+              <a:prstGeom prst="rect">
+                <a:avLst/>
+              </a:prstGeom>
+              <a:blipFill>
+                <a:blip r:embed="rId6"/>
+                <a:stretch>
+                  <a:fillRect/>
+                </a:stretch>
+              </a:blipFill>
+            </p:spPr>
+            <p:txBody>
+              <a:bodyPr/>
+              <a:lstStyle/>
+              <a:p>
+                <a:r>
+                  <a:rPr lang="pt-BR">
+                    <a:noFill/>
+                  </a:rPr>
+                  <a:t> </a:t>
+                </a:r>
+              </a:p>
+            </p:txBody>
+          </p:sp>
+        </mc:Fallback>
+      </mc:AlternateContent>
     </p:spTree>
     <p:extLst>
       <p:ext uri="{BB962C8B-B14F-4D97-AF65-F5344CB8AC3E}">
@@ -11392,7 +14791,7 @@
 </p:sld>
 </file>
 
-<file path=ppt/slides/slide16.xml><?xml version="1.0" encoding="utf-8"?>
+<file path=ppt/slides/slide19.xml><?xml version="1.0" encoding="utf-8"?>
 <p:sld xmlns:a="http://schemas.openxmlformats.org/drawingml/2006/main" xmlns:r="http://schemas.openxmlformats.org/officeDocument/2006/relationships" xmlns:p="http://schemas.openxmlformats.org/presentationml/2006/main">
   <p:cSld>
     <p:spTree>
@@ -11511,7 +14910,124 @@
 </p:sld>
 </file>
 
-<file path=ppt/slides/slide17.xml><?xml version="1.0" encoding="utf-8"?>
+<file path=ppt/slides/slide2.xml><?xml version="1.0" encoding="utf-8"?>
+<p:sld xmlns:a="http://schemas.openxmlformats.org/drawingml/2006/main" xmlns:r="http://schemas.openxmlformats.org/officeDocument/2006/relationships" xmlns:p="http://schemas.openxmlformats.org/presentationml/2006/main">
+  <p:cSld>
+    <p:spTree>
+      <p:nvGrpSpPr>
+        <p:cNvPr id="1" name=""/>
+        <p:cNvGrpSpPr/>
+        <p:nvPr/>
+      </p:nvGrpSpPr>
+      <p:grpSpPr>
+        <a:xfrm>
+          <a:off x="0" y="0"/>
+          <a:ext cx="0" cy="0"/>
+          <a:chOff x="0" y="0"/>
+          <a:chExt cx="0" cy="0"/>
+        </a:xfrm>
+      </p:grpSpPr>
+      <p:sp>
+        <p:nvSpPr>
+          <p:cNvPr id="2" name="Título 1">
+            <a:extLst>
+              <a:ext uri="{FF2B5EF4-FFF2-40B4-BE49-F238E27FC236}">
+                <a16:creationId xmlns:a16="http://schemas.microsoft.com/office/drawing/2014/main" id="{EECB3FED-5D1A-7084-5333-A3B2FA75F608}"/>
+              </a:ext>
+            </a:extLst>
+          </p:cNvPr>
+          <p:cNvSpPr>
+            <a:spLocks noGrp="1"/>
+          </p:cNvSpPr>
+          <p:nvPr>
+            <p:ph type="title"/>
+          </p:nvPr>
+        </p:nvSpPr>
+        <p:spPr/>
+        <p:txBody>
+          <a:bodyPr/>
+          <a:lstStyle/>
+          <a:p>
+            <a:r>
+              <a:rPr lang="pt-BR" dirty="0"/>
+              <a:t>O que vamos ver?</a:t>
+            </a:r>
+          </a:p>
+        </p:txBody>
+      </p:sp>
+      <p:sp>
+        <p:nvSpPr>
+          <p:cNvPr id="3" name="Espaço Reservado para Conteúdo 2">
+            <a:extLst>
+              <a:ext uri="{FF2B5EF4-FFF2-40B4-BE49-F238E27FC236}">
+                <a16:creationId xmlns:a16="http://schemas.microsoft.com/office/drawing/2014/main" id="{25FE7774-7186-A846-D8DE-518B2CBF4EBD}"/>
+              </a:ext>
+            </a:extLst>
+          </p:cNvPr>
+          <p:cNvSpPr>
+            <a:spLocks noGrp="1"/>
+          </p:cNvSpPr>
+          <p:nvPr>
+            <p:ph idx="1"/>
+          </p:nvPr>
+        </p:nvSpPr>
+        <p:spPr>
+          <a:xfrm>
+            <a:off x="838199" y="1825624"/>
+            <a:ext cx="10929257" cy="5032376"/>
+          </a:xfrm>
+        </p:spPr>
+        <p:txBody>
+          <a:bodyPr>
+            <a:normAutofit/>
+          </a:bodyPr>
+          <a:lstStyle/>
+          <a:p>
+            <a:r>
+              <a:rPr lang="pt-BR" dirty="0"/>
+              <a:t>Neste tópico vamos ver como medir o desempenho de um modelo de aprendizado de máquina ao longo do seu processo de aprendizagem.</a:t>
+            </a:r>
+          </a:p>
+          <a:p>
+            <a:r>
+              <a:rPr lang="pt-BR" dirty="0"/>
+              <a:t>Para isso, como já discutido brevemente antes, usaremos uma função chamada de função de erro ou de perda.</a:t>
+            </a:r>
+          </a:p>
+          <a:p>
+            <a:r>
+              <a:rPr lang="pt-BR" dirty="0"/>
+              <a:t>Idealmente, o processo de treinamento tem como objetivo minimizar o erro e, consequentemente, aumentar a precisão do modelo.</a:t>
+            </a:r>
+          </a:p>
+          <a:p>
+            <a:r>
+              <a:rPr lang="pt-BR" dirty="0"/>
+              <a:t>Além disso, veremos em breve diferentes estratégias para minimizar o erro.</a:t>
+            </a:r>
+          </a:p>
+          <a:p>
+            <a:r>
+              <a:rPr lang="pt-BR" dirty="0"/>
+              <a:t>Porém, primeiro, vamos aprender como calcular o erro.</a:t>
+            </a:r>
+          </a:p>
+        </p:txBody>
+      </p:sp>
+    </p:spTree>
+    <p:extLst>
+      <p:ext uri="{BB962C8B-B14F-4D97-AF65-F5344CB8AC3E}">
+        <p14:creationId xmlns:p14="http://schemas.microsoft.com/office/powerpoint/2010/main" val="529739951"/>
+      </p:ext>
+    </p:extLst>
+  </p:cSld>
+  <p:clrMapOvr>
+    <a:masterClrMapping/>
+  </p:clrMapOvr>
+</p:sld>
+</file>
+
+<file path=ppt/slides/slide20.xml><?xml version="1.0" encoding="utf-8"?>
 <p:sld xmlns:a="http://schemas.openxmlformats.org/drawingml/2006/main" xmlns:r="http://schemas.openxmlformats.org/officeDocument/2006/relationships" xmlns:p="http://schemas.openxmlformats.org/presentationml/2006/main">
   <p:cSld>
     <p:spTree>
@@ -11597,7 +15113,7 @@
 </p:sld>
 </file>
 
-<file path=ppt/slides/slide18.xml><?xml version="1.0" encoding="utf-8"?>
+<file path=ppt/slides/slide21.xml><?xml version="1.0" encoding="utf-8"?>
 <p:sld xmlns:a="http://schemas.openxmlformats.org/drawingml/2006/main" xmlns:r="http://schemas.openxmlformats.org/officeDocument/2006/relationships" xmlns:p="http://schemas.openxmlformats.org/presentationml/2006/main">
   <p:cSld>
     <p:spTree>
@@ -11683,7 +15199,7 @@
 </p:sld>
 </file>
 
-<file path=ppt/slides/slide19.xml><?xml version="1.0" encoding="utf-8"?>
+<file path=ppt/slides/slide22.xml><?xml version="1.0" encoding="utf-8"?>
 <p:sld xmlns:a="http://schemas.openxmlformats.org/drawingml/2006/main" xmlns:r="http://schemas.openxmlformats.org/officeDocument/2006/relationships" xmlns:p="http://schemas.openxmlformats.org/presentationml/2006/main">
   <p:cSld>
     <p:spTree>
@@ -11769,124 +15285,7 @@
 </p:sld>
 </file>
 
-<file path=ppt/slides/slide2.xml><?xml version="1.0" encoding="utf-8"?>
-<p:sld xmlns:a="http://schemas.openxmlformats.org/drawingml/2006/main" xmlns:r="http://schemas.openxmlformats.org/officeDocument/2006/relationships" xmlns:p="http://schemas.openxmlformats.org/presentationml/2006/main">
-  <p:cSld>
-    <p:spTree>
-      <p:nvGrpSpPr>
-        <p:cNvPr id="1" name=""/>
-        <p:cNvGrpSpPr/>
-        <p:nvPr/>
-      </p:nvGrpSpPr>
-      <p:grpSpPr>
-        <a:xfrm>
-          <a:off x="0" y="0"/>
-          <a:ext cx="0" cy="0"/>
-          <a:chOff x="0" y="0"/>
-          <a:chExt cx="0" cy="0"/>
-        </a:xfrm>
-      </p:grpSpPr>
-      <p:sp>
-        <p:nvSpPr>
-          <p:cNvPr id="2" name="Título 1">
-            <a:extLst>
-              <a:ext uri="{FF2B5EF4-FFF2-40B4-BE49-F238E27FC236}">
-                <a16:creationId xmlns:a16="http://schemas.microsoft.com/office/drawing/2014/main" id="{EECB3FED-5D1A-7084-5333-A3B2FA75F608}"/>
-              </a:ext>
-            </a:extLst>
-          </p:cNvPr>
-          <p:cNvSpPr>
-            <a:spLocks noGrp="1"/>
-          </p:cNvSpPr>
-          <p:nvPr>
-            <p:ph type="title"/>
-          </p:nvPr>
-        </p:nvSpPr>
-        <p:spPr/>
-        <p:txBody>
-          <a:bodyPr/>
-          <a:lstStyle/>
-          <a:p>
-            <a:r>
-              <a:rPr lang="pt-BR" dirty="0"/>
-              <a:t>O que vamos ver?</a:t>
-            </a:r>
-          </a:p>
-        </p:txBody>
-      </p:sp>
-      <p:sp>
-        <p:nvSpPr>
-          <p:cNvPr id="3" name="Espaço Reservado para Conteúdo 2">
-            <a:extLst>
-              <a:ext uri="{FF2B5EF4-FFF2-40B4-BE49-F238E27FC236}">
-                <a16:creationId xmlns:a16="http://schemas.microsoft.com/office/drawing/2014/main" id="{25FE7774-7186-A846-D8DE-518B2CBF4EBD}"/>
-              </a:ext>
-            </a:extLst>
-          </p:cNvPr>
-          <p:cNvSpPr>
-            <a:spLocks noGrp="1"/>
-          </p:cNvSpPr>
-          <p:nvPr>
-            <p:ph idx="1"/>
-          </p:nvPr>
-        </p:nvSpPr>
-        <p:spPr>
-          <a:xfrm>
-            <a:off x="838199" y="1825624"/>
-            <a:ext cx="10929257" cy="5032376"/>
-          </a:xfrm>
-        </p:spPr>
-        <p:txBody>
-          <a:bodyPr>
-            <a:normAutofit/>
-          </a:bodyPr>
-          <a:lstStyle/>
-          <a:p>
-            <a:r>
-              <a:rPr lang="pt-BR" dirty="0"/>
-              <a:t>Nesta aula vamos ver como medir o desempenho de um modelo de aprendizado de máquina ao longo do seu processo de aprendizagem.</a:t>
-            </a:r>
-          </a:p>
-          <a:p>
-            <a:r>
-              <a:rPr lang="pt-BR" dirty="0"/>
-              <a:t>Para isso, como já discutido brevemente antes, usaremos uma função chamada de função de erro ou de perda.</a:t>
-            </a:r>
-          </a:p>
-          <a:p>
-            <a:r>
-              <a:rPr lang="pt-BR" dirty="0"/>
-              <a:t>Idealmente, o processo de treinamento tem como objetivo minimizar o erro e, consequentemente, aumentar a precisão do modelo.</a:t>
-            </a:r>
-          </a:p>
-          <a:p>
-            <a:r>
-              <a:rPr lang="pt-BR" dirty="0"/>
-              <a:t>Além disso, veremos em breve diferentes estratégias para minimizar o erro.</a:t>
-            </a:r>
-          </a:p>
-          <a:p>
-            <a:r>
-              <a:rPr lang="pt-BR" dirty="0"/>
-              <a:t>Porém, primeiro, vamos aprender como calcular o erro.</a:t>
-            </a:r>
-          </a:p>
-        </p:txBody>
-      </p:sp>
-    </p:spTree>
-    <p:extLst>
-      <p:ext uri="{BB962C8B-B14F-4D97-AF65-F5344CB8AC3E}">
-        <p14:creationId xmlns:p14="http://schemas.microsoft.com/office/powerpoint/2010/main" val="529739951"/>
-      </p:ext>
-    </p:extLst>
-  </p:cSld>
-  <p:clrMapOvr>
-    <a:masterClrMapping/>
-  </p:clrMapOvr>
-</p:sld>
-</file>
-
-<file path=ppt/slides/slide20.xml><?xml version="1.0" encoding="utf-8"?>
+<file path=ppt/slides/slide23.xml><?xml version="1.0" encoding="utf-8"?>
 <p:sld xmlns:a="http://schemas.openxmlformats.org/drawingml/2006/main" xmlns:r="http://schemas.openxmlformats.org/officeDocument/2006/relationships" xmlns:p="http://schemas.openxmlformats.org/presentationml/2006/main">
   <p:cSld>
     <p:spTree>
@@ -16404,8 +19803,8 @@
           </p:txBody>
         </p:sp>
       </p:grpSp>
-      <mc:AlternateContent xmlns:mc="http://schemas.openxmlformats.org/markup-compatibility/2006">
-        <mc:Choice xmlns:a14="http://schemas.microsoft.com/office/drawing/2010/main" Requires="a14">
+      <mc:AlternateContent xmlns:mc="http://schemas.openxmlformats.org/markup-compatibility/2006" xmlns:a14="http://schemas.microsoft.com/office/drawing/2010/main">
+        <mc:Choice Requires="a14">
           <p:sp>
             <p:nvSpPr>
               <p:cNvPr id="18" name="CaixaDeTexto 17">
@@ -16434,6 +19833,7 @@
               </a:bodyPr>
               <a:lstStyle/>
               <a:p>
+                <a:pPr/>
                 <a14:m>
                   <m:oMathPara xmlns:m="http://schemas.openxmlformats.org/officeDocument/2006/math">
                     <m:oMathParaPr>
@@ -16493,7 +19893,7 @@
             </p:txBody>
           </p:sp>
         </mc:Choice>
-        <mc:Fallback>
+        <mc:Fallback xmlns="">
           <p:sp>
             <p:nvSpPr>
               <p:cNvPr id="18" name="CaixaDeTexto 17">
@@ -17325,8 +20725,8 @@
             <a:chExt cx="5847810" cy="745539"/>
           </a:xfrm>
         </p:grpSpPr>
-        <mc:AlternateContent xmlns:mc="http://schemas.openxmlformats.org/markup-compatibility/2006">
-          <mc:Choice xmlns:a14="http://schemas.microsoft.com/office/drawing/2010/main" Requires="a14">
+        <mc:AlternateContent xmlns:mc="http://schemas.openxmlformats.org/markup-compatibility/2006" xmlns:a14="http://schemas.microsoft.com/office/drawing/2010/main">
+          <mc:Choice Requires="a14">
             <p:sp>
               <p:nvSpPr>
                 <p:cNvPr id="18" name="CaixaDeTexto 17">
@@ -17452,7 +20852,7 @@
               </p:txBody>
             </p:sp>
           </mc:Choice>
-          <mc:Fallback>
+          <mc:Fallback xmlns="">
             <p:sp>
               <p:nvSpPr>
                 <p:cNvPr id="18" name="CaixaDeTexto 17">
@@ -17602,8 +21002,8 @@
           </p:txBody>
         </p:sp>
       </p:grpSp>
-      <mc:AlternateContent xmlns:mc="http://schemas.openxmlformats.org/markup-compatibility/2006">
-        <mc:Choice xmlns:a14="http://schemas.microsoft.com/office/drawing/2010/main" Requires="a14">
+      <mc:AlternateContent xmlns:mc="http://schemas.openxmlformats.org/markup-compatibility/2006" xmlns:a14="http://schemas.microsoft.com/office/drawing/2010/main">
+        <mc:Choice Requires="a14">
           <p:sp>
             <p:nvSpPr>
               <p:cNvPr id="24" name="CaixaDeTexto 23">
@@ -17726,7 +21126,7 @@
             </p:txBody>
           </p:sp>
         </mc:Choice>
-        <mc:Fallback>
+        <mc:Fallback xmlns="">
           <p:sp>
             <p:nvSpPr>
               <p:cNvPr id="24" name="CaixaDeTexto 23">

--- a/slides/TP557_5_Medindo_a_precisão_de_um_modelo_de_ML.pptx
+++ b/slides/TP557_5_Medindo_a_precisão_de_um_modelo_de_ML.pptx
@@ -24,11 +24,11 @@
     <p:sldId id="428" r:id="rId12"/>
     <p:sldId id="432" r:id="rId13"/>
     <p:sldId id="433" r:id="rId14"/>
-    <p:sldId id="436" r:id="rId15"/>
-    <p:sldId id="435" r:id="rId16"/>
-    <p:sldId id="437" r:id="rId17"/>
-    <p:sldId id="434" r:id="rId18"/>
-    <p:sldId id="429" r:id="rId19"/>
+    <p:sldId id="429" r:id="rId15"/>
+    <p:sldId id="436" r:id="rId16"/>
+    <p:sldId id="438" r:id="rId17"/>
+    <p:sldId id="435" r:id="rId18"/>
+    <p:sldId id="434" r:id="rId19"/>
     <p:sldId id="431" r:id="rId20"/>
     <p:sldId id="405" r:id="rId21"/>
     <p:sldId id="293" r:id="rId22"/>
@@ -962,6 +962,149 @@
           <a:p>
             <a:fld id="{6FC8D850-966F-45A6-8DE7-15B891E7D40D}" type="slidenum">
               <a:rPr lang="pt-BR" smtClean="0"/>
+              <a:t>14</a:t>
+            </a:fld>
+            <a:endParaRPr lang="pt-BR"/>
+          </a:p>
+        </p:txBody>
+      </p:sp>
+    </p:spTree>
+    <p:extLst>
+      <p:ext uri="{BB962C8B-B14F-4D97-AF65-F5344CB8AC3E}">
+        <p14:creationId xmlns:p14="http://schemas.microsoft.com/office/powerpoint/2010/main" val="3377004942"/>
+      </p:ext>
+    </p:extLst>
+  </p:cSld>
+  <p:clrMapOvr>
+    <a:masterClrMapping/>
+  </p:clrMapOvr>
+</p:notes>
+</file>
+
+<file path=ppt/notesSlides/notesSlide4.xml><?xml version="1.0" encoding="utf-8"?>
+<p:notes xmlns:a="http://schemas.openxmlformats.org/drawingml/2006/main" xmlns:r="http://schemas.openxmlformats.org/officeDocument/2006/relationships" xmlns:p="http://schemas.openxmlformats.org/presentationml/2006/main">
+  <p:cSld>
+    <p:spTree>
+      <p:nvGrpSpPr>
+        <p:cNvPr id="1" name=""/>
+        <p:cNvGrpSpPr/>
+        <p:nvPr/>
+      </p:nvGrpSpPr>
+      <p:grpSpPr>
+        <a:xfrm>
+          <a:off x="0" y="0"/>
+          <a:ext cx="0" cy="0"/>
+          <a:chOff x="0" y="0"/>
+          <a:chExt cx="0" cy="0"/>
+        </a:xfrm>
+      </p:grpSpPr>
+      <p:sp>
+        <p:nvSpPr>
+          <p:cNvPr id="2" name="Espaço Reservado para Imagem de Slide 1"/>
+          <p:cNvSpPr>
+            <a:spLocks noGrp="1" noRot="1" noChangeAspect="1"/>
+          </p:cNvSpPr>
+          <p:nvPr>
+            <p:ph type="sldImg"/>
+          </p:nvPr>
+        </p:nvSpPr>
+        <p:spPr/>
+      </p:sp>
+      <p:sp>
+        <p:nvSpPr>
+          <p:cNvPr id="3" name="Espaço Reservado para Anotações 2"/>
+          <p:cNvSpPr>
+            <a:spLocks noGrp="1"/>
+          </p:cNvSpPr>
+          <p:nvPr>
+            <p:ph type="body" idx="1"/>
+          </p:nvPr>
+        </p:nvSpPr>
+        <p:spPr/>
+        <p:txBody>
+          <a:bodyPr/>
+          <a:lstStyle/>
+          <a:p>
+            <a:r>
+              <a:rPr lang="pt-BR" dirty="0"/>
+              <a:t>A partir de um ponto inicial (i.e., uma suposição aleatória de pesos), o algoritmo extrai a informação de direção do ponto de mínimo a partir da função de erro e a usa para atualizar o ponto (i.e., otimizar a suposição atual) </a:t>
+            </a:r>
+          </a:p>
+          <a:p>
+            <a:r>
+              <a:rPr lang="pt-BR" dirty="0"/>
+              <a:t>Em geral, o novo ponto (i.e., conjunto de pesos) resulta em um erro menor do que o anterior.</a:t>
+            </a:r>
+          </a:p>
+          <a:p>
+            <a:r>
+              <a:rPr lang="pt-BR" dirty="0"/>
+              <a:t>Esse processo é repetido a partir do ponto corrente até que o erro seja minimizado.</a:t>
+            </a:r>
+          </a:p>
+          <a:p>
+            <a:endParaRPr lang="pt-BR" dirty="0"/>
+          </a:p>
+          <a:p>
+            <a:pPr marL="0" marR="0" lvl="0" indent="0" algn="l" defTabSz="914400" rtl="0" eaLnBrk="1" fontAlgn="auto" latinLnBrk="0" hangingPunct="1">
+              <a:lnSpc>
+                <a:spcPct val="100000"/>
+              </a:lnSpc>
+              <a:spcBef>
+                <a:spcPts val="0"/>
+              </a:spcBef>
+              <a:spcAft>
+                <a:spcPts val="0"/>
+              </a:spcAft>
+              <a:buClrTx/>
+              <a:buSzTx/>
+              <a:buFontTx/>
+              <a:buNone/>
+              <a:tabLst/>
+              <a:defRPr/>
+            </a:pPr>
+            <a:r>
+              <a:rPr lang="pt-BR" dirty="0"/>
+              <a:t>A partir de um ponto inicial (i.e., conjunto de pesos aleatórios), a cada iteração (i.e., suposição) do algoritmo, tem-se, em geral, um conjunto de pesos que resulta em um erro menor do que o anterior.</a:t>
+            </a:r>
+          </a:p>
+          <a:p>
+            <a:endParaRPr lang="pt-BR" dirty="0"/>
+          </a:p>
+          <a:p>
+            <a:endParaRPr lang="pt-BR" dirty="0"/>
+          </a:p>
+          <a:p>
+            <a:endParaRPr lang="pt-BR" dirty="0"/>
+          </a:p>
+          <a:p>
+            <a:endParaRPr lang="pt-BR" dirty="0"/>
+          </a:p>
+          <a:p>
+            <a:r>
+              <a:rPr lang="pt-BR" dirty="0"/>
+              <a:t>(i.e., conjunto de pesos aleatórios), a cada iteração (i.e., suposição) do algoritmo, tem-se, em geral, um conjunto de pesos que resulta em um erro menor do que o anterior.</a:t>
+            </a:r>
+          </a:p>
+        </p:txBody>
+      </p:sp>
+      <p:sp>
+        <p:nvSpPr>
+          <p:cNvPr id="4" name="Espaço Reservado para Número de Slide 3"/>
+          <p:cNvSpPr>
+            <a:spLocks noGrp="1"/>
+          </p:cNvSpPr>
+          <p:nvPr>
+            <p:ph type="sldNum" sz="quarter" idx="5"/>
+          </p:nvPr>
+        </p:nvSpPr>
+        <p:spPr/>
+        <p:txBody>
+          <a:bodyPr/>
+          <a:lstStyle/>
+          <a:p>
+            <a:fld id="{6FC8D850-966F-45A6-8DE7-15B891E7D40D}" type="slidenum">
+              <a:rPr lang="pt-BR" smtClean="0"/>
               <a:t>18</a:t>
             </a:fld>
             <a:endParaRPr lang="pt-BR"/>
@@ -971,7 +1114,123 @@
     </p:spTree>
     <p:extLst>
       <p:ext uri="{BB962C8B-B14F-4D97-AF65-F5344CB8AC3E}">
-        <p14:creationId xmlns:p14="http://schemas.microsoft.com/office/powerpoint/2010/main" val="3377004942"/>
+        <p14:creationId xmlns:p14="http://schemas.microsoft.com/office/powerpoint/2010/main" val="973718594"/>
+      </p:ext>
+    </p:extLst>
+  </p:cSld>
+  <p:clrMapOvr>
+    <a:masterClrMapping/>
+  </p:clrMapOvr>
+</p:notes>
+</file>
+
+<file path=ppt/notesSlides/notesSlide5.xml><?xml version="1.0" encoding="utf-8"?>
+<p:notes xmlns:a="http://schemas.openxmlformats.org/drawingml/2006/main" xmlns:r="http://schemas.openxmlformats.org/officeDocument/2006/relationships" xmlns:p="http://schemas.openxmlformats.org/presentationml/2006/main">
+  <p:cSld>
+    <p:spTree>
+      <p:nvGrpSpPr>
+        <p:cNvPr id="1" name=""/>
+        <p:cNvGrpSpPr/>
+        <p:nvPr/>
+      </p:nvGrpSpPr>
+      <p:grpSpPr>
+        <a:xfrm>
+          <a:off x="0" y="0"/>
+          <a:ext cx="0" cy="0"/>
+          <a:chOff x="0" y="0"/>
+          <a:chExt cx="0" cy="0"/>
+        </a:xfrm>
+      </p:grpSpPr>
+      <p:sp>
+        <p:nvSpPr>
+          <p:cNvPr id="2" name="Espaço Reservado para Imagem de Slide 1"/>
+          <p:cNvSpPr>
+            <a:spLocks noGrp="1" noRot="1" noChangeAspect="1"/>
+          </p:cNvSpPr>
+          <p:nvPr>
+            <p:ph type="sldImg"/>
+          </p:nvPr>
+        </p:nvSpPr>
+        <p:spPr/>
+      </p:sp>
+      <p:sp>
+        <p:nvSpPr>
+          <p:cNvPr id="3" name="Espaço Reservado para Anotações 2"/>
+          <p:cNvSpPr>
+            <a:spLocks noGrp="1"/>
+          </p:cNvSpPr>
+          <p:nvPr>
+            <p:ph type="body" idx="1"/>
+          </p:nvPr>
+        </p:nvSpPr>
+        <p:spPr/>
+        <p:txBody>
+          <a:bodyPr/>
+          <a:lstStyle/>
+          <a:p>
+            <a:r>
+              <a:rPr lang="pt-BR" dirty="0"/>
+              <a:t>https://colab.research.google.com/</a:t>
+            </a:r>
+            <a:r>
+              <a:rPr lang="pt-BR" dirty="0" err="1"/>
+              <a:t>github</a:t>
+            </a:r>
+            <a:r>
+              <a:rPr lang="pt-BR" dirty="0"/>
+              <a:t>/zz4fap/tp557-iot-ml/</a:t>
+            </a:r>
+            <a:r>
+              <a:rPr lang="pt-BR" dirty="0" err="1"/>
+              <a:t>blob</a:t>
+            </a:r>
+            <a:r>
+              <a:rPr lang="pt-BR" dirty="0"/>
+              <a:t>/master/</a:t>
+            </a:r>
+            <a:r>
+              <a:rPr lang="pt-BR" dirty="0" err="1"/>
+              <a:t>exercises</a:t>
+            </a:r>
+            <a:r>
+              <a:rPr lang="pt-BR" dirty="0"/>
+              <a:t>/</a:t>
+            </a:r>
+            <a:r>
+              <a:rPr lang="pt-BR" dirty="0" err="1"/>
+              <a:t>Explorando_a_função_de_erro.ipynb</a:t>
+            </a:r>
+            <a:endParaRPr lang="pt-BR" dirty="0"/>
+          </a:p>
+        </p:txBody>
+      </p:sp>
+      <p:sp>
+        <p:nvSpPr>
+          <p:cNvPr id="4" name="Espaço Reservado para Número de Slide 3"/>
+          <p:cNvSpPr>
+            <a:spLocks noGrp="1"/>
+          </p:cNvSpPr>
+          <p:nvPr>
+            <p:ph type="sldNum" sz="quarter" idx="5"/>
+          </p:nvPr>
+        </p:nvSpPr>
+        <p:spPr/>
+        <p:txBody>
+          <a:bodyPr/>
+          <a:lstStyle/>
+          <a:p>
+            <a:fld id="{6FC8D850-966F-45A6-8DE7-15B891E7D40D}" type="slidenum">
+              <a:rPr lang="pt-BR" smtClean="0"/>
+              <a:t>20</a:t>
+            </a:fld>
+            <a:endParaRPr lang="pt-BR"/>
+          </a:p>
+        </p:txBody>
+      </p:sp>
+    </p:spTree>
+    <p:extLst>
+      <p:ext uri="{BB962C8B-B14F-4D97-AF65-F5344CB8AC3E}">
+        <p14:creationId xmlns:p14="http://schemas.microsoft.com/office/powerpoint/2010/main" val="4247922459"/>
       </p:ext>
     </p:extLst>
   </p:cSld>
@@ -6833,8 +7092,8 @@
           </a:p>
         </p:txBody>
       </p:sp>
-      <mc:AlternateContent xmlns:mc="http://schemas.openxmlformats.org/markup-compatibility/2006" xmlns:a14="http://schemas.microsoft.com/office/drawing/2010/main">
-        <mc:Choice Requires="a14">
+      <mc:AlternateContent xmlns:mc="http://schemas.openxmlformats.org/markup-compatibility/2006">
+        <mc:Choice xmlns:a14="http://schemas.microsoft.com/office/drawing/2010/main" Requires="a14">
           <p:sp>
             <p:nvSpPr>
               <p:cNvPr id="3" name="Espaço Reservado para Conteúdo 2">
@@ -6878,7 +7137,7 @@
                   <a:t>Comparando as predições com os valores esperados, notamos que as retas são paralelas, sendo a única diferença um </a:t>
                 </a:r>
                 <a:r>
-                  <a:rPr lang="pt-BR" b="1" dirty="0"/>
+                  <a:rPr lang="pt-BR" b="1" i="1" dirty="0"/>
                   <a:t>deslocamento</a:t>
                 </a:r>
                 <a:r>
@@ -6928,7 +7187,7 @@
             </p:txBody>
           </p:sp>
         </mc:Choice>
-        <mc:Fallback xmlns="">
+        <mc:Fallback>
           <p:sp>
             <p:nvSpPr>
               <p:cNvPr id="3" name="Espaço Reservado para Conteúdo 2">
@@ -8855,6 +9114,1448 @@
           <p:cNvPr id="2" name="Título 1">
             <a:extLst>
               <a:ext uri="{FF2B5EF4-FFF2-40B4-BE49-F238E27FC236}">
+                <a16:creationId xmlns:a16="http://schemas.microsoft.com/office/drawing/2014/main" id="{49A10830-7336-91D1-5499-0862C69FEE02}"/>
+              </a:ext>
+            </a:extLst>
+          </p:cNvPr>
+          <p:cNvSpPr>
+            <a:spLocks noGrp="1"/>
+          </p:cNvSpPr>
+          <p:nvPr>
+            <p:ph type="title"/>
+          </p:nvPr>
+        </p:nvSpPr>
+        <p:spPr/>
+        <p:txBody>
+          <a:bodyPr/>
+          <a:lstStyle/>
+          <a:p>
+            <a:r>
+              <a:rPr lang="pt-BR" dirty="0"/>
+              <a:t>Outras medidas de erro</a:t>
+            </a:r>
+          </a:p>
+        </p:txBody>
+      </p:sp>
+      <p:sp>
+        <p:nvSpPr>
+          <p:cNvPr id="3" name="Espaço Reservado para Conteúdo 2">
+            <a:extLst>
+              <a:ext uri="{FF2B5EF4-FFF2-40B4-BE49-F238E27FC236}">
+                <a16:creationId xmlns:a16="http://schemas.microsoft.com/office/drawing/2014/main" id="{996BF4C0-7E55-8111-D7D7-035EB9474E11}"/>
+              </a:ext>
+            </a:extLst>
+          </p:cNvPr>
+          <p:cNvSpPr>
+            <a:spLocks noGrp="1"/>
+          </p:cNvSpPr>
+          <p:nvPr>
+            <p:ph idx="1"/>
+          </p:nvPr>
+        </p:nvSpPr>
+        <p:spPr>
+          <a:xfrm>
+            <a:off x="6376829" y="1825625"/>
+            <a:ext cx="5674758" cy="4883400"/>
+          </a:xfrm>
+        </p:spPr>
+        <p:txBody>
+          <a:bodyPr/>
+          <a:lstStyle/>
+          <a:p>
+            <a:r>
+              <a:rPr lang="pt-BR" dirty="0"/>
+              <a:t>Além do EQM (</a:t>
+            </a:r>
+            <a:r>
+              <a:rPr lang="pt-BR" dirty="0" err="1"/>
+              <a:t>Mean</a:t>
+            </a:r>
+            <a:r>
+              <a:rPr lang="pt-BR" dirty="0"/>
+              <a:t> </a:t>
+            </a:r>
+            <a:r>
+              <a:rPr lang="pt-BR" dirty="0" err="1"/>
+              <a:t>Squared</a:t>
+            </a:r>
+            <a:r>
+              <a:rPr lang="pt-BR" dirty="0"/>
+              <a:t> </a:t>
+            </a:r>
+            <a:r>
+              <a:rPr lang="pt-BR" dirty="0" err="1"/>
+              <a:t>Error</a:t>
+            </a:r>
+            <a:r>
+              <a:rPr lang="pt-BR" dirty="0"/>
+              <a:t> – MSE), existem diversas outras métricas de erro que podemos usar</a:t>
+            </a:r>
+          </a:p>
+          <a:p>
+            <a:pPr lvl="1">
+              <a:buFont typeface="Wingdings" panose="05000000000000000000" pitchFamily="2" charset="2"/>
+              <a:buChar char="§"/>
+            </a:pPr>
+            <a:r>
+              <a:rPr lang="pt-BR" dirty="0"/>
+              <a:t>Raíz do Erro Quadrático Médio (Root </a:t>
+            </a:r>
+            <a:r>
+              <a:rPr lang="pt-BR" dirty="0" err="1"/>
+              <a:t>Mean</a:t>
+            </a:r>
+            <a:r>
+              <a:rPr lang="pt-BR" dirty="0"/>
+              <a:t> </a:t>
+            </a:r>
+            <a:r>
+              <a:rPr lang="pt-BR" dirty="0" err="1"/>
+              <a:t>Squared</a:t>
+            </a:r>
+            <a:r>
+              <a:rPr lang="pt-BR" dirty="0"/>
+              <a:t> </a:t>
+            </a:r>
+            <a:r>
+              <a:rPr lang="pt-BR" dirty="0" err="1"/>
+              <a:t>Error</a:t>
+            </a:r>
+            <a:r>
+              <a:rPr lang="pt-BR" dirty="0"/>
+              <a:t> – RMSE)</a:t>
+            </a:r>
+          </a:p>
+          <a:p>
+            <a:pPr lvl="1">
+              <a:buFont typeface="Wingdings" panose="05000000000000000000" pitchFamily="2" charset="2"/>
+              <a:buChar char="§"/>
+            </a:pPr>
+            <a:r>
+              <a:rPr lang="pt-BR" dirty="0"/>
+              <a:t>Erro Absoluto Média (</a:t>
+            </a:r>
+            <a:r>
+              <a:rPr lang="pt-BR" dirty="0" err="1"/>
+              <a:t>Mean</a:t>
+            </a:r>
+            <a:r>
+              <a:rPr lang="pt-BR" dirty="0"/>
+              <a:t> Absolute </a:t>
+            </a:r>
+            <a:r>
+              <a:rPr lang="pt-BR" dirty="0" err="1"/>
+              <a:t>Error</a:t>
+            </a:r>
+            <a:r>
+              <a:rPr lang="pt-BR" dirty="0"/>
+              <a:t> – MAE);</a:t>
+            </a:r>
+          </a:p>
+          <a:p>
+            <a:pPr lvl="1">
+              <a:buFont typeface="Wingdings" panose="05000000000000000000" pitchFamily="2" charset="2"/>
+              <a:buChar char="§"/>
+            </a:pPr>
+            <a:r>
+              <a:rPr lang="pt-BR" dirty="0"/>
+              <a:t>Entropia Cruzada (Cross-Entropia);</a:t>
+            </a:r>
+          </a:p>
+          <a:p>
+            <a:pPr lvl="1">
+              <a:buFont typeface="Wingdings" panose="05000000000000000000" pitchFamily="2" charset="2"/>
+              <a:buChar char="§"/>
+            </a:pPr>
+            <a:r>
+              <a:rPr lang="pt-BR" dirty="0"/>
+              <a:t>Etc.</a:t>
+            </a:r>
+          </a:p>
+        </p:txBody>
+      </p:sp>
+      <mc:AlternateContent xmlns:mc="http://schemas.openxmlformats.org/markup-compatibility/2006" xmlns:a14="http://schemas.microsoft.com/office/drawing/2010/main">
+        <mc:Choice Requires="a14">
+          <p:sp>
+            <p:nvSpPr>
+              <p:cNvPr id="4" name="CaixaDeTexto 3">
+                <a:extLst>
+                  <a:ext uri="{FF2B5EF4-FFF2-40B4-BE49-F238E27FC236}">
+                    <a16:creationId xmlns:a16="http://schemas.microsoft.com/office/drawing/2014/main" id="{912EE77C-6A3E-1677-40E5-D9887B8F1F1E}"/>
+                  </a:ext>
+                </a:extLst>
+              </p:cNvPr>
+              <p:cNvSpPr txBox="1"/>
+              <p:nvPr/>
+            </p:nvSpPr>
+            <p:spPr>
+              <a:xfrm>
+                <a:off x="838200" y="1513028"/>
+                <a:ext cx="3520374" cy="1130822"/>
+              </a:xfrm>
+              <a:prstGeom prst="rect">
+                <a:avLst/>
+              </a:prstGeom>
+              <a:noFill/>
+            </p:spPr>
+            <p:txBody>
+              <a:bodyPr wrap="square" rtlCol="0">
+                <a:spAutoFit/>
+              </a:bodyPr>
+              <a:lstStyle/>
+              <a:p>
+                <a:pPr/>
+                <a14:m>
+                  <m:oMathPara xmlns:m="http://schemas.openxmlformats.org/officeDocument/2006/math">
+                    <m:oMathParaPr>
+                      <m:jc m:val="left"/>
+                    </m:oMathParaPr>
+                    <m:oMath xmlns:m="http://schemas.openxmlformats.org/officeDocument/2006/math">
+                      <m:r>
+                        <m:rPr>
+                          <m:sty m:val="p"/>
+                        </m:rPr>
+                        <a:rPr lang="pt-BR" sz="2400" b="0" i="0" smtClean="0">
+                          <a:latin typeface="Cambria Math" panose="02040503050406030204" pitchFamily="18" charset="0"/>
+                        </a:rPr>
+                        <m:t>MSE</m:t>
+                      </m:r>
+                      <m:r>
+                        <a:rPr lang="pt-BR" sz="2400" b="0" i="1" smtClean="0">
+                          <a:latin typeface="Cambria Math" panose="02040503050406030204" pitchFamily="18" charset="0"/>
+                        </a:rPr>
+                        <m:t>=</m:t>
+                      </m:r>
+                      <m:f>
+                        <m:fPr>
+                          <m:ctrlPr>
+                            <a:rPr lang="pt-BR" sz="2400" b="0" i="1" smtClean="0">
+                              <a:latin typeface="Cambria Math" panose="02040503050406030204" pitchFamily="18" charset="0"/>
+                            </a:rPr>
+                          </m:ctrlPr>
+                        </m:fPr>
+                        <m:num>
+                          <m:r>
+                            <a:rPr lang="pt-BR" sz="2400" b="0" i="1" smtClean="0">
+                              <a:latin typeface="Cambria Math" panose="02040503050406030204" pitchFamily="18" charset="0"/>
+                            </a:rPr>
+                            <m:t>1</m:t>
+                          </m:r>
+                        </m:num>
+                        <m:den>
+                          <m:r>
+                            <a:rPr lang="pt-BR" sz="2400" b="0" i="1" smtClean="0">
+                              <a:latin typeface="Cambria Math" panose="02040503050406030204" pitchFamily="18" charset="0"/>
+                            </a:rPr>
+                            <m:t>𝑁</m:t>
+                          </m:r>
+                        </m:den>
+                      </m:f>
+                      <m:nary>
+                        <m:naryPr>
+                          <m:chr m:val="∑"/>
+                          <m:ctrlPr>
+                            <a:rPr lang="pt-BR" sz="2400" b="0" i="1" smtClean="0">
+                              <a:latin typeface="Cambria Math" panose="02040503050406030204" pitchFamily="18" charset="0"/>
+                            </a:rPr>
+                          </m:ctrlPr>
+                        </m:naryPr>
+                        <m:sub>
+                          <m:r>
+                            <m:rPr>
+                              <m:brk m:alnAt="23"/>
+                            </m:rPr>
+                            <a:rPr lang="pt-BR" sz="2400" b="0" i="1" smtClean="0">
+                              <a:latin typeface="Cambria Math" panose="02040503050406030204" pitchFamily="18" charset="0"/>
+                            </a:rPr>
+                            <m:t>𝑛</m:t>
+                          </m:r>
+                          <m:r>
+                            <a:rPr lang="pt-BR" sz="2400" b="0" i="1" smtClean="0">
+                              <a:latin typeface="Cambria Math" panose="02040503050406030204" pitchFamily="18" charset="0"/>
+                            </a:rPr>
+                            <m:t>=1</m:t>
+                          </m:r>
+                        </m:sub>
+                        <m:sup>
+                          <m:r>
+                            <a:rPr lang="pt-BR" sz="2400" b="0" i="1" smtClean="0">
+                              <a:latin typeface="Cambria Math" panose="02040503050406030204" pitchFamily="18" charset="0"/>
+                            </a:rPr>
+                            <m:t>𝑁</m:t>
+                          </m:r>
+                        </m:sup>
+                        <m:e>
+                          <m:sSup>
+                            <m:sSupPr>
+                              <m:ctrlPr>
+                                <a:rPr lang="pt-BR" sz="2400" b="0" i="1" smtClean="0">
+                                  <a:latin typeface="Cambria Math" panose="02040503050406030204" pitchFamily="18" charset="0"/>
+                                </a:rPr>
+                              </m:ctrlPr>
+                            </m:sSupPr>
+                            <m:e>
+                              <m:d>
+                                <m:dPr>
+                                  <m:ctrlPr>
+                                    <a:rPr lang="pt-BR" sz="2400" b="0" i="1" smtClean="0">
+                                      <a:latin typeface="Cambria Math" panose="02040503050406030204" pitchFamily="18" charset="0"/>
+                                    </a:rPr>
+                                  </m:ctrlPr>
+                                </m:dPr>
+                                <m:e>
+                                  <m:sSub>
+                                    <m:sSubPr>
+                                      <m:ctrlPr>
+                                        <a:rPr lang="pt-BR" sz="2400" i="1">
+                                          <a:latin typeface="Cambria Math" panose="02040503050406030204" pitchFamily="18" charset="0"/>
+                                        </a:rPr>
+                                      </m:ctrlPr>
+                                    </m:sSubPr>
+                                    <m:e>
+                                      <m:acc>
+                                        <m:accPr>
+                                          <m:chr m:val="̂"/>
+                                          <m:ctrlPr>
+                                            <a:rPr lang="pt-BR" sz="2400" i="1">
+                                              <a:latin typeface="Cambria Math" panose="02040503050406030204" pitchFamily="18" charset="0"/>
+                                            </a:rPr>
+                                          </m:ctrlPr>
+                                        </m:accPr>
+                                        <m:e>
+                                          <m:r>
+                                            <a:rPr lang="pt-BR" sz="2400" i="1">
+                                              <a:latin typeface="Cambria Math" panose="02040503050406030204" pitchFamily="18" charset="0"/>
+                                            </a:rPr>
+                                            <m:t>𝑦</m:t>
+                                          </m:r>
+                                        </m:e>
+                                      </m:acc>
+                                    </m:e>
+                                    <m:sub>
+                                      <m:r>
+                                        <a:rPr lang="pt-BR" sz="2400" i="1">
+                                          <a:latin typeface="Cambria Math" panose="02040503050406030204" pitchFamily="18" charset="0"/>
+                                        </a:rPr>
+                                        <m:t>𝑛</m:t>
+                                      </m:r>
+                                    </m:sub>
+                                  </m:sSub>
+                                  <m:r>
+                                    <a:rPr lang="pt-BR" sz="2400" b="0" i="1" smtClean="0">
+                                      <a:latin typeface="Cambria Math" panose="02040503050406030204" pitchFamily="18" charset="0"/>
+                                    </a:rPr>
+                                    <m:t>−</m:t>
+                                  </m:r>
+                                  <m:sSub>
+                                    <m:sSubPr>
+                                      <m:ctrlPr>
+                                        <a:rPr lang="pt-BR" sz="2400" i="1">
+                                          <a:latin typeface="Cambria Math" panose="02040503050406030204" pitchFamily="18" charset="0"/>
+                                        </a:rPr>
+                                      </m:ctrlPr>
+                                    </m:sSubPr>
+                                    <m:e>
+                                      <m:r>
+                                        <a:rPr lang="pt-BR" sz="2400" i="1">
+                                          <a:latin typeface="Cambria Math" panose="02040503050406030204" pitchFamily="18" charset="0"/>
+                                        </a:rPr>
+                                        <m:t>𝑦</m:t>
+                                      </m:r>
+                                    </m:e>
+                                    <m:sub>
+                                      <m:r>
+                                        <a:rPr lang="pt-BR" sz="2400" i="1">
+                                          <a:latin typeface="Cambria Math" panose="02040503050406030204" pitchFamily="18" charset="0"/>
+                                        </a:rPr>
+                                        <m:t>𝑛</m:t>
+                                      </m:r>
+                                    </m:sub>
+                                  </m:sSub>
+                                </m:e>
+                              </m:d>
+                            </m:e>
+                            <m:sup>
+                              <m:r>
+                                <a:rPr lang="pt-BR" sz="2400" b="0" i="1" smtClean="0">
+                                  <a:latin typeface="Cambria Math" panose="02040503050406030204" pitchFamily="18" charset="0"/>
+                                </a:rPr>
+                                <m:t>2</m:t>
+                              </m:r>
+                            </m:sup>
+                          </m:sSup>
+                        </m:e>
+                      </m:nary>
+                    </m:oMath>
+                  </m:oMathPara>
+                </a14:m>
+                <a:endParaRPr lang="pt-BR" sz="2400" dirty="0"/>
+              </a:p>
+            </p:txBody>
+          </p:sp>
+        </mc:Choice>
+        <mc:Fallback xmlns="">
+          <p:sp>
+            <p:nvSpPr>
+              <p:cNvPr id="4" name="CaixaDeTexto 3">
+                <a:extLst>
+                  <a:ext uri="{FF2B5EF4-FFF2-40B4-BE49-F238E27FC236}">
+                    <a16:creationId xmlns:a16="http://schemas.microsoft.com/office/drawing/2014/main" id="{912EE77C-6A3E-1677-40E5-D9887B8F1F1E}"/>
+                  </a:ext>
+                </a:extLst>
+              </p:cNvPr>
+              <p:cNvSpPr txBox="1">
+                <a:spLocks noRot="1" noChangeAspect="1" noMove="1" noResize="1" noEditPoints="1" noAdjustHandles="1" noChangeArrowheads="1" noChangeShapeType="1" noTextEdit="1"/>
+              </p:cNvSpPr>
+              <p:nvPr/>
+            </p:nvSpPr>
+            <p:spPr>
+              <a:xfrm>
+                <a:off x="838200" y="1513028"/>
+                <a:ext cx="3520374" cy="1130822"/>
+              </a:xfrm>
+              <a:prstGeom prst="rect">
+                <a:avLst/>
+              </a:prstGeom>
+              <a:blipFill>
+                <a:blip r:embed="rId3"/>
+                <a:stretch>
+                  <a:fillRect/>
+                </a:stretch>
+              </a:blipFill>
+            </p:spPr>
+            <p:txBody>
+              <a:bodyPr/>
+              <a:lstStyle/>
+              <a:p>
+                <a:r>
+                  <a:rPr lang="pt-BR">
+                    <a:noFill/>
+                  </a:rPr>
+                  <a:t> </a:t>
+                </a:r>
+              </a:p>
+            </p:txBody>
+          </p:sp>
+        </mc:Fallback>
+      </mc:AlternateContent>
+      <mc:AlternateContent xmlns:mc="http://schemas.openxmlformats.org/markup-compatibility/2006" xmlns:a14="http://schemas.microsoft.com/office/drawing/2010/main">
+        <mc:Choice Requires="a14">
+          <p:sp>
+            <p:nvSpPr>
+              <p:cNvPr id="6" name="CaixaDeTexto 5">
+                <a:extLst>
+                  <a:ext uri="{FF2B5EF4-FFF2-40B4-BE49-F238E27FC236}">
+                    <a16:creationId xmlns:a16="http://schemas.microsoft.com/office/drawing/2014/main" id="{4F978C60-702A-3E84-6A73-7B615BC32415}"/>
+                  </a:ext>
+                </a:extLst>
+              </p:cNvPr>
+              <p:cNvSpPr txBox="1"/>
+              <p:nvPr/>
+            </p:nvSpPr>
+            <p:spPr>
+              <a:xfrm>
+                <a:off x="838201" y="4123565"/>
+                <a:ext cx="3520373" cy="1130822"/>
+              </a:xfrm>
+              <a:prstGeom prst="rect">
+                <a:avLst/>
+              </a:prstGeom>
+              <a:noFill/>
+            </p:spPr>
+            <p:txBody>
+              <a:bodyPr wrap="square" rtlCol="0">
+                <a:spAutoFit/>
+              </a:bodyPr>
+              <a:lstStyle/>
+              <a:p>
+                <a:pPr/>
+                <a14:m>
+                  <m:oMathPara xmlns:m="http://schemas.openxmlformats.org/officeDocument/2006/math">
+                    <m:oMathParaPr>
+                      <m:jc m:val="left"/>
+                    </m:oMathParaPr>
+                    <m:oMath xmlns:m="http://schemas.openxmlformats.org/officeDocument/2006/math">
+                      <m:r>
+                        <m:rPr>
+                          <m:sty m:val="p"/>
+                        </m:rPr>
+                        <a:rPr lang="pt-BR" sz="2400" b="0" i="0" smtClean="0">
+                          <a:latin typeface="Cambria Math" panose="02040503050406030204" pitchFamily="18" charset="0"/>
+                        </a:rPr>
+                        <m:t>MAE</m:t>
+                      </m:r>
+                      <m:r>
+                        <a:rPr lang="pt-BR" sz="2400" b="0" i="1" smtClean="0">
+                          <a:latin typeface="Cambria Math" panose="02040503050406030204" pitchFamily="18" charset="0"/>
+                        </a:rPr>
+                        <m:t>=</m:t>
+                      </m:r>
+                      <m:f>
+                        <m:fPr>
+                          <m:ctrlPr>
+                            <a:rPr lang="pt-BR" sz="2400" b="0" i="1" smtClean="0">
+                              <a:latin typeface="Cambria Math" panose="02040503050406030204" pitchFamily="18" charset="0"/>
+                            </a:rPr>
+                          </m:ctrlPr>
+                        </m:fPr>
+                        <m:num>
+                          <m:r>
+                            <a:rPr lang="pt-BR" sz="2400" b="0" i="1" smtClean="0">
+                              <a:latin typeface="Cambria Math" panose="02040503050406030204" pitchFamily="18" charset="0"/>
+                            </a:rPr>
+                            <m:t>1</m:t>
+                          </m:r>
+                        </m:num>
+                        <m:den>
+                          <m:r>
+                            <a:rPr lang="pt-BR" sz="2400" b="0" i="1" smtClean="0">
+                              <a:latin typeface="Cambria Math" panose="02040503050406030204" pitchFamily="18" charset="0"/>
+                            </a:rPr>
+                            <m:t>𝑁</m:t>
+                          </m:r>
+                        </m:den>
+                      </m:f>
+                      <m:nary>
+                        <m:naryPr>
+                          <m:chr m:val="∑"/>
+                          <m:ctrlPr>
+                            <a:rPr lang="pt-BR" sz="2400" b="0" i="1" smtClean="0">
+                              <a:latin typeface="Cambria Math" panose="02040503050406030204" pitchFamily="18" charset="0"/>
+                            </a:rPr>
+                          </m:ctrlPr>
+                        </m:naryPr>
+                        <m:sub>
+                          <m:r>
+                            <m:rPr>
+                              <m:brk m:alnAt="23"/>
+                            </m:rPr>
+                            <a:rPr lang="pt-BR" sz="2400" b="0" i="1" smtClean="0">
+                              <a:latin typeface="Cambria Math" panose="02040503050406030204" pitchFamily="18" charset="0"/>
+                            </a:rPr>
+                            <m:t>𝑛</m:t>
+                          </m:r>
+                          <m:r>
+                            <a:rPr lang="pt-BR" sz="2400" b="0" i="1" smtClean="0">
+                              <a:latin typeface="Cambria Math" panose="02040503050406030204" pitchFamily="18" charset="0"/>
+                            </a:rPr>
+                            <m:t>=1</m:t>
+                          </m:r>
+                        </m:sub>
+                        <m:sup>
+                          <m:r>
+                            <a:rPr lang="pt-BR" sz="2400" b="0" i="1" smtClean="0">
+                              <a:latin typeface="Cambria Math" panose="02040503050406030204" pitchFamily="18" charset="0"/>
+                            </a:rPr>
+                            <m:t>𝑁</m:t>
+                          </m:r>
+                        </m:sup>
+                        <m:e>
+                          <m:d>
+                            <m:dPr>
+                              <m:begChr m:val="|"/>
+                              <m:endChr m:val="|"/>
+                              <m:ctrlPr>
+                                <a:rPr lang="pt-BR" sz="2400" b="0" i="1" smtClean="0">
+                                  <a:latin typeface="Cambria Math" panose="02040503050406030204" pitchFamily="18" charset="0"/>
+                                </a:rPr>
+                              </m:ctrlPr>
+                            </m:dPr>
+                            <m:e>
+                              <m:sSub>
+                                <m:sSubPr>
+                                  <m:ctrlPr>
+                                    <a:rPr lang="pt-BR" sz="2400" i="1">
+                                      <a:latin typeface="Cambria Math" panose="02040503050406030204" pitchFamily="18" charset="0"/>
+                                    </a:rPr>
+                                  </m:ctrlPr>
+                                </m:sSubPr>
+                                <m:e>
+                                  <m:acc>
+                                    <m:accPr>
+                                      <m:chr m:val="̂"/>
+                                      <m:ctrlPr>
+                                        <a:rPr lang="pt-BR" sz="2400" i="1">
+                                          <a:latin typeface="Cambria Math" panose="02040503050406030204" pitchFamily="18" charset="0"/>
+                                        </a:rPr>
+                                      </m:ctrlPr>
+                                    </m:accPr>
+                                    <m:e>
+                                      <m:r>
+                                        <a:rPr lang="pt-BR" sz="2400" i="1">
+                                          <a:latin typeface="Cambria Math" panose="02040503050406030204" pitchFamily="18" charset="0"/>
+                                        </a:rPr>
+                                        <m:t>𝑦</m:t>
+                                      </m:r>
+                                    </m:e>
+                                  </m:acc>
+                                </m:e>
+                                <m:sub>
+                                  <m:r>
+                                    <a:rPr lang="pt-BR" sz="2400" i="1">
+                                      <a:latin typeface="Cambria Math" panose="02040503050406030204" pitchFamily="18" charset="0"/>
+                                    </a:rPr>
+                                    <m:t>𝑛</m:t>
+                                  </m:r>
+                                </m:sub>
+                              </m:sSub>
+                              <m:r>
+                                <a:rPr lang="pt-BR" sz="2400" i="1">
+                                  <a:latin typeface="Cambria Math" panose="02040503050406030204" pitchFamily="18" charset="0"/>
+                                </a:rPr>
+                                <m:t>−</m:t>
+                              </m:r>
+                              <m:sSub>
+                                <m:sSubPr>
+                                  <m:ctrlPr>
+                                    <a:rPr lang="pt-BR" sz="2400" i="1">
+                                      <a:latin typeface="Cambria Math" panose="02040503050406030204" pitchFamily="18" charset="0"/>
+                                    </a:rPr>
+                                  </m:ctrlPr>
+                                </m:sSubPr>
+                                <m:e>
+                                  <m:r>
+                                    <a:rPr lang="pt-BR" sz="2400" i="1">
+                                      <a:latin typeface="Cambria Math" panose="02040503050406030204" pitchFamily="18" charset="0"/>
+                                    </a:rPr>
+                                    <m:t>𝑦</m:t>
+                                  </m:r>
+                                </m:e>
+                                <m:sub>
+                                  <m:r>
+                                    <a:rPr lang="pt-BR" sz="2400" i="1">
+                                      <a:latin typeface="Cambria Math" panose="02040503050406030204" pitchFamily="18" charset="0"/>
+                                    </a:rPr>
+                                    <m:t>𝑛</m:t>
+                                  </m:r>
+                                </m:sub>
+                              </m:sSub>
+                            </m:e>
+                          </m:d>
+                        </m:e>
+                      </m:nary>
+                    </m:oMath>
+                  </m:oMathPara>
+                </a14:m>
+                <a:endParaRPr lang="pt-BR" sz="2400" dirty="0"/>
+              </a:p>
+            </p:txBody>
+          </p:sp>
+        </mc:Choice>
+        <mc:Fallback xmlns="">
+          <p:sp>
+            <p:nvSpPr>
+              <p:cNvPr id="6" name="CaixaDeTexto 5">
+                <a:extLst>
+                  <a:ext uri="{FF2B5EF4-FFF2-40B4-BE49-F238E27FC236}">
+                    <a16:creationId xmlns:a16="http://schemas.microsoft.com/office/drawing/2014/main" id="{4F978C60-702A-3E84-6A73-7B615BC32415}"/>
+                  </a:ext>
+                </a:extLst>
+              </p:cNvPr>
+              <p:cNvSpPr txBox="1">
+                <a:spLocks noRot="1" noChangeAspect="1" noMove="1" noResize="1" noEditPoints="1" noAdjustHandles="1" noChangeArrowheads="1" noChangeShapeType="1" noTextEdit="1"/>
+              </p:cNvSpPr>
+              <p:nvPr/>
+            </p:nvSpPr>
+            <p:spPr>
+              <a:xfrm>
+                <a:off x="838201" y="4123565"/>
+                <a:ext cx="3520373" cy="1130822"/>
+              </a:xfrm>
+              <a:prstGeom prst="rect">
+                <a:avLst/>
+              </a:prstGeom>
+              <a:blipFill>
+                <a:blip r:embed="rId4"/>
+                <a:stretch>
+                  <a:fillRect/>
+                </a:stretch>
+              </a:blipFill>
+            </p:spPr>
+            <p:txBody>
+              <a:bodyPr/>
+              <a:lstStyle/>
+              <a:p>
+                <a:r>
+                  <a:rPr lang="pt-BR">
+                    <a:noFill/>
+                  </a:rPr>
+                  <a:t> </a:t>
+                </a:r>
+              </a:p>
+            </p:txBody>
+          </p:sp>
+        </mc:Fallback>
+      </mc:AlternateContent>
+      <mc:AlternateContent xmlns:mc="http://schemas.openxmlformats.org/markup-compatibility/2006" xmlns:a14="http://schemas.microsoft.com/office/drawing/2010/main">
+        <mc:Choice Requires="a14">
+          <p:sp>
+            <p:nvSpPr>
+              <p:cNvPr id="8" name="CaixaDeTexto 7">
+                <a:extLst>
+                  <a:ext uri="{FF2B5EF4-FFF2-40B4-BE49-F238E27FC236}">
+                    <a16:creationId xmlns:a16="http://schemas.microsoft.com/office/drawing/2014/main" id="{B2E122A9-38F7-3EDD-EB51-59C40B04209A}"/>
+                  </a:ext>
+                </a:extLst>
+              </p:cNvPr>
+              <p:cNvSpPr txBox="1"/>
+              <p:nvPr/>
+            </p:nvSpPr>
+            <p:spPr>
+              <a:xfrm>
+                <a:off x="838200" y="5296761"/>
+                <a:ext cx="4976973" cy="1130822"/>
+              </a:xfrm>
+              <a:prstGeom prst="rect">
+                <a:avLst/>
+              </a:prstGeom>
+              <a:noFill/>
+            </p:spPr>
+            <p:txBody>
+              <a:bodyPr wrap="square" rtlCol="0">
+                <a:spAutoFit/>
+              </a:bodyPr>
+              <a:lstStyle/>
+              <a:p>
+                <a:pPr/>
+                <a14:m>
+                  <m:oMathPara xmlns:m="http://schemas.openxmlformats.org/officeDocument/2006/math">
+                    <m:oMathParaPr>
+                      <m:jc m:val="left"/>
+                    </m:oMathParaPr>
+                    <m:oMath xmlns:m="http://schemas.openxmlformats.org/officeDocument/2006/math">
+                      <m:r>
+                        <m:rPr>
+                          <m:sty m:val="p"/>
+                        </m:rPr>
+                        <a:rPr lang="pt-BR" sz="2400" b="0" i="0" smtClean="0">
+                          <a:latin typeface="Cambria Math" panose="02040503050406030204" pitchFamily="18" charset="0"/>
+                        </a:rPr>
+                        <m:t>cross</m:t>
+                      </m:r>
+                      <m:r>
+                        <a:rPr lang="pt-BR" sz="2400" b="0" i="0" smtClean="0">
+                          <a:latin typeface="Cambria Math" panose="02040503050406030204" pitchFamily="18" charset="0"/>
+                        </a:rPr>
+                        <m:t> </m:t>
+                      </m:r>
+                      <m:r>
+                        <m:rPr>
+                          <m:sty m:val="p"/>
+                        </m:rPr>
+                        <a:rPr lang="pt-BR" sz="2400" b="0" i="0" smtClean="0">
+                          <a:latin typeface="Cambria Math" panose="02040503050406030204" pitchFamily="18" charset="0"/>
+                        </a:rPr>
+                        <m:t>entropy</m:t>
+                      </m:r>
+                      <m:r>
+                        <a:rPr lang="pt-BR" sz="2400" b="0" i="1" smtClean="0">
+                          <a:latin typeface="Cambria Math" panose="02040503050406030204" pitchFamily="18" charset="0"/>
+                        </a:rPr>
+                        <m:t>=−</m:t>
+                      </m:r>
+                      <m:f>
+                        <m:fPr>
+                          <m:ctrlPr>
+                            <a:rPr lang="pt-BR" sz="2400" b="0" i="1" smtClean="0">
+                              <a:latin typeface="Cambria Math" panose="02040503050406030204" pitchFamily="18" charset="0"/>
+                            </a:rPr>
+                          </m:ctrlPr>
+                        </m:fPr>
+                        <m:num>
+                          <m:r>
+                            <a:rPr lang="pt-BR" sz="2400" b="0" i="1" smtClean="0">
+                              <a:latin typeface="Cambria Math" panose="02040503050406030204" pitchFamily="18" charset="0"/>
+                            </a:rPr>
+                            <m:t>1</m:t>
+                          </m:r>
+                        </m:num>
+                        <m:den>
+                          <m:r>
+                            <a:rPr lang="pt-BR" sz="2400" b="0" i="1" smtClean="0">
+                              <a:latin typeface="Cambria Math" panose="02040503050406030204" pitchFamily="18" charset="0"/>
+                            </a:rPr>
+                            <m:t>𝑁</m:t>
+                          </m:r>
+                        </m:den>
+                      </m:f>
+                      <m:nary>
+                        <m:naryPr>
+                          <m:chr m:val="∑"/>
+                          <m:ctrlPr>
+                            <a:rPr lang="pt-BR" sz="2400" b="0" i="1" smtClean="0">
+                              <a:latin typeface="Cambria Math" panose="02040503050406030204" pitchFamily="18" charset="0"/>
+                            </a:rPr>
+                          </m:ctrlPr>
+                        </m:naryPr>
+                        <m:sub>
+                          <m:r>
+                            <m:rPr>
+                              <m:brk m:alnAt="23"/>
+                            </m:rPr>
+                            <a:rPr lang="pt-BR" sz="2400" b="0" i="1" smtClean="0">
+                              <a:latin typeface="Cambria Math" panose="02040503050406030204" pitchFamily="18" charset="0"/>
+                            </a:rPr>
+                            <m:t>𝑛</m:t>
+                          </m:r>
+                          <m:r>
+                            <a:rPr lang="pt-BR" sz="2400" b="0" i="1" smtClean="0">
+                              <a:latin typeface="Cambria Math" panose="02040503050406030204" pitchFamily="18" charset="0"/>
+                            </a:rPr>
+                            <m:t>=1</m:t>
+                          </m:r>
+                        </m:sub>
+                        <m:sup>
+                          <m:r>
+                            <a:rPr lang="pt-BR" sz="2400" b="0" i="1" smtClean="0">
+                              <a:latin typeface="Cambria Math" panose="02040503050406030204" pitchFamily="18" charset="0"/>
+                            </a:rPr>
+                            <m:t>𝑁</m:t>
+                          </m:r>
+                        </m:sup>
+                        <m:e>
+                          <m:sSub>
+                            <m:sSubPr>
+                              <m:ctrlPr>
+                                <a:rPr lang="pt-BR" sz="2400" b="0" i="1" smtClean="0">
+                                  <a:latin typeface="Cambria Math" panose="02040503050406030204" pitchFamily="18" charset="0"/>
+                                </a:rPr>
+                              </m:ctrlPr>
+                            </m:sSubPr>
+                            <m:e>
+                              <m:r>
+                                <a:rPr lang="pt-BR" sz="2400" b="0" i="1" smtClean="0">
+                                  <a:latin typeface="Cambria Math" panose="02040503050406030204" pitchFamily="18" charset="0"/>
+                                </a:rPr>
+                                <m:t>𝑦</m:t>
+                              </m:r>
+                            </m:e>
+                            <m:sub>
+                              <m:r>
+                                <a:rPr lang="pt-BR" sz="2400" b="0" i="1" smtClean="0">
+                                  <a:latin typeface="Cambria Math" panose="02040503050406030204" pitchFamily="18" charset="0"/>
+                                </a:rPr>
+                                <m:t>𝑛</m:t>
+                              </m:r>
+                            </m:sub>
+                          </m:sSub>
+                          <m:func>
+                            <m:funcPr>
+                              <m:ctrlPr>
+                                <a:rPr lang="pt-BR" sz="2400" b="0" i="1" smtClean="0">
+                                  <a:latin typeface="Cambria Math" panose="02040503050406030204" pitchFamily="18" charset="0"/>
+                                </a:rPr>
+                              </m:ctrlPr>
+                            </m:funcPr>
+                            <m:fName>
+                              <m:sSub>
+                                <m:sSubPr>
+                                  <m:ctrlPr>
+                                    <a:rPr lang="pt-BR" sz="2400" b="0" i="1" smtClean="0">
+                                      <a:latin typeface="Cambria Math" panose="02040503050406030204" pitchFamily="18" charset="0"/>
+                                    </a:rPr>
+                                  </m:ctrlPr>
+                                </m:sSubPr>
+                                <m:e>
+                                  <m:r>
+                                    <m:rPr>
+                                      <m:sty m:val="p"/>
+                                    </m:rPr>
+                                    <a:rPr lang="pt-BR" sz="2400" b="0" i="0" smtClean="0">
+                                      <a:latin typeface="Cambria Math" panose="02040503050406030204" pitchFamily="18" charset="0"/>
+                                    </a:rPr>
+                                    <m:t>log</m:t>
+                                  </m:r>
+                                </m:e>
+                                <m:sub>
+                                  <m:r>
+                                    <a:rPr lang="pt-BR" sz="2400" b="0" i="1" smtClean="0">
+                                      <a:latin typeface="Cambria Math" panose="02040503050406030204" pitchFamily="18" charset="0"/>
+                                    </a:rPr>
+                                    <m:t>𝑒</m:t>
+                                  </m:r>
+                                </m:sub>
+                              </m:sSub>
+                            </m:fName>
+                            <m:e>
+                              <m:d>
+                                <m:dPr>
+                                  <m:ctrlPr>
+                                    <a:rPr lang="pt-BR" sz="2400" b="0" i="1" smtClean="0">
+                                      <a:latin typeface="Cambria Math" panose="02040503050406030204" pitchFamily="18" charset="0"/>
+                                    </a:rPr>
+                                  </m:ctrlPr>
+                                </m:dPr>
+                                <m:e>
+                                  <m:sSub>
+                                    <m:sSubPr>
+                                      <m:ctrlPr>
+                                        <a:rPr lang="pt-BR" sz="2400" b="0" i="1" smtClean="0">
+                                          <a:latin typeface="Cambria Math" panose="02040503050406030204" pitchFamily="18" charset="0"/>
+                                        </a:rPr>
+                                      </m:ctrlPr>
+                                    </m:sSubPr>
+                                    <m:e>
+                                      <m:acc>
+                                        <m:accPr>
+                                          <m:chr m:val="̂"/>
+                                          <m:ctrlPr>
+                                            <a:rPr lang="pt-BR" sz="2400" b="0" i="1" smtClean="0">
+                                              <a:latin typeface="Cambria Math" panose="02040503050406030204" pitchFamily="18" charset="0"/>
+                                            </a:rPr>
+                                          </m:ctrlPr>
+                                        </m:accPr>
+                                        <m:e>
+                                          <m:r>
+                                            <a:rPr lang="pt-BR" sz="2400" b="0" i="1" smtClean="0">
+                                              <a:latin typeface="Cambria Math" panose="02040503050406030204" pitchFamily="18" charset="0"/>
+                                            </a:rPr>
+                                            <m:t>𝑦</m:t>
+                                          </m:r>
+                                        </m:e>
+                                      </m:acc>
+                                    </m:e>
+                                    <m:sub>
+                                      <m:r>
+                                        <a:rPr lang="pt-BR" sz="2400" b="0" i="1" smtClean="0">
+                                          <a:latin typeface="Cambria Math" panose="02040503050406030204" pitchFamily="18" charset="0"/>
+                                        </a:rPr>
+                                        <m:t>𝑛</m:t>
+                                      </m:r>
+                                    </m:sub>
+                                  </m:sSub>
+                                </m:e>
+                              </m:d>
+                            </m:e>
+                          </m:func>
+                        </m:e>
+                      </m:nary>
+                    </m:oMath>
+                  </m:oMathPara>
+                </a14:m>
+                <a:endParaRPr lang="pt-BR" sz="2400" dirty="0"/>
+              </a:p>
+            </p:txBody>
+          </p:sp>
+        </mc:Choice>
+        <mc:Fallback xmlns="">
+          <p:sp>
+            <p:nvSpPr>
+              <p:cNvPr id="8" name="CaixaDeTexto 7">
+                <a:extLst>
+                  <a:ext uri="{FF2B5EF4-FFF2-40B4-BE49-F238E27FC236}">
+                    <a16:creationId xmlns:a16="http://schemas.microsoft.com/office/drawing/2014/main" id="{B2E122A9-38F7-3EDD-EB51-59C40B04209A}"/>
+                  </a:ext>
+                </a:extLst>
+              </p:cNvPr>
+              <p:cNvSpPr txBox="1">
+                <a:spLocks noRot="1" noChangeAspect="1" noMove="1" noResize="1" noEditPoints="1" noAdjustHandles="1" noChangeArrowheads="1" noChangeShapeType="1" noTextEdit="1"/>
+              </p:cNvSpPr>
+              <p:nvPr/>
+            </p:nvSpPr>
+            <p:spPr>
+              <a:xfrm>
+                <a:off x="838200" y="5296761"/>
+                <a:ext cx="4976973" cy="1130822"/>
+              </a:xfrm>
+              <a:prstGeom prst="rect">
+                <a:avLst/>
+              </a:prstGeom>
+              <a:blipFill>
+                <a:blip r:embed="rId5"/>
+                <a:stretch>
+                  <a:fillRect/>
+                </a:stretch>
+              </a:blipFill>
+            </p:spPr>
+            <p:txBody>
+              <a:bodyPr/>
+              <a:lstStyle/>
+              <a:p>
+                <a:r>
+                  <a:rPr lang="pt-BR">
+                    <a:noFill/>
+                  </a:rPr>
+                  <a:t> </a:t>
+                </a:r>
+              </a:p>
+            </p:txBody>
+          </p:sp>
+        </mc:Fallback>
+      </mc:AlternateContent>
+      <p:sp>
+        <p:nvSpPr>
+          <p:cNvPr id="10" name="Chave Direita 9">
+            <a:extLst>
+              <a:ext uri="{FF2B5EF4-FFF2-40B4-BE49-F238E27FC236}">
+                <a16:creationId xmlns:a16="http://schemas.microsoft.com/office/drawing/2014/main" id="{93847FBB-5EC0-2B17-E863-7E714B0F2822}"/>
+              </a:ext>
+            </a:extLst>
+          </p:cNvPr>
+          <p:cNvSpPr/>
+          <p:nvPr/>
+        </p:nvSpPr>
+        <p:spPr>
+          <a:xfrm>
+            <a:off x="4560440" y="1513028"/>
+            <a:ext cx="310556" cy="3687625"/>
+          </a:xfrm>
+          <a:prstGeom prst="rightBrace">
+            <a:avLst/>
+          </a:prstGeom>
+        </p:spPr>
+        <p:style>
+          <a:lnRef idx="1">
+            <a:schemeClr val="accent1"/>
+          </a:lnRef>
+          <a:fillRef idx="0">
+            <a:schemeClr val="accent1"/>
+          </a:fillRef>
+          <a:effectRef idx="0">
+            <a:schemeClr val="accent1"/>
+          </a:effectRef>
+          <a:fontRef idx="minor">
+            <a:schemeClr val="tx1"/>
+          </a:fontRef>
+        </p:style>
+        <p:txBody>
+          <a:bodyPr rtlCol="0" anchor="ctr"/>
+          <a:lstStyle/>
+          <a:p>
+            <a:pPr algn="ctr"/>
+            <a:endParaRPr lang="pt-BR"/>
+          </a:p>
+        </p:txBody>
+      </p:sp>
+      <p:sp>
+        <p:nvSpPr>
+          <p:cNvPr id="11" name="CaixaDeTexto 10">
+            <a:extLst>
+              <a:ext uri="{FF2B5EF4-FFF2-40B4-BE49-F238E27FC236}">
+                <a16:creationId xmlns:a16="http://schemas.microsoft.com/office/drawing/2014/main" id="{6BADE38C-30AD-7CB9-1E21-F23E5394C2BF}"/>
+              </a:ext>
+            </a:extLst>
+          </p:cNvPr>
+          <p:cNvSpPr txBox="1"/>
+          <p:nvPr/>
+        </p:nvSpPr>
+        <p:spPr>
+          <a:xfrm>
+            <a:off x="4870996" y="2756675"/>
+            <a:ext cx="1456599" cy="1200329"/>
+          </a:xfrm>
+          <a:prstGeom prst="rect">
+            <a:avLst/>
+          </a:prstGeom>
+          <a:noFill/>
+        </p:spPr>
+        <p:txBody>
+          <a:bodyPr wrap="square" rtlCol="0">
+            <a:spAutoFit/>
+          </a:bodyPr>
+          <a:lstStyle/>
+          <a:p>
+            <a:pPr algn="ctr"/>
+            <a:r>
+              <a:rPr lang="pt-BR" dirty="0"/>
+              <a:t>Usadas em problemas de aproximação de curvas</a:t>
+            </a:r>
+          </a:p>
+        </p:txBody>
+      </p:sp>
+      <p:sp>
+        <p:nvSpPr>
+          <p:cNvPr id="12" name="Chave Direita 11">
+            <a:extLst>
+              <a:ext uri="{FF2B5EF4-FFF2-40B4-BE49-F238E27FC236}">
+                <a16:creationId xmlns:a16="http://schemas.microsoft.com/office/drawing/2014/main" id="{188BC520-3A22-1304-CF44-585EBB62C79B}"/>
+              </a:ext>
+            </a:extLst>
+          </p:cNvPr>
+          <p:cNvSpPr/>
+          <p:nvPr/>
+        </p:nvSpPr>
+        <p:spPr>
+          <a:xfrm rot="5400000">
+            <a:off x="3171408" y="3920413"/>
+            <a:ext cx="310556" cy="4976973"/>
+          </a:xfrm>
+          <a:prstGeom prst="rightBrace">
+            <a:avLst/>
+          </a:prstGeom>
+        </p:spPr>
+        <p:style>
+          <a:lnRef idx="1">
+            <a:schemeClr val="accent1"/>
+          </a:lnRef>
+          <a:fillRef idx="0">
+            <a:schemeClr val="accent1"/>
+          </a:fillRef>
+          <a:effectRef idx="0">
+            <a:schemeClr val="accent1"/>
+          </a:effectRef>
+          <a:fontRef idx="minor">
+            <a:schemeClr val="tx1"/>
+          </a:fontRef>
+        </p:style>
+        <p:txBody>
+          <a:bodyPr rtlCol="0" anchor="ctr"/>
+          <a:lstStyle/>
+          <a:p>
+            <a:pPr algn="ctr"/>
+            <a:endParaRPr lang="pt-BR"/>
+          </a:p>
+        </p:txBody>
+      </p:sp>
+      <p:sp>
+        <p:nvSpPr>
+          <p:cNvPr id="13" name="CaixaDeTexto 12">
+            <a:extLst>
+              <a:ext uri="{FF2B5EF4-FFF2-40B4-BE49-F238E27FC236}">
+                <a16:creationId xmlns:a16="http://schemas.microsoft.com/office/drawing/2014/main" id="{51AFB85E-4781-4569-8ECE-CCDFAA667CDA}"/>
+              </a:ext>
+            </a:extLst>
+          </p:cNvPr>
+          <p:cNvSpPr txBox="1"/>
+          <p:nvPr/>
+        </p:nvSpPr>
+        <p:spPr>
+          <a:xfrm>
+            <a:off x="838199" y="6452865"/>
+            <a:ext cx="4976974" cy="369332"/>
+          </a:xfrm>
+          <a:prstGeom prst="rect">
+            <a:avLst/>
+          </a:prstGeom>
+          <a:noFill/>
+        </p:spPr>
+        <p:txBody>
+          <a:bodyPr wrap="square" rtlCol="0">
+            <a:spAutoFit/>
+          </a:bodyPr>
+          <a:lstStyle/>
+          <a:p>
+            <a:pPr algn="ctr"/>
+            <a:r>
+              <a:rPr lang="pt-BR" dirty="0"/>
+              <a:t>Usada em problemas de classificação</a:t>
+            </a:r>
+          </a:p>
+        </p:txBody>
+      </p:sp>
+      <mc:AlternateContent xmlns:mc="http://schemas.openxmlformats.org/markup-compatibility/2006" xmlns:a14="http://schemas.microsoft.com/office/drawing/2010/main">
+        <mc:Choice Requires="a14">
+          <p:sp>
+            <p:nvSpPr>
+              <p:cNvPr id="5" name="CaixaDeTexto 4">
+                <a:extLst>
+                  <a:ext uri="{FF2B5EF4-FFF2-40B4-BE49-F238E27FC236}">
+                    <a16:creationId xmlns:a16="http://schemas.microsoft.com/office/drawing/2014/main" id="{58660048-2E5D-834E-A26B-95299D0CB16C}"/>
+                  </a:ext>
+                </a:extLst>
+              </p:cNvPr>
+              <p:cNvSpPr txBox="1"/>
+              <p:nvPr/>
+            </p:nvSpPr>
+            <p:spPr>
+              <a:xfrm>
+                <a:off x="838199" y="2644521"/>
+                <a:ext cx="4101291" cy="1529201"/>
+              </a:xfrm>
+              <a:prstGeom prst="rect">
+                <a:avLst/>
+              </a:prstGeom>
+              <a:noFill/>
+            </p:spPr>
+            <p:txBody>
+              <a:bodyPr wrap="square" rtlCol="0">
+                <a:spAutoFit/>
+              </a:bodyPr>
+              <a:lstStyle/>
+              <a:p>
+                <a:pPr/>
+                <a14:m>
+                  <m:oMathPara xmlns:m="http://schemas.openxmlformats.org/officeDocument/2006/math">
+                    <m:oMathParaPr>
+                      <m:jc m:val="left"/>
+                    </m:oMathParaPr>
+                    <m:oMath xmlns:m="http://schemas.openxmlformats.org/officeDocument/2006/math">
+                      <m:r>
+                        <m:rPr>
+                          <m:sty m:val="p"/>
+                        </m:rPr>
+                        <a:rPr lang="pt-BR" sz="2400" b="0" i="0" smtClean="0">
+                          <a:latin typeface="Cambria Math" panose="02040503050406030204" pitchFamily="18" charset="0"/>
+                        </a:rPr>
+                        <m:t>RMSE</m:t>
+                      </m:r>
+                      <m:r>
+                        <a:rPr lang="pt-BR" sz="2400" b="0" i="1" smtClean="0">
+                          <a:latin typeface="Cambria Math" panose="02040503050406030204" pitchFamily="18" charset="0"/>
+                        </a:rPr>
+                        <m:t>=</m:t>
+                      </m:r>
+                      <m:rad>
+                        <m:radPr>
+                          <m:degHide m:val="on"/>
+                          <m:ctrlPr>
+                            <a:rPr lang="pt-BR" sz="2400" b="0" i="1" smtClean="0">
+                              <a:latin typeface="Cambria Math" panose="02040503050406030204" pitchFamily="18" charset="0"/>
+                            </a:rPr>
+                          </m:ctrlPr>
+                        </m:radPr>
+                        <m:deg/>
+                        <m:e>
+                          <m:f>
+                            <m:fPr>
+                              <m:ctrlPr>
+                                <a:rPr lang="pt-BR" sz="2400" i="1">
+                                  <a:latin typeface="Cambria Math" panose="02040503050406030204" pitchFamily="18" charset="0"/>
+                                </a:rPr>
+                              </m:ctrlPr>
+                            </m:fPr>
+                            <m:num>
+                              <m:r>
+                                <a:rPr lang="pt-BR" sz="2400" i="1">
+                                  <a:latin typeface="Cambria Math" panose="02040503050406030204" pitchFamily="18" charset="0"/>
+                                </a:rPr>
+                                <m:t>1</m:t>
+                              </m:r>
+                            </m:num>
+                            <m:den>
+                              <m:r>
+                                <a:rPr lang="pt-BR" sz="2400" i="1">
+                                  <a:latin typeface="Cambria Math" panose="02040503050406030204" pitchFamily="18" charset="0"/>
+                                </a:rPr>
+                                <m:t>𝑁</m:t>
+                              </m:r>
+                            </m:den>
+                          </m:f>
+                          <m:nary>
+                            <m:naryPr>
+                              <m:chr m:val="∑"/>
+                              <m:ctrlPr>
+                                <a:rPr lang="pt-BR" sz="2400" i="1">
+                                  <a:latin typeface="Cambria Math" panose="02040503050406030204" pitchFamily="18" charset="0"/>
+                                </a:rPr>
+                              </m:ctrlPr>
+                            </m:naryPr>
+                            <m:sub>
+                              <m:r>
+                                <m:rPr>
+                                  <m:brk m:alnAt="23"/>
+                                </m:rPr>
+                                <a:rPr lang="pt-BR" sz="2400" i="1">
+                                  <a:latin typeface="Cambria Math" panose="02040503050406030204" pitchFamily="18" charset="0"/>
+                                </a:rPr>
+                                <m:t>𝑛</m:t>
+                              </m:r>
+                              <m:r>
+                                <a:rPr lang="pt-BR" sz="2400" i="1">
+                                  <a:latin typeface="Cambria Math" panose="02040503050406030204" pitchFamily="18" charset="0"/>
+                                </a:rPr>
+                                <m:t>=1</m:t>
+                              </m:r>
+                            </m:sub>
+                            <m:sup>
+                              <m:r>
+                                <a:rPr lang="pt-BR" sz="2400" i="1">
+                                  <a:latin typeface="Cambria Math" panose="02040503050406030204" pitchFamily="18" charset="0"/>
+                                </a:rPr>
+                                <m:t>𝑁</m:t>
+                              </m:r>
+                            </m:sup>
+                            <m:e>
+                              <m:sSup>
+                                <m:sSupPr>
+                                  <m:ctrlPr>
+                                    <a:rPr lang="pt-BR" sz="2400" i="1">
+                                      <a:latin typeface="Cambria Math" panose="02040503050406030204" pitchFamily="18" charset="0"/>
+                                    </a:rPr>
+                                  </m:ctrlPr>
+                                </m:sSupPr>
+                                <m:e>
+                                  <m:d>
+                                    <m:dPr>
+                                      <m:ctrlPr>
+                                        <a:rPr lang="pt-BR" sz="2400" i="1">
+                                          <a:latin typeface="Cambria Math" panose="02040503050406030204" pitchFamily="18" charset="0"/>
+                                        </a:rPr>
+                                      </m:ctrlPr>
+                                    </m:dPr>
+                                    <m:e>
+                                      <m:sSub>
+                                        <m:sSubPr>
+                                          <m:ctrlPr>
+                                            <a:rPr lang="pt-BR" sz="2400" i="1">
+                                              <a:latin typeface="Cambria Math" panose="02040503050406030204" pitchFamily="18" charset="0"/>
+                                            </a:rPr>
+                                          </m:ctrlPr>
+                                        </m:sSubPr>
+                                        <m:e>
+                                          <m:acc>
+                                            <m:accPr>
+                                              <m:chr m:val="̂"/>
+                                              <m:ctrlPr>
+                                                <a:rPr lang="pt-BR" sz="2400" i="1">
+                                                  <a:latin typeface="Cambria Math" panose="02040503050406030204" pitchFamily="18" charset="0"/>
+                                                </a:rPr>
+                                              </m:ctrlPr>
+                                            </m:accPr>
+                                            <m:e>
+                                              <m:r>
+                                                <a:rPr lang="pt-BR" sz="2400" i="1">
+                                                  <a:latin typeface="Cambria Math" panose="02040503050406030204" pitchFamily="18" charset="0"/>
+                                                </a:rPr>
+                                                <m:t>𝑦</m:t>
+                                              </m:r>
+                                            </m:e>
+                                          </m:acc>
+                                        </m:e>
+                                        <m:sub>
+                                          <m:r>
+                                            <a:rPr lang="pt-BR" sz="2400" i="1">
+                                              <a:latin typeface="Cambria Math" panose="02040503050406030204" pitchFamily="18" charset="0"/>
+                                            </a:rPr>
+                                            <m:t>𝑛</m:t>
+                                          </m:r>
+                                        </m:sub>
+                                      </m:sSub>
+                                      <m:r>
+                                        <a:rPr lang="pt-BR" sz="2400" i="1">
+                                          <a:latin typeface="Cambria Math" panose="02040503050406030204" pitchFamily="18" charset="0"/>
+                                        </a:rPr>
+                                        <m:t>−</m:t>
+                                      </m:r>
+                                      <m:sSub>
+                                        <m:sSubPr>
+                                          <m:ctrlPr>
+                                            <a:rPr lang="pt-BR" sz="2400" i="1">
+                                              <a:latin typeface="Cambria Math" panose="02040503050406030204" pitchFamily="18" charset="0"/>
+                                            </a:rPr>
+                                          </m:ctrlPr>
+                                        </m:sSubPr>
+                                        <m:e>
+                                          <m:r>
+                                            <a:rPr lang="pt-BR" sz="2400" i="1">
+                                              <a:latin typeface="Cambria Math" panose="02040503050406030204" pitchFamily="18" charset="0"/>
+                                            </a:rPr>
+                                            <m:t>𝑦</m:t>
+                                          </m:r>
+                                        </m:e>
+                                        <m:sub>
+                                          <m:r>
+                                            <a:rPr lang="pt-BR" sz="2400" i="1">
+                                              <a:latin typeface="Cambria Math" panose="02040503050406030204" pitchFamily="18" charset="0"/>
+                                            </a:rPr>
+                                            <m:t>𝑛</m:t>
+                                          </m:r>
+                                        </m:sub>
+                                      </m:sSub>
+                                    </m:e>
+                                  </m:d>
+                                </m:e>
+                                <m:sup>
+                                  <m:r>
+                                    <a:rPr lang="pt-BR" sz="2400" i="1">
+                                      <a:latin typeface="Cambria Math" panose="02040503050406030204" pitchFamily="18" charset="0"/>
+                                    </a:rPr>
+                                    <m:t>2</m:t>
+                                  </m:r>
+                                </m:sup>
+                              </m:sSup>
+                            </m:e>
+                          </m:nary>
+                        </m:e>
+                      </m:rad>
+                    </m:oMath>
+                  </m:oMathPara>
+                </a14:m>
+                <a:endParaRPr lang="pt-BR" sz="2400" dirty="0"/>
+              </a:p>
+            </p:txBody>
+          </p:sp>
+        </mc:Choice>
+        <mc:Fallback xmlns="">
+          <p:sp>
+            <p:nvSpPr>
+              <p:cNvPr id="5" name="CaixaDeTexto 4">
+                <a:extLst>
+                  <a:ext uri="{FF2B5EF4-FFF2-40B4-BE49-F238E27FC236}">
+                    <a16:creationId xmlns:a16="http://schemas.microsoft.com/office/drawing/2014/main" id="{58660048-2E5D-834E-A26B-95299D0CB16C}"/>
+                  </a:ext>
+                </a:extLst>
+              </p:cNvPr>
+              <p:cNvSpPr txBox="1">
+                <a:spLocks noRot="1" noChangeAspect="1" noMove="1" noResize="1" noEditPoints="1" noAdjustHandles="1" noChangeArrowheads="1" noChangeShapeType="1" noTextEdit="1"/>
+              </p:cNvSpPr>
+              <p:nvPr/>
+            </p:nvSpPr>
+            <p:spPr>
+              <a:xfrm>
+                <a:off x="838199" y="2644521"/>
+                <a:ext cx="4101291" cy="1529201"/>
+              </a:xfrm>
+              <a:prstGeom prst="rect">
+                <a:avLst/>
+              </a:prstGeom>
+              <a:blipFill>
+                <a:blip r:embed="rId6"/>
+                <a:stretch>
+                  <a:fillRect/>
+                </a:stretch>
+              </a:blipFill>
+            </p:spPr>
+            <p:txBody>
+              <a:bodyPr/>
+              <a:lstStyle/>
+              <a:p>
+                <a:r>
+                  <a:rPr lang="pt-BR">
+                    <a:noFill/>
+                  </a:rPr>
+                  <a:t> </a:t>
+                </a:r>
+              </a:p>
+            </p:txBody>
+          </p:sp>
+        </mc:Fallback>
+      </mc:AlternateContent>
+    </p:spTree>
+    <p:extLst>
+      <p:ext uri="{BB962C8B-B14F-4D97-AF65-F5344CB8AC3E}">
+        <p14:creationId xmlns:p14="http://schemas.microsoft.com/office/powerpoint/2010/main" val="2231759253"/>
+      </p:ext>
+    </p:extLst>
+  </p:cSld>
+  <p:clrMapOvr>
+    <a:masterClrMapping/>
+  </p:clrMapOvr>
+</p:sld>
+</file>
+
+<file path=ppt/slides/slide15.xml><?xml version="1.0" encoding="utf-8"?>
+<p:sld xmlns:a="http://schemas.openxmlformats.org/drawingml/2006/main" xmlns:r="http://schemas.openxmlformats.org/officeDocument/2006/relationships" xmlns:p="http://schemas.openxmlformats.org/presentationml/2006/main">
+  <p:cSld>
+    <p:spTree>
+      <p:nvGrpSpPr>
+        <p:cNvPr id="1" name=""/>
+        <p:cNvGrpSpPr/>
+        <p:nvPr/>
+      </p:nvGrpSpPr>
+      <p:grpSpPr>
+        <a:xfrm>
+          <a:off x="0" y="0"/>
+          <a:ext cx="0" cy="0"/>
+          <a:chOff x="0" y="0"/>
+          <a:chExt cx="0" cy="0"/>
+        </a:xfrm>
+      </p:grpSpPr>
+      <p:sp>
+        <p:nvSpPr>
+          <p:cNvPr id="2" name="Título 1">
+            <a:extLst>
+              <a:ext uri="{FF2B5EF4-FFF2-40B4-BE49-F238E27FC236}">
                 <a16:creationId xmlns:a16="http://schemas.microsoft.com/office/drawing/2014/main" id="{ABEFD801-7E8D-0885-F1AD-8DAF6F77CEEE}"/>
               </a:ext>
             </a:extLst>
@@ -8873,7 +10574,7 @@
           <a:p>
             <a:r>
               <a:rPr lang="pt-BR" dirty="0"/>
-              <a:t>Otimização (treinamento) do modelo</a:t>
+              <a:t>Regressão ou aproximação de funções</a:t>
             </a:r>
           </a:p>
         </p:txBody>
@@ -8896,19 +10597,19 @@
         </p:nvSpPr>
         <p:spPr>
           <a:xfrm>
-            <a:off x="5517197" y="2260315"/>
-            <a:ext cx="6458904" cy="4597685"/>
+            <a:off x="5804900" y="1941817"/>
+            <a:ext cx="6215864" cy="4916184"/>
           </a:xfrm>
         </p:spPr>
         <p:txBody>
           <a:bodyPr>
-            <a:normAutofit lnSpcReduction="10000"/>
+            <a:normAutofit/>
           </a:bodyPr>
           <a:lstStyle/>
           <a:p>
             <a:r>
               <a:rPr lang="pt-BR" dirty="0"/>
-              <a:t>O problema que vimos neste tópico é conhecido como </a:t>
+              <a:t>O problema visto neste tópico é conhecido como </a:t>
             </a:r>
             <a:r>
               <a:rPr lang="pt-BR" b="1" i="1" dirty="0"/>
@@ -8930,7 +10631,23 @@
           <a:p>
             <a:r>
               <a:rPr lang="pt-BR" dirty="0"/>
-              <a:t>Nele, a reta que definimos como função hipótese é o </a:t>
+              <a:t>Nele, a função com formato de reta, que definimos como </a:t>
+            </a:r>
+            <a:r>
+              <a:rPr lang="pt-BR" b="1" i="1" dirty="0"/>
+              <a:t>função hipótese</a:t>
+            </a:r>
+            <a:r>
+              <a:rPr lang="pt-BR" dirty="0"/>
+              <a:t>,</a:t>
+            </a:r>
+            <a:r>
+              <a:rPr lang="pt-BR" b="1" i="1" dirty="0"/>
+              <a:t> </a:t>
+            </a:r>
+            <a:r>
+              <a:rPr lang="pt-BR" dirty="0"/>
+              <a:t>é o </a:t>
             </a:r>
             <a:r>
               <a:rPr lang="pt-BR" b="1" i="1" dirty="0">
@@ -8942,25 +10659,15 @@
             </a:r>
             <a:r>
               <a:rPr lang="pt-BR" dirty="0"/>
-              <a:t>e nosso </a:t>
+              <a:t>e o </a:t>
             </a:r>
             <a:r>
               <a:rPr lang="pt-BR" b="1" i="1" dirty="0"/>
-              <a:t>objetivo é encontrar os parâmetros (ou pesos) que minimizem a função de erro</a:t>
+              <a:t>objetivo da regressão é encontrar os parâmetros (ou pesos) que minimizam a função de erro</a:t>
             </a:r>
             <a:r>
               <a:rPr lang="pt-BR" dirty="0"/>
               <a:t>.</a:t>
-            </a:r>
-          </a:p>
-          <a:p>
-            <a:r>
-              <a:rPr lang="pt-BR" b="1" dirty="0"/>
-              <a:t>OBS</a:t>
-            </a:r>
-            <a:r>
-              <a:rPr lang="pt-BR" dirty="0"/>
-              <a:t>.: Nesse exemplo, foi fácil identificar a equação (ou formato) da função hipótese, mas em outros casos, além dos pesos, temos que descobrir o formato da função.</a:t>
             </a:r>
           </a:p>
         </p:txBody>
@@ -8979,7 +10686,7 @@
         </p:nvGrpSpPr>
         <p:grpSpPr>
           <a:xfrm>
-            <a:off x="368183" y="2748863"/>
+            <a:off x="389515" y="2586731"/>
             <a:ext cx="4838818" cy="3031571"/>
             <a:chOff x="1320613" y="2558363"/>
             <a:chExt cx="4838818" cy="3031571"/>
@@ -9340,8 +11047,8 @@
               </p:sp>
             </mc:Fallback>
           </mc:AlternateContent>
-          <mc:AlternateContent xmlns:mc="http://schemas.openxmlformats.org/markup-compatibility/2006">
-            <mc:Choice xmlns:a14="http://schemas.microsoft.com/office/drawing/2010/main" Requires="a14">
+          <mc:AlternateContent xmlns:mc="http://schemas.openxmlformats.org/markup-compatibility/2006" xmlns:a14="http://schemas.microsoft.com/office/drawing/2010/main">
+            <mc:Choice Requires="a14">
               <p:sp>
                 <p:nvSpPr>
                   <p:cNvPr id="11" name="CaixaDeTexto 10">
@@ -9403,7 +11110,7 @@
                 </p:txBody>
               </p:sp>
             </mc:Choice>
-            <mc:Fallback>
+            <mc:Fallback xmlns="">
               <p:sp>
                 <p:nvSpPr>
                   <p:cNvPr id="11" name="CaixaDeTexto 10">
@@ -9803,8 +11510,8 @@
             </p:style>
           </p:cxnSp>
         </p:grpSp>
-        <mc:AlternateContent xmlns:mc="http://schemas.openxmlformats.org/markup-compatibility/2006">
-          <mc:Choice xmlns:a14="http://schemas.microsoft.com/office/drawing/2010/main" Requires="a14">
+        <mc:AlternateContent xmlns:mc="http://schemas.openxmlformats.org/markup-compatibility/2006" xmlns:a14="http://schemas.microsoft.com/office/drawing/2010/main">
+          <mc:Choice Requires="a14">
             <p:sp>
               <p:nvSpPr>
                 <p:cNvPr id="20" name="Retângulo 19">
@@ -9985,7 +11692,7 @@
               </p:txBody>
             </p:sp>
           </mc:Choice>
-          <mc:Fallback>
+          <mc:Fallback xmlns="">
             <p:sp>
               <p:nvSpPr>
                 <p:cNvPr id="20" name="Retângulo 19">
@@ -10258,6 +11965,45 @@
           </p:txBody>
         </p:sp>
       </p:grpSp>
+      <p:sp>
+        <p:nvSpPr>
+          <p:cNvPr id="26" name="CaixaDeTexto 25">
+            <a:extLst>
+              <a:ext uri="{FF2B5EF4-FFF2-40B4-BE49-F238E27FC236}">
+                <a16:creationId xmlns:a16="http://schemas.microsoft.com/office/drawing/2014/main" id="{CB26593D-D31D-1745-969C-3EA608630D35}"/>
+              </a:ext>
+            </a:extLst>
+          </p:cNvPr>
+          <p:cNvSpPr txBox="1"/>
+          <p:nvPr/>
+        </p:nvSpPr>
+        <p:spPr>
+          <a:xfrm>
+            <a:off x="171236" y="5959388"/>
+            <a:ext cx="6097712" cy="830997"/>
+          </a:xfrm>
+          <a:prstGeom prst="rect">
+            <a:avLst/>
+          </a:prstGeom>
+          <a:noFill/>
+        </p:spPr>
+        <p:txBody>
+          <a:bodyPr wrap="square">
+            <a:spAutoFit/>
+          </a:bodyPr>
+          <a:lstStyle/>
+          <a:p>
+            <a:r>
+              <a:rPr lang="pt-BR" sz="1600" b="1" dirty="0"/>
+              <a:t>OBS</a:t>
+            </a:r>
+            <a:r>
+              <a:rPr lang="pt-BR" sz="1600" dirty="0"/>
+              <a:t>.: Nesse exemplo, conseguimos visualizar os dados e, facilmente, identificar a equação (ou formato) da função hipótese, mas em outros casos, além dos pesos, temos que descobrir o formato da função.</a:t>
+            </a:r>
+          </a:p>
+        </p:txBody>
+      </p:sp>
     </p:spTree>
     <p:extLst>
       <p:ext uri="{BB962C8B-B14F-4D97-AF65-F5344CB8AC3E}">
@@ -10271,7 +12017,7 @@
 </p:sld>
 </file>
 
-<file path=ppt/slides/slide15.xml><?xml version="1.0" encoding="utf-8"?>
+<file path=ppt/slides/slide16.xml><?xml version="1.0" encoding="utf-8"?>
 <p:sld xmlns:a="http://schemas.openxmlformats.org/drawingml/2006/main" xmlns:r="http://schemas.openxmlformats.org/officeDocument/2006/relationships" xmlns:p="http://schemas.openxmlformats.org/presentationml/2006/main">
   <p:cSld>
     <p:spTree>
@@ -10311,7 +12057,7 @@
           <a:p>
             <a:r>
               <a:rPr lang="pt-BR" dirty="0"/>
-              <a:t>Otimização (treinamento) do modelo</a:t>
+              <a:t>Ponto de mínimo ou solução ótima</a:t>
             </a:r>
           </a:p>
         </p:txBody>
@@ -10334,647 +12080,103 @@
         </p:nvSpPr>
         <p:spPr>
           <a:xfrm>
-            <a:off x="6096000" y="2260315"/>
-            <a:ext cx="5867400" cy="4597685"/>
+            <a:off x="6096000" y="1825626"/>
+            <a:ext cx="5924762" cy="5032376"/>
           </a:xfrm>
         </p:spPr>
         <p:txBody>
           <a:bodyPr>
-            <a:normAutofit lnSpcReduction="10000"/>
+            <a:normAutofit/>
           </a:bodyPr>
           <a:lstStyle/>
           <a:p>
             <a:r>
-              <a:rPr lang="pt-BR" b="1" dirty="0" err="1">
+              <a:rPr lang="pt-BR" dirty="0"/>
+              <a:t>Se notarmos que a </a:t>
+            </a:r>
+            <a:r>
+              <a:rPr lang="pt-BR" b="1" i="1" dirty="0"/>
+              <a:t>função de erro </a:t>
+            </a:r>
+            <a:r>
+              <a:rPr lang="pt-BR" dirty="0"/>
+              <a:t>é </a:t>
+            </a:r>
+            <a:r>
+              <a:rPr lang="pt-BR" b="1" i="1" dirty="0"/>
+              <a:t>função dos pesos </a:t>
+            </a:r>
+            <a:r>
+              <a:rPr lang="pt-BR" dirty="0"/>
+              <a:t>do modelo, nós podemos dizer que o </a:t>
+            </a:r>
+            <a:r>
+              <a:rPr lang="pt-BR" b="1" i="1" dirty="0"/>
+              <a:t>objetivo da regressão é encontrar o </a:t>
+            </a:r>
+            <a:r>
+              <a:rPr lang="pt-BR" b="1" i="1" dirty="0">
+                <a:solidFill>
+                  <a:srgbClr val="00B0F0"/>
+                </a:solidFill>
+              </a:rPr>
+              <a:t>ponto de mínimo</a:t>
+            </a:r>
+            <a:r>
+              <a:rPr lang="pt-BR" dirty="0"/>
+              <a:t>, especificado pelos pesos, da função, ou seja, </a:t>
+            </a:r>
+            <a:r>
+              <a:rPr lang="pt-BR" b="1" i="1" dirty="0">
+                <a:solidFill>
+                  <a:srgbClr val="00B0F0"/>
+                </a:solidFill>
+              </a:rPr>
+              <a:t>seu ponto mais baixo</a:t>
+            </a:r>
+            <a:r>
+              <a:rPr lang="pt-BR" dirty="0"/>
+              <a:t>.</a:t>
+            </a:r>
+          </a:p>
+          <a:p>
+            <a:r>
+              <a:rPr lang="pt-BR" dirty="0"/>
+              <a:t>Esse é um </a:t>
+            </a:r>
+            <a:r>
+              <a:rPr lang="pt-BR" b="1" i="1" dirty="0"/>
+              <a:t>problema de minimização</a:t>
+            </a:r>
+            <a:r>
+              <a:rPr lang="pt-BR" dirty="0"/>
+              <a:t>.</a:t>
+            </a:r>
+          </a:p>
+          <a:p>
+            <a:pPr lvl="1">
+              <a:buFont typeface="Wingdings" panose="05000000000000000000" pitchFamily="2" charset="2"/>
+              <a:buChar char="§"/>
+            </a:pPr>
+            <a:r>
+              <a:rPr lang="pt-BR" b="1" i="1" dirty="0">
                 <a:solidFill>
                   <a:srgbClr val="00B050"/>
                 </a:solidFill>
               </a:rPr>
-              <a:t>Encontar</a:t>
-            </a:r>
-            <a:r>
-              <a:rPr lang="pt-BR" b="1" dirty="0">
-                <a:solidFill>
-                  <a:srgbClr val="00B050"/>
-                </a:solidFill>
-              </a:rPr>
-              <a:t> o ponto de mínimo da função</a:t>
-            </a:r>
-          </a:p>
-          <a:p>
-            <a:r>
-              <a:rPr lang="pt-BR" dirty="0"/>
-              <a:t>O processo que tem como objetivo minimizar o erro é chamado de </a:t>
-            </a:r>
-            <a:r>
-              <a:rPr lang="pt-BR" b="1" i="1" dirty="0"/>
-              <a:t>otimização</a:t>
-            </a:r>
-            <a:r>
-              <a:rPr lang="pt-BR" dirty="0"/>
-              <a:t> e, no contexto de ML, é conhecido como </a:t>
-            </a:r>
-            <a:r>
-              <a:rPr lang="pt-BR" b="1" i="1" dirty="0"/>
-              <a:t>treinamento do modelo</a:t>
-            </a:r>
-            <a:r>
-              <a:rPr lang="pt-BR" dirty="0"/>
-              <a:t>.</a:t>
-            </a:r>
-          </a:p>
-          <a:p>
-            <a:r>
-              <a:rPr lang="pt-BR" dirty="0"/>
-              <a:t>O treinamento/atualização do modelo se baseia na informação fornecida pela métrica de erro.</a:t>
-            </a:r>
-          </a:p>
-          <a:p>
-            <a:r>
-              <a:rPr lang="pt-BR" dirty="0"/>
-              <a:t>O erro basicamente aponta para a direção </a:t>
+              <a:t>Qual é o conjunto de pesos que resulta no menor erro possível?</a:t>
             </a:r>
           </a:p>
         </p:txBody>
       </p:sp>
-      <p:grpSp>
-        <p:nvGrpSpPr>
-          <p:cNvPr id="35" name="Agrupar 34">
-            <a:extLst>
-              <a:ext uri="{FF2B5EF4-FFF2-40B4-BE49-F238E27FC236}">
-                <a16:creationId xmlns:a16="http://schemas.microsoft.com/office/drawing/2014/main" id="{A9782521-FE16-7376-22C4-2B622220EFB1}"/>
-              </a:ext>
-            </a:extLst>
-          </p:cNvPr>
-          <p:cNvGrpSpPr/>
-          <p:nvPr/>
-        </p:nvGrpSpPr>
-        <p:grpSpPr>
-          <a:xfrm>
-            <a:off x="634883" y="2685363"/>
-            <a:ext cx="4838818" cy="3031571"/>
-            <a:chOff x="1320613" y="2558363"/>
-            <a:chExt cx="4838818" cy="3031571"/>
-          </a:xfrm>
-        </p:grpSpPr>
-        <p:grpSp>
-          <p:nvGrpSpPr>
-            <p:cNvPr id="4" name="Agrupar 3">
-              <a:extLst>
-                <a:ext uri="{FF2B5EF4-FFF2-40B4-BE49-F238E27FC236}">
-                  <a16:creationId xmlns:a16="http://schemas.microsoft.com/office/drawing/2014/main" id="{7043207C-E08F-0373-D6FF-F0C502F36306}"/>
-                </a:ext>
-              </a:extLst>
-            </p:cNvPr>
-            <p:cNvGrpSpPr/>
-            <p:nvPr/>
-          </p:nvGrpSpPr>
-          <p:grpSpPr>
-            <a:xfrm>
-              <a:off x="1320613" y="2558363"/>
-              <a:ext cx="4838818" cy="3031571"/>
-              <a:chOff x="3440214" y="2034381"/>
-              <a:chExt cx="4838818" cy="3031571"/>
-            </a:xfrm>
-          </p:grpSpPr>
-          <p:cxnSp>
-            <p:nvCxnSpPr>
-              <p:cNvPr id="6" name="Straight Arrow Connector 14">
+      <mc:AlternateContent xmlns:mc="http://schemas.openxmlformats.org/markup-compatibility/2006">
+        <mc:Choice xmlns:a14="http://schemas.microsoft.com/office/drawing/2010/main" Requires="a14">
+          <p:sp>
+            <p:nvSpPr>
+              <p:cNvPr id="5" name="CaixaDeTexto 4">
                 <a:extLst>
                   <a:ext uri="{FF2B5EF4-FFF2-40B4-BE49-F238E27FC236}">
-                    <a16:creationId xmlns:a16="http://schemas.microsoft.com/office/drawing/2014/main" id="{F238EB8B-055A-9659-C6C7-E8D6D2401278}"/>
-                  </a:ext>
-                </a:extLst>
-              </p:cNvPr>
-              <p:cNvCxnSpPr>
-                <a:cxnSpLocks/>
-              </p:cNvCxnSpPr>
-              <p:nvPr/>
-            </p:nvCxnSpPr>
-            <p:spPr>
-              <a:xfrm>
-                <a:off x="4176814" y="3127539"/>
-                <a:ext cx="288000" cy="0"/>
-              </a:xfrm>
-              <a:prstGeom prst="straightConnector1">
-                <a:avLst/>
-              </a:prstGeom>
-              <a:ln w="19050">
-                <a:tailEnd type="triangle"/>
-              </a:ln>
-            </p:spPr>
-            <p:style>
-              <a:lnRef idx="1">
-                <a:schemeClr val="accent1"/>
-              </a:lnRef>
-              <a:fillRef idx="0">
-                <a:schemeClr val="accent1"/>
-              </a:fillRef>
-              <a:effectRef idx="0">
-                <a:schemeClr val="accent1"/>
-              </a:effectRef>
-              <a:fontRef idx="minor">
-                <a:schemeClr val="tx1"/>
-              </a:fontRef>
-            </p:style>
-          </p:cxnSp>
-          <p:cxnSp>
-            <p:nvCxnSpPr>
-              <p:cNvPr id="7" name="Straight Arrow Connector 14">
-                <a:extLst>
-                  <a:ext uri="{FF2B5EF4-FFF2-40B4-BE49-F238E27FC236}">
-                    <a16:creationId xmlns:a16="http://schemas.microsoft.com/office/drawing/2014/main" id="{10811772-B5E2-C96E-FC88-09170CBCFB66}"/>
-                  </a:ext>
-                </a:extLst>
-              </p:cNvPr>
-              <p:cNvCxnSpPr>
-                <a:cxnSpLocks/>
-                <a:stCxn id="20" idx="3"/>
-                <a:endCxn id="8" idx="1"/>
-              </p:cNvCxnSpPr>
-              <p:nvPr/>
-            </p:nvCxnSpPr>
-            <p:spPr>
-              <a:xfrm flipV="1">
-                <a:off x="5962659" y="3098836"/>
-                <a:ext cx="704875" cy="1168"/>
-              </a:xfrm>
-              <a:prstGeom prst="straightConnector1">
-                <a:avLst/>
-              </a:prstGeom>
-              <a:ln w="19050">
-                <a:tailEnd type="triangle"/>
-              </a:ln>
-            </p:spPr>
-            <p:style>
-              <a:lnRef idx="1">
-                <a:schemeClr val="accent1"/>
-              </a:lnRef>
-              <a:fillRef idx="0">
-                <a:schemeClr val="accent1"/>
-              </a:fillRef>
-              <a:effectRef idx="0">
-                <a:schemeClr val="accent1"/>
-              </a:effectRef>
-              <a:fontRef idx="minor">
-                <a:schemeClr val="tx1"/>
-              </a:fontRef>
-            </p:style>
-          </p:cxnSp>
-          <p:sp>
-            <p:nvSpPr>
-              <p:cNvPr id="8" name="Rectangle 12">
-                <a:extLst>
-                  <a:ext uri="{FF2B5EF4-FFF2-40B4-BE49-F238E27FC236}">
-                    <a16:creationId xmlns:a16="http://schemas.microsoft.com/office/drawing/2014/main" id="{1B0D0AE8-BDC0-49CC-107A-ED44A46639BD}"/>
-                  </a:ext>
-                </a:extLst>
-              </p:cNvPr>
-              <p:cNvSpPr/>
-              <p:nvPr/>
-            </p:nvSpPr>
-            <p:spPr>
-              <a:xfrm>
-                <a:off x="6667534" y="2663590"/>
-                <a:ext cx="1216818" cy="870491"/>
-              </a:xfrm>
-              <a:prstGeom prst="rect">
-                <a:avLst/>
-              </a:prstGeom>
-              <a:noFill/>
-              <a:ln>
-                <a:solidFill>
-                  <a:schemeClr val="tx1"/>
-                </a:solidFill>
-              </a:ln>
-            </p:spPr>
-            <p:style>
-              <a:lnRef idx="2">
-                <a:schemeClr val="accent1">
-                  <a:shade val="50000"/>
-                </a:schemeClr>
-              </a:lnRef>
-              <a:fillRef idx="1">
-                <a:schemeClr val="accent1"/>
-              </a:fillRef>
-              <a:effectRef idx="0">
-                <a:schemeClr val="accent1"/>
-              </a:effectRef>
-              <a:fontRef idx="minor">
-                <a:schemeClr val="lt1"/>
-              </a:fontRef>
-            </p:style>
-            <p:txBody>
-              <a:bodyPr rtlCol="0" anchor="ctr"/>
-              <a:lstStyle/>
-              <a:p>
-                <a:pPr algn="ctr"/>
-                <a:r>
-                  <a:rPr lang="pt-BR" dirty="0">
-                    <a:solidFill>
-                      <a:schemeClr val="tx1"/>
-                    </a:solidFill>
-                  </a:rPr>
-                  <a:t>Função de erro</a:t>
-                </a:r>
-              </a:p>
-            </p:txBody>
-          </p:sp>
-          <mc:AlternateContent xmlns:mc="http://schemas.openxmlformats.org/markup-compatibility/2006" xmlns:a14="http://schemas.microsoft.com/office/drawing/2010/main">
-            <mc:Choice Requires="a14">
-              <p:sp>
-                <p:nvSpPr>
-                  <p:cNvPr id="9" name="CaixaDeTexto 8">
-                    <a:extLst>
-                      <a:ext uri="{FF2B5EF4-FFF2-40B4-BE49-F238E27FC236}">
-                        <a16:creationId xmlns:a16="http://schemas.microsoft.com/office/drawing/2014/main" id="{949F9987-4ABF-C340-D042-BBC34574BF4C}"/>
-                      </a:ext>
-                    </a:extLst>
-                  </p:cNvPr>
-                  <p:cNvSpPr txBox="1"/>
-                  <p:nvPr/>
-                </p:nvSpPr>
-                <p:spPr>
-                  <a:xfrm flipH="1">
-                    <a:off x="3719614" y="2818318"/>
-                    <a:ext cx="467999" cy="461665"/>
-                  </a:xfrm>
-                  <a:prstGeom prst="rect">
-                    <a:avLst/>
-                  </a:prstGeom>
-                  <a:noFill/>
-                </p:spPr>
-                <p:txBody>
-                  <a:bodyPr wrap="square">
-                    <a:spAutoFit/>
-                  </a:bodyPr>
-                  <a:lstStyle/>
-                  <a:p>
-                    <a:pPr/>
-                    <a14:m>
-                      <m:oMathPara xmlns:m="http://schemas.openxmlformats.org/officeDocument/2006/math">
-                        <m:oMathParaPr>
-                          <m:jc m:val="center"/>
-                        </m:oMathParaPr>
-                        <m:oMath xmlns:m="http://schemas.openxmlformats.org/officeDocument/2006/math">
-                          <m:r>
-                            <a:rPr lang="pt-BR" sz="2400" i="1" smtClean="0">
-                              <a:latin typeface="Cambria Math" panose="02040503050406030204" pitchFamily="18" charset="0"/>
-                            </a:rPr>
-                            <m:t>𝑥</m:t>
-                          </m:r>
-                        </m:oMath>
-                      </m:oMathPara>
-                    </a14:m>
-                    <a:endParaRPr lang="pt-BR" sz="2400" dirty="0"/>
-                  </a:p>
-                </p:txBody>
-              </p:sp>
-            </mc:Choice>
-            <mc:Fallback xmlns="">
-              <p:sp>
-                <p:nvSpPr>
-                  <p:cNvPr id="9" name="CaixaDeTexto 8">
-                    <a:extLst>
-                      <a:ext uri="{FF2B5EF4-FFF2-40B4-BE49-F238E27FC236}">
-                        <a16:creationId xmlns:a16="http://schemas.microsoft.com/office/drawing/2014/main" id="{DA4ABC62-C35B-9FE0-837A-4791504D8B0C}"/>
-                      </a:ext>
-                    </a:extLst>
-                  </p:cNvPr>
-                  <p:cNvSpPr txBox="1">
-                    <a:spLocks noRot="1" noChangeAspect="1" noMove="1" noResize="1" noEditPoints="1" noAdjustHandles="1" noChangeArrowheads="1" noChangeShapeType="1" noTextEdit="1"/>
-                  </p:cNvSpPr>
-                  <p:nvPr/>
-                </p:nvSpPr>
-                <p:spPr>
-                  <a:xfrm flipH="1">
-                    <a:off x="3719614" y="2818318"/>
-                    <a:ext cx="467999" cy="461665"/>
-                  </a:xfrm>
-                  <a:prstGeom prst="rect">
-                    <a:avLst/>
-                  </a:prstGeom>
-                  <a:blipFill>
-                    <a:blip r:embed="rId4"/>
-                    <a:stretch>
-                      <a:fillRect/>
-                    </a:stretch>
-                  </a:blipFill>
-                </p:spPr>
-                <p:txBody>
-                  <a:bodyPr/>
-                  <a:lstStyle/>
-                  <a:p>
-                    <a:r>
-                      <a:rPr lang="pt-BR">
-                        <a:noFill/>
-                      </a:rPr>
-                      <a:t> </a:t>
-                    </a:r>
-                  </a:p>
-                </p:txBody>
-              </p:sp>
-            </mc:Fallback>
-          </mc:AlternateContent>
-          <mc:AlternateContent xmlns:mc="http://schemas.openxmlformats.org/markup-compatibility/2006" xmlns:a14="http://schemas.microsoft.com/office/drawing/2010/main">
-            <mc:Choice Requires="a14">
-              <p:sp>
-                <p:nvSpPr>
-                  <p:cNvPr id="10" name="CaixaDeTexto 9">
-                    <a:extLst>
-                      <a:ext uri="{FF2B5EF4-FFF2-40B4-BE49-F238E27FC236}">
-                        <a16:creationId xmlns:a16="http://schemas.microsoft.com/office/drawing/2014/main" id="{7F15E993-4422-806B-1EAF-0E2278B7F409}"/>
-                      </a:ext>
-                    </a:extLst>
-                  </p:cNvPr>
-                  <p:cNvSpPr txBox="1"/>
-                  <p:nvPr/>
-                </p:nvSpPr>
-                <p:spPr>
-                  <a:xfrm flipH="1">
-                    <a:off x="3708815" y="4023518"/>
-                    <a:ext cx="467999" cy="461665"/>
-                  </a:xfrm>
-                  <a:prstGeom prst="rect">
-                    <a:avLst/>
-                  </a:prstGeom>
-                  <a:noFill/>
-                </p:spPr>
-                <p:txBody>
-                  <a:bodyPr wrap="square">
-                    <a:spAutoFit/>
-                  </a:bodyPr>
-                  <a:lstStyle/>
-                  <a:p>
-                    <a:pPr/>
-                    <a14:m>
-                      <m:oMathPara xmlns:m="http://schemas.openxmlformats.org/officeDocument/2006/math">
-                        <m:oMathParaPr>
-                          <m:jc m:val="center"/>
-                        </m:oMathParaPr>
-                        <m:oMath xmlns:m="http://schemas.openxmlformats.org/officeDocument/2006/math">
-                          <m:r>
-                            <a:rPr lang="pt-BR" sz="2400" b="0" i="1" smtClean="0">
-                              <a:latin typeface="Cambria Math" panose="02040503050406030204" pitchFamily="18" charset="0"/>
-                            </a:rPr>
-                            <m:t>𝑦</m:t>
-                          </m:r>
-                        </m:oMath>
-                      </m:oMathPara>
-                    </a14:m>
-                    <a:endParaRPr lang="pt-BR" sz="2400" dirty="0"/>
-                  </a:p>
-                </p:txBody>
-              </p:sp>
-            </mc:Choice>
-            <mc:Fallback xmlns="">
-              <p:sp>
-                <p:nvSpPr>
-                  <p:cNvPr id="10" name="CaixaDeTexto 9">
-                    <a:extLst>
-                      <a:ext uri="{FF2B5EF4-FFF2-40B4-BE49-F238E27FC236}">
-                        <a16:creationId xmlns:a16="http://schemas.microsoft.com/office/drawing/2014/main" id="{A5E5AD39-A7D5-E436-9BBF-FFF6ADD6FD8F}"/>
-                      </a:ext>
-                    </a:extLst>
-                  </p:cNvPr>
-                  <p:cNvSpPr txBox="1">
-                    <a:spLocks noRot="1" noChangeAspect="1" noMove="1" noResize="1" noEditPoints="1" noAdjustHandles="1" noChangeArrowheads="1" noChangeShapeType="1" noTextEdit="1"/>
-                  </p:cNvSpPr>
-                  <p:nvPr/>
-                </p:nvSpPr>
-                <p:spPr>
-                  <a:xfrm flipH="1">
-                    <a:off x="3708815" y="4023518"/>
-                    <a:ext cx="467999" cy="461665"/>
-                  </a:xfrm>
-                  <a:prstGeom prst="rect">
-                    <a:avLst/>
-                  </a:prstGeom>
-                  <a:blipFill>
-                    <a:blip r:embed="rId5"/>
-                    <a:stretch>
-                      <a:fillRect b="-10526"/>
-                    </a:stretch>
-                  </a:blipFill>
-                </p:spPr>
-                <p:txBody>
-                  <a:bodyPr/>
-                  <a:lstStyle/>
-                  <a:p>
-                    <a:r>
-                      <a:rPr lang="pt-BR">
-                        <a:noFill/>
-                      </a:rPr>
-                      <a:t> </a:t>
-                    </a:r>
-                  </a:p>
-                </p:txBody>
-              </p:sp>
-            </mc:Fallback>
-          </mc:AlternateContent>
-          <mc:AlternateContent xmlns:mc="http://schemas.openxmlformats.org/markup-compatibility/2006">
-            <mc:Choice xmlns:a14="http://schemas.microsoft.com/office/drawing/2010/main" Requires="a14">
-              <p:sp>
-                <p:nvSpPr>
-                  <p:cNvPr id="11" name="CaixaDeTexto 10">
-                    <a:extLst>
-                      <a:ext uri="{FF2B5EF4-FFF2-40B4-BE49-F238E27FC236}">
-                        <a16:creationId xmlns:a16="http://schemas.microsoft.com/office/drawing/2014/main" id="{124DCDD6-D8CF-6576-CFF0-698F7B3EB2CE}"/>
-                      </a:ext>
-                    </a:extLst>
-                  </p:cNvPr>
-                  <p:cNvSpPr txBox="1"/>
-                  <p:nvPr/>
-                </p:nvSpPr>
-                <p:spPr>
-                  <a:xfrm flipH="1">
-                    <a:off x="5962658" y="2664758"/>
-                    <a:ext cx="703831" cy="461665"/>
-                  </a:xfrm>
-                  <a:prstGeom prst="rect">
-                    <a:avLst/>
-                  </a:prstGeom>
-                  <a:noFill/>
-                </p:spPr>
-                <p:txBody>
-                  <a:bodyPr wrap="square">
-                    <a:spAutoFit/>
-                  </a:bodyPr>
-                  <a:lstStyle/>
-                  <a:p>
-                    <a:pPr/>
-                    <a14:m>
-                      <m:oMathPara xmlns:m="http://schemas.openxmlformats.org/officeDocument/2006/math">
-                        <m:oMathParaPr>
-                          <m:jc m:val="center"/>
-                        </m:oMathParaPr>
-                        <m:oMath xmlns:m="http://schemas.openxmlformats.org/officeDocument/2006/math">
-                          <m:acc>
-                            <m:accPr>
-                              <m:chr m:val="̂"/>
-                              <m:ctrlPr>
-                                <a:rPr lang="pt-BR" sz="2400" b="0" i="1" smtClean="0">
-                                  <a:latin typeface="Cambria Math" panose="02040503050406030204" pitchFamily="18" charset="0"/>
-                                </a:rPr>
-                              </m:ctrlPr>
-                            </m:accPr>
-                            <m:e>
-                              <m:r>
-                                <a:rPr lang="pt-BR" sz="2400" b="0" i="1" smtClean="0">
-                                  <a:latin typeface="Cambria Math" panose="02040503050406030204" pitchFamily="18" charset="0"/>
-                                </a:rPr>
-                                <m:t>𝑦</m:t>
-                              </m:r>
-                            </m:e>
-                          </m:acc>
-                        </m:oMath>
-                      </m:oMathPara>
-                    </a14:m>
-                    <a:endParaRPr lang="pt-BR" sz="2400" dirty="0"/>
-                  </a:p>
-                </p:txBody>
-              </p:sp>
-            </mc:Choice>
-            <mc:Fallback>
-              <p:sp>
-                <p:nvSpPr>
-                  <p:cNvPr id="11" name="CaixaDeTexto 10">
-                    <a:extLst>
-                      <a:ext uri="{FF2B5EF4-FFF2-40B4-BE49-F238E27FC236}">
-                        <a16:creationId xmlns:a16="http://schemas.microsoft.com/office/drawing/2014/main" id="{124DCDD6-D8CF-6576-CFF0-698F7B3EB2CE}"/>
-                      </a:ext>
-                    </a:extLst>
-                  </p:cNvPr>
-                  <p:cNvSpPr txBox="1">
-                    <a:spLocks noRot="1" noChangeAspect="1" noMove="1" noResize="1" noEditPoints="1" noAdjustHandles="1" noChangeArrowheads="1" noChangeShapeType="1" noTextEdit="1"/>
-                  </p:cNvSpPr>
-                  <p:nvPr/>
-                </p:nvSpPr>
-                <p:spPr>
-                  <a:xfrm flipH="1">
-                    <a:off x="5962658" y="2664758"/>
-                    <a:ext cx="703831" cy="461665"/>
-                  </a:xfrm>
-                  <a:prstGeom prst="rect">
-                    <a:avLst/>
-                  </a:prstGeom>
-                  <a:blipFill>
-                    <a:blip r:embed="rId6"/>
-                    <a:stretch>
-                      <a:fillRect t="-3947" r="-32174" b="-9211"/>
-                    </a:stretch>
-                  </a:blipFill>
-                </p:spPr>
-                <p:txBody>
-                  <a:bodyPr/>
-                  <a:lstStyle/>
-                  <a:p>
-                    <a:r>
-                      <a:rPr lang="pt-BR">
-                        <a:noFill/>
-                      </a:rPr>
-                      <a:t> </a:t>
-                    </a:r>
-                  </a:p>
-                </p:txBody>
-              </p:sp>
-            </mc:Fallback>
-          </mc:AlternateContent>
-          <p:cxnSp>
-            <p:nvCxnSpPr>
-              <p:cNvPr id="12" name="Conector: Angulado 11">
-                <a:extLst>
-                  <a:ext uri="{FF2B5EF4-FFF2-40B4-BE49-F238E27FC236}">
-                    <a16:creationId xmlns:a16="http://schemas.microsoft.com/office/drawing/2014/main" id="{BE324F06-24FA-DC3F-B2D3-6D62EF999C7A}"/>
-                  </a:ext>
-                </a:extLst>
-              </p:cNvPr>
-              <p:cNvCxnSpPr>
-                <a:cxnSpLocks/>
-                <a:stCxn id="10" idx="1"/>
-                <a:endCxn id="8" idx="2"/>
-              </p:cNvCxnSpPr>
-              <p:nvPr/>
-            </p:nvCxnSpPr>
-            <p:spPr>
-              <a:xfrm flipV="1">
-                <a:off x="4176814" y="3534081"/>
-                <a:ext cx="3099129" cy="720270"/>
-              </a:xfrm>
-              <a:prstGeom prst="bentConnector2">
-                <a:avLst/>
-              </a:prstGeom>
-              <a:ln>
-                <a:tailEnd type="triangle"/>
-              </a:ln>
-            </p:spPr>
-            <p:style>
-              <a:lnRef idx="1">
-                <a:schemeClr val="accent1"/>
-              </a:lnRef>
-              <a:fillRef idx="0">
-                <a:schemeClr val="accent1"/>
-              </a:fillRef>
-              <a:effectRef idx="0">
-                <a:schemeClr val="accent1"/>
-              </a:effectRef>
-              <a:fontRef idx="minor">
-                <a:schemeClr val="tx1"/>
-              </a:fontRef>
-            </p:style>
-          </p:cxnSp>
-          <p:cxnSp>
-            <p:nvCxnSpPr>
-              <p:cNvPr id="13" name="Conector: Angulado 12">
-                <a:extLst>
-                  <a:ext uri="{FF2B5EF4-FFF2-40B4-BE49-F238E27FC236}">
-                    <a16:creationId xmlns:a16="http://schemas.microsoft.com/office/drawing/2014/main" id="{CA314D9A-D6E0-712D-48EB-B4C1887A6B1C}"/>
-                  </a:ext>
-                </a:extLst>
-              </p:cNvPr>
-              <p:cNvCxnSpPr>
-                <a:cxnSpLocks/>
-                <a:stCxn id="8" idx="3"/>
-              </p:cNvCxnSpPr>
-              <p:nvPr/>
-            </p:nvCxnSpPr>
-            <p:spPr>
-              <a:xfrm flipH="1" flipV="1">
-                <a:off x="5962658" y="2034381"/>
-                <a:ext cx="1921694" cy="1064455"/>
-              </a:xfrm>
-              <a:prstGeom prst="bentConnector3">
-                <a:avLst>
-                  <a:gd name="adj1" fmla="val -11896"/>
-                </a:avLst>
-              </a:prstGeom>
-              <a:ln>
-                <a:prstDash val="dash"/>
-                <a:headEnd type="none" w="med" len="med"/>
-                <a:tailEnd type="none" w="med" len="med"/>
-              </a:ln>
-            </p:spPr>
-            <p:style>
-              <a:lnRef idx="1">
-                <a:schemeClr val="accent1"/>
-              </a:lnRef>
-              <a:fillRef idx="0">
-                <a:schemeClr val="accent1"/>
-              </a:fillRef>
-              <a:effectRef idx="0">
-                <a:schemeClr val="accent1"/>
-              </a:effectRef>
-              <a:fontRef idx="minor">
-                <a:schemeClr val="tx1"/>
-              </a:fontRef>
-            </p:style>
-          </p:cxnSp>
-          <p:sp>
-            <p:nvSpPr>
-              <p:cNvPr id="14" name="CaixaDeTexto 13">
-                <a:extLst>
-                  <a:ext uri="{FF2B5EF4-FFF2-40B4-BE49-F238E27FC236}">
-                    <a16:creationId xmlns:a16="http://schemas.microsoft.com/office/drawing/2014/main" id="{6C81948B-BB65-3F38-F6E4-2BA28B046FA8}"/>
+                    <a16:creationId xmlns:a16="http://schemas.microsoft.com/office/drawing/2014/main" id="{1216EDDF-7D90-C480-7FCF-B750F15061E5}"/>
                   </a:ext>
                 </a:extLst>
               </p:cNvPr>
@@ -10983,2563 +12185,8 @@
             </p:nvSpPr>
             <p:spPr>
               <a:xfrm>
-                <a:off x="4124144" y="3698676"/>
-                <a:ext cx="1651758" cy="461665"/>
-              </a:xfrm>
-              <a:prstGeom prst="rect">
-                <a:avLst/>
-              </a:prstGeom>
-              <a:noFill/>
-            </p:spPr>
-            <p:txBody>
-              <a:bodyPr wrap="square" rtlCol="0">
-                <a:spAutoFit/>
-              </a:bodyPr>
-              <a:lstStyle/>
-              <a:p>
-                <a:pPr algn="ctr"/>
-                <a:r>
-                  <a:rPr lang="pt-BR" sz="1200" dirty="0"/>
-                  <a:t>Ajuste dos </a:t>
-                </a:r>
-                <a:r>
-                  <a:rPr lang="pt-BR" sz="1200" u="sng" dirty="0"/>
-                  <a:t>parâmetros</a:t>
-                </a:r>
-                <a:r>
-                  <a:rPr lang="pt-BR" sz="1200" dirty="0"/>
-                  <a:t> do modelo</a:t>
-                </a:r>
-              </a:p>
-            </p:txBody>
-          </p:sp>
-          <p:sp>
-            <p:nvSpPr>
-              <p:cNvPr id="15" name="Retângulo 14">
-                <a:extLst>
-                  <a:ext uri="{FF2B5EF4-FFF2-40B4-BE49-F238E27FC236}">
-                    <a16:creationId xmlns:a16="http://schemas.microsoft.com/office/drawing/2014/main" id="{16FC2795-212E-91C6-32E5-2EA13A55B896}"/>
-                  </a:ext>
-                </a:extLst>
-              </p:cNvPr>
-              <p:cNvSpPr/>
-              <p:nvPr/>
-            </p:nvSpPr>
-            <p:spPr>
-              <a:xfrm>
-                <a:off x="3708815" y="2686164"/>
-                <a:ext cx="463575" cy="1935842"/>
-              </a:xfrm>
-              <a:prstGeom prst="rect">
-                <a:avLst/>
-              </a:prstGeom>
-              <a:solidFill>
-                <a:schemeClr val="accent1">
-                  <a:alpha val="41000"/>
-                </a:schemeClr>
-              </a:solidFill>
-              <a:ln>
-                <a:solidFill>
-                  <a:schemeClr val="accent1">
-                    <a:shade val="15000"/>
-                  </a:schemeClr>
-                </a:solidFill>
-              </a:ln>
-            </p:spPr>
-            <p:style>
-              <a:lnRef idx="2">
-                <a:schemeClr val="accent1">
-                  <a:shade val="15000"/>
-                </a:schemeClr>
-              </a:lnRef>
-              <a:fillRef idx="1">
-                <a:schemeClr val="accent1"/>
-              </a:fillRef>
-              <a:effectRef idx="0">
-                <a:schemeClr val="accent1"/>
-              </a:effectRef>
-              <a:fontRef idx="minor">
-                <a:schemeClr val="lt1"/>
-              </a:fontRef>
-            </p:style>
-            <p:txBody>
-              <a:bodyPr rtlCol="0" anchor="ctr"/>
-              <a:lstStyle/>
-              <a:p>
-                <a:pPr algn="ctr"/>
-                <a:endParaRPr lang="pt-BR"/>
-              </a:p>
-            </p:txBody>
-          </p:sp>
-          <p:sp>
-            <p:nvSpPr>
-              <p:cNvPr id="16" name="CaixaDeTexto 15">
-                <a:extLst>
-                  <a:ext uri="{FF2B5EF4-FFF2-40B4-BE49-F238E27FC236}">
-                    <a16:creationId xmlns:a16="http://schemas.microsoft.com/office/drawing/2014/main" id="{B2CE912B-5038-EBC1-81A7-D20EE5D6E46D}"/>
-                  </a:ext>
-                </a:extLst>
-              </p:cNvPr>
-              <p:cNvSpPr txBox="1"/>
-              <p:nvPr/>
-            </p:nvSpPr>
-            <p:spPr>
-              <a:xfrm>
-                <a:off x="3440214" y="4604287"/>
-                <a:ext cx="1047413" cy="461665"/>
-              </a:xfrm>
-              <a:prstGeom prst="rect">
-                <a:avLst/>
-              </a:prstGeom>
-              <a:noFill/>
-            </p:spPr>
-            <p:txBody>
-              <a:bodyPr wrap="square" rtlCol="0">
-                <a:spAutoFit/>
-              </a:bodyPr>
-              <a:lstStyle/>
-              <a:p>
-                <a:pPr algn="ctr"/>
-                <a:r>
-                  <a:rPr lang="pt-BR" sz="1200" dirty="0"/>
-                  <a:t>Conjunto de treinamento</a:t>
-                </a:r>
-              </a:p>
-            </p:txBody>
-          </p:sp>
-          <p:sp>
-            <p:nvSpPr>
-              <p:cNvPr id="17" name="CaixaDeTexto 16">
-                <a:extLst>
-                  <a:ext uri="{FF2B5EF4-FFF2-40B4-BE49-F238E27FC236}">
-                    <a16:creationId xmlns:a16="http://schemas.microsoft.com/office/drawing/2014/main" id="{D3E11F84-4477-5F76-06FD-69734A1728E7}"/>
-                  </a:ext>
-                </a:extLst>
-              </p:cNvPr>
-              <p:cNvSpPr txBox="1"/>
-              <p:nvPr/>
-            </p:nvSpPr>
-            <p:spPr>
-              <a:xfrm>
-                <a:off x="5949953" y="3108346"/>
-                <a:ext cx="729489" cy="646331"/>
-              </a:xfrm>
-              <a:prstGeom prst="rect">
-                <a:avLst/>
-              </a:prstGeom>
-              <a:noFill/>
-            </p:spPr>
-            <p:txBody>
-              <a:bodyPr wrap="square" rtlCol="0">
-                <a:spAutoFit/>
-              </a:bodyPr>
-              <a:lstStyle/>
-              <a:p>
-                <a:pPr algn="ctr"/>
-                <a:r>
-                  <a:rPr lang="pt-BR" sz="1200" dirty="0"/>
-                  <a:t>Palpite</a:t>
-                </a:r>
-              </a:p>
-              <a:p>
-                <a:pPr algn="ctr"/>
-                <a:r>
-                  <a:rPr lang="pt-BR" sz="1200" dirty="0"/>
-                  <a:t>ou</a:t>
-                </a:r>
-              </a:p>
-              <a:p>
-                <a:pPr algn="ctr"/>
-                <a:r>
-                  <a:rPr lang="pt-BR" sz="1200" dirty="0"/>
-                  <a:t>predição</a:t>
-                </a:r>
-              </a:p>
-            </p:txBody>
-          </p:sp>
-          <p:sp>
-            <p:nvSpPr>
-              <p:cNvPr id="18" name="CaixaDeTexto 17">
-                <a:extLst>
-                  <a:ext uri="{FF2B5EF4-FFF2-40B4-BE49-F238E27FC236}">
-                    <a16:creationId xmlns:a16="http://schemas.microsoft.com/office/drawing/2014/main" id="{45EED265-0627-E165-4B85-2F60C945BCA4}"/>
-                  </a:ext>
-                </a:extLst>
-              </p:cNvPr>
-              <p:cNvSpPr txBox="1"/>
-              <p:nvPr/>
-            </p:nvSpPr>
-            <p:spPr>
-              <a:xfrm>
-                <a:off x="7824115" y="3099689"/>
-                <a:ext cx="454917" cy="276999"/>
-              </a:xfrm>
-              <a:prstGeom prst="rect">
-                <a:avLst/>
-              </a:prstGeom>
-              <a:noFill/>
-            </p:spPr>
-            <p:txBody>
-              <a:bodyPr wrap="square" rtlCol="0">
-                <a:spAutoFit/>
-              </a:bodyPr>
-              <a:lstStyle/>
-              <a:p>
-                <a:pPr algn="ctr"/>
-                <a:r>
-                  <a:rPr lang="pt-BR" sz="1200" dirty="0"/>
-                  <a:t>erro</a:t>
-                </a:r>
-              </a:p>
-            </p:txBody>
-          </p:sp>
-          <p:cxnSp>
-            <p:nvCxnSpPr>
-              <p:cNvPr id="19" name="Conector reto 18">
-                <a:extLst>
-                  <a:ext uri="{FF2B5EF4-FFF2-40B4-BE49-F238E27FC236}">
-                    <a16:creationId xmlns:a16="http://schemas.microsoft.com/office/drawing/2014/main" id="{4FBB144A-D3B1-58ED-79D4-025C07566D4A}"/>
-                  </a:ext>
-                </a:extLst>
-              </p:cNvPr>
-              <p:cNvCxnSpPr/>
-              <p:nvPr/>
-            </p:nvCxnSpPr>
-            <p:spPr>
-              <a:xfrm flipH="1">
-                <a:off x="4733134" y="2034381"/>
-                <a:ext cx="1212396" cy="1743075"/>
-              </a:xfrm>
-              <a:prstGeom prst="line">
-                <a:avLst/>
-              </a:prstGeom>
-              <a:ln>
-                <a:prstDash val="dash"/>
-                <a:headEnd type="none" w="med" len="med"/>
-                <a:tailEnd type="triangle" w="med" len="med"/>
-              </a:ln>
-            </p:spPr>
-            <p:style>
-              <a:lnRef idx="1">
-                <a:schemeClr val="accent1"/>
-              </a:lnRef>
-              <a:fillRef idx="0">
-                <a:schemeClr val="accent1"/>
-              </a:fillRef>
-              <a:effectRef idx="0">
-                <a:schemeClr val="accent1"/>
-              </a:effectRef>
-              <a:fontRef idx="minor">
-                <a:schemeClr val="tx1"/>
-              </a:fontRef>
-            </p:style>
-          </p:cxnSp>
-        </p:grpSp>
-        <mc:AlternateContent xmlns:mc="http://schemas.openxmlformats.org/markup-compatibility/2006">
-          <mc:Choice xmlns:a14="http://schemas.microsoft.com/office/drawing/2010/main" Requires="a14">
-            <p:sp>
-              <p:nvSpPr>
-                <p:cNvPr id="20" name="Retângulo 19">
-                  <a:extLst>
-                    <a:ext uri="{FF2B5EF4-FFF2-40B4-BE49-F238E27FC236}">
-                      <a16:creationId xmlns:a16="http://schemas.microsoft.com/office/drawing/2014/main" id="{677D043A-F43E-B0F3-37B7-346AE0697B04}"/>
-                    </a:ext>
-                  </a:extLst>
-                </p:cNvPr>
-                <p:cNvSpPr/>
-                <p:nvPr/>
-              </p:nvSpPr>
-              <p:spPr>
-                <a:xfrm>
-                  <a:off x="2343971" y="3188740"/>
-                  <a:ext cx="1499087" cy="870491"/>
-                </a:xfrm>
-                <a:prstGeom prst="rect">
-                  <a:avLst/>
-                </a:prstGeom>
-                <a:noFill/>
-              </p:spPr>
-              <p:style>
-                <a:lnRef idx="2">
-                  <a:schemeClr val="accent1">
-                    <a:shade val="15000"/>
-                  </a:schemeClr>
-                </a:lnRef>
-                <a:fillRef idx="1">
-                  <a:schemeClr val="accent1"/>
-                </a:fillRef>
-                <a:effectRef idx="0">
-                  <a:schemeClr val="accent1"/>
-                </a:effectRef>
-                <a:fontRef idx="minor">
-                  <a:schemeClr val="lt1"/>
-                </a:fontRef>
-              </p:style>
-              <p:txBody>
-                <a:bodyPr rtlCol="0" anchor="ctr"/>
-                <a:lstStyle/>
-                <a:p>
-                  <a:pPr algn="ctr"/>
-                  <a14:m>
-                    <m:oMathPara xmlns:m="http://schemas.openxmlformats.org/officeDocument/2006/math">
-                      <m:oMathParaPr>
-                        <m:jc m:val="centerGroup"/>
-                      </m:oMathParaPr>
-                      <m:oMath xmlns:m="http://schemas.openxmlformats.org/officeDocument/2006/math">
-                        <m:acc>
-                          <m:accPr>
-                            <m:chr m:val="̂"/>
-                            <m:ctrlPr>
-                              <a:rPr lang="pt-BR" i="1" smtClean="0">
-                                <a:solidFill>
-                                  <a:schemeClr val="tx1"/>
-                                </a:solidFill>
-                                <a:latin typeface="Cambria Math" panose="02040503050406030204" pitchFamily="18" charset="0"/>
-                              </a:rPr>
-                            </m:ctrlPr>
-                          </m:accPr>
-                          <m:e>
-                            <m:r>
-                              <a:rPr lang="pt-BR" b="0" i="1" smtClean="0">
-                                <a:solidFill>
-                                  <a:schemeClr val="tx1"/>
-                                </a:solidFill>
-                                <a:latin typeface="Cambria Math" panose="02040503050406030204" pitchFamily="18" charset="0"/>
-                              </a:rPr>
-                              <m:t>𝑦</m:t>
-                            </m:r>
-                          </m:e>
-                        </m:acc>
-                        <m:r>
-                          <a:rPr lang="pt-BR" b="0" i="1" smtClean="0">
-                            <a:solidFill>
-                              <a:schemeClr val="tx1"/>
-                            </a:solidFill>
-                            <a:latin typeface="Cambria Math" panose="02040503050406030204" pitchFamily="18" charset="0"/>
-                          </a:rPr>
-                          <m:t>=</m:t>
-                        </m:r>
-                        <m:sSub>
-                          <m:sSubPr>
-                            <m:ctrlPr>
-                              <a:rPr lang="pt-BR" b="0" i="1" smtClean="0">
-                                <a:solidFill>
-                                  <a:schemeClr val="tx1"/>
-                                </a:solidFill>
-                                <a:latin typeface="Cambria Math" panose="02040503050406030204" pitchFamily="18" charset="0"/>
-                              </a:rPr>
-                            </m:ctrlPr>
-                          </m:sSubPr>
-                          <m:e>
-                            <m:r>
-                              <a:rPr lang="pt-BR" b="0" i="1" smtClean="0">
-                                <a:solidFill>
-                                  <a:schemeClr val="tx1"/>
-                                </a:solidFill>
-                                <a:latin typeface="Cambria Math" panose="02040503050406030204" pitchFamily="18" charset="0"/>
-                              </a:rPr>
-                              <m:t>𝑎</m:t>
-                            </m:r>
-                          </m:e>
-                          <m:sub>
-                            <m:r>
-                              <a:rPr lang="pt-BR" b="0" i="1" smtClean="0">
-                                <a:solidFill>
-                                  <a:schemeClr val="tx1"/>
-                                </a:solidFill>
-                                <a:latin typeface="Cambria Math" panose="02040503050406030204" pitchFamily="18" charset="0"/>
-                              </a:rPr>
-                              <m:t>0</m:t>
-                            </m:r>
-                          </m:sub>
-                        </m:sSub>
-                        <m:r>
-                          <a:rPr lang="pt-BR" b="0" i="1" smtClean="0">
-                            <a:solidFill>
-                              <a:schemeClr val="tx1"/>
-                            </a:solidFill>
-                            <a:latin typeface="Cambria Math" panose="02040503050406030204" pitchFamily="18" charset="0"/>
-                          </a:rPr>
-                          <m:t>+</m:t>
-                        </m:r>
-                        <m:sSub>
-                          <m:sSubPr>
-                            <m:ctrlPr>
-                              <a:rPr lang="pt-BR" b="0" i="1" smtClean="0">
-                                <a:solidFill>
-                                  <a:schemeClr val="tx1"/>
-                                </a:solidFill>
-                                <a:latin typeface="Cambria Math" panose="02040503050406030204" pitchFamily="18" charset="0"/>
-                              </a:rPr>
-                            </m:ctrlPr>
-                          </m:sSubPr>
-                          <m:e>
-                            <m:r>
-                              <a:rPr lang="pt-BR" b="0" i="1" smtClean="0">
-                                <a:solidFill>
-                                  <a:schemeClr val="tx1"/>
-                                </a:solidFill>
-                                <a:latin typeface="Cambria Math" panose="02040503050406030204" pitchFamily="18" charset="0"/>
-                              </a:rPr>
-                              <m:t>𝑎</m:t>
-                            </m:r>
-                          </m:e>
-                          <m:sub>
-                            <m:r>
-                              <a:rPr lang="pt-BR" b="0" i="1" smtClean="0">
-                                <a:solidFill>
-                                  <a:schemeClr val="tx1"/>
-                                </a:solidFill>
-                                <a:latin typeface="Cambria Math" panose="02040503050406030204" pitchFamily="18" charset="0"/>
-                              </a:rPr>
-                              <m:t>1</m:t>
-                            </m:r>
-                          </m:sub>
-                        </m:sSub>
-                        <m:r>
-                          <a:rPr lang="pt-BR" b="0" i="1" smtClean="0">
-                            <a:solidFill>
-                              <a:schemeClr val="tx1"/>
-                            </a:solidFill>
-                            <a:latin typeface="Cambria Math" panose="02040503050406030204" pitchFamily="18" charset="0"/>
-                          </a:rPr>
-                          <m:t>𝑥</m:t>
-                        </m:r>
-                      </m:oMath>
-                    </m:oMathPara>
-                  </a14:m>
-                  <a:endParaRPr lang="pt-BR" dirty="0">
-                    <a:solidFill>
-                      <a:schemeClr val="tx1"/>
-                    </a:solidFill>
-                  </a:endParaRPr>
-                </a:p>
-              </p:txBody>
-            </p:sp>
-          </mc:Choice>
-          <mc:Fallback>
-            <p:sp>
-              <p:nvSpPr>
-                <p:cNvPr id="20" name="Retângulo 19">
-                  <a:extLst>
-                    <a:ext uri="{FF2B5EF4-FFF2-40B4-BE49-F238E27FC236}">
-                      <a16:creationId xmlns:a16="http://schemas.microsoft.com/office/drawing/2014/main" id="{677D043A-F43E-B0F3-37B7-346AE0697B04}"/>
-                    </a:ext>
-                  </a:extLst>
-                </p:cNvPr>
-                <p:cNvSpPr>
-                  <a:spLocks noRot="1" noChangeAspect="1" noMove="1" noResize="1" noEditPoints="1" noAdjustHandles="1" noChangeArrowheads="1" noChangeShapeType="1" noTextEdit="1"/>
-                </p:cNvSpPr>
-                <p:nvPr/>
-              </p:nvSpPr>
-              <p:spPr>
-                <a:xfrm>
-                  <a:off x="2343971" y="3188740"/>
-                  <a:ext cx="1499087" cy="870491"/>
-                </a:xfrm>
-                <a:prstGeom prst="rect">
-                  <a:avLst/>
-                </a:prstGeom>
-                <a:blipFill>
-                  <a:blip r:embed="rId7"/>
-                  <a:stretch>
-                    <a:fillRect/>
-                  </a:stretch>
-                </a:blipFill>
-              </p:spPr>
-              <p:txBody>
-                <a:bodyPr/>
-                <a:lstStyle/>
-                <a:p>
-                  <a:r>
-                    <a:rPr lang="pt-BR">
-                      <a:noFill/>
-                    </a:rPr>
-                    <a:t> </a:t>
-                  </a:r>
-                </a:p>
-              </p:txBody>
-            </p:sp>
-          </mc:Fallback>
-        </mc:AlternateContent>
-        <p:sp>
-          <p:nvSpPr>
-            <p:cNvPr id="23" name="Retângulo 22">
-              <a:extLst>
-                <a:ext uri="{FF2B5EF4-FFF2-40B4-BE49-F238E27FC236}">
-                  <a16:creationId xmlns:a16="http://schemas.microsoft.com/office/drawing/2014/main" id="{850665E7-60C9-9057-ADB6-2CAE2237B854}"/>
-                </a:ext>
-              </a:extLst>
-            </p:cNvPr>
-            <p:cNvSpPr/>
-            <p:nvPr/>
-          </p:nvSpPr>
-          <p:spPr>
-            <a:xfrm>
-              <a:off x="2828925" y="3540919"/>
-              <a:ext cx="270358" cy="230981"/>
-            </a:xfrm>
-            <a:prstGeom prst="rect">
-              <a:avLst/>
-            </a:prstGeom>
-            <a:noFill/>
-            <a:ln w="19050">
-              <a:solidFill>
-                <a:srgbClr val="FF0000"/>
-              </a:solidFill>
-            </a:ln>
-          </p:spPr>
-          <p:style>
-            <a:lnRef idx="2">
-              <a:schemeClr val="accent1">
-                <a:shade val="15000"/>
-              </a:schemeClr>
-            </a:lnRef>
-            <a:fillRef idx="1">
-              <a:schemeClr val="accent1"/>
-            </a:fillRef>
-            <a:effectRef idx="0">
-              <a:schemeClr val="accent1"/>
-            </a:effectRef>
-            <a:fontRef idx="minor">
-              <a:schemeClr val="lt1"/>
-            </a:fontRef>
-          </p:style>
-          <p:txBody>
-            <a:bodyPr rtlCol="0" anchor="ctr"/>
-            <a:lstStyle/>
-            <a:p>
-              <a:pPr algn="ctr"/>
-              <a:endParaRPr lang="pt-BR"/>
-            </a:p>
-          </p:txBody>
-        </p:sp>
-        <p:sp>
-          <p:nvSpPr>
-            <p:cNvPr id="24" name="Retângulo 23">
-              <a:extLst>
-                <a:ext uri="{FF2B5EF4-FFF2-40B4-BE49-F238E27FC236}">
-                  <a16:creationId xmlns:a16="http://schemas.microsoft.com/office/drawing/2014/main" id="{C7E874E7-5F26-FF77-A6A0-4A158DC458C0}"/>
-                </a:ext>
-              </a:extLst>
-            </p:cNvPr>
-            <p:cNvSpPr/>
-            <p:nvPr/>
-          </p:nvSpPr>
-          <p:spPr>
-            <a:xfrm>
-              <a:off x="3324661" y="3540919"/>
-              <a:ext cx="270358" cy="230981"/>
-            </a:xfrm>
-            <a:prstGeom prst="rect">
-              <a:avLst/>
-            </a:prstGeom>
-            <a:noFill/>
-            <a:ln w="19050">
-              <a:solidFill>
-                <a:srgbClr val="FF0000"/>
-              </a:solidFill>
-            </a:ln>
-          </p:spPr>
-          <p:style>
-            <a:lnRef idx="2">
-              <a:schemeClr val="accent1">
-                <a:shade val="15000"/>
-              </a:schemeClr>
-            </a:lnRef>
-            <a:fillRef idx="1">
-              <a:schemeClr val="accent1"/>
-            </a:fillRef>
-            <a:effectRef idx="0">
-              <a:schemeClr val="accent1"/>
-            </a:effectRef>
-            <a:fontRef idx="minor">
-              <a:schemeClr val="lt1"/>
-            </a:fontRef>
-          </p:style>
-          <p:txBody>
-            <a:bodyPr rtlCol="0" anchor="ctr"/>
-            <a:lstStyle/>
-            <a:p>
-              <a:pPr algn="ctr"/>
-              <a:endParaRPr lang="pt-BR"/>
-            </a:p>
-          </p:txBody>
-        </p:sp>
-        <p:cxnSp>
-          <p:nvCxnSpPr>
-            <p:cNvPr id="28" name="Conector de Seta Reta 27">
-              <a:extLst>
-                <a:ext uri="{FF2B5EF4-FFF2-40B4-BE49-F238E27FC236}">
-                  <a16:creationId xmlns:a16="http://schemas.microsoft.com/office/drawing/2014/main" id="{CB280270-DF7E-B48C-54FA-D35DD769A8F2}"/>
-                </a:ext>
-              </a:extLst>
-            </p:cNvPr>
-            <p:cNvCxnSpPr>
-              <a:stCxn id="24" idx="2"/>
-            </p:cNvCxnSpPr>
-            <p:nvPr/>
-          </p:nvCxnSpPr>
-          <p:spPr>
-            <a:xfrm flipH="1">
-              <a:off x="3219731" y="3771900"/>
-              <a:ext cx="240109" cy="529538"/>
-            </a:xfrm>
-            <a:prstGeom prst="straightConnector1">
-              <a:avLst/>
-            </a:prstGeom>
-            <a:ln>
-              <a:solidFill>
-                <a:srgbClr val="FF0000"/>
-              </a:solidFill>
-              <a:tailEnd type="triangle"/>
-            </a:ln>
-          </p:spPr>
-          <p:style>
-            <a:lnRef idx="1">
-              <a:schemeClr val="accent1"/>
-            </a:lnRef>
-            <a:fillRef idx="0">
-              <a:schemeClr val="accent1"/>
-            </a:fillRef>
-            <a:effectRef idx="0">
-              <a:schemeClr val="accent1"/>
-            </a:effectRef>
-            <a:fontRef idx="minor">
-              <a:schemeClr val="tx1"/>
-            </a:fontRef>
-          </p:style>
-        </p:cxnSp>
-        <p:cxnSp>
-          <p:nvCxnSpPr>
-            <p:cNvPr id="30" name="Conector de Seta Reta 29">
-              <a:extLst>
-                <a:ext uri="{FF2B5EF4-FFF2-40B4-BE49-F238E27FC236}">
-                  <a16:creationId xmlns:a16="http://schemas.microsoft.com/office/drawing/2014/main" id="{C10D38CF-E0FA-1551-91EE-C0598E273D40}"/>
-                </a:ext>
-              </a:extLst>
-            </p:cNvPr>
-            <p:cNvCxnSpPr>
-              <a:stCxn id="23" idx="2"/>
-            </p:cNvCxnSpPr>
-            <p:nvPr/>
-          </p:nvCxnSpPr>
-          <p:spPr>
-            <a:xfrm>
-              <a:off x="2964104" y="3771900"/>
-              <a:ext cx="237794" cy="529538"/>
-            </a:xfrm>
-            <a:prstGeom prst="straightConnector1">
-              <a:avLst/>
-            </a:prstGeom>
-            <a:ln>
-              <a:solidFill>
-                <a:srgbClr val="FF0000"/>
-              </a:solidFill>
-              <a:tailEnd type="triangle"/>
-            </a:ln>
-          </p:spPr>
-          <p:style>
-            <a:lnRef idx="1">
-              <a:schemeClr val="accent1"/>
-            </a:lnRef>
-            <a:fillRef idx="0">
-              <a:schemeClr val="accent1"/>
-            </a:fillRef>
-            <a:effectRef idx="0">
-              <a:schemeClr val="accent1"/>
-            </a:effectRef>
-            <a:fontRef idx="minor">
-              <a:schemeClr val="tx1"/>
-            </a:fontRef>
-          </p:style>
-        </p:cxnSp>
-        <p:sp>
-          <p:nvSpPr>
-            <p:cNvPr id="31" name="CaixaDeTexto 30">
-              <a:extLst>
-                <a:ext uri="{FF2B5EF4-FFF2-40B4-BE49-F238E27FC236}">
-                  <a16:creationId xmlns:a16="http://schemas.microsoft.com/office/drawing/2014/main" id="{3DB927FD-619C-3B92-17E3-53ADFB087CC0}"/>
-                </a:ext>
-              </a:extLst>
-            </p:cNvPr>
-            <p:cNvSpPr txBox="1"/>
-            <p:nvPr/>
-          </p:nvSpPr>
-          <p:spPr>
-            <a:xfrm>
-              <a:off x="2270990" y="2946533"/>
-              <a:ext cx="1115869" cy="276999"/>
-            </a:xfrm>
-            <a:prstGeom prst="rect">
-              <a:avLst/>
-            </a:prstGeom>
-            <a:noFill/>
-          </p:spPr>
-          <p:txBody>
-            <a:bodyPr wrap="square" rtlCol="0">
-              <a:spAutoFit/>
-            </a:bodyPr>
-            <a:lstStyle/>
-            <a:p>
-              <a:r>
-                <a:rPr lang="pt-BR" sz="1200" dirty="0"/>
-                <a:t>Modelo de ML</a:t>
-              </a:r>
-            </a:p>
-          </p:txBody>
-        </p:sp>
-      </p:grpSp>
-    </p:spTree>
-    <p:extLst>
-      <p:ext uri="{BB962C8B-B14F-4D97-AF65-F5344CB8AC3E}">
-        <p14:creationId xmlns:p14="http://schemas.microsoft.com/office/powerpoint/2010/main" val="1002052220"/>
-      </p:ext>
-    </p:extLst>
-  </p:cSld>
-  <p:clrMapOvr>
-    <a:masterClrMapping/>
-  </p:clrMapOvr>
-</p:sld>
-</file>
-
-<file path=ppt/slides/slide16.xml><?xml version="1.0" encoding="utf-8"?>
-<p:sld xmlns:a="http://schemas.openxmlformats.org/drawingml/2006/main" xmlns:r="http://schemas.openxmlformats.org/officeDocument/2006/relationships" xmlns:p="http://schemas.openxmlformats.org/presentationml/2006/main">
-  <p:cSld>
-    <p:spTree>
-      <p:nvGrpSpPr>
-        <p:cNvPr id="1" name=""/>
-        <p:cNvGrpSpPr/>
-        <p:nvPr/>
-      </p:nvGrpSpPr>
-      <p:grpSpPr>
-        <a:xfrm>
-          <a:off x="0" y="0"/>
-          <a:ext cx="0" cy="0"/>
-          <a:chOff x="0" y="0"/>
-          <a:chExt cx="0" cy="0"/>
-        </a:xfrm>
-      </p:grpSpPr>
-      <p:sp>
-        <p:nvSpPr>
-          <p:cNvPr id="2" name="Título 1">
-            <a:extLst>
-              <a:ext uri="{FF2B5EF4-FFF2-40B4-BE49-F238E27FC236}">
-                <a16:creationId xmlns:a16="http://schemas.microsoft.com/office/drawing/2014/main" id="{EB346D5F-9333-6688-3B85-AFB8D9EE6901}"/>
-              </a:ext>
-            </a:extLst>
-          </p:cNvPr>
-          <p:cNvSpPr>
-            <a:spLocks noGrp="1"/>
-          </p:cNvSpPr>
-          <p:nvPr>
-            <p:ph type="title"/>
-          </p:nvPr>
-        </p:nvSpPr>
-        <p:spPr/>
-        <p:txBody>
-          <a:bodyPr/>
-          <a:lstStyle/>
-          <a:p>
-            <a:endParaRPr lang="pt-BR"/>
-          </a:p>
-        </p:txBody>
-      </p:sp>
-      <p:sp>
-        <p:nvSpPr>
-          <p:cNvPr id="3" name="Espaço Reservado para Conteúdo 2">
-            <a:extLst>
-              <a:ext uri="{FF2B5EF4-FFF2-40B4-BE49-F238E27FC236}">
-                <a16:creationId xmlns:a16="http://schemas.microsoft.com/office/drawing/2014/main" id="{EF0DC5D0-D0D2-68F7-B51B-C9FEAC1C87AB}"/>
-              </a:ext>
-            </a:extLst>
-          </p:cNvPr>
-          <p:cNvSpPr>
-            <a:spLocks noGrp="1"/>
-          </p:cNvSpPr>
-          <p:nvPr>
-            <p:ph idx="1"/>
-          </p:nvPr>
-        </p:nvSpPr>
-        <p:spPr/>
-        <p:txBody>
-          <a:bodyPr/>
-          <a:lstStyle/>
-          <a:p>
-            <a:endParaRPr lang="pt-BR"/>
-          </a:p>
-        </p:txBody>
-      </p:sp>
-    </p:spTree>
-    <p:extLst>
-      <p:ext uri="{BB962C8B-B14F-4D97-AF65-F5344CB8AC3E}">
-        <p14:creationId xmlns:p14="http://schemas.microsoft.com/office/powerpoint/2010/main" val="2396834259"/>
-      </p:ext>
-    </p:extLst>
-  </p:cSld>
-  <p:clrMapOvr>
-    <a:masterClrMapping/>
-  </p:clrMapOvr>
-</p:sld>
-</file>
-
-<file path=ppt/slides/slide17.xml><?xml version="1.0" encoding="utf-8"?>
-<p:sld xmlns:a="http://schemas.openxmlformats.org/drawingml/2006/main" xmlns:r="http://schemas.openxmlformats.org/officeDocument/2006/relationships" xmlns:p="http://schemas.openxmlformats.org/presentationml/2006/main">
-  <p:cSld>
-    <p:spTree>
-      <p:nvGrpSpPr>
-        <p:cNvPr id="1" name=""/>
-        <p:cNvGrpSpPr/>
-        <p:nvPr/>
-      </p:nvGrpSpPr>
-      <p:grpSpPr>
-        <a:xfrm>
-          <a:off x="0" y="0"/>
-          <a:ext cx="0" cy="0"/>
-          <a:chOff x="0" y="0"/>
-          <a:chExt cx="0" cy="0"/>
-        </a:xfrm>
-      </p:grpSpPr>
-      <p:sp>
-        <p:nvSpPr>
-          <p:cNvPr id="2" name="Título 1">
-            <a:extLst>
-              <a:ext uri="{FF2B5EF4-FFF2-40B4-BE49-F238E27FC236}">
-                <a16:creationId xmlns:a16="http://schemas.microsoft.com/office/drawing/2014/main" id="{ABEFD801-7E8D-0885-F1AD-8DAF6F77CEEE}"/>
-              </a:ext>
-            </a:extLst>
-          </p:cNvPr>
-          <p:cNvSpPr>
-            <a:spLocks noGrp="1"/>
-          </p:cNvSpPr>
-          <p:nvPr>
-            <p:ph type="title"/>
-          </p:nvPr>
-        </p:nvSpPr>
-        <p:spPr/>
-        <p:txBody>
-          <a:bodyPr/>
-          <a:lstStyle/>
-          <a:p>
-            <a:r>
-              <a:rPr lang="pt-BR" dirty="0"/>
-              <a:t>Otimização</a:t>
-            </a:r>
-          </a:p>
-        </p:txBody>
-      </p:sp>
-      <p:sp>
-        <p:nvSpPr>
-          <p:cNvPr id="3" name="Espaço Reservado para Conteúdo 2">
-            <a:extLst>
-              <a:ext uri="{FF2B5EF4-FFF2-40B4-BE49-F238E27FC236}">
-                <a16:creationId xmlns:a16="http://schemas.microsoft.com/office/drawing/2014/main" id="{9BA6276C-11C7-FBDF-9CC4-A84A195D7527}"/>
-              </a:ext>
-            </a:extLst>
-          </p:cNvPr>
-          <p:cNvSpPr>
-            <a:spLocks noGrp="1"/>
-          </p:cNvSpPr>
-          <p:nvPr>
-            <p:ph idx="1"/>
-          </p:nvPr>
-        </p:nvSpPr>
-        <p:spPr>
-          <a:xfrm>
-            <a:off x="514350" y="5772627"/>
-            <a:ext cx="10839449" cy="842319"/>
-          </a:xfrm>
-        </p:spPr>
-        <p:txBody>
-          <a:bodyPr/>
-          <a:lstStyle/>
-          <a:p>
-            <a:r>
-              <a:rPr lang="pt-BR" dirty="0"/>
-              <a:t>a</a:t>
-            </a:r>
-          </a:p>
-        </p:txBody>
-      </p:sp>
-      <p:pic>
-        <p:nvPicPr>
-          <p:cNvPr id="32" name="animated_linear_regression">
-            <a:hlinkClick r:id="" action="ppaction://media"/>
-            <a:extLst>
-              <a:ext uri="{FF2B5EF4-FFF2-40B4-BE49-F238E27FC236}">
-                <a16:creationId xmlns:a16="http://schemas.microsoft.com/office/drawing/2014/main" id="{66D25972-58E8-79DB-2476-AFDFC171820F}"/>
-              </a:ext>
-            </a:extLst>
-          </p:cNvPr>
-          <p:cNvPicPr>
-            <a:picLocks noChangeAspect="1"/>
-          </p:cNvPicPr>
-          <p:nvPr>
-            <a:videoFile r:link="rId2"/>
-            <p:extLst>
-              <p:ext uri="{DAA4B4D4-6D71-4841-9C94-3DE7FCFB9230}">
-                <p14:media xmlns:p14="http://schemas.microsoft.com/office/powerpoint/2010/main" r:embed="rId1"/>
-              </p:ext>
-            </p:extLst>
-          </p:nvPr>
-        </p:nvPicPr>
-        <p:blipFill>
-          <a:blip r:embed="rId4"/>
-          <a:stretch>
-            <a:fillRect/>
-          </a:stretch>
-        </p:blipFill>
-        <p:spPr>
-          <a:xfrm>
-            <a:off x="6610352" y="2200663"/>
-            <a:ext cx="4211251" cy="3158438"/>
-          </a:xfrm>
-          <a:prstGeom prst="rect">
-            <a:avLst/>
-          </a:prstGeom>
-        </p:spPr>
-      </p:pic>
-      <p:grpSp>
-        <p:nvGrpSpPr>
-          <p:cNvPr id="5" name="Agrupar 4">
-            <a:extLst>
-              <a:ext uri="{FF2B5EF4-FFF2-40B4-BE49-F238E27FC236}">
-                <a16:creationId xmlns:a16="http://schemas.microsoft.com/office/drawing/2014/main" id="{D74C00ED-BCCF-922E-4CCE-447665B37E98}"/>
-              </a:ext>
-            </a:extLst>
-          </p:cNvPr>
-          <p:cNvGrpSpPr/>
-          <p:nvPr/>
-        </p:nvGrpSpPr>
-        <p:grpSpPr>
-          <a:xfrm>
-            <a:off x="838200" y="2012263"/>
-            <a:ext cx="4838818" cy="3031571"/>
-            <a:chOff x="1320613" y="2558363"/>
-            <a:chExt cx="4838818" cy="3031571"/>
-          </a:xfrm>
-        </p:grpSpPr>
-        <p:grpSp>
-          <p:nvGrpSpPr>
-            <p:cNvPr id="21" name="Agrupar 20">
-              <a:extLst>
-                <a:ext uri="{FF2B5EF4-FFF2-40B4-BE49-F238E27FC236}">
-                  <a16:creationId xmlns:a16="http://schemas.microsoft.com/office/drawing/2014/main" id="{356E3F89-8F60-A7D1-F181-1A44A0EF711B}"/>
-                </a:ext>
-              </a:extLst>
-            </p:cNvPr>
-            <p:cNvGrpSpPr/>
-            <p:nvPr/>
-          </p:nvGrpSpPr>
-          <p:grpSpPr>
-            <a:xfrm>
-              <a:off x="1320613" y="2558363"/>
-              <a:ext cx="4838818" cy="3031571"/>
-              <a:chOff x="3440214" y="2034381"/>
-              <a:chExt cx="4838818" cy="3031571"/>
-            </a:xfrm>
-          </p:grpSpPr>
-          <p:cxnSp>
-            <p:nvCxnSpPr>
-              <p:cNvPr id="34" name="Straight Arrow Connector 14">
-                <a:extLst>
-                  <a:ext uri="{FF2B5EF4-FFF2-40B4-BE49-F238E27FC236}">
-                    <a16:creationId xmlns:a16="http://schemas.microsoft.com/office/drawing/2014/main" id="{DFD1AC60-3ED2-5708-6D27-04F822602830}"/>
-                  </a:ext>
-                </a:extLst>
-              </p:cNvPr>
-              <p:cNvCxnSpPr>
-                <a:cxnSpLocks/>
-              </p:cNvCxnSpPr>
-              <p:nvPr/>
-            </p:nvCxnSpPr>
-            <p:spPr>
-              <a:xfrm>
-                <a:off x="4176814" y="3127539"/>
-                <a:ext cx="288000" cy="0"/>
-              </a:xfrm>
-              <a:prstGeom prst="straightConnector1">
-                <a:avLst/>
-              </a:prstGeom>
-              <a:ln w="19050">
-                <a:tailEnd type="triangle"/>
-              </a:ln>
-            </p:spPr>
-            <p:style>
-              <a:lnRef idx="1">
-                <a:schemeClr val="accent1"/>
-              </a:lnRef>
-              <a:fillRef idx="0">
-                <a:schemeClr val="accent1"/>
-              </a:fillRef>
-              <a:effectRef idx="0">
-                <a:schemeClr val="accent1"/>
-              </a:effectRef>
-              <a:fontRef idx="minor">
-                <a:schemeClr val="tx1"/>
-              </a:fontRef>
-            </p:style>
-          </p:cxnSp>
-          <p:cxnSp>
-            <p:nvCxnSpPr>
-              <p:cNvPr id="35" name="Straight Arrow Connector 14">
-                <a:extLst>
-                  <a:ext uri="{FF2B5EF4-FFF2-40B4-BE49-F238E27FC236}">
-                    <a16:creationId xmlns:a16="http://schemas.microsoft.com/office/drawing/2014/main" id="{85399B4B-B008-0045-55A5-80BBE1E10B3A}"/>
-                  </a:ext>
-                </a:extLst>
-              </p:cNvPr>
-              <p:cNvCxnSpPr>
-                <a:cxnSpLocks/>
-                <a:stCxn id="22" idx="3"/>
-                <a:endCxn id="36" idx="1"/>
-              </p:cNvCxnSpPr>
-              <p:nvPr/>
-            </p:nvCxnSpPr>
-            <p:spPr>
-              <a:xfrm flipV="1">
-                <a:off x="5962659" y="3098836"/>
-                <a:ext cx="704875" cy="1168"/>
-              </a:xfrm>
-              <a:prstGeom prst="straightConnector1">
-                <a:avLst/>
-              </a:prstGeom>
-              <a:ln w="19050">
-                <a:tailEnd type="triangle"/>
-              </a:ln>
-            </p:spPr>
-            <p:style>
-              <a:lnRef idx="1">
-                <a:schemeClr val="accent1"/>
-              </a:lnRef>
-              <a:fillRef idx="0">
-                <a:schemeClr val="accent1"/>
-              </a:fillRef>
-              <a:effectRef idx="0">
-                <a:schemeClr val="accent1"/>
-              </a:effectRef>
-              <a:fontRef idx="minor">
-                <a:schemeClr val="tx1"/>
-              </a:fontRef>
-            </p:style>
-          </p:cxnSp>
-          <p:sp>
-            <p:nvSpPr>
-              <p:cNvPr id="36" name="Rectangle 12">
-                <a:extLst>
-                  <a:ext uri="{FF2B5EF4-FFF2-40B4-BE49-F238E27FC236}">
-                    <a16:creationId xmlns:a16="http://schemas.microsoft.com/office/drawing/2014/main" id="{4F7FFD28-20EC-2C81-3778-1CB8527B8A3D}"/>
-                  </a:ext>
-                </a:extLst>
-              </p:cNvPr>
-              <p:cNvSpPr/>
-              <p:nvPr/>
-            </p:nvSpPr>
-            <p:spPr>
-              <a:xfrm>
-                <a:off x="6667534" y="2663590"/>
-                <a:ext cx="1216818" cy="870491"/>
-              </a:xfrm>
-              <a:prstGeom prst="rect">
-                <a:avLst/>
-              </a:prstGeom>
-              <a:noFill/>
-              <a:ln>
-                <a:solidFill>
-                  <a:schemeClr val="tx1"/>
-                </a:solidFill>
-              </a:ln>
-            </p:spPr>
-            <p:style>
-              <a:lnRef idx="2">
-                <a:schemeClr val="accent1">
-                  <a:shade val="50000"/>
-                </a:schemeClr>
-              </a:lnRef>
-              <a:fillRef idx="1">
-                <a:schemeClr val="accent1"/>
-              </a:fillRef>
-              <a:effectRef idx="0">
-                <a:schemeClr val="accent1"/>
-              </a:effectRef>
-              <a:fontRef idx="minor">
-                <a:schemeClr val="lt1"/>
-              </a:fontRef>
-            </p:style>
-            <p:txBody>
-              <a:bodyPr rtlCol="0" anchor="ctr"/>
-              <a:lstStyle/>
-              <a:p>
-                <a:pPr algn="ctr"/>
-                <a:r>
-                  <a:rPr lang="pt-BR" dirty="0">
-                    <a:solidFill>
-                      <a:schemeClr val="tx1"/>
-                    </a:solidFill>
-                  </a:rPr>
-                  <a:t>Função de erro</a:t>
-                </a:r>
-              </a:p>
-            </p:txBody>
-          </p:sp>
-          <mc:AlternateContent xmlns:mc="http://schemas.openxmlformats.org/markup-compatibility/2006" xmlns:a14="http://schemas.microsoft.com/office/drawing/2010/main">
-            <mc:Choice Requires="a14">
-              <p:sp>
-                <p:nvSpPr>
-                  <p:cNvPr id="37" name="CaixaDeTexto 36">
-                    <a:extLst>
-                      <a:ext uri="{FF2B5EF4-FFF2-40B4-BE49-F238E27FC236}">
-                        <a16:creationId xmlns:a16="http://schemas.microsoft.com/office/drawing/2014/main" id="{22C99CDD-44B9-FAC5-2E68-2044F34228E2}"/>
-                      </a:ext>
-                    </a:extLst>
-                  </p:cNvPr>
-                  <p:cNvSpPr txBox="1"/>
-                  <p:nvPr/>
-                </p:nvSpPr>
-                <p:spPr>
-                  <a:xfrm flipH="1">
-                    <a:off x="3719614" y="2818318"/>
-                    <a:ext cx="467999" cy="461665"/>
-                  </a:xfrm>
-                  <a:prstGeom prst="rect">
-                    <a:avLst/>
-                  </a:prstGeom>
-                  <a:noFill/>
-                </p:spPr>
-                <p:txBody>
-                  <a:bodyPr wrap="square">
-                    <a:spAutoFit/>
-                  </a:bodyPr>
-                  <a:lstStyle/>
-                  <a:p>
-                    <a:pPr/>
-                    <a14:m>
-                      <m:oMathPara xmlns:m="http://schemas.openxmlformats.org/officeDocument/2006/math">
-                        <m:oMathParaPr>
-                          <m:jc m:val="center"/>
-                        </m:oMathParaPr>
-                        <m:oMath xmlns:m="http://schemas.openxmlformats.org/officeDocument/2006/math">
-                          <m:r>
-                            <a:rPr lang="pt-BR" sz="2400" i="1" smtClean="0">
-                              <a:latin typeface="Cambria Math" panose="02040503050406030204" pitchFamily="18" charset="0"/>
-                            </a:rPr>
-                            <m:t>𝑥</m:t>
-                          </m:r>
-                        </m:oMath>
-                      </m:oMathPara>
-                    </a14:m>
-                    <a:endParaRPr lang="pt-BR" sz="2400" dirty="0"/>
-                  </a:p>
-                </p:txBody>
-              </p:sp>
-            </mc:Choice>
-            <mc:Fallback xmlns="">
-              <p:sp>
-                <p:nvSpPr>
-                  <p:cNvPr id="9" name="CaixaDeTexto 8">
-                    <a:extLst>
-                      <a:ext uri="{FF2B5EF4-FFF2-40B4-BE49-F238E27FC236}">
-                        <a16:creationId xmlns:a16="http://schemas.microsoft.com/office/drawing/2014/main" id="{DA4ABC62-C35B-9FE0-837A-4791504D8B0C}"/>
-                      </a:ext>
-                    </a:extLst>
-                  </p:cNvPr>
-                  <p:cNvSpPr txBox="1">
-                    <a:spLocks noRot="1" noChangeAspect="1" noMove="1" noResize="1" noEditPoints="1" noAdjustHandles="1" noChangeArrowheads="1" noChangeShapeType="1" noTextEdit="1"/>
-                  </p:cNvSpPr>
-                  <p:nvPr/>
-                </p:nvSpPr>
-                <p:spPr>
-                  <a:xfrm flipH="1">
-                    <a:off x="3719614" y="2818318"/>
-                    <a:ext cx="467999" cy="461665"/>
-                  </a:xfrm>
-                  <a:prstGeom prst="rect">
-                    <a:avLst/>
-                  </a:prstGeom>
-                  <a:blipFill>
-                    <a:blip r:embed="rId5"/>
-                    <a:stretch>
-                      <a:fillRect/>
-                    </a:stretch>
-                  </a:blipFill>
-                </p:spPr>
-                <p:txBody>
-                  <a:bodyPr/>
-                  <a:lstStyle/>
-                  <a:p>
-                    <a:r>
-                      <a:rPr lang="pt-BR">
-                        <a:noFill/>
-                      </a:rPr>
-                      <a:t> </a:t>
-                    </a:r>
-                  </a:p>
-                </p:txBody>
-              </p:sp>
-            </mc:Fallback>
-          </mc:AlternateContent>
-          <mc:AlternateContent xmlns:mc="http://schemas.openxmlformats.org/markup-compatibility/2006" xmlns:a14="http://schemas.microsoft.com/office/drawing/2010/main">
-            <mc:Choice Requires="a14">
-              <p:sp>
-                <p:nvSpPr>
-                  <p:cNvPr id="38" name="CaixaDeTexto 37">
-                    <a:extLst>
-                      <a:ext uri="{FF2B5EF4-FFF2-40B4-BE49-F238E27FC236}">
-                        <a16:creationId xmlns:a16="http://schemas.microsoft.com/office/drawing/2014/main" id="{8EC83E08-599A-C8C2-7D1B-BE831CEE1B44}"/>
-                      </a:ext>
-                    </a:extLst>
-                  </p:cNvPr>
-                  <p:cNvSpPr txBox="1"/>
-                  <p:nvPr/>
-                </p:nvSpPr>
-                <p:spPr>
-                  <a:xfrm flipH="1">
-                    <a:off x="3708815" y="4023518"/>
-                    <a:ext cx="467999" cy="461665"/>
-                  </a:xfrm>
-                  <a:prstGeom prst="rect">
-                    <a:avLst/>
-                  </a:prstGeom>
-                  <a:noFill/>
-                </p:spPr>
-                <p:txBody>
-                  <a:bodyPr wrap="square">
-                    <a:spAutoFit/>
-                  </a:bodyPr>
-                  <a:lstStyle/>
-                  <a:p>
-                    <a:pPr/>
-                    <a14:m>
-                      <m:oMathPara xmlns:m="http://schemas.openxmlformats.org/officeDocument/2006/math">
-                        <m:oMathParaPr>
-                          <m:jc m:val="center"/>
-                        </m:oMathParaPr>
-                        <m:oMath xmlns:m="http://schemas.openxmlformats.org/officeDocument/2006/math">
-                          <m:r>
-                            <a:rPr lang="pt-BR" sz="2400" b="0" i="1" smtClean="0">
-                              <a:latin typeface="Cambria Math" panose="02040503050406030204" pitchFamily="18" charset="0"/>
-                            </a:rPr>
-                            <m:t>𝑦</m:t>
-                          </m:r>
-                        </m:oMath>
-                      </m:oMathPara>
-                    </a14:m>
-                    <a:endParaRPr lang="pt-BR" sz="2400" dirty="0"/>
-                  </a:p>
-                </p:txBody>
-              </p:sp>
-            </mc:Choice>
-            <mc:Fallback xmlns="">
-              <p:sp>
-                <p:nvSpPr>
-                  <p:cNvPr id="10" name="CaixaDeTexto 9">
-                    <a:extLst>
-                      <a:ext uri="{FF2B5EF4-FFF2-40B4-BE49-F238E27FC236}">
-                        <a16:creationId xmlns:a16="http://schemas.microsoft.com/office/drawing/2014/main" id="{A5E5AD39-A7D5-E436-9BBF-FFF6ADD6FD8F}"/>
-                      </a:ext>
-                    </a:extLst>
-                  </p:cNvPr>
-                  <p:cNvSpPr txBox="1">
-                    <a:spLocks noRot="1" noChangeAspect="1" noMove="1" noResize="1" noEditPoints="1" noAdjustHandles="1" noChangeArrowheads="1" noChangeShapeType="1" noTextEdit="1"/>
-                  </p:cNvSpPr>
-                  <p:nvPr/>
-                </p:nvSpPr>
-                <p:spPr>
-                  <a:xfrm flipH="1">
-                    <a:off x="3708815" y="4023518"/>
-                    <a:ext cx="467999" cy="461665"/>
-                  </a:xfrm>
-                  <a:prstGeom prst="rect">
-                    <a:avLst/>
-                  </a:prstGeom>
-                  <a:blipFill>
-                    <a:blip r:embed="rId6"/>
-                    <a:stretch>
-                      <a:fillRect b="-10526"/>
-                    </a:stretch>
-                  </a:blipFill>
-                </p:spPr>
-                <p:txBody>
-                  <a:bodyPr/>
-                  <a:lstStyle/>
-                  <a:p>
-                    <a:r>
-                      <a:rPr lang="pt-BR">
-                        <a:noFill/>
-                      </a:rPr>
-                      <a:t> </a:t>
-                    </a:r>
-                  </a:p>
-                </p:txBody>
-              </p:sp>
-            </mc:Fallback>
-          </mc:AlternateContent>
-          <mc:AlternateContent xmlns:mc="http://schemas.openxmlformats.org/markup-compatibility/2006">
-            <mc:Choice xmlns:a14="http://schemas.microsoft.com/office/drawing/2010/main" Requires="a14">
-              <p:sp>
-                <p:nvSpPr>
-                  <p:cNvPr id="39" name="CaixaDeTexto 38">
-                    <a:extLst>
-                      <a:ext uri="{FF2B5EF4-FFF2-40B4-BE49-F238E27FC236}">
-                        <a16:creationId xmlns:a16="http://schemas.microsoft.com/office/drawing/2014/main" id="{389B4B94-9D7D-DA24-7C55-EB399A27CFF2}"/>
-                      </a:ext>
-                    </a:extLst>
-                  </p:cNvPr>
-                  <p:cNvSpPr txBox="1"/>
-                  <p:nvPr/>
-                </p:nvSpPr>
-                <p:spPr>
-                  <a:xfrm flipH="1">
-                    <a:off x="5962658" y="2664758"/>
-                    <a:ext cx="703831" cy="461665"/>
-                  </a:xfrm>
-                  <a:prstGeom prst="rect">
-                    <a:avLst/>
-                  </a:prstGeom>
-                  <a:noFill/>
-                </p:spPr>
-                <p:txBody>
-                  <a:bodyPr wrap="square">
-                    <a:spAutoFit/>
-                  </a:bodyPr>
-                  <a:lstStyle/>
-                  <a:p>
-                    <a:pPr/>
-                    <a14:m>
-                      <m:oMathPara xmlns:m="http://schemas.openxmlformats.org/officeDocument/2006/math">
-                        <m:oMathParaPr>
-                          <m:jc m:val="center"/>
-                        </m:oMathParaPr>
-                        <m:oMath xmlns:m="http://schemas.openxmlformats.org/officeDocument/2006/math">
-                          <m:acc>
-                            <m:accPr>
-                              <m:chr m:val="̂"/>
-                              <m:ctrlPr>
-                                <a:rPr lang="pt-BR" sz="2400" b="0" i="1" smtClean="0">
-                                  <a:latin typeface="Cambria Math" panose="02040503050406030204" pitchFamily="18" charset="0"/>
-                                </a:rPr>
-                              </m:ctrlPr>
-                            </m:accPr>
-                            <m:e>
-                              <m:r>
-                                <a:rPr lang="pt-BR" sz="2400" b="0" i="1" smtClean="0">
-                                  <a:latin typeface="Cambria Math" panose="02040503050406030204" pitchFamily="18" charset="0"/>
-                                </a:rPr>
-                                <m:t>𝑦</m:t>
-                              </m:r>
-                            </m:e>
-                          </m:acc>
-                        </m:oMath>
-                      </m:oMathPara>
-                    </a14:m>
-                    <a:endParaRPr lang="pt-BR" sz="2400" dirty="0"/>
-                  </a:p>
-                </p:txBody>
-              </p:sp>
-            </mc:Choice>
-            <mc:Fallback>
-              <p:sp>
-                <p:nvSpPr>
-                  <p:cNvPr id="39" name="CaixaDeTexto 38">
-                    <a:extLst>
-                      <a:ext uri="{FF2B5EF4-FFF2-40B4-BE49-F238E27FC236}">
-                        <a16:creationId xmlns:a16="http://schemas.microsoft.com/office/drawing/2014/main" id="{389B4B94-9D7D-DA24-7C55-EB399A27CFF2}"/>
-                      </a:ext>
-                    </a:extLst>
-                  </p:cNvPr>
-                  <p:cNvSpPr txBox="1">
-                    <a:spLocks noRot="1" noChangeAspect="1" noMove="1" noResize="1" noEditPoints="1" noAdjustHandles="1" noChangeArrowheads="1" noChangeShapeType="1" noTextEdit="1"/>
-                  </p:cNvSpPr>
-                  <p:nvPr/>
-                </p:nvSpPr>
-                <p:spPr>
-                  <a:xfrm flipH="1">
-                    <a:off x="5962658" y="2664758"/>
-                    <a:ext cx="703831" cy="461665"/>
-                  </a:xfrm>
-                  <a:prstGeom prst="rect">
-                    <a:avLst/>
-                  </a:prstGeom>
-                  <a:blipFill>
-                    <a:blip r:embed="rId7"/>
-                    <a:stretch>
-                      <a:fillRect t="-4000" r="-31897" b="-10667"/>
-                    </a:stretch>
-                  </a:blipFill>
-                </p:spPr>
-                <p:txBody>
-                  <a:bodyPr/>
-                  <a:lstStyle/>
-                  <a:p>
-                    <a:r>
-                      <a:rPr lang="pt-BR">
-                        <a:noFill/>
-                      </a:rPr>
-                      <a:t> </a:t>
-                    </a:r>
-                  </a:p>
-                </p:txBody>
-              </p:sp>
-            </mc:Fallback>
-          </mc:AlternateContent>
-          <p:cxnSp>
-            <p:nvCxnSpPr>
-              <p:cNvPr id="40" name="Conector: Angulado 39">
-                <a:extLst>
-                  <a:ext uri="{FF2B5EF4-FFF2-40B4-BE49-F238E27FC236}">
-                    <a16:creationId xmlns:a16="http://schemas.microsoft.com/office/drawing/2014/main" id="{1DF13A9A-5C93-193F-EF1E-90BB099DA685}"/>
-                  </a:ext>
-                </a:extLst>
-              </p:cNvPr>
-              <p:cNvCxnSpPr>
-                <a:cxnSpLocks/>
-                <a:stCxn id="38" idx="1"/>
-                <a:endCxn id="36" idx="2"/>
-              </p:cNvCxnSpPr>
-              <p:nvPr/>
-            </p:nvCxnSpPr>
-            <p:spPr>
-              <a:xfrm flipV="1">
-                <a:off x="4176814" y="3534081"/>
-                <a:ext cx="3099129" cy="720270"/>
-              </a:xfrm>
-              <a:prstGeom prst="bentConnector2">
-                <a:avLst/>
-              </a:prstGeom>
-              <a:ln>
-                <a:tailEnd type="triangle"/>
-              </a:ln>
-            </p:spPr>
-            <p:style>
-              <a:lnRef idx="1">
-                <a:schemeClr val="accent1"/>
-              </a:lnRef>
-              <a:fillRef idx="0">
-                <a:schemeClr val="accent1"/>
-              </a:fillRef>
-              <a:effectRef idx="0">
-                <a:schemeClr val="accent1"/>
-              </a:effectRef>
-              <a:fontRef idx="minor">
-                <a:schemeClr val="tx1"/>
-              </a:fontRef>
-            </p:style>
-          </p:cxnSp>
-          <p:cxnSp>
-            <p:nvCxnSpPr>
-              <p:cNvPr id="41" name="Conector: Angulado 40">
-                <a:extLst>
-                  <a:ext uri="{FF2B5EF4-FFF2-40B4-BE49-F238E27FC236}">
-                    <a16:creationId xmlns:a16="http://schemas.microsoft.com/office/drawing/2014/main" id="{D28A99DB-AB6A-4B32-661C-9B2F0CD91153}"/>
-                  </a:ext>
-                </a:extLst>
-              </p:cNvPr>
-              <p:cNvCxnSpPr>
-                <a:cxnSpLocks/>
-                <a:stCxn id="36" idx="3"/>
-              </p:cNvCxnSpPr>
-              <p:nvPr/>
-            </p:nvCxnSpPr>
-            <p:spPr>
-              <a:xfrm flipH="1" flipV="1">
-                <a:off x="6059124" y="2034381"/>
-                <a:ext cx="1825228" cy="1064455"/>
-              </a:xfrm>
-              <a:prstGeom prst="bentConnector3">
-                <a:avLst>
-                  <a:gd name="adj1" fmla="val -17395"/>
-                </a:avLst>
-              </a:prstGeom>
-              <a:ln>
-                <a:prstDash val="dash"/>
-                <a:headEnd type="none" w="med" len="med"/>
-                <a:tailEnd type="none" w="med" len="med"/>
-              </a:ln>
-            </p:spPr>
-            <p:style>
-              <a:lnRef idx="1">
-                <a:schemeClr val="accent1"/>
-              </a:lnRef>
-              <a:fillRef idx="0">
-                <a:schemeClr val="accent1"/>
-              </a:fillRef>
-              <a:effectRef idx="0">
-                <a:schemeClr val="accent1"/>
-              </a:effectRef>
-              <a:fontRef idx="minor">
-                <a:schemeClr val="tx1"/>
-              </a:fontRef>
-            </p:style>
-          </p:cxnSp>
-          <p:sp>
-            <p:nvSpPr>
-              <p:cNvPr id="42" name="CaixaDeTexto 41">
-                <a:extLst>
-                  <a:ext uri="{FF2B5EF4-FFF2-40B4-BE49-F238E27FC236}">
-                    <a16:creationId xmlns:a16="http://schemas.microsoft.com/office/drawing/2014/main" id="{90689274-3CC2-CCB3-EB32-D329F87E6A94}"/>
-                  </a:ext>
-                </a:extLst>
-              </p:cNvPr>
-              <p:cNvSpPr txBox="1"/>
-              <p:nvPr/>
-            </p:nvSpPr>
-            <p:spPr>
-              <a:xfrm>
-                <a:off x="4124144" y="3698676"/>
-                <a:ext cx="1651758" cy="461665"/>
-              </a:xfrm>
-              <a:prstGeom prst="rect">
-                <a:avLst/>
-              </a:prstGeom>
-              <a:noFill/>
-            </p:spPr>
-            <p:txBody>
-              <a:bodyPr wrap="square" rtlCol="0">
-                <a:spAutoFit/>
-              </a:bodyPr>
-              <a:lstStyle/>
-              <a:p>
-                <a:pPr algn="ctr"/>
-                <a:r>
-                  <a:rPr lang="pt-BR" sz="1200" dirty="0"/>
-                  <a:t>Ajuste dos </a:t>
-                </a:r>
-                <a:r>
-                  <a:rPr lang="pt-BR" sz="1200" u="sng" dirty="0"/>
-                  <a:t>parâmetros</a:t>
-                </a:r>
-                <a:r>
-                  <a:rPr lang="pt-BR" sz="1200" dirty="0"/>
-                  <a:t> do modelo</a:t>
-                </a:r>
-              </a:p>
-            </p:txBody>
-          </p:sp>
-          <p:sp>
-            <p:nvSpPr>
-              <p:cNvPr id="43" name="Retângulo 42">
-                <a:extLst>
-                  <a:ext uri="{FF2B5EF4-FFF2-40B4-BE49-F238E27FC236}">
-                    <a16:creationId xmlns:a16="http://schemas.microsoft.com/office/drawing/2014/main" id="{25F2649C-D1F3-67D1-C75D-DC70648A591B}"/>
-                  </a:ext>
-                </a:extLst>
-              </p:cNvPr>
-              <p:cNvSpPr/>
-              <p:nvPr/>
-            </p:nvSpPr>
-            <p:spPr>
-              <a:xfrm>
-                <a:off x="3708815" y="2686164"/>
-                <a:ext cx="463575" cy="1935842"/>
-              </a:xfrm>
-              <a:prstGeom prst="rect">
-                <a:avLst/>
-              </a:prstGeom>
-              <a:solidFill>
-                <a:schemeClr val="accent1">
-                  <a:alpha val="41000"/>
-                </a:schemeClr>
-              </a:solidFill>
-              <a:ln>
-                <a:solidFill>
-                  <a:schemeClr val="accent1">
-                    <a:shade val="15000"/>
-                  </a:schemeClr>
-                </a:solidFill>
-              </a:ln>
-            </p:spPr>
-            <p:style>
-              <a:lnRef idx="2">
-                <a:schemeClr val="accent1">
-                  <a:shade val="15000"/>
-                </a:schemeClr>
-              </a:lnRef>
-              <a:fillRef idx="1">
-                <a:schemeClr val="accent1"/>
-              </a:fillRef>
-              <a:effectRef idx="0">
-                <a:schemeClr val="accent1"/>
-              </a:effectRef>
-              <a:fontRef idx="minor">
-                <a:schemeClr val="lt1"/>
-              </a:fontRef>
-            </p:style>
-            <p:txBody>
-              <a:bodyPr rtlCol="0" anchor="ctr"/>
-              <a:lstStyle/>
-              <a:p>
-                <a:pPr algn="ctr"/>
-                <a:endParaRPr lang="pt-BR"/>
-              </a:p>
-            </p:txBody>
-          </p:sp>
-          <p:sp>
-            <p:nvSpPr>
-              <p:cNvPr id="44" name="CaixaDeTexto 43">
-                <a:extLst>
-                  <a:ext uri="{FF2B5EF4-FFF2-40B4-BE49-F238E27FC236}">
-                    <a16:creationId xmlns:a16="http://schemas.microsoft.com/office/drawing/2014/main" id="{61C3341E-BBF3-2250-D583-40FD8AFA27C4}"/>
-                  </a:ext>
-                </a:extLst>
-              </p:cNvPr>
-              <p:cNvSpPr txBox="1"/>
-              <p:nvPr/>
-            </p:nvSpPr>
-            <p:spPr>
-              <a:xfrm>
-                <a:off x="3440214" y="4604287"/>
-                <a:ext cx="1047413" cy="461665"/>
-              </a:xfrm>
-              <a:prstGeom prst="rect">
-                <a:avLst/>
-              </a:prstGeom>
-              <a:noFill/>
-            </p:spPr>
-            <p:txBody>
-              <a:bodyPr wrap="square" rtlCol="0">
-                <a:spAutoFit/>
-              </a:bodyPr>
-              <a:lstStyle/>
-              <a:p>
-                <a:pPr algn="ctr"/>
-                <a:r>
-                  <a:rPr lang="pt-BR" sz="1200" dirty="0"/>
-                  <a:t>Conjunto de treinamento</a:t>
-                </a:r>
-              </a:p>
-            </p:txBody>
-          </p:sp>
-          <p:sp>
-            <p:nvSpPr>
-              <p:cNvPr id="45" name="CaixaDeTexto 44">
-                <a:extLst>
-                  <a:ext uri="{FF2B5EF4-FFF2-40B4-BE49-F238E27FC236}">
-                    <a16:creationId xmlns:a16="http://schemas.microsoft.com/office/drawing/2014/main" id="{519F3F38-E426-9C7C-11C3-F63B5B81CD5A}"/>
-                  </a:ext>
-                </a:extLst>
-              </p:cNvPr>
-              <p:cNvSpPr txBox="1"/>
-              <p:nvPr/>
-            </p:nvSpPr>
-            <p:spPr>
-              <a:xfrm>
-                <a:off x="5949953" y="3108346"/>
-                <a:ext cx="729489" cy="646331"/>
-              </a:xfrm>
-              <a:prstGeom prst="rect">
-                <a:avLst/>
-              </a:prstGeom>
-              <a:noFill/>
-            </p:spPr>
-            <p:txBody>
-              <a:bodyPr wrap="square" rtlCol="0">
-                <a:spAutoFit/>
-              </a:bodyPr>
-              <a:lstStyle/>
-              <a:p>
-                <a:pPr algn="ctr"/>
-                <a:r>
-                  <a:rPr lang="pt-BR" sz="1200" dirty="0"/>
-                  <a:t>Palpite</a:t>
-                </a:r>
-              </a:p>
-              <a:p>
-                <a:pPr algn="ctr"/>
-                <a:r>
-                  <a:rPr lang="pt-BR" sz="1200" dirty="0"/>
-                  <a:t>ou</a:t>
-                </a:r>
-              </a:p>
-              <a:p>
-                <a:pPr algn="ctr"/>
-                <a:r>
-                  <a:rPr lang="pt-BR" sz="1200" dirty="0"/>
-                  <a:t>predição</a:t>
-                </a:r>
-              </a:p>
-            </p:txBody>
-          </p:sp>
-          <p:sp>
-            <p:nvSpPr>
-              <p:cNvPr id="46" name="CaixaDeTexto 45">
-                <a:extLst>
-                  <a:ext uri="{FF2B5EF4-FFF2-40B4-BE49-F238E27FC236}">
-                    <a16:creationId xmlns:a16="http://schemas.microsoft.com/office/drawing/2014/main" id="{3AF0F960-6A54-E296-0586-ADA265EC57B1}"/>
-                  </a:ext>
-                </a:extLst>
-              </p:cNvPr>
-              <p:cNvSpPr txBox="1"/>
-              <p:nvPr/>
-            </p:nvSpPr>
-            <p:spPr>
-              <a:xfrm>
-                <a:off x="7824115" y="3099689"/>
-                <a:ext cx="454917" cy="276999"/>
-              </a:xfrm>
-              <a:prstGeom prst="rect">
-                <a:avLst/>
-              </a:prstGeom>
-              <a:noFill/>
-            </p:spPr>
-            <p:txBody>
-              <a:bodyPr wrap="square" rtlCol="0">
-                <a:spAutoFit/>
-              </a:bodyPr>
-              <a:lstStyle/>
-              <a:p>
-                <a:pPr algn="ctr"/>
-                <a:r>
-                  <a:rPr lang="pt-BR" sz="1200" dirty="0"/>
-                  <a:t>erro</a:t>
-                </a:r>
-              </a:p>
-            </p:txBody>
-          </p:sp>
-          <p:cxnSp>
-            <p:nvCxnSpPr>
-              <p:cNvPr id="47" name="Conector reto 46">
-                <a:extLst>
-                  <a:ext uri="{FF2B5EF4-FFF2-40B4-BE49-F238E27FC236}">
-                    <a16:creationId xmlns:a16="http://schemas.microsoft.com/office/drawing/2014/main" id="{FC0D49E1-FF80-9BF5-0027-2F35F364EA76}"/>
-                  </a:ext>
-                </a:extLst>
-              </p:cNvPr>
-              <p:cNvCxnSpPr/>
-              <p:nvPr/>
-            </p:nvCxnSpPr>
-            <p:spPr>
-              <a:xfrm flipH="1">
-                <a:off x="4733134" y="2034381"/>
-                <a:ext cx="1212396" cy="1743075"/>
-              </a:xfrm>
-              <a:prstGeom prst="line">
-                <a:avLst/>
-              </a:prstGeom>
-              <a:ln>
-                <a:prstDash val="dash"/>
-                <a:headEnd type="none" w="med" len="med"/>
-                <a:tailEnd type="triangle" w="med" len="med"/>
-              </a:ln>
-            </p:spPr>
-            <p:style>
-              <a:lnRef idx="1">
-                <a:schemeClr val="accent1"/>
-              </a:lnRef>
-              <a:fillRef idx="0">
-                <a:schemeClr val="accent1"/>
-              </a:fillRef>
-              <a:effectRef idx="0">
-                <a:schemeClr val="accent1"/>
-              </a:effectRef>
-              <a:fontRef idx="minor">
-                <a:schemeClr val="tx1"/>
-              </a:fontRef>
-            </p:style>
-          </p:cxnSp>
-        </p:grpSp>
-        <mc:AlternateContent xmlns:mc="http://schemas.openxmlformats.org/markup-compatibility/2006">
-          <mc:Choice xmlns:a14="http://schemas.microsoft.com/office/drawing/2010/main" Requires="a14">
-            <p:sp>
-              <p:nvSpPr>
-                <p:cNvPr id="22" name="Retângulo 21">
-                  <a:extLst>
-                    <a:ext uri="{FF2B5EF4-FFF2-40B4-BE49-F238E27FC236}">
-                      <a16:creationId xmlns:a16="http://schemas.microsoft.com/office/drawing/2014/main" id="{5A2505DD-6AF9-E411-4241-BE265FC09384}"/>
-                    </a:ext>
-                  </a:extLst>
-                </p:cNvPr>
-                <p:cNvSpPr/>
-                <p:nvPr/>
-              </p:nvSpPr>
-              <p:spPr>
-                <a:xfrm>
-                  <a:off x="2343971" y="3188740"/>
-                  <a:ext cx="1499087" cy="870491"/>
-                </a:xfrm>
-                <a:prstGeom prst="rect">
-                  <a:avLst/>
-                </a:prstGeom>
-                <a:noFill/>
-              </p:spPr>
-              <p:style>
-                <a:lnRef idx="2">
-                  <a:schemeClr val="accent1">
-                    <a:shade val="15000"/>
-                  </a:schemeClr>
-                </a:lnRef>
-                <a:fillRef idx="1">
-                  <a:schemeClr val="accent1"/>
-                </a:fillRef>
-                <a:effectRef idx="0">
-                  <a:schemeClr val="accent1"/>
-                </a:effectRef>
-                <a:fontRef idx="minor">
-                  <a:schemeClr val="lt1"/>
-                </a:fontRef>
-              </p:style>
-              <p:txBody>
-                <a:bodyPr rtlCol="0" anchor="ctr"/>
-                <a:lstStyle/>
-                <a:p>
-                  <a:pPr algn="ctr"/>
-                  <a14:m>
-                    <m:oMathPara xmlns:m="http://schemas.openxmlformats.org/officeDocument/2006/math">
-                      <m:oMathParaPr>
-                        <m:jc m:val="centerGroup"/>
-                      </m:oMathParaPr>
-                      <m:oMath xmlns:m="http://schemas.openxmlformats.org/officeDocument/2006/math">
-                        <m:acc>
-                          <m:accPr>
-                            <m:chr m:val="̂"/>
-                            <m:ctrlPr>
-                              <a:rPr lang="pt-BR" i="1" smtClean="0">
-                                <a:solidFill>
-                                  <a:schemeClr val="tx1"/>
-                                </a:solidFill>
-                                <a:latin typeface="Cambria Math" panose="02040503050406030204" pitchFamily="18" charset="0"/>
-                              </a:rPr>
-                            </m:ctrlPr>
-                          </m:accPr>
-                          <m:e>
-                            <m:r>
-                              <a:rPr lang="pt-BR" b="0" i="1" smtClean="0">
-                                <a:solidFill>
-                                  <a:schemeClr val="tx1"/>
-                                </a:solidFill>
-                                <a:latin typeface="Cambria Math" panose="02040503050406030204" pitchFamily="18" charset="0"/>
-                              </a:rPr>
-                              <m:t>𝑦</m:t>
-                            </m:r>
-                          </m:e>
-                        </m:acc>
-                        <m:r>
-                          <a:rPr lang="pt-BR" b="0" i="1" smtClean="0">
-                            <a:solidFill>
-                              <a:schemeClr val="tx1"/>
-                            </a:solidFill>
-                            <a:latin typeface="Cambria Math" panose="02040503050406030204" pitchFamily="18" charset="0"/>
-                          </a:rPr>
-                          <m:t>=</m:t>
-                        </m:r>
-                        <m:sSub>
-                          <m:sSubPr>
-                            <m:ctrlPr>
-                              <a:rPr lang="pt-BR" b="0" i="1" smtClean="0">
-                                <a:solidFill>
-                                  <a:schemeClr val="tx1"/>
-                                </a:solidFill>
-                                <a:latin typeface="Cambria Math" panose="02040503050406030204" pitchFamily="18" charset="0"/>
-                              </a:rPr>
-                            </m:ctrlPr>
-                          </m:sSubPr>
-                          <m:e>
-                            <m:r>
-                              <a:rPr lang="pt-BR" b="0" i="1" smtClean="0">
-                                <a:solidFill>
-                                  <a:schemeClr val="tx1"/>
-                                </a:solidFill>
-                                <a:latin typeface="Cambria Math" panose="02040503050406030204" pitchFamily="18" charset="0"/>
-                              </a:rPr>
-                              <m:t>𝑎</m:t>
-                            </m:r>
-                          </m:e>
-                          <m:sub>
-                            <m:r>
-                              <a:rPr lang="pt-BR" b="0" i="1" smtClean="0">
-                                <a:solidFill>
-                                  <a:schemeClr val="tx1"/>
-                                </a:solidFill>
-                                <a:latin typeface="Cambria Math" panose="02040503050406030204" pitchFamily="18" charset="0"/>
-                              </a:rPr>
-                              <m:t>0</m:t>
-                            </m:r>
-                          </m:sub>
-                        </m:sSub>
-                        <m:r>
-                          <a:rPr lang="pt-BR" b="0" i="1" smtClean="0">
-                            <a:solidFill>
-                              <a:schemeClr val="tx1"/>
-                            </a:solidFill>
-                            <a:latin typeface="Cambria Math" panose="02040503050406030204" pitchFamily="18" charset="0"/>
-                          </a:rPr>
-                          <m:t>+</m:t>
-                        </m:r>
-                        <m:sSub>
-                          <m:sSubPr>
-                            <m:ctrlPr>
-                              <a:rPr lang="pt-BR" b="0" i="1" smtClean="0">
-                                <a:solidFill>
-                                  <a:schemeClr val="tx1"/>
-                                </a:solidFill>
-                                <a:latin typeface="Cambria Math" panose="02040503050406030204" pitchFamily="18" charset="0"/>
-                              </a:rPr>
-                            </m:ctrlPr>
-                          </m:sSubPr>
-                          <m:e>
-                            <m:r>
-                              <a:rPr lang="pt-BR" b="0" i="1" smtClean="0">
-                                <a:solidFill>
-                                  <a:schemeClr val="tx1"/>
-                                </a:solidFill>
-                                <a:latin typeface="Cambria Math" panose="02040503050406030204" pitchFamily="18" charset="0"/>
-                              </a:rPr>
-                              <m:t>𝑎</m:t>
-                            </m:r>
-                          </m:e>
-                          <m:sub>
-                            <m:r>
-                              <a:rPr lang="pt-BR" b="0" i="1" smtClean="0">
-                                <a:solidFill>
-                                  <a:schemeClr val="tx1"/>
-                                </a:solidFill>
-                                <a:latin typeface="Cambria Math" panose="02040503050406030204" pitchFamily="18" charset="0"/>
-                              </a:rPr>
-                              <m:t>1</m:t>
-                            </m:r>
-                          </m:sub>
-                        </m:sSub>
-                        <m:r>
-                          <a:rPr lang="pt-BR" b="0" i="1" smtClean="0">
-                            <a:solidFill>
-                              <a:schemeClr val="tx1"/>
-                            </a:solidFill>
-                            <a:latin typeface="Cambria Math" panose="02040503050406030204" pitchFamily="18" charset="0"/>
-                          </a:rPr>
-                          <m:t>𝑥</m:t>
-                        </m:r>
-                      </m:oMath>
-                    </m:oMathPara>
-                  </a14:m>
-                  <a:endParaRPr lang="pt-BR" dirty="0">
-                    <a:solidFill>
-                      <a:schemeClr val="tx1"/>
-                    </a:solidFill>
-                  </a:endParaRPr>
-                </a:p>
-              </p:txBody>
-            </p:sp>
-          </mc:Choice>
-          <mc:Fallback>
-            <p:sp>
-              <p:nvSpPr>
-                <p:cNvPr id="22" name="Retângulo 21">
-                  <a:extLst>
-                    <a:ext uri="{FF2B5EF4-FFF2-40B4-BE49-F238E27FC236}">
-                      <a16:creationId xmlns:a16="http://schemas.microsoft.com/office/drawing/2014/main" id="{5A2505DD-6AF9-E411-4241-BE265FC09384}"/>
-                    </a:ext>
-                  </a:extLst>
-                </p:cNvPr>
-                <p:cNvSpPr>
-                  <a:spLocks noRot="1" noChangeAspect="1" noMove="1" noResize="1" noEditPoints="1" noAdjustHandles="1" noChangeArrowheads="1" noChangeShapeType="1" noTextEdit="1"/>
-                </p:cNvSpPr>
-                <p:nvPr/>
-              </p:nvSpPr>
-              <p:spPr>
-                <a:xfrm>
-                  <a:off x="2343971" y="3188740"/>
-                  <a:ext cx="1499087" cy="870491"/>
-                </a:xfrm>
-                <a:prstGeom prst="rect">
-                  <a:avLst/>
-                </a:prstGeom>
-                <a:blipFill>
-                  <a:blip r:embed="rId8"/>
-                  <a:stretch>
-                    <a:fillRect/>
-                  </a:stretch>
-                </a:blipFill>
-              </p:spPr>
-              <p:txBody>
-                <a:bodyPr/>
-                <a:lstStyle/>
-                <a:p>
-                  <a:r>
-                    <a:rPr lang="pt-BR">
-                      <a:noFill/>
-                    </a:rPr>
-                    <a:t> </a:t>
-                  </a:r>
-                </a:p>
-              </p:txBody>
-            </p:sp>
-          </mc:Fallback>
-        </mc:AlternateContent>
-        <p:sp>
-          <p:nvSpPr>
-            <p:cNvPr id="25" name="Retângulo 24">
-              <a:extLst>
-                <a:ext uri="{FF2B5EF4-FFF2-40B4-BE49-F238E27FC236}">
-                  <a16:creationId xmlns:a16="http://schemas.microsoft.com/office/drawing/2014/main" id="{590050C5-C1C9-2ED6-EF01-16F0876147A0}"/>
-                </a:ext>
-              </a:extLst>
-            </p:cNvPr>
-            <p:cNvSpPr/>
-            <p:nvPr/>
-          </p:nvSpPr>
-          <p:spPr>
-            <a:xfrm>
-              <a:off x="2828925" y="3540919"/>
-              <a:ext cx="270358" cy="230981"/>
-            </a:xfrm>
-            <a:prstGeom prst="rect">
-              <a:avLst/>
-            </a:prstGeom>
-            <a:noFill/>
-            <a:ln w="19050">
-              <a:solidFill>
-                <a:srgbClr val="FF0000"/>
-              </a:solidFill>
-            </a:ln>
-          </p:spPr>
-          <p:style>
-            <a:lnRef idx="2">
-              <a:schemeClr val="accent1">
-                <a:shade val="15000"/>
-              </a:schemeClr>
-            </a:lnRef>
-            <a:fillRef idx="1">
-              <a:schemeClr val="accent1"/>
-            </a:fillRef>
-            <a:effectRef idx="0">
-              <a:schemeClr val="accent1"/>
-            </a:effectRef>
-            <a:fontRef idx="minor">
-              <a:schemeClr val="lt1"/>
-            </a:fontRef>
-          </p:style>
-          <p:txBody>
-            <a:bodyPr rtlCol="0" anchor="ctr"/>
-            <a:lstStyle/>
-            <a:p>
-              <a:pPr algn="ctr"/>
-              <a:endParaRPr lang="pt-BR"/>
-            </a:p>
-          </p:txBody>
-        </p:sp>
-        <p:sp>
-          <p:nvSpPr>
-            <p:cNvPr id="26" name="Retângulo 25">
-              <a:extLst>
-                <a:ext uri="{FF2B5EF4-FFF2-40B4-BE49-F238E27FC236}">
-                  <a16:creationId xmlns:a16="http://schemas.microsoft.com/office/drawing/2014/main" id="{3410AA7F-EA70-00BA-E689-200898B757D2}"/>
-                </a:ext>
-              </a:extLst>
-            </p:cNvPr>
-            <p:cNvSpPr/>
-            <p:nvPr/>
-          </p:nvSpPr>
-          <p:spPr>
-            <a:xfrm>
-              <a:off x="3324661" y="3540919"/>
-              <a:ext cx="270358" cy="230981"/>
-            </a:xfrm>
-            <a:prstGeom prst="rect">
-              <a:avLst/>
-            </a:prstGeom>
-            <a:noFill/>
-            <a:ln w="19050">
-              <a:solidFill>
-                <a:srgbClr val="FF0000"/>
-              </a:solidFill>
-            </a:ln>
-          </p:spPr>
-          <p:style>
-            <a:lnRef idx="2">
-              <a:schemeClr val="accent1">
-                <a:shade val="15000"/>
-              </a:schemeClr>
-            </a:lnRef>
-            <a:fillRef idx="1">
-              <a:schemeClr val="accent1"/>
-            </a:fillRef>
-            <a:effectRef idx="0">
-              <a:schemeClr val="accent1"/>
-            </a:effectRef>
-            <a:fontRef idx="minor">
-              <a:schemeClr val="lt1"/>
-            </a:fontRef>
-          </p:style>
-          <p:txBody>
-            <a:bodyPr rtlCol="0" anchor="ctr"/>
-            <a:lstStyle/>
-            <a:p>
-              <a:pPr algn="ctr"/>
-              <a:endParaRPr lang="pt-BR"/>
-            </a:p>
-          </p:txBody>
-        </p:sp>
-        <p:cxnSp>
-          <p:nvCxnSpPr>
-            <p:cNvPr id="27" name="Conector de Seta Reta 26">
-              <a:extLst>
-                <a:ext uri="{FF2B5EF4-FFF2-40B4-BE49-F238E27FC236}">
-                  <a16:creationId xmlns:a16="http://schemas.microsoft.com/office/drawing/2014/main" id="{E10254BA-FA5D-CC36-D820-4FE1002B0965}"/>
-                </a:ext>
-              </a:extLst>
-            </p:cNvPr>
-            <p:cNvCxnSpPr>
-              <a:stCxn id="26" idx="2"/>
-            </p:cNvCxnSpPr>
-            <p:nvPr/>
-          </p:nvCxnSpPr>
-          <p:spPr>
-            <a:xfrm flipH="1">
-              <a:off x="3219731" y="3771900"/>
-              <a:ext cx="240109" cy="529538"/>
-            </a:xfrm>
-            <a:prstGeom prst="straightConnector1">
-              <a:avLst/>
-            </a:prstGeom>
-            <a:ln>
-              <a:solidFill>
-                <a:srgbClr val="FF0000"/>
-              </a:solidFill>
-              <a:tailEnd type="triangle"/>
-            </a:ln>
-          </p:spPr>
-          <p:style>
-            <a:lnRef idx="1">
-              <a:schemeClr val="accent1"/>
-            </a:lnRef>
-            <a:fillRef idx="0">
-              <a:schemeClr val="accent1"/>
-            </a:fillRef>
-            <a:effectRef idx="0">
-              <a:schemeClr val="accent1"/>
-            </a:effectRef>
-            <a:fontRef idx="minor">
-              <a:schemeClr val="tx1"/>
-            </a:fontRef>
-          </p:style>
-        </p:cxnSp>
-        <p:cxnSp>
-          <p:nvCxnSpPr>
-            <p:cNvPr id="29" name="Conector de Seta Reta 28">
-              <a:extLst>
-                <a:ext uri="{FF2B5EF4-FFF2-40B4-BE49-F238E27FC236}">
-                  <a16:creationId xmlns:a16="http://schemas.microsoft.com/office/drawing/2014/main" id="{A6C6E62B-83E0-9E3D-3857-6EA79B24D417}"/>
-                </a:ext>
-              </a:extLst>
-            </p:cNvPr>
-            <p:cNvCxnSpPr>
-              <a:stCxn id="25" idx="2"/>
-            </p:cNvCxnSpPr>
-            <p:nvPr/>
-          </p:nvCxnSpPr>
-          <p:spPr>
-            <a:xfrm>
-              <a:off x="2964104" y="3771900"/>
-              <a:ext cx="237794" cy="529538"/>
-            </a:xfrm>
-            <a:prstGeom prst="straightConnector1">
-              <a:avLst/>
-            </a:prstGeom>
-            <a:ln>
-              <a:solidFill>
-                <a:srgbClr val="FF0000"/>
-              </a:solidFill>
-              <a:tailEnd type="triangle"/>
-            </a:ln>
-          </p:spPr>
-          <p:style>
-            <a:lnRef idx="1">
-              <a:schemeClr val="accent1"/>
-            </a:lnRef>
-            <a:fillRef idx="0">
-              <a:schemeClr val="accent1"/>
-            </a:fillRef>
-            <a:effectRef idx="0">
-              <a:schemeClr val="accent1"/>
-            </a:effectRef>
-            <a:fontRef idx="minor">
-              <a:schemeClr val="tx1"/>
-            </a:fontRef>
-          </p:style>
-        </p:cxnSp>
-        <p:sp>
-          <p:nvSpPr>
-            <p:cNvPr id="33" name="CaixaDeTexto 32">
-              <a:extLst>
-                <a:ext uri="{FF2B5EF4-FFF2-40B4-BE49-F238E27FC236}">
-                  <a16:creationId xmlns:a16="http://schemas.microsoft.com/office/drawing/2014/main" id="{D8EE8F3B-807F-F9F1-CDC4-A16FE9FAABBE}"/>
-                </a:ext>
-              </a:extLst>
-            </p:cNvPr>
-            <p:cNvSpPr txBox="1"/>
-            <p:nvPr/>
-          </p:nvSpPr>
-          <p:spPr>
-            <a:xfrm>
-              <a:off x="2270990" y="2946533"/>
-              <a:ext cx="1115869" cy="276999"/>
-            </a:xfrm>
-            <a:prstGeom prst="rect">
-              <a:avLst/>
-            </a:prstGeom>
-            <a:noFill/>
-          </p:spPr>
-          <p:txBody>
-            <a:bodyPr wrap="square" rtlCol="0">
-              <a:spAutoFit/>
-            </a:bodyPr>
-            <a:lstStyle/>
-            <a:p>
-              <a:r>
-                <a:rPr lang="pt-BR" sz="1200" dirty="0"/>
-                <a:t>Modelo de ML</a:t>
-              </a:r>
-            </a:p>
-          </p:txBody>
-        </p:sp>
-      </p:grpSp>
-    </p:spTree>
-    <p:extLst>
-      <p:ext uri="{BB962C8B-B14F-4D97-AF65-F5344CB8AC3E}">
-        <p14:creationId xmlns:p14="http://schemas.microsoft.com/office/powerpoint/2010/main" val="2662001933"/>
-      </p:ext>
-    </p:extLst>
-  </p:cSld>
-  <p:clrMapOvr>
-    <a:masterClrMapping/>
-  </p:clrMapOvr>
-  <p:timing>
-    <p:tnLst>
-      <p:par>
-        <p:cTn id="1" dur="indefinite" restart="never" nodeType="tmRoot">
-          <p:childTnLst>
-            <p:seq concurrent="1" nextAc="seek">
-              <p:cTn id="2" dur="indefinite" nodeType="mainSeq">
-                <p:childTnLst>
-                  <p:par>
-                    <p:cTn id="3" fill="hold">
-                      <p:stCondLst>
-                        <p:cond delay="indefinite"/>
-                      </p:stCondLst>
-                      <p:childTnLst>
-                        <p:par>
-                          <p:cTn id="4" fill="hold">
-                            <p:stCondLst>
-                              <p:cond delay="0"/>
-                            </p:stCondLst>
-                            <p:childTnLst>
-                              <p:par>
-                                <p:cTn id="5" presetID="1" presetClass="mediacall" presetSubtype="0" fill="hold" nodeType="clickEffect">
-                                  <p:stCondLst>
-                                    <p:cond delay="0"/>
-                                  </p:stCondLst>
-                                  <p:childTnLst>
-                                    <p:cmd type="call" cmd="playFrom(0.0)">
-                                      <p:cBhvr>
-                                        <p:cTn id="6" dur="200000" fill="hold"/>
-                                        <p:tgtEl>
-                                          <p:spTgt spid="32"/>
-                                        </p:tgtEl>
-                                      </p:cBhvr>
-                                    </p:cmd>
-                                  </p:childTnLst>
-                                </p:cTn>
-                              </p:par>
-                            </p:childTnLst>
-                          </p:cTn>
-                        </p:par>
-                      </p:childTnLst>
-                    </p:cTn>
-                  </p:par>
-                </p:childTnLst>
-              </p:cTn>
-              <p:prevCondLst>
-                <p:cond evt="onPrev" delay="0">
-                  <p:tgtEl>
-                    <p:sldTgt/>
-                  </p:tgtEl>
-                </p:cond>
-              </p:prevCondLst>
-              <p:nextCondLst>
-                <p:cond evt="onNext" delay="0">
-                  <p:tgtEl>
-                    <p:sldTgt/>
-                  </p:tgtEl>
-                </p:cond>
-              </p:nextCondLst>
-            </p:seq>
-            <p:video>
-              <p:cMediaNode vol="80000">
-                <p:cTn id="7" fill="hold" display="0">
-                  <p:stCondLst>
-                    <p:cond delay="indefinite"/>
-                  </p:stCondLst>
-                </p:cTn>
-                <p:tgtEl>
-                  <p:spTgt spid="32"/>
-                </p:tgtEl>
-              </p:cMediaNode>
-            </p:video>
-            <p:seq concurrent="1" nextAc="seek">
-              <p:cTn id="8" restart="whenNotActive" fill="hold" evtFilter="cancelBubble" nodeType="interactiveSeq">
-                <p:stCondLst>
-                  <p:cond evt="onClick" delay="0">
-                    <p:tgtEl>
-                      <p:spTgt spid="32"/>
-                    </p:tgtEl>
-                  </p:cond>
-                </p:stCondLst>
-                <p:endSync evt="end" delay="0">
-                  <p:rtn val="all"/>
-                </p:endSync>
-                <p:childTnLst>
-                  <p:par>
-                    <p:cTn id="9" fill="hold">
-                      <p:stCondLst>
-                        <p:cond delay="0"/>
-                      </p:stCondLst>
-                      <p:childTnLst>
-                        <p:par>
-                          <p:cTn id="10" fill="hold">
-                            <p:stCondLst>
-                              <p:cond delay="0"/>
-                            </p:stCondLst>
-                            <p:childTnLst>
-                              <p:par>
-                                <p:cTn id="11" presetID="2" presetClass="mediacall" presetSubtype="0" fill="hold" nodeType="clickEffect">
-                                  <p:stCondLst>
-                                    <p:cond delay="0"/>
-                                  </p:stCondLst>
-                                  <p:childTnLst>
-                                    <p:cmd type="call" cmd="togglePause">
-                                      <p:cBhvr>
-                                        <p:cTn id="12" dur="1" fill="hold"/>
-                                        <p:tgtEl>
-                                          <p:spTgt spid="32"/>
-                                        </p:tgtEl>
-                                      </p:cBhvr>
-                                    </p:cmd>
-                                  </p:childTnLst>
-                                </p:cTn>
-                              </p:par>
-                            </p:childTnLst>
-                          </p:cTn>
-                        </p:par>
-                      </p:childTnLst>
-                    </p:cTn>
-                  </p:par>
-                </p:childTnLst>
-              </p:cTn>
-              <p:nextCondLst>
-                <p:cond evt="onClick" delay="0">
-                  <p:tgtEl>
-                    <p:spTgt spid="32"/>
-                  </p:tgtEl>
-                </p:cond>
-              </p:nextCondLst>
-            </p:seq>
-          </p:childTnLst>
-        </p:cTn>
-      </p:par>
-    </p:tnLst>
-  </p:timing>
-</p:sld>
-</file>
-
-<file path=ppt/slides/slide18.xml><?xml version="1.0" encoding="utf-8"?>
-<p:sld xmlns:a="http://schemas.openxmlformats.org/drawingml/2006/main" xmlns:r="http://schemas.openxmlformats.org/officeDocument/2006/relationships" xmlns:p="http://schemas.openxmlformats.org/presentationml/2006/main">
-  <p:cSld>
-    <p:spTree>
-      <p:nvGrpSpPr>
-        <p:cNvPr id="1" name=""/>
-        <p:cNvGrpSpPr/>
-        <p:nvPr/>
-      </p:nvGrpSpPr>
-      <p:grpSpPr>
-        <a:xfrm>
-          <a:off x="0" y="0"/>
-          <a:ext cx="0" cy="0"/>
-          <a:chOff x="0" y="0"/>
-          <a:chExt cx="0" cy="0"/>
-        </a:xfrm>
-      </p:grpSpPr>
-      <p:sp>
-        <p:nvSpPr>
-          <p:cNvPr id="2" name="Título 1">
-            <a:extLst>
-              <a:ext uri="{FF2B5EF4-FFF2-40B4-BE49-F238E27FC236}">
-                <a16:creationId xmlns:a16="http://schemas.microsoft.com/office/drawing/2014/main" id="{49A10830-7336-91D1-5499-0862C69FEE02}"/>
-              </a:ext>
-            </a:extLst>
-          </p:cNvPr>
-          <p:cNvSpPr>
-            <a:spLocks noGrp="1"/>
-          </p:cNvSpPr>
-          <p:nvPr>
-            <p:ph type="title"/>
-          </p:nvPr>
-        </p:nvSpPr>
-        <p:spPr/>
-        <p:txBody>
-          <a:bodyPr/>
-          <a:lstStyle/>
-          <a:p>
-            <a:r>
-              <a:rPr lang="pt-BR" dirty="0"/>
-              <a:t>Outras medidas de erro</a:t>
-            </a:r>
-          </a:p>
-        </p:txBody>
-      </p:sp>
-      <p:sp>
-        <p:nvSpPr>
-          <p:cNvPr id="3" name="Espaço Reservado para Conteúdo 2">
-            <a:extLst>
-              <a:ext uri="{FF2B5EF4-FFF2-40B4-BE49-F238E27FC236}">
-                <a16:creationId xmlns:a16="http://schemas.microsoft.com/office/drawing/2014/main" id="{996BF4C0-7E55-8111-D7D7-035EB9474E11}"/>
-              </a:ext>
-            </a:extLst>
-          </p:cNvPr>
-          <p:cNvSpPr>
-            <a:spLocks noGrp="1"/>
-          </p:cNvSpPr>
-          <p:nvPr>
-            <p:ph idx="1"/>
-          </p:nvPr>
-        </p:nvSpPr>
-        <p:spPr>
-          <a:xfrm>
-            <a:off x="6376829" y="1825625"/>
-            <a:ext cx="5674758" cy="4883400"/>
-          </a:xfrm>
-        </p:spPr>
-        <p:txBody>
-          <a:bodyPr/>
-          <a:lstStyle/>
-          <a:p>
-            <a:r>
-              <a:rPr lang="pt-BR" dirty="0"/>
-              <a:t>Além do EQM (</a:t>
-            </a:r>
-            <a:r>
-              <a:rPr lang="pt-BR" dirty="0" err="1"/>
-              <a:t>Mean</a:t>
-            </a:r>
-            <a:r>
-              <a:rPr lang="pt-BR" dirty="0"/>
-              <a:t> </a:t>
-            </a:r>
-            <a:r>
-              <a:rPr lang="pt-BR" dirty="0" err="1"/>
-              <a:t>Squared</a:t>
-            </a:r>
-            <a:r>
-              <a:rPr lang="pt-BR" dirty="0"/>
-              <a:t> </a:t>
-            </a:r>
-            <a:r>
-              <a:rPr lang="pt-BR" dirty="0" err="1"/>
-              <a:t>Error</a:t>
-            </a:r>
-            <a:r>
-              <a:rPr lang="pt-BR" dirty="0"/>
-              <a:t> – MSE), existem diversas outras métricas de erro que podemos usar</a:t>
-            </a:r>
-          </a:p>
-          <a:p>
-            <a:pPr lvl="1">
-              <a:buFont typeface="Wingdings" panose="05000000000000000000" pitchFamily="2" charset="2"/>
-              <a:buChar char="§"/>
-            </a:pPr>
-            <a:r>
-              <a:rPr lang="pt-BR" dirty="0"/>
-              <a:t>Raíz do Erro Quadrático Médio (Root </a:t>
-            </a:r>
-            <a:r>
-              <a:rPr lang="pt-BR" dirty="0" err="1"/>
-              <a:t>Mean</a:t>
-            </a:r>
-            <a:r>
-              <a:rPr lang="pt-BR" dirty="0"/>
-              <a:t> </a:t>
-            </a:r>
-            <a:r>
-              <a:rPr lang="pt-BR" dirty="0" err="1"/>
-              <a:t>Squared</a:t>
-            </a:r>
-            <a:r>
-              <a:rPr lang="pt-BR" dirty="0"/>
-              <a:t> </a:t>
-            </a:r>
-            <a:r>
-              <a:rPr lang="pt-BR" dirty="0" err="1"/>
-              <a:t>Error</a:t>
-            </a:r>
-            <a:r>
-              <a:rPr lang="pt-BR" dirty="0"/>
-              <a:t> – RMSE)</a:t>
-            </a:r>
-          </a:p>
-          <a:p>
-            <a:pPr lvl="1">
-              <a:buFont typeface="Wingdings" panose="05000000000000000000" pitchFamily="2" charset="2"/>
-              <a:buChar char="§"/>
-            </a:pPr>
-            <a:r>
-              <a:rPr lang="pt-BR" dirty="0"/>
-              <a:t>Erro Absoluto Média (</a:t>
-            </a:r>
-            <a:r>
-              <a:rPr lang="pt-BR" dirty="0" err="1"/>
-              <a:t>Mean</a:t>
-            </a:r>
-            <a:r>
-              <a:rPr lang="pt-BR" dirty="0"/>
-              <a:t> Absolute </a:t>
-            </a:r>
-            <a:r>
-              <a:rPr lang="pt-BR" dirty="0" err="1"/>
-              <a:t>Error</a:t>
-            </a:r>
-            <a:r>
-              <a:rPr lang="pt-BR" dirty="0"/>
-              <a:t> – MAE);</a:t>
-            </a:r>
-          </a:p>
-          <a:p>
-            <a:pPr lvl="1">
-              <a:buFont typeface="Wingdings" panose="05000000000000000000" pitchFamily="2" charset="2"/>
-              <a:buChar char="§"/>
-            </a:pPr>
-            <a:r>
-              <a:rPr lang="pt-BR" dirty="0"/>
-              <a:t>Entropia Cruzada (Cross-Entropia);</a:t>
-            </a:r>
-          </a:p>
-          <a:p>
-            <a:pPr lvl="1">
-              <a:buFont typeface="Wingdings" panose="05000000000000000000" pitchFamily="2" charset="2"/>
-              <a:buChar char="§"/>
-            </a:pPr>
-            <a:r>
-              <a:rPr lang="pt-BR" dirty="0"/>
-              <a:t>Etc.</a:t>
-            </a:r>
-          </a:p>
-        </p:txBody>
-      </p:sp>
-      <mc:AlternateContent xmlns:mc="http://schemas.openxmlformats.org/markup-compatibility/2006">
-        <mc:Choice xmlns:a14="http://schemas.microsoft.com/office/drawing/2010/main" Requires="a14">
-          <p:sp>
-            <p:nvSpPr>
-              <p:cNvPr id="4" name="CaixaDeTexto 3">
-                <a:extLst>
-                  <a:ext uri="{FF2B5EF4-FFF2-40B4-BE49-F238E27FC236}">
-                    <a16:creationId xmlns:a16="http://schemas.microsoft.com/office/drawing/2014/main" id="{912EE77C-6A3E-1677-40E5-D9887B8F1F1E}"/>
-                  </a:ext>
-                </a:extLst>
-              </p:cNvPr>
-              <p:cNvSpPr txBox="1"/>
-              <p:nvPr/>
-            </p:nvSpPr>
-            <p:spPr>
-              <a:xfrm>
-                <a:off x="838200" y="1513028"/>
-                <a:ext cx="3520374" cy="1130822"/>
+                <a:off x="1005901" y="4543755"/>
+                <a:ext cx="4076562" cy="2169312"/>
               </a:xfrm>
               <a:prstGeom prst="rect">
                 <a:avLst/>
@@ -13734,6 +12381,216 @@
                           </m:sSup>
                         </m:e>
                       </m:nary>
+                      <m:r>
+                        <a:rPr lang="pt-BR" sz="2400" b="0" i="1" smtClean="0">
+                          <a:latin typeface="Cambria Math" panose="02040503050406030204" pitchFamily="18" charset="0"/>
+                        </a:rPr>
+                        <m:t>=</m:t>
+                      </m:r>
+                      <m:f>
+                        <m:fPr>
+                          <m:ctrlPr>
+                            <a:rPr lang="pt-BR" sz="2400" i="1">
+                              <a:latin typeface="Cambria Math" panose="02040503050406030204" pitchFamily="18" charset="0"/>
+                            </a:rPr>
+                          </m:ctrlPr>
+                        </m:fPr>
+                        <m:num>
+                          <m:r>
+                            <a:rPr lang="pt-BR" sz="2400" i="1">
+                              <a:latin typeface="Cambria Math" panose="02040503050406030204" pitchFamily="18" charset="0"/>
+                            </a:rPr>
+                            <m:t>1</m:t>
+                          </m:r>
+                        </m:num>
+                        <m:den>
+                          <m:r>
+                            <a:rPr lang="pt-BR" sz="2400" i="1">
+                              <a:latin typeface="Cambria Math" panose="02040503050406030204" pitchFamily="18" charset="0"/>
+                            </a:rPr>
+                            <m:t>𝑁</m:t>
+                          </m:r>
+                        </m:den>
+                      </m:f>
+                      <m:nary>
+                        <m:naryPr>
+                          <m:chr m:val="∑"/>
+                          <m:ctrlPr>
+                            <a:rPr lang="pt-BR" sz="2400" i="1">
+                              <a:latin typeface="Cambria Math" panose="02040503050406030204" pitchFamily="18" charset="0"/>
+                            </a:rPr>
+                          </m:ctrlPr>
+                        </m:naryPr>
+                        <m:sub>
+                          <m:r>
+                            <m:rPr>
+                              <m:brk m:alnAt="23"/>
+                            </m:rPr>
+                            <a:rPr lang="pt-BR" sz="2400" i="1">
+                              <a:latin typeface="Cambria Math" panose="02040503050406030204" pitchFamily="18" charset="0"/>
+                            </a:rPr>
+                            <m:t>𝑛</m:t>
+                          </m:r>
+                          <m:r>
+                            <a:rPr lang="pt-BR" sz="2400" i="1">
+                              <a:latin typeface="Cambria Math" panose="02040503050406030204" pitchFamily="18" charset="0"/>
+                            </a:rPr>
+                            <m:t>=1</m:t>
+                          </m:r>
+                        </m:sub>
+                        <m:sup>
+                          <m:r>
+                            <a:rPr lang="pt-BR" sz="2400" i="1">
+                              <a:latin typeface="Cambria Math" panose="02040503050406030204" pitchFamily="18" charset="0"/>
+                            </a:rPr>
+                            <m:t>𝑁</m:t>
+                          </m:r>
+                        </m:sup>
+                        <m:e>
+                          <m:sSup>
+                            <m:sSupPr>
+                              <m:ctrlPr>
+                                <a:rPr lang="pt-BR" sz="2400" i="1">
+                                  <a:latin typeface="Cambria Math" panose="02040503050406030204" pitchFamily="18" charset="0"/>
+                                </a:rPr>
+                              </m:ctrlPr>
+                            </m:sSupPr>
+                            <m:e>
+                              <m:d>
+                                <m:dPr>
+                                  <m:ctrlPr>
+                                    <a:rPr lang="pt-BR" sz="2400" i="1">
+                                      <a:latin typeface="Cambria Math" panose="02040503050406030204" pitchFamily="18" charset="0"/>
+                                    </a:rPr>
+                                  </m:ctrlPr>
+                                </m:dPr>
+                                <m:e>
+                                  <m:sSub>
+                                    <m:sSubPr>
+                                      <m:ctrlPr>
+                                        <a:rPr lang="pt-BR" sz="2400" i="1">
+                                          <a:latin typeface="Cambria Math" panose="02040503050406030204" pitchFamily="18" charset="0"/>
+                                        </a:rPr>
+                                      </m:ctrlPr>
+                                    </m:sSubPr>
+                                    <m:e>
+                                      <m:sSub>
+                                        <m:sSubPr>
+                                          <m:ctrlPr>
+                                            <a:rPr lang="pt-BR" sz="2400" i="1">
+                                              <a:latin typeface="Cambria Math" panose="02040503050406030204" pitchFamily="18" charset="0"/>
+                                            </a:rPr>
+                                          </m:ctrlPr>
+                                        </m:sSubPr>
+                                        <m:e>
+                                          <m:r>
+                                            <a:rPr lang="pt-BR" sz="2400" i="1">
+                                              <a:latin typeface="Cambria Math" panose="02040503050406030204" pitchFamily="18" charset="0"/>
+                                            </a:rPr>
+                                            <m:t>𝑎</m:t>
+                                          </m:r>
+                                        </m:e>
+                                        <m:sub>
+                                          <m:r>
+                                            <a:rPr lang="pt-BR" sz="2400" i="1">
+                                              <a:latin typeface="Cambria Math" panose="02040503050406030204" pitchFamily="18" charset="0"/>
+                                            </a:rPr>
+                                            <m:t>0</m:t>
+                                          </m:r>
+                                        </m:sub>
+                                      </m:sSub>
+                                      <m:r>
+                                        <a:rPr lang="pt-BR" sz="2400" i="1">
+                                          <a:latin typeface="Cambria Math" panose="02040503050406030204" pitchFamily="18" charset="0"/>
+                                        </a:rPr>
+                                        <m:t>+</m:t>
+                                      </m:r>
+                                      <m:sSub>
+                                        <m:sSubPr>
+                                          <m:ctrlPr>
+                                            <a:rPr lang="pt-BR" sz="2400" i="1">
+                                              <a:latin typeface="Cambria Math" panose="02040503050406030204" pitchFamily="18" charset="0"/>
+                                            </a:rPr>
+                                          </m:ctrlPr>
+                                        </m:sSubPr>
+                                        <m:e>
+                                          <m:r>
+                                            <a:rPr lang="pt-BR" sz="2400" i="1">
+                                              <a:latin typeface="Cambria Math" panose="02040503050406030204" pitchFamily="18" charset="0"/>
+                                            </a:rPr>
+                                            <m:t>𝑎</m:t>
+                                          </m:r>
+                                        </m:e>
+                                        <m:sub>
+                                          <m:r>
+                                            <a:rPr lang="pt-BR" sz="2400" i="1">
+                                              <a:latin typeface="Cambria Math" panose="02040503050406030204" pitchFamily="18" charset="0"/>
+                                            </a:rPr>
+                                            <m:t>1</m:t>
+                                          </m:r>
+                                        </m:sub>
+                                      </m:sSub>
+                                      <m:r>
+                                        <a:rPr lang="pt-BR" sz="2400" b="0" i="1" smtClean="0">
+                                          <a:latin typeface="Cambria Math" panose="02040503050406030204" pitchFamily="18" charset="0"/>
+                                        </a:rPr>
+                                        <m:t>𝑥</m:t>
+                                      </m:r>
+                                    </m:e>
+                                    <m:sub>
+                                      <m:r>
+                                        <a:rPr lang="pt-BR" sz="2400" i="1">
+                                          <a:latin typeface="Cambria Math" panose="02040503050406030204" pitchFamily="18" charset="0"/>
+                                        </a:rPr>
+                                        <m:t>𝑛</m:t>
+                                      </m:r>
+                                    </m:sub>
+                                  </m:sSub>
+                                  <m:r>
+                                    <a:rPr lang="pt-BR" sz="2400" i="1">
+                                      <a:latin typeface="Cambria Math" panose="02040503050406030204" pitchFamily="18" charset="0"/>
+                                    </a:rPr>
+                                    <m:t>−</m:t>
+                                  </m:r>
+                                  <m:sSub>
+                                    <m:sSubPr>
+                                      <m:ctrlPr>
+                                        <a:rPr lang="pt-BR" sz="2400" i="1">
+                                          <a:latin typeface="Cambria Math" panose="02040503050406030204" pitchFamily="18" charset="0"/>
+                                        </a:rPr>
+                                      </m:ctrlPr>
+                                    </m:sSubPr>
+                                    <m:e>
+                                      <m:r>
+                                        <a:rPr lang="pt-BR" sz="2400" i="1">
+                                          <a:latin typeface="Cambria Math" panose="02040503050406030204" pitchFamily="18" charset="0"/>
+                                        </a:rPr>
+                                        <m:t>𝑦</m:t>
+                                      </m:r>
+                                    </m:e>
+                                    <m:sub>
+                                      <m:r>
+                                        <a:rPr lang="pt-BR" sz="2400" i="1">
+                                          <a:latin typeface="Cambria Math" panose="02040503050406030204" pitchFamily="18" charset="0"/>
+                                        </a:rPr>
+                                        <m:t>𝑛</m:t>
+                                      </m:r>
+                                    </m:sub>
+                                  </m:sSub>
+                                </m:e>
+                              </m:d>
+                            </m:e>
+                            <m:sup>
+                              <m:r>
+                                <a:rPr lang="pt-BR" sz="2400" i="1">
+                                  <a:latin typeface="Cambria Math" panose="02040503050406030204" pitchFamily="18" charset="0"/>
+                                </a:rPr>
+                                <m:t>2</m:t>
+                              </m:r>
+                            </m:sup>
+                          </m:sSup>
+                        </m:e>
+                      </m:nary>
                     </m:oMath>
                   </m:oMathPara>
                 </a14:m>
@@ -13745,10 +12602,10 @@
         <mc:Fallback>
           <p:sp>
             <p:nvSpPr>
-              <p:cNvPr id="4" name="CaixaDeTexto 3">
+              <p:cNvPr id="5" name="CaixaDeTexto 4">
                 <a:extLst>
                   <a:ext uri="{FF2B5EF4-FFF2-40B4-BE49-F238E27FC236}">
-                    <a16:creationId xmlns:a16="http://schemas.microsoft.com/office/drawing/2014/main" id="{912EE77C-6A3E-1677-40E5-D9887B8F1F1E}"/>
+                    <a16:creationId xmlns:a16="http://schemas.microsoft.com/office/drawing/2014/main" id="{1216EDDF-7D90-C480-7FCF-B750F15061E5}"/>
                   </a:ext>
                 </a:extLst>
               </p:cNvPr>
@@ -13759,14 +12616,14 @@
             </p:nvSpPr>
             <p:spPr>
               <a:xfrm>
-                <a:off x="838200" y="1513028"/>
-                <a:ext cx="3520374" cy="1130822"/>
+                <a:off x="1005901" y="4543755"/>
+                <a:ext cx="4076562" cy="2169312"/>
               </a:xfrm>
               <a:prstGeom prst="rect">
                 <a:avLst/>
               </a:prstGeom>
               <a:blipFill>
-                <a:blip r:embed="rId3"/>
+                <a:blip r:embed="rId2"/>
                 <a:stretch>
                   <a:fillRect/>
                 </a:stretch>
@@ -13787,570 +12644,426 @@
           </p:sp>
         </mc:Fallback>
       </mc:AlternateContent>
-      <mc:AlternateContent xmlns:mc="http://schemas.openxmlformats.org/markup-compatibility/2006">
-        <mc:Choice xmlns:a14="http://schemas.microsoft.com/office/drawing/2010/main" Requires="a14">
-          <p:sp>
-            <p:nvSpPr>
-              <p:cNvPr id="6" name="CaixaDeTexto 5">
-                <a:extLst>
-                  <a:ext uri="{FF2B5EF4-FFF2-40B4-BE49-F238E27FC236}">
-                    <a16:creationId xmlns:a16="http://schemas.microsoft.com/office/drawing/2014/main" id="{4F978C60-702A-3E84-6A73-7B615BC32415}"/>
-                  </a:ext>
-                </a:extLst>
-              </p:cNvPr>
-              <p:cNvSpPr txBox="1"/>
-              <p:nvPr/>
-            </p:nvSpPr>
-            <p:spPr>
-              <a:xfrm>
-                <a:off x="838201" y="4123565"/>
-                <a:ext cx="3520373" cy="1130822"/>
-              </a:xfrm>
-              <a:prstGeom prst="rect">
-                <a:avLst/>
-              </a:prstGeom>
-              <a:noFill/>
-            </p:spPr>
-            <p:txBody>
-              <a:bodyPr wrap="square" rtlCol="0">
-                <a:spAutoFit/>
-              </a:bodyPr>
-              <a:lstStyle/>
-              <a:p>
-                <a:pPr/>
-                <a14:m>
-                  <m:oMathPara xmlns:m="http://schemas.openxmlformats.org/officeDocument/2006/math">
-                    <m:oMathParaPr>
-                      <m:jc m:val="left"/>
-                    </m:oMathParaPr>
-                    <m:oMath xmlns:m="http://schemas.openxmlformats.org/officeDocument/2006/math">
-                      <m:r>
-                        <m:rPr>
-                          <m:sty m:val="p"/>
-                        </m:rPr>
-                        <a:rPr lang="pt-BR" sz="2400" b="0" i="0" smtClean="0">
-                          <a:latin typeface="Cambria Math" panose="02040503050406030204" pitchFamily="18" charset="0"/>
-                        </a:rPr>
-                        <m:t>MAE</m:t>
-                      </m:r>
-                      <m:r>
-                        <a:rPr lang="pt-BR" sz="2400" b="0" i="1" smtClean="0">
-                          <a:latin typeface="Cambria Math" panose="02040503050406030204" pitchFamily="18" charset="0"/>
-                        </a:rPr>
-                        <m:t>=</m:t>
-                      </m:r>
-                      <m:f>
-                        <m:fPr>
-                          <m:ctrlPr>
-                            <a:rPr lang="pt-BR" sz="2400" b="0" i="1" smtClean="0">
-                              <a:latin typeface="Cambria Math" panose="02040503050406030204" pitchFamily="18" charset="0"/>
-                            </a:rPr>
-                          </m:ctrlPr>
-                        </m:fPr>
-                        <m:num>
-                          <m:r>
-                            <a:rPr lang="pt-BR" sz="2400" b="0" i="1" smtClean="0">
-                              <a:latin typeface="Cambria Math" panose="02040503050406030204" pitchFamily="18" charset="0"/>
-                            </a:rPr>
-                            <m:t>1</m:t>
-                          </m:r>
-                        </m:num>
-                        <m:den>
-                          <m:r>
-                            <a:rPr lang="pt-BR" sz="2400" b="0" i="1" smtClean="0">
-                              <a:latin typeface="Cambria Math" panose="02040503050406030204" pitchFamily="18" charset="0"/>
-                            </a:rPr>
-                            <m:t>𝑁</m:t>
-                          </m:r>
-                        </m:den>
-                      </m:f>
-                      <m:nary>
-                        <m:naryPr>
-                          <m:chr m:val="∑"/>
-                          <m:ctrlPr>
-                            <a:rPr lang="pt-BR" sz="2400" b="0" i="1" smtClean="0">
-                              <a:latin typeface="Cambria Math" panose="02040503050406030204" pitchFamily="18" charset="0"/>
-                            </a:rPr>
-                          </m:ctrlPr>
-                        </m:naryPr>
-                        <m:sub>
-                          <m:r>
-                            <m:rPr>
-                              <m:brk m:alnAt="23"/>
-                            </m:rPr>
-                            <a:rPr lang="pt-BR" sz="2400" b="0" i="1" smtClean="0">
-                              <a:latin typeface="Cambria Math" panose="02040503050406030204" pitchFamily="18" charset="0"/>
-                            </a:rPr>
-                            <m:t>𝑛</m:t>
-                          </m:r>
-                          <m:r>
-                            <a:rPr lang="pt-BR" sz="2400" b="0" i="1" smtClean="0">
-                              <a:latin typeface="Cambria Math" panose="02040503050406030204" pitchFamily="18" charset="0"/>
-                            </a:rPr>
-                            <m:t>=1</m:t>
-                          </m:r>
-                        </m:sub>
-                        <m:sup>
-                          <m:r>
-                            <a:rPr lang="pt-BR" sz="2400" b="0" i="1" smtClean="0">
-                              <a:latin typeface="Cambria Math" panose="02040503050406030204" pitchFamily="18" charset="0"/>
-                            </a:rPr>
-                            <m:t>𝑁</m:t>
-                          </m:r>
-                        </m:sup>
-                        <m:e>
-                          <m:d>
-                            <m:dPr>
-                              <m:begChr m:val="|"/>
-                              <m:endChr m:val="|"/>
-                              <m:ctrlPr>
-                                <a:rPr lang="pt-BR" sz="2400" b="0" i="1" smtClean="0">
-                                  <a:latin typeface="Cambria Math" panose="02040503050406030204" pitchFamily="18" charset="0"/>
-                                </a:rPr>
-                              </m:ctrlPr>
-                            </m:dPr>
-                            <m:e>
-                              <m:sSub>
-                                <m:sSubPr>
-                                  <m:ctrlPr>
-                                    <a:rPr lang="pt-BR" sz="2400" i="1">
-                                      <a:latin typeface="Cambria Math" panose="02040503050406030204" pitchFamily="18" charset="0"/>
-                                    </a:rPr>
-                                  </m:ctrlPr>
-                                </m:sSubPr>
-                                <m:e>
-                                  <m:acc>
-                                    <m:accPr>
-                                      <m:chr m:val="̂"/>
-                                      <m:ctrlPr>
-                                        <a:rPr lang="pt-BR" sz="2400" i="1">
-                                          <a:latin typeface="Cambria Math" panose="02040503050406030204" pitchFamily="18" charset="0"/>
-                                        </a:rPr>
-                                      </m:ctrlPr>
-                                    </m:accPr>
-                                    <m:e>
-                                      <m:r>
-                                        <a:rPr lang="pt-BR" sz="2400" i="1">
-                                          <a:latin typeface="Cambria Math" panose="02040503050406030204" pitchFamily="18" charset="0"/>
-                                        </a:rPr>
-                                        <m:t>𝑦</m:t>
-                                      </m:r>
-                                    </m:e>
-                                  </m:acc>
-                                </m:e>
-                                <m:sub>
-                                  <m:r>
-                                    <a:rPr lang="pt-BR" sz="2400" i="1">
-                                      <a:latin typeface="Cambria Math" panose="02040503050406030204" pitchFamily="18" charset="0"/>
-                                    </a:rPr>
-                                    <m:t>𝑛</m:t>
-                                  </m:r>
-                                </m:sub>
-                              </m:sSub>
-                              <m:r>
-                                <a:rPr lang="pt-BR" sz="2400" i="1">
-                                  <a:latin typeface="Cambria Math" panose="02040503050406030204" pitchFamily="18" charset="0"/>
-                                </a:rPr>
-                                <m:t>−</m:t>
-                              </m:r>
-                              <m:sSub>
-                                <m:sSubPr>
-                                  <m:ctrlPr>
-                                    <a:rPr lang="pt-BR" sz="2400" i="1">
-                                      <a:latin typeface="Cambria Math" panose="02040503050406030204" pitchFamily="18" charset="0"/>
-                                    </a:rPr>
-                                  </m:ctrlPr>
-                                </m:sSubPr>
-                                <m:e>
-                                  <m:r>
-                                    <a:rPr lang="pt-BR" sz="2400" i="1">
-                                      <a:latin typeface="Cambria Math" panose="02040503050406030204" pitchFamily="18" charset="0"/>
-                                    </a:rPr>
-                                    <m:t>𝑦</m:t>
-                                  </m:r>
-                                </m:e>
-                                <m:sub>
-                                  <m:r>
-                                    <a:rPr lang="pt-BR" sz="2400" i="1">
-                                      <a:latin typeface="Cambria Math" panose="02040503050406030204" pitchFamily="18" charset="0"/>
-                                    </a:rPr>
-                                    <m:t>𝑛</m:t>
-                                  </m:r>
-                                </m:sub>
-                              </m:sSub>
-                            </m:e>
-                          </m:d>
-                        </m:e>
-                      </m:nary>
-                    </m:oMath>
-                  </m:oMathPara>
-                </a14:m>
-                <a:endParaRPr lang="pt-BR" sz="2400" dirty="0"/>
-              </a:p>
-            </p:txBody>
-          </p:sp>
-        </mc:Choice>
-        <mc:Fallback>
-          <p:sp>
-            <p:nvSpPr>
-              <p:cNvPr id="6" name="CaixaDeTexto 5">
-                <a:extLst>
-                  <a:ext uri="{FF2B5EF4-FFF2-40B4-BE49-F238E27FC236}">
-                    <a16:creationId xmlns:a16="http://schemas.microsoft.com/office/drawing/2014/main" id="{4F978C60-702A-3E84-6A73-7B615BC32415}"/>
-                  </a:ext>
-                </a:extLst>
-              </p:cNvPr>
-              <p:cNvSpPr txBox="1">
-                <a:spLocks noRot="1" noChangeAspect="1" noMove="1" noResize="1" noEditPoints="1" noAdjustHandles="1" noChangeArrowheads="1" noChangeShapeType="1" noTextEdit="1"/>
-              </p:cNvSpPr>
-              <p:nvPr/>
-            </p:nvSpPr>
-            <p:spPr>
-              <a:xfrm>
-                <a:off x="838201" y="4123565"/>
-                <a:ext cx="3520373" cy="1130822"/>
-              </a:xfrm>
-              <a:prstGeom prst="rect">
-                <a:avLst/>
-              </a:prstGeom>
-              <a:blipFill>
-                <a:blip r:embed="rId4"/>
-                <a:stretch>
-                  <a:fillRect/>
-                </a:stretch>
-              </a:blipFill>
-            </p:spPr>
-            <p:txBody>
-              <a:bodyPr/>
-              <a:lstStyle/>
-              <a:p>
-                <a:r>
-                  <a:rPr lang="pt-BR">
-                    <a:noFill/>
-                  </a:rPr>
-                  <a:t> </a:t>
-                </a:r>
-              </a:p>
-            </p:txBody>
-          </p:sp>
-        </mc:Fallback>
-      </mc:AlternateContent>
-      <mc:AlternateContent xmlns:mc="http://schemas.openxmlformats.org/markup-compatibility/2006">
-        <mc:Choice xmlns:a14="http://schemas.microsoft.com/office/drawing/2010/main" Requires="a14">
-          <p:sp>
-            <p:nvSpPr>
-              <p:cNvPr id="8" name="CaixaDeTexto 7">
-                <a:extLst>
-                  <a:ext uri="{FF2B5EF4-FFF2-40B4-BE49-F238E27FC236}">
-                    <a16:creationId xmlns:a16="http://schemas.microsoft.com/office/drawing/2014/main" id="{B2E122A9-38F7-3EDD-EB51-59C40B04209A}"/>
-                  </a:ext>
-                </a:extLst>
-              </p:cNvPr>
-              <p:cNvSpPr txBox="1"/>
-              <p:nvPr/>
-            </p:nvSpPr>
-            <p:spPr>
-              <a:xfrm>
-                <a:off x="838200" y="5296761"/>
-                <a:ext cx="4976973" cy="1130822"/>
-              </a:xfrm>
-              <a:prstGeom prst="rect">
-                <a:avLst/>
-              </a:prstGeom>
-              <a:noFill/>
-            </p:spPr>
-            <p:txBody>
-              <a:bodyPr wrap="square" rtlCol="0">
-                <a:spAutoFit/>
-              </a:bodyPr>
-              <a:lstStyle/>
-              <a:p>
-                <a:pPr/>
-                <a14:m>
-                  <m:oMathPara xmlns:m="http://schemas.openxmlformats.org/officeDocument/2006/math">
-                    <m:oMathParaPr>
-                      <m:jc m:val="left"/>
-                    </m:oMathParaPr>
-                    <m:oMath xmlns:m="http://schemas.openxmlformats.org/officeDocument/2006/math">
-                      <m:r>
-                        <m:rPr>
-                          <m:sty m:val="p"/>
-                        </m:rPr>
-                        <a:rPr lang="pt-BR" sz="2400" b="0" i="0" smtClean="0">
-                          <a:latin typeface="Cambria Math" panose="02040503050406030204" pitchFamily="18" charset="0"/>
-                        </a:rPr>
-                        <m:t>cross</m:t>
-                      </m:r>
-                      <m:r>
-                        <a:rPr lang="pt-BR" sz="2400" b="0" i="0" smtClean="0">
-                          <a:latin typeface="Cambria Math" panose="02040503050406030204" pitchFamily="18" charset="0"/>
-                        </a:rPr>
-                        <m:t> </m:t>
-                      </m:r>
-                      <m:r>
-                        <m:rPr>
-                          <m:sty m:val="p"/>
-                        </m:rPr>
-                        <a:rPr lang="pt-BR" sz="2400" b="0" i="0" smtClean="0">
-                          <a:latin typeface="Cambria Math" panose="02040503050406030204" pitchFamily="18" charset="0"/>
-                        </a:rPr>
-                        <m:t>entropy</m:t>
-                      </m:r>
-                      <m:r>
-                        <a:rPr lang="pt-BR" sz="2400" b="0" i="1" smtClean="0">
-                          <a:latin typeface="Cambria Math" panose="02040503050406030204" pitchFamily="18" charset="0"/>
-                        </a:rPr>
-                        <m:t>=−</m:t>
-                      </m:r>
-                      <m:f>
-                        <m:fPr>
-                          <m:ctrlPr>
-                            <a:rPr lang="pt-BR" sz="2400" b="0" i="1" smtClean="0">
-                              <a:latin typeface="Cambria Math" panose="02040503050406030204" pitchFamily="18" charset="0"/>
-                            </a:rPr>
-                          </m:ctrlPr>
-                        </m:fPr>
-                        <m:num>
-                          <m:r>
-                            <a:rPr lang="pt-BR" sz="2400" b="0" i="1" smtClean="0">
-                              <a:latin typeface="Cambria Math" panose="02040503050406030204" pitchFamily="18" charset="0"/>
-                            </a:rPr>
-                            <m:t>1</m:t>
-                          </m:r>
-                        </m:num>
-                        <m:den>
-                          <m:r>
-                            <a:rPr lang="pt-BR" sz="2400" b="0" i="1" smtClean="0">
-                              <a:latin typeface="Cambria Math" panose="02040503050406030204" pitchFamily="18" charset="0"/>
-                            </a:rPr>
-                            <m:t>𝑁</m:t>
-                          </m:r>
-                        </m:den>
-                      </m:f>
-                      <m:nary>
-                        <m:naryPr>
-                          <m:chr m:val="∑"/>
-                          <m:ctrlPr>
-                            <a:rPr lang="pt-BR" sz="2400" b="0" i="1" smtClean="0">
-                              <a:latin typeface="Cambria Math" panose="02040503050406030204" pitchFamily="18" charset="0"/>
-                            </a:rPr>
-                          </m:ctrlPr>
-                        </m:naryPr>
-                        <m:sub>
-                          <m:r>
-                            <m:rPr>
-                              <m:brk m:alnAt="23"/>
-                            </m:rPr>
-                            <a:rPr lang="pt-BR" sz="2400" b="0" i="1" smtClean="0">
-                              <a:latin typeface="Cambria Math" panose="02040503050406030204" pitchFamily="18" charset="0"/>
-                            </a:rPr>
-                            <m:t>𝑛</m:t>
-                          </m:r>
-                          <m:r>
-                            <a:rPr lang="pt-BR" sz="2400" b="0" i="1" smtClean="0">
-                              <a:latin typeface="Cambria Math" panose="02040503050406030204" pitchFamily="18" charset="0"/>
-                            </a:rPr>
-                            <m:t>=1</m:t>
-                          </m:r>
-                        </m:sub>
-                        <m:sup>
-                          <m:r>
-                            <a:rPr lang="pt-BR" sz="2400" b="0" i="1" smtClean="0">
-                              <a:latin typeface="Cambria Math" panose="02040503050406030204" pitchFamily="18" charset="0"/>
-                            </a:rPr>
-                            <m:t>𝑁</m:t>
-                          </m:r>
-                        </m:sup>
-                        <m:e>
-                          <m:sSub>
-                            <m:sSubPr>
-                              <m:ctrlPr>
-                                <a:rPr lang="pt-BR" sz="2400" b="0" i="1" smtClean="0">
-                                  <a:latin typeface="Cambria Math" panose="02040503050406030204" pitchFamily="18" charset="0"/>
-                                </a:rPr>
-                              </m:ctrlPr>
-                            </m:sSubPr>
-                            <m:e>
-                              <m:r>
-                                <a:rPr lang="pt-BR" sz="2400" b="0" i="1" smtClean="0">
-                                  <a:latin typeface="Cambria Math" panose="02040503050406030204" pitchFamily="18" charset="0"/>
-                                </a:rPr>
-                                <m:t>𝑦</m:t>
-                              </m:r>
-                            </m:e>
-                            <m:sub>
-                              <m:r>
-                                <a:rPr lang="pt-BR" sz="2400" b="0" i="1" smtClean="0">
-                                  <a:latin typeface="Cambria Math" panose="02040503050406030204" pitchFamily="18" charset="0"/>
-                                </a:rPr>
-                                <m:t>𝑛</m:t>
-                              </m:r>
-                            </m:sub>
-                          </m:sSub>
-                          <m:func>
-                            <m:funcPr>
-                              <m:ctrlPr>
-                                <a:rPr lang="pt-BR" sz="2400" b="0" i="1" smtClean="0">
-                                  <a:latin typeface="Cambria Math" panose="02040503050406030204" pitchFamily="18" charset="0"/>
-                                </a:rPr>
-                              </m:ctrlPr>
-                            </m:funcPr>
-                            <m:fName>
-                              <m:sSub>
-                                <m:sSubPr>
-                                  <m:ctrlPr>
-                                    <a:rPr lang="pt-BR" sz="2400" b="0" i="1" smtClean="0">
-                                      <a:latin typeface="Cambria Math" panose="02040503050406030204" pitchFamily="18" charset="0"/>
-                                    </a:rPr>
-                                  </m:ctrlPr>
-                                </m:sSubPr>
-                                <m:e>
-                                  <m:r>
-                                    <m:rPr>
-                                      <m:sty m:val="p"/>
-                                    </m:rPr>
-                                    <a:rPr lang="pt-BR" sz="2400" b="0" i="0" smtClean="0">
-                                      <a:latin typeface="Cambria Math" panose="02040503050406030204" pitchFamily="18" charset="0"/>
-                                    </a:rPr>
-                                    <m:t>log</m:t>
-                                  </m:r>
-                                </m:e>
-                                <m:sub>
-                                  <m:r>
-                                    <a:rPr lang="pt-BR" sz="2400" b="0" i="1" smtClean="0">
-                                      <a:latin typeface="Cambria Math" panose="02040503050406030204" pitchFamily="18" charset="0"/>
-                                    </a:rPr>
-                                    <m:t>𝑒</m:t>
-                                  </m:r>
-                                </m:sub>
-                              </m:sSub>
-                            </m:fName>
-                            <m:e>
-                              <m:d>
-                                <m:dPr>
-                                  <m:ctrlPr>
-                                    <a:rPr lang="pt-BR" sz="2400" b="0" i="1" smtClean="0">
-                                      <a:latin typeface="Cambria Math" panose="02040503050406030204" pitchFamily="18" charset="0"/>
-                                    </a:rPr>
-                                  </m:ctrlPr>
-                                </m:dPr>
-                                <m:e>
-                                  <m:sSub>
-                                    <m:sSubPr>
-                                      <m:ctrlPr>
-                                        <a:rPr lang="pt-BR" sz="2400" b="0" i="1" smtClean="0">
-                                          <a:latin typeface="Cambria Math" panose="02040503050406030204" pitchFamily="18" charset="0"/>
-                                        </a:rPr>
-                                      </m:ctrlPr>
-                                    </m:sSubPr>
-                                    <m:e>
-                                      <m:acc>
-                                        <m:accPr>
-                                          <m:chr m:val="̂"/>
-                                          <m:ctrlPr>
-                                            <a:rPr lang="pt-BR" sz="2400" b="0" i="1" smtClean="0">
-                                              <a:latin typeface="Cambria Math" panose="02040503050406030204" pitchFamily="18" charset="0"/>
-                                            </a:rPr>
-                                          </m:ctrlPr>
-                                        </m:accPr>
-                                        <m:e>
-                                          <m:r>
-                                            <a:rPr lang="pt-BR" sz="2400" b="0" i="1" smtClean="0">
-                                              <a:latin typeface="Cambria Math" panose="02040503050406030204" pitchFamily="18" charset="0"/>
-                                            </a:rPr>
-                                            <m:t>𝑦</m:t>
-                                          </m:r>
-                                        </m:e>
-                                      </m:acc>
-                                    </m:e>
-                                    <m:sub>
-                                      <m:r>
-                                        <a:rPr lang="pt-BR" sz="2400" b="0" i="1" smtClean="0">
-                                          <a:latin typeface="Cambria Math" panose="02040503050406030204" pitchFamily="18" charset="0"/>
-                                        </a:rPr>
-                                        <m:t>𝑛</m:t>
-                                      </m:r>
-                                    </m:sub>
-                                  </m:sSub>
-                                </m:e>
-                              </m:d>
-                            </m:e>
-                          </m:func>
-                        </m:e>
-                      </m:nary>
-                    </m:oMath>
-                  </m:oMathPara>
-                </a14:m>
-                <a:endParaRPr lang="pt-BR" sz="2400" dirty="0"/>
-              </a:p>
-            </p:txBody>
-          </p:sp>
-        </mc:Choice>
-        <mc:Fallback>
-          <p:sp>
-            <p:nvSpPr>
-              <p:cNvPr id="8" name="CaixaDeTexto 7">
-                <a:extLst>
-                  <a:ext uri="{FF2B5EF4-FFF2-40B4-BE49-F238E27FC236}">
-                    <a16:creationId xmlns:a16="http://schemas.microsoft.com/office/drawing/2014/main" id="{B2E122A9-38F7-3EDD-EB51-59C40B04209A}"/>
-                  </a:ext>
-                </a:extLst>
-              </p:cNvPr>
-              <p:cNvSpPr txBox="1">
-                <a:spLocks noRot="1" noChangeAspect="1" noMove="1" noResize="1" noEditPoints="1" noAdjustHandles="1" noChangeArrowheads="1" noChangeShapeType="1" noTextEdit="1"/>
-              </p:cNvSpPr>
-              <p:nvPr/>
-            </p:nvSpPr>
-            <p:spPr>
-              <a:xfrm>
-                <a:off x="838200" y="5296761"/>
-                <a:ext cx="4976973" cy="1130822"/>
-              </a:xfrm>
-              <a:prstGeom prst="rect">
-                <a:avLst/>
-              </a:prstGeom>
-              <a:blipFill>
-                <a:blip r:embed="rId5"/>
-                <a:stretch>
-                  <a:fillRect/>
-                </a:stretch>
-              </a:blipFill>
-            </p:spPr>
-            <p:txBody>
-              <a:bodyPr/>
-              <a:lstStyle/>
-              <a:p>
-                <a:r>
-                  <a:rPr lang="pt-BR">
-                    <a:noFill/>
-                  </a:rPr>
-                  <a:t> </a:t>
-                </a:r>
-              </a:p>
-            </p:txBody>
-          </p:sp>
-        </mc:Fallback>
-      </mc:AlternateContent>
-      <p:sp>
-        <p:nvSpPr>
-          <p:cNvPr id="10" name="Chave Direita 9">
+      <p:grpSp>
+        <p:nvGrpSpPr>
+          <p:cNvPr id="52" name="Agrupar 51">
             <a:extLst>
               <a:ext uri="{FF2B5EF4-FFF2-40B4-BE49-F238E27FC236}">
-                <a16:creationId xmlns:a16="http://schemas.microsoft.com/office/drawing/2014/main" id="{93847FBB-5EC0-2B17-E863-7E714B0F2822}"/>
+                <a16:creationId xmlns:a16="http://schemas.microsoft.com/office/drawing/2014/main" id="{63C76009-5703-CC01-34FD-DE7DD99C2CA6}"/>
               </a:ext>
             </a:extLst>
           </p:cNvPr>
-          <p:cNvSpPr/>
+          <p:cNvGrpSpPr/>
           <p:nvPr/>
-        </p:nvSpPr>
+        </p:nvGrpSpPr>
+        <p:grpSpPr>
+          <a:xfrm>
+            <a:off x="1592492" y="1393380"/>
+            <a:ext cx="3105077" cy="2844369"/>
+            <a:chOff x="1592492" y="1393380"/>
+            <a:chExt cx="3105077" cy="2844369"/>
+          </a:xfrm>
+        </p:grpSpPr>
+        <p:pic>
+          <p:nvPicPr>
+            <p:cNvPr id="1026" name="Picture 2" descr="Visualization for Function Optimization in Python -  MachineLearningMastery.com">
+              <a:extLst>
+                <a:ext uri="{FF2B5EF4-FFF2-40B4-BE49-F238E27FC236}">
+                  <a16:creationId xmlns:a16="http://schemas.microsoft.com/office/drawing/2014/main" id="{354FEEB6-6AE9-60CB-E499-CC164C6315C0}"/>
+                </a:ext>
+              </a:extLst>
+            </p:cNvPr>
+            <p:cNvPicPr>
+              <a:picLocks noChangeAspect="1" noChangeArrowheads="1"/>
+            </p:cNvPicPr>
+            <p:nvPr/>
+          </p:nvPicPr>
+          <p:blipFill rotWithShape="1">
+            <a:blip r:embed="rId3">
+              <a:extLst>
+                <a:ext uri="{28A0092B-C50C-407E-A947-70E740481C1C}">
+                  <a14:useLocalDpi xmlns:a14="http://schemas.microsoft.com/office/drawing/2010/main" val="0"/>
+                </a:ext>
+              </a:extLst>
+            </a:blip>
+            <a:srcRect l="25468" t="17228" r="16217" b="10711"/>
+            <a:stretch/>
+          </p:blipFill>
+          <p:spPr bwMode="auto">
+            <a:xfrm>
+              <a:off x="1592492" y="1393380"/>
+              <a:ext cx="3069081" cy="2844369"/>
+            </a:xfrm>
+            <a:prstGeom prst="rect">
+              <a:avLst/>
+            </a:prstGeom>
+            <a:noFill/>
+            <a:extLst>
+              <a:ext uri="{909E8E84-426E-40DD-AFC4-6F175D3DCCD1}">
+                <a14:hiddenFill xmlns:a14="http://schemas.microsoft.com/office/drawing/2010/main">
+                  <a:solidFill>
+                    <a:srgbClr val="FFFFFF"/>
+                  </a:solidFill>
+                </a14:hiddenFill>
+              </a:ext>
+            </a:extLst>
+          </p:spPr>
+        </p:pic>
+        <mc:AlternateContent xmlns:mc="http://schemas.openxmlformats.org/markup-compatibility/2006">
+          <mc:Choice xmlns:a14="http://schemas.microsoft.com/office/drawing/2010/main" Requires="a14">
+            <p:sp>
+              <p:nvSpPr>
+                <p:cNvPr id="32" name="CaixaDeTexto 31">
+                  <a:extLst>
+                    <a:ext uri="{FF2B5EF4-FFF2-40B4-BE49-F238E27FC236}">
+                      <a16:creationId xmlns:a16="http://schemas.microsoft.com/office/drawing/2014/main" id="{F8F56DFA-DA55-64BC-498E-89036B3ABB7B}"/>
+                    </a:ext>
+                  </a:extLst>
+                </p:cNvPr>
+                <p:cNvSpPr txBox="1"/>
+                <p:nvPr/>
+              </p:nvSpPr>
+              <p:spPr>
+                <a:xfrm>
+                  <a:off x="1980344" y="3868417"/>
+                  <a:ext cx="547099" cy="369332"/>
+                </a:xfrm>
+                <a:prstGeom prst="rect">
+                  <a:avLst/>
+                </a:prstGeom>
+                <a:noFill/>
+              </p:spPr>
+              <p:txBody>
+                <a:bodyPr wrap="square">
+                  <a:spAutoFit/>
+                </a:bodyPr>
+                <a:lstStyle/>
+                <a:p>
+                  <a:pPr/>
+                  <a14:m>
+                    <m:oMathPara xmlns:m="http://schemas.openxmlformats.org/officeDocument/2006/math">
+                      <m:oMathParaPr>
+                        <m:jc m:val="centerGroup"/>
+                      </m:oMathParaPr>
+                      <m:oMath xmlns:m="http://schemas.openxmlformats.org/officeDocument/2006/math">
+                        <m:sSub>
+                          <m:sSubPr>
+                            <m:ctrlPr>
+                              <a:rPr lang="pt-BR" sz="1800" i="1" smtClean="0">
+                                <a:latin typeface="Cambria Math" panose="02040503050406030204" pitchFamily="18" charset="0"/>
+                              </a:rPr>
+                            </m:ctrlPr>
+                          </m:sSubPr>
+                          <m:e>
+                            <m:r>
+                              <a:rPr lang="pt-BR" sz="1800" i="1">
+                                <a:latin typeface="Cambria Math" panose="02040503050406030204" pitchFamily="18" charset="0"/>
+                              </a:rPr>
+                              <m:t>𝑎</m:t>
+                            </m:r>
+                          </m:e>
+                          <m:sub>
+                            <m:r>
+                              <a:rPr lang="pt-BR" sz="1800" i="1">
+                                <a:latin typeface="Cambria Math" panose="02040503050406030204" pitchFamily="18" charset="0"/>
+                              </a:rPr>
+                              <m:t>0</m:t>
+                            </m:r>
+                          </m:sub>
+                        </m:sSub>
+                      </m:oMath>
+                    </m:oMathPara>
+                  </a14:m>
+                  <a:endParaRPr lang="pt-BR" dirty="0"/>
+                </a:p>
+              </p:txBody>
+            </p:sp>
+          </mc:Choice>
+          <mc:Fallback>
+            <p:sp>
+              <p:nvSpPr>
+                <p:cNvPr id="32" name="CaixaDeTexto 31">
+                  <a:extLst>
+                    <a:ext uri="{FF2B5EF4-FFF2-40B4-BE49-F238E27FC236}">
+                      <a16:creationId xmlns:a16="http://schemas.microsoft.com/office/drawing/2014/main" id="{F8F56DFA-DA55-64BC-498E-89036B3ABB7B}"/>
+                    </a:ext>
+                  </a:extLst>
+                </p:cNvPr>
+                <p:cNvSpPr txBox="1">
+                  <a:spLocks noRot="1" noChangeAspect="1" noMove="1" noResize="1" noEditPoints="1" noAdjustHandles="1" noChangeArrowheads="1" noChangeShapeType="1" noTextEdit="1"/>
+                </p:cNvSpPr>
+                <p:nvPr/>
+              </p:nvSpPr>
+              <p:spPr>
+                <a:xfrm>
+                  <a:off x="1980344" y="3868417"/>
+                  <a:ext cx="547099" cy="369332"/>
+                </a:xfrm>
+                <a:prstGeom prst="rect">
+                  <a:avLst/>
+                </a:prstGeom>
+                <a:blipFill>
+                  <a:blip r:embed="rId4"/>
+                  <a:stretch>
+                    <a:fillRect/>
+                  </a:stretch>
+                </a:blipFill>
+              </p:spPr>
+              <p:txBody>
+                <a:bodyPr/>
+                <a:lstStyle/>
+                <a:p>
+                  <a:r>
+                    <a:rPr lang="pt-BR">
+                      <a:noFill/>
+                    </a:rPr>
+                    <a:t> </a:t>
+                  </a:r>
+                </a:p>
+              </p:txBody>
+            </p:sp>
+          </mc:Fallback>
+        </mc:AlternateContent>
+        <mc:AlternateContent xmlns:mc="http://schemas.openxmlformats.org/markup-compatibility/2006">
+          <mc:Choice xmlns:a14="http://schemas.microsoft.com/office/drawing/2010/main" Requires="a14">
+            <p:sp>
+              <p:nvSpPr>
+                <p:cNvPr id="34" name="CaixaDeTexto 33">
+                  <a:extLst>
+                    <a:ext uri="{FF2B5EF4-FFF2-40B4-BE49-F238E27FC236}">
+                      <a16:creationId xmlns:a16="http://schemas.microsoft.com/office/drawing/2014/main" id="{0F41703A-C8C4-AC4F-DED1-A7688D7554D5}"/>
+                    </a:ext>
+                  </a:extLst>
+                </p:cNvPr>
+                <p:cNvSpPr txBox="1"/>
+                <p:nvPr/>
+              </p:nvSpPr>
+              <p:spPr>
+                <a:xfrm>
+                  <a:off x="4099817" y="3575675"/>
+                  <a:ext cx="423809" cy="369332"/>
+                </a:xfrm>
+                <a:prstGeom prst="rect">
+                  <a:avLst/>
+                </a:prstGeom>
+                <a:noFill/>
+              </p:spPr>
+              <p:txBody>
+                <a:bodyPr wrap="square">
+                  <a:spAutoFit/>
+                </a:bodyPr>
+                <a:lstStyle/>
+                <a:p>
+                  <a:pPr/>
+                  <a14:m>
+                    <m:oMathPara xmlns:m="http://schemas.openxmlformats.org/officeDocument/2006/math">
+                      <m:oMathParaPr>
+                        <m:jc m:val="centerGroup"/>
+                      </m:oMathParaPr>
+                      <m:oMath xmlns:m="http://schemas.openxmlformats.org/officeDocument/2006/math">
+                        <m:sSub>
+                          <m:sSubPr>
+                            <m:ctrlPr>
+                              <a:rPr lang="pt-BR" sz="1800" i="1" smtClean="0">
+                                <a:latin typeface="Cambria Math" panose="02040503050406030204" pitchFamily="18" charset="0"/>
+                              </a:rPr>
+                            </m:ctrlPr>
+                          </m:sSubPr>
+                          <m:e>
+                            <m:r>
+                              <a:rPr lang="pt-BR" sz="1800" i="1">
+                                <a:latin typeface="Cambria Math" panose="02040503050406030204" pitchFamily="18" charset="0"/>
+                              </a:rPr>
+                              <m:t>𝑎</m:t>
+                            </m:r>
+                          </m:e>
+                          <m:sub>
+                            <m:r>
+                              <a:rPr lang="pt-BR" sz="1800" i="1">
+                                <a:latin typeface="Cambria Math" panose="02040503050406030204" pitchFamily="18" charset="0"/>
+                              </a:rPr>
+                              <m:t>1</m:t>
+                            </m:r>
+                          </m:sub>
+                        </m:sSub>
+                      </m:oMath>
+                    </m:oMathPara>
+                  </a14:m>
+                  <a:endParaRPr lang="pt-BR" dirty="0"/>
+                </a:p>
+              </p:txBody>
+            </p:sp>
+          </mc:Choice>
+          <mc:Fallback>
+            <p:sp>
+              <p:nvSpPr>
+                <p:cNvPr id="34" name="CaixaDeTexto 33">
+                  <a:extLst>
+                    <a:ext uri="{FF2B5EF4-FFF2-40B4-BE49-F238E27FC236}">
+                      <a16:creationId xmlns:a16="http://schemas.microsoft.com/office/drawing/2014/main" id="{0F41703A-C8C4-AC4F-DED1-A7688D7554D5}"/>
+                    </a:ext>
+                  </a:extLst>
+                </p:cNvPr>
+                <p:cNvSpPr txBox="1">
+                  <a:spLocks noRot="1" noChangeAspect="1" noMove="1" noResize="1" noEditPoints="1" noAdjustHandles="1" noChangeArrowheads="1" noChangeShapeType="1" noTextEdit="1"/>
+                </p:cNvSpPr>
+                <p:nvPr/>
+              </p:nvSpPr>
+              <p:spPr>
+                <a:xfrm>
+                  <a:off x="4099817" y="3575675"/>
+                  <a:ext cx="423809" cy="369332"/>
+                </a:xfrm>
+                <a:prstGeom prst="rect">
+                  <a:avLst/>
+                </a:prstGeom>
+                <a:blipFill>
+                  <a:blip r:embed="rId5"/>
+                  <a:stretch>
+                    <a:fillRect/>
+                  </a:stretch>
+                </a:blipFill>
+              </p:spPr>
+              <p:txBody>
+                <a:bodyPr/>
+                <a:lstStyle/>
+                <a:p>
+                  <a:r>
+                    <a:rPr lang="pt-BR">
+                      <a:noFill/>
+                    </a:rPr>
+                    <a:t> </a:t>
+                  </a:r>
+                </a:p>
+              </p:txBody>
+            </p:sp>
+          </mc:Fallback>
+        </mc:AlternateContent>
+        <mc:AlternateContent xmlns:mc="http://schemas.openxmlformats.org/markup-compatibility/2006">
+          <mc:Choice xmlns:a14="http://schemas.microsoft.com/office/drawing/2010/main" Requires="a14">
+            <p:sp>
+              <p:nvSpPr>
+                <p:cNvPr id="37" name="CaixaDeTexto 36">
+                  <a:extLst>
+                    <a:ext uri="{FF2B5EF4-FFF2-40B4-BE49-F238E27FC236}">
+                      <a16:creationId xmlns:a16="http://schemas.microsoft.com/office/drawing/2014/main" id="{06ABD17C-2E15-0808-E956-FE4EEA39D288}"/>
+                    </a:ext>
+                  </a:extLst>
+                </p:cNvPr>
+                <p:cNvSpPr txBox="1"/>
+                <p:nvPr/>
+              </p:nvSpPr>
+              <p:spPr>
+                <a:xfrm>
+                  <a:off x="4140196" y="1456294"/>
+                  <a:ext cx="557373" cy="369332"/>
+                </a:xfrm>
+                <a:prstGeom prst="rect">
+                  <a:avLst/>
+                </a:prstGeom>
+                <a:noFill/>
+              </p:spPr>
+              <p:txBody>
+                <a:bodyPr wrap="square">
+                  <a:spAutoFit/>
+                </a:bodyPr>
+                <a:lstStyle/>
+                <a:p>
+                  <a:pPr/>
+                  <a14:m>
+                    <m:oMathPara xmlns:m="http://schemas.openxmlformats.org/officeDocument/2006/math">
+                      <m:oMathParaPr>
+                        <m:jc m:val="centerGroup"/>
+                      </m:oMathParaPr>
+                      <m:oMath xmlns:m="http://schemas.openxmlformats.org/officeDocument/2006/math">
+                        <m:r>
+                          <a:rPr lang="pt-BR" sz="1800" b="1" i="0" smtClean="0">
+                            <a:latin typeface="Cambria Math" panose="02040503050406030204" pitchFamily="18" charset="0"/>
+                          </a:rPr>
+                          <m:t>𝐌𝐒𝐄</m:t>
+                        </m:r>
+                      </m:oMath>
+                    </m:oMathPara>
+                  </a14:m>
+                  <a:endParaRPr lang="pt-BR" b="1" dirty="0"/>
+                </a:p>
+              </p:txBody>
+            </p:sp>
+          </mc:Choice>
+          <mc:Fallback>
+            <p:sp>
+              <p:nvSpPr>
+                <p:cNvPr id="37" name="CaixaDeTexto 36">
+                  <a:extLst>
+                    <a:ext uri="{FF2B5EF4-FFF2-40B4-BE49-F238E27FC236}">
+                      <a16:creationId xmlns:a16="http://schemas.microsoft.com/office/drawing/2014/main" id="{06ABD17C-2E15-0808-E956-FE4EEA39D288}"/>
+                    </a:ext>
+                  </a:extLst>
+                </p:cNvPr>
+                <p:cNvSpPr txBox="1">
+                  <a:spLocks noRot="1" noChangeAspect="1" noMove="1" noResize="1" noEditPoints="1" noAdjustHandles="1" noChangeArrowheads="1" noChangeShapeType="1" noTextEdit="1"/>
+                </p:cNvSpPr>
+                <p:nvPr/>
+              </p:nvSpPr>
+              <p:spPr>
+                <a:xfrm>
+                  <a:off x="4140196" y="1456294"/>
+                  <a:ext cx="557373" cy="369332"/>
+                </a:xfrm>
+                <a:prstGeom prst="rect">
+                  <a:avLst/>
+                </a:prstGeom>
+                <a:blipFill>
+                  <a:blip r:embed="rId6"/>
+                  <a:stretch>
+                    <a:fillRect r="-13043"/>
+                  </a:stretch>
+                </a:blipFill>
+              </p:spPr>
+              <p:txBody>
+                <a:bodyPr/>
+                <a:lstStyle/>
+                <a:p>
+                  <a:r>
+                    <a:rPr lang="pt-BR">
+                      <a:noFill/>
+                    </a:rPr>
+                    <a:t> </a:t>
+                  </a:r>
+                </a:p>
+              </p:txBody>
+            </p:sp>
+          </mc:Fallback>
+        </mc:AlternateContent>
+      </p:grpSp>
+      <p:cxnSp>
+        <p:nvCxnSpPr>
+          <p:cNvPr id="39" name="Conector de Seta Reta 38">
+            <a:extLst>
+              <a:ext uri="{FF2B5EF4-FFF2-40B4-BE49-F238E27FC236}">
+                <a16:creationId xmlns:a16="http://schemas.microsoft.com/office/drawing/2014/main" id="{4041F71A-DE1C-E129-7512-5E81C16C6EAB}"/>
+              </a:ext>
+            </a:extLst>
+          </p:cNvPr>
+          <p:cNvCxnSpPr>
+            <a:cxnSpLocks/>
+          </p:cNvCxnSpPr>
+          <p:nvPr/>
+        </p:nvCxnSpPr>
         <p:spPr>
-          <a:xfrm>
-            <a:off x="4560440" y="1513028"/>
-            <a:ext cx="310556" cy="3687625"/>
+          <a:xfrm flipH="1" flipV="1">
+            <a:off x="3016026" y="3318553"/>
+            <a:ext cx="497043" cy="1023261"/>
           </a:xfrm>
-          <a:prstGeom prst="rightBrace">
+          <a:prstGeom prst="straightConnector1">
             <a:avLst/>
           </a:prstGeom>
+          <a:ln>
+            <a:solidFill>
+              <a:srgbClr val="FF0000"/>
+            </a:solidFill>
+            <a:tailEnd type="triangle"/>
+          </a:ln>
         </p:spPr>
         <p:style>
           <a:lnRef idx="1">
@@ -14366,21 +13079,13 @@
             <a:schemeClr val="tx1"/>
           </a:fontRef>
         </p:style>
-        <p:txBody>
-          <a:bodyPr rtlCol="0" anchor="ctr"/>
-          <a:lstStyle/>
-          <a:p>
-            <a:pPr algn="ctr"/>
-            <a:endParaRPr lang="pt-BR"/>
-          </a:p>
-        </p:txBody>
-      </p:sp>
+      </p:cxnSp>
       <p:sp>
         <p:nvSpPr>
-          <p:cNvPr id="11" name="CaixaDeTexto 10">
+          <p:cNvPr id="43" name="CaixaDeTexto 42">
             <a:extLst>
               <a:ext uri="{FF2B5EF4-FFF2-40B4-BE49-F238E27FC236}">
-                <a16:creationId xmlns:a16="http://schemas.microsoft.com/office/drawing/2014/main" id="{6BADE38C-30AD-7CB9-1E21-F23E5394C2BF}"/>
+                <a16:creationId xmlns:a16="http://schemas.microsoft.com/office/drawing/2014/main" id="{95EC4D88-9E4F-5552-6DCF-99C121BF0426}"/>
               </a:ext>
             </a:extLst>
           </p:cNvPr>
@@ -14389,8 +13094,8 @@
         </p:nvSpPr>
         <p:spPr>
           <a:xfrm>
-            <a:off x="4870996" y="2756675"/>
-            <a:ext cx="1456599" cy="1200329"/>
+            <a:off x="2935287" y="4297726"/>
+            <a:ext cx="1483596" cy="307777"/>
           </a:xfrm>
           <a:prstGeom prst="rect">
             <a:avLst/>
@@ -14403,20 +13108,23 @@
           </a:bodyPr>
           <a:lstStyle/>
           <a:p>
-            <a:pPr algn="ctr"/>
-            <a:r>
-              <a:rPr lang="pt-BR" dirty="0"/>
-              <a:t>Usadas em problemas de aproximação de curvas</a:t>
+            <a:r>
+              <a:rPr lang="pt-BR" sz="1400" b="1" dirty="0">
+                <a:solidFill>
+                  <a:srgbClr val="00B0F0"/>
+                </a:solidFill>
+              </a:rPr>
+              <a:t>ponto de mínimo</a:t>
             </a:r>
           </a:p>
         </p:txBody>
       </p:sp>
       <p:sp>
         <p:nvSpPr>
-          <p:cNvPr id="12" name="Chave Direita 11">
+          <p:cNvPr id="44" name="Retângulo 43">
             <a:extLst>
               <a:ext uri="{FF2B5EF4-FFF2-40B4-BE49-F238E27FC236}">
-                <a16:creationId xmlns:a16="http://schemas.microsoft.com/office/drawing/2014/main" id="{188BC520-3A22-1304-CF44-585EBB62C79B}"/>
+                <a16:creationId xmlns:a16="http://schemas.microsoft.com/office/drawing/2014/main" id="{0E22BE30-DFAE-8B87-D83B-05B9B69080D4}"/>
               </a:ext>
             </a:extLst>
           </p:cNvPr>
@@ -14424,13 +13132,123 @@
           <p:nvPr/>
         </p:nvSpPr>
         <p:spPr>
-          <a:xfrm rot="5400000">
-            <a:off x="3171408" y="3920413"/>
-            <a:ext cx="310556" cy="4976973"/>
+          <a:xfrm>
+            <a:off x="2257425" y="6073775"/>
+            <a:ext cx="330200" cy="273050"/>
           </a:xfrm>
-          <a:prstGeom prst="rightBrace">
+          <a:prstGeom prst="rect">
             <a:avLst/>
           </a:prstGeom>
+          <a:noFill/>
+          <a:ln w="19050">
+            <a:solidFill>
+              <a:srgbClr val="FF0000"/>
+            </a:solidFill>
+          </a:ln>
+        </p:spPr>
+        <p:style>
+          <a:lnRef idx="2">
+            <a:schemeClr val="accent1">
+              <a:shade val="15000"/>
+            </a:schemeClr>
+          </a:lnRef>
+          <a:fillRef idx="1">
+            <a:schemeClr val="accent1"/>
+          </a:fillRef>
+          <a:effectRef idx="0">
+            <a:schemeClr val="accent1"/>
+          </a:effectRef>
+          <a:fontRef idx="minor">
+            <a:schemeClr val="lt1"/>
+          </a:fontRef>
+        </p:style>
+        <p:txBody>
+          <a:bodyPr rtlCol="0" anchor="ctr"/>
+          <a:lstStyle/>
+          <a:p>
+            <a:pPr algn="ctr"/>
+            <a:endParaRPr lang="pt-BR"/>
+          </a:p>
+        </p:txBody>
+      </p:sp>
+      <p:sp>
+        <p:nvSpPr>
+          <p:cNvPr id="45" name="Retângulo 44">
+            <a:extLst>
+              <a:ext uri="{FF2B5EF4-FFF2-40B4-BE49-F238E27FC236}">
+                <a16:creationId xmlns:a16="http://schemas.microsoft.com/office/drawing/2014/main" id="{BA16A255-C8A7-13E5-A987-B241E01F62BC}"/>
+              </a:ext>
+            </a:extLst>
+          </p:cNvPr>
+          <p:cNvSpPr/>
+          <p:nvPr/>
+        </p:nvSpPr>
+        <p:spPr>
+          <a:xfrm>
+            <a:off x="2901950" y="6073775"/>
+            <a:ext cx="330200" cy="273050"/>
+          </a:xfrm>
+          <a:prstGeom prst="rect">
+            <a:avLst/>
+          </a:prstGeom>
+          <a:noFill/>
+          <a:ln w="19050">
+            <a:solidFill>
+              <a:srgbClr val="FF0000"/>
+            </a:solidFill>
+          </a:ln>
+        </p:spPr>
+        <p:style>
+          <a:lnRef idx="2">
+            <a:schemeClr val="accent1">
+              <a:shade val="15000"/>
+            </a:schemeClr>
+          </a:lnRef>
+          <a:fillRef idx="1">
+            <a:schemeClr val="accent1"/>
+          </a:fillRef>
+          <a:effectRef idx="0">
+            <a:schemeClr val="accent1"/>
+          </a:effectRef>
+          <a:fontRef idx="minor">
+            <a:schemeClr val="lt1"/>
+          </a:fontRef>
+        </p:style>
+        <p:txBody>
+          <a:bodyPr rtlCol="0" anchor="ctr"/>
+          <a:lstStyle/>
+          <a:p>
+            <a:pPr algn="ctr"/>
+            <a:endParaRPr lang="pt-BR"/>
+          </a:p>
+        </p:txBody>
+      </p:sp>
+      <p:cxnSp>
+        <p:nvCxnSpPr>
+          <p:cNvPr id="47" name="Conector de Seta Reta 46">
+            <a:extLst>
+              <a:ext uri="{FF2B5EF4-FFF2-40B4-BE49-F238E27FC236}">
+                <a16:creationId xmlns:a16="http://schemas.microsoft.com/office/drawing/2014/main" id="{822D9EAD-1149-7FBE-C611-D40937DD1A9D}"/>
+              </a:ext>
+            </a:extLst>
+          </p:cNvPr>
+          <p:cNvCxnSpPr/>
+          <p:nvPr/>
+        </p:nvCxnSpPr>
+        <p:spPr>
+          <a:xfrm flipV="1">
+            <a:off x="2800350" y="4543755"/>
+            <a:ext cx="781050" cy="1530020"/>
+          </a:xfrm>
+          <a:prstGeom prst="straightConnector1">
+            <a:avLst/>
+          </a:prstGeom>
+          <a:ln>
+            <a:solidFill>
+              <a:srgbClr val="FF0000"/>
+            </a:solidFill>
+            <a:tailEnd type="triangle"/>
+          </a:ln>
         </p:spPr>
         <p:style>
           <a:lnRef idx="1">
@@ -14446,21 +13264,13 @@
             <a:schemeClr val="tx1"/>
           </a:fontRef>
         </p:style>
-        <p:txBody>
-          <a:bodyPr rtlCol="0" anchor="ctr"/>
-          <a:lstStyle/>
-          <a:p>
-            <a:pPr algn="ctr"/>
-            <a:endParaRPr lang="pt-BR"/>
-          </a:p>
-        </p:txBody>
-      </p:sp>
+      </p:cxnSp>
       <p:sp>
         <p:nvSpPr>
-          <p:cNvPr id="13" name="CaixaDeTexto 12">
+          <p:cNvPr id="48" name="CaixaDeTexto 47">
             <a:extLst>
               <a:ext uri="{FF2B5EF4-FFF2-40B4-BE49-F238E27FC236}">
-                <a16:creationId xmlns:a16="http://schemas.microsoft.com/office/drawing/2014/main" id="{51AFB85E-4781-4569-8ECE-CCDFAA667CDA}"/>
+                <a16:creationId xmlns:a16="http://schemas.microsoft.com/office/drawing/2014/main" id="{B9DE3902-824E-8DE4-4B5F-D95AEAF0C065}"/>
               </a:ext>
             </a:extLst>
           </p:cNvPr>
@@ -14469,8 +13279,8 @@
         </p:nvSpPr>
         <p:spPr>
           <a:xfrm>
-            <a:off x="838199" y="6452865"/>
-            <a:ext cx="4976974" cy="369332"/>
+            <a:off x="2587625" y="5604004"/>
+            <a:ext cx="695325" cy="523220"/>
           </a:xfrm>
           <a:prstGeom prst="rect">
             <a:avLst/>
@@ -14483,22 +13293,996 @@
           </a:bodyPr>
           <a:lstStyle/>
           <a:p>
-            <a:pPr algn="ctr"/>
-            <a:r>
-              <a:rPr lang="pt-BR" dirty="0"/>
-              <a:t>Usada em problemas de classificação</a:t>
-            </a:r>
+            <a:r>
+              <a:rPr lang="pt-BR" sz="2800" b="1" dirty="0">
+                <a:solidFill>
+                  <a:srgbClr val="FF0000"/>
+                </a:solidFill>
+              </a:rPr>
+              <a:t>?</a:t>
+            </a:r>
+            <a:endParaRPr lang="pt-BR" b="1" dirty="0">
+              <a:solidFill>
+                <a:srgbClr val="FF0000"/>
+              </a:solidFill>
+            </a:endParaRPr>
           </a:p>
         </p:txBody>
       </p:sp>
+    </p:spTree>
+    <p:extLst>
+      <p:ext uri="{BB962C8B-B14F-4D97-AF65-F5344CB8AC3E}">
+        <p14:creationId xmlns:p14="http://schemas.microsoft.com/office/powerpoint/2010/main" val="1504586581"/>
+      </p:ext>
+    </p:extLst>
+  </p:cSld>
+  <p:clrMapOvr>
+    <a:masterClrMapping/>
+  </p:clrMapOvr>
+</p:sld>
+</file>
+
+<file path=ppt/slides/slide17.xml><?xml version="1.0" encoding="utf-8"?>
+<p:sld xmlns:a="http://schemas.openxmlformats.org/drawingml/2006/main" xmlns:r="http://schemas.openxmlformats.org/officeDocument/2006/relationships" xmlns:p="http://schemas.openxmlformats.org/presentationml/2006/main">
+  <p:cSld>
+    <p:spTree>
+      <p:nvGrpSpPr>
+        <p:cNvPr id="1" name=""/>
+        <p:cNvGrpSpPr/>
+        <p:nvPr/>
+      </p:nvGrpSpPr>
+      <p:grpSpPr>
+        <a:xfrm>
+          <a:off x="0" y="0"/>
+          <a:ext cx="0" cy="0"/>
+          <a:chOff x="0" y="0"/>
+          <a:chExt cx="0" cy="0"/>
+        </a:xfrm>
+      </p:grpSpPr>
+      <p:sp>
+        <p:nvSpPr>
+          <p:cNvPr id="2" name="Título 1">
+            <a:extLst>
+              <a:ext uri="{FF2B5EF4-FFF2-40B4-BE49-F238E27FC236}">
+                <a16:creationId xmlns:a16="http://schemas.microsoft.com/office/drawing/2014/main" id="{ABEFD801-7E8D-0885-F1AD-8DAF6F77CEEE}"/>
+              </a:ext>
+            </a:extLst>
+          </p:cNvPr>
+          <p:cNvSpPr>
+            <a:spLocks noGrp="1"/>
+          </p:cNvSpPr>
+          <p:nvPr>
+            <p:ph type="title"/>
+          </p:nvPr>
+        </p:nvSpPr>
+        <p:spPr/>
+        <p:txBody>
+          <a:bodyPr/>
+          <a:lstStyle/>
+          <a:p>
+            <a:r>
+              <a:rPr lang="pt-BR" dirty="0"/>
+              <a:t>Otimização (treinamento) do modelo</a:t>
+            </a:r>
+          </a:p>
+        </p:txBody>
+      </p:sp>
+      <p:sp>
+        <p:nvSpPr>
+          <p:cNvPr id="3" name="Espaço Reservado para Conteúdo 2">
+            <a:extLst>
+              <a:ext uri="{FF2B5EF4-FFF2-40B4-BE49-F238E27FC236}">
+                <a16:creationId xmlns:a16="http://schemas.microsoft.com/office/drawing/2014/main" id="{9BA6276C-11C7-FBDF-9CC4-A84A195D7527}"/>
+              </a:ext>
+            </a:extLst>
+          </p:cNvPr>
+          <p:cNvSpPr>
+            <a:spLocks noGrp="1"/>
+          </p:cNvSpPr>
+          <p:nvPr>
+            <p:ph idx="1"/>
+          </p:nvPr>
+        </p:nvSpPr>
+        <p:spPr>
+          <a:xfrm>
+            <a:off x="5722706" y="1825625"/>
+            <a:ext cx="6240694" cy="5032376"/>
+          </a:xfrm>
+        </p:spPr>
+        <p:txBody>
+          <a:bodyPr>
+            <a:normAutofit/>
+          </a:bodyPr>
+          <a:lstStyle/>
+          <a:p>
+            <a:r>
+              <a:rPr lang="pt-BR" dirty="0"/>
+              <a:t>O processo que tem como objetivo minimizar o erro é chamado de </a:t>
+            </a:r>
+            <a:r>
+              <a:rPr lang="pt-BR" b="1" i="1" dirty="0"/>
+              <a:t>otimização</a:t>
+            </a:r>
+            <a:r>
+              <a:rPr lang="pt-BR" dirty="0"/>
+              <a:t> e, no contexto de ML, é conhecido como </a:t>
+            </a:r>
+            <a:r>
+              <a:rPr lang="pt-BR" b="1" i="1" dirty="0"/>
+              <a:t>treinamento do modelo</a:t>
+            </a:r>
+            <a:r>
+              <a:rPr lang="pt-BR" dirty="0"/>
+              <a:t>.</a:t>
+            </a:r>
+          </a:p>
+          <a:p>
+            <a:r>
+              <a:rPr lang="pt-BR" dirty="0"/>
+              <a:t>O treinamento/atualização do modelo se baseia em informação obtida a partir da função de erro.</a:t>
+            </a:r>
+          </a:p>
+          <a:p>
+            <a:r>
+              <a:rPr lang="pt-BR" dirty="0"/>
+              <a:t>Essa informação </a:t>
+            </a:r>
+            <a:r>
+              <a:rPr lang="pt-BR" b="1" i="1" dirty="0">
+                <a:solidFill>
+                  <a:srgbClr val="00B050"/>
+                </a:solidFill>
+              </a:rPr>
+              <a:t>aponta</a:t>
+            </a:r>
+            <a:r>
+              <a:rPr lang="pt-BR" dirty="0"/>
+              <a:t> </a:t>
+            </a:r>
+            <a:r>
+              <a:rPr lang="pt-BR" b="1" i="1" dirty="0">
+                <a:solidFill>
+                  <a:srgbClr val="00B050"/>
+                </a:solidFill>
+              </a:rPr>
+              <a:t>para a direção do ponto de mínimo </a:t>
+            </a:r>
+            <a:r>
+              <a:rPr lang="pt-BR" b="1" i="1" dirty="0"/>
+              <a:t>(i.e., conjunto de pesos ótimo)</a:t>
+            </a:r>
+            <a:r>
+              <a:rPr lang="pt-BR" dirty="0"/>
+              <a:t>.</a:t>
+            </a:r>
+          </a:p>
+        </p:txBody>
+      </p:sp>
+      <p:grpSp>
+        <p:nvGrpSpPr>
+          <p:cNvPr id="107" name="Agrupar 106">
+            <a:extLst>
+              <a:ext uri="{FF2B5EF4-FFF2-40B4-BE49-F238E27FC236}">
+                <a16:creationId xmlns:a16="http://schemas.microsoft.com/office/drawing/2014/main" id="{9F6194FB-F234-5221-2C40-FEA9956AEE0C}"/>
+              </a:ext>
+            </a:extLst>
+          </p:cNvPr>
+          <p:cNvGrpSpPr/>
+          <p:nvPr/>
+        </p:nvGrpSpPr>
+        <p:grpSpPr>
+          <a:xfrm>
+            <a:off x="725184" y="1825625"/>
+            <a:ext cx="4381189" cy="4083507"/>
+            <a:chOff x="447782" y="1825625"/>
+            <a:chExt cx="4381189" cy="4083507"/>
+          </a:xfrm>
+        </p:grpSpPr>
+        <p:grpSp>
+          <p:nvGrpSpPr>
+            <p:cNvPr id="25" name="Agrupar 24">
+              <a:extLst>
+                <a:ext uri="{FF2B5EF4-FFF2-40B4-BE49-F238E27FC236}">
+                  <a16:creationId xmlns:a16="http://schemas.microsoft.com/office/drawing/2014/main" id="{840F54E6-6D97-C31B-F9D8-19F2AA3CDBF5}"/>
+                </a:ext>
+              </a:extLst>
+            </p:cNvPr>
+            <p:cNvGrpSpPr/>
+            <p:nvPr/>
+          </p:nvGrpSpPr>
+          <p:grpSpPr>
+            <a:xfrm>
+              <a:off x="447782" y="1825625"/>
+              <a:ext cx="4381189" cy="3859236"/>
+              <a:chOff x="1592492" y="1393380"/>
+              <a:chExt cx="3155387" cy="2846768"/>
+            </a:xfrm>
+          </p:grpSpPr>
+          <p:pic>
+            <p:nvPicPr>
+              <p:cNvPr id="26" name="Picture 2" descr="Visualization for Function Optimization in Python -  MachineLearningMastery.com">
+                <a:extLst>
+                  <a:ext uri="{FF2B5EF4-FFF2-40B4-BE49-F238E27FC236}">
+                    <a16:creationId xmlns:a16="http://schemas.microsoft.com/office/drawing/2014/main" id="{374B63DB-288A-70B9-44EF-3580F40CCC05}"/>
+                  </a:ext>
+                </a:extLst>
+              </p:cNvPr>
+              <p:cNvPicPr>
+                <a:picLocks noChangeAspect="1" noChangeArrowheads="1"/>
+              </p:cNvPicPr>
+              <p:nvPr/>
+            </p:nvPicPr>
+            <p:blipFill rotWithShape="1">
+              <a:blip r:embed="rId2">
+                <a:extLst>
+                  <a:ext uri="{28A0092B-C50C-407E-A947-70E740481C1C}">
+                    <a14:useLocalDpi xmlns:a14="http://schemas.microsoft.com/office/drawing/2010/main" val="0"/>
+                  </a:ext>
+                </a:extLst>
+              </a:blip>
+              <a:srcRect l="25468" t="17228" r="16217" b="10711"/>
+              <a:stretch/>
+            </p:blipFill>
+            <p:spPr bwMode="auto">
+              <a:xfrm>
+                <a:off x="1592492" y="1393380"/>
+                <a:ext cx="3069081" cy="2844369"/>
+              </a:xfrm>
+              <a:prstGeom prst="rect">
+                <a:avLst/>
+              </a:prstGeom>
+              <a:noFill/>
+              <a:extLst>
+                <a:ext uri="{909E8E84-426E-40DD-AFC4-6F175D3DCCD1}">
+                  <a14:hiddenFill xmlns:a14="http://schemas.microsoft.com/office/drawing/2010/main">
+                    <a:solidFill>
+                      <a:srgbClr val="FFFFFF"/>
+                    </a:solidFill>
+                  </a14:hiddenFill>
+                </a:ext>
+              </a:extLst>
+            </p:spPr>
+          </p:pic>
+          <mc:AlternateContent xmlns:mc="http://schemas.openxmlformats.org/markup-compatibility/2006">
+            <mc:Choice xmlns:a14="http://schemas.microsoft.com/office/drawing/2010/main" Requires="a14">
+              <p:sp>
+                <p:nvSpPr>
+                  <p:cNvPr id="27" name="CaixaDeTexto 26">
+                    <a:extLst>
+                      <a:ext uri="{FF2B5EF4-FFF2-40B4-BE49-F238E27FC236}">
+                        <a16:creationId xmlns:a16="http://schemas.microsoft.com/office/drawing/2014/main" id="{00D42F04-97F1-C0EA-6B00-D0BD117CDEFF}"/>
+                      </a:ext>
+                    </a:extLst>
+                  </p:cNvPr>
+                  <p:cNvSpPr txBox="1"/>
+                  <p:nvPr/>
+                </p:nvSpPr>
+                <p:spPr>
+                  <a:xfrm>
+                    <a:off x="2025506" y="3945007"/>
+                    <a:ext cx="547099" cy="295141"/>
+                  </a:xfrm>
+                  <a:prstGeom prst="rect">
+                    <a:avLst/>
+                  </a:prstGeom>
+                  <a:noFill/>
+                </p:spPr>
+                <p:txBody>
+                  <a:bodyPr wrap="square">
+                    <a:spAutoFit/>
+                  </a:bodyPr>
+                  <a:lstStyle/>
+                  <a:p>
+                    <a:pPr/>
+                    <a14:m>
+                      <m:oMathPara xmlns:m="http://schemas.openxmlformats.org/officeDocument/2006/math">
+                        <m:oMathParaPr>
+                          <m:jc m:val="centerGroup"/>
+                        </m:oMathParaPr>
+                        <m:oMath xmlns:m="http://schemas.openxmlformats.org/officeDocument/2006/math">
+                          <m:sSub>
+                            <m:sSubPr>
+                              <m:ctrlPr>
+                                <a:rPr lang="pt-BR" sz="2000" i="1" smtClean="0">
+                                  <a:latin typeface="Cambria Math" panose="02040503050406030204" pitchFamily="18" charset="0"/>
+                                </a:rPr>
+                              </m:ctrlPr>
+                            </m:sSubPr>
+                            <m:e>
+                              <m:r>
+                                <a:rPr lang="pt-BR" sz="2000" i="1">
+                                  <a:latin typeface="Cambria Math" panose="02040503050406030204" pitchFamily="18" charset="0"/>
+                                </a:rPr>
+                                <m:t>𝑎</m:t>
+                              </m:r>
+                            </m:e>
+                            <m:sub>
+                              <m:r>
+                                <a:rPr lang="pt-BR" sz="2000" i="1">
+                                  <a:latin typeface="Cambria Math" panose="02040503050406030204" pitchFamily="18" charset="0"/>
+                                </a:rPr>
+                                <m:t>0</m:t>
+                              </m:r>
+                            </m:sub>
+                          </m:sSub>
+                        </m:oMath>
+                      </m:oMathPara>
+                    </a14:m>
+                    <a:endParaRPr lang="pt-BR" sz="2000" dirty="0"/>
+                  </a:p>
+                </p:txBody>
+              </p:sp>
+            </mc:Choice>
+            <mc:Fallback>
+              <p:sp>
+                <p:nvSpPr>
+                  <p:cNvPr id="27" name="CaixaDeTexto 26">
+                    <a:extLst>
+                      <a:ext uri="{FF2B5EF4-FFF2-40B4-BE49-F238E27FC236}">
+                        <a16:creationId xmlns:a16="http://schemas.microsoft.com/office/drawing/2014/main" id="{00D42F04-97F1-C0EA-6B00-D0BD117CDEFF}"/>
+                      </a:ext>
+                    </a:extLst>
+                  </p:cNvPr>
+                  <p:cNvSpPr txBox="1">
+                    <a:spLocks noRot="1" noChangeAspect="1" noMove="1" noResize="1" noEditPoints="1" noAdjustHandles="1" noChangeArrowheads="1" noChangeShapeType="1" noTextEdit="1"/>
+                  </p:cNvSpPr>
+                  <p:nvPr/>
+                </p:nvSpPr>
+                <p:spPr>
+                  <a:xfrm>
+                    <a:off x="2025506" y="3945007"/>
+                    <a:ext cx="547099" cy="295141"/>
+                  </a:xfrm>
+                  <a:prstGeom prst="rect">
+                    <a:avLst/>
+                  </a:prstGeom>
+                  <a:blipFill>
+                    <a:blip r:embed="rId3"/>
+                    <a:stretch>
+                      <a:fillRect/>
+                    </a:stretch>
+                  </a:blipFill>
+                </p:spPr>
+                <p:txBody>
+                  <a:bodyPr/>
+                  <a:lstStyle/>
+                  <a:p>
+                    <a:r>
+                      <a:rPr lang="pt-BR">
+                        <a:noFill/>
+                      </a:rPr>
+                      <a:t> </a:t>
+                    </a:r>
+                  </a:p>
+                </p:txBody>
+              </p:sp>
+            </mc:Fallback>
+          </mc:AlternateContent>
+          <mc:AlternateContent xmlns:mc="http://schemas.openxmlformats.org/markup-compatibility/2006">
+            <mc:Choice xmlns:a14="http://schemas.microsoft.com/office/drawing/2010/main" Requires="a14">
+              <p:sp>
+                <p:nvSpPr>
+                  <p:cNvPr id="29" name="CaixaDeTexto 28">
+                    <a:extLst>
+                      <a:ext uri="{FF2B5EF4-FFF2-40B4-BE49-F238E27FC236}">
+                        <a16:creationId xmlns:a16="http://schemas.microsoft.com/office/drawing/2014/main" id="{1FCA9EDF-24EB-6DAA-4AB3-9E76EE2FB342}"/>
+                      </a:ext>
+                    </a:extLst>
+                  </p:cNvPr>
+                  <p:cNvSpPr txBox="1"/>
+                  <p:nvPr/>
+                </p:nvSpPr>
+                <p:spPr>
+                  <a:xfrm>
+                    <a:off x="4099817" y="3575675"/>
+                    <a:ext cx="423809" cy="295141"/>
+                  </a:xfrm>
+                  <a:prstGeom prst="rect">
+                    <a:avLst/>
+                  </a:prstGeom>
+                  <a:noFill/>
+                </p:spPr>
+                <p:txBody>
+                  <a:bodyPr wrap="square">
+                    <a:spAutoFit/>
+                  </a:bodyPr>
+                  <a:lstStyle/>
+                  <a:p>
+                    <a:pPr/>
+                    <a14:m>
+                      <m:oMathPara xmlns:m="http://schemas.openxmlformats.org/officeDocument/2006/math">
+                        <m:oMathParaPr>
+                          <m:jc m:val="centerGroup"/>
+                        </m:oMathParaPr>
+                        <m:oMath xmlns:m="http://schemas.openxmlformats.org/officeDocument/2006/math">
+                          <m:sSub>
+                            <m:sSubPr>
+                              <m:ctrlPr>
+                                <a:rPr lang="pt-BR" sz="2000" i="1" smtClean="0">
+                                  <a:latin typeface="Cambria Math" panose="02040503050406030204" pitchFamily="18" charset="0"/>
+                                </a:rPr>
+                              </m:ctrlPr>
+                            </m:sSubPr>
+                            <m:e>
+                              <m:r>
+                                <a:rPr lang="pt-BR" sz="2000" i="1">
+                                  <a:latin typeface="Cambria Math" panose="02040503050406030204" pitchFamily="18" charset="0"/>
+                                </a:rPr>
+                                <m:t>𝑎</m:t>
+                              </m:r>
+                            </m:e>
+                            <m:sub>
+                              <m:r>
+                                <a:rPr lang="pt-BR" sz="2000" i="1">
+                                  <a:latin typeface="Cambria Math" panose="02040503050406030204" pitchFamily="18" charset="0"/>
+                                </a:rPr>
+                                <m:t>1</m:t>
+                              </m:r>
+                            </m:sub>
+                          </m:sSub>
+                        </m:oMath>
+                      </m:oMathPara>
+                    </a14:m>
+                    <a:endParaRPr lang="pt-BR" sz="2000" dirty="0"/>
+                  </a:p>
+                </p:txBody>
+              </p:sp>
+            </mc:Choice>
+            <mc:Fallback>
+              <p:sp>
+                <p:nvSpPr>
+                  <p:cNvPr id="29" name="CaixaDeTexto 28">
+                    <a:extLst>
+                      <a:ext uri="{FF2B5EF4-FFF2-40B4-BE49-F238E27FC236}">
+                        <a16:creationId xmlns:a16="http://schemas.microsoft.com/office/drawing/2014/main" id="{1FCA9EDF-24EB-6DAA-4AB3-9E76EE2FB342}"/>
+                      </a:ext>
+                    </a:extLst>
+                  </p:cNvPr>
+                  <p:cNvSpPr txBox="1">
+                    <a:spLocks noRot="1" noChangeAspect="1" noMove="1" noResize="1" noEditPoints="1" noAdjustHandles="1" noChangeArrowheads="1" noChangeShapeType="1" noTextEdit="1"/>
+                  </p:cNvSpPr>
+                  <p:nvPr/>
+                </p:nvSpPr>
+                <p:spPr>
+                  <a:xfrm>
+                    <a:off x="4099817" y="3575675"/>
+                    <a:ext cx="423809" cy="295141"/>
+                  </a:xfrm>
+                  <a:prstGeom prst="rect">
+                    <a:avLst/>
+                  </a:prstGeom>
+                  <a:blipFill>
+                    <a:blip r:embed="rId4"/>
+                    <a:stretch>
+                      <a:fillRect/>
+                    </a:stretch>
+                  </a:blipFill>
+                </p:spPr>
+                <p:txBody>
+                  <a:bodyPr/>
+                  <a:lstStyle/>
+                  <a:p>
+                    <a:r>
+                      <a:rPr lang="pt-BR">
+                        <a:noFill/>
+                      </a:rPr>
+                      <a:t> </a:t>
+                    </a:r>
+                  </a:p>
+                </p:txBody>
+              </p:sp>
+            </mc:Fallback>
+          </mc:AlternateContent>
+          <mc:AlternateContent xmlns:mc="http://schemas.openxmlformats.org/markup-compatibility/2006">
+            <mc:Choice xmlns:a14="http://schemas.microsoft.com/office/drawing/2010/main" Requires="a14">
+              <p:sp>
+                <p:nvSpPr>
+                  <p:cNvPr id="32" name="CaixaDeTexto 31">
+                    <a:extLst>
+                      <a:ext uri="{FF2B5EF4-FFF2-40B4-BE49-F238E27FC236}">
+                        <a16:creationId xmlns:a16="http://schemas.microsoft.com/office/drawing/2014/main" id="{5C41B175-64DA-79AF-4D15-C9A59E4443D8}"/>
+                      </a:ext>
+                    </a:extLst>
+                  </p:cNvPr>
+                  <p:cNvSpPr txBox="1"/>
+                  <p:nvPr/>
+                </p:nvSpPr>
+                <p:spPr>
+                  <a:xfrm>
+                    <a:off x="4190506" y="1542308"/>
+                    <a:ext cx="557373" cy="272438"/>
+                  </a:xfrm>
+                  <a:prstGeom prst="rect">
+                    <a:avLst/>
+                  </a:prstGeom>
+                  <a:noFill/>
+                </p:spPr>
+                <p:txBody>
+                  <a:bodyPr wrap="square">
+                    <a:spAutoFit/>
+                  </a:bodyPr>
+                  <a:lstStyle/>
+                  <a:p>
+                    <a:pPr/>
+                    <a14:m>
+                      <m:oMathPara xmlns:m="http://schemas.openxmlformats.org/officeDocument/2006/math">
+                        <m:oMathParaPr>
+                          <m:jc m:val="centerGroup"/>
+                        </m:oMathParaPr>
+                        <m:oMath xmlns:m="http://schemas.openxmlformats.org/officeDocument/2006/math">
+                          <m:r>
+                            <a:rPr lang="pt-BR" sz="1800" b="1" i="0" smtClean="0">
+                              <a:latin typeface="Cambria Math" panose="02040503050406030204" pitchFamily="18" charset="0"/>
+                            </a:rPr>
+                            <m:t>𝐌𝐒𝐄</m:t>
+                          </m:r>
+                        </m:oMath>
+                      </m:oMathPara>
+                    </a14:m>
+                    <a:endParaRPr lang="pt-BR" b="1" dirty="0"/>
+                  </a:p>
+                </p:txBody>
+              </p:sp>
+            </mc:Choice>
+            <mc:Fallback>
+              <p:sp>
+                <p:nvSpPr>
+                  <p:cNvPr id="32" name="CaixaDeTexto 31">
+                    <a:extLst>
+                      <a:ext uri="{FF2B5EF4-FFF2-40B4-BE49-F238E27FC236}">
+                        <a16:creationId xmlns:a16="http://schemas.microsoft.com/office/drawing/2014/main" id="{5C41B175-64DA-79AF-4D15-C9A59E4443D8}"/>
+                      </a:ext>
+                    </a:extLst>
+                  </p:cNvPr>
+                  <p:cNvSpPr txBox="1">
+                    <a:spLocks noRot="1" noChangeAspect="1" noMove="1" noResize="1" noEditPoints="1" noAdjustHandles="1" noChangeArrowheads="1" noChangeShapeType="1" noTextEdit="1"/>
+                  </p:cNvSpPr>
+                  <p:nvPr/>
+                </p:nvSpPr>
+                <p:spPr>
+                  <a:xfrm>
+                    <a:off x="4190506" y="1542308"/>
+                    <a:ext cx="557373" cy="272438"/>
+                  </a:xfrm>
+                  <a:prstGeom prst="rect">
+                    <a:avLst/>
+                  </a:prstGeom>
+                  <a:blipFill>
+                    <a:blip r:embed="rId5"/>
+                    <a:stretch>
+                      <a:fillRect/>
+                    </a:stretch>
+                  </a:blipFill>
+                </p:spPr>
+                <p:txBody>
+                  <a:bodyPr/>
+                  <a:lstStyle/>
+                  <a:p>
+                    <a:r>
+                      <a:rPr lang="pt-BR">
+                        <a:noFill/>
+                      </a:rPr>
+                      <a:t> </a:t>
+                    </a:r>
+                  </a:p>
+                </p:txBody>
+              </p:sp>
+            </mc:Fallback>
+          </mc:AlternateContent>
+        </p:grpSp>
+        <p:sp>
+          <p:nvSpPr>
+            <p:cNvPr id="33" name="Elipse 32">
+              <a:extLst>
+                <a:ext uri="{FF2B5EF4-FFF2-40B4-BE49-F238E27FC236}">
+                  <a16:creationId xmlns:a16="http://schemas.microsoft.com/office/drawing/2014/main" id="{ADFE79DF-D458-343A-A13D-98FD73B6A5F6}"/>
+                </a:ext>
+              </a:extLst>
+            </p:cNvPr>
+            <p:cNvSpPr>
+              <a:spLocks noChangeAspect="1"/>
+            </p:cNvSpPr>
+            <p:nvPr/>
+          </p:nvSpPr>
+          <p:spPr>
+            <a:xfrm>
+              <a:off x="1548001" y="3424885"/>
+              <a:ext cx="72000" cy="72000"/>
+            </a:xfrm>
+            <a:prstGeom prst="ellipse">
+              <a:avLst/>
+            </a:prstGeom>
+            <a:solidFill>
+              <a:srgbClr val="FF0000"/>
+            </a:solidFill>
+            <a:ln>
+              <a:solidFill>
+                <a:srgbClr val="FF0000"/>
+              </a:solidFill>
+            </a:ln>
+          </p:spPr>
+          <p:style>
+            <a:lnRef idx="2">
+              <a:schemeClr val="accent1">
+                <a:shade val="15000"/>
+              </a:schemeClr>
+            </a:lnRef>
+            <a:fillRef idx="1">
+              <a:schemeClr val="accent1"/>
+            </a:fillRef>
+            <a:effectRef idx="0">
+              <a:schemeClr val="accent1"/>
+            </a:effectRef>
+            <a:fontRef idx="minor">
+              <a:schemeClr val="lt1"/>
+            </a:fontRef>
+          </p:style>
+          <p:txBody>
+            <a:bodyPr rtlCol="0" anchor="ctr"/>
+            <a:lstStyle/>
+            <a:p>
+              <a:pPr algn="ctr"/>
+              <a:endParaRPr lang="pt-BR" dirty="0"/>
+            </a:p>
+          </p:txBody>
+        </p:sp>
+        <p:cxnSp>
+          <p:nvCxnSpPr>
+            <p:cNvPr id="36" name="Conector de Seta Reta 35">
+              <a:extLst>
+                <a:ext uri="{FF2B5EF4-FFF2-40B4-BE49-F238E27FC236}">
+                  <a16:creationId xmlns:a16="http://schemas.microsoft.com/office/drawing/2014/main" id="{C80ACF3A-3CFA-A0BC-CB05-D0ECA5FA14D5}"/>
+                </a:ext>
+              </a:extLst>
+            </p:cNvPr>
+            <p:cNvCxnSpPr>
+              <a:cxnSpLocks/>
+            </p:cNvCxnSpPr>
+            <p:nvPr/>
+          </p:nvCxnSpPr>
+          <p:spPr>
+            <a:xfrm>
+              <a:off x="1595006" y="3476156"/>
+              <a:ext cx="213643" cy="405255"/>
+            </a:xfrm>
+            <a:prstGeom prst="straightConnector1">
+              <a:avLst/>
+            </a:prstGeom>
+            <a:ln>
+              <a:solidFill>
+                <a:srgbClr val="FF0000"/>
+              </a:solidFill>
+              <a:tailEnd type="triangle"/>
+            </a:ln>
+          </p:spPr>
+          <p:style>
+            <a:lnRef idx="1">
+              <a:schemeClr val="accent1"/>
+            </a:lnRef>
+            <a:fillRef idx="0">
+              <a:schemeClr val="accent1"/>
+            </a:fillRef>
+            <a:effectRef idx="0">
+              <a:schemeClr val="accent1"/>
+            </a:effectRef>
+            <a:fontRef idx="minor">
+              <a:schemeClr val="tx1"/>
+            </a:fontRef>
+          </p:style>
+        </p:cxnSp>
+        <p:cxnSp>
+          <p:nvCxnSpPr>
+            <p:cNvPr id="41" name="Conector reto 40">
+              <a:extLst>
+                <a:ext uri="{FF2B5EF4-FFF2-40B4-BE49-F238E27FC236}">
+                  <a16:creationId xmlns:a16="http://schemas.microsoft.com/office/drawing/2014/main" id="{E4FB3ED5-CBA0-424D-0693-7F2E0B11F067}"/>
+                </a:ext>
+              </a:extLst>
+            </p:cNvPr>
+            <p:cNvCxnSpPr>
+              <a:cxnSpLocks/>
+              <a:endCxn id="33" idx="4"/>
+            </p:cNvCxnSpPr>
+            <p:nvPr/>
+          </p:nvCxnSpPr>
+          <p:spPr>
+            <a:xfrm flipH="1" flipV="1">
+              <a:off x="1584001" y="3496885"/>
+              <a:ext cx="11005" cy="464868"/>
+            </a:xfrm>
+            <a:prstGeom prst="line">
+              <a:avLst/>
+            </a:prstGeom>
+            <a:ln w="19050">
+              <a:solidFill>
+                <a:schemeClr val="tx1"/>
+              </a:solidFill>
+              <a:prstDash val="sysDash"/>
+            </a:ln>
+          </p:spPr>
+          <p:style>
+            <a:lnRef idx="1">
+              <a:schemeClr val="accent1"/>
+            </a:lnRef>
+            <a:fillRef idx="0">
+              <a:schemeClr val="accent1"/>
+            </a:fillRef>
+            <a:effectRef idx="0">
+              <a:schemeClr val="accent1"/>
+            </a:effectRef>
+            <a:fontRef idx="minor">
+              <a:schemeClr val="tx1"/>
+            </a:fontRef>
+          </p:style>
+        </p:cxnSp>
+        <p:cxnSp>
+          <p:nvCxnSpPr>
+            <p:cNvPr id="47" name="Conector reto 46">
+              <a:extLst>
+                <a:ext uri="{FF2B5EF4-FFF2-40B4-BE49-F238E27FC236}">
+                  <a16:creationId xmlns:a16="http://schemas.microsoft.com/office/drawing/2014/main" id="{60709E57-1952-D602-5A8C-33759AF63ECF}"/>
+                </a:ext>
+              </a:extLst>
+            </p:cNvPr>
+            <p:cNvCxnSpPr>
+              <a:cxnSpLocks/>
+            </p:cNvCxnSpPr>
+            <p:nvPr/>
+          </p:nvCxnSpPr>
+          <p:spPr>
+            <a:xfrm flipH="1" flipV="1">
+              <a:off x="2644775" y="4469673"/>
+              <a:ext cx="931863" cy="278540"/>
+            </a:xfrm>
+            <a:prstGeom prst="line">
+              <a:avLst/>
+            </a:prstGeom>
+            <a:ln w="19050">
+              <a:solidFill>
+                <a:schemeClr val="tx1"/>
+              </a:solidFill>
+              <a:prstDash val="sysDash"/>
+            </a:ln>
+          </p:spPr>
+          <p:style>
+            <a:lnRef idx="1">
+              <a:schemeClr val="accent1"/>
+            </a:lnRef>
+            <a:fillRef idx="0">
+              <a:schemeClr val="accent1"/>
+            </a:fillRef>
+            <a:effectRef idx="0">
+              <a:schemeClr val="accent1"/>
+            </a:effectRef>
+            <a:fontRef idx="minor">
+              <a:schemeClr val="tx1"/>
+            </a:fontRef>
+          </p:style>
+        </p:cxnSp>
+        <p:cxnSp>
+          <p:nvCxnSpPr>
+            <p:cNvPr id="55" name="Conector reto 54">
+              <a:extLst>
+                <a:ext uri="{FF2B5EF4-FFF2-40B4-BE49-F238E27FC236}">
+                  <a16:creationId xmlns:a16="http://schemas.microsoft.com/office/drawing/2014/main" id="{70469046-E645-754E-8DAB-C5843FA2CA4C}"/>
+                </a:ext>
+              </a:extLst>
+            </p:cNvPr>
+            <p:cNvCxnSpPr>
+              <a:cxnSpLocks/>
+            </p:cNvCxnSpPr>
+            <p:nvPr/>
+          </p:nvCxnSpPr>
+          <p:spPr>
+            <a:xfrm flipH="1">
+              <a:off x="857476" y="4155281"/>
+              <a:ext cx="737530" cy="628784"/>
+            </a:xfrm>
+            <a:prstGeom prst="line">
+              <a:avLst/>
+            </a:prstGeom>
+            <a:ln w="19050">
+              <a:solidFill>
+                <a:schemeClr val="tx1"/>
+              </a:solidFill>
+              <a:prstDash val="sysDash"/>
+            </a:ln>
+          </p:spPr>
+          <p:style>
+            <a:lnRef idx="1">
+              <a:schemeClr val="accent1"/>
+            </a:lnRef>
+            <a:fillRef idx="0">
+              <a:schemeClr val="accent1"/>
+            </a:fillRef>
+            <a:effectRef idx="0">
+              <a:schemeClr val="accent1"/>
+            </a:effectRef>
+            <a:fontRef idx="minor">
+              <a:schemeClr val="tx1"/>
+            </a:fontRef>
+          </p:style>
+        </p:cxnSp>
+        <p:cxnSp>
+          <p:nvCxnSpPr>
+            <p:cNvPr id="94" name="Conector reto 93">
+              <a:extLst>
+                <a:ext uri="{FF2B5EF4-FFF2-40B4-BE49-F238E27FC236}">
+                  <a16:creationId xmlns:a16="http://schemas.microsoft.com/office/drawing/2014/main" id="{1BCFD666-1E92-D928-BC71-CEB6A8691777}"/>
+                </a:ext>
+              </a:extLst>
+            </p:cNvPr>
+            <p:cNvCxnSpPr>
+              <a:cxnSpLocks/>
+            </p:cNvCxnSpPr>
+            <p:nvPr/>
+          </p:nvCxnSpPr>
+          <p:spPr>
+            <a:xfrm flipH="1" flipV="1">
+              <a:off x="1600660" y="4144018"/>
+              <a:ext cx="73266" cy="32908"/>
+            </a:xfrm>
+            <a:prstGeom prst="line">
+              <a:avLst/>
+            </a:prstGeom>
+            <a:ln w="19050">
+              <a:solidFill>
+                <a:schemeClr val="tx1"/>
+              </a:solidFill>
+              <a:prstDash val="sysDash"/>
+            </a:ln>
+          </p:spPr>
+          <p:style>
+            <a:lnRef idx="1">
+              <a:schemeClr val="accent1"/>
+            </a:lnRef>
+            <a:fillRef idx="0">
+              <a:schemeClr val="accent1"/>
+            </a:fillRef>
+            <a:effectRef idx="0">
+              <a:schemeClr val="accent1"/>
+            </a:effectRef>
+            <a:fontRef idx="minor">
+              <a:schemeClr val="tx1"/>
+            </a:fontRef>
+          </p:style>
+        </p:cxnSp>
+        <p:cxnSp>
+          <p:nvCxnSpPr>
+            <p:cNvPr id="97" name="Conector reto 96">
+              <a:extLst>
+                <a:ext uri="{FF2B5EF4-FFF2-40B4-BE49-F238E27FC236}">
+                  <a16:creationId xmlns:a16="http://schemas.microsoft.com/office/drawing/2014/main" id="{A4C7AE2B-6CC5-1709-3D07-1602E5412267}"/>
+                </a:ext>
+              </a:extLst>
+            </p:cNvPr>
+            <p:cNvCxnSpPr>
+              <a:cxnSpLocks/>
+            </p:cNvCxnSpPr>
+            <p:nvPr/>
+          </p:nvCxnSpPr>
+          <p:spPr>
+            <a:xfrm flipV="1">
+              <a:off x="1602149" y="4110038"/>
+              <a:ext cx="0" cy="40910"/>
+            </a:xfrm>
+            <a:prstGeom prst="line">
+              <a:avLst/>
+            </a:prstGeom>
+            <a:ln w="19050">
+              <a:solidFill>
+                <a:schemeClr val="tx1"/>
+              </a:solidFill>
+              <a:prstDash val="sysDash"/>
+            </a:ln>
+          </p:spPr>
+          <p:style>
+            <a:lnRef idx="1">
+              <a:schemeClr val="accent1"/>
+            </a:lnRef>
+            <a:fillRef idx="0">
+              <a:schemeClr val="accent1"/>
+            </a:fillRef>
+            <a:effectRef idx="0">
+              <a:schemeClr val="accent1"/>
+            </a:effectRef>
+            <a:fontRef idx="minor">
+              <a:schemeClr val="tx1"/>
+            </a:fontRef>
+          </p:style>
+        </p:cxnSp>
+        <p:cxnSp>
+          <p:nvCxnSpPr>
+            <p:cNvPr id="104" name="Conector de Seta Reta 103">
+              <a:extLst>
+                <a:ext uri="{FF2B5EF4-FFF2-40B4-BE49-F238E27FC236}">
+                  <a16:creationId xmlns:a16="http://schemas.microsoft.com/office/drawing/2014/main" id="{79BBFED7-3E57-8610-AD49-8A0A1D984CA1}"/>
+                </a:ext>
+              </a:extLst>
+            </p:cNvPr>
+            <p:cNvCxnSpPr>
+              <a:cxnSpLocks/>
+            </p:cNvCxnSpPr>
+            <p:nvPr/>
+          </p:nvCxnSpPr>
+          <p:spPr>
+            <a:xfrm flipH="1" flipV="1">
+              <a:off x="2406947" y="4469673"/>
+              <a:ext cx="623733" cy="1211936"/>
+            </a:xfrm>
+            <a:prstGeom prst="straightConnector1">
+              <a:avLst/>
+            </a:prstGeom>
+            <a:ln>
+              <a:solidFill>
+                <a:srgbClr val="FF0000"/>
+              </a:solidFill>
+              <a:tailEnd type="triangle"/>
+            </a:ln>
+          </p:spPr>
+          <p:style>
+            <a:lnRef idx="1">
+              <a:schemeClr val="accent1"/>
+            </a:lnRef>
+            <a:fillRef idx="0">
+              <a:schemeClr val="accent1"/>
+            </a:fillRef>
+            <a:effectRef idx="0">
+              <a:schemeClr val="accent1"/>
+            </a:effectRef>
+            <a:fontRef idx="minor">
+              <a:schemeClr val="tx1"/>
+            </a:fontRef>
+          </p:style>
+        </p:cxnSp>
+        <p:sp>
+          <p:nvSpPr>
+            <p:cNvPr id="105" name="CaixaDeTexto 104">
+              <a:extLst>
+                <a:ext uri="{FF2B5EF4-FFF2-40B4-BE49-F238E27FC236}">
+                  <a16:creationId xmlns:a16="http://schemas.microsoft.com/office/drawing/2014/main" id="{4AA6498F-657F-137E-D70A-390BEE15E5F0}"/>
+                </a:ext>
+              </a:extLst>
+            </p:cNvPr>
+            <p:cNvSpPr txBox="1"/>
+            <p:nvPr/>
+          </p:nvSpPr>
+          <p:spPr>
+            <a:xfrm>
+              <a:off x="2426116" y="5601355"/>
+              <a:ext cx="1483596" cy="307777"/>
+            </a:xfrm>
+            <a:prstGeom prst="rect">
+              <a:avLst/>
+            </a:prstGeom>
+            <a:noFill/>
+          </p:spPr>
+          <p:txBody>
+            <a:bodyPr wrap="square" rtlCol="0">
+              <a:spAutoFit/>
+            </a:bodyPr>
+            <a:lstStyle/>
+            <a:p>
+              <a:r>
+                <a:rPr lang="pt-BR" sz="1400" b="1" dirty="0">
+                  <a:solidFill>
+                    <a:srgbClr val="00B0F0"/>
+                  </a:solidFill>
+                </a:rPr>
+                <a:t>ponto de mínimo</a:t>
+              </a:r>
+            </a:p>
+          </p:txBody>
+        </p:sp>
+      </p:grpSp>
       <mc:AlternateContent xmlns:mc="http://schemas.openxmlformats.org/markup-compatibility/2006">
         <mc:Choice xmlns:a14="http://schemas.microsoft.com/office/drawing/2010/main" Requires="a14">
           <p:sp>
             <p:nvSpPr>
-              <p:cNvPr id="5" name="CaixaDeTexto 4">
+              <p:cNvPr id="108" name="CaixaDeTexto 107">
                 <a:extLst>
                   <a:ext uri="{FF2B5EF4-FFF2-40B4-BE49-F238E27FC236}">
-                    <a16:creationId xmlns:a16="http://schemas.microsoft.com/office/drawing/2014/main" id="{58660048-2E5D-834E-A26B-95299D0CB16C}"/>
+                    <a16:creationId xmlns:a16="http://schemas.microsoft.com/office/drawing/2014/main" id="{1D98E349-DD7D-48A2-457D-33CE98A94DE2}"/>
                   </a:ext>
                 </a:extLst>
               </p:cNvPr>
@@ -14507,8 +14291,8 @@
             </p:nvSpPr>
             <p:spPr>
               <a:xfrm>
-                <a:off x="838199" y="2644521"/>
-                <a:ext cx="4101291" cy="1529201"/>
+                <a:off x="1942847" y="2907775"/>
+                <a:ext cx="1683810" cy="738664"/>
               </a:xfrm>
               <a:prstGeom prst="rect">
                 <a:avLst/>
@@ -14521,214 +14305,77 @@
               </a:bodyPr>
               <a:lstStyle/>
               <a:p>
-                <a:pPr/>
+                <a:pPr algn="ctr"/>
+                <a:r>
+                  <a:rPr lang="pt-BR" sz="1400" dirty="0"/>
+                  <a:t>Vá em direção a valores maiores de </a:t>
+                </a:r>
                 <a14:m>
-                  <m:oMathPara xmlns:m="http://schemas.openxmlformats.org/officeDocument/2006/math">
-                    <m:oMathParaPr>
-                      <m:jc m:val="left"/>
-                    </m:oMathParaPr>
-                    <m:oMath xmlns:m="http://schemas.openxmlformats.org/officeDocument/2006/math">
-                      <m:r>
-                        <m:rPr>
-                          <m:sty m:val="p"/>
-                        </m:rPr>
-                        <a:rPr lang="pt-BR" sz="2400" b="0" i="0" smtClean="0">
-                          <a:latin typeface="Cambria Math" panose="02040503050406030204" pitchFamily="18" charset="0"/>
-                        </a:rPr>
-                        <m:t>R</m:t>
-                      </m:r>
-                      <m:r>
-                        <m:rPr>
-                          <m:sty m:val="p"/>
-                        </m:rPr>
-                        <a:rPr lang="pt-BR" sz="2400" b="0" i="0" smtClean="0">
-                          <a:latin typeface="Cambria Math" panose="02040503050406030204" pitchFamily="18" charset="0"/>
-                        </a:rPr>
-                        <m:t>MSE</m:t>
-                      </m:r>
-                      <m:r>
-                        <a:rPr lang="pt-BR" sz="2400" b="0" i="1" smtClean="0">
-                          <a:latin typeface="Cambria Math" panose="02040503050406030204" pitchFamily="18" charset="0"/>
-                        </a:rPr>
-                        <m:t>=</m:t>
-                      </m:r>
-                      <m:rad>
-                        <m:radPr>
-                          <m:degHide m:val="on"/>
-                          <m:ctrlPr>
-                            <a:rPr lang="pt-BR" sz="2400" b="0" i="1" smtClean="0">
-                              <a:latin typeface="Cambria Math" panose="02040503050406030204" pitchFamily="18" charset="0"/>
-                            </a:rPr>
-                          </m:ctrlPr>
-                        </m:radPr>
-                        <m:deg/>
-                        <m:e>
-                          <m:f>
-                            <m:fPr>
-                              <m:ctrlPr>
-                                <a:rPr lang="pt-BR" sz="2400" i="1">
-                                  <a:latin typeface="Cambria Math" panose="02040503050406030204" pitchFamily="18" charset="0"/>
-                                </a:rPr>
-                              </m:ctrlPr>
-                            </m:fPr>
-                            <m:num>
-                              <m:r>
-                                <a:rPr lang="pt-BR" sz="2400" i="1">
-                                  <a:latin typeface="Cambria Math" panose="02040503050406030204" pitchFamily="18" charset="0"/>
-                                </a:rPr>
-                                <m:t>1</m:t>
-                              </m:r>
-                            </m:num>
-                            <m:den>
-                              <m:r>
-                                <a:rPr lang="pt-BR" sz="2400" i="1">
-                                  <a:latin typeface="Cambria Math" panose="02040503050406030204" pitchFamily="18" charset="0"/>
-                                </a:rPr>
-                                <m:t>𝑁</m:t>
-                              </m:r>
-                            </m:den>
-                          </m:f>
-                          <m:nary>
-                            <m:naryPr>
-                              <m:chr m:val="∑"/>
-                              <m:ctrlPr>
-                                <a:rPr lang="pt-BR" sz="2400" i="1">
-                                  <a:latin typeface="Cambria Math" panose="02040503050406030204" pitchFamily="18" charset="0"/>
-                                </a:rPr>
-                              </m:ctrlPr>
-                            </m:naryPr>
-                            <m:sub>
-                              <m:r>
-                                <m:rPr>
-                                  <m:brk m:alnAt="23"/>
-                                </m:rPr>
-                                <a:rPr lang="pt-BR" sz="2400" i="1">
-                                  <a:latin typeface="Cambria Math" panose="02040503050406030204" pitchFamily="18" charset="0"/>
-                                </a:rPr>
-                                <m:t>𝑛</m:t>
-                              </m:r>
-                              <m:r>
-                                <a:rPr lang="pt-BR" sz="2400" i="1">
-                                  <a:latin typeface="Cambria Math" panose="02040503050406030204" pitchFamily="18" charset="0"/>
-                                </a:rPr>
-                                <m:t>=1</m:t>
-                              </m:r>
-                            </m:sub>
-                            <m:sup>
-                              <m:r>
-                                <a:rPr lang="pt-BR" sz="2400" i="1">
-                                  <a:latin typeface="Cambria Math" panose="02040503050406030204" pitchFamily="18" charset="0"/>
-                                </a:rPr>
-                                <m:t>𝑁</m:t>
-                              </m:r>
-                            </m:sup>
-                            <m:e>
-                              <m:sSup>
-                                <m:sSupPr>
-                                  <m:ctrlPr>
-                                    <a:rPr lang="pt-BR" sz="2400" i="1">
-                                      <a:latin typeface="Cambria Math" panose="02040503050406030204" pitchFamily="18" charset="0"/>
-                                    </a:rPr>
-                                  </m:ctrlPr>
-                                </m:sSupPr>
-                                <m:e>
-                                  <m:d>
-                                    <m:dPr>
-                                      <m:ctrlPr>
-                                        <a:rPr lang="pt-BR" sz="2400" i="1">
-                                          <a:latin typeface="Cambria Math" panose="02040503050406030204" pitchFamily="18" charset="0"/>
-                                        </a:rPr>
-                                      </m:ctrlPr>
-                                    </m:dPr>
-                                    <m:e>
-                                      <m:sSub>
-                                        <m:sSubPr>
-                                          <m:ctrlPr>
-                                            <a:rPr lang="pt-BR" sz="2400" i="1">
-                                              <a:latin typeface="Cambria Math" panose="02040503050406030204" pitchFamily="18" charset="0"/>
-                                            </a:rPr>
-                                          </m:ctrlPr>
-                                        </m:sSubPr>
-                                        <m:e>
-                                          <m:acc>
-                                            <m:accPr>
-                                              <m:chr m:val="̂"/>
-                                              <m:ctrlPr>
-                                                <a:rPr lang="pt-BR" sz="2400" i="1">
-                                                  <a:latin typeface="Cambria Math" panose="02040503050406030204" pitchFamily="18" charset="0"/>
-                                                </a:rPr>
-                                              </m:ctrlPr>
-                                            </m:accPr>
-                                            <m:e>
-                                              <m:r>
-                                                <a:rPr lang="pt-BR" sz="2400" i="1">
-                                                  <a:latin typeface="Cambria Math" panose="02040503050406030204" pitchFamily="18" charset="0"/>
-                                                </a:rPr>
-                                                <m:t>𝑦</m:t>
-                                              </m:r>
-                                            </m:e>
-                                          </m:acc>
-                                        </m:e>
-                                        <m:sub>
-                                          <m:r>
-                                            <a:rPr lang="pt-BR" sz="2400" i="1">
-                                              <a:latin typeface="Cambria Math" panose="02040503050406030204" pitchFamily="18" charset="0"/>
-                                            </a:rPr>
-                                            <m:t>𝑛</m:t>
-                                          </m:r>
-                                        </m:sub>
-                                      </m:sSub>
-                                      <m:r>
-                                        <a:rPr lang="pt-BR" sz="2400" i="1">
-                                          <a:latin typeface="Cambria Math" panose="02040503050406030204" pitchFamily="18" charset="0"/>
-                                        </a:rPr>
-                                        <m:t>−</m:t>
-                                      </m:r>
-                                      <m:sSub>
-                                        <m:sSubPr>
-                                          <m:ctrlPr>
-                                            <a:rPr lang="pt-BR" sz="2400" i="1">
-                                              <a:latin typeface="Cambria Math" panose="02040503050406030204" pitchFamily="18" charset="0"/>
-                                            </a:rPr>
-                                          </m:ctrlPr>
-                                        </m:sSubPr>
-                                        <m:e>
-                                          <m:r>
-                                            <a:rPr lang="pt-BR" sz="2400" i="1">
-                                              <a:latin typeface="Cambria Math" panose="02040503050406030204" pitchFamily="18" charset="0"/>
-                                            </a:rPr>
-                                            <m:t>𝑦</m:t>
-                                          </m:r>
-                                        </m:e>
-                                        <m:sub>
-                                          <m:r>
-                                            <a:rPr lang="pt-BR" sz="2400" i="1">
-                                              <a:latin typeface="Cambria Math" panose="02040503050406030204" pitchFamily="18" charset="0"/>
-                                            </a:rPr>
-                                            <m:t>𝑛</m:t>
-                                          </m:r>
-                                        </m:sub>
-                                      </m:sSub>
-                                    </m:e>
-                                  </m:d>
-                                </m:e>
-                                <m:sup>
-                                  <m:r>
-                                    <a:rPr lang="pt-BR" sz="2400" i="1">
-                                      <a:latin typeface="Cambria Math" panose="02040503050406030204" pitchFamily="18" charset="0"/>
-                                    </a:rPr>
-                                    <m:t>2</m:t>
-                                  </m:r>
-                                </m:sup>
-                              </m:sSup>
-                            </m:e>
-                          </m:nary>
-                        </m:e>
-                      </m:rad>
-                    </m:oMath>
-                  </m:oMathPara>
+                  <m:oMath xmlns:m="http://schemas.openxmlformats.org/officeDocument/2006/math">
+                    <m:sSub>
+                      <m:sSubPr>
+                        <m:ctrlPr>
+                          <a:rPr lang="pt-BR" sz="1400" i="1" smtClean="0">
+                            <a:latin typeface="Cambria Math" panose="02040503050406030204" pitchFamily="18" charset="0"/>
+                          </a:rPr>
+                        </m:ctrlPr>
+                      </m:sSubPr>
+                      <m:e>
+                        <m:r>
+                          <a:rPr lang="pt-BR" sz="1400" i="1">
+                            <a:latin typeface="Cambria Math" panose="02040503050406030204" pitchFamily="18" charset="0"/>
+                          </a:rPr>
+                          <m:t>𝑎</m:t>
+                        </m:r>
+                      </m:e>
+                      <m:sub>
+                        <m:r>
+                          <a:rPr lang="pt-BR" sz="1400" i="1">
+                            <a:latin typeface="Cambria Math" panose="02040503050406030204" pitchFamily="18" charset="0"/>
+                          </a:rPr>
+                          <m:t>0</m:t>
+                        </m:r>
+                      </m:sub>
+                    </m:sSub>
+                  </m:oMath>
                 </a14:m>
-                <a:endParaRPr lang="pt-BR" sz="2400" dirty="0"/>
+                <a:r>
+                  <a:rPr lang="pt-BR" sz="1400" dirty="0"/>
+                  <a:t> e menores de </a:t>
+                </a:r>
+                <a14:m>
+                  <m:oMath xmlns:m="http://schemas.openxmlformats.org/officeDocument/2006/math">
+                    <m:sSub>
+                      <m:sSubPr>
+                        <m:ctrlPr>
+                          <a:rPr lang="pt-BR" sz="1400" i="1" smtClean="0">
+                            <a:latin typeface="Cambria Math" panose="02040503050406030204" pitchFamily="18" charset="0"/>
+                          </a:rPr>
+                        </m:ctrlPr>
+                      </m:sSubPr>
+                      <m:e>
+                        <m:r>
+                          <a:rPr lang="pt-BR" sz="1400" i="1">
+                            <a:latin typeface="Cambria Math" panose="02040503050406030204" pitchFamily="18" charset="0"/>
+                          </a:rPr>
+                          <m:t>𝑎</m:t>
+                        </m:r>
+                      </m:e>
+                      <m:sub>
+                        <m:r>
+                          <a:rPr lang="pt-BR" sz="1400" b="0" i="1" smtClean="0">
+                            <a:latin typeface="Cambria Math" panose="02040503050406030204" pitchFamily="18" charset="0"/>
+                          </a:rPr>
+                          <m:t>1</m:t>
+                        </m:r>
+                      </m:sub>
+                    </m:sSub>
+                  </m:oMath>
+                </a14:m>
+                <a:r>
+                  <a:rPr lang="pt-BR" sz="1400" dirty="0"/>
+                  <a:t>.</a:t>
+                </a:r>
               </a:p>
             </p:txBody>
           </p:sp>
@@ -14736,10 +14383,10 @@
         <mc:Fallback>
           <p:sp>
             <p:nvSpPr>
-              <p:cNvPr id="5" name="CaixaDeTexto 4">
+              <p:cNvPr id="108" name="CaixaDeTexto 107">
                 <a:extLst>
                   <a:ext uri="{FF2B5EF4-FFF2-40B4-BE49-F238E27FC236}">
-                    <a16:creationId xmlns:a16="http://schemas.microsoft.com/office/drawing/2014/main" id="{58660048-2E5D-834E-A26B-95299D0CB16C}"/>
+                    <a16:creationId xmlns:a16="http://schemas.microsoft.com/office/drawing/2014/main" id="{1D98E349-DD7D-48A2-457D-33CE98A94DE2}"/>
                   </a:ext>
                 </a:extLst>
               </p:cNvPr>
@@ -14750,8 +14397,8 @@
             </p:nvSpPr>
             <p:spPr>
               <a:xfrm>
-                <a:off x="838199" y="2644521"/>
-                <a:ext cx="4101291" cy="1529201"/>
+                <a:off x="1942847" y="2907775"/>
+                <a:ext cx="1683810" cy="738664"/>
               </a:xfrm>
               <a:prstGeom prst="rect">
                 <a:avLst/>
@@ -14759,7 +14406,7 @@
               <a:blipFill>
                 <a:blip r:embed="rId6"/>
                 <a:stretch>
-                  <a:fillRect/>
+                  <a:fillRect t="-1653" b="-7438"/>
                 </a:stretch>
               </a:blipFill>
             </p:spPr>
@@ -14781,13 +14428,351 @@
     </p:spTree>
     <p:extLst>
       <p:ext uri="{BB962C8B-B14F-4D97-AF65-F5344CB8AC3E}">
-        <p14:creationId xmlns:p14="http://schemas.microsoft.com/office/powerpoint/2010/main" val="2231759253"/>
+        <p14:creationId xmlns:p14="http://schemas.microsoft.com/office/powerpoint/2010/main" val="1002052220"/>
       </p:ext>
     </p:extLst>
   </p:cSld>
   <p:clrMapOvr>
     <a:masterClrMapping/>
   </p:clrMapOvr>
+</p:sld>
+</file>
+
+<file path=ppt/slides/slide18.xml><?xml version="1.0" encoding="utf-8"?>
+<p:sld xmlns:a="http://schemas.openxmlformats.org/drawingml/2006/main" xmlns:r="http://schemas.openxmlformats.org/officeDocument/2006/relationships" xmlns:p="http://schemas.openxmlformats.org/presentationml/2006/main">
+  <p:cSld>
+    <p:spTree>
+      <p:nvGrpSpPr>
+        <p:cNvPr id="1" name=""/>
+        <p:cNvGrpSpPr/>
+        <p:nvPr/>
+      </p:nvGrpSpPr>
+      <p:grpSpPr>
+        <a:xfrm>
+          <a:off x="0" y="0"/>
+          <a:ext cx="0" cy="0"/>
+          <a:chOff x="0" y="0"/>
+          <a:chExt cx="0" cy="0"/>
+        </a:xfrm>
+      </p:grpSpPr>
+      <p:sp>
+        <p:nvSpPr>
+          <p:cNvPr id="2" name="Título 1">
+            <a:extLst>
+              <a:ext uri="{FF2B5EF4-FFF2-40B4-BE49-F238E27FC236}">
+                <a16:creationId xmlns:a16="http://schemas.microsoft.com/office/drawing/2014/main" id="{ABEFD801-7E8D-0885-F1AD-8DAF6F77CEEE}"/>
+              </a:ext>
+            </a:extLst>
+          </p:cNvPr>
+          <p:cNvSpPr>
+            <a:spLocks noGrp="1"/>
+          </p:cNvSpPr>
+          <p:nvPr>
+            <p:ph type="title"/>
+          </p:nvPr>
+        </p:nvSpPr>
+        <p:spPr/>
+        <p:txBody>
+          <a:bodyPr/>
+          <a:lstStyle/>
+          <a:p>
+            <a:r>
+              <a:rPr lang="pt-BR" dirty="0"/>
+              <a:t>Gradiente descendente</a:t>
+            </a:r>
+          </a:p>
+        </p:txBody>
+      </p:sp>
+      <p:sp>
+        <p:nvSpPr>
+          <p:cNvPr id="3" name="Espaço Reservado para Conteúdo 2">
+            <a:extLst>
+              <a:ext uri="{FF2B5EF4-FFF2-40B4-BE49-F238E27FC236}">
+                <a16:creationId xmlns:a16="http://schemas.microsoft.com/office/drawing/2014/main" id="{9BA6276C-11C7-FBDF-9CC4-A84A195D7527}"/>
+              </a:ext>
+            </a:extLst>
+          </p:cNvPr>
+          <p:cNvSpPr>
+            <a:spLocks noGrp="1"/>
+          </p:cNvSpPr>
+          <p:nvPr>
+            <p:ph idx="1"/>
+          </p:nvPr>
+        </p:nvSpPr>
+        <p:spPr>
+          <a:xfrm>
+            <a:off x="5260369" y="1690688"/>
+            <a:ext cx="6792264" cy="5167312"/>
+          </a:xfrm>
+        </p:spPr>
+        <p:txBody>
+          <a:bodyPr>
+            <a:normAutofit fontScale="92500" lnSpcReduction="20000"/>
+          </a:bodyPr>
+          <a:lstStyle/>
+          <a:p>
+            <a:r>
+              <a:rPr lang="pt-BR" dirty="0"/>
+              <a:t>Como veremos em breve, de posse dessa informação, o algoritmo de otimização, conhecido como </a:t>
+            </a:r>
+            <a:r>
+              <a:rPr lang="pt-BR" b="1" i="1" dirty="0">
+                <a:solidFill>
+                  <a:srgbClr val="00B050"/>
+                </a:solidFill>
+              </a:rPr>
+              <a:t>gradiente descendente (GD)</a:t>
+            </a:r>
+            <a:r>
+              <a:rPr lang="pt-BR" dirty="0"/>
+              <a:t>, consegue </a:t>
+            </a:r>
+            <a:r>
+              <a:rPr lang="pt-BR" b="1" i="1" dirty="0">
+                <a:solidFill>
+                  <a:srgbClr val="00B050"/>
+                </a:solidFill>
+              </a:rPr>
+              <a:t>caminhar iterativamente</a:t>
+            </a:r>
+            <a:r>
+              <a:rPr lang="pt-BR" dirty="0"/>
+              <a:t> até o </a:t>
+            </a:r>
+            <a:r>
+              <a:rPr lang="pt-BR" b="1" i="1" dirty="0">
+                <a:solidFill>
+                  <a:srgbClr val="00B050"/>
+                </a:solidFill>
+              </a:rPr>
+              <a:t>ponto de mínimo </a:t>
+            </a:r>
+            <a:r>
+              <a:rPr lang="pt-BR" dirty="0"/>
+              <a:t>(i.e., conjunto de pesos ótimo).</a:t>
+            </a:r>
+          </a:p>
+          <a:p>
+            <a:r>
+              <a:rPr lang="pt-BR" dirty="0"/>
+              <a:t>A figura ao lado ilustra o processo iterativo de otimização realizado pelo GD.</a:t>
+            </a:r>
+          </a:p>
+          <a:p>
+            <a:pPr lvl="1">
+              <a:buFont typeface="Wingdings" panose="05000000000000000000" pitchFamily="2" charset="2"/>
+              <a:buChar char="§"/>
+            </a:pPr>
+            <a:r>
+              <a:rPr lang="pt-BR" dirty="0"/>
+              <a:t>A partir de um ponto inicial (i.e., uma suposição aleatória de pesos), o algoritmo extrai a informação de direção do ponto de mínimo a partir da função de erro e a usa para atualizar o ponto atual (i.e., otimizar a suposição atual).</a:t>
+            </a:r>
+          </a:p>
+          <a:p>
+            <a:pPr lvl="1">
+              <a:buFont typeface="Wingdings" panose="05000000000000000000" pitchFamily="2" charset="2"/>
+              <a:buChar char="§"/>
+            </a:pPr>
+            <a:r>
+              <a:rPr lang="pt-BR" dirty="0"/>
+              <a:t>Em geral, o novo ponto (i.e., conjunto de pesos atualizado) resulta em um erro menor do que o anterior.</a:t>
+            </a:r>
+          </a:p>
+          <a:p>
+            <a:pPr lvl="1">
+              <a:buFont typeface="Wingdings" panose="05000000000000000000" pitchFamily="2" charset="2"/>
+              <a:buChar char="§"/>
+            </a:pPr>
+            <a:r>
+              <a:rPr lang="pt-BR" dirty="0"/>
+              <a:t>Esse processo é repetido a partir do novo ponto até que o erro seja minimizado.</a:t>
+            </a:r>
+          </a:p>
+        </p:txBody>
+      </p:sp>
+      <p:pic>
+        <p:nvPicPr>
+          <p:cNvPr id="32" name="animated_linear_regression">
+            <a:hlinkClick r:id="" action="ppaction://media"/>
+            <a:extLst>
+              <a:ext uri="{FF2B5EF4-FFF2-40B4-BE49-F238E27FC236}">
+                <a16:creationId xmlns:a16="http://schemas.microsoft.com/office/drawing/2014/main" id="{66D25972-58E8-79DB-2476-AFDFC171820F}"/>
+              </a:ext>
+            </a:extLst>
+          </p:cNvPr>
+          <p:cNvPicPr>
+            <a:picLocks noChangeAspect="1"/>
+          </p:cNvPicPr>
+          <p:nvPr>
+            <a:videoFile r:link="rId2"/>
+            <p:extLst>
+              <p:ext uri="{DAA4B4D4-6D71-4841-9C94-3DE7FCFB9230}">
+                <p14:media xmlns:p14="http://schemas.microsoft.com/office/powerpoint/2010/main" r:embed="rId1"/>
+              </p:ext>
+            </p:extLst>
+          </p:nvPr>
+        </p:nvPicPr>
+        <p:blipFill>
+          <a:blip r:embed="rId5"/>
+          <a:stretch>
+            <a:fillRect/>
+          </a:stretch>
+        </p:blipFill>
+        <p:spPr>
+          <a:xfrm>
+            <a:off x="164387" y="2052479"/>
+            <a:ext cx="5095982" cy="3821987"/>
+          </a:xfrm>
+          <a:prstGeom prst="rect">
+            <a:avLst/>
+          </a:prstGeom>
+        </p:spPr>
+      </p:pic>
+    </p:spTree>
+    <p:extLst>
+      <p:ext uri="{BB962C8B-B14F-4D97-AF65-F5344CB8AC3E}">
+        <p14:creationId xmlns:p14="http://schemas.microsoft.com/office/powerpoint/2010/main" val="2662001933"/>
+      </p:ext>
+    </p:extLst>
+  </p:cSld>
+  <p:clrMapOvr>
+    <a:masterClrMapping/>
+  </p:clrMapOvr>
+  <p:timing>
+    <p:tnLst>
+      <p:par>
+        <p:cTn id="1" dur="indefinite" restart="never" nodeType="tmRoot">
+          <p:childTnLst>
+            <p:seq concurrent="1" nextAc="seek">
+              <p:cTn id="2" dur="indefinite" nodeType="mainSeq">
+                <p:childTnLst>
+                  <p:par>
+                    <p:cTn id="3" fill="hold">
+                      <p:stCondLst>
+                        <p:cond delay="indefinite"/>
+                      </p:stCondLst>
+                      <p:childTnLst>
+                        <p:par>
+                          <p:cTn id="4" fill="hold">
+                            <p:stCondLst>
+                              <p:cond delay="0"/>
+                            </p:stCondLst>
+                            <p:childTnLst>
+                              <p:par>
+                                <p:cTn id="5" presetID="1" presetClass="mediacall" presetSubtype="0" fill="hold" nodeType="clickEffect">
+                                  <p:stCondLst>
+                                    <p:cond delay="0"/>
+                                  </p:stCondLst>
+                                  <p:childTnLst>
+                                    <p:cmd type="call" cmd="playFrom(0.0)">
+                                      <p:cBhvr>
+                                        <p:cTn id="6" dur="200000" fill="hold"/>
+                                        <p:tgtEl>
+                                          <p:spTgt spid="32"/>
+                                        </p:tgtEl>
+                                      </p:cBhvr>
+                                    </p:cmd>
+                                  </p:childTnLst>
+                                </p:cTn>
+                              </p:par>
+                            </p:childTnLst>
+                          </p:cTn>
+                        </p:par>
+                      </p:childTnLst>
+                    </p:cTn>
+                  </p:par>
+                </p:childTnLst>
+              </p:cTn>
+              <p:prevCondLst>
+                <p:cond evt="onPrev" delay="0">
+                  <p:tgtEl>
+                    <p:sldTgt/>
+                  </p:tgtEl>
+                </p:cond>
+              </p:prevCondLst>
+              <p:nextCondLst>
+                <p:cond evt="onNext" delay="0">
+                  <p:tgtEl>
+                    <p:sldTgt/>
+                  </p:tgtEl>
+                </p:cond>
+              </p:nextCondLst>
+            </p:seq>
+            <p:video>
+              <p:cMediaNode vol="80000">
+                <p:cTn id="7" fill="hold" display="0">
+                  <p:stCondLst>
+                    <p:cond delay="indefinite"/>
+                  </p:stCondLst>
+                </p:cTn>
+                <p:tgtEl>
+                  <p:spTgt spid="32"/>
+                </p:tgtEl>
+              </p:cMediaNode>
+            </p:video>
+            <p:seq concurrent="1" nextAc="seek">
+              <p:cTn id="8" restart="whenNotActive" fill="hold" evtFilter="cancelBubble" nodeType="interactiveSeq">
+                <p:stCondLst>
+                  <p:cond evt="onClick" delay="0">
+                    <p:tgtEl>
+                      <p:spTgt spid="32"/>
+                    </p:tgtEl>
+                  </p:cond>
+                </p:stCondLst>
+                <p:endSync evt="end" delay="0">
+                  <p:rtn val="all"/>
+                </p:endSync>
+                <p:childTnLst>
+                  <p:par>
+                    <p:cTn id="9" fill="hold">
+                      <p:stCondLst>
+                        <p:cond delay="0"/>
+                      </p:stCondLst>
+                      <p:childTnLst>
+                        <p:par>
+                          <p:cTn id="10" fill="hold">
+                            <p:stCondLst>
+                              <p:cond delay="0"/>
+                            </p:stCondLst>
+                            <p:childTnLst>
+                              <p:par>
+                                <p:cTn id="11" presetID="2" presetClass="mediacall" presetSubtype="0" fill="hold" nodeType="clickEffect">
+                                  <p:stCondLst>
+                                    <p:cond delay="0"/>
+                                  </p:stCondLst>
+                                  <p:childTnLst>
+                                    <p:cmd type="call" cmd="togglePause">
+                                      <p:cBhvr>
+                                        <p:cTn id="12" dur="1" fill="hold"/>
+                                        <p:tgtEl>
+                                          <p:spTgt spid="32"/>
+                                        </p:tgtEl>
+                                      </p:cBhvr>
+                                    </p:cmd>
+                                  </p:childTnLst>
+                                </p:cTn>
+                              </p:par>
+                            </p:childTnLst>
+                          </p:cTn>
+                        </p:par>
+                      </p:childTnLst>
+                    </p:cTn>
+                  </p:par>
+                </p:childTnLst>
+              </p:cTn>
+              <p:nextCondLst>
+                <p:cond evt="onClick" delay="0">
+                  <p:tgtEl>
+                    <p:spTgt spid="32"/>
+                  </p:tgtEl>
+                </p:cond>
+              </p:nextCondLst>
+            </p:seq>
+          </p:childTnLst>
+        </p:cTn>
+      </p:par>
+    </p:tnLst>
+  </p:timing>
 </p:sld>
 </file>
 
@@ -15095,7 +15080,31 @@
           <a:p>
             <a:r>
               <a:rPr lang="pt-BR" dirty="0"/>
-              <a:t>Quiz: “”.</a:t>
+              <a:t>Quiz: “</a:t>
+            </a:r>
+            <a:r>
+              <a:rPr lang="pt-BR" b="1" i="1" dirty="0"/>
+              <a:t>TP557 - Medindo a precisão de um modelo de ML</a:t>
+            </a:r>
+            <a:r>
+              <a:rPr lang="pt-BR" dirty="0"/>
+              <a:t>”.</a:t>
+            </a:r>
+          </a:p>
+          <a:p>
+            <a:r>
+              <a:rPr lang="pt-BR" dirty="0"/>
+              <a:t>Exemplo: </a:t>
+            </a:r>
+            <a:r>
+              <a:rPr lang="pt-BR" dirty="0">
+                <a:hlinkClick r:id="rId3"/>
+              </a:rPr>
+              <a:t>Explorando a função de erro</a:t>
+            </a:r>
+            <a:r>
+              <a:rPr lang="pt-BR" dirty="0"/>
+              <a:t>.</a:t>
             </a:r>
           </a:p>
         </p:txBody>
@@ -17043,8 +17052,8 @@
           </p:sp>
         </mc:Fallback>
       </mc:AlternateContent>
-      <mc:AlternateContent xmlns:mc="http://schemas.openxmlformats.org/markup-compatibility/2006" xmlns:a14="http://schemas.microsoft.com/office/drawing/2010/main">
-        <mc:Choice Requires="a14">
+      <mc:AlternateContent xmlns:mc="http://schemas.openxmlformats.org/markup-compatibility/2006">
+        <mc:Choice xmlns:a14="http://schemas.microsoft.com/office/drawing/2010/main" Requires="a14">
           <p:sp>
             <p:nvSpPr>
               <p:cNvPr id="3" name="Espaço Reservado para Conteúdo 2">
@@ -17081,7 +17090,7 @@
               <a:p>
                 <a:r>
                   <a:rPr lang="pt-BR" dirty="0"/>
-                  <a:t>Podemos criar uma </a:t>
+                  <a:t>Podemos criar a </a:t>
                 </a:r>
                 <a:r>
                   <a:rPr lang="pt-BR" b="1" i="1" dirty="0"/>
@@ -17089,7 +17098,7 @@
                 </a:r>
                 <a:r>
                   <a:rPr lang="pt-BR" dirty="0"/>
-                  <a:t> que uma reta explica esse mapeamento.</a:t>
+                  <a:t> de que uma reta explica esse mapeamento.</a:t>
                 </a:r>
               </a:p>
               <a:p>
@@ -17268,7 +17277,7 @@
             </p:txBody>
           </p:sp>
         </mc:Choice>
-        <mc:Fallback xmlns="">
+        <mc:Fallback>
           <p:sp>
             <p:nvSpPr>
               <p:cNvPr id="3" name="Espaço Reservado para Conteúdo 2">

--- a/slides/TP557_5_Medindo_a_precisão_de_um_modelo_de_ML.pptx
+++ b/slides/TP557_5_Medindo_a_precisão_de_um_modelo_de_ML.pptx
@@ -297,7 +297,7 @@
           <a:p>
             <a:fld id="{144F1436-6906-4D93-B7A2-786C327BFA14}" type="datetimeFigureOut">
               <a:rPr lang="nl-BE" smtClean="0"/>
-              <a:t>29/07/2023</a:t>
+              <a:t>30/07/2023</a:t>
             </a:fld>
             <a:endParaRPr lang="nl-BE"/>
           </a:p>
@@ -462,7 +462,7 @@
           <a:p>
             <a:fld id="{AA8CD09E-2914-4F47-B6C1-51B2C31814C9}" type="datetimeFigureOut">
               <a:rPr lang="pt-BR" smtClean="0"/>
-              <a:t>29/07/2023</a:t>
+              <a:t>30/07/2023</a:t>
             </a:fld>
             <a:endParaRPr lang="pt-BR"/>
           </a:p>
@@ -1387,7 +1387,7 @@
           <a:p>
             <a:fld id="{63289F7E-B80B-496E-81B4-D396C37C9454}" type="datetimeFigureOut">
               <a:rPr lang="pt-BR" smtClean="0"/>
-              <a:t>29/07/2023</a:t>
+              <a:t>30/07/2023</a:t>
             </a:fld>
             <a:endParaRPr lang="pt-BR"/>
           </a:p>
@@ -1585,7 +1585,7 @@
           <a:p>
             <a:fld id="{63289F7E-B80B-496E-81B4-D396C37C9454}" type="datetimeFigureOut">
               <a:rPr lang="pt-BR" smtClean="0"/>
-              <a:t>29/07/2023</a:t>
+              <a:t>30/07/2023</a:t>
             </a:fld>
             <a:endParaRPr lang="pt-BR"/>
           </a:p>
@@ -1793,7 +1793,7 @@
           <a:p>
             <a:fld id="{63289F7E-B80B-496E-81B4-D396C37C9454}" type="datetimeFigureOut">
               <a:rPr lang="pt-BR" smtClean="0"/>
-              <a:t>29/07/2023</a:t>
+              <a:t>30/07/2023</a:t>
             </a:fld>
             <a:endParaRPr lang="pt-BR"/>
           </a:p>
@@ -1991,7 +1991,7 @@
           <a:p>
             <a:fld id="{63289F7E-B80B-496E-81B4-D396C37C9454}" type="datetimeFigureOut">
               <a:rPr lang="pt-BR" smtClean="0"/>
-              <a:t>29/07/2023</a:t>
+              <a:t>30/07/2023</a:t>
             </a:fld>
             <a:endParaRPr lang="pt-BR"/>
           </a:p>
@@ -2266,7 +2266,7 @@
           <a:p>
             <a:fld id="{63289F7E-B80B-496E-81B4-D396C37C9454}" type="datetimeFigureOut">
               <a:rPr lang="pt-BR" smtClean="0"/>
-              <a:t>29/07/2023</a:t>
+              <a:t>30/07/2023</a:t>
             </a:fld>
             <a:endParaRPr lang="pt-BR"/>
           </a:p>
@@ -2531,7 +2531,7 @@
           <a:p>
             <a:fld id="{63289F7E-B80B-496E-81B4-D396C37C9454}" type="datetimeFigureOut">
               <a:rPr lang="pt-BR" smtClean="0"/>
-              <a:t>29/07/2023</a:t>
+              <a:t>30/07/2023</a:t>
             </a:fld>
             <a:endParaRPr lang="pt-BR"/>
           </a:p>
@@ -2943,7 +2943,7 @@
           <a:p>
             <a:fld id="{63289F7E-B80B-496E-81B4-D396C37C9454}" type="datetimeFigureOut">
               <a:rPr lang="pt-BR" smtClean="0"/>
-              <a:t>29/07/2023</a:t>
+              <a:t>30/07/2023</a:t>
             </a:fld>
             <a:endParaRPr lang="pt-BR"/>
           </a:p>
@@ -3084,7 +3084,7 @@
           <a:p>
             <a:fld id="{63289F7E-B80B-496E-81B4-D396C37C9454}" type="datetimeFigureOut">
               <a:rPr lang="pt-BR" smtClean="0"/>
-              <a:t>29/07/2023</a:t>
+              <a:t>30/07/2023</a:t>
             </a:fld>
             <a:endParaRPr lang="pt-BR"/>
           </a:p>
@@ -3197,7 +3197,7 @@
           <a:p>
             <a:fld id="{63289F7E-B80B-496E-81B4-D396C37C9454}" type="datetimeFigureOut">
               <a:rPr lang="pt-BR" smtClean="0"/>
-              <a:t>29/07/2023</a:t>
+              <a:t>30/07/2023</a:t>
             </a:fld>
             <a:endParaRPr lang="pt-BR"/>
           </a:p>
@@ -3508,7 +3508,7 @@
           <a:p>
             <a:fld id="{63289F7E-B80B-496E-81B4-D396C37C9454}" type="datetimeFigureOut">
               <a:rPr lang="pt-BR" smtClean="0"/>
-              <a:t>29/07/2023</a:t>
+              <a:t>30/07/2023</a:t>
             </a:fld>
             <a:endParaRPr lang="pt-BR"/>
           </a:p>
@@ -3796,7 +3796,7 @@
           <a:p>
             <a:fld id="{63289F7E-B80B-496E-81B4-D396C37C9454}" type="datetimeFigureOut">
               <a:rPr lang="pt-BR" smtClean="0"/>
-              <a:t>29/07/2023</a:t>
+              <a:t>30/07/2023</a:t>
             </a:fld>
             <a:endParaRPr lang="pt-BR"/>
           </a:p>
@@ -4037,7 +4037,7 @@
           <a:p>
             <a:fld id="{63289F7E-B80B-496E-81B4-D396C37C9454}" type="datetimeFigureOut">
               <a:rPr lang="pt-BR" smtClean="0"/>
-              <a:t>29/07/2023</a:t>
+              <a:t>30/07/2023</a:t>
             </a:fld>
             <a:endParaRPr lang="pt-BR"/>
           </a:p>
@@ -7092,8 +7092,8 @@
           </a:p>
         </p:txBody>
       </p:sp>
-      <mc:AlternateContent xmlns:mc="http://schemas.openxmlformats.org/markup-compatibility/2006">
-        <mc:Choice xmlns:a14="http://schemas.microsoft.com/office/drawing/2010/main" Requires="a14">
+      <mc:AlternateContent xmlns:mc="http://schemas.openxmlformats.org/markup-compatibility/2006" xmlns:a14="http://schemas.microsoft.com/office/drawing/2010/main">
+        <mc:Choice Requires="a14">
           <p:sp>
             <p:nvSpPr>
               <p:cNvPr id="3" name="Espaço Reservado para Conteúdo 2">
@@ -7187,7 +7187,7 @@
             </p:txBody>
           </p:sp>
         </mc:Choice>
-        <mc:Fallback>
+        <mc:Fallback xmlns="">
           <p:sp>
             <p:nvSpPr>
               <p:cNvPr id="3" name="Espaço Reservado para Conteúdo 2">
@@ -12169,8 +12169,8 @@
           </a:p>
         </p:txBody>
       </p:sp>
-      <mc:AlternateContent xmlns:mc="http://schemas.openxmlformats.org/markup-compatibility/2006">
-        <mc:Choice xmlns:a14="http://schemas.microsoft.com/office/drawing/2010/main" Requires="a14">
+      <mc:AlternateContent xmlns:mc="http://schemas.openxmlformats.org/markup-compatibility/2006" xmlns:a14="http://schemas.microsoft.com/office/drawing/2010/main">
+        <mc:Choice Requires="a14">
           <p:sp>
             <p:nvSpPr>
               <p:cNvPr id="5" name="CaixaDeTexto 4">
@@ -12599,7 +12599,7 @@
             </p:txBody>
           </p:sp>
         </mc:Choice>
-        <mc:Fallback>
+        <mc:Fallback xmlns="">
           <p:sp>
             <p:nvSpPr>
               <p:cNvPr id="5" name="CaixaDeTexto 4">
@@ -12709,8 +12709,8 @@
             </a:extLst>
           </p:spPr>
         </p:pic>
-        <mc:AlternateContent xmlns:mc="http://schemas.openxmlformats.org/markup-compatibility/2006">
-          <mc:Choice xmlns:a14="http://schemas.microsoft.com/office/drawing/2010/main" Requires="a14">
+        <mc:AlternateContent xmlns:mc="http://schemas.openxmlformats.org/markup-compatibility/2006" xmlns:a14="http://schemas.microsoft.com/office/drawing/2010/main">
+          <mc:Choice Requires="a14">
             <p:sp>
               <p:nvSpPr>
                 <p:cNvPr id="32" name="CaixaDeTexto 31">
@@ -12779,7 +12779,7 @@
               </p:txBody>
             </p:sp>
           </mc:Choice>
-          <mc:Fallback>
+          <mc:Fallback xmlns="">
             <p:sp>
               <p:nvSpPr>
                 <p:cNvPr id="32" name="CaixaDeTexto 31">
@@ -12824,8 +12824,8 @@
             </p:sp>
           </mc:Fallback>
         </mc:AlternateContent>
-        <mc:AlternateContent xmlns:mc="http://schemas.openxmlformats.org/markup-compatibility/2006">
-          <mc:Choice xmlns:a14="http://schemas.microsoft.com/office/drawing/2010/main" Requires="a14">
+        <mc:AlternateContent xmlns:mc="http://schemas.openxmlformats.org/markup-compatibility/2006" xmlns:a14="http://schemas.microsoft.com/office/drawing/2010/main">
+          <mc:Choice Requires="a14">
             <p:sp>
               <p:nvSpPr>
                 <p:cNvPr id="34" name="CaixaDeTexto 33">
@@ -12894,7 +12894,7 @@
               </p:txBody>
             </p:sp>
           </mc:Choice>
-          <mc:Fallback>
+          <mc:Fallback xmlns="">
             <p:sp>
               <p:nvSpPr>
                 <p:cNvPr id="34" name="CaixaDeTexto 33">
@@ -12939,8 +12939,8 @@
             </p:sp>
           </mc:Fallback>
         </mc:AlternateContent>
-        <mc:AlternateContent xmlns:mc="http://schemas.openxmlformats.org/markup-compatibility/2006">
-          <mc:Choice xmlns:a14="http://schemas.microsoft.com/office/drawing/2010/main" Requires="a14">
+        <mc:AlternateContent xmlns:mc="http://schemas.openxmlformats.org/markup-compatibility/2006" xmlns:a14="http://schemas.microsoft.com/office/drawing/2010/main">
+          <mc:Choice Requires="a14">
             <p:sp>
               <p:nvSpPr>
                 <p:cNvPr id="37" name="CaixaDeTexto 36">
@@ -12990,7 +12990,7 @@
               </p:txBody>
             </p:sp>
           </mc:Choice>
-          <mc:Fallback>
+          <mc:Fallback xmlns="">
             <p:sp>
               <p:nvSpPr>
                 <p:cNvPr id="37" name="CaixaDeTexto 36">
@@ -13543,8 +13543,8 @@
               </a:extLst>
             </p:spPr>
           </p:pic>
-          <mc:AlternateContent xmlns:mc="http://schemas.openxmlformats.org/markup-compatibility/2006">
-            <mc:Choice xmlns:a14="http://schemas.microsoft.com/office/drawing/2010/main" Requires="a14">
+          <mc:AlternateContent xmlns:mc="http://schemas.openxmlformats.org/markup-compatibility/2006" xmlns:a14="http://schemas.microsoft.com/office/drawing/2010/main">
+            <mc:Choice Requires="a14">
               <p:sp>
                 <p:nvSpPr>
                   <p:cNvPr id="27" name="CaixaDeTexto 26">
@@ -13613,7 +13613,7 @@
                 </p:txBody>
               </p:sp>
             </mc:Choice>
-            <mc:Fallback>
+            <mc:Fallback xmlns="">
               <p:sp>
                 <p:nvSpPr>
                   <p:cNvPr id="27" name="CaixaDeTexto 26">
@@ -13658,8 +13658,8 @@
               </p:sp>
             </mc:Fallback>
           </mc:AlternateContent>
-          <mc:AlternateContent xmlns:mc="http://schemas.openxmlformats.org/markup-compatibility/2006">
-            <mc:Choice xmlns:a14="http://schemas.microsoft.com/office/drawing/2010/main" Requires="a14">
+          <mc:AlternateContent xmlns:mc="http://schemas.openxmlformats.org/markup-compatibility/2006" xmlns:a14="http://schemas.microsoft.com/office/drawing/2010/main">
+            <mc:Choice Requires="a14">
               <p:sp>
                 <p:nvSpPr>
                   <p:cNvPr id="29" name="CaixaDeTexto 28">
@@ -13728,7 +13728,7 @@
                 </p:txBody>
               </p:sp>
             </mc:Choice>
-            <mc:Fallback>
+            <mc:Fallback xmlns="">
               <p:sp>
                 <p:nvSpPr>
                   <p:cNvPr id="29" name="CaixaDeTexto 28">
@@ -13773,8 +13773,8 @@
               </p:sp>
             </mc:Fallback>
           </mc:AlternateContent>
-          <mc:AlternateContent xmlns:mc="http://schemas.openxmlformats.org/markup-compatibility/2006">
-            <mc:Choice xmlns:a14="http://schemas.microsoft.com/office/drawing/2010/main" Requires="a14">
+          <mc:AlternateContent xmlns:mc="http://schemas.openxmlformats.org/markup-compatibility/2006" xmlns:a14="http://schemas.microsoft.com/office/drawing/2010/main">
+            <mc:Choice Requires="a14">
               <p:sp>
                 <p:nvSpPr>
                   <p:cNvPr id="32" name="CaixaDeTexto 31">
@@ -13824,7 +13824,7 @@
                 </p:txBody>
               </p:sp>
             </mc:Choice>
-            <mc:Fallback>
+            <mc:Fallback xmlns="">
               <p:sp>
                 <p:nvSpPr>
                   <p:cNvPr id="32" name="CaixaDeTexto 31">
@@ -14275,8 +14275,8 @@
           </p:txBody>
         </p:sp>
       </p:grpSp>
-      <mc:AlternateContent xmlns:mc="http://schemas.openxmlformats.org/markup-compatibility/2006">
-        <mc:Choice xmlns:a14="http://schemas.microsoft.com/office/drawing/2010/main" Requires="a14">
+      <mc:AlternateContent xmlns:mc="http://schemas.openxmlformats.org/markup-compatibility/2006" xmlns:a14="http://schemas.microsoft.com/office/drawing/2010/main">
+        <mc:Choice Requires="a14">
           <p:sp>
             <p:nvSpPr>
               <p:cNvPr id="108" name="CaixaDeTexto 107">
@@ -14380,7 +14380,7 @@
             </p:txBody>
           </p:sp>
         </mc:Choice>
-        <mc:Fallback>
+        <mc:Fallback xmlns="">
           <p:sp>
             <p:nvSpPr>
               <p:cNvPr id="108" name="CaixaDeTexto 107">
@@ -14839,8 +14839,8 @@
         </p:nvSpPr>
         <p:spPr>
           <a:xfrm>
-            <a:off x="838200" y="1825625"/>
-            <a:ext cx="10812694" cy="4667250"/>
+            <a:off x="838200" y="1825624"/>
+            <a:ext cx="10812694" cy="5032375"/>
           </a:xfrm>
         </p:spPr>
         <p:txBody>
@@ -14877,8 +14877,76 @@
           <a:p>
             <a:r>
               <a:rPr lang="pt-BR" dirty="0"/>
-              <a:t>Mas primeiro, vamos dar uma olhada em um código que usa esse processo.</a:t>
-            </a:r>
+              <a:t>Mas primeiro, vamos dar uma olhada em um exemplo que nos dará uma ideia sobre como funciona esse processo de otimização.</a:t>
+            </a:r>
+          </a:p>
+        </p:txBody>
+      </p:sp>
+      <p:pic>
+        <p:nvPicPr>
+          <p:cNvPr id="5" name="Imagem 4">
+            <a:extLst>
+              <a:ext uri="{FF2B5EF4-FFF2-40B4-BE49-F238E27FC236}">
+                <a16:creationId xmlns:a16="http://schemas.microsoft.com/office/drawing/2014/main" id="{9C6CB0C9-43A4-2741-FE2B-267BDD097D20}"/>
+              </a:ext>
+            </a:extLst>
+          </p:cNvPr>
+          <p:cNvPicPr>
+            <a:picLocks noChangeAspect="1"/>
+          </p:cNvPicPr>
+          <p:nvPr/>
+        </p:nvPicPr>
+        <p:blipFill>
+          <a:blip r:embed="rId2"/>
+          <a:stretch>
+            <a:fillRect/>
+          </a:stretch>
+        </p:blipFill>
+        <p:spPr>
+          <a:xfrm>
+            <a:off x="2928136" y="5440390"/>
+            <a:ext cx="2823627" cy="1273526"/>
+          </a:xfrm>
+          <a:prstGeom prst="rect">
+            <a:avLst/>
+          </a:prstGeom>
+        </p:spPr>
+      </p:pic>
+      <p:sp>
+        <p:nvSpPr>
+          <p:cNvPr id="7" name="CaixaDeTexto 6">
+            <a:extLst>
+              <a:ext uri="{FF2B5EF4-FFF2-40B4-BE49-F238E27FC236}">
+                <a16:creationId xmlns:a16="http://schemas.microsoft.com/office/drawing/2014/main" id="{854A71DF-2BE0-4289-9C05-C0F039EA0472}"/>
+              </a:ext>
+            </a:extLst>
+          </p:cNvPr>
+          <p:cNvSpPr txBox="1"/>
+          <p:nvPr/>
+        </p:nvSpPr>
+        <p:spPr>
+          <a:xfrm>
+            <a:off x="5843427" y="5815543"/>
+            <a:ext cx="4471827" cy="523220"/>
+          </a:xfrm>
+          <a:prstGeom prst="rect">
+            <a:avLst/>
+          </a:prstGeom>
+          <a:noFill/>
+        </p:spPr>
+        <p:txBody>
+          <a:bodyPr wrap="square">
+            <a:spAutoFit/>
+          </a:bodyPr>
+          <a:lstStyle/>
+          <a:p>
+            <a:r>
+              <a:rPr lang="pt-BR" sz="2800" dirty="0">
+                <a:hlinkClick r:id="rId3"/>
+              </a:rPr>
+              <a:t>Explorando a função de erro</a:t>
+            </a:r>
+            <a:endParaRPr lang="pt-BR" sz="2800" dirty="0"/>
           </a:p>
         </p:txBody>
       </p:sp>
@@ -15089,22 +15157,6 @@
             <a:r>
               <a:rPr lang="pt-BR" dirty="0"/>
               <a:t>”.</a:t>
-            </a:r>
-          </a:p>
-          <a:p>
-            <a:r>
-              <a:rPr lang="pt-BR" dirty="0"/>
-              <a:t>Exemplo: </a:t>
-            </a:r>
-            <a:r>
-              <a:rPr lang="pt-BR" dirty="0">
-                <a:hlinkClick r:id="rId3"/>
-              </a:rPr>
-              <a:t>Explorando a função de erro</a:t>
-            </a:r>
-            <a:r>
-              <a:rPr lang="pt-BR" dirty="0"/>
-              <a:t>.</a:t>
             </a:r>
           </a:p>
         </p:txBody>
@@ -17052,8 +17104,8 @@
           </p:sp>
         </mc:Fallback>
       </mc:AlternateContent>
-      <mc:AlternateContent xmlns:mc="http://schemas.openxmlformats.org/markup-compatibility/2006">
-        <mc:Choice xmlns:a14="http://schemas.microsoft.com/office/drawing/2010/main" Requires="a14">
+      <mc:AlternateContent xmlns:mc="http://schemas.openxmlformats.org/markup-compatibility/2006" xmlns:a14="http://schemas.microsoft.com/office/drawing/2010/main">
+        <mc:Choice Requires="a14">
           <p:sp>
             <p:nvSpPr>
               <p:cNvPr id="3" name="Espaço Reservado para Conteúdo 2">
@@ -17277,7 +17329,7 @@
             </p:txBody>
           </p:sp>
         </mc:Choice>
-        <mc:Fallback>
+        <mc:Fallback xmlns="">
           <p:sp>
             <p:nvSpPr>
               <p:cNvPr id="3" name="Espaço Reservado para Conteúdo 2">

--- a/slides/TP557_5_Medindo_a_precisão_de_um_modelo_de_ML.pptx
+++ b/slides/TP557_5_Medindo_a_precisão_de_um_modelo_de_ML.pptx
@@ -1200,6 +1200,50 @@
               <a:rPr lang="pt-BR" dirty="0" err="1"/>
               <a:t>Explorando_a_função_de_erro.ipynb</a:t>
             </a:r>
+            <a:endParaRPr lang="pt-BR" dirty="0"/>
+          </a:p>
+          <a:p>
+            <a:endParaRPr lang="pt-BR" dirty="0"/>
+          </a:p>
+          <a:p>
+            <a:r>
+              <a:rPr lang="pt-BR" dirty="0"/>
+              <a:t>https://colab.research.google.com/</a:t>
+            </a:r>
+            <a:r>
+              <a:rPr lang="pt-BR" dirty="0" err="1"/>
+              <a:t>github</a:t>
+            </a:r>
+            <a:r>
+              <a:rPr lang="pt-BR" dirty="0"/>
+              <a:t>/zz4fap/tp557-iot-ml/</a:t>
+            </a:r>
+            <a:r>
+              <a:rPr lang="pt-BR" dirty="0" err="1"/>
+              <a:t>blob</a:t>
+            </a:r>
+            <a:r>
+              <a:rPr lang="pt-BR" dirty="0"/>
+              <a:t>/master/</a:t>
+            </a:r>
+            <a:r>
+              <a:rPr lang="pt-BR" dirty="0" err="1"/>
+              <a:t>exercises</a:t>
+            </a:r>
+            <a:r>
+              <a:rPr lang="pt-BR" dirty="0"/>
+              <a:t>/</a:t>
+            </a:r>
+            <a:r>
+              <a:rPr lang="pt-BR" dirty="0" err="1"/>
+              <a:t>Exercício_Encontre_os_pesos_da_função_hipótese.ipynb</a:t>
+            </a:r>
+            <a:endParaRPr lang="pt-BR" dirty="0"/>
+          </a:p>
+          <a:p>
+            <a:endParaRPr lang="pt-BR" dirty="0"/>
+          </a:p>
+          <a:p>
             <a:endParaRPr lang="pt-BR" dirty="0"/>
           </a:p>
         </p:txBody>
@@ -15157,6 +15201,22 @@
             <a:r>
               <a:rPr lang="pt-BR" dirty="0"/>
               <a:t>”.</a:t>
+            </a:r>
+          </a:p>
+          <a:p>
+            <a:r>
+              <a:rPr lang="pt-BR" dirty="0"/>
+              <a:t>Exercício: </a:t>
+            </a:r>
+            <a:r>
+              <a:rPr lang="pt-BR" dirty="0">
+                <a:hlinkClick r:id="rId3"/>
+              </a:rPr>
+              <a:t>Encontre os pesos da função hipótese</a:t>
+            </a:r>
+            <a:r>
+              <a:rPr lang="pt-BR" dirty="0"/>
+              <a:t>.</a:t>
             </a:r>
           </a:p>
         </p:txBody>

--- a/slides/TP557_5_Medindo_a_precisão_de_um_modelo_de_ML.pptx
+++ b/slides/TP557_5_Medindo_a_precisão_de_um_modelo_de_ML.pptx
@@ -297,7 +297,7 @@
           <a:p>
             <a:fld id="{144F1436-6906-4D93-B7A2-786C327BFA14}" type="datetimeFigureOut">
               <a:rPr lang="nl-BE" smtClean="0"/>
-              <a:t>30/07/2023</a:t>
+              <a:t>31/07/2023</a:t>
             </a:fld>
             <a:endParaRPr lang="nl-BE"/>
           </a:p>
@@ -462,7 +462,7 @@
           <a:p>
             <a:fld id="{AA8CD09E-2914-4F47-B6C1-51B2C31814C9}" type="datetimeFigureOut">
               <a:rPr lang="pt-BR" smtClean="0"/>
-              <a:t>30/07/2023</a:t>
+              <a:t>31/07/2023</a:t>
             </a:fld>
             <a:endParaRPr lang="pt-BR"/>
           </a:p>
@@ -941,7 +941,10 @@
           <a:bodyPr/>
           <a:lstStyle/>
           <a:p>
-            <a:endParaRPr lang="pt-BR" dirty="0"/>
+            <a:r>
+              <a:rPr lang="pt-BR" dirty="0"/>
+              <a:t>RMSE: É a distância euclidiana a menos de uma constante multiplicativa (mais fácil compreender a intuição geométrica).</a:t>
+            </a:r>
           </a:p>
         </p:txBody>
       </p:sp>
@@ -1431,7 +1434,7 @@
           <a:p>
             <a:fld id="{63289F7E-B80B-496E-81B4-D396C37C9454}" type="datetimeFigureOut">
               <a:rPr lang="pt-BR" smtClean="0"/>
-              <a:t>30/07/2023</a:t>
+              <a:t>31/07/2023</a:t>
             </a:fld>
             <a:endParaRPr lang="pt-BR"/>
           </a:p>
@@ -1629,7 +1632,7 @@
           <a:p>
             <a:fld id="{63289F7E-B80B-496E-81B4-D396C37C9454}" type="datetimeFigureOut">
               <a:rPr lang="pt-BR" smtClean="0"/>
-              <a:t>30/07/2023</a:t>
+              <a:t>31/07/2023</a:t>
             </a:fld>
             <a:endParaRPr lang="pt-BR"/>
           </a:p>
@@ -1837,7 +1840,7 @@
           <a:p>
             <a:fld id="{63289F7E-B80B-496E-81B4-D396C37C9454}" type="datetimeFigureOut">
               <a:rPr lang="pt-BR" smtClean="0"/>
-              <a:t>30/07/2023</a:t>
+              <a:t>31/07/2023</a:t>
             </a:fld>
             <a:endParaRPr lang="pt-BR"/>
           </a:p>
@@ -2035,7 +2038,7 @@
           <a:p>
             <a:fld id="{63289F7E-B80B-496E-81B4-D396C37C9454}" type="datetimeFigureOut">
               <a:rPr lang="pt-BR" smtClean="0"/>
-              <a:t>30/07/2023</a:t>
+              <a:t>31/07/2023</a:t>
             </a:fld>
             <a:endParaRPr lang="pt-BR"/>
           </a:p>
@@ -2310,7 +2313,7 @@
           <a:p>
             <a:fld id="{63289F7E-B80B-496E-81B4-D396C37C9454}" type="datetimeFigureOut">
               <a:rPr lang="pt-BR" smtClean="0"/>
-              <a:t>30/07/2023</a:t>
+              <a:t>31/07/2023</a:t>
             </a:fld>
             <a:endParaRPr lang="pt-BR"/>
           </a:p>
@@ -2575,7 +2578,7 @@
           <a:p>
             <a:fld id="{63289F7E-B80B-496E-81B4-D396C37C9454}" type="datetimeFigureOut">
               <a:rPr lang="pt-BR" smtClean="0"/>
-              <a:t>30/07/2023</a:t>
+              <a:t>31/07/2023</a:t>
             </a:fld>
             <a:endParaRPr lang="pt-BR"/>
           </a:p>
@@ -2987,7 +2990,7 @@
           <a:p>
             <a:fld id="{63289F7E-B80B-496E-81B4-D396C37C9454}" type="datetimeFigureOut">
               <a:rPr lang="pt-BR" smtClean="0"/>
-              <a:t>30/07/2023</a:t>
+              <a:t>31/07/2023</a:t>
             </a:fld>
             <a:endParaRPr lang="pt-BR"/>
           </a:p>
@@ -3128,7 +3131,7 @@
           <a:p>
             <a:fld id="{63289F7E-B80B-496E-81B4-D396C37C9454}" type="datetimeFigureOut">
               <a:rPr lang="pt-BR" smtClean="0"/>
-              <a:t>30/07/2023</a:t>
+              <a:t>31/07/2023</a:t>
             </a:fld>
             <a:endParaRPr lang="pt-BR"/>
           </a:p>
@@ -3241,7 +3244,7 @@
           <a:p>
             <a:fld id="{63289F7E-B80B-496E-81B4-D396C37C9454}" type="datetimeFigureOut">
               <a:rPr lang="pt-BR" smtClean="0"/>
-              <a:t>30/07/2023</a:t>
+              <a:t>31/07/2023</a:t>
             </a:fld>
             <a:endParaRPr lang="pt-BR"/>
           </a:p>
@@ -3552,7 +3555,7 @@
           <a:p>
             <a:fld id="{63289F7E-B80B-496E-81B4-D396C37C9454}" type="datetimeFigureOut">
               <a:rPr lang="pt-BR" smtClean="0"/>
-              <a:t>30/07/2023</a:t>
+              <a:t>31/07/2023</a:t>
             </a:fld>
             <a:endParaRPr lang="pt-BR"/>
           </a:p>
@@ -3840,7 +3843,7 @@
           <a:p>
             <a:fld id="{63289F7E-B80B-496E-81B4-D396C37C9454}" type="datetimeFigureOut">
               <a:rPr lang="pt-BR" smtClean="0"/>
-              <a:t>30/07/2023</a:t>
+              <a:t>31/07/2023</a:t>
             </a:fld>
             <a:endParaRPr lang="pt-BR"/>
           </a:p>
@@ -4081,7 +4084,7 @@
           <a:p>
             <a:fld id="{63289F7E-B80B-496E-81B4-D396C37C9454}" type="datetimeFigureOut">
               <a:rPr lang="pt-BR" smtClean="0"/>
-              <a:t>30/07/2023</a:t>
+              <a:t>31/07/2023</a:t>
             </a:fld>
             <a:endParaRPr lang="pt-BR"/>
           </a:p>
@@ -7336,7 +7339,25 @@
                         <a:rPr lang="pt-BR" sz="2800" b="0" i="1" smtClean="0">
                           <a:latin typeface="Cambria Math" panose="02040503050406030204" pitchFamily="18" charset="0"/>
                         </a:rPr>
-                        <m:t>=−2+2</m:t>
+                        <m:t>=−</m:t>
+                      </m:r>
+                      <m:r>
+                        <a:rPr lang="pt-BR" sz="2800" b="0" i="1" smtClean="0">
+                          <a:latin typeface="Cambria Math" panose="02040503050406030204" pitchFamily="18" charset="0"/>
+                        </a:rPr>
+                        <m:t>2</m:t>
+                      </m:r>
+                      <m:r>
+                        <a:rPr lang="pt-BR" sz="2800" b="0" i="1" smtClean="0">
+                          <a:latin typeface="Cambria Math" panose="02040503050406030204" pitchFamily="18" charset="0"/>
+                        </a:rPr>
+                        <m:t>+</m:t>
+                      </m:r>
+                      <m:r>
+                        <a:rPr lang="pt-BR" sz="2800" b="0" i="1" smtClean="0">
+                          <a:latin typeface="Cambria Math" panose="02040503050406030204" pitchFamily="18" charset="0"/>
+                        </a:rPr>
+                        <m:t>2</m:t>
                       </m:r>
                       <m:r>
                         <a:rPr lang="pt-BR" sz="2800" b="0" i="1" smtClean="0">
@@ -7470,7 +7491,67 @@
                             <a:rPr lang="pt-BR" sz="2800" b="0" i="1" smtClean="0">
                               <a:latin typeface="Cambria Math" panose="02040503050406030204" pitchFamily="18" charset="0"/>
                             </a:rPr>
-                            <m:t>1, 0, 1, 2, 3, 4</m:t>
+                            <m:t>1</m:t>
+                          </m:r>
+                          <m:r>
+                            <a:rPr lang="pt-BR" sz="2800" b="0" i="1" smtClean="0">
+                              <a:latin typeface="Cambria Math" panose="02040503050406030204" pitchFamily="18" charset="0"/>
+                            </a:rPr>
+                            <m:t>, </m:t>
+                          </m:r>
+                          <m:r>
+                            <a:rPr lang="pt-BR" sz="2800" b="0" i="1" smtClean="0">
+                              <a:latin typeface="Cambria Math" panose="02040503050406030204" pitchFamily="18" charset="0"/>
+                            </a:rPr>
+                            <m:t>0</m:t>
+                          </m:r>
+                          <m:r>
+                            <a:rPr lang="pt-BR" sz="2800" b="0" i="1" smtClean="0">
+                              <a:latin typeface="Cambria Math" panose="02040503050406030204" pitchFamily="18" charset="0"/>
+                            </a:rPr>
+                            <m:t>, </m:t>
+                          </m:r>
+                          <m:r>
+                            <a:rPr lang="pt-BR" sz="2800" b="0" i="1" smtClean="0">
+                              <a:latin typeface="Cambria Math" panose="02040503050406030204" pitchFamily="18" charset="0"/>
+                            </a:rPr>
+                            <m:t>1</m:t>
+                          </m:r>
+                          <m:r>
+                            <a:rPr lang="pt-BR" sz="2800" b="0" i="1" smtClean="0">
+                              <a:latin typeface="Cambria Math" panose="02040503050406030204" pitchFamily="18" charset="0"/>
+                            </a:rPr>
+                            <m:t>, </m:t>
+                          </m:r>
+                          <m:r>
+                            <a:rPr lang="pt-BR" sz="2800" b="0" i="1" smtClean="0">
+                              <a:latin typeface="Cambria Math" panose="02040503050406030204" pitchFamily="18" charset="0"/>
+                            </a:rPr>
+                            <m:t>2</m:t>
+                          </m:r>
+                          <m:r>
+                            <a:rPr lang="pt-BR" sz="2800" b="0" i="1" smtClean="0">
+                              <a:latin typeface="Cambria Math" panose="02040503050406030204" pitchFamily="18" charset="0"/>
+                            </a:rPr>
+                            <m:t>, </m:t>
+                          </m:r>
+                          <m:r>
+                            <a:rPr lang="pt-BR" sz="2800" b="0" i="1" smtClean="0">
+                              <a:latin typeface="Cambria Math" panose="02040503050406030204" pitchFamily="18" charset="0"/>
+                            </a:rPr>
+                            <m:t>3</m:t>
+                          </m:r>
+                          <m:r>
+                            <a:rPr lang="pt-BR" sz="2800" b="0" i="1" smtClean="0">
+                              <a:latin typeface="Cambria Math" panose="02040503050406030204" pitchFamily="18" charset="0"/>
+                            </a:rPr>
+                            <m:t>, </m:t>
+                          </m:r>
+                          <m:r>
+                            <a:rPr lang="pt-BR" sz="2800" b="0" i="1" smtClean="0">
+                              <a:latin typeface="Cambria Math" panose="02040503050406030204" pitchFamily="18" charset="0"/>
+                            </a:rPr>
+                            <m:t>4</m:t>
                           </m:r>
                         </m:e>
                       </m:d>
@@ -7630,7 +7711,13 @@
                             <a:rPr lang="pt-BR" sz="2400" i="1">
                               <a:latin typeface="Cambria Math" panose="02040503050406030204" pitchFamily="18" charset="0"/>
                             </a:rPr>
-                            <m:t>1+</m:t>
+                            <m:t>1</m:t>
+                          </m:r>
+                          <m:r>
+                            <a:rPr lang="pt-BR" sz="2400" i="1">
+                              <a:latin typeface="Cambria Math" panose="02040503050406030204" pitchFamily="18" charset="0"/>
+                            </a:rPr>
+                            <m:t>+</m:t>
                           </m:r>
                           <m:r>
                             <a:rPr lang="pt-BR" sz="2400" b="0" i="1" smtClean="0">
@@ -7642,7 +7729,19 @@
                             <a:rPr lang="pt-BR" sz="2400" i="1">
                               <a:latin typeface="Cambria Math" panose="02040503050406030204" pitchFamily="18" charset="0"/>
                             </a:rPr>
-                            <m:t>+1+</m:t>
+                            <m:t>+</m:t>
+                          </m:r>
+                          <m:r>
+                            <a:rPr lang="pt-BR" sz="2400" i="1">
+                              <a:latin typeface="Cambria Math" panose="02040503050406030204" pitchFamily="18" charset="0"/>
+                            </a:rPr>
+                            <m:t>1</m:t>
+                          </m:r>
+                          <m:r>
+                            <a:rPr lang="pt-BR" sz="2400" i="1">
+                              <a:latin typeface="Cambria Math" panose="02040503050406030204" pitchFamily="18" charset="0"/>
+                            </a:rPr>
+                            <m:t>+</m:t>
                           </m:r>
                           <m:r>
                             <a:rPr lang="pt-BR" sz="2400" b="0" i="1" smtClean="0">
@@ -7666,7 +7765,13 @@
                             <a:rPr lang="pt-BR" sz="2400" i="1">
                               <a:latin typeface="Cambria Math" panose="02040503050406030204" pitchFamily="18" charset="0"/>
                             </a:rPr>
-                            <m:t>+1</m:t>
+                            <m:t>+</m:t>
+                          </m:r>
+                          <m:r>
+                            <a:rPr lang="pt-BR" sz="2400" i="1">
+                              <a:latin typeface="Cambria Math" panose="02040503050406030204" pitchFamily="18" charset="0"/>
+                            </a:rPr>
+                            <m:t>1</m:t>
                           </m:r>
                         </m:num>
                         <m:den>
@@ -7682,7 +7787,25 @@
                         <a:rPr lang="pt-BR" sz="2400" b="0" i="1" smtClean="0">
                           <a:latin typeface="Cambria Math" panose="02040503050406030204" pitchFamily="18" charset="0"/>
                         </a:rPr>
-                        <m:t>=1.0</m:t>
+                        <m:t>=</m:t>
+                      </m:r>
+                      <m:r>
+                        <a:rPr lang="pt-BR" sz="2400" b="0" i="1" smtClean="0">
+                          <a:latin typeface="Cambria Math" panose="02040503050406030204" pitchFamily="18" charset="0"/>
+                        </a:rPr>
+                        <m:t>1</m:t>
+                      </m:r>
+                      <m:r>
+                        <a:rPr lang="pt-BR" sz="2400" b="0" i="1" smtClean="0">
+                          <a:latin typeface="Cambria Math" panose="02040503050406030204" pitchFamily="18" charset="0"/>
+                        </a:rPr>
+                        <m:t>.</m:t>
+                      </m:r>
+                      <m:r>
+                        <a:rPr lang="pt-BR" sz="2400" b="0" i="1" smtClean="0">
+                          <a:latin typeface="Cambria Math" panose="02040503050406030204" pitchFamily="18" charset="0"/>
+                        </a:rPr>
+                        <m:t>0</m:t>
                       </m:r>
                     </m:oMath>
                   </m:oMathPara>
@@ -17497,7 +17620,73 @@
                             <a:rPr lang="pt-BR" sz="3200" b="0" i="1" smtClean="0">
                               <a:latin typeface="Cambria Math" panose="02040503050406030204" pitchFamily="18" charset="0"/>
                             </a:rPr>
-                            <m:t>−1, 0, 1, 2, 3, 4</m:t>
+                            <m:t>−</m:t>
+                          </m:r>
+                          <m:r>
+                            <a:rPr lang="pt-BR" sz="3200" b="0" i="1" smtClean="0">
+                              <a:latin typeface="Cambria Math" panose="02040503050406030204" pitchFamily="18" charset="0"/>
+                            </a:rPr>
+                            <m:t>1</m:t>
+                          </m:r>
+                          <m:r>
+                            <a:rPr lang="pt-BR" sz="3200" b="0" i="1" smtClean="0">
+                              <a:latin typeface="Cambria Math" panose="02040503050406030204" pitchFamily="18" charset="0"/>
+                            </a:rPr>
+                            <m:t>, </m:t>
+                          </m:r>
+                          <m:r>
+                            <a:rPr lang="pt-BR" sz="3200" b="0" i="1" smtClean="0">
+                              <a:latin typeface="Cambria Math" panose="02040503050406030204" pitchFamily="18" charset="0"/>
+                            </a:rPr>
+                            <m:t>0</m:t>
+                          </m:r>
+                          <m:r>
+                            <a:rPr lang="pt-BR" sz="3200" b="0" i="1" smtClean="0">
+                              <a:latin typeface="Cambria Math" panose="02040503050406030204" pitchFamily="18" charset="0"/>
+                            </a:rPr>
+                            <m:t>, </m:t>
+                          </m:r>
+                          <m:r>
+                            <a:rPr lang="pt-BR" sz="3200" b="0" i="1" smtClean="0">
+                              <a:latin typeface="Cambria Math" panose="02040503050406030204" pitchFamily="18" charset="0"/>
+                            </a:rPr>
+                            <m:t>1</m:t>
+                          </m:r>
+                          <m:r>
+                            <a:rPr lang="pt-BR" sz="3200" b="0" i="1" smtClean="0">
+                              <a:latin typeface="Cambria Math" panose="02040503050406030204" pitchFamily="18" charset="0"/>
+                            </a:rPr>
+                            <m:t>, </m:t>
+                          </m:r>
+                          <m:r>
+                            <a:rPr lang="pt-BR" sz="3200" b="0" i="1" smtClean="0">
+                              <a:latin typeface="Cambria Math" panose="02040503050406030204" pitchFamily="18" charset="0"/>
+                            </a:rPr>
+                            <m:t>2</m:t>
+                          </m:r>
+                          <m:r>
+                            <a:rPr lang="pt-BR" sz="3200" b="0" i="1" smtClean="0">
+                              <a:latin typeface="Cambria Math" panose="02040503050406030204" pitchFamily="18" charset="0"/>
+                            </a:rPr>
+                            <m:t>, </m:t>
+                          </m:r>
+                          <m:r>
+                            <a:rPr lang="pt-BR" sz="3200" b="0" i="1" smtClean="0">
+                              <a:latin typeface="Cambria Math" panose="02040503050406030204" pitchFamily="18" charset="0"/>
+                            </a:rPr>
+                            <m:t>3</m:t>
+                          </m:r>
+                          <m:r>
+                            <a:rPr lang="pt-BR" sz="3200" b="0" i="1" smtClean="0">
+                              <a:latin typeface="Cambria Math" panose="02040503050406030204" pitchFamily="18" charset="0"/>
+                            </a:rPr>
+                            <m:t>, </m:t>
+                          </m:r>
+                          <m:r>
+                            <a:rPr lang="pt-BR" sz="3200" b="0" i="1" smtClean="0">
+                              <a:latin typeface="Cambria Math" panose="02040503050406030204" pitchFamily="18" charset="0"/>
+                            </a:rPr>
+                            <m:t>4</m:t>
                           </m:r>
                         </m:e>
                       </m:d>
@@ -17543,7 +17732,73 @@
                             <a:rPr lang="pt-BR" sz="3200" b="0" i="1" smtClean="0">
                               <a:latin typeface="Cambria Math" panose="02040503050406030204" pitchFamily="18" charset="0"/>
                             </a:rPr>
-                            <m:t>−3, −1, 1, 3, 5, 7</m:t>
+                            <m:t>−</m:t>
+                          </m:r>
+                          <m:r>
+                            <a:rPr lang="pt-BR" sz="3200" b="0" i="1" smtClean="0">
+                              <a:latin typeface="Cambria Math" panose="02040503050406030204" pitchFamily="18" charset="0"/>
+                            </a:rPr>
+                            <m:t>3</m:t>
+                          </m:r>
+                          <m:r>
+                            <a:rPr lang="pt-BR" sz="3200" b="0" i="1" smtClean="0">
+                              <a:latin typeface="Cambria Math" panose="02040503050406030204" pitchFamily="18" charset="0"/>
+                            </a:rPr>
+                            <m:t>, −</m:t>
+                          </m:r>
+                          <m:r>
+                            <a:rPr lang="pt-BR" sz="3200" b="0" i="1" smtClean="0">
+                              <a:latin typeface="Cambria Math" panose="02040503050406030204" pitchFamily="18" charset="0"/>
+                            </a:rPr>
+                            <m:t>1</m:t>
+                          </m:r>
+                          <m:r>
+                            <a:rPr lang="pt-BR" sz="3200" b="0" i="1" smtClean="0">
+                              <a:latin typeface="Cambria Math" panose="02040503050406030204" pitchFamily="18" charset="0"/>
+                            </a:rPr>
+                            <m:t>, </m:t>
+                          </m:r>
+                          <m:r>
+                            <a:rPr lang="pt-BR" sz="3200" b="0" i="1" smtClean="0">
+                              <a:latin typeface="Cambria Math" panose="02040503050406030204" pitchFamily="18" charset="0"/>
+                            </a:rPr>
+                            <m:t>1</m:t>
+                          </m:r>
+                          <m:r>
+                            <a:rPr lang="pt-BR" sz="3200" b="0" i="1" smtClean="0">
+                              <a:latin typeface="Cambria Math" panose="02040503050406030204" pitchFamily="18" charset="0"/>
+                            </a:rPr>
+                            <m:t>, </m:t>
+                          </m:r>
+                          <m:r>
+                            <a:rPr lang="pt-BR" sz="3200" b="0" i="1" smtClean="0">
+                              <a:latin typeface="Cambria Math" panose="02040503050406030204" pitchFamily="18" charset="0"/>
+                            </a:rPr>
+                            <m:t>3</m:t>
+                          </m:r>
+                          <m:r>
+                            <a:rPr lang="pt-BR" sz="3200" b="0" i="1" smtClean="0">
+                              <a:latin typeface="Cambria Math" panose="02040503050406030204" pitchFamily="18" charset="0"/>
+                            </a:rPr>
+                            <m:t>, </m:t>
+                          </m:r>
+                          <m:r>
+                            <a:rPr lang="pt-BR" sz="3200" b="0" i="1" smtClean="0">
+                              <a:latin typeface="Cambria Math" panose="02040503050406030204" pitchFamily="18" charset="0"/>
+                            </a:rPr>
+                            <m:t>5</m:t>
+                          </m:r>
+                          <m:r>
+                            <a:rPr lang="pt-BR" sz="3200" b="0" i="1" smtClean="0">
+                              <a:latin typeface="Cambria Math" panose="02040503050406030204" pitchFamily="18" charset="0"/>
+                            </a:rPr>
+                            <m:t>, </m:t>
+                          </m:r>
+                          <m:r>
+                            <a:rPr lang="pt-BR" sz="3200" b="0" i="1" smtClean="0">
+                              <a:latin typeface="Cambria Math" panose="02040503050406030204" pitchFamily="18" charset="0"/>
+                            </a:rPr>
+                            <m:t>7</m:t>
                           </m:r>
                         </m:e>
                       </m:d>
@@ -18514,7 +18769,25 @@
                         <a:rPr lang="pt-BR" sz="3200" b="0" i="1" smtClean="0">
                           <a:latin typeface="Cambria Math" panose="02040503050406030204" pitchFamily="18" charset="0"/>
                         </a:rPr>
-                        <m:t>=−1+3</m:t>
+                        <m:t>=−</m:t>
+                      </m:r>
+                      <m:r>
+                        <a:rPr lang="pt-BR" sz="3200" b="0" i="1" smtClean="0">
+                          <a:latin typeface="Cambria Math" panose="02040503050406030204" pitchFamily="18" charset="0"/>
+                        </a:rPr>
+                        <m:t>1</m:t>
+                      </m:r>
+                      <m:r>
+                        <a:rPr lang="pt-BR" sz="3200" b="0" i="1" smtClean="0">
+                          <a:latin typeface="Cambria Math" panose="02040503050406030204" pitchFamily="18" charset="0"/>
+                        </a:rPr>
+                        <m:t>+</m:t>
+                      </m:r>
+                      <m:r>
+                        <a:rPr lang="pt-BR" sz="3200" b="0" i="1" smtClean="0">
+                          <a:latin typeface="Cambria Math" panose="02040503050406030204" pitchFamily="18" charset="0"/>
+                        </a:rPr>
+                        <m:t>3</m:t>
                       </m:r>
                       <m:r>
                         <a:rPr lang="pt-BR" sz="3200" b="0" i="1" smtClean="0">
@@ -18648,7 +18921,67 @@
                             <a:rPr lang="pt-BR" sz="3200" b="0" i="1" smtClean="0">
                               <a:latin typeface="Cambria Math" panose="02040503050406030204" pitchFamily="18" charset="0"/>
                             </a:rPr>
-                            <m:t>1, 0, 1, 2, 3, 4</m:t>
+                            <m:t>1</m:t>
+                          </m:r>
+                          <m:r>
+                            <a:rPr lang="pt-BR" sz="3200" b="0" i="1" smtClean="0">
+                              <a:latin typeface="Cambria Math" panose="02040503050406030204" pitchFamily="18" charset="0"/>
+                            </a:rPr>
+                            <m:t>, </m:t>
+                          </m:r>
+                          <m:r>
+                            <a:rPr lang="pt-BR" sz="3200" b="0" i="1" smtClean="0">
+                              <a:latin typeface="Cambria Math" panose="02040503050406030204" pitchFamily="18" charset="0"/>
+                            </a:rPr>
+                            <m:t>0</m:t>
+                          </m:r>
+                          <m:r>
+                            <a:rPr lang="pt-BR" sz="3200" b="0" i="1" smtClean="0">
+                              <a:latin typeface="Cambria Math" panose="02040503050406030204" pitchFamily="18" charset="0"/>
+                            </a:rPr>
+                            <m:t>, </m:t>
+                          </m:r>
+                          <m:r>
+                            <a:rPr lang="pt-BR" sz="3200" b="0" i="1" smtClean="0">
+                              <a:latin typeface="Cambria Math" panose="02040503050406030204" pitchFamily="18" charset="0"/>
+                            </a:rPr>
+                            <m:t>1</m:t>
+                          </m:r>
+                          <m:r>
+                            <a:rPr lang="pt-BR" sz="3200" b="0" i="1" smtClean="0">
+                              <a:latin typeface="Cambria Math" panose="02040503050406030204" pitchFamily="18" charset="0"/>
+                            </a:rPr>
+                            <m:t>, </m:t>
+                          </m:r>
+                          <m:r>
+                            <a:rPr lang="pt-BR" sz="3200" b="0" i="1" smtClean="0">
+                              <a:latin typeface="Cambria Math" panose="02040503050406030204" pitchFamily="18" charset="0"/>
+                            </a:rPr>
+                            <m:t>2</m:t>
+                          </m:r>
+                          <m:r>
+                            <a:rPr lang="pt-BR" sz="3200" b="0" i="1" smtClean="0">
+                              <a:latin typeface="Cambria Math" panose="02040503050406030204" pitchFamily="18" charset="0"/>
+                            </a:rPr>
+                            <m:t>, </m:t>
+                          </m:r>
+                          <m:r>
+                            <a:rPr lang="pt-BR" sz="3200" b="0" i="1" smtClean="0">
+                              <a:latin typeface="Cambria Math" panose="02040503050406030204" pitchFamily="18" charset="0"/>
+                            </a:rPr>
+                            <m:t>3</m:t>
+                          </m:r>
+                          <m:r>
+                            <a:rPr lang="pt-BR" sz="3200" b="0" i="1" smtClean="0">
+                              <a:latin typeface="Cambria Math" panose="02040503050406030204" pitchFamily="18" charset="0"/>
+                            </a:rPr>
+                            <m:t>, </m:t>
+                          </m:r>
+                          <m:r>
+                            <a:rPr lang="pt-BR" sz="3200" b="0" i="1" smtClean="0">
+                              <a:latin typeface="Cambria Math" panose="02040503050406030204" pitchFamily="18" charset="0"/>
+                            </a:rPr>
+                            <m:t>4</m:t>
                           </m:r>
                         </m:e>
                       </m:d>
@@ -18800,7 +19133,84 @@
                               <m:nor/>
                             </m:rPr>
                             <a:rPr lang="pt-BR" b="0" i="0"/>
-                            <m:t>4, −1, 2, 5, 8, 11</m:t>
+                            <m:t>4</m:t>
+                          </m:r>
+                          <m:r>
+                            <m:rPr>
+                              <m:nor/>
+                            </m:rPr>
+                            <a:rPr lang="pt-BR" b="0" i="0"/>
+                            <m:t>, </m:t>
+                          </m:r>
+                          <m:r>
+                            <m:rPr>
+                              <m:nor/>
+                            </m:rPr>
+                            <a:rPr lang="pt-BR" b="0" i="0"/>
+                            <m:t>−</m:t>
+                          </m:r>
+                          <m:r>
+                            <m:rPr>
+                              <m:nor/>
+                            </m:rPr>
+                            <a:rPr lang="pt-BR" b="0" i="0"/>
+                            <m:t>1</m:t>
+                          </m:r>
+                          <m:r>
+                            <m:rPr>
+                              <m:nor/>
+                            </m:rPr>
+                            <a:rPr lang="pt-BR" b="0" i="0"/>
+                            <m:t>, </m:t>
+                          </m:r>
+                          <m:r>
+                            <m:rPr>
+                              <m:nor/>
+                            </m:rPr>
+                            <a:rPr lang="pt-BR" b="0" i="0"/>
+                            <m:t>2</m:t>
+                          </m:r>
+                          <m:r>
+                            <m:rPr>
+                              <m:nor/>
+                            </m:rPr>
+                            <a:rPr lang="pt-BR" b="0" i="0"/>
+                            <m:t>, </m:t>
+                          </m:r>
+                          <m:r>
+                            <m:rPr>
+                              <m:nor/>
+                            </m:rPr>
+                            <a:rPr lang="pt-BR" b="0" i="0"/>
+                            <m:t>5</m:t>
+                          </m:r>
+                          <m:r>
+                            <m:rPr>
+                              <m:nor/>
+                            </m:rPr>
+                            <a:rPr lang="pt-BR" b="0" i="0"/>
+                            <m:t>, </m:t>
+                          </m:r>
+                          <m:r>
+                            <m:rPr>
+                              <m:nor/>
+                            </m:rPr>
+                            <a:rPr lang="pt-BR" b="0" i="0"/>
+                            <m:t>8</m:t>
+                          </m:r>
+                          <m:r>
+                            <m:rPr>
+                              <m:nor/>
+                            </m:rPr>
+                            <a:rPr lang="pt-BR" b="0" i="0"/>
+                            <m:t>, </m:t>
+                          </m:r>
+                          <m:r>
+                            <m:rPr>
+                              <m:nor/>
+                            </m:rPr>
+                            <a:rPr lang="pt-BR" b="0" i="0"/>
+                            <m:t>11</m:t>
                           </m:r>
                         </m:e>
                       </m:d>
@@ -18956,7 +19366,73 @@
                             <a:rPr lang="pt-BR" sz="3200" b="0" i="1" smtClean="0">
                               <a:latin typeface="Cambria Math" panose="02040503050406030204" pitchFamily="18" charset="0"/>
                             </a:rPr>
-                            <m:t>−3, −1, 1, 3, 5, 7</m:t>
+                            <m:t>−</m:t>
+                          </m:r>
+                          <m:r>
+                            <a:rPr lang="pt-BR" sz="3200" b="0" i="1" smtClean="0">
+                              <a:latin typeface="Cambria Math" panose="02040503050406030204" pitchFamily="18" charset="0"/>
+                            </a:rPr>
+                            <m:t>3</m:t>
+                          </m:r>
+                          <m:r>
+                            <a:rPr lang="pt-BR" sz="3200" b="0" i="1" smtClean="0">
+                              <a:latin typeface="Cambria Math" panose="02040503050406030204" pitchFamily="18" charset="0"/>
+                            </a:rPr>
+                            <m:t>, −</m:t>
+                          </m:r>
+                          <m:r>
+                            <a:rPr lang="pt-BR" sz="3200" b="0" i="1" smtClean="0">
+                              <a:latin typeface="Cambria Math" panose="02040503050406030204" pitchFamily="18" charset="0"/>
+                            </a:rPr>
+                            <m:t>1</m:t>
+                          </m:r>
+                          <m:r>
+                            <a:rPr lang="pt-BR" sz="3200" b="0" i="1" smtClean="0">
+                              <a:latin typeface="Cambria Math" panose="02040503050406030204" pitchFamily="18" charset="0"/>
+                            </a:rPr>
+                            <m:t>, </m:t>
+                          </m:r>
+                          <m:r>
+                            <a:rPr lang="pt-BR" sz="3200" b="0" i="1" smtClean="0">
+                              <a:latin typeface="Cambria Math" panose="02040503050406030204" pitchFamily="18" charset="0"/>
+                            </a:rPr>
+                            <m:t>1</m:t>
+                          </m:r>
+                          <m:r>
+                            <a:rPr lang="pt-BR" sz="3200" b="0" i="1" smtClean="0">
+                              <a:latin typeface="Cambria Math" panose="02040503050406030204" pitchFamily="18" charset="0"/>
+                            </a:rPr>
+                            <m:t>, </m:t>
+                          </m:r>
+                          <m:r>
+                            <a:rPr lang="pt-BR" sz="3200" b="0" i="1" smtClean="0">
+                              <a:latin typeface="Cambria Math" panose="02040503050406030204" pitchFamily="18" charset="0"/>
+                            </a:rPr>
+                            <m:t>3</m:t>
+                          </m:r>
+                          <m:r>
+                            <a:rPr lang="pt-BR" sz="3200" b="0" i="1" smtClean="0">
+                              <a:latin typeface="Cambria Math" panose="02040503050406030204" pitchFamily="18" charset="0"/>
+                            </a:rPr>
+                            <m:t>, </m:t>
+                          </m:r>
+                          <m:r>
+                            <a:rPr lang="pt-BR" sz="3200" b="0" i="1" smtClean="0">
+                              <a:latin typeface="Cambria Math" panose="02040503050406030204" pitchFamily="18" charset="0"/>
+                            </a:rPr>
+                            <m:t>5</m:t>
+                          </m:r>
+                          <m:r>
+                            <a:rPr lang="pt-BR" sz="3200" b="0" i="1" smtClean="0">
+                              <a:latin typeface="Cambria Math" panose="02040503050406030204" pitchFamily="18" charset="0"/>
+                            </a:rPr>
+                            <m:t>, </m:t>
+                          </m:r>
+                          <m:r>
+                            <a:rPr lang="pt-BR" sz="3200" b="0" i="1" smtClean="0">
+                              <a:latin typeface="Cambria Math" panose="02040503050406030204" pitchFamily="18" charset="0"/>
+                            </a:rPr>
+                            <m:t>7</m:t>
                           </m:r>
                         </m:e>
                       </m:d>

--- a/slides/TP557_5_Medindo_a_precisão_de_um_modelo_de_ML.pptx
+++ b/slides/TP557_5_Medindo_a_precisão_de_um_modelo_de_ML.pptx
@@ -297,7 +297,7 @@
           <a:p>
             <a:fld id="{144F1436-6906-4D93-B7A2-786C327BFA14}" type="datetimeFigureOut">
               <a:rPr lang="nl-BE" smtClean="0"/>
-              <a:t>31/07/2023</a:t>
+              <a:t>1/08/2023</a:t>
             </a:fld>
             <a:endParaRPr lang="nl-BE"/>
           </a:p>
@@ -462,7 +462,7 @@
           <a:p>
             <a:fld id="{AA8CD09E-2914-4F47-B6C1-51B2C31814C9}" type="datetimeFigureOut">
               <a:rPr lang="pt-BR" smtClean="0"/>
-              <a:t>31/07/2023</a:t>
+              <a:t>01/08/2023</a:t>
             </a:fld>
             <a:endParaRPr lang="pt-BR"/>
           </a:p>
@@ -1239,7 +1239,7 @@
             </a:r>
             <a:r>
               <a:rPr lang="pt-BR" dirty="0" err="1"/>
-              <a:t>Exercício_Encontre_os_pesos_da_função_hipótese.ipynb</a:t>
+              <a:t>Exercício_encontre_os_pesos_da_função_hipótese.ipynb</a:t>
             </a:r>
             <a:endParaRPr lang="pt-BR" dirty="0"/>
           </a:p>
@@ -1434,7 +1434,7 @@
           <a:p>
             <a:fld id="{63289F7E-B80B-496E-81B4-D396C37C9454}" type="datetimeFigureOut">
               <a:rPr lang="pt-BR" smtClean="0"/>
-              <a:t>31/07/2023</a:t>
+              <a:t>01/08/2023</a:t>
             </a:fld>
             <a:endParaRPr lang="pt-BR"/>
           </a:p>
@@ -1632,7 +1632,7 @@
           <a:p>
             <a:fld id="{63289F7E-B80B-496E-81B4-D396C37C9454}" type="datetimeFigureOut">
               <a:rPr lang="pt-BR" smtClean="0"/>
-              <a:t>31/07/2023</a:t>
+              <a:t>01/08/2023</a:t>
             </a:fld>
             <a:endParaRPr lang="pt-BR"/>
           </a:p>
@@ -1840,7 +1840,7 @@
           <a:p>
             <a:fld id="{63289F7E-B80B-496E-81B4-D396C37C9454}" type="datetimeFigureOut">
               <a:rPr lang="pt-BR" smtClean="0"/>
-              <a:t>31/07/2023</a:t>
+              <a:t>01/08/2023</a:t>
             </a:fld>
             <a:endParaRPr lang="pt-BR"/>
           </a:p>
@@ -2038,7 +2038,7 @@
           <a:p>
             <a:fld id="{63289F7E-B80B-496E-81B4-D396C37C9454}" type="datetimeFigureOut">
               <a:rPr lang="pt-BR" smtClean="0"/>
-              <a:t>31/07/2023</a:t>
+              <a:t>01/08/2023</a:t>
             </a:fld>
             <a:endParaRPr lang="pt-BR"/>
           </a:p>
@@ -2313,7 +2313,7 @@
           <a:p>
             <a:fld id="{63289F7E-B80B-496E-81B4-D396C37C9454}" type="datetimeFigureOut">
               <a:rPr lang="pt-BR" smtClean="0"/>
-              <a:t>31/07/2023</a:t>
+              <a:t>01/08/2023</a:t>
             </a:fld>
             <a:endParaRPr lang="pt-BR"/>
           </a:p>
@@ -2578,7 +2578,7 @@
           <a:p>
             <a:fld id="{63289F7E-B80B-496E-81B4-D396C37C9454}" type="datetimeFigureOut">
               <a:rPr lang="pt-BR" smtClean="0"/>
-              <a:t>31/07/2023</a:t>
+              <a:t>01/08/2023</a:t>
             </a:fld>
             <a:endParaRPr lang="pt-BR"/>
           </a:p>
@@ -2990,7 +2990,7 @@
           <a:p>
             <a:fld id="{63289F7E-B80B-496E-81B4-D396C37C9454}" type="datetimeFigureOut">
               <a:rPr lang="pt-BR" smtClean="0"/>
-              <a:t>31/07/2023</a:t>
+              <a:t>01/08/2023</a:t>
             </a:fld>
             <a:endParaRPr lang="pt-BR"/>
           </a:p>
@@ -3131,7 +3131,7 @@
           <a:p>
             <a:fld id="{63289F7E-B80B-496E-81B4-D396C37C9454}" type="datetimeFigureOut">
               <a:rPr lang="pt-BR" smtClean="0"/>
-              <a:t>31/07/2023</a:t>
+              <a:t>01/08/2023</a:t>
             </a:fld>
             <a:endParaRPr lang="pt-BR"/>
           </a:p>
@@ -3244,7 +3244,7 @@
           <a:p>
             <a:fld id="{63289F7E-B80B-496E-81B4-D396C37C9454}" type="datetimeFigureOut">
               <a:rPr lang="pt-BR" smtClean="0"/>
-              <a:t>31/07/2023</a:t>
+              <a:t>01/08/2023</a:t>
             </a:fld>
             <a:endParaRPr lang="pt-BR"/>
           </a:p>
@@ -3555,7 +3555,7 @@
           <a:p>
             <a:fld id="{63289F7E-B80B-496E-81B4-D396C37C9454}" type="datetimeFigureOut">
               <a:rPr lang="pt-BR" smtClean="0"/>
-              <a:t>31/07/2023</a:t>
+              <a:t>01/08/2023</a:t>
             </a:fld>
             <a:endParaRPr lang="pt-BR"/>
           </a:p>
@@ -3843,7 +3843,7 @@
           <a:p>
             <a:fld id="{63289F7E-B80B-496E-81B4-D396C37C9454}" type="datetimeFigureOut">
               <a:rPr lang="pt-BR" smtClean="0"/>
-              <a:t>31/07/2023</a:t>
+              <a:t>01/08/2023</a:t>
             </a:fld>
             <a:endParaRPr lang="pt-BR"/>
           </a:p>
@@ -4084,7 +4084,7 @@
           <a:p>
             <a:fld id="{63289F7E-B80B-496E-81B4-D396C37C9454}" type="datetimeFigureOut">
               <a:rPr lang="pt-BR" smtClean="0"/>
-              <a:t>31/07/2023</a:t>
+              <a:t>01/08/2023</a:t>
             </a:fld>
             <a:endParaRPr lang="pt-BR"/>
           </a:p>
@@ -7339,25 +7339,7 @@
                         <a:rPr lang="pt-BR" sz="2800" b="0" i="1" smtClean="0">
                           <a:latin typeface="Cambria Math" panose="02040503050406030204" pitchFamily="18" charset="0"/>
                         </a:rPr>
-                        <m:t>=−</m:t>
-                      </m:r>
-                      <m:r>
-                        <a:rPr lang="pt-BR" sz="2800" b="0" i="1" smtClean="0">
-                          <a:latin typeface="Cambria Math" panose="02040503050406030204" pitchFamily="18" charset="0"/>
-                        </a:rPr>
-                        <m:t>2</m:t>
-                      </m:r>
-                      <m:r>
-                        <a:rPr lang="pt-BR" sz="2800" b="0" i="1" smtClean="0">
-                          <a:latin typeface="Cambria Math" panose="02040503050406030204" pitchFamily="18" charset="0"/>
-                        </a:rPr>
-                        <m:t>+</m:t>
-                      </m:r>
-                      <m:r>
-                        <a:rPr lang="pt-BR" sz="2800" b="0" i="1" smtClean="0">
-                          <a:latin typeface="Cambria Math" panose="02040503050406030204" pitchFamily="18" charset="0"/>
-                        </a:rPr>
-                        <m:t>2</m:t>
+                        <m:t>=−2+2</m:t>
                       </m:r>
                       <m:r>
                         <a:rPr lang="pt-BR" sz="2800" b="0" i="1" smtClean="0">
@@ -7491,67 +7473,7 @@
                             <a:rPr lang="pt-BR" sz="2800" b="0" i="1" smtClean="0">
                               <a:latin typeface="Cambria Math" panose="02040503050406030204" pitchFamily="18" charset="0"/>
                             </a:rPr>
-                            <m:t>1</m:t>
-                          </m:r>
-                          <m:r>
-                            <a:rPr lang="pt-BR" sz="2800" b="0" i="1" smtClean="0">
-                              <a:latin typeface="Cambria Math" panose="02040503050406030204" pitchFamily="18" charset="0"/>
-                            </a:rPr>
-                            <m:t>, </m:t>
-                          </m:r>
-                          <m:r>
-                            <a:rPr lang="pt-BR" sz="2800" b="0" i="1" smtClean="0">
-                              <a:latin typeface="Cambria Math" panose="02040503050406030204" pitchFamily="18" charset="0"/>
-                            </a:rPr>
-                            <m:t>0</m:t>
-                          </m:r>
-                          <m:r>
-                            <a:rPr lang="pt-BR" sz="2800" b="0" i="1" smtClean="0">
-                              <a:latin typeface="Cambria Math" panose="02040503050406030204" pitchFamily="18" charset="0"/>
-                            </a:rPr>
-                            <m:t>, </m:t>
-                          </m:r>
-                          <m:r>
-                            <a:rPr lang="pt-BR" sz="2800" b="0" i="1" smtClean="0">
-                              <a:latin typeface="Cambria Math" panose="02040503050406030204" pitchFamily="18" charset="0"/>
-                            </a:rPr>
-                            <m:t>1</m:t>
-                          </m:r>
-                          <m:r>
-                            <a:rPr lang="pt-BR" sz="2800" b="0" i="1" smtClean="0">
-                              <a:latin typeface="Cambria Math" panose="02040503050406030204" pitchFamily="18" charset="0"/>
-                            </a:rPr>
-                            <m:t>, </m:t>
-                          </m:r>
-                          <m:r>
-                            <a:rPr lang="pt-BR" sz="2800" b="0" i="1" smtClean="0">
-                              <a:latin typeface="Cambria Math" panose="02040503050406030204" pitchFamily="18" charset="0"/>
-                            </a:rPr>
-                            <m:t>2</m:t>
-                          </m:r>
-                          <m:r>
-                            <a:rPr lang="pt-BR" sz="2800" b="0" i="1" smtClean="0">
-                              <a:latin typeface="Cambria Math" panose="02040503050406030204" pitchFamily="18" charset="0"/>
-                            </a:rPr>
-                            <m:t>, </m:t>
-                          </m:r>
-                          <m:r>
-                            <a:rPr lang="pt-BR" sz="2800" b="0" i="1" smtClean="0">
-                              <a:latin typeface="Cambria Math" panose="02040503050406030204" pitchFamily="18" charset="0"/>
-                            </a:rPr>
-                            <m:t>3</m:t>
-                          </m:r>
-                          <m:r>
-                            <a:rPr lang="pt-BR" sz="2800" b="0" i="1" smtClean="0">
-                              <a:latin typeface="Cambria Math" panose="02040503050406030204" pitchFamily="18" charset="0"/>
-                            </a:rPr>
-                            <m:t>, </m:t>
-                          </m:r>
-                          <m:r>
-                            <a:rPr lang="pt-BR" sz="2800" b="0" i="1" smtClean="0">
-                              <a:latin typeface="Cambria Math" panose="02040503050406030204" pitchFamily="18" charset="0"/>
-                            </a:rPr>
-                            <m:t>4</m:t>
+                            <m:t>1, 0, 1, 2, 3, 4</m:t>
                           </m:r>
                         </m:e>
                       </m:d>
@@ -7711,13 +7633,7 @@
                             <a:rPr lang="pt-BR" sz="2400" i="1">
                               <a:latin typeface="Cambria Math" panose="02040503050406030204" pitchFamily="18" charset="0"/>
                             </a:rPr>
-                            <m:t>1</m:t>
-                          </m:r>
-                          <m:r>
-                            <a:rPr lang="pt-BR" sz="2400" i="1">
-                              <a:latin typeface="Cambria Math" panose="02040503050406030204" pitchFamily="18" charset="0"/>
-                            </a:rPr>
-                            <m:t>+</m:t>
+                            <m:t>1+</m:t>
                           </m:r>
                           <m:r>
                             <a:rPr lang="pt-BR" sz="2400" b="0" i="1" smtClean="0">
@@ -7729,19 +7645,7 @@
                             <a:rPr lang="pt-BR" sz="2400" i="1">
                               <a:latin typeface="Cambria Math" panose="02040503050406030204" pitchFamily="18" charset="0"/>
                             </a:rPr>
-                            <m:t>+</m:t>
-                          </m:r>
-                          <m:r>
-                            <a:rPr lang="pt-BR" sz="2400" i="1">
-                              <a:latin typeface="Cambria Math" panose="02040503050406030204" pitchFamily="18" charset="0"/>
-                            </a:rPr>
-                            <m:t>1</m:t>
-                          </m:r>
-                          <m:r>
-                            <a:rPr lang="pt-BR" sz="2400" i="1">
-                              <a:latin typeface="Cambria Math" panose="02040503050406030204" pitchFamily="18" charset="0"/>
-                            </a:rPr>
-                            <m:t>+</m:t>
+                            <m:t>+1+</m:t>
                           </m:r>
                           <m:r>
                             <a:rPr lang="pt-BR" sz="2400" b="0" i="1" smtClean="0">
@@ -7765,13 +7669,7 @@
                             <a:rPr lang="pt-BR" sz="2400" i="1">
                               <a:latin typeface="Cambria Math" panose="02040503050406030204" pitchFamily="18" charset="0"/>
                             </a:rPr>
-                            <m:t>+</m:t>
-                          </m:r>
-                          <m:r>
-                            <a:rPr lang="pt-BR" sz="2400" i="1">
-                              <a:latin typeface="Cambria Math" panose="02040503050406030204" pitchFamily="18" charset="0"/>
-                            </a:rPr>
-                            <m:t>1</m:t>
+                            <m:t>+1</m:t>
                           </m:r>
                         </m:num>
                         <m:den>
@@ -7787,25 +7685,7 @@
                         <a:rPr lang="pt-BR" sz="2400" b="0" i="1" smtClean="0">
                           <a:latin typeface="Cambria Math" panose="02040503050406030204" pitchFamily="18" charset="0"/>
                         </a:rPr>
-                        <m:t>=</m:t>
-                      </m:r>
-                      <m:r>
-                        <a:rPr lang="pt-BR" sz="2400" b="0" i="1" smtClean="0">
-                          <a:latin typeface="Cambria Math" panose="02040503050406030204" pitchFamily="18" charset="0"/>
-                        </a:rPr>
-                        <m:t>1</m:t>
-                      </m:r>
-                      <m:r>
-                        <a:rPr lang="pt-BR" sz="2400" b="0" i="1" smtClean="0">
-                          <a:latin typeface="Cambria Math" panose="02040503050406030204" pitchFamily="18" charset="0"/>
-                        </a:rPr>
-                        <m:t>.</m:t>
-                      </m:r>
-                      <m:r>
-                        <a:rPr lang="pt-BR" sz="2400" b="0" i="1" smtClean="0">
-                          <a:latin typeface="Cambria Math" panose="02040503050406030204" pitchFamily="18" charset="0"/>
-                        </a:rPr>
-                        <m:t>0</m:t>
+                        <m:t>=1.0</m:t>
                       </m:r>
                     </m:oMath>
                   </m:oMathPara>
@@ -17620,73 +17500,7 @@
                             <a:rPr lang="pt-BR" sz="3200" b="0" i="1" smtClean="0">
                               <a:latin typeface="Cambria Math" panose="02040503050406030204" pitchFamily="18" charset="0"/>
                             </a:rPr>
-                            <m:t>−</m:t>
-                          </m:r>
-                          <m:r>
-                            <a:rPr lang="pt-BR" sz="3200" b="0" i="1" smtClean="0">
-                              <a:latin typeface="Cambria Math" panose="02040503050406030204" pitchFamily="18" charset="0"/>
-                            </a:rPr>
-                            <m:t>1</m:t>
-                          </m:r>
-                          <m:r>
-                            <a:rPr lang="pt-BR" sz="3200" b="0" i="1" smtClean="0">
-                              <a:latin typeface="Cambria Math" panose="02040503050406030204" pitchFamily="18" charset="0"/>
-                            </a:rPr>
-                            <m:t>, </m:t>
-                          </m:r>
-                          <m:r>
-                            <a:rPr lang="pt-BR" sz="3200" b="0" i="1" smtClean="0">
-                              <a:latin typeface="Cambria Math" panose="02040503050406030204" pitchFamily="18" charset="0"/>
-                            </a:rPr>
-                            <m:t>0</m:t>
-                          </m:r>
-                          <m:r>
-                            <a:rPr lang="pt-BR" sz="3200" b="0" i="1" smtClean="0">
-                              <a:latin typeface="Cambria Math" panose="02040503050406030204" pitchFamily="18" charset="0"/>
-                            </a:rPr>
-                            <m:t>, </m:t>
-                          </m:r>
-                          <m:r>
-                            <a:rPr lang="pt-BR" sz="3200" b="0" i="1" smtClean="0">
-                              <a:latin typeface="Cambria Math" panose="02040503050406030204" pitchFamily="18" charset="0"/>
-                            </a:rPr>
-                            <m:t>1</m:t>
-                          </m:r>
-                          <m:r>
-                            <a:rPr lang="pt-BR" sz="3200" b="0" i="1" smtClean="0">
-                              <a:latin typeface="Cambria Math" panose="02040503050406030204" pitchFamily="18" charset="0"/>
-                            </a:rPr>
-                            <m:t>, </m:t>
-                          </m:r>
-                          <m:r>
-                            <a:rPr lang="pt-BR" sz="3200" b="0" i="1" smtClean="0">
-                              <a:latin typeface="Cambria Math" panose="02040503050406030204" pitchFamily="18" charset="0"/>
-                            </a:rPr>
-                            <m:t>2</m:t>
-                          </m:r>
-                          <m:r>
-                            <a:rPr lang="pt-BR" sz="3200" b="0" i="1" smtClean="0">
-                              <a:latin typeface="Cambria Math" panose="02040503050406030204" pitchFamily="18" charset="0"/>
-                            </a:rPr>
-                            <m:t>, </m:t>
-                          </m:r>
-                          <m:r>
-                            <a:rPr lang="pt-BR" sz="3200" b="0" i="1" smtClean="0">
-                              <a:latin typeface="Cambria Math" panose="02040503050406030204" pitchFamily="18" charset="0"/>
-                            </a:rPr>
-                            <m:t>3</m:t>
-                          </m:r>
-                          <m:r>
-                            <a:rPr lang="pt-BR" sz="3200" b="0" i="1" smtClean="0">
-                              <a:latin typeface="Cambria Math" panose="02040503050406030204" pitchFamily="18" charset="0"/>
-                            </a:rPr>
-                            <m:t>, </m:t>
-                          </m:r>
-                          <m:r>
-                            <a:rPr lang="pt-BR" sz="3200" b="0" i="1" smtClean="0">
-                              <a:latin typeface="Cambria Math" panose="02040503050406030204" pitchFamily="18" charset="0"/>
-                            </a:rPr>
-                            <m:t>4</m:t>
+                            <m:t>−1, 0, 1, 2, 3, 4</m:t>
                           </m:r>
                         </m:e>
                       </m:d>
@@ -17732,73 +17546,7 @@
                             <a:rPr lang="pt-BR" sz="3200" b="0" i="1" smtClean="0">
                               <a:latin typeface="Cambria Math" panose="02040503050406030204" pitchFamily="18" charset="0"/>
                             </a:rPr>
-                            <m:t>−</m:t>
-                          </m:r>
-                          <m:r>
-                            <a:rPr lang="pt-BR" sz="3200" b="0" i="1" smtClean="0">
-                              <a:latin typeface="Cambria Math" panose="02040503050406030204" pitchFamily="18" charset="0"/>
-                            </a:rPr>
-                            <m:t>3</m:t>
-                          </m:r>
-                          <m:r>
-                            <a:rPr lang="pt-BR" sz="3200" b="0" i="1" smtClean="0">
-                              <a:latin typeface="Cambria Math" panose="02040503050406030204" pitchFamily="18" charset="0"/>
-                            </a:rPr>
-                            <m:t>, −</m:t>
-                          </m:r>
-                          <m:r>
-                            <a:rPr lang="pt-BR" sz="3200" b="0" i="1" smtClean="0">
-                              <a:latin typeface="Cambria Math" panose="02040503050406030204" pitchFamily="18" charset="0"/>
-                            </a:rPr>
-                            <m:t>1</m:t>
-                          </m:r>
-                          <m:r>
-                            <a:rPr lang="pt-BR" sz="3200" b="0" i="1" smtClean="0">
-                              <a:latin typeface="Cambria Math" panose="02040503050406030204" pitchFamily="18" charset="0"/>
-                            </a:rPr>
-                            <m:t>, </m:t>
-                          </m:r>
-                          <m:r>
-                            <a:rPr lang="pt-BR" sz="3200" b="0" i="1" smtClean="0">
-                              <a:latin typeface="Cambria Math" panose="02040503050406030204" pitchFamily="18" charset="0"/>
-                            </a:rPr>
-                            <m:t>1</m:t>
-                          </m:r>
-                          <m:r>
-                            <a:rPr lang="pt-BR" sz="3200" b="0" i="1" smtClean="0">
-                              <a:latin typeface="Cambria Math" panose="02040503050406030204" pitchFamily="18" charset="0"/>
-                            </a:rPr>
-                            <m:t>, </m:t>
-                          </m:r>
-                          <m:r>
-                            <a:rPr lang="pt-BR" sz="3200" b="0" i="1" smtClean="0">
-                              <a:latin typeface="Cambria Math" panose="02040503050406030204" pitchFamily="18" charset="0"/>
-                            </a:rPr>
-                            <m:t>3</m:t>
-                          </m:r>
-                          <m:r>
-                            <a:rPr lang="pt-BR" sz="3200" b="0" i="1" smtClean="0">
-                              <a:latin typeface="Cambria Math" panose="02040503050406030204" pitchFamily="18" charset="0"/>
-                            </a:rPr>
-                            <m:t>, </m:t>
-                          </m:r>
-                          <m:r>
-                            <a:rPr lang="pt-BR" sz="3200" b="0" i="1" smtClean="0">
-                              <a:latin typeface="Cambria Math" panose="02040503050406030204" pitchFamily="18" charset="0"/>
-                            </a:rPr>
-                            <m:t>5</m:t>
-                          </m:r>
-                          <m:r>
-                            <a:rPr lang="pt-BR" sz="3200" b="0" i="1" smtClean="0">
-                              <a:latin typeface="Cambria Math" panose="02040503050406030204" pitchFamily="18" charset="0"/>
-                            </a:rPr>
-                            <m:t>, </m:t>
-                          </m:r>
-                          <m:r>
-                            <a:rPr lang="pt-BR" sz="3200" b="0" i="1" smtClean="0">
-                              <a:latin typeface="Cambria Math" panose="02040503050406030204" pitchFamily="18" charset="0"/>
-                            </a:rPr>
-                            <m:t>7</m:t>
+                            <m:t>−3, −1, 1, 3, 5, 7</m:t>
                           </m:r>
                         </m:e>
                       </m:d>
@@ -18769,25 +18517,7 @@
                         <a:rPr lang="pt-BR" sz="3200" b="0" i="1" smtClean="0">
                           <a:latin typeface="Cambria Math" panose="02040503050406030204" pitchFamily="18" charset="0"/>
                         </a:rPr>
-                        <m:t>=−</m:t>
-                      </m:r>
-                      <m:r>
-                        <a:rPr lang="pt-BR" sz="3200" b="0" i="1" smtClean="0">
-                          <a:latin typeface="Cambria Math" panose="02040503050406030204" pitchFamily="18" charset="0"/>
-                        </a:rPr>
-                        <m:t>1</m:t>
-                      </m:r>
-                      <m:r>
-                        <a:rPr lang="pt-BR" sz="3200" b="0" i="1" smtClean="0">
-                          <a:latin typeface="Cambria Math" panose="02040503050406030204" pitchFamily="18" charset="0"/>
-                        </a:rPr>
-                        <m:t>+</m:t>
-                      </m:r>
-                      <m:r>
-                        <a:rPr lang="pt-BR" sz="3200" b="0" i="1" smtClean="0">
-                          <a:latin typeface="Cambria Math" panose="02040503050406030204" pitchFamily="18" charset="0"/>
-                        </a:rPr>
-                        <m:t>3</m:t>
+                        <m:t>=−1+3</m:t>
                       </m:r>
                       <m:r>
                         <a:rPr lang="pt-BR" sz="3200" b="0" i="1" smtClean="0">
@@ -18921,67 +18651,7 @@
                             <a:rPr lang="pt-BR" sz="3200" b="0" i="1" smtClean="0">
                               <a:latin typeface="Cambria Math" panose="02040503050406030204" pitchFamily="18" charset="0"/>
                             </a:rPr>
-                            <m:t>1</m:t>
-                          </m:r>
-                          <m:r>
-                            <a:rPr lang="pt-BR" sz="3200" b="0" i="1" smtClean="0">
-                              <a:latin typeface="Cambria Math" panose="02040503050406030204" pitchFamily="18" charset="0"/>
-                            </a:rPr>
-                            <m:t>, </m:t>
-                          </m:r>
-                          <m:r>
-                            <a:rPr lang="pt-BR" sz="3200" b="0" i="1" smtClean="0">
-                              <a:latin typeface="Cambria Math" panose="02040503050406030204" pitchFamily="18" charset="0"/>
-                            </a:rPr>
-                            <m:t>0</m:t>
-                          </m:r>
-                          <m:r>
-                            <a:rPr lang="pt-BR" sz="3200" b="0" i="1" smtClean="0">
-                              <a:latin typeface="Cambria Math" panose="02040503050406030204" pitchFamily="18" charset="0"/>
-                            </a:rPr>
-                            <m:t>, </m:t>
-                          </m:r>
-                          <m:r>
-                            <a:rPr lang="pt-BR" sz="3200" b="0" i="1" smtClean="0">
-                              <a:latin typeface="Cambria Math" panose="02040503050406030204" pitchFamily="18" charset="0"/>
-                            </a:rPr>
-                            <m:t>1</m:t>
-                          </m:r>
-                          <m:r>
-                            <a:rPr lang="pt-BR" sz="3200" b="0" i="1" smtClean="0">
-                              <a:latin typeface="Cambria Math" panose="02040503050406030204" pitchFamily="18" charset="0"/>
-                            </a:rPr>
-                            <m:t>, </m:t>
-                          </m:r>
-                          <m:r>
-                            <a:rPr lang="pt-BR" sz="3200" b="0" i="1" smtClean="0">
-                              <a:latin typeface="Cambria Math" panose="02040503050406030204" pitchFamily="18" charset="0"/>
-                            </a:rPr>
-                            <m:t>2</m:t>
-                          </m:r>
-                          <m:r>
-                            <a:rPr lang="pt-BR" sz="3200" b="0" i="1" smtClean="0">
-                              <a:latin typeface="Cambria Math" panose="02040503050406030204" pitchFamily="18" charset="0"/>
-                            </a:rPr>
-                            <m:t>, </m:t>
-                          </m:r>
-                          <m:r>
-                            <a:rPr lang="pt-BR" sz="3200" b="0" i="1" smtClean="0">
-                              <a:latin typeface="Cambria Math" panose="02040503050406030204" pitchFamily="18" charset="0"/>
-                            </a:rPr>
-                            <m:t>3</m:t>
-                          </m:r>
-                          <m:r>
-                            <a:rPr lang="pt-BR" sz="3200" b="0" i="1" smtClean="0">
-                              <a:latin typeface="Cambria Math" panose="02040503050406030204" pitchFamily="18" charset="0"/>
-                            </a:rPr>
-                            <m:t>, </m:t>
-                          </m:r>
-                          <m:r>
-                            <a:rPr lang="pt-BR" sz="3200" b="0" i="1" smtClean="0">
-                              <a:latin typeface="Cambria Math" panose="02040503050406030204" pitchFamily="18" charset="0"/>
-                            </a:rPr>
-                            <m:t>4</m:t>
+                            <m:t>1, 0, 1, 2, 3, 4</m:t>
                           </m:r>
                         </m:e>
                       </m:d>
@@ -19133,84 +18803,7 @@
                               <m:nor/>
                             </m:rPr>
                             <a:rPr lang="pt-BR" b="0" i="0"/>
-                            <m:t>4</m:t>
-                          </m:r>
-                          <m:r>
-                            <m:rPr>
-                              <m:nor/>
-                            </m:rPr>
-                            <a:rPr lang="pt-BR" b="0" i="0"/>
-                            <m:t>, </m:t>
-                          </m:r>
-                          <m:r>
-                            <m:rPr>
-                              <m:nor/>
-                            </m:rPr>
-                            <a:rPr lang="pt-BR" b="0" i="0"/>
-                            <m:t>−</m:t>
-                          </m:r>
-                          <m:r>
-                            <m:rPr>
-                              <m:nor/>
-                            </m:rPr>
-                            <a:rPr lang="pt-BR" b="0" i="0"/>
-                            <m:t>1</m:t>
-                          </m:r>
-                          <m:r>
-                            <m:rPr>
-                              <m:nor/>
-                            </m:rPr>
-                            <a:rPr lang="pt-BR" b="0" i="0"/>
-                            <m:t>, </m:t>
-                          </m:r>
-                          <m:r>
-                            <m:rPr>
-                              <m:nor/>
-                            </m:rPr>
-                            <a:rPr lang="pt-BR" b="0" i="0"/>
-                            <m:t>2</m:t>
-                          </m:r>
-                          <m:r>
-                            <m:rPr>
-                              <m:nor/>
-                            </m:rPr>
-                            <a:rPr lang="pt-BR" b="0" i="0"/>
-                            <m:t>, </m:t>
-                          </m:r>
-                          <m:r>
-                            <m:rPr>
-                              <m:nor/>
-                            </m:rPr>
-                            <a:rPr lang="pt-BR" b="0" i="0"/>
-                            <m:t>5</m:t>
-                          </m:r>
-                          <m:r>
-                            <m:rPr>
-                              <m:nor/>
-                            </m:rPr>
-                            <a:rPr lang="pt-BR" b="0" i="0"/>
-                            <m:t>, </m:t>
-                          </m:r>
-                          <m:r>
-                            <m:rPr>
-                              <m:nor/>
-                            </m:rPr>
-                            <a:rPr lang="pt-BR" b="0" i="0"/>
-                            <m:t>8</m:t>
-                          </m:r>
-                          <m:r>
-                            <m:rPr>
-                              <m:nor/>
-                            </m:rPr>
-                            <a:rPr lang="pt-BR" b="0" i="0"/>
-                            <m:t>, </m:t>
-                          </m:r>
-                          <m:r>
-                            <m:rPr>
-                              <m:nor/>
-                            </m:rPr>
-                            <a:rPr lang="pt-BR" b="0" i="0"/>
-                            <m:t>11</m:t>
+                            <m:t>4, −1, 2, 5, 8, 11</m:t>
                           </m:r>
                         </m:e>
                       </m:d>
@@ -19366,73 +18959,7 @@
                             <a:rPr lang="pt-BR" sz="3200" b="0" i="1" smtClean="0">
                               <a:latin typeface="Cambria Math" panose="02040503050406030204" pitchFamily="18" charset="0"/>
                             </a:rPr>
-                            <m:t>−</m:t>
-                          </m:r>
-                          <m:r>
-                            <a:rPr lang="pt-BR" sz="3200" b="0" i="1" smtClean="0">
-                              <a:latin typeface="Cambria Math" panose="02040503050406030204" pitchFamily="18" charset="0"/>
-                            </a:rPr>
-                            <m:t>3</m:t>
-                          </m:r>
-                          <m:r>
-                            <a:rPr lang="pt-BR" sz="3200" b="0" i="1" smtClean="0">
-                              <a:latin typeface="Cambria Math" panose="02040503050406030204" pitchFamily="18" charset="0"/>
-                            </a:rPr>
-                            <m:t>, −</m:t>
-                          </m:r>
-                          <m:r>
-                            <a:rPr lang="pt-BR" sz="3200" b="0" i="1" smtClean="0">
-                              <a:latin typeface="Cambria Math" panose="02040503050406030204" pitchFamily="18" charset="0"/>
-                            </a:rPr>
-                            <m:t>1</m:t>
-                          </m:r>
-                          <m:r>
-                            <a:rPr lang="pt-BR" sz="3200" b="0" i="1" smtClean="0">
-                              <a:latin typeface="Cambria Math" panose="02040503050406030204" pitchFamily="18" charset="0"/>
-                            </a:rPr>
-                            <m:t>, </m:t>
-                          </m:r>
-                          <m:r>
-                            <a:rPr lang="pt-BR" sz="3200" b="0" i="1" smtClean="0">
-                              <a:latin typeface="Cambria Math" panose="02040503050406030204" pitchFamily="18" charset="0"/>
-                            </a:rPr>
-                            <m:t>1</m:t>
-                          </m:r>
-                          <m:r>
-                            <a:rPr lang="pt-BR" sz="3200" b="0" i="1" smtClean="0">
-                              <a:latin typeface="Cambria Math" panose="02040503050406030204" pitchFamily="18" charset="0"/>
-                            </a:rPr>
-                            <m:t>, </m:t>
-                          </m:r>
-                          <m:r>
-                            <a:rPr lang="pt-BR" sz="3200" b="0" i="1" smtClean="0">
-                              <a:latin typeface="Cambria Math" panose="02040503050406030204" pitchFamily="18" charset="0"/>
-                            </a:rPr>
-                            <m:t>3</m:t>
-                          </m:r>
-                          <m:r>
-                            <a:rPr lang="pt-BR" sz="3200" b="0" i="1" smtClean="0">
-                              <a:latin typeface="Cambria Math" panose="02040503050406030204" pitchFamily="18" charset="0"/>
-                            </a:rPr>
-                            <m:t>, </m:t>
-                          </m:r>
-                          <m:r>
-                            <a:rPr lang="pt-BR" sz="3200" b="0" i="1" smtClean="0">
-                              <a:latin typeface="Cambria Math" panose="02040503050406030204" pitchFamily="18" charset="0"/>
-                            </a:rPr>
-                            <m:t>5</m:t>
-                          </m:r>
-                          <m:r>
-                            <a:rPr lang="pt-BR" sz="3200" b="0" i="1" smtClean="0">
-                              <a:latin typeface="Cambria Math" panose="02040503050406030204" pitchFamily="18" charset="0"/>
-                            </a:rPr>
-                            <m:t>, </m:t>
-                          </m:r>
-                          <m:r>
-                            <a:rPr lang="pt-BR" sz="3200" b="0" i="1" smtClean="0">
-                              <a:latin typeface="Cambria Math" panose="02040503050406030204" pitchFamily="18" charset="0"/>
-                            </a:rPr>
-                            <m:t>7</m:t>
+                            <m:t>−3, −1, 1, 3, 5, 7</m:t>
                           </m:r>
                         </m:e>
                       </m:d>

--- a/slides/TP557_5_Medindo_a_precisão_de_um_modelo_de_ML.pptx
+++ b/slides/TP557_5_Medindo_a_precisão_de_um_modelo_de_ML.pptx
@@ -5,10 +5,10 @@
     <p:sldMasterId id="2147483648" r:id="rId1"/>
   </p:sldMasterIdLst>
   <p:notesMasterIdLst>
-    <p:notesMasterId r:id="rId25"/>
+    <p:notesMasterId r:id="rId29"/>
   </p:notesMasterIdLst>
   <p:handoutMasterIdLst>
-    <p:handoutMasterId r:id="rId26"/>
+    <p:handoutMasterId r:id="rId30"/>
   </p:handoutMasterIdLst>
   <p:sldIdLst>
     <p:sldId id="256" r:id="rId2"/>
@@ -25,15 +25,19 @@
     <p:sldId id="432" r:id="rId13"/>
     <p:sldId id="433" r:id="rId14"/>
     <p:sldId id="429" r:id="rId15"/>
-    <p:sldId id="436" r:id="rId16"/>
-    <p:sldId id="438" r:id="rId17"/>
-    <p:sldId id="435" r:id="rId18"/>
-    <p:sldId id="434" r:id="rId19"/>
-    <p:sldId id="431" r:id="rId20"/>
-    <p:sldId id="405" r:id="rId21"/>
-    <p:sldId id="293" r:id="rId22"/>
-    <p:sldId id="306" r:id="rId23"/>
-    <p:sldId id="430" r:id="rId24"/>
+    <p:sldId id="439" r:id="rId16"/>
+    <p:sldId id="440" r:id="rId17"/>
+    <p:sldId id="441" r:id="rId18"/>
+    <p:sldId id="442" r:id="rId19"/>
+    <p:sldId id="436" r:id="rId20"/>
+    <p:sldId id="438" r:id="rId21"/>
+    <p:sldId id="435" r:id="rId22"/>
+    <p:sldId id="434" r:id="rId23"/>
+    <p:sldId id="431" r:id="rId24"/>
+    <p:sldId id="405" r:id="rId25"/>
+    <p:sldId id="293" r:id="rId26"/>
+    <p:sldId id="306" r:id="rId27"/>
+    <p:sldId id="430" r:id="rId28"/>
   </p:sldIdLst>
   <p:sldSz cx="12192000" cy="6858000"/>
   <p:notesSz cx="7315200" cy="9601200"/>
@@ -297,7 +301,7 @@
           <a:p>
             <a:fld id="{144F1436-6906-4D93-B7A2-786C327BFA14}" type="datetimeFigureOut">
               <a:rPr lang="nl-BE" smtClean="0"/>
-              <a:t>1/08/2023</a:t>
+              <a:t>11/08/2023</a:t>
             </a:fld>
             <a:endParaRPr lang="nl-BE"/>
           </a:p>
@@ -462,7 +466,7 @@
           <a:p>
             <a:fld id="{AA8CD09E-2914-4F47-B6C1-51B2C31814C9}" type="datetimeFigureOut">
               <a:rPr lang="pt-BR" smtClean="0"/>
-              <a:t>01/08/2023</a:t>
+              <a:t>11/08/2023</a:t>
             </a:fld>
             <a:endParaRPr lang="pt-BR"/>
           </a:p>
@@ -1029,65 +1033,58 @@
           <a:lstStyle/>
           <a:p>
             <a:r>
-              <a:rPr lang="pt-BR" dirty="0"/>
-              <a:t>A partir de um ponto inicial (i.e., uma suposição aleatória de pesos), o algoritmo extrai a informação de direção do ponto de mínimo a partir da função de erro e a usa para atualizar o ponto (i.e., otimizar a suposição atual) </a:t>
-            </a:r>
-          </a:p>
-          <a:p>
-            <a:r>
-              <a:rPr lang="pt-BR" dirty="0"/>
-              <a:t>Em geral, o novo ponto (i.e., conjunto de pesos) resulta em um erro menor do que o anterior.</a:t>
-            </a:r>
-          </a:p>
-          <a:p>
-            <a:r>
-              <a:rPr lang="pt-BR" dirty="0"/>
-              <a:t>Esse processo é repetido a partir do ponto corrente até que o erro seja minimizado.</a:t>
-            </a:r>
-          </a:p>
-          <a:p>
+              <a:rPr lang="pt-BR" b="1" i="0" dirty="0" err="1">
+                <a:effectLst/>
+                <a:latin typeface="Söhne"/>
+              </a:rPr>
+              <a:t>Mean</a:t>
+            </a:r>
+            <a:r>
+              <a:rPr lang="pt-BR" b="1" i="0" dirty="0">
+                <a:effectLst/>
+                <a:latin typeface="Söhne"/>
+              </a:rPr>
+              <a:t> </a:t>
+            </a:r>
+            <a:r>
+              <a:rPr lang="pt-BR" b="1" i="0" dirty="0" err="1">
+                <a:effectLst/>
+                <a:latin typeface="Söhne"/>
+              </a:rPr>
+              <a:t>Squared</a:t>
+            </a:r>
+            <a:r>
+              <a:rPr lang="pt-BR" b="1" i="0" dirty="0">
+                <a:effectLst/>
+                <a:latin typeface="Söhne"/>
+              </a:rPr>
+              <a:t> </a:t>
+            </a:r>
+            <a:r>
+              <a:rPr lang="pt-BR" b="1" i="0" dirty="0" err="1">
+                <a:effectLst/>
+                <a:latin typeface="Söhne"/>
+              </a:rPr>
+              <a:t>Error</a:t>
+            </a:r>
+            <a:r>
+              <a:rPr lang="pt-BR" b="1" i="0" dirty="0">
+                <a:effectLst/>
+                <a:latin typeface="Söhne"/>
+              </a:rPr>
+              <a:t> (MSE):</a:t>
+            </a:r>
+            <a:r>
+              <a:rPr lang="pt-BR" b="0" i="0" dirty="0">
+                <a:solidFill>
+                  <a:srgbClr val="374151"/>
+                </a:solidFill>
+                <a:effectLst/>
+                <a:latin typeface="Söhne"/>
+              </a:rPr>
+              <a:t> O MSE é a escolha tradicional para problemas de regressão. Ele calcula a média dos quadrados das diferenças entre as previsões do modelo e os valores reais. O MSE penaliza mais erros maiores, o que pode ser útil se você deseja que o modelo seja mais sensível a erros maiores. No entanto, como o erro é elevado ao quadrado, o MSE pode amplificar a influência de outliers.</a:t>
+            </a:r>
             <a:endParaRPr lang="pt-BR" dirty="0"/>
-          </a:p>
-          <a:p>
-            <a:pPr marL="0" marR="0" lvl="0" indent="0" algn="l" defTabSz="914400" rtl="0" eaLnBrk="1" fontAlgn="auto" latinLnBrk="0" hangingPunct="1">
-              <a:lnSpc>
-                <a:spcPct val="100000"/>
-              </a:lnSpc>
-              <a:spcBef>
-                <a:spcPts val="0"/>
-              </a:spcBef>
-              <a:spcAft>
-                <a:spcPts val="0"/>
-              </a:spcAft>
-              <a:buClrTx/>
-              <a:buSzTx/>
-              <a:buFontTx/>
-              <a:buNone/>
-              <a:tabLst/>
-              <a:defRPr/>
-            </a:pPr>
-            <a:r>
-              <a:rPr lang="pt-BR" dirty="0"/>
-              <a:t>A partir de um ponto inicial (i.e., conjunto de pesos aleatórios), a cada iteração (i.e., suposição) do algoritmo, tem-se, em geral, um conjunto de pesos que resulta em um erro menor do que o anterior.</a:t>
-            </a:r>
-          </a:p>
-          <a:p>
-            <a:endParaRPr lang="pt-BR" dirty="0"/>
-          </a:p>
-          <a:p>
-            <a:endParaRPr lang="pt-BR" dirty="0"/>
-          </a:p>
-          <a:p>
-            <a:endParaRPr lang="pt-BR" dirty="0"/>
-          </a:p>
-          <a:p>
-            <a:endParaRPr lang="pt-BR" dirty="0"/>
-          </a:p>
-          <a:p>
-            <a:r>
-              <a:rPr lang="pt-BR" dirty="0"/>
-              <a:t>(i.e., conjunto de pesos aleatórios), a cada iteração (i.e., suposição) do algoritmo, tem-se, em geral, um conjunto de pesos que resulta em um erro menor do que o anterior.</a:t>
-            </a:r>
           </a:p>
         </p:txBody>
       </p:sp>
@@ -1108,7 +1105,7 @@
           <a:p>
             <a:fld id="{6FC8D850-966F-45A6-8DE7-15B891E7D40D}" type="slidenum">
               <a:rPr lang="pt-BR" smtClean="0"/>
-              <a:t>18</a:t>
+              <a:t>15</a:t>
             </a:fld>
             <a:endParaRPr lang="pt-BR"/>
           </a:p>
@@ -1117,7 +1114,7 @@
     </p:spTree>
     <p:extLst>
       <p:ext uri="{BB962C8B-B14F-4D97-AF65-F5344CB8AC3E}">
-        <p14:creationId xmlns:p14="http://schemas.microsoft.com/office/powerpoint/2010/main" val="973718594"/>
+        <p14:creationId xmlns:p14="http://schemas.microsoft.com/office/powerpoint/2010/main" val="2860183552"/>
       </p:ext>
     </p:extLst>
   </p:cSld>
@@ -1172,81 +1169,57 @@
           <a:lstStyle/>
           <a:p>
             <a:r>
-              <a:rPr lang="pt-BR" dirty="0"/>
-              <a:t>https://colab.research.google.com/</a:t>
-            </a:r>
-            <a:r>
-              <a:rPr lang="pt-BR" dirty="0" err="1"/>
-              <a:t>github</a:t>
-            </a:r>
-            <a:r>
-              <a:rPr lang="pt-BR" dirty="0"/>
-              <a:t>/zz4fap/tp557-iot-ml/</a:t>
-            </a:r>
-            <a:r>
-              <a:rPr lang="pt-BR" dirty="0" err="1"/>
-              <a:t>blob</a:t>
-            </a:r>
-            <a:r>
-              <a:rPr lang="pt-BR" dirty="0"/>
-              <a:t>/master/</a:t>
-            </a:r>
-            <a:r>
-              <a:rPr lang="pt-BR" dirty="0" err="1"/>
-              <a:t>exercises</a:t>
-            </a:r>
-            <a:r>
-              <a:rPr lang="pt-BR" dirty="0"/>
-              <a:t>/</a:t>
-            </a:r>
-            <a:r>
-              <a:rPr lang="pt-BR" dirty="0" err="1"/>
-              <a:t>Explorando_a_função_de_erro.ipynb</a:t>
-            </a:r>
-            <a:endParaRPr lang="pt-BR" dirty="0"/>
-          </a:p>
-          <a:p>
-            <a:endParaRPr lang="pt-BR" dirty="0"/>
-          </a:p>
-          <a:p>
-            <a:r>
-              <a:rPr lang="pt-BR" dirty="0"/>
-              <a:t>https://colab.research.google.com/</a:t>
-            </a:r>
-            <a:r>
-              <a:rPr lang="pt-BR" dirty="0" err="1"/>
-              <a:t>github</a:t>
-            </a:r>
-            <a:r>
-              <a:rPr lang="pt-BR" dirty="0"/>
-              <a:t>/zz4fap/tp557-iot-ml/</a:t>
-            </a:r>
-            <a:r>
-              <a:rPr lang="pt-BR" dirty="0" err="1"/>
-              <a:t>blob</a:t>
-            </a:r>
-            <a:r>
-              <a:rPr lang="pt-BR" dirty="0"/>
-              <a:t>/master/</a:t>
-            </a:r>
-            <a:r>
-              <a:rPr lang="pt-BR" dirty="0" err="1"/>
-              <a:t>exercises</a:t>
-            </a:r>
-            <a:r>
-              <a:rPr lang="pt-BR" dirty="0"/>
-              <a:t>/</a:t>
-            </a:r>
-            <a:r>
-              <a:rPr lang="pt-BR" dirty="0" err="1"/>
-              <a:t>Exercício_encontre_os_pesos_da_função_hipótese.ipynb</a:t>
-            </a:r>
-            <a:endParaRPr lang="pt-BR" dirty="0"/>
-          </a:p>
-          <a:p>
-            <a:endParaRPr lang="pt-BR" dirty="0"/>
-          </a:p>
-          <a:p>
+              <a:rPr lang="pt-BR" b="1" i="0" dirty="0" err="1">
+                <a:effectLst/>
+                <a:latin typeface="Söhne"/>
+              </a:rPr>
+              <a:t>Mean</a:t>
+            </a:r>
+            <a:r>
+              <a:rPr lang="pt-BR" b="1" i="0" dirty="0">
+                <a:effectLst/>
+                <a:latin typeface="Söhne"/>
+              </a:rPr>
+              <a:t> </a:t>
+            </a:r>
+            <a:r>
+              <a:rPr lang="pt-BR" b="1" i="0" dirty="0" err="1">
+                <a:effectLst/>
+                <a:latin typeface="Söhne"/>
+              </a:rPr>
+              <a:t>Squared</a:t>
+            </a:r>
+            <a:r>
+              <a:rPr lang="pt-BR" b="1" i="0" dirty="0">
+                <a:effectLst/>
+                <a:latin typeface="Söhne"/>
+              </a:rPr>
+              <a:t> </a:t>
+            </a:r>
+            <a:r>
+              <a:rPr lang="pt-BR" b="1" i="0" dirty="0" err="1">
+                <a:effectLst/>
+                <a:latin typeface="Söhne"/>
+              </a:rPr>
+              <a:t>Error</a:t>
+            </a:r>
+            <a:r>
+              <a:rPr lang="pt-BR" b="1" i="0" dirty="0">
+                <a:effectLst/>
+                <a:latin typeface="Söhne"/>
+              </a:rPr>
+              <a:t> (MSE):</a:t>
+            </a:r>
+            <a:r>
+              <a:rPr lang="pt-BR" b="0" i="0" dirty="0">
+                <a:solidFill>
+                  <a:srgbClr val="374151"/>
+                </a:solidFill>
+                <a:effectLst/>
+                <a:latin typeface="Söhne"/>
+              </a:rPr>
+              <a:t> O MSE é a escolha tradicional para problemas de regressão. Ele calcula a média dos quadrados das diferenças entre as previsões do modelo e os valores reais. O MSE penaliza mais erros maiores, o que pode ser útil se você deseja que o modelo seja mais sensível a erros maiores. No entanto, como o erro é elevado ao quadrado, o MSE pode amplificar a influência de outliers.</a:t>
+            </a:r>
             <a:endParaRPr lang="pt-BR" dirty="0"/>
           </a:p>
         </p:txBody>
@@ -1268,7 +1241,446 @@
           <a:p>
             <a:fld id="{6FC8D850-966F-45A6-8DE7-15B891E7D40D}" type="slidenum">
               <a:rPr lang="pt-BR" smtClean="0"/>
-              <a:t>20</a:t>
+              <a:t>16</a:t>
+            </a:fld>
+            <a:endParaRPr lang="pt-BR"/>
+          </a:p>
+        </p:txBody>
+      </p:sp>
+    </p:spTree>
+    <p:extLst>
+      <p:ext uri="{BB962C8B-B14F-4D97-AF65-F5344CB8AC3E}">
+        <p14:creationId xmlns:p14="http://schemas.microsoft.com/office/powerpoint/2010/main" val="2882472263"/>
+      </p:ext>
+    </p:extLst>
+  </p:cSld>
+  <p:clrMapOvr>
+    <a:masterClrMapping/>
+  </p:clrMapOvr>
+</p:notes>
+</file>
+
+<file path=ppt/notesSlides/notesSlide6.xml><?xml version="1.0" encoding="utf-8"?>
+<p:notes xmlns:a="http://schemas.openxmlformats.org/drawingml/2006/main" xmlns:r="http://schemas.openxmlformats.org/officeDocument/2006/relationships" xmlns:p="http://schemas.openxmlformats.org/presentationml/2006/main">
+  <p:cSld>
+    <p:spTree>
+      <p:nvGrpSpPr>
+        <p:cNvPr id="1" name=""/>
+        <p:cNvGrpSpPr/>
+        <p:nvPr/>
+      </p:nvGrpSpPr>
+      <p:grpSpPr>
+        <a:xfrm>
+          <a:off x="0" y="0"/>
+          <a:ext cx="0" cy="0"/>
+          <a:chOff x="0" y="0"/>
+          <a:chExt cx="0" cy="0"/>
+        </a:xfrm>
+      </p:grpSpPr>
+      <p:sp>
+        <p:nvSpPr>
+          <p:cNvPr id="2" name="Espaço Reservado para Imagem de Slide 1"/>
+          <p:cNvSpPr>
+            <a:spLocks noGrp="1" noRot="1" noChangeAspect="1"/>
+          </p:cNvSpPr>
+          <p:nvPr>
+            <p:ph type="sldImg"/>
+          </p:nvPr>
+        </p:nvSpPr>
+        <p:spPr/>
+      </p:sp>
+      <p:sp>
+        <p:nvSpPr>
+          <p:cNvPr id="3" name="Espaço Reservado para Anotações 2"/>
+          <p:cNvSpPr>
+            <a:spLocks noGrp="1"/>
+          </p:cNvSpPr>
+          <p:nvPr>
+            <p:ph type="body" idx="1"/>
+          </p:nvPr>
+        </p:nvSpPr>
+        <p:spPr/>
+        <p:txBody>
+          <a:bodyPr/>
+          <a:lstStyle/>
+          <a:p>
+            <a:r>
+              <a:rPr lang="pt-BR" b="1" i="0" dirty="0" err="1">
+                <a:effectLst/>
+                <a:latin typeface="Söhne"/>
+              </a:rPr>
+              <a:t>Mean</a:t>
+            </a:r>
+            <a:r>
+              <a:rPr lang="pt-BR" b="1" i="0" dirty="0">
+                <a:effectLst/>
+                <a:latin typeface="Söhne"/>
+              </a:rPr>
+              <a:t> </a:t>
+            </a:r>
+            <a:r>
+              <a:rPr lang="pt-BR" b="1" i="0" dirty="0" err="1">
+                <a:effectLst/>
+                <a:latin typeface="Söhne"/>
+              </a:rPr>
+              <a:t>Squared</a:t>
+            </a:r>
+            <a:r>
+              <a:rPr lang="pt-BR" b="1" i="0" dirty="0">
+                <a:effectLst/>
+                <a:latin typeface="Söhne"/>
+              </a:rPr>
+              <a:t> </a:t>
+            </a:r>
+            <a:r>
+              <a:rPr lang="pt-BR" b="1" i="0" dirty="0" err="1">
+                <a:effectLst/>
+                <a:latin typeface="Söhne"/>
+              </a:rPr>
+              <a:t>Error</a:t>
+            </a:r>
+            <a:r>
+              <a:rPr lang="pt-BR" b="1" i="0" dirty="0">
+                <a:effectLst/>
+                <a:latin typeface="Söhne"/>
+              </a:rPr>
+              <a:t> (MSE):</a:t>
+            </a:r>
+            <a:r>
+              <a:rPr lang="pt-BR" b="0" i="0" dirty="0">
+                <a:solidFill>
+                  <a:srgbClr val="374151"/>
+                </a:solidFill>
+                <a:effectLst/>
+                <a:latin typeface="Söhne"/>
+              </a:rPr>
+              <a:t> O MSE é a escolha tradicional para problemas de regressão. Ele calcula a média dos quadrados das diferenças entre as previsões do modelo e os valores reais. O MSE penaliza mais erros maiores, o que pode ser útil se você deseja que o modelo seja mais sensível a erros maiores. No entanto, como o erro é elevado ao quadrado, o MSE pode amplificar a influência de outliers.</a:t>
+            </a:r>
+            <a:endParaRPr lang="pt-BR" dirty="0"/>
+          </a:p>
+        </p:txBody>
+      </p:sp>
+      <p:sp>
+        <p:nvSpPr>
+          <p:cNvPr id="4" name="Espaço Reservado para Número de Slide 3"/>
+          <p:cNvSpPr>
+            <a:spLocks noGrp="1"/>
+          </p:cNvSpPr>
+          <p:nvPr>
+            <p:ph type="sldNum" sz="quarter" idx="5"/>
+          </p:nvPr>
+        </p:nvSpPr>
+        <p:spPr/>
+        <p:txBody>
+          <a:bodyPr/>
+          <a:lstStyle/>
+          <a:p>
+            <a:fld id="{6FC8D850-966F-45A6-8DE7-15B891E7D40D}" type="slidenum">
+              <a:rPr lang="pt-BR" smtClean="0"/>
+              <a:t>17</a:t>
+            </a:fld>
+            <a:endParaRPr lang="pt-BR"/>
+          </a:p>
+        </p:txBody>
+      </p:sp>
+    </p:spTree>
+    <p:extLst>
+      <p:ext uri="{BB962C8B-B14F-4D97-AF65-F5344CB8AC3E}">
+        <p14:creationId xmlns:p14="http://schemas.microsoft.com/office/powerpoint/2010/main" val="1336249224"/>
+      </p:ext>
+    </p:extLst>
+  </p:cSld>
+  <p:clrMapOvr>
+    <a:masterClrMapping/>
+  </p:clrMapOvr>
+</p:notes>
+</file>
+
+<file path=ppt/notesSlides/notesSlide7.xml><?xml version="1.0" encoding="utf-8"?>
+<p:notes xmlns:a="http://schemas.openxmlformats.org/drawingml/2006/main" xmlns:r="http://schemas.openxmlformats.org/officeDocument/2006/relationships" xmlns:p="http://schemas.openxmlformats.org/presentationml/2006/main">
+  <p:cSld>
+    <p:spTree>
+      <p:nvGrpSpPr>
+        <p:cNvPr id="1" name=""/>
+        <p:cNvGrpSpPr/>
+        <p:nvPr/>
+      </p:nvGrpSpPr>
+      <p:grpSpPr>
+        <a:xfrm>
+          <a:off x="0" y="0"/>
+          <a:ext cx="0" cy="0"/>
+          <a:chOff x="0" y="0"/>
+          <a:chExt cx="0" cy="0"/>
+        </a:xfrm>
+      </p:grpSpPr>
+      <p:sp>
+        <p:nvSpPr>
+          <p:cNvPr id="2" name="Espaço Reservado para Imagem de Slide 1"/>
+          <p:cNvSpPr>
+            <a:spLocks noGrp="1" noRot="1" noChangeAspect="1"/>
+          </p:cNvSpPr>
+          <p:nvPr>
+            <p:ph type="sldImg"/>
+          </p:nvPr>
+        </p:nvSpPr>
+        <p:spPr/>
+      </p:sp>
+      <p:sp>
+        <p:nvSpPr>
+          <p:cNvPr id="3" name="Espaço Reservado para Anotações 2"/>
+          <p:cNvSpPr>
+            <a:spLocks noGrp="1"/>
+          </p:cNvSpPr>
+          <p:nvPr>
+            <p:ph type="body" idx="1"/>
+          </p:nvPr>
+        </p:nvSpPr>
+        <p:spPr/>
+        <p:txBody>
+          <a:bodyPr/>
+          <a:lstStyle/>
+          <a:p>
+            <a:r>
+              <a:rPr lang="pt-BR" dirty="0"/>
+              <a:t>A partir de um ponto inicial (i.e., uma suposição aleatória de pesos), o algoritmo extrai a informação de direção do ponto de mínimo a partir da função de erro e a usa para atualizar o ponto (i.e., otimizar a suposição atual) </a:t>
+            </a:r>
+          </a:p>
+          <a:p>
+            <a:r>
+              <a:rPr lang="pt-BR" dirty="0"/>
+              <a:t>Em geral, o novo ponto (i.e., conjunto de pesos) resulta em um erro menor do que o anterior.</a:t>
+            </a:r>
+          </a:p>
+          <a:p>
+            <a:r>
+              <a:rPr lang="pt-BR" dirty="0"/>
+              <a:t>Esse processo é repetido a partir do ponto corrente até que o erro seja minimizado.</a:t>
+            </a:r>
+          </a:p>
+          <a:p>
+            <a:endParaRPr lang="pt-BR" dirty="0"/>
+          </a:p>
+          <a:p>
+            <a:pPr marL="0" marR="0" lvl="0" indent="0" algn="l" defTabSz="914400" rtl="0" eaLnBrk="1" fontAlgn="auto" latinLnBrk="0" hangingPunct="1">
+              <a:lnSpc>
+                <a:spcPct val="100000"/>
+              </a:lnSpc>
+              <a:spcBef>
+                <a:spcPts val="0"/>
+              </a:spcBef>
+              <a:spcAft>
+                <a:spcPts val="0"/>
+              </a:spcAft>
+              <a:buClrTx/>
+              <a:buSzTx/>
+              <a:buFontTx/>
+              <a:buNone/>
+              <a:tabLst/>
+              <a:defRPr/>
+            </a:pPr>
+            <a:r>
+              <a:rPr lang="pt-BR" dirty="0"/>
+              <a:t>A partir de um ponto inicial (i.e., conjunto de pesos aleatórios), a cada iteração (i.e., suposição) do algoritmo, tem-se, em geral, um conjunto de pesos que resulta em um erro menor do que o anterior.</a:t>
+            </a:r>
+          </a:p>
+          <a:p>
+            <a:endParaRPr lang="pt-BR" dirty="0"/>
+          </a:p>
+          <a:p>
+            <a:endParaRPr lang="pt-BR" dirty="0"/>
+          </a:p>
+          <a:p>
+            <a:endParaRPr lang="pt-BR" dirty="0"/>
+          </a:p>
+          <a:p>
+            <a:endParaRPr lang="pt-BR" dirty="0"/>
+          </a:p>
+          <a:p>
+            <a:r>
+              <a:rPr lang="pt-BR" dirty="0"/>
+              <a:t>(i.e., conjunto de pesos aleatórios), a cada iteração (i.e., suposição) do algoritmo, tem-se, em geral, um conjunto de pesos que resulta em um erro menor do que o anterior.</a:t>
+            </a:r>
+          </a:p>
+        </p:txBody>
+      </p:sp>
+      <p:sp>
+        <p:nvSpPr>
+          <p:cNvPr id="4" name="Espaço Reservado para Número de Slide 3"/>
+          <p:cNvSpPr>
+            <a:spLocks noGrp="1"/>
+          </p:cNvSpPr>
+          <p:nvPr>
+            <p:ph type="sldNum" sz="quarter" idx="5"/>
+          </p:nvPr>
+        </p:nvSpPr>
+        <p:spPr/>
+        <p:txBody>
+          <a:bodyPr/>
+          <a:lstStyle/>
+          <a:p>
+            <a:fld id="{6FC8D850-966F-45A6-8DE7-15B891E7D40D}" type="slidenum">
+              <a:rPr lang="pt-BR" smtClean="0"/>
+              <a:t>22</a:t>
+            </a:fld>
+            <a:endParaRPr lang="pt-BR"/>
+          </a:p>
+        </p:txBody>
+      </p:sp>
+    </p:spTree>
+    <p:extLst>
+      <p:ext uri="{BB962C8B-B14F-4D97-AF65-F5344CB8AC3E}">
+        <p14:creationId xmlns:p14="http://schemas.microsoft.com/office/powerpoint/2010/main" val="973718594"/>
+      </p:ext>
+    </p:extLst>
+  </p:cSld>
+  <p:clrMapOvr>
+    <a:masterClrMapping/>
+  </p:clrMapOvr>
+</p:notes>
+</file>
+
+<file path=ppt/notesSlides/notesSlide8.xml><?xml version="1.0" encoding="utf-8"?>
+<p:notes xmlns:a="http://schemas.openxmlformats.org/drawingml/2006/main" xmlns:r="http://schemas.openxmlformats.org/officeDocument/2006/relationships" xmlns:p="http://schemas.openxmlformats.org/presentationml/2006/main">
+  <p:cSld>
+    <p:spTree>
+      <p:nvGrpSpPr>
+        <p:cNvPr id="1" name=""/>
+        <p:cNvGrpSpPr/>
+        <p:nvPr/>
+      </p:nvGrpSpPr>
+      <p:grpSpPr>
+        <a:xfrm>
+          <a:off x="0" y="0"/>
+          <a:ext cx="0" cy="0"/>
+          <a:chOff x="0" y="0"/>
+          <a:chExt cx="0" cy="0"/>
+        </a:xfrm>
+      </p:grpSpPr>
+      <p:sp>
+        <p:nvSpPr>
+          <p:cNvPr id="2" name="Espaço Reservado para Imagem de Slide 1"/>
+          <p:cNvSpPr>
+            <a:spLocks noGrp="1" noRot="1" noChangeAspect="1"/>
+          </p:cNvSpPr>
+          <p:nvPr>
+            <p:ph type="sldImg"/>
+          </p:nvPr>
+        </p:nvSpPr>
+        <p:spPr/>
+      </p:sp>
+      <p:sp>
+        <p:nvSpPr>
+          <p:cNvPr id="3" name="Espaço Reservado para Anotações 2"/>
+          <p:cNvSpPr>
+            <a:spLocks noGrp="1"/>
+          </p:cNvSpPr>
+          <p:nvPr>
+            <p:ph type="body" idx="1"/>
+          </p:nvPr>
+        </p:nvSpPr>
+        <p:spPr/>
+        <p:txBody>
+          <a:bodyPr/>
+          <a:lstStyle/>
+          <a:p>
+            <a:r>
+              <a:rPr lang="pt-BR" dirty="0"/>
+              <a:t>https://colab.research.google.com/</a:t>
+            </a:r>
+            <a:r>
+              <a:rPr lang="pt-BR" dirty="0" err="1"/>
+              <a:t>github</a:t>
+            </a:r>
+            <a:r>
+              <a:rPr lang="pt-BR" dirty="0"/>
+              <a:t>/zz4fap/tp557-iot-ml/</a:t>
+            </a:r>
+            <a:r>
+              <a:rPr lang="pt-BR" dirty="0" err="1"/>
+              <a:t>blob</a:t>
+            </a:r>
+            <a:r>
+              <a:rPr lang="pt-BR" dirty="0"/>
+              <a:t>/master/</a:t>
+            </a:r>
+            <a:r>
+              <a:rPr lang="pt-BR" dirty="0" err="1"/>
+              <a:t>exercises</a:t>
+            </a:r>
+            <a:r>
+              <a:rPr lang="pt-BR" dirty="0"/>
+              <a:t>/</a:t>
+            </a:r>
+            <a:r>
+              <a:rPr lang="pt-BR" dirty="0" err="1"/>
+              <a:t>Explorando_a_função_de_erro.ipynb</a:t>
+            </a:r>
+            <a:endParaRPr lang="pt-BR" dirty="0"/>
+          </a:p>
+          <a:p>
+            <a:endParaRPr lang="pt-BR" dirty="0"/>
+          </a:p>
+          <a:p>
+            <a:r>
+              <a:rPr lang="pt-BR" dirty="0"/>
+              <a:t>https://colab.research.google.com/</a:t>
+            </a:r>
+            <a:r>
+              <a:rPr lang="pt-BR" dirty="0" err="1"/>
+              <a:t>github</a:t>
+            </a:r>
+            <a:r>
+              <a:rPr lang="pt-BR" dirty="0"/>
+              <a:t>/zz4fap/tp557-iot-ml/</a:t>
+            </a:r>
+            <a:r>
+              <a:rPr lang="pt-BR" dirty="0" err="1"/>
+              <a:t>blob</a:t>
+            </a:r>
+            <a:r>
+              <a:rPr lang="pt-BR" dirty="0"/>
+              <a:t>/master/</a:t>
+            </a:r>
+            <a:r>
+              <a:rPr lang="pt-BR" dirty="0" err="1"/>
+              <a:t>exercises</a:t>
+            </a:r>
+            <a:r>
+              <a:rPr lang="pt-BR" dirty="0"/>
+              <a:t>/</a:t>
+            </a:r>
+            <a:r>
+              <a:rPr lang="pt-BR" dirty="0" err="1"/>
+              <a:t>Exercício_encontre_os_pesos_da_função_hipótese.ipynb</a:t>
+            </a:r>
+            <a:endParaRPr lang="pt-BR" dirty="0"/>
+          </a:p>
+          <a:p>
+            <a:endParaRPr lang="pt-BR" dirty="0"/>
+          </a:p>
+          <a:p>
+            <a:endParaRPr lang="pt-BR" dirty="0"/>
+          </a:p>
+        </p:txBody>
+      </p:sp>
+      <p:sp>
+        <p:nvSpPr>
+          <p:cNvPr id="4" name="Espaço Reservado para Número de Slide 3"/>
+          <p:cNvSpPr>
+            <a:spLocks noGrp="1"/>
+          </p:cNvSpPr>
+          <p:nvPr>
+            <p:ph type="sldNum" sz="quarter" idx="5"/>
+          </p:nvPr>
+        </p:nvSpPr>
+        <p:spPr/>
+        <p:txBody>
+          <a:bodyPr/>
+          <a:lstStyle/>
+          <a:p>
+            <a:fld id="{6FC8D850-966F-45A6-8DE7-15B891E7D40D}" type="slidenum">
+              <a:rPr lang="pt-BR" smtClean="0"/>
+              <a:t>24</a:t>
             </a:fld>
             <a:endParaRPr lang="pt-BR"/>
           </a:p>
@@ -1434,7 +1846,7 @@
           <a:p>
             <a:fld id="{63289F7E-B80B-496E-81B4-D396C37C9454}" type="datetimeFigureOut">
               <a:rPr lang="pt-BR" smtClean="0"/>
-              <a:t>01/08/2023</a:t>
+              <a:t>11/08/2023</a:t>
             </a:fld>
             <a:endParaRPr lang="pt-BR"/>
           </a:p>
@@ -1632,7 +2044,7 @@
           <a:p>
             <a:fld id="{63289F7E-B80B-496E-81B4-D396C37C9454}" type="datetimeFigureOut">
               <a:rPr lang="pt-BR" smtClean="0"/>
-              <a:t>01/08/2023</a:t>
+              <a:t>11/08/2023</a:t>
             </a:fld>
             <a:endParaRPr lang="pt-BR"/>
           </a:p>
@@ -1840,7 +2252,7 @@
           <a:p>
             <a:fld id="{63289F7E-B80B-496E-81B4-D396C37C9454}" type="datetimeFigureOut">
               <a:rPr lang="pt-BR" smtClean="0"/>
-              <a:t>01/08/2023</a:t>
+              <a:t>11/08/2023</a:t>
             </a:fld>
             <a:endParaRPr lang="pt-BR"/>
           </a:p>
@@ -2038,7 +2450,7 @@
           <a:p>
             <a:fld id="{63289F7E-B80B-496E-81B4-D396C37C9454}" type="datetimeFigureOut">
               <a:rPr lang="pt-BR" smtClean="0"/>
-              <a:t>01/08/2023</a:t>
+              <a:t>11/08/2023</a:t>
             </a:fld>
             <a:endParaRPr lang="pt-BR"/>
           </a:p>
@@ -2313,7 +2725,7 @@
           <a:p>
             <a:fld id="{63289F7E-B80B-496E-81B4-D396C37C9454}" type="datetimeFigureOut">
               <a:rPr lang="pt-BR" smtClean="0"/>
-              <a:t>01/08/2023</a:t>
+              <a:t>11/08/2023</a:t>
             </a:fld>
             <a:endParaRPr lang="pt-BR"/>
           </a:p>
@@ -2578,7 +2990,7 @@
           <a:p>
             <a:fld id="{63289F7E-B80B-496E-81B4-D396C37C9454}" type="datetimeFigureOut">
               <a:rPr lang="pt-BR" smtClean="0"/>
-              <a:t>01/08/2023</a:t>
+              <a:t>11/08/2023</a:t>
             </a:fld>
             <a:endParaRPr lang="pt-BR"/>
           </a:p>
@@ -2990,7 +3402,7 @@
           <a:p>
             <a:fld id="{63289F7E-B80B-496E-81B4-D396C37C9454}" type="datetimeFigureOut">
               <a:rPr lang="pt-BR" smtClean="0"/>
-              <a:t>01/08/2023</a:t>
+              <a:t>11/08/2023</a:t>
             </a:fld>
             <a:endParaRPr lang="pt-BR"/>
           </a:p>
@@ -3131,7 +3543,7 @@
           <a:p>
             <a:fld id="{63289F7E-B80B-496E-81B4-D396C37C9454}" type="datetimeFigureOut">
               <a:rPr lang="pt-BR" smtClean="0"/>
-              <a:t>01/08/2023</a:t>
+              <a:t>11/08/2023</a:t>
             </a:fld>
             <a:endParaRPr lang="pt-BR"/>
           </a:p>
@@ -3244,7 +3656,7 @@
           <a:p>
             <a:fld id="{63289F7E-B80B-496E-81B4-D396C37C9454}" type="datetimeFigureOut">
               <a:rPr lang="pt-BR" smtClean="0"/>
-              <a:t>01/08/2023</a:t>
+              <a:t>11/08/2023</a:t>
             </a:fld>
             <a:endParaRPr lang="pt-BR"/>
           </a:p>
@@ -3555,7 +3967,7 @@
           <a:p>
             <a:fld id="{63289F7E-B80B-496E-81B4-D396C37C9454}" type="datetimeFigureOut">
               <a:rPr lang="pt-BR" smtClean="0"/>
-              <a:t>01/08/2023</a:t>
+              <a:t>11/08/2023</a:t>
             </a:fld>
             <a:endParaRPr lang="pt-BR"/>
           </a:p>
@@ -3843,7 +4255,7 @@
           <a:p>
             <a:fld id="{63289F7E-B80B-496E-81B4-D396C37C9454}" type="datetimeFigureOut">
               <a:rPr lang="pt-BR" smtClean="0"/>
-              <a:t>01/08/2023</a:t>
+              <a:t>11/08/2023</a:t>
             </a:fld>
             <a:endParaRPr lang="pt-BR"/>
           </a:p>
@@ -4084,7 +4496,7 @@
           <a:p>
             <a:fld id="{63289F7E-B80B-496E-81B4-D396C37C9454}" type="datetimeFigureOut">
               <a:rPr lang="pt-BR" smtClean="0"/>
-              <a:t>01/08/2023</a:t>
+              <a:t>11/08/2023</a:t>
             </a:fld>
             <a:endParaRPr lang="pt-BR"/>
           </a:p>
@@ -10582,6 +10994,1590 @@
 </file>
 
 <file path=ppt/slides/slide15.xml><?xml version="1.0" encoding="utf-8"?>
+<p:sld xmlns:a="http://schemas.openxmlformats.org/drawingml/2006/main" xmlns:r="http://schemas.openxmlformats.org/officeDocument/2006/relationships" xmlns:p="http://schemas.openxmlformats.org/presentationml/2006/main">
+  <p:cSld>
+    <p:spTree>
+      <p:nvGrpSpPr>
+        <p:cNvPr id="1" name=""/>
+        <p:cNvGrpSpPr/>
+        <p:nvPr/>
+      </p:nvGrpSpPr>
+      <p:grpSpPr>
+        <a:xfrm>
+          <a:off x="0" y="0"/>
+          <a:ext cx="0" cy="0"/>
+          <a:chOff x="0" y="0"/>
+          <a:chExt cx="0" cy="0"/>
+        </a:xfrm>
+      </p:grpSpPr>
+      <p:sp>
+        <p:nvSpPr>
+          <p:cNvPr id="2" name="Título 1">
+            <a:extLst>
+              <a:ext uri="{FF2B5EF4-FFF2-40B4-BE49-F238E27FC236}">
+                <a16:creationId xmlns:a16="http://schemas.microsoft.com/office/drawing/2014/main" id="{49A10830-7336-91D1-5499-0862C69FEE02}"/>
+              </a:ext>
+            </a:extLst>
+          </p:cNvPr>
+          <p:cNvSpPr>
+            <a:spLocks noGrp="1"/>
+          </p:cNvSpPr>
+          <p:nvPr>
+            <p:ph type="title"/>
+          </p:nvPr>
+        </p:nvSpPr>
+        <p:spPr/>
+        <p:txBody>
+          <a:bodyPr/>
+          <a:lstStyle/>
+          <a:p>
+            <a:r>
+              <a:rPr lang="pt-BR" dirty="0" err="1"/>
+              <a:t>Mean</a:t>
+            </a:r>
+            <a:r>
+              <a:rPr lang="pt-BR" dirty="0"/>
+              <a:t> </a:t>
+            </a:r>
+            <a:r>
+              <a:rPr lang="pt-BR" dirty="0" err="1"/>
+              <a:t>Squared</a:t>
+            </a:r>
+            <a:r>
+              <a:rPr lang="pt-BR" dirty="0"/>
+              <a:t> </a:t>
+            </a:r>
+            <a:r>
+              <a:rPr lang="pt-BR" dirty="0" err="1"/>
+              <a:t>Error</a:t>
+            </a:r>
+            <a:r>
+              <a:rPr lang="pt-BR" dirty="0"/>
+              <a:t> – MSE</a:t>
+            </a:r>
+          </a:p>
+        </p:txBody>
+      </p:sp>
+      <mc:AlternateContent xmlns:mc="http://schemas.openxmlformats.org/markup-compatibility/2006">
+        <mc:Choice xmlns:a14="http://schemas.microsoft.com/office/drawing/2010/main" Requires="a14">
+          <p:sp>
+            <p:nvSpPr>
+              <p:cNvPr id="3" name="Espaço Reservado para Conteúdo 2">
+                <a:extLst>
+                  <a:ext uri="{FF2B5EF4-FFF2-40B4-BE49-F238E27FC236}">
+                    <a16:creationId xmlns:a16="http://schemas.microsoft.com/office/drawing/2014/main" id="{996BF4C0-7E55-8111-D7D7-035EB9474E11}"/>
+                  </a:ext>
+                </a:extLst>
+              </p:cNvPr>
+              <p:cNvSpPr>
+                <a:spLocks noGrp="1"/>
+              </p:cNvSpPr>
+              <p:nvPr>
+                <p:ph idx="1"/>
+              </p:nvPr>
+            </p:nvSpPr>
+            <p:spPr>
+              <a:xfrm>
+                <a:off x="5147352" y="1825624"/>
+                <a:ext cx="6904235" cy="5032375"/>
+              </a:xfrm>
+            </p:spPr>
+            <p:txBody>
+              <a:bodyPr>
+                <a:normAutofit fontScale="92500" lnSpcReduction="10000"/>
+              </a:bodyPr>
+              <a:lstStyle/>
+              <a:p>
+                <a:r>
+                  <a:rPr lang="pt-BR" dirty="0"/>
+                  <a:t>É a função de erro mais usada em problemas de regressão.</a:t>
+                </a:r>
+              </a:p>
+              <a:p>
+                <a:r>
+                  <a:rPr lang="pt-BR" dirty="0"/>
+                  <a:t>Calcula a média do </a:t>
+                </a:r>
+                <a:r>
+                  <a:rPr lang="pt-BR" b="1" i="1" dirty="0">
+                    <a:solidFill>
+                      <a:srgbClr val="FF0000"/>
+                    </a:solidFill>
+                  </a:rPr>
+                  <a:t>quadrado da diferença</a:t>
+                </a:r>
+                <a:r>
+                  <a:rPr lang="pt-BR" dirty="0"/>
+                  <a:t> entre os valores preditos e esperados.</a:t>
+                </a:r>
+              </a:p>
+              <a:p>
+                <a:r>
+                  <a:rPr lang="pt-BR" dirty="0"/>
+                  <a:t>Assim, ele </a:t>
+                </a:r>
+                <a:r>
+                  <a:rPr lang="pt-BR" b="1" i="1" dirty="0"/>
+                  <a:t>p</a:t>
+                </a:r>
+                <a:r>
+                  <a:rPr lang="pt-BR" b="1" i="1" dirty="0">
+                    <a:effectLst/>
+                  </a:rPr>
+                  <a:t>enaliza mais erros maiores </a:t>
+                </a:r>
+                <a:r>
+                  <a:rPr lang="pt-BR" b="0" i="0" dirty="0">
+                    <a:effectLst/>
+                  </a:rPr>
+                  <a:t>(devido ao quadrado), o que pode ser útil se desejarmos que o modelo seja </a:t>
+                </a:r>
+                <a:r>
+                  <a:rPr lang="pt-BR" b="1" i="1" dirty="0">
+                    <a:effectLst/>
+                  </a:rPr>
+                  <a:t>mais sensível a esses erros</a:t>
+                </a:r>
+                <a:r>
+                  <a:rPr lang="pt-BR" b="0" i="0" dirty="0">
+                    <a:effectLst/>
+                  </a:rPr>
+                  <a:t>.</a:t>
+                </a:r>
+              </a:p>
+              <a:p>
+                <a:r>
+                  <a:rPr lang="pt-BR" dirty="0"/>
+                  <a:t>Porém, como a diferença é elevada ao quadrado, ele </a:t>
+                </a:r>
+                <a:r>
+                  <a:rPr lang="pt-BR" b="1" i="1" dirty="0"/>
+                  <a:t>pode amplificar </a:t>
+                </a:r>
+                <a:r>
+                  <a:rPr lang="pt-BR" dirty="0"/>
+                  <a:t>a influência de </a:t>
+                </a:r>
+                <a:r>
+                  <a:rPr lang="pt-BR" b="1" i="1" dirty="0"/>
+                  <a:t>outliers</a:t>
+                </a:r>
+                <a:r>
+                  <a:rPr lang="pt-BR" dirty="0"/>
+                  <a:t>.</a:t>
+                </a:r>
+              </a:p>
+              <a:p>
+                <a:r>
+                  <a:rPr lang="pt-BR" b="0" i="0" dirty="0">
+                    <a:effectLst/>
+                  </a:rPr>
+                  <a:t>Por usar o quadrad</a:t>
+                </a:r>
+                <a:r>
+                  <a:rPr lang="pt-BR" dirty="0"/>
+                  <a:t>o da diferença, a métrica não fica na mesma escala dos dados originais.</a:t>
+                </a:r>
+              </a:p>
+              <a:p>
+                <a:pPr lvl="1">
+                  <a:buFont typeface="Wingdings" panose="05000000000000000000" pitchFamily="2" charset="2"/>
+                  <a:buChar char="§"/>
+                </a:pPr>
+                <a:r>
+                  <a:rPr lang="pt-BR" b="0" i="0" dirty="0">
+                    <a:effectLst/>
+                  </a:rPr>
+                  <a:t>Por exemplo, se estivermos predizendo o preço de casas em dólares, os erros estarão em </a:t>
+                </a:r>
+                <a14:m>
+                  <m:oMath xmlns:m="http://schemas.openxmlformats.org/officeDocument/2006/math">
+                    <m:sSup>
+                      <m:sSupPr>
+                        <m:ctrlPr>
+                          <a:rPr lang="pt-BR" b="0" i="1" smtClean="0">
+                            <a:effectLst/>
+                            <a:latin typeface="Cambria Math" panose="02040503050406030204" pitchFamily="18" charset="0"/>
+                          </a:rPr>
+                        </m:ctrlPr>
+                      </m:sSupPr>
+                      <m:e>
+                        <m:r>
+                          <m:rPr>
+                            <m:sty m:val="p"/>
+                          </m:rPr>
+                          <a:rPr lang="pt-BR" b="0" i="0" smtClean="0">
+                            <a:effectLst/>
+                            <a:latin typeface="Cambria Math" panose="02040503050406030204" pitchFamily="18" charset="0"/>
+                          </a:rPr>
+                          <m:t>d</m:t>
+                        </m:r>
+                        <m:r>
+                          <a:rPr lang="pt-BR" b="0" i="0" smtClean="0">
+                            <a:effectLst/>
+                            <a:latin typeface="Cambria Math" panose="02040503050406030204" pitchFamily="18" charset="0"/>
+                          </a:rPr>
+                          <m:t>ó</m:t>
+                        </m:r>
+                        <m:r>
+                          <m:rPr>
+                            <m:sty m:val="p"/>
+                          </m:rPr>
+                          <a:rPr lang="pt-BR" b="0" i="0" smtClean="0">
+                            <a:effectLst/>
+                            <a:latin typeface="Cambria Math" panose="02040503050406030204" pitchFamily="18" charset="0"/>
+                          </a:rPr>
+                          <m:t>lares</m:t>
+                        </m:r>
+                      </m:e>
+                      <m:sup>
+                        <m:r>
+                          <a:rPr lang="pt-BR" b="0" i="1" smtClean="0">
+                            <a:effectLst/>
+                            <a:latin typeface="Cambria Math" panose="02040503050406030204" pitchFamily="18" charset="0"/>
+                          </a:rPr>
+                          <m:t>2</m:t>
+                        </m:r>
+                      </m:sup>
+                    </m:sSup>
+                  </m:oMath>
+                </a14:m>
+                <a:r>
+                  <a:rPr lang="pt-BR" b="0" i="0" dirty="0">
+                    <a:effectLst/>
+                  </a:rPr>
+                  <a:t>.</a:t>
+                </a:r>
+              </a:p>
+            </p:txBody>
+          </p:sp>
+        </mc:Choice>
+        <mc:Fallback>
+          <p:sp>
+            <p:nvSpPr>
+              <p:cNvPr id="3" name="Espaço Reservado para Conteúdo 2">
+                <a:extLst>
+                  <a:ext uri="{FF2B5EF4-FFF2-40B4-BE49-F238E27FC236}">
+                    <a16:creationId xmlns:a16="http://schemas.microsoft.com/office/drawing/2014/main" id="{996BF4C0-7E55-8111-D7D7-035EB9474E11}"/>
+                  </a:ext>
+                </a:extLst>
+              </p:cNvPr>
+              <p:cNvSpPr>
+                <a:spLocks noGrp="1" noRot="1" noChangeAspect="1" noMove="1" noResize="1" noEditPoints="1" noAdjustHandles="1" noChangeArrowheads="1" noChangeShapeType="1" noTextEdit="1"/>
+              </p:cNvSpPr>
+              <p:nvPr>
+                <p:ph idx="1"/>
+              </p:nvPr>
+            </p:nvSpPr>
+            <p:spPr>
+              <a:xfrm>
+                <a:off x="5147352" y="1825624"/>
+                <a:ext cx="6904235" cy="5032375"/>
+              </a:xfrm>
+              <a:blipFill>
+                <a:blip r:embed="rId3"/>
+                <a:stretch>
+                  <a:fillRect l="-1324" t="-2421" r="-2207" b="-2058"/>
+                </a:stretch>
+              </a:blipFill>
+            </p:spPr>
+            <p:txBody>
+              <a:bodyPr/>
+              <a:lstStyle/>
+              <a:p>
+                <a:r>
+                  <a:rPr lang="pt-BR">
+                    <a:noFill/>
+                  </a:rPr>
+                  <a:t> </a:t>
+                </a:r>
+              </a:p>
+            </p:txBody>
+          </p:sp>
+        </mc:Fallback>
+      </mc:AlternateContent>
+      <mc:AlternateContent xmlns:mc="http://schemas.openxmlformats.org/markup-compatibility/2006">
+        <mc:Choice xmlns:a14="http://schemas.microsoft.com/office/drawing/2010/main" Requires="a14">
+          <p:sp>
+            <p:nvSpPr>
+              <p:cNvPr id="4" name="CaixaDeTexto 3">
+                <a:extLst>
+                  <a:ext uri="{FF2B5EF4-FFF2-40B4-BE49-F238E27FC236}">
+                    <a16:creationId xmlns:a16="http://schemas.microsoft.com/office/drawing/2014/main" id="{912EE77C-6A3E-1677-40E5-D9887B8F1F1E}"/>
+                  </a:ext>
+                </a:extLst>
+              </p:cNvPr>
+              <p:cNvSpPr txBox="1"/>
+              <p:nvPr/>
+            </p:nvSpPr>
+            <p:spPr>
+              <a:xfrm>
+                <a:off x="1259440" y="3054151"/>
+                <a:ext cx="3520374" cy="1130822"/>
+              </a:xfrm>
+              <a:prstGeom prst="rect">
+                <a:avLst/>
+              </a:prstGeom>
+              <a:noFill/>
+            </p:spPr>
+            <p:txBody>
+              <a:bodyPr wrap="square" rtlCol="0">
+                <a:spAutoFit/>
+              </a:bodyPr>
+              <a:lstStyle/>
+              <a:p>
+                <a:pPr/>
+                <a14:m>
+                  <m:oMathPara xmlns:m="http://schemas.openxmlformats.org/officeDocument/2006/math">
+                    <m:oMathParaPr>
+                      <m:jc m:val="left"/>
+                    </m:oMathParaPr>
+                    <m:oMath xmlns:m="http://schemas.openxmlformats.org/officeDocument/2006/math">
+                      <m:r>
+                        <m:rPr>
+                          <m:sty m:val="p"/>
+                        </m:rPr>
+                        <a:rPr lang="pt-BR" sz="2400" b="0" i="0" smtClean="0">
+                          <a:latin typeface="Cambria Math" panose="02040503050406030204" pitchFamily="18" charset="0"/>
+                        </a:rPr>
+                        <m:t>MSE</m:t>
+                      </m:r>
+                      <m:r>
+                        <a:rPr lang="pt-BR" sz="2400" b="0" i="1" smtClean="0">
+                          <a:latin typeface="Cambria Math" panose="02040503050406030204" pitchFamily="18" charset="0"/>
+                        </a:rPr>
+                        <m:t>=</m:t>
+                      </m:r>
+                      <m:f>
+                        <m:fPr>
+                          <m:ctrlPr>
+                            <a:rPr lang="pt-BR" sz="2400" b="0" i="1" smtClean="0">
+                              <a:latin typeface="Cambria Math" panose="02040503050406030204" pitchFamily="18" charset="0"/>
+                            </a:rPr>
+                          </m:ctrlPr>
+                        </m:fPr>
+                        <m:num>
+                          <m:r>
+                            <a:rPr lang="pt-BR" sz="2400" b="0" i="1" smtClean="0">
+                              <a:latin typeface="Cambria Math" panose="02040503050406030204" pitchFamily="18" charset="0"/>
+                            </a:rPr>
+                            <m:t>1</m:t>
+                          </m:r>
+                        </m:num>
+                        <m:den>
+                          <m:r>
+                            <a:rPr lang="pt-BR" sz="2400" b="0" i="1" smtClean="0">
+                              <a:latin typeface="Cambria Math" panose="02040503050406030204" pitchFamily="18" charset="0"/>
+                            </a:rPr>
+                            <m:t>𝑁</m:t>
+                          </m:r>
+                        </m:den>
+                      </m:f>
+                      <m:nary>
+                        <m:naryPr>
+                          <m:chr m:val="∑"/>
+                          <m:ctrlPr>
+                            <a:rPr lang="pt-BR" sz="2400" b="0" i="1" smtClean="0">
+                              <a:latin typeface="Cambria Math" panose="02040503050406030204" pitchFamily="18" charset="0"/>
+                            </a:rPr>
+                          </m:ctrlPr>
+                        </m:naryPr>
+                        <m:sub>
+                          <m:r>
+                            <m:rPr>
+                              <m:brk m:alnAt="23"/>
+                            </m:rPr>
+                            <a:rPr lang="pt-BR" sz="2400" b="0" i="1" smtClean="0">
+                              <a:latin typeface="Cambria Math" panose="02040503050406030204" pitchFamily="18" charset="0"/>
+                            </a:rPr>
+                            <m:t>𝑛</m:t>
+                          </m:r>
+                          <m:r>
+                            <a:rPr lang="pt-BR" sz="2400" b="0" i="1" smtClean="0">
+                              <a:latin typeface="Cambria Math" panose="02040503050406030204" pitchFamily="18" charset="0"/>
+                            </a:rPr>
+                            <m:t>=1</m:t>
+                          </m:r>
+                        </m:sub>
+                        <m:sup>
+                          <m:r>
+                            <a:rPr lang="pt-BR" sz="2400" b="0" i="1" smtClean="0">
+                              <a:latin typeface="Cambria Math" panose="02040503050406030204" pitchFamily="18" charset="0"/>
+                            </a:rPr>
+                            <m:t>𝑁</m:t>
+                          </m:r>
+                        </m:sup>
+                        <m:e>
+                          <m:sSup>
+                            <m:sSupPr>
+                              <m:ctrlPr>
+                                <a:rPr lang="pt-BR" sz="2400" b="0" i="1" smtClean="0">
+                                  <a:latin typeface="Cambria Math" panose="02040503050406030204" pitchFamily="18" charset="0"/>
+                                </a:rPr>
+                              </m:ctrlPr>
+                            </m:sSupPr>
+                            <m:e>
+                              <m:d>
+                                <m:dPr>
+                                  <m:ctrlPr>
+                                    <a:rPr lang="pt-BR" sz="2400" b="0" i="1" smtClean="0">
+                                      <a:latin typeface="Cambria Math" panose="02040503050406030204" pitchFamily="18" charset="0"/>
+                                    </a:rPr>
+                                  </m:ctrlPr>
+                                </m:dPr>
+                                <m:e>
+                                  <m:sSub>
+                                    <m:sSubPr>
+                                      <m:ctrlPr>
+                                        <a:rPr lang="pt-BR" sz="2400" i="1">
+                                          <a:latin typeface="Cambria Math" panose="02040503050406030204" pitchFamily="18" charset="0"/>
+                                        </a:rPr>
+                                      </m:ctrlPr>
+                                    </m:sSubPr>
+                                    <m:e>
+                                      <m:acc>
+                                        <m:accPr>
+                                          <m:chr m:val="̂"/>
+                                          <m:ctrlPr>
+                                            <a:rPr lang="pt-BR" sz="2400" i="1">
+                                              <a:latin typeface="Cambria Math" panose="02040503050406030204" pitchFamily="18" charset="0"/>
+                                            </a:rPr>
+                                          </m:ctrlPr>
+                                        </m:accPr>
+                                        <m:e>
+                                          <m:r>
+                                            <a:rPr lang="pt-BR" sz="2400" i="1">
+                                              <a:latin typeface="Cambria Math" panose="02040503050406030204" pitchFamily="18" charset="0"/>
+                                            </a:rPr>
+                                            <m:t>𝑦</m:t>
+                                          </m:r>
+                                        </m:e>
+                                      </m:acc>
+                                    </m:e>
+                                    <m:sub>
+                                      <m:r>
+                                        <a:rPr lang="pt-BR" sz="2400" i="1">
+                                          <a:latin typeface="Cambria Math" panose="02040503050406030204" pitchFamily="18" charset="0"/>
+                                        </a:rPr>
+                                        <m:t>𝑛</m:t>
+                                      </m:r>
+                                    </m:sub>
+                                  </m:sSub>
+                                  <m:r>
+                                    <a:rPr lang="pt-BR" sz="2400" b="0" i="1" smtClean="0">
+                                      <a:latin typeface="Cambria Math" panose="02040503050406030204" pitchFamily="18" charset="0"/>
+                                    </a:rPr>
+                                    <m:t>−</m:t>
+                                  </m:r>
+                                  <m:sSub>
+                                    <m:sSubPr>
+                                      <m:ctrlPr>
+                                        <a:rPr lang="pt-BR" sz="2400" i="1">
+                                          <a:latin typeface="Cambria Math" panose="02040503050406030204" pitchFamily="18" charset="0"/>
+                                        </a:rPr>
+                                      </m:ctrlPr>
+                                    </m:sSubPr>
+                                    <m:e>
+                                      <m:r>
+                                        <a:rPr lang="pt-BR" sz="2400" i="1">
+                                          <a:latin typeface="Cambria Math" panose="02040503050406030204" pitchFamily="18" charset="0"/>
+                                        </a:rPr>
+                                        <m:t>𝑦</m:t>
+                                      </m:r>
+                                    </m:e>
+                                    <m:sub>
+                                      <m:r>
+                                        <a:rPr lang="pt-BR" sz="2400" i="1">
+                                          <a:latin typeface="Cambria Math" panose="02040503050406030204" pitchFamily="18" charset="0"/>
+                                        </a:rPr>
+                                        <m:t>𝑛</m:t>
+                                      </m:r>
+                                    </m:sub>
+                                  </m:sSub>
+                                </m:e>
+                              </m:d>
+                            </m:e>
+                            <m:sup>
+                              <m:r>
+                                <a:rPr lang="pt-BR" sz="2400" b="0" i="1" smtClean="0">
+                                  <a:latin typeface="Cambria Math" panose="02040503050406030204" pitchFamily="18" charset="0"/>
+                                </a:rPr>
+                                <m:t>2</m:t>
+                              </m:r>
+                            </m:sup>
+                          </m:sSup>
+                        </m:e>
+                      </m:nary>
+                    </m:oMath>
+                  </m:oMathPara>
+                </a14:m>
+                <a:endParaRPr lang="pt-BR" sz="2400" dirty="0"/>
+              </a:p>
+            </p:txBody>
+          </p:sp>
+        </mc:Choice>
+        <mc:Fallback>
+          <p:sp>
+            <p:nvSpPr>
+              <p:cNvPr id="4" name="CaixaDeTexto 3">
+                <a:extLst>
+                  <a:ext uri="{FF2B5EF4-FFF2-40B4-BE49-F238E27FC236}">
+                    <a16:creationId xmlns:a16="http://schemas.microsoft.com/office/drawing/2014/main" id="{912EE77C-6A3E-1677-40E5-D9887B8F1F1E}"/>
+                  </a:ext>
+                </a:extLst>
+              </p:cNvPr>
+              <p:cNvSpPr txBox="1">
+                <a:spLocks noRot="1" noChangeAspect="1" noMove="1" noResize="1" noEditPoints="1" noAdjustHandles="1" noChangeArrowheads="1" noChangeShapeType="1" noTextEdit="1"/>
+              </p:cNvSpPr>
+              <p:nvPr/>
+            </p:nvSpPr>
+            <p:spPr>
+              <a:xfrm>
+                <a:off x="1259440" y="3054151"/>
+                <a:ext cx="3520374" cy="1130822"/>
+              </a:xfrm>
+              <a:prstGeom prst="rect">
+                <a:avLst/>
+              </a:prstGeom>
+              <a:blipFill>
+                <a:blip r:embed="rId4"/>
+                <a:stretch>
+                  <a:fillRect/>
+                </a:stretch>
+              </a:blipFill>
+            </p:spPr>
+            <p:txBody>
+              <a:bodyPr/>
+              <a:lstStyle/>
+              <a:p>
+                <a:r>
+                  <a:rPr lang="pt-BR">
+                    <a:noFill/>
+                  </a:rPr>
+                  <a:t> </a:t>
+                </a:r>
+              </a:p>
+            </p:txBody>
+          </p:sp>
+        </mc:Fallback>
+      </mc:AlternateContent>
+    </p:spTree>
+    <p:extLst>
+      <p:ext uri="{BB962C8B-B14F-4D97-AF65-F5344CB8AC3E}">
+        <p14:creationId xmlns:p14="http://schemas.microsoft.com/office/powerpoint/2010/main" val="552372978"/>
+      </p:ext>
+    </p:extLst>
+  </p:cSld>
+  <p:clrMapOvr>
+    <a:masterClrMapping/>
+  </p:clrMapOvr>
+</p:sld>
+</file>
+
+<file path=ppt/slides/slide16.xml><?xml version="1.0" encoding="utf-8"?>
+<p:sld xmlns:a="http://schemas.openxmlformats.org/drawingml/2006/main" xmlns:r="http://schemas.openxmlformats.org/officeDocument/2006/relationships" xmlns:p="http://schemas.openxmlformats.org/presentationml/2006/main">
+  <p:cSld>
+    <p:spTree>
+      <p:nvGrpSpPr>
+        <p:cNvPr id="1" name=""/>
+        <p:cNvGrpSpPr/>
+        <p:nvPr/>
+      </p:nvGrpSpPr>
+      <p:grpSpPr>
+        <a:xfrm>
+          <a:off x="0" y="0"/>
+          <a:ext cx="0" cy="0"/>
+          <a:chOff x="0" y="0"/>
+          <a:chExt cx="0" cy="0"/>
+        </a:xfrm>
+      </p:grpSpPr>
+      <p:sp>
+        <p:nvSpPr>
+          <p:cNvPr id="2" name="Título 1">
+            <a:extLst>
+              <a:ext uri="{FF2B5EF4-FFF2-40B4-BE49-F238E27FC236}">
+                <a16:creationId xmlns:a16="http://schemas.microsoft.com/office/drawing/2014/main" id="{49A10830-7336-91D1-5499-0862C69FEE02}"/>
+              </a:ext>
+            </a:extLst>
+          </p:cNvPr>
+          <p:cNvSpPr>
+            <a:spLocks noGrp="1"/>
+          </p:cNvSpPr>
+          <p:nvPr>
+            <p:ph type="title"/>
+          </p:nvPr>
+        </p:nvSpPr>
+        <p:spPr/>
+        <p:txBody>
+          <a:bodyPr/>
+          <a:lstStyle/>
+          <a:p>
+            <a:r>
+              <a:rPr lang="pt-BR" dirty="0"/>
+              <a:t>Root </a:t>
+            </a:r>
+            <a:r>
+              <a:rPr lang="pt-BR" dirty="0" err="1"/>
+              <a:t>Mean</a:t>
+            </a:r>
+            <a:r>
+              <a:rPr lang="pt-BR" dirty="0"/>
+              <a:t> </a:t>
+            </a:r>
+            <a:r>
+              <a:rPr lang="pt-BR" dirty="0" err="1"/>
+              <a:t>Squared</a:t>
+            </a:r>
+            <a:r>
+              <a:rPr lang="pt-BR" dirty="0"/>
+              <a:t> </a:t>
+            </a:r>
+            <a:r>
+              <a:rPr lang="pt-BR" dirty="0" err="1"/>
+              <a:t>Error</a:t>
+            </a:r>
+            <a:r>
+              <a:rPr lang="pt-BR" dirty="0"/>
+              <a:t> – RMSE</a:t>
+            </a:r>
+          </a:p>
+        </p:txBody>
+      </p:sp>
+      <p:sp>
+        <p:nvSpPr>
+          <p:cNvPr id="3" name="Espaço Reservado para Conteúdo 2">
+            <a:extLst>
+              <a:ext uri="{FF2B5EF4-FFF2-40B4-BE49-F238E27FC236}">
+                <a16:creationId xmlns:a16="http://schemas.microsoft.com/office/drawing/2014/main" id="{996BF4C0-7E55-8111-D7D7-035EB9474E11}"/>
+              </a:ext>
+            </a:extLst>
+          </p:cNvPr>
+          <p:cNvSpPr>
+            <a:spLocks noGrp="1"/>
+          </p:cNvSpPr>
+          <p:nvPr>
+            <p:ph idx="1"/>
+          </p:nvPr>
+        </p:nvSpPr>
+        <p:spPr>
+          <a:xfrm>
+            <a:off x="6096000" y="1825624"/>
+            <a:ext cx="5955587" cy="5032375"/>
+          </a:xfrm>
+        </p:spPr>
+        <p:txBody>
+          <a:bodyPr>
+            <a:normAutofit/>
+          </a:bodyPr>
+          <a:lstStyle/>
+          <a:p>
+            <a:r>
+              <a:rPr lang="pt-BR" b="0" i="0" dirty="0">
+                <a:effectLst/>
+              </a:rPr>
+              <a:t>Calcula a raiz quadrada do MSE, retornando a métrica à mesma escala dos dados originais.</a:t>
+            </a:r>
+          </a:p>
+          <a:p>
+            <a:r>
+              <a:rPr lang="pt-BR" dirty="0"/>
+              <a:t>Isso é </a:t>
+            </a:r>
+            <a:r>
+              <a:rPr lang="pt-BR" b="0" i="0" dirty="0">
+                <a:effectLst/>
+              </a:rPr>
+              <a:t>útil para interpretar o erro em unidades da variável alvo original (i.e., os rótulos), o que pode facilitar a compreensão do impacto do erro.</a:t>
+            </a:r>
+          </a:p>
+          <a:p>
+            <a:r>
+              <a:rPr lang="pt-BR" b="0" i="0" dirty="0">
+                <a:effectLst/>
+              </a:rPr>
+              <a:t>Assim como o MSE, também penaliza erros maiores.</a:t>
+            </a:r>
+            <a:endParaRPr lang="pt-BR" dirty="0"/>
+          </a:p>
+        </p:txBody>
+      </p:sp>
+      <mc:AlternateContent xmlns:mc="http://schemas.openxmlformats.org/markup-compatibility/2006">
+        <mc:Choice xmlns:a14="http://schemas.microsoft.com/office/drawing/2010/main" Requires="a14">
+          <p:sp>
+            <p:nvSpPr>
+              <p:cNvPr id="5" name="CaixaDeTexto 4">
+                <a:extLst>
+                  <a:ext uri="{FF2B5EF4-FFF2-40B4-BE49-F238E27FC236}">
+                    <a16:creationId xmlns:a16="http://schemas.microsoft.com/office/drawing/2014/main" id="{DB827281-D803-D692-2D15-45F018122509}"/>
+                  </a:ext>
+                </a:extLst>
+              </p:cNvPr>
+              <p:cNvSpPr txBox="1"/>
+              <p:nvPr/>
+            </p:nvSpPr>
+            <p:spPr>
+              <a:xfrm>
+                <a:off x="838200" y="2812610"/>
+                <a:ext cx="4101291" cy="1529201"/>
+              </a:xfrm>
+              <a:prstGeom prst="rect">
+                <a:avLst/>
+              </a:prstGeom>
+              <a:noFill/>
+            </p:spPr>
+            <p:txBody>
+              <a:bodyPr wrap="square" rtlCol="0">
+                <a:spAutoFit/>
+              </a:bodyPr>
+              <a:lstStyle/>
+              <a:p>
+                <a:pPr/>
+                <a14:m>
+                  <m:oMathPara xmlns:m="http://schemas.openxmlformats.org/officeDocument/2006/math">
+                    <m:oMathParaPr>
+                      <m:jc m:val="left"/>
+                    </m:oMathParaPr>
+                    <m:oMath xmlns:m="http://schemas.openxmlformats.org/officeDocument/2006/math">
+                      <m:r>
+                        <m:rPr>
+                          <m:sty m:val="p"/>
+                        </m:rPr>
+                        <a:rPr lang="pt-BR" sz="2400" b="0" i="0" smtClean="0">
+                          <a:latin typeface="Cambria Math" panose="02040503050406030204" pitchFamily="18" charset="0"/>
+                        </a:rPr>
+                        <m:t>RMSE</m:t>
+                      </m:r>
+                      <m:r>
+                        <a:rPr lang="pt-BR" sz="2400" b="0" i="1" smtClean="0">
+                          <a:latin typeface="Cambria Math" panose="02040503050406030204" pitchFamily="18" charset="0"/>
+                        </a:rPr>
+                        <m:t>=</m:t>
+                      </m:r>
+                      <m:rad>
+                        <m:radPr>
+                          <m:degHide m:val="on"/>
+                          <m:ctrlPr>
+                            <a:rPr lang="pt-BR" sz="2400" b="0" i="1" smtClean="0">
+                              <a:latin typeface="Cambria Math" panose="02040503050406030204" pitchFamily="18" charset="0"/>
+                            </a:rPr>
+                          </m:ctrlPr>
+                        </m:radPr>
+                        <m:deg/>
+                        <m:e>
+                          <m:f>
+                            <m:fPr>
+                              <m:ctrlPr>
+                                <a:rPr lang="pt-BR" sz="2400" i="1">
+                                  <a:latin typeface="Cambria Math" panose="02040503050406030204" pitchFamily="18" charset="0"/>
+                                </a:rPr>
+                              </m:ctrlPr>
+                            </m:fPr>
+                            <m:num>
+                              <m:r>
+                                <a:rPr lang="pt-BR" sz="2400" i="1">
+                                  <a:latin typeface="Cambria Math" panose="02040503050406030204" pitchFamily="18" charset="0"/>
+                                </a:rPr>
+                                <m:t>1</m:t>
+                              </m:r>
+                            </m:num>
+                            <m:den>
+                              <m:r>
+                                <a:rPr lang="pt-BR" sz="2400" i="1">
+                                  <a:latin typeface="Cambria Math" panose="02040503050406030204" pitchFamily="18" charset="0"/>
+                                </a:rPr>
+                                <m:t>𝑁</m:t>
+                              </m:r>
+                            </m:den>
+                          </m:f>
+                          <m:nary>
+                            <m:naryPr>
+                              <m:chr m:val="∑"/>
+                              <m:ctrlPr>
+                                <a:rPr lang="pt-BR" sz="2400" i="1">
+                                  <a:latin typeface="Cambria Math" panose="02040503050406030204" pitchFamily="18" charset="0"/>
+                                </a:rPr>
+                              </m:ctrlPr>
+                            </m:naryPr>
+                            <m:sub>
+                              <m:r>
+                                <m:rPr>
+                                  <m:brk m:alnAt="23"/>
+                                </m:rPr>
+                                <a:rPr lang="pt-BR" sz="2400" i="1">
+                                  <a:latin typeface="Cambria Math" panose="02040503050406030204" pitchFamily="18" charset="0"/>
+                                </a:rPr>
+                                <m:t>𝑛</m:t>
+                              </m:r>
+                              <m:r>
+                                <a:rPr lang="pt-BR" sz="2400" i="1">
+                                  <a:latin typeface="Cambria Math" panose="02040503050406030204" pitchFamily="18" charset="0"/>
+                                </a:rPr>
+                                <m:t>=1</m:t>
+                              </m:r>
+                            </m:sub>
+                            <m:sup>
+                              <m:r>
+                                <a:rPr lang="pt-BR" sz="2400" i="1">
+                                  <a:latin typeface="Cambria Math" panose="02040503050406030204" pitchFamily="18" charset="0"/>
+                                </a:rPr>
+                                <m:t>𝑁</m:t>
+                              </m:r>
+                            </m:sup>
+                            <m:e>
+                              <m:sSup>
+                                <m:sSupPr>
+                                  <m:ctrlPr>
+                                    <a:rPr lang="pt-BR" sz="2400" i="1">
+                                      <a:latin typeface="Cambria Math" panose="02040503050406030204" pitchFamily="18" charset="0"/>
+                                    </a:rPr>
+                                  </m:ctrlPr>
+                                </m:sSupPr>
+                                <m:e>
+                                  <m:d>
+                                    <m:dPr>
+                                      <m:ctrlPr>
+                                        <a:rPr lang="pt-BR" sz="2400" i="1">
+                                          <a:latin typeface="Cambria Math" panose="02040503050406030204" pitchFamily="18" charset="0"/>
+                                        </a:rPr>
+                                      </m:ctrlPr>
+                                    </m:dPr>
+                                    <m:e>
+                                      <m:sSub>
+                                        <m:sSubPr>
+                                          <m:ctrlPr>
+                                            <a:rPr lang="pt-BR" sz="2400" i="1">
+                                              <a:latin typeface="Cambria Math" panose="02040503050406030204" pitchFamily="18" charset="0"/>
+                                            </a:rPr>
+                                          </m:ctrlPr>
+                                        </m:sSubPr>
+                                        <m:e>
+                                          <m:acc>
+                                            <m:accPr>
+                                              <m:chr m:val="̂"/>
+                                              <m:ctrlPr>
+                                                <a:rPr lang="pt-BR" sz="2400" i="1">
+                                                  <a:latin typeface="Cambria Math" panose="02040503050406030204" pitchFamily="18" charset="0"/>
+                                                </a:rPr>
+                                              </m:ctrlPr>
+                                            </m:accPr>
+                                            <m:e>
+                                              <m:r>
+                                                <a:rPr lang="pt-BR" sz="2400" i="1">
+                                                  <a:latin typeface="Cambria Math" panose="02040503050406030204" pitchFamily="18" charset="0"/>
+                                                </a:rPr>
+                                                <m:t>𝑦</m:t>
+                                              </m:r>
+                                            </m:e>
+                                          </m:acc>
+                                        </m:e>
+                                        <m:sub>
+                                          <m:r>
+                                            <a:rPr lang="pt-BR" sz="2400" i="1">
+                                              <a:latin typeface="Cambria Math" panose="02040503050406030204" pitchFamily="18" charset="0"/>
+                                            </a:rPr>
+                                            <m:t>𝑛</m:t>
+                                          </m:r>
+                                        </m:sub>
+                                      </m:sSub>
+                                      <m:r>
+                                        <a:rPr lang="pt-BR" sz="2400" i="1">
+                                          <a:latin typeface="Cambria Math" panose="02040503050406030204" pitchFamily="18" charset="0"/>
+                                        </a:rPr>
+                                        <m:t>−</m:t>
+                                      </m:r>
+                                      <m:sSub>
+                                        <m:sSubPr>
+                                          <m:ctrlPr>
+                                            <a:rPr lang="pt-BR" sz="2400" i="1">
+                                              <a:latin typeface="Cambria Math" panose="02040503050406030204" pitchFamily="18" charset="0"/>
+                                            </a:rPr>
+                                          </m:ctrlPr>
+                                        </m:sSubPr>
+                                        <m:e>
+                                          <m:r>
+                                            <a:rPr lang="pt-BR" sz="2400" i="1">
+                                              <a:latin typeface="Cambria Math" panose="02040503050406030204" pitchFamily="18" charset="0"/>
+                                            </a:rPr>
+                                            <m:t>𝑦</m:t>
+                                          </m:r>
+                                        </m:e>
+                                        <m:sub>
+                                          <m:r>
+                                            <a:rPr lang="pt-BR" sz="2400" i="1">
+                                              <a:latin typeface="Cambria Math" panose="02040503050406030204" pitchFamily="18" charset="0"/>
+                                            </a:rPr>
+                                            <m:t>𝑛</m:t>
+                                          </m:r>
+                                        </m:sub>
+                                      </m:sSub>
+                                    </m:e>
+                                  </m:d>
+                                </m:e>
+                                <m:sup>
+                                  <m:r>
+                                    <a:rPr lang="pt-BR" sz="2400" i="1">
+                                      <a:latin typeface="Cambria Math" panose="02040503050406030204" pitchFamily="18" charset="0"/>
+                                    </a:rPr>
+                                    <m:t>2</m:t>
+                                  </m:r>
+                                </m:sup>
+                              </m:sSup>
+                            </m:e>
+                          </m:nary>
+                        </m:e>
+                      </m:rad>
+                    </m:oMath>
+                  </m:oMathPara>
+                </a14:m>
+                <a:endParaRPr lang="pt-BR" sz="2400" dirty="0"/>
+              </a:p>
+            </p:txBody>
+          </p:sp>
+        </mc:Choice>
+        <mc:Fallback>
+          <p:sp>
+            <p:nvSpPr>
+              <p:cNvPr id="5" name="CaixaDeTexto 4">
+                <a:extLst>
+                  <a:ext uri="{FF2B5EF4-FFF2-40B4-BE49-F238E27FC236}">
+                    <a16:creationId xmlns:a16="http://schemas.microsoft.com/office/drawing/2014/main" id="{DB827281-D803-D692-2D15-45F018122509}"/>
+                  </a:ext>
+                </a:extLst>
+              </p:cNvPr>
+              <p:cNvSpPr txBox="1">
+                <a:spLocks noRot="1" noChangeAspect="1" noMove="1" noResize="1" noEditPoints="1" noAdjustHandles="1" noChangeArrowheads="1" noChangeShapeType="1" noTextEdit="1"/>
+              </p:cNvSpPr>
+              <p:nvPr/>
+            </p:nvSpPr>
+            <p:spPr>
+              <a:xfrm>
+                <a:off x="838200" y="2812610"/>
+                <a:ext cx="4101291" cy="1529201"/>
+              </a:xfrm>
+              <a:prstGeom prst="rect">
+                <a:avLst/>
+              </a:prstGeom>
+              <a:blipFill>
+                <a:blip r:embed="rId3"/>
+                <a:stretch>
+                  <a:fillRect/>
+                </a:stretch>
+              </a:blipFill>
+            </p:spPr>
+            <p:txBody>
+              <a:bodyPr/>
+              <a:lstStyle/>
+              <a:p>
+                <a:r>
+                  <a:rPr lang="pt-BR">
+                    <a:noFill/>
+                  </a:rPr>
+                  <a:t> </a:t>
+                </a:r>
+              </a:p>
+            </p:txBody>
+          </p:sp>
+        </mc:Fallback>
+      </mc:AlternateContent>
+    </p:spTree>
+    <p:extLst>
+      <p:ext uri="{BB962C8B-B14F-4D97-AF65-F5344CB8AC3E}">
+        <p14:creationId xmlns:p14="http://schemas.microsoft.com/office/powerpoint/2010/main" val="1459753521"/>
+      </p:ext>
+    </p:extLst>
+  </p:cSld>
+  <p:clrMapOvr>
+    <a:masterClrMapping/>
+  </p:clrMapOvr>
+</p:sld>
+</file>
+
+<file path=ppt/slides/slide17.xml><?xml version="1.0" encoding="utf-8"?>
+<p:sld xmlns:a="http://schemas.openxmlformats.org/drawingml/2006/main" xmlns:r="http://schemas.openxmlformats.org/officeDocument/2006/relationships" xmlns:p="http://schemas.openxmlformats.org/presentationml/2006/main">
+  <p:cSld>
+    <p:spTree>
+      <p:nvGrpSpPr>
+        <p:cNvPr id="1" name=""/>
+        <p:cNvGrpSpPr/>
+        <p:nvPr/>
+      </p:nvGrpSpPr>
+      <p:grpSpPr>
+        <a:xfrm>
+          <a:off x="0" y="0"/>
+          <a:ext cx="0" cy="0"/>
+          <a:chOff x="0" y="0"/>
+          <a:chExt cx="0" cy="0"/>
+        </a:xfrm>
+      </p:grpSpPr>
+      <p:sp>
+        <p:nvSpPr>
+          <p:cNvPr id="2" name="Título 1">
+            <a:extLst>
+              <a:ext uri="{FF2B5EF4-FFF2-40B4-BE49-F238E27FC236}">
+                <a16:creationId xmlns:a16="http://schemas.microsoft.com/office/drawing/2014/main" id="{49A10830-7336-91D1-5499-0862C69FEE02}"/>
+              </a:ext>
+            </a:extLst>
+          </p:cNvPr>
+          <p:cNvSpPr>
+            <a:spLocks noGrp="1"/>
+          </p:cNvSpPr>
+          <p:nvPr>
+            <p:ph type="title"/>
+          </p:nvPr>
+        </p:nvSpPr>
+        <p:spPr/>
+        <p:txBody>
+          <a:bodyPr/>
+          <a:lstStyle/>
+          <a:p>
+            <a:r>
+              <a:rPr lang="pt-BR" dirty="0" err="1"/>
+              <a:t>Mean</a:t>
+            </a:r>
+            <a:r>
+              <a:rPr lang="pt-BR" dirty="0"/>
+              <a:t> Absolute </a:t>
+            </a:r>
+            <a:r>
+              <a:rPr lang="pt-BR" dirty="0" err="1"/>
+              <a:t>Error</a:t>
+            </a:r>
+            <a:r>
+              <a:rPr lang="pt-BR" dirty="0"/>
+              <a:t> – MAE</a:t>
+            </a:r>
+          </a:p>
+        </p:txBody>
+      </p:sp>
+      <p:sp>
+        <p:nvSpPr>
+          <p:cNvPr id="3" name="Espaço Reservado para Conteúdo 2">
+            <a:extLst>
+              <a:ext uri="{FF2B5EF4-FFF2-40B4-BE49-F238E27FC236}">
+                <a16:creationId xmlns:a16="http://schemas.microsoft.com/office/drawing/2014/main" id="{996BF4C0-7E55-8111-D7D7-035EB9474E11}"/>
+              </a:ext>
+            </a:extLst>
+          </p:cNvPr>
+          <p:cNvSpPr>
+            <a:spLocks noGrp="1"/>
+          </p:cNvSpPr>
+          <p:nvPr>
+            <p:ph idx="1"/>
+          </p:nvPr>
+        </p:nvSpPr>
+        <p:spPr>
+          <a:xfrm>
+            <a:off x="5599416" y="1825624"/>
+            <a:ext cx="6452171" cy="5032375"/>
+          </a:xfrm>
+        </p:spPr>
+        <p:txBody>
+          <a:bodyPr>
+            <a:normAutofit fontScale="92500"/>
+          </a:bodyPr>
+          <a:lstStyle/>
+          <a:p>
+            <a:r>
+              <a:rPr lang="pt-BR" dirty="0"/>
+              <a:t>C</a:t>
+            </a:r>
+            <a:r>
+              <a:rPr lang="pt-BR" b="0" i="0" dirty="0">
+                <a:effectLst/>
+              </a:rPr>
+              <a:t>alcula a </a:t>
+            </a:r>
+            <a:r>
+              <a:rPr lang="pt-BR" b="1" i="1" dirty="0">
+                <a:effectLst/>
+              </a:rPr>
+              <a:t>média das diferenças absolutas </a:t>
+            </a:r>
+            <a:r>
+              <a:rPr lang="pt-BR" b="0" i="0" dirty="0">
+                <a:effectLst/>
+              </a:rPr>
+              <a:t>entre as predições do modelo e os valores esperados.</a:t>
+            </a:r>
+          </a:p>
+          <a:p>
+            <a:pPr lvl="1">
+              <a:buFont typeface="Wingdings" panose="05000000000000000000" pitchFamily="2" charset="2"/>
+              <a:buChar char="§"/>
+            </a:pPr>
+            <a:r>
+              <a:rPr lang="pt-BR" b="0" i="0" dirty="0">
+                <a:effectLst/>
+              </a:rPr>
+              <a:t>Ou seja, penaliza os erros de maneira uniforme.</a:t>
+            </a:r>
+          </a:p>
+          <a:p>
+            <a:r>
+              <a:rPr lang="pt-BR" b="0" i="0" dirty="0">
+                <a:effectLst/>
+              </a:rPr>
+              <a:t>Ao contrário do MSE e RMSE, não eleva os erros ao quadrado, o que o torna menos sensível a </a:t>
+            </a:r>
+            <a:r>
+              <a:rPr lang="pt-BR" b="0" i="1" dirty="0">
+                <a:effectLst/>
+              </a:rPr>
+              <a:t>outliers</a:t>
+            </a:r>
+            <a:r>
+              <a:rPr lang="pt-BR" b="0" i="0" dirty="0">
+                <a:effectLst/>
+              </a:rPr>
+              <a:t>.</a:t>
+            </a:r>
+          </a:p>
+          <a:p>
+            <a:r>
+              <a:rPr lang="pt-BR" dirty="0"/>
+              <a:t>Representa os erros na </a:t>
+            </a:r>
+            <a:r>
+              <a:rPr lang="pt-BR" b="0" i="0" dirty="0">
+                <a:effectLst/>
+              </a:rPr>
+              <a:t>mesma escala dos dados originais, facilitando a interpretação.</a:t>
+            </a:r>
+          </a:p>
+          <a:p>
+            <a:r>
+              <a:rPr lang="pt-BR" dirty="0"/>
+              <a:t>Boa opção quando </a:t>
+            </a:r>
+            <a:r>
+              <a:rPr lang="pt-BR" b="0" i="0" dirty="0">
+                <a:effectLst/>
+              </a:rPr>
+              <a:t>desejamos um erro mais uniforme em todas as predições e desejamos minimizar a influência de outliers.</a:t>
+            </a:r>
+            <a:endParaRPr lang="pt-BR" dirty="0"/>
+          </a:p>
+        </p:txBody>
+      </p:sp>
+      <mc:AlternateContent xmlns:mc="http://schemas.openxmlformats.org/markup-compatibility/2006">
+        <mc:Choice xmlns:a14="http://schemas.microsoft.com/office/drawing/2010/main" Requires="a14">
+          <p:sp>
+            <p:nvSpPr>
+              <p:cNvPr id="4" name="CaixaDeTexto 3">
+                <a:extLst>
+                  <a:ext uri="{FF2B5EF4-FFF2-40B4-BE49-F238E27FC236}">
+                    <a16:creationId xmlns:a16="http://schemas.microsoft.com/office/drawing/2014/main" id="{EF5F8010-CACA-C2A4-30BD-3BE2F2AF278D}"/>
+                  </a:ext>
+                </a:extLst>
+              </p:cNvPr>
+              <p:cNvSpPr txBox="1"/>
+              <p:nvPr/>
+            </p:nvSpPr>
+            <p:spPr>
+              <a:xfrm>
+                <a:off x="1218345" y="3075601"/>
+                <a:ext cx="3520373" cy="1130822"/>
+              </a:xfrm>
+              <a:prstGeom prst="rect">
+                <a:avLst/>
+              </a:prstGeom>
+              <a:noFill/>
+            </p:spPr>
+            <p:txBody>
+              <a:bodyPr wrap="square" rtlCol="0">
+                <a:spAutoFit/>
+              </a:bodyPr>
+              <a:lstStyle/>
+              <a:p>
+                <a:pPr/>
+                <a14:m>
+                  <m:oMathPara xmlns:m="http://schemas.openxmlformats.org/officeDocument/2006/math">
+                    <m:oMathParaPr>
+                      <m:jc m:val="left"/>
+                    </m:oMathParaPr>
+                    <m:oMath xmlns:m="http://schemas.openxmlformats.org/officeDocument/2006/math">
+                      <m:r>
+                        <m:rPr>
+                          <m:sty m:val="p"/>
+                        </m:rPr>
+                        <a:rPr lang="pt-BR" sz="2400" b="0" i="0" smtClean="0">
+                          <a:latin typeface="Cambria Math" panose="02040503050406030204" pitchFamily="18" charset="0"/>
+                        </a:rPr>
+                        <m:t>MAE</m:t>
+                      </m:r>
+                      <m:r>
+                        <a:rPr lang="pt-BR" sz="2400" b="0" i="1" smtClean="0">
+                          <a:latin typeface="Cambria Math" panose="02040503050406030204" pitchFamily="18" charset="0"/>
+                        </a:rPr>
+                        <m:t>=</m:t>
+                      </m:r>
+                      <m:f>
+                        <m:fPr>
+                          <m:ctrlPr>
+                            <a:rPr lang="pt-BR" sz="2400" b="0" i="1" smtClean="0">
+                              <a:latin typeface="Cambria Math" panose="02040503050406030204" pitchFamily="18" charset="0"/>
+                            </a:rPr>
+                          </m:ctrlPr>
+                        </m:fPr>
+                        <m:num>
+                          <m:r>
+                            <a:rPr lang="pt-BR" sz="2400" b="0" i="1" smtClean="0">
+                              <a:latin typeface="Cambria Math" panose="02040503050406030204" pitchFamily="18" charset="0"/>
+                            </a:rPr>
+                            <m:t>1</m:t>
+                          </m:r>
+                        </m:num>
+                        <m:den>
+                          <m:r>
+                            <a:rPr lang="pt-BR" sz="2400" b="0" i="1" smtClean="0">
+                              <a:latin typeface="Cambria Math" panose="02040503050406030204" pitchFamily="18" charset="0"/>
+                            </a:rPr>
+                            <m:t>𝑁</m:t>
+                          </m:r>
+                        </m:den>
+                      </m:f>
+                      <m:nary>
+                        <m:naryPr>
+                          <m:chr m:val="∑"/>
+                          <m:ctrlPr>
+                            <a:rPr lang="pt-BR" sz="2400" b="0" i="1" smtClean="0">
+                              <a:latin typeface="Cambria Math" panose="02040503050406030204" pitchFamily="18" charset="0"/>
+                            </a:rPr>
+                          </m:ctrlPr>
+                        </m:naryPr>
+                        <m:sub>
+                          <m:r>
+                            <m:rPr>
+                              <m:brk m:alnAt="23"/>
+                            </m:rPr>
+                            <a:rPr lang="pt-BR" sz="2400" b="0" i="1" smtClean="0">
+                              <a:latin typeface="Cambria Math" panose="02040503050406030204" pitchFamily="18" charset="0"/>
+                            </a:rPr>
+                            <m:t>𝑛</m:t>
+                          </m:r>
+                          <m:r>
+                            <a:rPr lang="pt-BR" sz="2400" b="0" i="1" smtClean="0">
+                              <a:latin typeface="Cambria Math" panose="02040503050406030204" pitchFamily="18" charset="0"/>
+                            </a:rPr>
+                            <m:t>=1</m:t>
+                          </m:r>
+                        </m:sub>
+                        <m:sup>
+                          <m:r>
+                            <a:rPr lang="pt-BR" sz="2400" b="0" i="1" smtClean="0">
+                              <a:latin typeface="Cambria Math" panose="02040503050406030204" pitchFamily="18" charset="0"/>
+                            </a:rPr>
+                            <m:t>𝑁</m:t>
+                          </m:r>
+                        </m:sup>
+                        <m:e>
+                          <m:d>
+                            <m:dPr>
+                              <m:begChr m:val="|"/>
+                              <m:endChr m:val="|"/>
+                              <m:ctrlPr>
+                                <a:rPr lang="pt-BR" sz="2400" b="0" i="1" smtClean="0">
+                                  <a:latin typeface="Cambria Math" panose="02040503050406030204" pitchFamily="18" charset="0"/>
+                                </a:rPr>
+                              </m:ctrlPr>
+                            </m:dPr>
+                            <m:e>
+                              <m:sSub>
+                                <m:sSubPr>
+                                  <m:ctrlPr>
+                                    <a:rPr lang="pt-BR" sz="2400" i="1">
+                                      <a:latin typeface="Cambria Math" panose="02040503050406030204" pitchFamily="18" charset="0"/>
+                                    </a:rPr>
+                                  </m:ctrlPr>
+                                </m:sSubPr>
+                                <m:e>
+                                  <m:acc>
+                                    <m:accPr>
+                                      <m:chr m:val="̂"/>
+                                      <m:ctrlPr>
+                                        <a:rPr lang="pt-BR" sz="2400" i="1">
+                                          <a:latin typeface="Cambria Math" panose="02040503050406030204" pitchFamily="18" charset="0"/>
+                                        </a:rPr>
+                                      </m:ctrlPr>
+                                    </m:accPr>
+                                    <m:e>
+                                      <m:r>
+                                        <a:rPr lang="pt-BR" sz="2400" i="1">
+                                          <a:latin typeface="Cambria Math" panose="02040503050406030204" pitchFamily="18" charset="0"/>
+                                        </a:rPr>
+                                        <m:t>𝑦</m:t>
+                                      </m:r>
+                                    </m:e>
+                                  </m:acc>
+                                </m:e>
+                                <m:sub>
+                                  <m:r>
+                                    <a:rPr lang="pt-BR" sz="2400" i="1">
+                                      <a:latin typeface="Cambria Math" panose="02040503050406030204" pitchFamily="18" charset="0"/>
+                                    </a:rPr>
+                                    <m:t>𝑛</m:t>
+                                  </m:r>
+                                </m:sub>
+                              </m:sSub>
+                              <m:r>
+                                <a:rPr lang="pt-BR" sz="2400" i="1">
+                                  <a:latin typeface="Cambria Math" panose="02040503050406030204" pitchFamily="18" charset="0"/>
+                                </a:rPr>
+                                <m:t>−</m:t>
+                              </m:r>
+                              <m:sSub>
+                                <m:sSubPr>
+                                  <m:ctrlPr>
+                                    <a:rPr lang="pt-BR" sz="2400" i="1">
+                                      <a:latin typeface="Cambria Math" panose="02040503050406030204" pitchFamily="18" charset="0"/>
+                                    </a:rPr>
+                                  </m:ctrlPr>
+                                </m:sSubPr>
+                                <m:e>
+                                  <m:r>
+                                    <a:rPr lang="pt-BR" sz="2400" i="1">
+                                      <a:latin typeface="Cambria Math" panose="02040503050406030204" pitchFamily="18" charset="0"/>
+                                    </a:rPr>
+                                    <m:t>𝑦</m:t>
+                                  </m:r>
+                                </m:e>
+                                <m:sub>
+                                  <m:r>
+                                    <a:rPr lang="pt-BR" sz="2400" i="1">
+                                      <a:latin typeface="Cambria Math" panose="02040503050406030204" pitchFamily="18" charset="0"/>
+                                    </a:rPr>
+                                    <m:t>𝑛</m:t>
+                                  </m:r>
+                                </m:sub>
+                              </m:sSub>
+                            </m:e>
+                          </m:d>
+                        </m:e>
+                      </m:nary>
+                    </m:oMath>
+                  </m:oMathPara>
+                </a14:m>
+                <a:endParaRPr lang="pt-BR" sz="2400" dirty="0"/>
+              </a:p>
+            </p:txBody>
+          </p:sp>
+        </mc:Choice>
+        <mc:Fallback>
+          <p:sp>
+            <p:nvSpPr>
+              <p:cNvPr id="4" name="CaixaDeTexto 3">
+                <a:extLst>
+                  <a:ext uri="{FF2B5EF4-FFF2-40B4-BE49-F238E27FC236}">
+                    <a16:creationId xmlns:a16="http://schemas.microsoft.com/office/drawing/2014/main" id="{EF5F8010-CACA-C2A4-30BD-3BE2F2AF278D}"/>
+                  </a:ext>
+                </a:extLst>
+              </p:cNvPr>
+              <p:cNvSpPr txBox="1">
+                <a:spLocks noRot="1" noChangeAspect="1" noMove="1" noResize="1" noEditPoints="1" noAdjustHandles="1" noChangeArrowheads="1" noChangeShapeType="1" noTextEdit="1"/>
+              </p:cNvSpPr>
+              <p:nvPr/>
+            </p:nvSpPr>
+            <p:spPr>
+              <a:xfrm>
+                <a:off x="1218345" y="3075601"/>
+                <a:ext cx="3520373" cy="1130822"/>
+              </a:xfrm>
+              <a:prstGeom prst="rect">
+                <a:avLst/>
+              </a:prstGeom>
+              <a:blipFill>
+                <a:blip r:embed="rId3"/>
+                <a:stretch>
+                  <a:fillRect/>
+                </a:stretch>
+              </a:blipFill>
+            </p:spPr>
+            <p:txBody>
+              <a:bodyPr/>
+              <a:lstStyle/>
+              <a:p>
+                <a:r>
+                  <a:rPr lang="pt-BR">
+                    <a:noFill/>
+                  </a:rPr>
+                  <a:t> </a:t>
+                </a:r>
+              </a:p>
+            </p:txBody>
+          </p:sp>
+        </mc:Fallback>
+      </mc:AlternateContent>
+    </p:spTree>
+    <p:extLst>
+      <p:ext uri="{BB962C8B-B14F-4D97-AF65-F5344CB8AC3E}">
+        <p14:creationId xmlns:p14="http://schemas.microsoft.com/office/powerpoint/2010/main" val="3404621776"/>
+      </p:ext>
+    </p:extLst>
+  </p:cSld>
+  <p:clrMapOvr>
+    <a:masterClrMapping/>
+  </p:clrMapOvr>
+</p:sld>
+</file>
+
+<file path=ppt/slides/slide18.xml><?xml version="1.0" encoding="utf-8"?>
+<p:sld xmlns:a="http://schemas.openxmlformats.org/drawingml/2006/main" xmlns:r="http://schemas.openxmlformats.org/officeDocument/2006/relationships" xmlns:p="http://schemas.openxmlformats.org/presentationml/2006/main">
+  <p:cSld>
+    <p:spTree>
+      <p:nvGrpSpPr>
+        <p:cNvPr id="1" name=""/>
+        <p:cNvGrpSpPr/>
+        <p:nvPr/>
+      </p:nvGrpSpPr>
+      <p:grpSpPr>
+        <a:xfrm>
+          <a:off x="0" y="0"/>
+          <a:ext cx="0" cy="0"/>
+          <a:chOff x="0" y="0"/>
+          <a:chExt cx="0" cy="0"/>
+        </a:xfrm>
+      </p:grpSpPr>
+      <p:sp>
+        <p:nvSpPr>
+          <p:cNvPr id="2" name="Título 1">
+            <a:extLst>
+              <a:ext uri="{FF2B5EF4-FFF2-40B4-BE49-F238E27FC236}">
+                <a16:creationId xmlns:a16="http://schemas.microsoft.com/office/drawing/2014/main" id="{57A1A700-99B2-FE0E-67A5-D3FF4AECD0E8}"/>
+              </a:ext>
+            </a:extLst>
+          </p:cNvPr>
+          <p:cNvSpPr>
+            <a:spLocks noGrp="1"/>
+          </p:cNvSpPr>
+          <p:nvPr>
+            <p:ph type="title"/>
+          </p:nvPr>
+        </p:nvSpPr>
+        <p:spPr/>
+        <p:txBody>
+          <a:bodyPr/>
+          <a:lstStyle/>
+          <a:p>
+            <a:r>
+              <a:rPr lang="pt-BR" dirty="0"/>
+              <a:t>Qual devo usar?</a:t>
+            </a:r>
+          </a:p>
+        </p:txBody>
+      </p:sp>
+      <p:sp>
+        <p:nvSpPr>
+          <p:cNvPr id="3" name="Espaço Reservado para Conteúdo 2">
+            <a:extLst>
+              <a:ext uri="{FF2B5EF4-FFF2-40B4-BE49-F238E27FC236}">
+                <a16:creationId xmlns:a16="http://schemas.microsoft.com/office/drawing/2014/main" id="{011C451E-859D-2157-A7CE-65479D14B9EB}"/>
+              </a:ext>
+            </a:extLst>
+          </p:cNvPr>
+          <p:cNvSpPr>
+            <a:spLocks noGrp="1"/>
+          </p:cNvSpPr>
+          <p:nvPr>
+            <p:ph idx="1"/>
+          </p:nvPr>
+        </p:nvSpPr>
+        <p:spPr>
+          <a:xfrm>
+            <a:off x="838200" y="2728769"/>
+            <a:ext cx="10864065" cy="2213101"/>
+          </a:xfrm>
+        </p:spPr>
+        <p:txBody>
+          <a:bodyPr/>
+          <a:lstStyle/>
+          <a:p>
+            <a:pPr marL="0" indent="0">
+              <a:buNone/>
+            </a:pPr>
+            <a:r>
+              <a:rPr lang="pt-BR" b="0" i="0" dirty="0">
+                <a:effectLst/>
+              </a:rPr>
+              <a:t>O recomendável é </a:t>
+            </a:r>
+            <a:r>
+              <a:rPr lang="pt-BR" b="1" i="1" dirty="0">
+                <a:effectLst/>
+              </a:rPr>
+              <a:t>experimentar diferentes funções de erro </a:t>
+            </a:r>
+            <a:r>
+              <a:rPr lang="pt-BR" b="0" i="0" dirty="0">
+                <a:effectLst/>
+              </a:rPr>
+              <a:t>durante a </a:t>
+            </a:r>
+            <a:r>
+              <a:rPr lang="pt-BR" b="1" i="1" dirty="0">
+                <a:effectLst/>
+              </a:rPr>
+              <a:t>fase de desenvolvimento </a:t>
+            </a:r>
+            <a:r>
+              <a:rPr lang="pt-BR" b="0" i="0" dirty="0">
+                <a:effectLst/>
+              </a:rPr>
+              <a:t>para determinar qual delas se </a:t>
+            </a:r>
+            <a:r>
+              <a:rPr lang="pt-BR" b="1" i="1" dirty="0">
+                <a:effectLst/>
+              </a:rPr>
+              <a:t>alinha</a:t>
+            </a:r>
+            <a:r>
+              <a:rPr lang="pt-BR" b="0" i="0" dirty="0">
+                <a:effectLst/>
+              </a:rPr>
+              <a:t> melhor com os </a:t>
+            </a:r>
+            <a:r>
+              <a:rPr lang="pt-BR" b="1" i="1" dirty="0">
+                <a:effectLst/>
+              </a:rPr>
+              <a:t>objetivos e as características </a:t>
+            </a:r>
+            <a:r>
+              <a:rPr lang="pt-BR" b="0" i="0" dirty="0">
+                <a:effectLst/>
+              </a:rPr>
+              <a:t>específicas do seu </a:t>
+            </a:r>
+            <a:r>
+              <a:rPr lang="pt-BR" b="1" i="1" dirty="0">
+                <a:effectLst/>
+              </a:rPr>
+              <a:t>problema de regressão</a:t>
+            </a:r>
+            <a:r>
+              <a:rPr lang="pt-BR" b="0" i="0" dirty="0">
+                <a:effectLst/>
+              </a:rPr>
+              <a:t>.</a:t>
+            </a:r>
+            <a:endParaRPr lang="pt-BR" dirty="0"/>
+          </a:p>
+        </p:txBody>
+      </p:sp>
+    </p:spTree>
+    <p:extLst>
+      <p:ext uri="{BB962C8B-B14F-4D97-AF65-F5344CB8AC3E}">
+        <p14:creationId xmlns:p14="http://schemas.microsoft.com/office/powerpoint/2010/main" val="2744603329"/>
+      </p:ext>
+    </p:extLst>
+  </p:cSld>
+  <p:clrMapOvr>
+    <a:masterClrMapping/>
+  </p:clrMapOvr>
+</p:sld>
+</file>
+
+<file path=ppt/slides/slide19.xml><?xml version="1.0" encoding="utf-8"?>
 <p:sld xmlns:a="http://schemas.openxmlformats.org/drawingml/2006/main" xmlns:r="http://schemas.openxmlformats.org/officeDocument/2006/relationships" xmlns:p="http://schemas.openxmlformats.org/presentationml/2006/main">
   <p:cSld>
     <p:spTree>
@@ -12064,7 +14060,124 @@
 </p:sld>
 </file>
 
-<file path=ppt/slides/slide16.xml><?xml version="1.0" encoding="utf-8"?>
+<file path=ppt/slides/slide2.xml><?xml version="1.0" encoding="utf-8"?>
+<p:sld xmlns:a="http://schemas.openxmlformats.org/drawingml/2006/main" xmlns:r="http://schemas.openxmlformats.org/officeDocument/2006/relationships" xmlns:p="http://schemas.openxmlformats.org/presentationml/2006/main">
+  <p:cSld>
+    <p:spTree>
+      <p:nvGrpSpPr>
+        <p:cNvPr id="1" name=""/>
+        <p:cNvGrpSpPr/>
+        <p:nvPr/>
+      </p:nvGrpSpPr>
+      <p:grpSpPr>
+        <a:xfrm>
+          <a:off x="0" y="0"/>
+          <a:ext cx="0" cy="0"/>
+          <a:chOff x="0" y="0"/>
+          <a:chExt cx="0" cy="0"/>
+        </a:xfrm>
+      </p:grpSpPr>
+      <p:sp>
+        <p:nvSpPr>
+          <p:cNvPr id="2" name="Título 1">
+            <a:extLst>
+              <a:ext uri="{FF2B5EF4-FFF2-40B4-BE49-F238E27FC236}">
+                <a16:creationId xmlns:a16="http://schemas.microsoft.com/office/drawing/2014/main" id="{EECB3FED-5D1A-7084-5333-A3B2FA75F608}"/>
+              </a:ext>
+            </a:extLst>
+          </p:cNvPr>
+          <p:cNvSpPr>
+            <a:spLocks noGrp="1"/>
+          </p:cNvSpPr>
+          <p:nvPr>
+            <p:ph type="title"/>
+          </p:nvPr>
+        </p:nvSpPr>
+        <p:spPr/>
+        <p:txBody>
+          <a:bodyPr/>
+          <a:lstStyle/>
+          <a:p>
+            <a:r>
+              <a:rPr lang="pt-BR" dirty="0"/>
+              <a:t>O que vamos ver?</a:t>
+            </a:r>
+          </a:p>
+        </p:txBody>
+      </p:sp>
+      <p:sp>
+        <p:nvSpPr>
+          <p:cNvPr id="3" name="Espaço Reservado para Conteúdo 2">
+            <a:extLst>
+              <a:ext uri="{FF2B5EF4-FFF2-40B4-BE49-F238E27FC236}">
+                <a16:creationId xmlns:a16="http://schemas.microsoft.com/office/drawing/2014/main" id="{25FE7774-7186-A846-D8DE-518B2CBF4EBD}"/>
+              </a:ext>
+            </a:extLst>
+          </p:cNvPr>
+          <p:cNvSpPr>
+            <a:spLocks noGrp="1"/>
+          </p:cNvSpPr>
+          <p:nvPr>
+            <p:ph idx="1"/>
+          </p:nvPr>
+        </p:nvSpPr>
+        <p:spPr>
+          <a:xfrm>
+            <a:off x="838199" y="1825624"/>
+            <a:ext cx="10929257" cy="5032376"/>
+          </a:xfrm>
+        </p:spPr>
+        <p:txBody>
+          <a:bodyPr>
+            <a:normAutofit/>
+          </a:bodyPr>
+          <a:lstStyle/>
+          <a:p>
+            <a:r>
+              <a:rPr lang="pt-BR" dirty="0"/>
+              <a:t>Neste tópico vamos ver como medir o desempenho de um modelo de aprendizado de máquina ao longo do seu processo de aprendizagem.</a:t>
+            </a:r>
+          </a:p>
+          <a:p>
+            <a:r>
+              <a:rPr lang="pt-BR" dirty="0"/>
+              <a:t>Para isso, como já discutido brevemente antes, usaremos uma função chamada de função de erro ou de perda.</a:t>
+            </a:r>
+          </a:p>
+          <a:p>
+            <a:r>
+              <a:rPr lang="pt-BR" dirty="0"/>
+              <a:t>Idealmente, o processo de treinamento tem como objetivo minimizar o erro e, consequentemente, aumentar a precisão do modelo.</a:t>
+            </a:r>
+          </a:p>
+          <a:p>
+            <a:r>
+              <a:rPr lang="pt-BR" dirty="0"/>
+              <a:t>Além disso, veremos em breve diferentes estratégias para minimizar o erro.</a:t>
+            </a:r>
+          </a:p>
+          <a:p>
+            <a:r>
+              <a:rPr lang="pt-BR" dirty="0"/>
+              <a:t>Porém, primeiro, vamos aprender como calcular o erro.</a:t>
+            </a:r>
+          </a:p>
+        </p:txBody>
+      </p:sp>
+    </p:spTree>
+    <p:extLst>
+      <p:ext uri="{BB962C8B-B14F-4D97-AF65-F5344CB8AC3E}">
+        <p14:creationId xmlns:p14="http://schemas.microsoft.com/office/powerpoint/2010/main" val="529739951"/>
+      </p:ext>
+    </p:extLst>
+  </p:cSld>
+  <p:clrMapOvr>
+    <a:masterClrMapping/>
+  </p:clrMapOvr>
+</p:sld>
+</file>
+
+<file path=ppt/slides/slide20.xml><?xml version="1.0" encoding="utf-8"?>
 <p:sld xmlns:a="http://schemas.openxmlformats.org/drawingml/2006/main" xmlns:r="http://schemas.openxmlformats.org/officeDocument/2006/relationships" xmlns:p="http://schemas.openxmlformats.org/presentationml/2006/main">
   <p:cSld>
     <p:spTree>
@@ -13369,7 +15482,7 @@
 </p:sld>
 </file>
 
-<file path=ppt/slides/slide17.xml><?xml version="1.0" encoding="utf-8"?>
+<file path=ppt/slides/slide21.xml><?xml version="1.0" encoding="utf-8"?>
 <p:sld xmlns:a="http://schemas.openxmlformats.org/drawingml/2006/main" xmlns:r="http://schemas.openxmlformats.org/officeDocument/2006/relationships" xmlns:p="http://schemas.openxmlformats.org/presentationml/2006/main">
   <p:cSld>
     <p:spTree>
@@ -14485,7 +16598,7 @@
 </p:sld>
 </file>
 
-<file path=ppt/slides/slide18.xml><?xml version="1.0" encoding="utf-8"?>
+<file path=ppt/slides/slide22.xml><?xml version="1.0" encoding="utf-8"?>
 <p:sld xmlns:a="http://schemas.openxmlformats.org/drawingml/2006/main" xmlns:r="http://schemas.openxmlformats.org/officeDocument/2006/relationships" xmlns:p="http://schemas.openxmlformats.org/presentationml/2006/main">
   <p:cSld>
     <p:spTree>
@@ -14823,7 +16936,7 @@
 </p:sld>
 </file>
 
-<file path=ppt/slides/slide19.xml><?xml version="1.0" encoding="utf-8"?>
+<file path=ppt/slides/slide23.xml><?xml version="1.0" encoding="utf-8"?>
 <p:sld xmlns:a="http://schemas.openxmlformats.org/drawingml/2006/main" xmlns:r="http://schemas.openxmlformats.org/officeDocument/2006/relationships" xmlns:p="http://schemas.openxmlformats.org/presentationml/2006/main">
   <p:cSld>
     <p:spTree>
@@ -15010,124 +17123,7 @@
 </p:sld>
 </file>
 
-<file path=ppt/slides/slide2.xml><?xml version="1.0" encoding="utf-8"?>
-<p:sld xmlns:a="http://schemas.openxmlformats.org/drawingml/2006/main" xmlns:r="http://schemas.openxmlformats.org/officeDocument/2006/relationships" xmlns:p="http://schemas.openxmlformats.org/presentationml/2006/main">
-  <p:cSld>
-    <p:spTree>
-      <p:nvGrpSpPr>
-        <p:cNvPr id="1" name=""/>
-        <p:cNvGrpSpPr/>
-        <p:nvPr/>
-      </p:nvGrpSpPr>
-      <p:grpSpPr>
-        <a:xfrm>
-          <a:off x="0" y="0"/>
-          <a:ext cx="0" cy="0"/>
-          <a:chOff x="0" y="0"/>
-          <a:chExt cx="0" cy="0"/>
-        </a:xfrm>
-      </p:grpSpPr>
-      <p:sp>
-        <p:nvSpPr>
-          <p:cNvPr id="2" name="Título 1">
-            <a:extLst>
-              <a:ext uri="{FF2B5EF4-FFF2-40B4-BE49-F238E27FC236}">
-                <a16:creationId xmlns:a16="http://schemas.microsoft.com/office/drawing/2014/main" id="{EECB3FED-5D1A-7084-5333-A3B2FA75F608}"/>
-              </a:ext>
-            </a:extLst>
-          </p:cNvPr>
-          <p:cNvSpPr>
-            <a:spLocks noGrp="1"/>
-          </p:cNvSpPr>
-          <p:nvPr>
-            <p:ph type="title"/>
-          </p:nvPr>
-        </p:nvSpPr>
-        <p:spPr/>
-        <p:txBody>
-          <a:bodyPr/>
-          <a:lstStyle/>
-          <a:p>
-            <a:r>
-              <a:rPr lang="pt-BR" dirty="0"/>
-              <a:t>O que vamos ver?</a:t>
-            </a:r>
-          </a:p>
-        </p:txBody>
-      </p:sp>
-      <p:sp>
-        <p:nvSpPr>
-          <p:cNvPr id="3" name="Espaço Reservado para Conteúdo 2">
-            <a:extLst>
-              <a:ext uri="{FF2B5EF4-FFF2-40B4-BE49-F238E27FC236}">
-                <a16:creationId xmlns:a16="http://schemas.microsoft.com/office/drawing/2014/main" id="{25FE7774-7186-A846-D8DE-518B2CBF4EBD}"/>
-              </a:ext>
-            </a:extLst>
-          </p:cNvPr>
-          <p:cNvSpPr>
-            <a:spLocks noGrp="1"/>
-          </p:cNvSpPr>
-          <p:nvPr>
-            <p:ph idx="1"/>
-          </p:nvPr>
-        </p:nvSpPr>
-        <p:spPr>
-          <a:xfrm>
-            <a:off x="838199" y="1825624"/>
-            <a:ext cx="10929257" cy="5032376"/>
-          </a:xfrm>
-        </p:spPr>
-        <p:txBody>
-          <a:bodyPr>
-            <a:normAutofit/>
-          </a:bodyPr>
-          <a:lstStyle/>
-          <a:p>
-            <a:r>
-              <a:rPr lang="pt-BR" dirty="0"/>
-              <a:t>Neste tópico vamos ver como medir o desempenho de um modelo de aprendizado de máquina ao longo do seu processo de aprendizagem.</a:t>
-            </a:r>
-          </a:p>
-          <a:p>
-            <a:r>
-              <a:rPr lang="pt-BR" dirty="0"/>
-              <a:t>Para isso, como já discutido brevemente antes, usaremos uma função chamada de função de erro ou de perda.</a:t>
-            </a:r>
-          </a:p>
-          <a:p>
-            <a:r>
-              <a:rPr lang="pt-BR" dirty="0"/>
-              <a:t>Idealmente, o processo de treinamento tem como objetivo minimizar o erro e, consequentemente, aumentar a precisão do modelo.</a:t>
-            </a:r>
-          </a:p>
-          <a:p>
-            <a:r>
-              <a:rPr lang="pt-BR" dirty="0"/>
-              <a:t>Além disso, veremos em breve diferentes estratégias para minimizar o erro.</a:t>
-            </a:r>
-          </a:p>
-          <a:p>
-            <a:r>
-              <a:rPr lang="pt-BR" dirty="0"/>
-              <a:t>Porém, primeiro, vamos aprender como calcular o erro.</a:t>
-            </a:r>
-          </a:p>
-        </p:txBody>
-      </p:sp>
-    </p:spTree>
-    <p:extLst>
-      <p:ext uri="{BB962C8B-B14F-4D97-AF65-F5344CB8AC3E}">
-        <p14:creationId xmlns:p14="http://schemas.microsoft.com/office/powerpoint/2010/main" val="529739951"/>
-      </p:ext>
-    </p:extLst>
-  </p:cSld>
-  <p:clrMapOvr>
-    <a:masterClrMapping/>
-  </p:clrMapOvr>
-</p:sld>
-</file>
-
-<file path=ppt/slides/slide20.xml><?xml version="1.0" encoding="utf-8"?>
+<file path=ppt/slides/slide24.xml><?xml version="1.0" encoding="utf-8"?>
 <p:sld xmlns:a="http://schemas.openxmlformats.org/drawingml/2006/main" xmlns:r="http://schemas.openxmlformats.org/officeDocument/2006/relationships" xmlns:p="http://schemas.openxmlformats.org/presentationml/2006/main">
   <p:cSld>
     <p:spTree>
@@ -15237,7 +17233,7 @@
 </p:sld>
 </file>
 
-<file path=ppt/slides/slide21.xml><?xml version="1.0" encoding="utf-8"?>
+<file path=ppt/slides/slide25.xml><?xml version="1.0" encoding="utf-8"?>
 <p:sld xmlns:a="http://schemas.openxmlformats.org/drawingml/2006/main" xmlns:r="http://schemas.openxmlformats.org/officeDocument/2006/relationships" xmlns:p="http://schemas.openxmlformats.org/presentationml/2006/main">
   <p:cSld>
     <p:spTree>
@@ -15323,7 +17319,7 @@
 </p:sld>
 </file>
 
-<file path=ppt/slides/slide22.xml><?xml version="1.0" encoding="utf-8"?>
+<file path=ppt/slides/slide26.xml><?xml version="1.0" encoding="utf-8"?>
 <p:sld xmlns:a="http://schemas.openxmlformats.org/drawingml/2006/main" xmlns:r="http://schemas.openxmlformats.org/officeDocument/2006/relationships" xmlns:p="http://schemas.openxmlformats.org/presentationml/2006/main">
   <p:cSld>
     <p:spTree>
@@ -15409,7 +17405,7 @@
 </p:sld>
 </file>
 
-<file path=ppt/slides/slide23.xml><?xml version="1.0" encoding="utf-8"?>
+<file path=ppt/slides/slide27.xml><?xml version="1.0" encoding="utf-8"?>
 <p:sld xmlns:a="http://schemas.openxmlformats.org/drawingml/2006/main" xmlns:r="http://schemas.openxmlformats.org/officeDocument/2006/relationships" xmlns:p="http://schemas.openxmlformats.org/presentationml/2006/main">
   <p:cSld>
     <p:spTree>

--- a/slides/TP557_5_Medindo_a_precisão_de_um_modelo_de_ML.pptx
+++ b/slides/TP557_5_Medindo_a_precisão_de_um_modelo_de_ML.pptx
@@ -301,7 +301,7 @@
           <a:p>
             <a:fld id="{144F1436-6906-4D93-B7A2-786C327BFA14}" type="datetimeFigureOut">
               <a:rPr lang="nl-BE" smtClean="0"/>
-              <a:t>11/08/2023</a:t>
+              <a:t>22/08/2023</a:t>
             </a:fld>
             <a:endParaRPr lang="nl-BE"/>
           </a:p>
@@ -466,7 +466,7 @@
           <a:p>
             <a:fld id="{AA8CD09E-2914-4F47-B6C1-51B2C31814C9}" type="datetimeFigureOut">
               <a:rPr lang="pt-BR" smtClean="0"/>
-              <a:t>11/08/2023</a:t>
+              <a:t>22/08/2023</a:t>
             </a:fld>
             <a:endParaRPr lang="pt-BR"/>
           </a:p>
@@ -1583,79 +1583,6 @@
           <a:bodyPr/>
           <a:lstStyle/>
           <a:p>
-            <a:r>
-              <a:rPr lang="pt-BR" dirty="0"/>
-              <a:t>https://colab.research.google.com/</a:t>
-            </a:r>
-            <a:r>
-              <a:rPr lang="pt-BR" dirty="0" err="1"/>
-              <a:t>github</a:t>
-            </a:r>
-            <a:r>
-              <a:rPr lang="pt-BR" dirty="0"/>
-              <a:t>/zz4fap/tp557-iot-ml/</a:t>
-            </a:r>
-            <a:r>
-              <a:rPr lang="pt-BR" dirty="0" err="1"/>
-              <a:t>blob</a:t>
-            </a:r>
-            <a:r>
-              <a:rPr lang="pt-BR" dirty="0"/>
-              <a:t>/master/</a:t>
-            </a:r>
-            <a:r>
-              <a:rPr lang="pt-BR" dirty="0" err="1"/>
-              <a:t>exercises</a:t>
-            </a:r>
-            <a:r>
-              <a:rPr lang="pt-BR" dirty="0"/>
-              <a:t>/</a:t>
-            </a:r>
-            <a:r>
-              <a:rPr lang="pt-BR" dirty="0" err="1"/>
-              <a:t>Explorando_a_função_de_erro.ipynb</a:t>
-            </a:r>
-            <a:endParaRPr lang="pt-BR" dirty="0"/>
-          </a:p>
-          <a:p>
-            <a:endParaRPr lang="pt-BR" dirty="0"/>
-          </a:p>
-          <a:p>
-            <a:r>
-              <a:rPr lang="pt-BR" dirty="0"/>
-              <a:t>https://colab.research.google.com/</a:t>
-            </a:r>
-            <a:r>
-              <a:rPr lang="pt-BR" dirty="0" err="1"/>
-              <a:t>github</a:t>
-            </a:r>
-            <a:r>
-              <a:rPr lang="pt-BR" dirty="0"/>
-              <a:t>/zz4fap/tp557-iot-ml/</a:t>
-            </a:r>
-            <a:r>
-              <a:rPr lang="pt-BR" dirty="0" err="1"/>
-              <a:t>blob</a:t>
-            </a:r>
-            <a:r>
-              <a:rPr lang="pt-BR" dirty="0"/>
-              <a:t>/master/</a:t>
-            </a:r>
-            <a:r>
-              <a:rPr lang="pt-BR" dirty="0" err="1"/>
-              <a:t>exercises</a:t>
-            </a:r>
-            <a:r>
-              <a:rPr lang="pt-BR" dirty="0"/>
-              <a:t>/</a:t>
-            </a:r>
-            <a:r>
-              <a:rPr lang="pt-BR" dirty="0" err="1"/>
-              <a:t>Exercício_encontre_os_pesos_da_função_hipótese.ipynb</a:t>
-            </a:r>
-            <a:endParaRPr lang="pt-BR" dirty="0"/>
-          </a:p>
-          <a:p>
             <a:endParaRPr lang="pt-BR" dirty="0"/>
           </a:p>
           <a:p>
@@ -1846,7 +1773,7 @@
           <a:p>
             <a:fld id="{63289F7E-B80B-496E-81B4-D396C37C9454}" type="datetimeFigureOut">
               <a:rPr lang="pt-BR" smtClean="0"/>
-              <a:t>11/08/2023</a:t>
+              <a:t>22/08/2023</a:t>
             </a:fld>
             <a:endParaRPr lang="pt-BR"/>
           </a:p>
@@ -2044,7 +1971,7 @@
           <a:p>
             <a:fld id="{63289F7E-B80B-496E-81B4-D396C37C9454}" type="datetimeFigureOut">
               <a:rPr lang="pt-BR" smtClean="0"/>
-              <a:t>11/08/2023</a:t>
+              <a:t>22/08/2023</a:t>
             </a:fld>
             <a:endParaRPr lang="pt-BR"/>
           </a:p>
@@ -2252,7 +2179,7 @@
           <a:p>
             <a:fld id="{63289F7E-B80B-496E-81B4-D396C37C9454}" type="datetimeFigureOut">
               <a:rPr lang="pt-BR" smtClean="0"/>
-              <a:t>11/08/2023</a:t>
+              <a:t>22/08/2023</a:t>
             </a:fld>
             <a:endParaRPr lang="pt-BR"/>
           </a:p>
@@ -2450,7 +2377,7 @@
           <a:p>
             <a:fld id="{63289F7E-B80B-496E-81B4-D396C37C9454}" type="datetimeFigureOut">
               <a:rPr lang="pt-BR" smtClean="0"/>
-              <a:t>11/08/2023</a:t>
+              <a:t>22/08/2023</a:t>
             </a:fld>
             <a:endParaRPr lang="pt-BR"/>
           </a:p>
@@ -2725,7 +2652,7 @@
           <a:p>
             <a:fld id="{63289F7E-B80B-496E-81B4-D396C37C9454}" type="datetimeFigureOut">
               <a:rPr lang="pt-BR" smtClean="0"/>
-              <a:t>11/08/2023</a:t>
+              <a:t>22/08/2023</a:t>
             </a:fld>
             <a:endParaRPr lang="pt-BR"/>
           </a:p>
@@ -2990,7 +2917,7 @@
           <a:p>
             <a:fld id="{63289F7E-B80B-496E-81B4-D396C37C9454}" type="datetimeFigureOut">
               <a:rPr lang="pt-BR" smtClean="0"/>
-              <a:t>11/08/2023</a:t>
+              <a:t>22/08/2023</a:t>
             </a:fld>
             <a:endParaRPr lang="pt-BR"/>
           </a:p>
@@ -3402,7 +3329,7 @@
           <a:p>
             <a:fld id="{63289F7E-B80B-496E-81B4-D396C37C9454}" type="datetimeFigureOut">
               <a:rPr lang="pt-BR" smtClean="0"/>
-              <a:t>11/08/2023</a:t>
+              <a:t>22/08/2023</a:t>
             </a:fld>
             <a:endParaRPr lang="pt-BR"/>
           </a:p>
@@ -3543,7 +3470,7 @@
           <a:p>
             <a:fld id="{63289F7E-B80B-496E-81B4-D396C37C9454}" type="datetimeFigureOut">
               <a:rPr lang="pt-BR" smtClean="0"/>
-              <a:t>11/08/2023</a:t>
+              <a:t>22/08/2023</a:t>
             </a:fld>
             <a:endParaRPr lang="pt-BR"/>
           </a:p>
@@ -3656,7 +3583,7 @@
           <a:p>
             <a:fld id="{63289F7E-B80B-496E-81B4-D396C37C9454}" type="datetimeFigureOut">
               <a:rPr lang="pt-BR" smtClean="0"/>
-              <a:t>11/08/2023</a:t>
+              <a:t>22/08/2023</a:t>
             </a:fld>
             <a:endParaRPr lang="pt-BR"/>
           </a:p>
@@ -3967,7 +3894,7 @@
           <a:p>
             <a:fld id="{63289F7E-B80B-496E-81B4-D396C37C9454}" type="datetimeFigureOut">
               <a:rPr lang="pt-BR" smtClean="0"/>
-              <a:t>11/08/2023</a:t>
+              <a:t>22/08/2023</a:t>
             </a:fld>
             <a:endParaRPr lang="pt-BR"/>
           </a:p>
@@ -4255,7 +4182,7 @@
           <a:p>
             <a:fld id="{63289F7E-B80B-496E-81B4-D396C37C9454}" type="datetimeFigureOut">
               <a:rPr lang="pt-BR" smtClean="0"/>
-              <a:t>11/08/2023</a:t>
+              <a:t>22/08/2023</a:t>
             </a:fld>
             <a:endParaRPr lang="pt-BR"/>
           </a:p>
@@ -4496,7 +4423,7 @@
           <a:p>
             <a:fld id="{63289F7E-B80B-496E-81B4-D396C37C9454}" type="datetimeFigureOut">
               <a:rPr lang="pt-BR" smtClean="0"/>
-              <a:t>11/08/2023</a:t>
+              <a:t>22/08/2023</a:t>
             </a:fld>
             <a:endParaRPr lang="pt-BR"/>
           </a:p>
@@ -11058,8 +10985,8 @@
           </a:p>
         </p:txBody>
       </p:sp>
-      <mc:AlternateContent xmlns:mc="http://schemas.openxmlformats.org/markup-compatibility/2006">
-        <mc:Choice xmlns:a14="http://schemas.microsoft.com/office/drawing/2010/main" Requires="a14">
+      <mc:AlternateContent xmlns:mc="http://schemas.openxmlformats.org/markup-compatibility/2006" xmlns:a14="http://schemas.microsoft.com/office/drawing/2010/main">
+        <mc:Choice Requires="a14">
           <p:sp>
             <p:nvSpPr>
               <p:cNvPr id="3" name="Espaço Reservado para Conteúdo 2">
@@ -11252,7 +11179,7 @@
             </p:txBody>
           </p:sp>
         </mc:Choice>
-        <mc:Fallback>
+        <mc:Fallback xmlns="">
           <p:sp>
             <p:nvSpPr>
               <p:cNvPr id="3" name="Espaço Reservado para Conteúdo 2">
@@ -11296,8 +11223,8 @@
           </p:sp>
         </mc:Fallback>
       </mc:AlternateContent>
-      <mc:AlternateContent xmlns:mc="http://schemas.openxmlformats.org/markup-compatibility/2006">
-        <mc:Choice xmlns:a14="http://schemas.microsoft.com/office/drawing/2010/main" Requires="a14">
+      <mc:AlternateContent xmlns:mc="http://schemas.openxmlformats.org/markup-compatibility/2006" xmlns:a14="http://schemas.microsoft.com/office/drawing/2010/main">
+        <mc:Choice Requires="a14">
           <p:sp>
             <p:nvSpPr>
               <p:cNvPr id="4" name="CaixaDeTexto 3">
@@ -11516,7 +11443,7 @@
             </p:txBody>
           </p:sp>
         </mc:Choice>
-        <mc:Fallback>
+        <mc:Fallback xmlns="">
           <p:sp>
             <p:nvSpPr>
               <p:cNvPr id="4" name="CaixaDeTexto 3">
@@ -11701,8 +11628,8 @@
           </a:p>
         </p:txBody>
       </p:sp>
-      <mc:AlternateContent xmlns:mc="http://schemas.openxmlformats.org/markup-compatibility/2006">
-        <mc:Choice xmlns:a14="http://schemas.microsoft.com/office/drawing/2010/main" Requires="a14">
+      <mc:AlternateContent xmlns:mc="http://schemas.openxmlformats.org/markup-compatibility/2006" xmlns:a14="http://schemas.microsoft.com/office/drawing/2010/main">
+        <mc:Choice Requires="a14">
           <p:sp>
             <p:nvSpPr>
               <p:cNvPr id="5" name="CaixaDeTexto 4">
@@ -11934,7 +11861,7 @@
             </p:txBody>
           </p:sp>
         </mc:Choice>
-        <mc:Fallback>
+        <mc:Fallback xmlns="">
           <p:sp>
             <p:nvSpPr>
               <p:cNvPr id="5" name="CaixaDeTexto 4">
@@ -12159,8 +12086,8 @@
           </a:p>
         </p:txBody>
       </p:sp>
-      <mc:AlternateContent xmlns:mc="http://schemas.openxmlformats.org/markup-compatibility/2006">
-        <mc:Choice xmlns:a14="http://schemas.microsoft.com/office/drawing/2010/main" Requires="a14">
+      <mc:AlternateContent xmlns:mc="http://schemas.openxmlformats.org/markup-compatibility/2006" xmlns:a14="http://schemas.microsoft.com/office/drawing/2010/main">
+        <mc:Choice Requires="a14">
           <p:sp>
             <p:nvSpPr>
               <p:cNvPr id="4" name="CaixaDeTexto 3">
@@ -12362,7 +12289,7 @@
             </p:txBody>
           </p:sp>
         </mc:Choice>
-        <mc:Fallback>
+        <mc:Fallback xmlns="">
           <p:sp>
             <p:nvSpPr>
               <p:cNvPr id="4" name="CaixaDeTexto 3">
@@ -14124,7 +14051,7 @@
         <p:spPr>
           <a:xfrm>
             <a:off x="838199" y="1825624"/>
-            <a:ext cx="10929257" cy="5032376"/>
+            <a:ext cx="11110646" cy="5032376"/>
           </a:xfrm>
         </p:spPr>
         <p:txBody>
@@ -14135,13 +14062,61 @@
           <a:p>
             <a:r>
               <a:rPr lang="pt-BR" dirty="0"/>
-              <a:t>Neste tópico vamos ver como medir o desempenho de um modelo de aprendizado de máquina ao longo do seu processo de aprendizagem.</a:t>
+              <a:t>Neste tópico vamos ver como </a:t>
+            </a:r>
+            <a:r>
+              <a:rPr lang="pt-BR" b="1" i="1" dirty="0">
+                <a:solidFill>
+                  <a:srgbClr val="00B050"/>
+                </a:solidFill>
+              </a:rPr>
+              <a:t>medir o desempenho </a:t>
+            </a:r>
+            <a:r>
+              <a:rPr lang="pt-BR" dirty="0"/>
+              <a:t>de um </a:t>
+            </a:r>
+            <a:r>
+              <a:rPr lang="pt-BR" b="1" i="1" dirty="0">
+                <a:solidFill>
+                  <a:srgbClr val="00B050"/>
+                </a:solidFill>
+              </a:rPr>
+              <a:t>modelo de aprendizado de máquina</a:t>
+            </a:r>
+            <a:r>
+              <a:rPr lang="pt-BR" dirty="0"/>
+              <a:t> ao longo do seu processo de aprendizagem.</a:t>
             </a:r>
           </a:p>
           <a:p>
             <a:r>
               <a:rPr lang="pt-BR" dirty="0"/>
-              <a:t>Para isso, como já discutido brevemente antes, usaremos uma função chamada de função de erro ou de perda.</a:t>
+              <a:t>Para isso, como já discutido brevemente antes, usaremos uma função chamada de </a:t>
+            </a:r>
+            <a:r>
+              <a:rPr lang="pt-BR" b="1" i="1" dirty="0">
+                <a:solidFill>
+                  <a:srgbClr val="00B050"/>
+                </a:solidFill>
+              </a:rPr>
+              <a:t>função de erro </a:t>
+            </a:r>
+            <a:r>
+              <a:rPr lang="pt-BR" dirty="0"/>
+              <a:t>ou de </a:t>
+            </a:r>
+            <a:r>
+              <a:rPr lang="pt-BR" b="1" i="1" dirty="0">
+                <a:solidFill>
+                  <a:srgbClr val="00B050"/>
+                </a:solidFill>
+              </a:rPr>
+              <a:t>perda</a:t>
+            </a:r>
+            <a:r>
+              <a:rPr lang="pt-BR" dirty="0"/>
+              <a:t>.</a:t>
             </a:r>
           </a:p>
           <a:p>

--- a/slides/TP557_5_Medindo_a_precisão_de_um_modelo_de_ML.pptx
+++ b/slides/TP557_5_Medindo_a_precisão_de_um_modelo_de_ML.pptx
@@ -14122,13 +14122,61 @@
           <a:p>
             <a:r>
               <a:rPr lang="pt-BR" dirty="0"/>
-              <a:t>Idealmente, o processo de treinamento tem como objetivo minimizar o erro e, consequentemente, aumentar a precisão do modelo.</a:t>
+              <a:t>Idealmente, o </a:t>
+            </a:r>
+            <a:r>
+              <a:rPr lang="pt-BR" b="1" i="1" dirty="0">
+                <a:solidFill>
+                  <a:srgbClr val="00B050"/>
+                </a:solidFill>
+              </a:rPr>
+              <a:t>processo de treinamento </a:t>
+            </a:r>
+            <a:r>
+              <a:rPr lang="pt-BR" dirty="0"/>
+              <a:t>tem como </a:t>
+            </a:r>
+            <a:r>
+              <a:rPr lang="pt-BR" b="1" i="1" dirty="0">
+                <a:solidFill>
+                  <a:srgbClr val="00B050"/>
+                </a:solidFill>
+              </a:rPr>
+              <a:t>objetivo minimizar o erro</a:t>
+            </a:r>
+            <a:r>
+              <a:rPr lang="pt-BR" dirty="0"/>
+              <a:t> e, consequentemente, </a:t>
+            </a:r>
+            <a:r>
+              <a:rPr lang="pt-BR" b="1" i="1" dirty="0">
+                <a:solidFill>
+                  <a:srgbClr val="00B050"/>
+                </a:solidFill>
+              </a:rPr>
+              <a:t>aumentar a precisão do modelo</a:t>
+            </a:r>
+            <a:r>
+              <a:rPr lang="pt-BR" dirty="0"/>
+              <a:t>.</a:t>
             </a:r>
           </a:p>
           <a:p>
             <a:r>
               <a:rPr lang="pt-BR" dirty="0"/>
-              <a:t>Além disso, veremos em breve diferentes estratégias para minimizar o erro.</a:t>
+              <a:t>Além disso, veremos em breve </a:t>
+            </a:r>
+            <a:r>
+              <a:rPr lang="pt-BR" b="1" i="1" dirty="0">
+                <a:solidFill>
+                  <a:srgbClr val="00B050"/>
+                </a:solidFill>
+              </a:rPr>
+              <a:t>diferentes estratégias para minimizar o erro</a:t>
+            </a:r>
+            <a:r>
+              <a:rPr lang="pt-BR" dirty="0"/>
+              <a:t>.</a:t>
             </a:r>
           </a:p>
           <a:p>
@@ -16648,7 +16696,7 @@
           <a:p>
             <a:r>
               <a:rPr lang="pt-BR" dirty="0"/>
-              <a:t>Como veremos em breve, de posse dessa informação, o algoritmo de otimização, conhecido como </a:t>
+              <a:t>Como veremos em breve, que de posse dessa informação, o algoritmo de otimização, conhecido como </a:t>
             </a:r>
             <a:r>
               <a:rPr lang="pt-BR" b="1" i="1" dirty="0">
@@ -18676,8 +18724,8 @@
           </p:sp>
         </mc:Fallback>
       </mc:AlternateContent>
-      <mc:AlternateContent xmlns:mc="http://schemas.openxmlformats.org/markup-compatibility/2006" xmlns:a14="http://schemas.microsoft.com/office/drawing/2010/main">
-        <mc:Choice Requires="a14">
+      <mc:AlternateContent xmlns:mc="http://schemas.openxmlformats.org/markup-compatibility/2006">
+        <mc:Choice xmlns:a14="http://schemas.microsoft.com/office/drawing/2010/main" Requires="a14">
           <p:sp>
             <p:nvSpPr>
               <p:cNvPr id="3" name="Espaço Reservado para Conteúdo 2">
@@ -18724,7 +18772,19 @@
                 </a:pPr>
                 <a:r>
                   <a:rPr lang="pt-BR" dirty="0"/>
-                  <a:t>Ou seja, qual é a função que mapeia os valores de </a:t>
+                  <a:t>Ou seja, qual é a </a:t>
+                </a:r>
+                <a:r>
+                  <a:rPr lang="pt-BR" b="1" i="1" dirty="0">
+                    <a:solidFill>
+                      <a:srgbClr val="00B050"/>
+                    </a:solidFill>
+                  </a:rPr>
+                  <a:t>função que mapeia </a:t>
+                </a:r>
+                <a:r>
+                  <a:rPr lang="pt-BR" dirty="0"/>
+                  <a:t>os valores de </a:t>
                 </a:r>
                 <a14:m>
                   <m:oMath xmlns:m="http://schemas.openxmlformats.org/officeDocument/2006/math">
@@ -18792,13 +18852,13 @@
               <a:p>
                 <a:r>
                   <a:rPr lang="pt-BR" dirty="0"/>
-                  <a:t>Que tal plotarmos esse pontos?</a:t>
+                  <a:t>Que tal plotarmos esses pontos?</a:t>
                 </a:r>
               </a:p>
             </p:txBody>
           </p:sp>
         </mc:Choice>
-        <mc:Fallback xmlns="">
+        <mc:Fallback>
           <p:sp>
             <p:nvSpPr>
               <p:cNvPr id="3" name="Espaço Reservado para Conteúdo 2">
@@ -19138,8 +19198,8 @@
           </p:sp>
         </mc:Fallback>
       </mc:AlternateContent>
-      <mc:AlternateContent xmlns:mc="http://schemas.openxmlformats.org/markup-compatibility/2006" xmlns:a14="http://schemas.microsoft.com/office/drawing/2010/main">
-        <mc:Choice Requires="a14">
+      <mc:AlternateContent xmlns:mc="http://schemas.openxmlformats.org/markup-compatibility/2006">
+        <mc:Choice xmlns:a14="http://schemas.microsoft.com/office/drawing/2010/main" Requires="a14">
           <p:sp>
             <p:nvSpPr>
               <p:cNvPr id="3" name="Espaço Reservado para Conteúdo 2">
@@ -19170,7 +19230,19 @@
               <a:p>
                 <a:r>
                   <a:rPr lang="pt-BR" dirty="0"/>
-                  <a:t>Ao plotarmos os pontos, percebemos que existe uma relação linear entre eles.</a:t>
+                  <a:t>Ao plotarmos os pontos, percebemos que existe uma </a:t>
+                </a:r>
+                <a:r>
+                  <a:rPr lang="pt-BR" b="1" i="1" dirty="0">
+                    <a:solidFill>
+                      <a:srgbClr val="00B050"/>
+                    </a:solidFill>
+                  </a:rPr>
+                  <a:t>relação linear </a:t>
+                </a:r>
+                <a:r>
+                  <a:rPr lang="pt-BR" dirty="0"/>
+                  <a:t>entre eles.</a:t>
                 </a:r>
               </a:p>
               <a:p>
@@ -19179,12 +19251,28 @@
                   <a:t>Podemos criar a </a:t>
                 </a:r>
                 <a:r>
-                  <a:rPr lang="pt-BR" b="1" i="1" dirty="0"/>
+                  <a:rPr lang="pt-BR" b="1" i="1" dirty="0">
+                    <a:solidFill>
+                      <a:srgbClr val="00B050"/>
+                    </a:solidFill>
+                  </a:rPr>
                   <a:t>hipótese</a:t>
                 </a:r>
                 <a:r>
                   <a:rPr lang="pt-BR" dirty="0"/>
-                  <a:t> de que uma reta explica esse mapeamento.</a:t>
+                  <a:t> de que uma </a:t>
+                </a:r>
+                <a:r>
+                  <a:rPr lang="pt-BR" b="1" i="1" dirty="0">
+                    <a:solidFill>
+                      <a:srgbClr val="00B050"/>
+                    </a:solidFill>
+                  </a:rPr>
+                  <a:t>reta</a:t>
+                </a:r>
+                <a:r>
+                  <a:rPr lang="pt-BR" dirty="0"/>
+                  <a:t> explica esse mapeamento.</a:t>
                 </a:r>
               </a:p>
               <a:p>
@@ -19363,7 +19451,7 @@
             </p:txBody>
           </p:sp>
         </mc:Choice>
-        <mc:Fallback xmlns="">
+        <mc:Fallback>
           <p:sp>
             <p:nvSpPr>
               <p:cNvPr id="3" name="Espaço Reservado para Conteúdo 2">
@@ -19388,7 +19476,7 @@
               <a:blipFill>
                 <a:blip r:embed="rId3"/>
                 <a:stretch>
-                  <a:fillRect l="-1714" t="-1937"/>
+                  <a:fillRect l="-1714" t="-1937" r="-476"/>
                 </a:stretch>
               </a:blipFill>
             </p:spPr>
@@ -19725,8 +19813,8 @@
           </a:p>
         </p:txBody>
       </p:sp>
-      <mc:AlternateContent xmlns:mc="http://schemas.openxmlformats.org/markup-compatibility/2006" xmlns:a14="http://schemas.microsoft.com/office/drawing/2010/main">
-        <mc:Choice Requires="a14">
+      <mc:AlternateContent xmlns:mc="http://schemas.openxmlformats.org/markup-compatibility/2006">
+        <mc:Choice xmlns:a14="http://schemas.microsoft.com/office/drawing/2010/main" Requires="a14">
           <p:sp>
             <p:nvSpPr>
               <p:cNvPr id="3" name="Espaço Reservado para Conteúdo 2">
@@ -19745,8 +19833,8 @@
             </p:nvSpPr>
             <p:spPr>
               <a:xfrm>
-                <a:off x="5989833" y="1825624"/>
-                <a:ext cx="5979559" cy="5032375"/>
+                <a:off x="6315184" y="1825624"/>
+                <a:ext cx="5654208" cy="5032375"/>
               </a:xfrm>
             </p:spPr>
             <p:txBody>
@@ -19755,7 +19843,55 @@
               <a:p>
                 <a:r>
                   <a:rPr lang="pt-BR" dirty="0"/>
-                  <a:t>Vamos começar atribuindo alguns valores aleatórios para os pesos, ou seja, vamos fazer uma suposição sobre os valores.</a:t>
+                  <a:t>Vamos começar </a:t>
+                </a:r>
+                <a:r>
+                  <a:rPr lang="pt-BR" b="1" i="1" dirty="0">
+                    <a:solidFill>
+                      <a:srgbClr val="00B050"/>
+                    </a:solidFill>
+                  </a:rPr>
+                  <a:t>atribuindo</a:t>
+                </a:r>
+                <a:r>
+                  <a:rPr lang="pt-BR" dirty="0"/>
+                  <a:t> alguns </a:t>
+                </a:r>
+                <a:r>
+                  <a:rPr lang="pt-BR" b="1" i="1" dirty="0">
+                    <a:solidFill>
+                      <a:srgbClr val="00B050"/>
+                    </a:solidFill>
+                  </a:rPr>
+                  <a:t>valores aleatórios para os pesos</a:t>
+                </a:r>
+                <a:r>
+                  <a:rPr lang="pt-BR" dirty="0"/>
+                  <a:t>, ou seja, vamos fazer uma </a:t>
+                </a:r>
+                <a:r>
+                  <a:rPr lang="pt-BR" b="1" i="1" dirty="0">
+                    <a:solidFill>
+                      <a:srgbClr val="00B050"/>
+                    </a:solidFill>
+                  </a:rPr>
+                  <a:t>suposição</a:t>
+                </a:r>
+                <a:r>
+                  <a:rPr lang="pt-BR" dirty="0"/>
+                  <a:t> (dar um </a:t>
+                </a:r>
+                <a:r>
+                  <a:rPr lang="pt-BR" b="1" i="1" dirty="0">
+                    <a:solidFill>
+                      <a:srgbClr val="00B050"/>
+                    </a:solidFill>
+                  </a:rPr>
+                  <a:t>palpite</a:t>
+                </a:r>
+                <a:r>
+                  <a:rPr lang="pt-BR" dirty="0"/>
+                  <a:t>) sobre os valores.</a:t>
                 </a:r>
               </a:p>
               <a:p>
@@ -19805,7 +19941,7 @@
             </p:txBody>
           </p:sp>
         </mc:Choice>
-        <mc:Fallback xmlns="">
+        <mc:Fallback>
           <p:sp>
             <p:nvSpPr>
               <p:cNvPr id="3" name="Espaço Reservado para Conteúdo 2">
@@ -19824,13 +19960,13 @@
             </p:nvSpPr>
             <p:spPr>
               <a:xfrm>
-                <a:off x="5989833" y="1825624"/>
-                <a:ext cx="5979559" cy="5032375"/>
+                <a:off x="6315184" y="1825624"/>
+                <a:ext cx="5654208" cy="5032375"/>
               </a:xfrm>
               <a:blipFill>
                 <a:blip r:embed="rId2"/>
                 <a:stretch>
-                  <a:fillRect l="-1837" t="-1937" r="-1224"/>
+                  <a:fillRect l="-1942" t="-1937" r="-2157"/>
                 </a:stretch>
               </a:blipFill>
             </p:spPr>
@@ -19849,8 +19985,8 @@
           </p:sp>
         </mc:Fallback>
       </mc:AlternateContent>
-      <mc:AlternateContent xmlns:mc="http://schemas.openxmlformats.org/markup-compatibility/2006" xmlns:a14="http://schemas.microsoft.com/office/drawing/2010/main">
-        <mc:Choice Requires="a14">
+      <mc:AlternateContent xmlns:mc="http://schemas.openxmlformats.org/markup-compatibility/2006">
+        <mc:Choice xmlns:a14="http://schemas.microsoft.com/office/drawing/2010/main" Requires="a14">
           <p:sp>
             <p:nvSpPr>
               <p:cNvPr id="5" name="CaixaDeTexto 4">
@@ -19866,7 +20002,7 @@
             <p:spPr>
               <a:xfrm>
                 <a:off x="838200" y="2096196"/>
-                <a:ext cx="3002623" cy="584775"/>
+                <a:ext cx="5564038" cy="584775"/>
               </a:xfrm>
               <a:prstGeom prst="rect">
                 <a:avLst/>
@@ -19910,13 +20046,79 @@
                         <a:rPr lang="pt-BR" sz="3200" b="0" i="1" smtClean="0">
                           <a:latin typeface="Cambria Math" panose="02040503050406030204" pitchFamily="18" charset="0"/>
                         </a:rPr>
-                        <m:t>=−1+3</m:t>
+                        <m:t>[</m:t>
+                      </m:r>
+                      <m:r>
+                        <a:rPr lang="pt-BR" sz="3200" b="0" i="1" smtClean="0">
+                          <a:latin typeface="Cambria Math" panose="02040503050406030204" pitchFamily="18" charset="0"/>
+                        </a:rPr>
+                        <m:t>𝑛</m:t>
+                      </m:r>
+                      <m:r>
+                        <a:rPr lang="pt-BR" sz="3200" b="0" i="1" smtClean="0">
+                          <a:latin typeface="Cambria Math" panose="02040503050406030204" pitchFamily="18" charset="0"/>
+                        </a:rPr>
+                        <m:t>]=</m:t>
+                      </m:r>
+                      <m:r>
+                        <a:rPr lang="pt-BR" sz="3200" b="0" i="1" smtClean="0">
+                          <a:latin typeface="Cambria Math" panose="02040503050406030204" pitchFamily="18" charset="0"/>
+                        </a:rPr>
+                        <m:t>h</m:t>
+                      </m:r>
+                      <m:r>
+                        <a:rPr lang="pt-BR" sz="3200" b="0" i="1" smtClean="0">
+                          <a:latin typeface="Cambria Math" panose="02040503050406030204" pitchFamily="18" charset="0"/>
+                        </a:rPr>
+                        <m:t>(</m:t>
                       </m:r>
                       <m:r>
                         <a:rPr lang="pt-BR" sz="3200" b="0" i="1" smtClean="0">
                           <a:latin typeface="Cambria Math" panose="02040503050406030204" pitchFamily="18" charset="0"/>
                         </a:rPr>
                         <m:t>𝑥</m:t>
+                      </m:r>
+                      <m:r>
+                        <a:rPr lang="pt-BR" sz="3200" b="0" i="1" smtClean="0">
+                          <a:latin typeface="Cambria Math" panose="02040503050406030204" pitchFamily="18" charset="0"/>
+                        </a:rPr>
+                        <m:t>[</m:t>
+                      </m:r>
+                      <m:r>
+                        <a:rPr lang="pt-BR" sz="3200" b="0" i="1" smtClean="0">
+                          <a:latin typeface="Cambria Math" panose="02040503050406030204" pitchFamily="18" charset="0"/>
+                        </a:rPr>
+                        <m:t>𝑛</m:t>
+                      </m:r>
+                      <m:r>
+                        <a:rPr lang="pt-BR" sz="3200" b="0" i="1" smtClean="0">
+                          <a:latin typeface="Cambria Math" panose="02040503050406030204" pitchFamily="18" charset="0"/>
+                        </a:rPr>
+                        <m:t>])=−1+3</m:t>
+                      </m:r>
+                      <m:r>
+                        <a:rPr lang="pt-BR" sz="3200" b="0" i="1" smtClean="0">
+                          <a:latin typeface="Cambria Math" panose="02040503050406030204" pitchFamily="18" charset="0"/>
+                        </a:rPr>
+                        <m:t>𝑥</m:t>
+                      </m:r>
+                      <m:r>
+                        <a:rPr lang="pt-BR" sz="3200" b="0" i="1" smtClean="0">
+                          <a:latin typeface="Cambria Math" panose="02040503050406030204" pitchFamily="18" charset="0"/>
+                        </a:rPr>
+                        <m:t>[</m:t>
+                      </m:r>
+                      <m:r>
+                        <a:rPr lang="pt-BR" sz="3200" b="0" i="1" smtClean="0">
+                          <a:latin typeface="Cambria Math" panose="02040503050406030204" pitchFamily="18" charset="0"/>
+                        </a:rPr>
+                        <m:t>𝑛</m:t>
+                      </m:r>
+                      <m:r>
+                        <a:rPr lang="pt-BR" sz="3200" b="0" i="1" smtClean="0">
+                          <a:latin typeface="Cambria Math" panose="02040503050406030204" pitchFamily="18" charset="0"/>
+                        </a:rPr>
+                        <m:t>]</m:t>
                       </m:r>
                     </m:oMath>
                   </m:oMathPara>
@@ -19926,7 +20128,7 @@
             </p:txBody>
           </p:sp>
         </mc:Choice>
-        <mc:Fallback xmlns="">
+        <mc:Fallback>
           <p:sp>
             <p:nvSpPr>
               <p:cNvPr id="5" name="CaixaDeTexto 4">
@@ -19944,7 +20146,7 @@
             <p:spPr>
               <a:xfrm>
                 <a:off x="838200" y="2096196"/>
-                <a:ext cx="3002623" cy="584775"/>
+                <a:ext cx="5564038" cy="584775"/>
               </a:xfrm>
               <a:prstGeom prst="rect">
                 <a:avLst/>
@@ -20103,8 +20305,8 @@
           </p:sp>
         </mc:Fallback>
       </mc:AlternateContent>
-      <mc:AlternateContent xmlns:mc="http://schemas.openxmlformats.org/markup-compatibility/2006" xmlns:a14="http://schemas.microsoft.com/office/drawing/2010/main">
-        <mc:Choice Requires="a14">
+      <mc:AlternateContent xmlns:mc="http://schemas.openxmlformats.org/markup-compatibility/2006">
+        <mc:Choice xmlns:a14="http://schemas.microsoft.com/office/drawing/2010/main" Requires="a14">
           <p:sp>
             <p:nvSpPr>
               <p:cNvPr id="7" name="CaixaDeTexto 6">
@@ -20146,7 +20348,7 @@
                 <a14:m>
                   <m:oMathPara xmlns:m="http://schemas.openxmlformats.org/officeDocument/2006/math">
                     <m:oMathParaPr>
-                      <m:jc m:val="centerGroup"/>
+                      <m:jc m:val="left"/>
                     </m:oMathParaPr>
                     <m:oMath xmlns:m="http://schemas.openxmlformats.org/officeDocument/2006/math">
                       <m:acc>
@@ -20208,7 +20410,7 @@
             </p:txBody>
           </p:sp>
         </mc:Choice>
-        <mc:Fallback xmlns="">
+        <mc:Fallback>
           <p:sp>
             <p:nvSpPr>
               <p:cNvPr id="7" name="CaixaDeTexto 6">
@@ -20400,8 +20602,8 @@
         </p:nvSpPr>
         <p:spPr>
           <a:xfrm>
-            <a:off x="5989833" y="1825624"/>
-            <a:ext cx="5979559" cy="5032375"/>
+            <a:off x="6469296" y="1825624"/>
+            <a:ext cx="5500096" cy="5032375"/>
           </a:xfrm>
         </p:spPr>
         <p:txBody>
@@ -20410,7 +20612,31 @@
           <a:p>
             <a:r>
               <a:rPr lang="pt-BR" dirty="0"/>
-              <a:t>Vemos que os valores preditos e esperados não são os mesmos.</a:t>
+              <a:t>Vemos que os </a:t>
+            </a:r>
+            <a:r>
+              <a:rPr lang="pt-BR" b="1" i="1" dirty="0">
+                <a:solidFill>
+                  <a:srgbClr val="00B050"/>
+                </a:solidFill>
+              </a:rPr>
+              <a:t>valores</a:t>
+            </a:r>
+            <a:r>
+              <a:rPr lang="pt-BR" dirty="0"/>
+              <a:t> preditos e esperados </a:t>
+            </a:r>
+            <a:r>
+              <a:rPr lang="pt-BR" b="1" i="1" dirty="0">
+                <a:solidFill>
+                  <a:srgbClr val="00B050"/>
+                </a:solidFill>
+              </a:rPr>
+              <a:t>não são os mesmos</a:t>
+            </a:r>
+            <a:r>
+              <a:rPr lang="pt-BR" dirty="0"/>
+              <a:t>.</a:t>
             </a:r>
           </a:p>
           <a:p>
@@ -20422,13 +20648,37 @@
           <a:p>
             <a:r>
               <a:rPr lang="pt-BR" dirty="0"/>
-              <a:t>Existe uma maneira de formalizarmos um cálculo do quão bom ou ruim essa função e suas predições são?</a:t>
+              <a:t>Existe uma maneira de </a:t>
+            </a:r>
+            <a:r>
+              <a:rPr lang="pt-BR" b="1" i="1" dirty="0">
+                <a:solidFill>
+                  <a:srgbClr val="00B050"/>
+                </a:solidFill>
+              </a:rPr>
+              <a:t>formalizarmos</a:t>
+            </a:r>
+            <a:r>
+              <a:rPr lang="pt-BR" dirty="0"/>
+              <a:t> um </a:t>
+            </a:r>
+            <a:r>
+              <a:rPr lang="pt-BR" b="1" i="1" dirty="0">
+                <a:solidFill>
+                  <a:srgbClr val="00B050"/>
+                </a:solidFill>
+              </a:rPr>
+              <a:t>cálculo do quão bom ou ruim </a:t>
+            </a:r>
+            <a:r>
+              <a:rPr lang="pt-BR" dirty="0"/>
+              <a:t>essa função hipótese e suas predições são?</a:t>
             </a:r>
           </a:p>
         </p:txBody>
       </p:sp>
-      <mc:AlternateContent xmlns:mc="http://schemas.openxmlformats.org/markup-compatibility/2006" xmlns:a14="http://schemas.microsoft.com/office/drawing/2010/main">
-        <mc:Choice Requires="a14">
+      <mc:AlternateContent xmlns:mc="http://schemas.openxmlformats.org/markup-compatibility/2006">
+        <mc:Choice xmlns:a14="http://schemas.microsoft.com/office/drawing/2010/main" Requires="a14">
           <p:sp>
             <p:nvSpPr>
               <p:cNvPr id="5" name="CaixaDeTexto 4">
@@ -20443,8 +20693,8 @@
             </p:nvSpPr>
             <p:spPr>
               <a:xfrm>
-                <a:off x="838200" y="1677096"/>
-                <a:ext cx="3002623" cy="584775"/>
+                <a:off x="838199" y="1677096"/>
+                <a:ext cx="5388430" cy="584775"/>
               </a:xfrm>
               <a:prstGeom prst="rect">
                 <a:avLst/>
@@ -20457,9 +20707,7 @@
               </a:bodyPr>
               <a:lstStyle/>
               <a:p>
-                <a:pPr marL="0" indent="0">
-                  <a:buNone/>
-                </a:pPr>
+                <a:pPr/>
                 <a14:m>
                   <m:oMathPara xmlns:m="http://schemas.openxmlformats.org/officeDocument/2006/math">
                     <m:oMathParaPr>
@@ -20485,16 +20733,100 @@
                         </m:e>
                       </m:acc>
                       <m:r>
+                        <a:rPr lang="pt-BR" sz="3200" i="1">
+                          <a:latin typeface="Cambria Math" panose="02040503050406030204" pitchFamily="18" charset="0"/>
+                        </a:rPr>
+                        <m:t>[</m:t>
+                      </m:r>
+                      <m:r>
+                        <a:rPr lang="pt-BR" sz="3200" i="1">
+                          <a:latin typeface="Cambria Math" panose="02040503050406030204" pitchFamily="18" charset="0"/>
+                        </a:rPr>
+                        <m:t>𝑛</m:t>
+                      </m:r>
+                      <m:r>
+                        <a:rPr lang="pt-BR" sz="3200" i="1">
+                          <a:latin typeface="Cambria Math" panose="02040503050406030204" pitchFamily="18" charset="0"/>
+                        </a:rPr>
+                        <m:t>]=</m:t>
+                      </m:r>
+                      <m:r>
                         <a:rPr lang="pt-BR" sz="3200" b="0" i="1" smtClean="0">
                           <a:latin typeface="Cambria Math" panose="02040503050406030204" pitchFamily="18" charset="0"/>
                         </a:rPr>
-                        <m:t>=−1+3</m:t>
+                        <m:t>h</m:t>
+                      </m:r>
+                      <m:d>
+                        <m:dPr>
+                          <m:ctrlPr>
+                            <a:rPr lang="pt-BR" sz="3200" b="0" i="1" smtClean="0">
+                              <a:latin typeface="Cambria Math" panose="02040503050406030204" pitchFamily="18" charset="0"/>
+                            </a:rPr>
+                          </m:ctrlPr>
+                        </m:dPr>
+                        <m:e>
+                          <m:r>
+                            <a:rPr lang="pt-BR" sz="3200" i="1">
+                              <a:latin typeface="Cambria Math" panose="02040503050406030204" pitchFamily="18" charset="0"/>
+                            </a:rPr>
+                            <m:t>𝑥</m:t>
+                          </m:r>
+                          <m:d>
+                            <m:dPr>
+                              <m:begChr m:val="["/>
+                              <m:endChr m:val="]"/>
+                              <m:ctrlPr>
+                                <a:rPr lang="pt-BR" sz="3200" i="1">
+                                  <a:latin typeface="Cambria Math" panose="02040503050406030204" pitchFamily="18" charset="0"/>
+                                </a:rPr>
+                              </m:ctrlPr>
+                            </m:dPr>
+                            <m:e>
+                              <m:r>
+                                <a:rPr lang="pt-BR" sz="3200" i="1">
+                                  <a:latin typeface="Cambria Math" panose="02040503050406030204" pitchFamily="18" charset="0"/>
+                                </a:rPr>
+                                <m:t>𝑛</m:t>
+                              </m:r>
+                            </m:e>
+                          </m:d>
+                        </m:e>
+                      </m:d>
+                      <m:r>
+                        <a:rPr lang="pt-BR" sz="3200" b="0" i="1" smtClean="0">
+                          <a:latin typeface="Cambria Math" panose="02040503050406030204" pitchFamily="18" charset="0"/>
+                        </a:rPr>
+                        <m:t>=</m:t>
+                      </m:r>
+                      <m:r>
+                        <a:rPr lang="pt-BR" sz="3200" b="0" i="1" smtClean="0">
+                          <a:latin typeface="Cambria Math" panose="02040503050406030204" pitchFamily="18" charset="0"/>
+                        </a:rPr>
+                        <m:t>−1+3</m:t>
                       </m:r>
                       <m:r>
                         <a:rPr lang="pt-BR" sz="3200" b="0" i="1" smtClean="0">
                           <a:latin typeface="Cambria Math" panose="02040503050406030204" pitchFamily="18" charset="0"/>
                         </a:rPr>
                         <m:t>𝑥</m:t>
+                      </m:r>
+                      <m:r>
+                        <a:rPr lang="pt-BR" sz="3200" b="0" i="1" smtClean="0">
+                          <a:latin typeface="Cambria Math" panose="02040503050406030204" pitchFamily="18" charset="0"/>
+                        </a:rPr>
+                        <m:t>[</m:t>
+                      </m:r>
+                      <m:r>
+                        <a:rPr lang="pt-BR" sz="3200" b="0" i="1" smtClean="0">
+                          <a:latin typeface="Cambria Math" panose="02040503050406030204" pitchFamily="18" charset="0"/>
+                        </a:rPr>
+                        <m:t>𝑛</m:t>
+                      </m:r>
+                      <m:r>
+                        <a:rPr lang="pt-BR" sz="3200" b="0" i="1" smtClean="0">
+                          <a:latin typeface="Cambria Math" panose="02040503050406030204" pitchFamily="18" charset="0"/>
+                        </a:rPr>
+                        <m:t>]</m:t>
                       </m:r>
                     </m:oMath>
                   </m:oMathPara>
@@ -20504,7 +20836,7 @@
             </p:txBody>
           </p:sp>
         </mc:Choice>
-        <mc:Fallback xmlns="">
+        <mc:Fallback>
           <p:sp>
             <p:nvSpPr>
               <p:cNvPr id="5" name="CaixaDeTexto 4">
@@ -20521,8 +20853,8 @@
             </p:nvSpPr>
             <p:spPr>
               <a:xfrm>
-                <a:off x="838200" y="1677096"/>
-                <a:ext cx="3002623" cy="584775"/>
+                <a:off x="838199" y="1677096"/>
+                <a:ext cx="5388430" cy="584775"/>
               </a:xfrm>
               <a:prstGeom prst="rect">
                 <a:avLst/>
@@ -20681,8 +21013,8 @@
           </p:sp>
         </mc:Fallback>
       </mc:AlternateContent>
-      <mc:AlternateContent xmlns:mc="http://schemas.openxmlformats.org/markup-compatibility/2006" xmlns:a14="http://schemas.microsoft.com/office/drawing/2010/main">
-        <mc:Choice Requires="a14">
+      <mc:AlternateContent xmlns:mc="http://schemas.openxmlformats.org/markup-compatibility/2006">
+        <mc:Choice xmlns:a14="http://schemas.microsoft.com/office/drawing/2010/main" Requires="a14">
           <p:sp>
             <p:nvSpPr>
               <p:cNvPr id="7" name="CaixaDeTexto 6">
@@ -20724,7 +21056,7 @@
                 <a14:m>
                   <m:oMathPara xmlns:m="http://schemas.openxmlformats.org/officeDocument/2006/math">
                     <m:oMathParaPr>
-                      <m:jc m:val="centerGroup"/>
+                      <m:jc m:val="left"/>
                     </m:oMathParaPr>
                     <m:oMath xmlns:m="http://schemas.openxmlformats.org/officeDocument/2006/math">
                       <m:acc>
@@ -20786,7 +21118,7 @@
             </p:txBody>
           </p:sp>
         </mc:Choice>
-        <mc:Fallback xmlns="">
+        <mc:Fallback>
           <p:sp>
             <p:nvSpPr>
               <p:cNvPr id="7" name="CaixaDeTexto 6">
@@ -21354,12 +21686,28 @@
               <a:t>Podemos traçar uma reta entre cada ponto e, pelo comprimento dessas retas (ou </a:t>
             </a:r>
             <a:r>
-              <a:rPr lang="pt-BR" b="1" i="1" dirty="0"/>
-              <a:t>diferença</a:t>
+              <a:rPr lang="pt-BR" b="1" i="1" dirty="0">
+                <a:solidFill>
+                  <a:srgbClr val="00B050"/>
+                </a:solidFill>
+              </a:rPr>
+              <a:t>diferença entre os pontos</a:t>
             </a:r>
             <a:r>
               <a:rPr lang="pt-BR" dirty="0"/>
-              <a:t> entre os pontos), descobrir se a função hipótese é boa ou não.</a:t>
+              <a:t>), </a:t>
+            </a:r>
+            <a:r>
+              <a:rPr lang="pt-BR" b="1" i="1" dirty="0">
+                <a:solidFill>
+                  <a:srgbClr val="00B050"/>
+                </a:solidFill>
+              </a:rPr>
+              <a:t>descobrir se a função hipótese é boa ou não</a:t>
+            </a:r>
+            <a:r>
+              <a:rPr lang="pt-BR" dirty="0"/>
+              <a:t>.</a:t>
             </a:r>
           </a:p>
           <a:p>
@@ -21371,7 +21719,19 @@
           <a:p>
             <a:r>
               <a:rPr lang="pt-BR" dirty="0"/>
-              <a:t>Talvez nós possamos calcular a média dos comprimentos para obter o </a:t>
+              <a:t>Talvez nós possamos </a:t>
+            </a:r>
+            <a:r>
+              <a:rPr lang="pt-BR" b="1" i="1" dirty="0">
+                <a:solidFill>
+                  <a:srgbClr val="00B050"/>
+                </a:solidFill>
+              </a:rPr>
+              <a:t>calcular a média dos comprimentos</a:t>
+            </a:r>
+            <a:r>
+              <a:rPr lang="pt-BR" dirty="0"/>
+              <a:t> para obter o </a:t>
             </a:r>
             <a:r>
               <a:rPr lang="pt-BR" b="1" i="1" dirty="0"/>
@@ -21898,8 +22258,8 @@
           </p:txBody>
         </p:sp>
       </p:grpSp>
-      <mc:AlternateContent xmlns:mc="http://schemas.openxmlformats.org/markup-compatibility/2006" xmlns:a14="http://schemas.microsoft.com/office/drawing/2010/main">
-        <mc:Choice Requires="a14">
+      <mc:AlternateContent xmlns:mc="http://schemas.openxmlformats.org/markup-compatibility/2006">
+        <mc:Choice xmlns:a14="http://schemas.microsoft.com/office/drawing/2010/main" Requires="a14">
           <p:sp>
             <p:nvSpPr>
               <p:cNvPr id="18" name="CaixaDeTexto 17">
@@ -21914,8 +22274,8 @@
             </p:nvSpPr>
             <p:spPr>
               <a:xfrm>
-                <a:off x="1603184" y="5672102"/>
-                <a:ext cx="2783461" cy="584775"/>
+                <a:off x="945221" y="5604775"/>
+                <a:ext cx="4099389" cy="584775"/>
               </a:xfrm>
               <a:prstGeom prst="rect">
                 <a:avLst/>
@@ -21945,10 +22305,22 @@
                         <m:t>diff</m:t>
                       </m:r>
                       <m:r>
-                        <a:rPr lang="pt-BR" sz="3200" b="0" i="1" smtClean="0">
+                        <a:rPr lang="pt-BR" sz="3200" i="1">
                           <a:latin typeface="Cambria Math" panose="02040503050406030204" pitchFamily="18" charset="0"/>
                         </a:rPr>
-                        <m:t>=</m:t>
+                        <m:t>[</m:t>
+                      </m:r>
+                      <m:r>
+                        <a:rPr lang="pt-BR" sz="3200" i="1">
+                          <a:latin typeface="Cambria Math" panose="02040503050406030204" pitchFamily="18" charset="0"/>
+                        </a:rPr>
+                        <m:t>𝑛</m:t>
+                      </m:r>
+                      <m:r>
+                        <a:rPr lang="pt-BR" sz="3200" i="1">
+                          <a:latin typeface="Cambria Math" panose="02040503050406030204" pitchFamily="18" charset="0"/>
+                        </a:rPr>
+                        <m:t>]=</m:t>
                       </m:r>
                       <m:acc>
                         <m:accPr>
@@ -21969,16 +22341,46 @@
                         </m:e>
                       </m:acc>
                       <m:r>
-                        <a:rPr lang="pt-BR" sz="3200" b="0" i="1" smtClean="0">
+                        <a:rPr lang="pt-BR" sz="3200" i="1">
                           <a:latin typeface="Cambria Math" panose="02040503050406030204" pitchFamily="18" charset="0"/>
                         </a:rPr>
-                        <m:t>−</m:t>
+                        <m:t>[</m:t>
+                      </m:r>
+                      <m:r>
+                        <a:rPr lang="pt-BR" sz="3200" i="1">
+                          <a:latin typeface="Cambria Math" panose="02040503050406030204" pitchFamily="18" charset="0"/>
+                        </a:rPr>
+                        <m:t>𝑛</m:t>
+                      </m:r>
+                      <m:r>
+                        <a:rPr lang="pt-BR" sz="3200" i="1">
+                          <a:latin typeface="Cambria Math" panose="02040503050406030204" pitchFamily="18" charset="0"/>
+                        </a:rPr>
+                        <m:t>]−</m:t>
                       </m:r>
                       <m:r>
                         <a:rPr lang="pt-BR" sz="3200" b="0" i="1" smtClean="0">
                           <a:latin typeface="Cambria Math" panose="02040503050406030204" pitchFamily="18" charset="0"/>
                         </a:rPr>
                         <m:t>𝑦</m:t>
+                      </m:r>
+                      <m:r>
+                        <a:rPr lang="pt-BR" sz="3200" i="1">
+                          <a:latin typeface="Cambria Math" panose="02040503050406030204" pitchFamily="18" charset="0"/>
+                        </a:rPr>
+                        <m:t>[</m:t>
+                      </m:r>
+                      <m:r>
+                        <a:rPr lang="pt-BR" sz="3200" i="1">
+                          <a:latin typeface="Cambria Math" panose="02040503050406030204" pitchFamily="18" charset="0"/>
+                        </a:rPr>
+                        <m:t>𝑛</m:t>
+                      </m:r>
+                      <m:r>
+                        <a:rPr lang="pt-BR" sz="3200" i="1">
+                          <a:latin typeface="Cambria Math" panose="02040503050406030204" pitchFamily="18" charset="0"/>
+                        </a:rPr>
+                        <m:t>]</m:t>
                       </m:r>
                     </m:oMath>
                   </m:oMathPara>
@@ -21988,7 +22390,7 @@
             </p:txBody>
           </p:sp>
         </mc:Choice>
-        <mc:Fallback xmlns="">
+        <mc:Fallback>
           <p:sp>
             <p:nvSpPr>
               <p:cNvPr id="18" name="CaixaDeTexto 17">
@@ -22005,8 +22407,8 @@
             </p:nvSpPr>
             <p:spPr>
               <a:xfrm>
-                <a:off x="1603184" y="5672102"/>
-                <a:ext cx="2783461" cy="584775"/>
+                <a:off x="945221" y="5604775"/>
+                <a:ext cx="4099389" cy="584775"/>
               </a:xfrm>
               <a:prstGeom prst="rect">
                 <a:avLst/>
@@ -22153,8 +22555,8 @@
         </p:nvSpPr>
         <p:spPr>
           <a:xfrm>
-            <a:off x="5989833" y="1825624"/>
-            <a:ext cx="5979559" cy="5032375"/>
+            <a:off x="5900529" y="1825624"/>
+            <a:ext cx="6068863" cy="5032375"/>
           </a:xfrm>
         </p:spPr>
         <p:txBody>
@@ -22184,10 +22586,10 @@
       </p:sp>
       <p:grpSp>
         <p:nvGrpSpPr>
-          <p:cNvPr id="17" name="Agrupar 16">
+          <p:cNvPr id="25" name="Agrupar 24">
             <a:extLst>
               <a:ext uri="{FF2B5EF4-FFF2-40B4-BE49-F238E27FC236}">
-                <a16:creationId xmlns:a16="http://schemas.microsoft.com/office/drawing/2014/main" id="{89212B23-55CD-CCDA-9C3B-BA14483628E4}"/>
+                <a16:creationId xmlns:a16="http://schemas.microsoft.com/office/drawing/2014/main" id="{89464E1D-FEE2-AAC0-80C0-379EEC02375F}"/>
               </a:ext>
             </a:extLst>
           </p:cNvPr>
@@ -22196,18 +22598,18 @@
         </p:nvGrpSpPr>
         <p:grpSpPr>
           <a:xfrm>
-            <a:off x="400408" y="1644801"/>
+            <a:off x="400408" y="1579485"/>
             <a:ext cx="4902989" cy="3568398"/>
-            <a:chOff x="336908" y="2375202"/>
+            <a:chOff x="400408" y="1644801"/>
             <a:chExt cx="4902989" cy="3568398"/>
           </a:xfrm>
         </p:grpSpPr>
         <p:grpSp>
           <p:nvGrpSpPr>
-            <p:cNvPr id="4" name="Agrupar 3">
+            <p:cNvPr id="17" name="Agrupar 16">
               <a:extLst>
                 <a:ext uri="{FF2B5EF4-FFF2-40B4-BE49-F238E27FC236}">
-                  <a16:creationId xmlns:a16="http://schemas.microsoft.com/office/drawing/2014/main" id="{8FF7C909-12C2-1F28-3CD1-F415FDEBCF05}"/>
+                  <a16:creationId xmlns:a16="http://schemas.microsoft.com/office/drawing/2014/main" id="{89212B23-55CD-CCDA-9C3B-BA14483628E4}"/>
                 </a:ext>
               </a:extLst>
             </p:cNvPr>
@@ -22216,590 +22618,611 @@
           </p:nvGrpSpPr>
           <p:grpSpPr>
             <a:xfrm>
-              <a:off x="336908" y="2375202"/>
-              <a:ext cx="4654432" cy="3568398"/>
-              <a:chOff x="324492" y="2280864"/>
-              <a:chExt cx="4654432" cy="3568398"/>
+              <a:off x="400408" y="1644801"/>
+              <a:ext cx="4902989" cy="3568398"/>
+              <a:chOff x="336908" y="2375202"/>
+              <a:chExt cx="4902989" cy="3568398"/>
             </a:xfrm>
           </p:grpSpPr>
-          <p:pic>
-            <p:nvPicPr>
-              <p:cNvPr id="5" name="Picture 2">
+          <p:grpSp>
+            <p:nvGrpSpPr>
+              <p:cNvPr id="4" name="Agrupar 3">
                 <a:extLst>
                   <a:ext uri="{FF2B5EF4-FFF2-40B4-BE49-F238E27FC236}">
-                    <a16:creationId xmlns:a16="http://schemas.microsoft.com/office/drawing/2014/main" id="{1D1D236C-D17A-910F-590E-14660AC344E8}"/>
+                    <a16:creationId xmlns:a16="http://schemas.microsoft.com/office/drawing/2014/main" id="{8FF7C909-12C2-1F28-3CD1-F415FDEBCF05}"/>
                   </a:ext>
                 </a:extLst>
               </p:cNvPr>
-              <p:cNvPicPr>
-                <a:picLocks noChangeAspect="1" noChangeArrowheads="1"/>
-              </p:cNvPicPr>
+              <p:cNvGrpSpPr/>
               <p:nvPr/>
-            </p:nvPicPr>
-            <p:blipFill>
-              <a:blip r:embed="rId2">
+            </p:nvGrpSpPr>
+            <p:grpSpPr>
+              <a:xfrm>
+                <a:off x="336908" y="2375202"/>
+                <a:ext cx="4654432" cy="3568398"/>
+                <a:chOff x="324492" y="2280864"/>
+                <a:chExt cx="4654432" cy="3568398"/>
+              </a:xfrm>
+            </p:grpSpPr>
+            <p:pic>
+              <p:nvPicPr>
+                <p:cNvPr id="5" name="Picture 2">
+                  <a:extLst>
+                    <a:ext uri="{FF2B5EF4-FFF2-40B4-BE49-F238E27FC236}">
+                      <a16:creationId xmlns:a16="http://schemas.microsoft.com/office/drawing/2014/main" id="{1D1D236C-D17A-910F-590E-14660AC344E8}"/>
+                    </a:ext>
+                  </a:extLst>
+                </p:cNvPr>
+                <p:cNvPicPr>
+                  <a:picLocks noChangeAspect="1" noChangeArrowheads="1"/>
+                </p:cNvPicPr>
+                <p:nvPr/>
+              </p:nvPicPr>
+              <p:blipFill>
+                <a:blip r:embed="rId2">
+                  <a:extLst>
+                    <a:ext uri="{28A0092B-C50C-407E-A947-70E740481C1C}">
+                      <a14:useLocalDpi xmlns:a14="http://schemas.microsoft.com/office/drawing/2010/main" val="0"/>
+                    </a:ext>
+                  </a:extLst>
+                </a:blip>
+                <a:srcRect/>
+                <a:stretch>
+                  <a:fillRect/>
+                </a:stretch>
+              </p:blipFill>
+              <p:spPr bwMode="auto">
+                <a:xfrm>
+                  <a:off x="324492" y="2280864"/>
+                  <a:ext cx="4654432" cy="3568398"/>
+                </a:xfrm>
+                <a:prstGeom prst="rect">
+                  <a:avLst/>
+                </a:prstGeom>
+                <a:noFill/>
                 <a:extLst>
-                  <a:ext uri="{28A0092B-C50C-407E-A947-70E740481C1C}">
-                    <a14:useLocalDpi xmlns:a14="http://schemas.microsoft.com/office/drawing/2010/main" val="0"/>
+                  <a:ext uri="{909E8E84-426E-40DD-AFC4-6F175D3DCCD1}">
+                    <a14:hiddenFill xmlns:a14="http://schemas.microsoft.com/office/drawing/2010/main">
+                      <a:solidFill>
+                        <a:srgbClr val="FFFFFF"/>
+                      </a:solidFill>
+                    </a14:hiddenFill>
                   </a:ext>
                 </a:extLst>
-              </a:blip>
-              <a:srcRect/>
-              <a:stretch>
-                <a:fillRect/>
-              </a:stretch>
-            </p:blipFill>
-            <p:spPr bwMode="auto">
+              </p:spPr>
+            </p:pic>
+            <p:cxnSp>
+              <p:nvCxnSpPr>
+                <p:cNvPr id="6" name="Conector reto 5">
+                  <a:extLst>
+                    <a:ext uri="{FF2B5EF4-FFF2-40B4-BE49-F238E27FC236}">
+                      <a16:creationId xmlns:a16="http://schemas.microsoft.com/office/drawing/2014/main" id="{17F923C8-0338-E3A0-307C-4C48FF5D48E6}"/>
+                    </a:ext>
+                  </a:extLst>
+                </p:cNvPr>
+                <p:cNvCxnSpPr>
+                  <a:cxnSpLocks/>
+                </p:cNvCxnSpPr>
+                <p:nvPr/>
+              </p:nvCxnSpPr>
+              <p:spPr>
+                <a:xfrm>
+                  <a:off x="4719638" y="2488406"/>
+                  <a:ext cx="0" cy="757238"/>
+                </a:xfrm>
+                <a:prstGeom prst="line">
+                  <a:avLst/>
+                </a:prstGeom>
+                <a:ln w="19050">
+                  <a:solidFill>
+                    <a:srgbClr val="FF0000"/>
+                  </a:solidFill>
+                </a:ln>
+              </p:spPr>
+              <p:style>
+                <a:lnRef idx="1">
+                  <a:schemeClr val="accent1"/>
+                </a:lnRef>
+                <a:fillRef idx="0">
+                  <a:schemeClr val="accent1"/>
+                </a:fillRef>
+                <a:effectRef idx="0">
+                  <a:schemeClr val="accent1"/>
+                </a:effectRef>
+                <a:fontRef idx="minor">
+                  <a:schemeClr val="tx1"/>
+                </a:fontRef>
+              </p:style>
+            </p:cxnSp>
+            <p:cxnSp>
+              <p:nvCxnSpPr>
+                <p:cNvPr id="7" name="Conector reto 6">
+                  <a:extLst>
+                    <a:ext uri="{FF2B5EF4-FFF2-40B4-BE49-F238E27FC236}">
+                      <a16:creationId xmlns:a16="http://schemas.microsoft.com/office/drawing/2014/main" id="{108E4EB3-0A18-7674-4972-08EE9EB6C50A}"/>
+                    </a:ext>
+                  </a:extLst>
+                </p:cNvPr>
+                <p:cNvCxnSpPr>
+                  <a:cxnSpLocks/>
+                </p:cNvCxnSpPr>
+                <p:nvPr/>
+              </p:nvCxnSpPr>
+              <p:spPr>
+                <a:xfrm>
+                  <a:off x="3988118" y="3038475"/>
+                  <a:ext cx="0" cy="559594"/>
+                </a:xfrm>
+                <a:prstGeom prst="line">
+                  <a:avLst/>
+                </a:prstGeom>
+                <a:ln w="19050">
+                  <a:solidFill>
+                    <a:srgbClr val="FF0000"/>
+                  </a:solidFill>
+                </a:ln>
+              </p:spPr>
+              <p:style>
+                <a:lnRef idx="1">
+                  <a:schemeClr val="accent1"/>
+                </a:lnRef>
+                <a:fillRef idx="0">
+                  <a:schemeClr val="accent1"/>
+                </a:fillRef>
+                <a:effectRef idx="0">
+                  <a:schemeClr val="accent1"/>
+                </a:effectRef>
+                <a:fontRef idx="minor">
+                  <a:schemeClr val="tx1"/>
+                </a:fontRef>
+              </p:style>
+            </p:cxnSp>
+            <p:cxnSp>
+              <p:nvCxnSpPr>
+                <p:cNvPr id="8" name="Conector reto 7">
+                  <a:extLst>
+                    <a:ext uri="{FF2B5EF4-FFF2-40B4-BE49-F238E27FC236}">
+                      <a16:creationId xmlns:a16="http://schemas.microsoft.com/office/drawing/2014/main" id="{2DD01A53-07A0-0690-1495-693F9ECD4A00}"/>
+                    </a:ext>
+                  </a:extLst>
+                </p:cNvPr>
+                <p:cNvCxnSpPr>
+                  <a:cxnSpLocks/>
+                </p:cNvCxnSpPr>
+                <p:nvPr/>
+              </p:nvCxnSpPr>
+              <p:spPr>
+                <a:xfrm>
+                  <a:off x="3249931" y="3579019"/>
+                  <a:ext cx="0" cy="383382"/>
+                </a:xfrm>
+                <a:prstGeom prst="line">
+                  <a:avLst/>
+                </a:prstGeom>
+                <a:ln w="19050">
+                  <a:solidFill>
+                    <a:srgbClr val="FF0000"/>
+                  </a:solidFill>
+                </a:ln>
+              </p:spPr>
+              <p:style>
+                <a:lnRef idx="1">
+                  <a:schemeClr val="accent1"/>
+                </a:lnRef>
+                <a:fillRef idx="0">
+                  <a:schemeClr val="accent1"/>
+                </a:fillRef>
+                <a:effectRef idx="0">
+                  <a:schemeClr val="accent1"/>
+                </a:effectRef>
+                <a:fontRef idx="minor">
+                  <a:schemeClr val="tx1"/>
+                </a:fontRef>
+              </p:style>
+            </p:cxnSp>
+            <p:cxnSp>
+              <p:nvCxnSpPr>
+                <p:cNvPr id="9" name="Conector reto 8">
+                  <a:extLst>
+                    <a:ext uri="{FF2B5EF4-FFF2-40B4-BE49-F238E27FC236}">
+                      <a16:creationId xmlns:a16="http://schemas.microsoft.com/office/drawing/2014/main" id="{CB18CCA6-494D-B0A3-4D7E-74DA8CC3B8A0}"/>
+                    </a:ext>
+                  </a:extLst>
+                </p:cNvPr>
+                <p:cNvCxnSpPr>
+                  <a:cxnSpLocks/>
+                </p:cNvCxnSpPr>
+                <p:nvPr/>
+              </p:nvCxnSpPr>
+              <p:spPr>
+                <a:xfrm>
+                  <a:off x="2516506" y="4143375"/>
+                  <a:ext cx="0" cy="195263"/>
+                </a:xfrm>
+                <a:prstGeom prst="line">
+                  <a:avLst/>
+                </a:prstGeom>
+                <a:ln w="19050">
+                  <a:solidFill>
+                    <a:srgbClr val="FF0000"/>
+                  </a:solidFill>
+                </a:ln>
+              </p:spPr>
+              <p:style>
+                <a:lnRef idx="1">
+                  <a:schemeClr val="accent1"/>
+                </a:lnRef>
+                <a:fillRef idx="0">
+                  <a:schemeClr val="accent1"/>
+                </a:fillRef>
+                <a:effectRef idx="0">
+                  <a:schemeClr val="accent1"/>
+                </a:effectRef>
+                <a:fontRef idx="minor">
+                  <a:schemeClr val="tx1"/>
+                </a:fontRef>
+              </p:style>
+            </p:cxnSp>
+            <p:cxnSp>
+              <p:nvCxnSpPr>
+                <p:cNvPr id="10" name="Conector reto 9">
+                  <a:extLst>
+                    <a:ext uri="{FF2B5EF4-FFF2-40B4-BE49-F238E27FC236}">
+                      <a16:creationId xmlns:a16="http://schemas.microsoft.com/office/drawing/2014/main" id="{A2C62E84-F226-525B-CA91-F7ED46F858A3}"/>
+                    </a:ext>
+                  </a:extLst>
+                </p:cNvPr>
+                <p:cNvCxnSpPr>
+                  <a:cxnSpLocks/>
+                </p:cNvCxnSpPr>
+                <p:nvPr/>
+              </p:nvCxnSpPr>
+              <p:spPr>
+                <a:xfrm>
+                  <a:off x="1037750" y="5050635"/>
+                  <a:ext cx="0" cy="195263"/>
+                </a:xfrm>
+                <a:prstGeom prst="line">
+                  <a:avLst/>
+                </a:prstGeom>
+                <a:ln w="19050">
+                  <a:solidFill>
+                    <a:srgbClr val="FF0000"/>
+                  </a:solidFill>
+                </a:ln>
+              </p:spPr>
+              <p:style>
+                <a:lnRef idx="1">
+                  <a:schemeClr val="accent1"/>
+                </a:lnRef>
+                <a:fillRef idx="0">
+                  <a:schemeClr val="accent1"/>
+                </a:fillRef>
+                <a:effectRef idx="0">
+                  <a:schemeClr val="accent1"/>
+                </a:effectRef>
+                <a:fontRef idx="minor">
+                  <a:schemeClr val="tx1"/>
+                </a:fontRef>
+              </p:style>
+            </p:cxnSp>
+          </p:grpSp>
+          <p:sp>
+            <p:nvSpPr>
+              <p:cNvPr id="11" name="CaixaDeTexto 10">
+                <a:extLst>
+                  <a:ext uri="{FF2B5EF4-FFF2-40B4-BE49-F238E27FC236}">
+                    <a16:creationId xmlns:a16="http://schemas.microsoft.com/office/drawing/2014/main" id="{319F74EA-B98D-DDFF-AB65-A7E1DCDF4697}"/>
+                  </a:ext>
+                </a:extLst>
+              </p:cNvPr>
+              <p:cNvSpPr txBox="1"/>
+              <p:nvPr/>
+            </p:nvSpPr>
+            <p:spPr>
               <a:xfrm>
-                <a:off x="324492" y="2280864"/>
-                <a:ext cx="4654432" cy="3568398"/>
+                <a:off x="1050166" y="5012580"/>
+                <a:ext cx="531524" cy="369332"/>
               </a:xfrm>
               <a:prstGeom prst="rect">
                 <a:avLst/>
               </a:prstGeom>
               <a:noFill/>
-              <a:extLst>
-                <a:ext uri="{909E8E84-426E-40DD-AFC4-6F175D3DCCD1}">
-                  <a14:hiddenFill xmlns:a14="http://schemas.microsoft.com/office/drawing/2010/main">
-                    <a:solidFill>
-                      <a:srgbClr val="FFFFFF"/>
-                    </a:solidFill>
-                  </a14:hiddenFill>
-                </a:ext>
-              </a:extLst>
             </p:spPr>
-          </p:pic>
-          <p:cxnSp>
-            <p:nvCxnSpPr>
-              <p:cNvPr id="6" name="Conector reto 5">
+            <p:txBody>
+              <a:bodyPr wrap="square" rtlCol="0">
+                <a:spAutoFit/>
+              </a:bodyPr>
+              <a:lstStyle/>
+              <a:p>
+                <a:r>
+                  <a:rPr lang="pt-BR" dirty="0"/>
+                  <a:t>-1</a:t>
+                </a:r>
+              </a:p>
+            </p:txBody>
+          </p:sp>
+          <p:sp>
+            <p:nvSpPr>
+              <p:cNvPr id="12" name="CaixaDeTexto 11">
                 <a:extLst>
                   <a:ext uri="{FF2B5EF4-FFF2-40B4-BE49-F238E27FC236}">
-                    <a16:creationId xmlns:a16="http://schemas.microsoft.com/office/drawing/2014/main" id="{17F923C8-0338-E3A0-307C-4C48FF5D48E6}"/>
+                    <a16:creationId xmlns:a16="http://schemas.microsoft.com/office/drawing/2014/main" id="{88FD813C-F31B-C73D-966D-8C7F0F909160}"/>
                   </a:ext>
                 </a:extLst>
               </p:cNvPr>
-              <p:cNvCxnSpPr>
-                <a:cxnSpLocks/>
-              </p:cNvCxnSpPr>
+              <p:cNvSpPr txBox="1"/>
               <p:nvPr/>
-            </p:nvCxnSpPr>
+            </p:nvSpPr>
             <p:spPr>
               <a:xfrm>
-                <a:off x="4719638" y="2488406"/>
-                <a:ext cx="0" cy="757238"/>
+                <a:off x="1794198" y="4598076"/>
+                <a:ext cx="531524" cy="369332"/>
               </a:xfrm>
-              <a:prstGeom prst="line">
+              <a:prstGeom prst="rect">
                 <a:avLst/>
               </a:prstGeom>
-              <a:ln w="19050">
-                <a:solidFill>
-                  <a:srgbClr val="FF0000"/>
-                </a:solidFill>
-              </a:ln>
+              <a:noFill/>
             </p:spPr>
-            <p:style>
-              <a:lnRef idx="1">
-                <a:schemeClr val="accent1"/>
-              </a:lnRef>
-              <a:fillRef idx="0">
-                <a:schemeClr val="accent1"/>
-              </a:fillRef>
-              <a:effectRef idx="0">
-                <a:schemeClr val="accent1"/>
-              </a:effectRef>
-              <a:fontRef idx="minor">
-                <a:schemeClr val="tx1"/>
-              </a:fontRef>
-            </p:style>
-          </p:cxnSp>
-          <p:cxnSp>
-            <p:nvCxnSpPr>
-              <p:cNvPr id="7" name="Conector reto 6">
+            <p:txBody>
+              <a:bodyPr wrap="square" rtlCol="0">
+                <a:spAutoFit/>
+              </a:bodyPr>
+              <a:lstStyle/>
+              <a:p>
+                <a:r>
+                  <a:rPr lang="pt-BR" dirty="0"/>
+                  <a:t>0</a:t>
+                </a:r>
+              </a:p>
+            </p:txBody>
+          </p:sp>
+          <p:sp>
+            <p:nvSpPr>
+              <p:cNvPr id="13" name="CaixaDeTexto 12">
                 <a:extLst>
                   <a:ext uri="{FF2B5EF4-FFF2-40B4-BE49-F238E27FC236}">
-                    <a16:creationId xmlns:a16="http://schemas.microsoft.com/office/drawing/2014/main" id="{108E4EB3-0A18-7674-4972-08EE9EB6C50A}"/>
+                    <a16:creationId xmlns:a16="http://schemas.microsoft.com/office/drawing/2014/main" id="{C852C7D1-AB69-D606-FC4E-0B5C2BACB107}"/>
                   </a:ext>
                 </a:extLst>
               </p:cNvPr>
-              <p:cNvCxnSpPr>
-                <a:cxnSpLocks/>
-              </p:cNvCxnSpPr>
+              <p:cNvSpPr txBox="1"/>
               <p:nvPr/>
-            </p:nvCxnSpPr>
+            </p:nvSpPr>
             <p:spPr>
               <a:xfrm>
-                <a:off x="3988118" y="3038475"/>
-                <a:ext cx="0" cy="559594"/>
+                <a:off x="2551446" y="4154017"/>
+                <a:ext cx="531524" cy="369332"/>
               </a:xfrm>
-              <a:prstGeom prst="line">
+              <a:prstGeom prst="rect">
                 <a:avLst/>
               </a:prstGeom>
-              <a:ln w="19050">
-                <a:solidFill>
-                  <a:srgbClr val="FF0000"/>
-                </a:solidFill>
-              </a:ln>
+              <a:noFill/>
             </p:spPr>
-            <p:style>
-              <a:lnRef idx="1">
-                <a:schemeClr val="accent1"/>
-              </a:lnRef>
-              <a:fillRef idx="0">
-                <a:schemeClr val="accent1"/>
-              </a:fillRef>
-              <a:effectRef idx="0">
-                <a:schemeClr val="accent1"/>
-              </a:effectRef>
-              <a:fontRef idx="minor">
-                <a:schemeClr val="tx1"/>
-              </a:fontRef>
-            </p:style>
-          </p:cxnSp>
-          <p:cxnSp>
-            <p:nvCxnSpPr>
-              <p:cNvPr id="8" name="Conector reto 7">
+            <p:txBody>
+              <a:bodyPr wrap="square" rtlCol="0">
+                <a:spAutoFit/>
+              </a:bodyPr>
+              <a:lstStyle/>
+              <a:p>
+                <a:r>
+                  <a:rPr lang="pt-BR" dirty="0"/>
+                  <a:t>1</a:t>
+                </a:r>
+              </a:p>
+            </p:txBody>
+          </p:sp>
+          <p:sp>
+            <p:nvSpPr>
+              <p:cNvPr id="14" name="CaixaDeTexto 13">
                 <a:extLst>
                   <a:ext uri="{FF2B5EF4-FFF2-40B4-BE49-F238E27FC236}">
-                    <a16:creationId xmlns:a16="http://schemas.microsoft.com/office/drawing/2014/main" id="{2DD01A53-07A0-0690-1495-693F9ECD4A00}"/>
+                    <a16:creationId xmlns:a16="http://schemas.microsoft.com/office/drawing/2014/main" id="{9E922D3C-5A4A-3D21-6197-DBAF14CDD453}"/>
                   </a:ext>
                 </a:extLst>
               </p:cNvPr>
-              <p:cNvCxnSpPr>
-                <a:cxnSpLocks/>
-              </p:cNvCxnSpPr>
+              <p:cNvSpPr txBox="1"/>
               <p:nvPr/>
-            </p:nvCxnSpPr>
+            </p:nvSpPr>
             <p:spPr>
               <a:xfrm>
-                <a:off x="3249931" y="3579019"/>
-                <a:ext cx="0" cy="383382"/>
+                <a:off x="3270315" y="3686733"/>
+                <a:ext cx="531524" cy="369332"/>
               </a:xfrm>
-              <a:prstGeom prst="line">
+              <a:prstGeom prst="rect">
                 <a:avLst/>
               </a:prstGeom>
-              <a:ln w="19050">
-                <a:solidFill>
-                  <a:srgbClr val="FF0000"/>
-                </a:solidFill>
-              </a:ln>
+              <a:noFill/>
             </p:spPr>
-            <p:style>
-              <a:lnRef idx="1">
-                <a:schemeClr val="accent1"/>
-              </a:lnRef>
-              <a:fillRef idx="0">
-                <a:schemeClr val="accent1"/>
-              </a:fillRef>
-              <a:effectRef idx="0">
-                <a:schemeClr val="accent1"/>
-              </a:effectRef>
-              <a:fontRef idx="minor">
-                <a:schemeClr val="tx1"/>
-              </a:fontRef>
-            </p:style>
-          </p:cxnSp>
-          <p:cxnSp>
-            <p:nvCxnSpPr>
-              <p:cNvPr id="9" name="Conector reto 8">
+            <p:txBody>
+              <a:bodyPr wrap="square" rtlCol="0">
+                <a:spAutoFit/>
+              </a:bodyPr>
+              <a:lstStyle/>
+              <a:p>
+                <a:r>
+                  <a:rPr lang="pt-BR" dirty="0"/>
+                  <a:t>2</a:t>
+                </a:r>
+              </a:p>
+            </p:txBody>
+          </p:sp>
+          <p:sp>
+            <p:nvSpPr>
+              <p:cNvPr id="15" name="CaixaDeTexto 14">
                 <a:extLst>
                   <a:ext uri="{FF2B5EF4-FFF2-40B4-BE49-F238E27FC236}">
-                    <a16:creationId xmlns:a16="http://schemas.microsoft.com/office/drawing/2014/main" id="{CB18CCA6-494D-B0A3-4D7E-74DA8CC3B8A0}"/>
+                    <a16:creationId xmlns:a16="http://schemas.microsoft.com/office/drawing/2014/main" id="{0086DBF0-CF72-E0B1-1CAA-C89D91AF58FC}"/>
                   </a:ext>
                 </a:extLst>
               </p:cNvPr>
-              <p:cNvCxnSpPr>
-                <a:cxnSpLocks/>
-              </p:cNvCxnSpPr>
+              <p:cNvSpPr txBox="1"/>
               <p:nvPr/>
-            </p:nvCxnSpPr>
+            </p:nvSpPr>
             <p:spPr>
               <a:xfrm>
-                <a:off x="2516506" y="4143375"/>
-                <a:ext cx="0" cy="195263"/>
+                <a:off x="4010104" y="3215801"/>
+                <a:ext cx="531524" cy="369332"/>
               </a:xfrm>
-              <a:prstGeom prst="line">
+              <a:prstGeom prst="rect">
                 <a:avLst/>
               </a:prstGeom>
-              <a:ln w="19050">
-                <a:solidFill>
-                  <a:srgbClr val="FF0000"/>
-                </a:solidFill>
-              </a:ln>
+              <a:noFill/>
             </p:spPr>
-            <p:style>
-              <a:lnRef idx="1">
-                <a:schemeClr val="accent1"/>
-              </a:lnRef>
-              <a:fillRef idx="0">
-                <a:schemeClr val="accent1"/>
-              </a:fillRef>
-              <a:effectRef idx="0">
-                <a:schemeClr val="accent1"/>
-              </a:effectRef>
-              <a:fontRef idx="minor">
-                <a:schemeClr val="tx1"/>
-              </a:fontRef>
-            </p:style>
-          </p:cxnSp>
-          <p:cxnSp>
-            <p:nvCxnSpPr>
-              <p:cNvPr id="10" name="Conector reto 9">
+            <p:txBody>
+              <a:bodyPr wrap="square" rtlCol="0">
+                <a:spAutoFit/>
+              </a:bodyPr>
+              <a:lstStyle/>
+              <a:p>
+                <a:r>
+                  <a:rPr lang="pt-BR" dirty="0"/>
+                  <a:t>3</a:t>
+                </a:r>
+              </a:p>
+            </p:txBody>
+          </p:sp>
+          <p:sp>
+            <p:nvSpPr>
+              <p:cNvPr id="16" name="CaixaDeTexto 15">
                 <a:extLst>
                   <a:ext uri="{FF2B5EF4-FFF2-40B4-BE49-F238E27FC236}">
-                    <a16:creationId xmlns:a16="http://schemas.microsoft.com/office/drawing/2014/main" id="{A2C62E84-F226-525B-CA91-F7ED46F858A3}"/>
+                    <a16:creationId xmlns:a16="http://schemas.microsoft.com/office/drawing/2014/main" id="{BFC5DBDA-2B32-374E-2937-C6D4CC105E04}"/>
                   </a:ext>
                 </a:extLst>
               </p:cNvPr>
-              <p:cNvCxnSpPr>
-                <a:cxnSpLocks/>
-              </p:cNvCxnSpPr>
+              <p:cNvSpPr txBox="1"/>
               <p:nvPr/>
-            </p:nvCxnSpPr>
+            </p:nvSpPr>
             <p:spPr>
               <a:xfrm>
-                <a:off x="1037750" y="5050635"/>
-                <a:ext cx="0" cy="195263"/>
+                <a:off x="4708373" y="2763481"/>
+                <a:ext cx="531524" cy="369332"/>
               </a:xfrm>
-              <a:prstGeom prst="line">
+              <a:prstGeom prst="rect">
                 <a:avLst/>
               </a:prstGeom>
-              <a:ln w="19050">
-                <a:solidFill>
-                  <a:srgbClr val="FF0000"/>
-                </a:solidFill>
-              </a:ln>
+              <a:noFill/>
             </p:spPr>
-            <p:style>
-              <a:lnRef idx="1">
-                <a:schemeClr val="accent1"/>
-              </a:lnRef>
-              <a:fillRef idx="0">
-                <a:schemeClr val="accent1"/>
-              </a:fillRef>
-              <a:effectRef idx="0">
-                <a:schemeClr val="accent1"/>
-              </a:effectRef>
-              <a:fontRef idx="minor">
-                <a:schemeClr val="tx1"/>
-              </a:fontRef>
-            </p:style>
-          </p:cxnSp>
+            <p:txBody>
+              <a:bodyPr wrap="square" rtlCol="0">
+                <a:spAutoFit/>
+              </a:bodyPr>
+              <a:lstStyle/>
+              <a:p>
+                <a:r>
+                  <a:rPr lang="pt-BR" dirty="0"/>
+                  <a:t>4</a:t>
+                </a:r>
+              </a:p>
+            </p:txBody>
+          </p:sp>
         </p:grpSp>
         <p:sp>
           <p:nvSpPr>
-            <p:cNvPr id="11" name="CaixaDeTexto 10">
+            <p:cNvPr id="21" name="Elipse 20">
               <a:extLst>
                 <a:ext uri="{FF2B5EF4-FFF2-40B4-BE49-F238E27FC236}">
-                  <a16:creationId xmlns:a16="http://schemas.microsoft.com/office/drawing/2014/main" id="{319F74EA-B98D-DDFF-AB65-A7E1DCDF4697}"/>
+                  <a16:creationId xmlns:a16="http://schemas.microsoft.com/office/drawing/2014/main" id="{E872EBD6-3B01-CA1B-1131-CA2567F9A9ED}"/>
                 </a:ext>
               </a:extLst>
             </p:cNvPr>
-            <p:cNvSpPr txBox="1"/>
+            <p:cNvSpPr/>
             <p:nvPr/>
           </p:nvSpPr>
           <p:spPr>
             <a:xfrm>
-              <a:off x="1050166" y="5012580"/>
-              <a:ext cx="531524" cy="369332"/>
+              <a:off x="954125" y="4237007"/>
+              <a:ext cx="531524" cy="461665"/>
             </a:xfrm>
-            <a:prstGeom prst="rect">
+            <a:prstGeom prst="ellipse">
               <a:avLst/>
             </a:prstGeom>
             <a:noFill/>
+            <a:ln w="19050">
+              <a:solidFill>
+                <a:srgbClr val="FF0000"/>
+              </a:solidFill>
+            </a:ln>
           </p:spPr>
+          <p:style>
+            <a:lnRef idx="2">
+              <a:schemeClr val="accent1">
+                <a:shade val="15000"/>
+              </a:schemeClr>
+            </a:lnRef>
+            <a:fillRef idx="1">
+              <a:schemeClr val="accent1"/>
+            </a:fillRef>
+            <a:effectRef idx="0">
+              <a:schemeClr val="accent1"/>
+            </a:effectRef>
+            <a:fontRef idx="minor">
+              <a:schemeClr val="lt1"/>
+            </a:fontRef>
+          </p:style>
           <p:txBody>
-            <a:bodyPr wrap="square" rtlCol="0">
-              <a:spAutoFit/>
-            </a:bodyPr>
+            <a:bodyPr rtlCol="0" anchor="ctr"/>
             <a:lstStyle/>
             <a:p>
-              <a:r>
-                <a:rPr lang="pt-BR" dirty="0"/>
-                <a:t>-1</a:t>
-              </a:r>
+              <a:pPr algn="ctr"/>
+              <a:endParaRPr lang="pt-BR"/>
             </a:p>
           </p:txBody>
         </p:sp>
         <p:sp>
           <p:nvSpPr>
-            <p:cNvPr id="12" name="CaixaDeTexto 11">
+            <p:cNvPr id="22" name="Elipse 21">
               <a:extLst>
                 <a:ext uri="{FF2B5EF4-FFF2-40B4-BE49-F238E27FC236}">
-                  <a16:creationId xmlns:a16="http://schemas.microsoft.com/office/drawing/2014/main" id="{88FD813C-F31B-C73D-966D-8C7F0F909160}"/>
+                  <a16:creationId xmlns:a16="http://schemas.microsoft.com/office/drawing/2014/main" id="{7C6891EA-E337-0F90-D14F-45641BBAEBBD}"/>
                 </a:ext>
               </a:extLst>
             </p:cNvPr>
-            <p:cNvSpPr txBox="1"/>
+            <p:cNvSpPr/>
             <p:nvPr/>
           </p:nvSpPr>
           <p:spPr>
             <a:xfrm>
-              <a:off x="1794198" y="4598076"/>
-              <a:ext cx="531524" cy="369332"/>
+              <a:off x="2361031" y="3398132"/>
+              <a:ext cx="531524" cy="461665"/>
             </a:xfrm>
-            <a:prstGeom prst="rect">
+            <a:prstGeom prst="ellipse">
               <a:avLst/>
             </a:prstGeom>
             <a:noFill/>
+            <a:ln w="19050">
+              <a:solidFill>
+                <a:srgbClr val="FF0000"/>
+              </a:solidFill>
+            </a:ln>
           </p:spPr>
+          <p:style>
+            <a:lnRef idx="2">
+              <a:schemeClr val="accent1">
+                <a:shade val="15000"/>
+              </a:schemeClr>
+            </a:lnRef>
+            <a:fillRef idx="1">
+              <a:schemeClr val="accent1"/>
+            </a:fillRef>
+            <a:effectRef idx="0">
+              <a:schemeClr val="accent1"/>
+            </a:effectRef>
+            <a:fontRef idx="minor">
+              <a:schemeClr val="lt1"/>
+            </a:fontRef>
+          </p:style>
           <p:txBody>
-            <a:bodyPr wrap="square" rtlCol="0">
-              <a:spAutoFit/>
-            </a:bodyPr>
+            <a:bodyPr rtlCol="0" anchor="ctr"/>
             <a:lstStyle/>
             <a:p>
-              <a:r>
-                <a:rPr lang="pt-BR" dirty="0"/>
-                <a:t>0</a:t>
-              </a:r>
-            </a:p>
-          </p:txBody>
-        </p:sp>
-        <p:sp>
-          <p:nvSpPr>
-            <p:cNvPr id="13" name="CaixaDeTexto 12">
-              <a:extLst>
-                <a:ext uri="{FF2B5EF4-FFF2-40B4-BE49-F238E27FC236}">
-                  <a16:creationId xmlns:a16="http://schemas.microsoft.com/office/drawing/2014/main" id="{C852C7D1-AB69-D606-FC4E-0B5C2BACB107}"/>
-                </a:ext>
-              </a:extLst>
-            </p:cNvPr>
-            <p:cNvSpPr txBox="1"/>
-            <p:nvPr/>
-          </p:nvSpPr>
-          <p:spPr>
-            <a:xfrm>
-              <a:off x="2551446" y="4154017"/>
-              <a:ext cx="531524" cy="369332"/>
-            </a:xfrm>
-            <a:prstGeom prst="rect">
-              <a:avLst/>
-            </a:prstGeom>
-            <a:noFill/>
-          </p:spPr>
-          <p:txBody>
-            <a:bodyPr wrap="square" rtlCol="0">
-              <a:spAutoFit/>
-            </a:bodyPr>
-            <a:lstStyle/>
-            <a:p>
-              <a:r>
-                <a:rPr lang="pt-BR" dirty="0"/>
-                <a:t>1</a:t>
-              </a:r>
-            </a:p>
-          </p:txBody>
-        </p:sp>
-        <p:sp>
-          <p:nvSpPr>
-            <p:cNvPr id="14" name="CaixaDeTexto 13">
-              <a:extLst>
-                <a:ext uri="{FF2B5EF4-FFF2-40B4-BE49-F238E27FC236}">
-                  <a16:creationId xmlns:a16="http://schemas.microsoft.com/office/drawing/2014/main" id="{9E922D3C-5A4A-3D21-6197-DBAF14CDD453}"/>
-                </a:ext>
-              </a:extLst>
-            </p:cNvPr>
-            <p:cNvSpPr txBox="1"/>
-            <p:nvPr/>
-          </p:nvSpPr>
-          <p:spPr>
-            <a:xfrm>
-              <a:off x="3270315" y="3686733"/>
-              <a:ext cx="531524" cy="369332"/>
-            </a:xfrm>
-            <a:prstGeom prst="rect">
-              <a:avLst/>
-            </a:prstGeom>
-            <a:noFill/>
-          </p:spPr>
-          <p:txBody>
-            <a:bodyPr wrap="square" rtlCol="0">
-              <a:spAutoFit/>
-            </a:bodyPr>
-            <a:lstStyle/>
-            <a:p>
-              <a:r>
-                <a:rPr lang="pt-BR" dirty="0"/>
-                <a:t>2</a:t>
-              </a:r>
-            </a:p>
-          </p:txBody>
-        </p:sp>
-        <p:sp>
-          <p:nvSpPr>
-            <p:cNvPr id="15" name="CaixaDeTexto 14">
-              <a:extLst>
-                <a:ext uri="{FF2B5EF4-FFF2-40B4-BE49-F238E27FC236}">
-                  <a16:creationId xmlns:a16="http://schemas.microsoft.com/office/drawing/2014/main" id="{0086DBF0-CF72-E0B1-1CAA-C89D91AF58FC}"/>
-                </a:ext>
-              </a:extLst>
-            </p:cNvPr>
-            <p:cNvSpPr txBox="1"/>
-            <p:nvPr/>
-          </p:nvSpPr>
-          <p:spPr>
-            <a:xfrm>
-              <a:off x="4010104" y="3215801"/>
-              <a:ext cx="531524" cy="369332"/>
-            </a:xfrm>
-            <a:prstGeom prst="rect">
-              <a:avLst/>
-            </a:prstGeom>
-            <a:noFill/>
-          </p:spPr>
-          <p:txBody>
-            <a:bodyPr wrap="square" rtlCol="0">
-              <a:spAutoFit/>
-            </a:bodyPr>
-            <a:lstStyle/>
-            <a:p>
-              <a:r>
-                <a:rPr lang="pt-BR" dirty="0"/>
-                <a:t>3</a:t>
-              </a:r>
-            </a:p>
-          </p:txBody>
-        </p:sp>
-        <p:sp>
-          <p:nvSpPr>
-            <p:cNvPr id="16" name="CaixaDeTexto 15">
-              <a:extLst>
-                <a:ext uri="{FF2B5EF4-FFF2-40B4-BE49-F238E27FC236}">
-                  <a16:creationId xmlns:a16="http://schemas.microsoft.com/office/drawing/2014/main" id="{BFC5DBDA-2B32-374E-2937-C6D4CC105E04}"/>
-                </a:ext>
-              </a:extLst>
-            </p:cNvPr>
-            <p:cNvSpPr txBox="1"/>
-            <p:nvPr/>
-          </p:nvSpPr>
-          <p:spPr>
-            <a:xfrm>
-              <a:off x="4708373" y="2763481"/>
-              <a:ext cx="531524" cy="369332"/>
-            </a:xfrm>
-            <a:prstGeom prst="rect">
-              <a:avLst/>
-            </a:prstGeom>
-            <a:noFill/>
-          </p:spPr>
-          <p:txBody>
-            <a:bodyPr wrap="square" rtlCol="0">
-              <a:spAutoFit/>
-            </a:bodyPr>
-            <a:lstStyle/>
-            <a:p>
-              <a:r>
-                <a:rPr lang="pt-BR" dirty="0"/>
-                <a:t>4</a:t>
-              </a:r>
+              <a:pPr algn="ctr"/>
+              <a:endParaRPr lang="pt-BR"/>
             </a:p>
           </p:txBody>
         </p:sp>
       </p:grpSp>
-      <p:sp>
-        <p:nvSpPr>
-          <p:cNvPr id="21" name="Elipse 20">
-            <a:extLst>
-              <a:ext uri="{FF2B5EF4-FFF2-40B4-BE49-F238E27FC236}">
-                <a16:creationId xmlns:a16="http://schemas.microsoft.com/office/drawing/2014/main" id="{E872EBD6-3B01-CA1B-1131-CA2567F9A9ED}"/>
-              </a:ext>
-            </a:extLst>
-          </p:cNvPr>
-          <p:cNvSpPr/>
-          <p:nvPr/>
-        </p:nvSpPr>
-        <p:spPr>
-          <a:xfrm>
-            <a:off x="954125" y="4237007"/>
-            <a:ext cx="531524" cy="461665"/>
-          </a:xfrm>
-          <a:prstGeom prst="ellipse">
-            <a:avLst/>
-          </a:prstGeom>
-          <a:noFill/>
-          <a:ln w="19050">
-            <a:solidFill>
-              <a:srgbClr val="FF0000"/>
-            </a:solidFill>
-          </a:ln>
-        </p:spPr>
-        <p:style>
-          <a:lnRef idx="2">
-            <a:schemeClr val="accent1">
-              <a:shade val="15000"/>
-            </a:schemeClr>
-          </a:lnRef>
-          <a:fillRef idx="1">
-            <a:schemeClr val="accent1"/>
-          </a:fillRef>
-          <a:effectRef idx="0">
-            <a:schemeClr val="accent1"/>
-          </a:effectRef>
-          <a:fontRef idx="minor">
-            <a:schemeClr val="lt1"/>
-          </a:fontRef>
-        </p:style>
-        <p:txBody>
-          <a:bodyPr rtlCol="0" anchor="ctr"/>
-          <a:lstStyle/>
-          <a:p>
-            <a:pPr algn="ctr"/>
-            <a:endParaRPr lang="pt-BR"/>
-          </a:p>
-        </p:txBody>
-      </p:sp>
-      <p:sp>
-        <p:nvSpPr>
-          <p:cNvPr id="22" name="Elipse 21">
-            <a:extLst>
-              <a:ext uri="{FF2B5EF4-FFF2-40B4-BE49-F238E27FC236}">
-                <a16:creationId xmlns:a16="http://schemas.microsoft.com/office/drawing/2014/main" id="{7C6891EA-E337-0F90-D14F-45641BBAEBBD}"/>
-              </a:ext>
-            </a:extLst>
-          </p:cNvPr>
-          <p:cNvSpPr/>
-          <p:nvPr/>
-        </p:nvSpPr>
-        <p:spPr>
-          <a:xfrm>
-            <a:off x="2361031" y="3398132"/>
-            <a:ext cx="531524" cy="461665"/>
-          </a:xfrm>
-          <a:prstGeom prst="ellipse">
-            <a:avLst/>
-          </a:prstGeom>
-          <a:noFill/>
-          <a:ln w="19050">
-            <a:solidFill>
-              <a:srgbClr val="FF0000"/>
-            </a:solidFill>
-          </a:ln>
-        </p:spPr>
-        <p:style>
-          <a:lnRef idx="2">
-            <a:schemeClr val="accent1">
-              <a:shade val="15000"/>
-            </a:schemeClr>
-          </a:lnRef>
-          <a:fillRef idx="1">
-            <a:schemeClr val="accent1"/>
-          </a:fillRef>
-          <a:effectRef idx="0">
-            <a:schemeClr val="accent1"/>
-          </a:effectRef>
-          <a:fontRef idx="minor">
-            <a:schemeClr val="lt1"/>
-          </a:fontRef>
-        </p:style>
-        <p:txBody>
-          <a:bodyPr rtlCol="0" anchor="ctr"/>
-          <a:lstStyle/>
-          <a:p>
-            <a:pPr algn="ctr"/>
-            <a:endParaRPr lang="pt-BR"/>
-          </a:p>
-        </p:txBody>
-      </p:sp>
       <p:grpSp>
         <p:nvGrpSpPr>
           <p:cNvPr id="19" name="Agrupar 18">
@@ -23097,8 +23520,8 @@
           </p:txBody>
         </p:sp>
       </p:grpSp>
-      <mc:AlternateContent xmlns:mc="http://schemas.openxmlformats.org/markup-compatibility/2006" xmlns:a14="http://schemas.microsoft.com/office/drawing/2010/main">
-        <mc:Choice Requires="a14">
+      <mc:AlternateContent xmlns:mc="http://schemas.openxmlformats.org/markup-compatibility/2006">
+        <mc:Choice xmlns:a14="http://schemas.microsoft.com/office/drawing/2010/main" Requires="a14">
           <p:sp>
             <p:nvSpPr>
               <p:cNvPr id="24" name="CaixaDeTexto 23">
@@ -23113,8 +23536,8 @@
             </p:nvSpPr>
             <p:spPr>
               <a:xfrm>
-                <a:off x="482885" y="5201072"/>
-                <a:ext cx="5163729" cy="677493"/>
+                <a:off x="482885" y="5048668"/>
+                <a:ext cx="5163729" cy="990207"/>
               </a:xfrm>
               <a:prstGeom prst="rect">
                 <a:avLst/>
@@ -23195,13 +23618,10 @@
                         </m:fPr>
                         <m:num>
                           <m:r>
-                            <m:rPr>
-                              <m:sty m:val="p"/>
-                            </m:rPr>
-                            <a:rPr lang="pt-BR" sz="2000" b="0" i="0" smtClean="0">
+                            <a:rPr lang="pt-BR" sz="2000" b="0" i="1" smtClean="0">
                               <a:latin typeface="Cambria Math" panose="02040503050406030204" pitchFamily="18" charset="0"/>
                             </a:rPr>
-                            <m:t>diff</m:t>
+                            <m:t>1</m:t>
                           </m:r>
                         </m:num>
                         <m:den>
@@ -23213,6 +23633,64 @@
                           </m:r>
                         </m:den>
                       </m:f>
+                      <m:nary>
+                        <m:naryPr>
+                          <m:chr m:val="∑"/>
+                          <m:ctrlPr>
+                            <a:rPr lang="pt-BR" sz="2000" b="0" i="1" smtClean="0">
+                              <a:latin typeface="Cambria Math" panose="02040503050406030204" pitchFamily="18" charset="0"/>
+                            </a:rPr>
+                          </m:ctrlPr>
+                        </m:naryPr>
+                        <m:sub>
+                          <m:r>
+                            <m:rPr>
+                              <m:brk m:alnAt="23"/>
+                            </m:rPr>
+                            <a:rPr lang="pt-BR" sz="2000" b="0" i="1" smtClean="0">
+                              <a:latin typeface="Cambria Math" panose="02040503050406030204" pitchFamily="18" charset="0"/>
+                            </a:rPr>
+                            <m:t>0</m:t>
+                          </m:r>
+                        </m:sub>
+                        <m:sup>
+                          <m:r>
+                            <a:rPr lang="pt-BR" sz="2000" b="0" i="1" smtClean="0">
+                              <a:latin typeface="Cambria Math" panose="02040503050406030204" pitchFamily="18" charset="0"/>
+                            </a:rPr>
+                            <m:t>5</m:t>
+                          </m:r>
+                        </m:sup>
+                        <m:e>
+                          <m:r>
+                            <m:rPr>
+                              <m:sty m:val="p"/>
+                            </m:rPr>
+                            <a:rPr lang="pt-BR" sz="2000">
+                              <a:latin typeface="Cambria Math" panose="02040503050406030204" pitchFamily="18" charset="0"/>
+                            </a:rPr>
+                            <m:t>diff</m:t>
+                          </m:r>
+                        </m:e>
+                      </m:nary>
+                      <m:r>
+                        <a:rPr lang="pt-BR" sz="2000" b="0" i="1" smtClean="0">
+                          <a:latin typeface="Cambria Math" panose="02040503050406030204" pitchFamily="18" charset="0"/>
+                        </a:rPr>
+                        <m:t>[</m:t>
+                      </m:r>
+                      <m:r>
+                        <a:rPr lang="pt-BR" sz="2000" b="0" i="1" smtClean="0">
+                          <a:latin typeface="Cambria Math" panose="02040503050406030204" pitchFamily="18" charset="0"/>
+                        </a:rPr>
+                        <m:t>𝑛</m:t>
+                      </m:r>
+                      <m:r>
+                        <a:rPr lang="pt-BR" sz="2000" b="0" i="1" smtClean="0">
+                          <a:latin typeface="Cambria Math" panose="02040503050406030204" pitchFamily="18" charset="0"/>
+                        </a:rPr>
+                        <m:t>]</m:t>
+                      </m:r>
                     </m:oMath>
                   </m:oMathPara>
                 </a14:m>
@@ -23221,7 +23699,7 @@
             </p:txBody>
           </p:sp>
         </mc:Choice>
-        <mc:Fallback xmlns="">
+        <mc:Fallback>
           <p:sp>
             <p:nvSpPr>
               <p:cNvPr id="24" name="CaixaDeTexto 23">
@@ -23238,8 +23716,8 @@
             </p:nvSpPr>
             <p:spPr>
               <a:xfrm>
-                <a:off x="482885" y="5201072"/>
-                <a:ext cx="5163729" cy="677493"/>
+                <a:off x="482885" y="5048668"/>
+                <a:ext cx="5163729" cy="990207"/>
               </a:xfrm>
               <a:prstGeom prst="rect">
                 <a:avLst/>

--- a/slides/TP557_5_Medindo_a_precisão_de_um_modelo_de_ML.pptx
+++ b/slides/TP557_5_Medindo_a_precisão_de_um_modelo_de_ML.pptx
@@ -6520,8 +6520,8 @@
           </p:txBody>
         </p:sp>
       </p:grpSp>
-      <mc:AlternateContent xmlns:mc="http://schemas.openxmlformats.org/markup-compatibility/2006">
-        <mc:Choice xmlns:a14="http://schemas.microsoft.com/office/drawing/2010/main" Requires="a14">
+      <mc:AlternateContent xmlns:mc="http://schemas.openxmlformats.org/markup-compatibility/2006" xmlns:a14="http://schemas.microsoft.com/office/drawing/2010/main">
+        <mc:Choice Requires="a14">
           <p:sp>
             <p:nvSpPr>
               <p:cNvPr id="26" name="CaixaDeTexto 25">
@@ -6769,7 +6769,7 @@
             </p:txBody>
           </p:sp>
         </mc:Choice>
-        <mc:Fallback>
+        <mc:Fallback xmlns="">
           <p:sp>
             <p:nvSpPr>
               <p:cNvPr id="26" name="CaixaDeTexto 25">
@@ -6872,8 +6872,8 @@
           </a:p>
         </p:txBody>
       </p:sp>
-      <mc:AlternateContent xmlns:mc="http://schemas.openxmlformats.org/markup-compatibility/2006">
-        <mc:Choice xmlns:a14="http://schemas.microsoft.com/office/drawing/2010/main" Requires="a14">
+      <mc:AlternateContent xmlns:mc="http://schemas.openxmlformats.org/markup-compatibility/2006" xmlns:a14="http://schemas.microsoft.com/office/drawing/2010/main">
+        <mc:Choice Requires="a14">
           <p:sp>
             <p:nvSpPr>
               <p:cNvPr id="3" name="Espaço Reservado para Conteúdo 2">
@@ -7007,13 +7007,7 @@
                       <a:rPr lang="pt-BR" b="0" i="1" smtClean="0">
                         <a:latin typeface="Cambria Math" panose="02040503050406030204" pitchFamily="18" charset="0"/>
                       </a:rPr>
-                      <m:t>=−</m:t>
-                    </m:r>
-                    <m:r>
-                      <a:rPr lang="pt-BR" b="0" i="1" smtClean="0">
-                        <a:latin typeface="Cambria Math" panose="02040503050406030204" pitchFamily="18" charset="0"/>
-                      </a:rPr>
-                      <m:t>2</m:t>
+                      <m:t>=−2</m:t>
                     </m:r>
                   </m:oMath>
                 </a14:m>
@@ -7052,13 +7046,7 @@
                       <a:rPr lang="pt-BR" b="0" i="1" smtClean="0">
                         <a:latin typeface="Cambria Math" panose="02040503050406030204" pitchFamily="18" charset="0"/>
                       </a:rPr>
-                      <m:t>=</m:t>
-                    </m:r>
-                    <m:r>
-                      <a:rPr lang="pt-BR" b="0" i="1" smtClean="0">
-                        <a:latin typeface="Cambria Math" panose="02040503050406030204" pitchFamily="18" charset="0"/>
-                      </a:rPr>
-                      <m:t>2</m:t>
+                      <m:t>=2</m:t>
                     </m:r>
                   </m:oMath>
                 </a14:m>
@@ -7070,7 +7058,7 @@
             </p:txBody>
           </p:sp>
         </mc:Choice>
-        <mc:Fallback>
+        <mc:Fallback xmlns="">
           <p:sp>
             <p:nvSpPr>
               <p:cNvPr id="3" name="Espaço Reservado para Conteúdo 2">
@@ -7282,8 +7270,8 @@
           </p:sp>
         </mc:Fallback>
       </mc:AlternateContent>
-      <mc:AlternateContent xmlns:mc="http://schemas.openxmlformats.org/markup-compatibility/2006">
-        <mc:Choice xmlns:a14="http://schemas.microsoft.com/office/drawing/2010/main" Requires="a14">
+      <mc:AlternateContent xmlns:mc="http://schemas.openxmlformats.org/markup-compatibility/2006" xmlns:a14="http://schemas.microsoft.com/office/drawing/2010/main">
+        <mc:Choice Requires="a14">
           <p:sp>
             <p:nvSpPr>
               <p:cNvPr id="10" name="CaixaDeTexto 9">
@@ -7423,7 +7411,7 @@
             </p:txBody>
           </p:sp>
         </mc:Choice>
-        <mc:Fallback>
+        <mc:Fallback xmlns="">
           <p:sp>
             <p:nvSpPr>
               <p:cNvPr id="10" name="CaixaDeTexto 9">
@@ -7913,8 +7901,8 @@
           </a:p>
         </p:txBody>
       </p:sp>
-      <mc:AlternateContent xmlns:mc="http://schemas.openxmlformats.org/markup-compatibility/2006">
-        <mc:Choice xmlns:a14="http://schemas.microsoft.com/office/drawing/2010/main" Requires="a14">
+      <mc:AlternateContent xmlns:mc="http://schemas.openxmlformats.org/markup-compatibility/2006" xmlns:a14="http://schemas.microsoft.com/office/drawing/2010/main">
+        <mc:Choice Requires="a14">
           <p:sp>
             <p:nvSpPr>
               <p:cNvPr id="17" name="CaixaDeTexto 16">
@@ -8008,7 +7996,7 @@
             </p:txBody>
           </p:sp>
         </mc:Choice>
-        <mc:Fallback>
+        <mc:Fallback xmlns="">
           <p:sp>
             <p:nvSpPr>
               <p:cNvPr id="17" name="CaixaDeTexto 16">
@@ -8146,8 +8134,8 @@
           </a:p>
         </p:txBody>
       </p:sp>
-      <mc:AlternateContent xmlns:mc="http://schemas.openxmlformats.org/markup-compatibility/2006">
-        <mc:Choice xmlns:a14="http://schemas.microsoft.com/office/drawing/2010/main" Requires="a14">
+      <mc:AlternateContent xmlns:mc="http://schemas.openxmlformats.org/markup-compatibility/2006" xmlns:a14="http://schemas.microsoft.com/office/drawing/2010/main">
+        <mc:Choice Requires="a14">
           <p:sp>
             <p:nvSpPr>
               <p:cNvPr id="3" name="Espaço Reservado para Conteúdo 2">
@@ -8269,7 +8257,7 @@
             </p:txBody>
           </p:sp>
         </mc:Choice>
-        <mc:Fallback>
+        <mc:Fallback xmlns="">
           <p:sp>
             <p:nvSpPr>
               <p:cNvPr id="3" name="Espaço Reservado para Conteúdo 2">
@@ -8313,8 +8301,8 @@
           </p:sp>
         </mc:Fallback>
       </mc:AlternateContent>
-      <mc:AlternateContent xmlns:mc="http://schemas.openxmlformats.org/markup-compatibility/2006">
-        <mc:Choice xmlns:a14="http://schemas.microsoft.com/office/drawing/2010/main" Requires="a14">
+      <mc:AlternateContent xmlns:mc="http://schemas.openxmlformats.org/markup-compatibility/2006" xmlns:a14="http://schemas.microsoft.com/office/drawing/2010/main">
+        <mc:Choice Requires="a14">
           <p:sp>
             <p:nvSpPr>
               <p:cNvPr id="5" name="CaixaDeTexto 4">
@@ -8454,7 +8442,7 @@
             </p:txBody>
           </p:sp>
         </mc:Choice>
-        <mc:Fallback>
+        <mc:Fallback xmlns="">
           <p:sp>
             <p:nvSpPr>
               <p:cNvPr id="5" name="CaixaDeTexto 4">
@@ -8944,8 +8932,8 @@
           </a:p>
         </p:txBody>
       </p:sp>
-      <mc:AlternateContent xmlns:mc="http://schemas.openxmlformats.org/markup-compatibility/2006">
-        <mc:Choice xmlns:a14="http://schemas.microsoft.com/office/drawing/2010/main" Requires="a14">
+      <mc:AlternateContent xmlns:mc="http://schemas.openxmlformats.org/markup-compatibility/2006" xmlns:a14="http://schemas.microsoft.com/office/drawing/2010/main">
+        <mc:Choice Requires="a14">
           <p:sp>
             <p:nvSpPr>
               <p:cNvPr id="3" name="Espaço Reservado para Conteúdo 2">
@@ -9086,7 +9074,7 @@
             </p:txBody>
           </p:sp>
         </mc:Choice>
-        <mc:Fallback>
+        <mc:Fallback xmlns="">
           <p:sp>
             <p:nvSpPr>
               <p:cNvPr id="3" name="Espaço Reservado para Conteúdo 2">
@@ -9298,8 +9286,8 @@
           </p:sp>
         </mc:Fallback>
       </mc:AlternateContent>
-      <mc:AlternateContent xmlns:mc="http://schemas.openxmlformats.org/markup-compatibility/2006">
-        <mc:Choice xmlns:a14="http://schemas.microsoft.com/office/drawing/2010/main" Requires="a14">
+      <mc:AlternateContent xmlns:mc="http://schemas.openxmlformats.org/markup-compatibility/2006" xmlns:a14="http://schemas.microsoft.com/office/drawing/2010/main">
+        <mc:Choice Requires="a14">
           <p:sp>
             <p:nvSpPr>
               <p:cNvPr id="8" name="CaixaDeTexto 7">
@@ -9424,13 +9412,7 @@
                         <a:rPr lang="pt-BR" sz="2800" b="0" i="1" smtClean="0">
                           <a:latin typeface="Cambria Math" panose="02040503050406030204" pitchFamily="18" charset="0"/>
                         </a:rPr>
-                        <m:t>=</m:t>
-                      </m:r>
-                      <m:r>
-                        <a:rPr lang="pt-BR" sz="2800" b="0" i="1" smtClean="0">
-                          <a:latin typeface="Cambria Math" panose="02040503050406030204" pitchFamily="18" charset="0"/>
-                        </a:rPr>
-                        <m:t>−1+2</m:t>
+                        <m:t>=−1+2</m:t>
                       </m:r>
                       <m:r>
                         <a:rPr lang="pt-BR" sz="2800" b="0" i="1" smtClean="0">
@@ -9464,7 +9446,7 @@
             </p:txBody>
           </p:sp>
         </mc:Choice>
-        <mc:Fallback>
+        <mc:Fallback xmlns="">
           <p:sp>
             <p:nvSpPr>
               <p:cNvPr id="8" name="CaixaDeTexto 7">
@@ -9509,8 +9491,8 @@
           </p:sp>
         </mc:Fallback>
       </mc:AlternateContent>
-      <mc:AlternateContent xmlns:mc="http://schemas.openxmlformats.org/markup-compatibility/2006">
-        <mc:Choice xmlns:a14="http://schemas.microsoft.com/office/drawing/2010/main" Requires="a14">
+      <mc:AlternateContent xmlns:mc="http://schemas.openxmlformats.org/markup-compatibility/2006" xmlns:a14="http://schemas.microsoft.com/office/drawing/2010/main">
+        <mc:Choice Requires="a14">
           <p:sp>
             <p:nvSpPr>
               <p:cNvPr id="9" name="CaixaDeTexto 8">
@@ -9676,7 +9658,7 @@
             </p:txBody>
           </p:sp>
         </mc:Choice>
-        <mc:Fallback>
+        <mc:Fallback xmlns="">
           <p:sp>
             <p:nvSpPr>
               <p:cNvPr id="9" name="CaixaDeTexto 8">
@@ -9932,8 +9914,8 @@
           </a:p>
         </p:txBody>
       </p:sp>
-      <mc:AlternateContent xmlns:mc="http://schemas.openxmlformats.org/markup-compatibility/2006">
-        <mc:Choice xmlns:a14="http://schemas.microsoft.com/office/drawing/2010/main" Requires="a14">
+      <mc:AlternateContent xmlns:mc="http://schemas.openxmlformats.org/markup-compatibility/2006" xmlns:a14="http://schemas.microsoft.com/office/drawing/2010/main">
+        <mc:Choice Requires="a14">
           <p:sp>
             <p:nvSpPr>
               <p:cNvPr id="13" name="CaixaDeTexto 12">
@@ -10027,7 +10009,7 @@
             </p:txBody>
           </p:sp>
         </mc:Choice>
-        <mc:Fallback>
+        <mc:Fallback xmlns="">
           <p:sp>
             <p:nvSpPr>
               <p:cNvPr id="13" name="CaixaDeTexto 12">
@@ -10803,8 +10785,8 @@
           </a:p>
         </p:txBody>
       </p:sp>
-      <mc:AlternateContent xmlns:mc="http://schemas.openxmlformats.org/markup-compatibility/2006">
-        <mc:Choice xmlns:a14="http://schemas.microsoft.com/office/drawing/2010/main" Requires="a14">
+      <mc:AlternateContent xmlns:mc="http://schemas.openxmlformats.org/markup-compatibility/2006" xmlns:a14="http://schemas.microsoft.com/office/drawing/2010/main">
+        <mc:Choice Requires="a14">
           <p:sp>
             <p:nvSpPr>
               <p:cNvPr id="4" name="CaixaDeTexto 3">
@@ -10903,13 +10885,7 @@
                             <a:rPr lang="pt-BR" sz="2400" b="0" i="1" smtClean="0">
                               <a:latin typeface="Cambria Math" panose="02040503050406030204" pitchFamily="18" charset="0"/>
                             </a:rPr>
-                            <m:t>=</m:t>
-                          </m:r>
-                          <m:r>
-                            <a:rPr lang="pt-BR" sz="2400" b="0" i="1" smtClean="0">
-                              <a:latin typeface="Cambria Math" panose="02040503050406030204" pitchFamily="18" charset="0"/>
-                            </a:rPr>
-                            <m:t>0</m:t>
+                            <m:t>=0</m:t>
                           </m:r>
                         </m:sub>
                         <m:sup>
@@ -11027,7 +11003,7 @@
             </p:txBody>
           </p:sp>
         </mc:Choice>
-        <mc:Fallback>
+        <mc:Fallback xmlns="">
           <p:sp>
             <p:nvSpPr>
               <p:cNvPr id="4" name="CaixaDeTexto 3">
@@ -11072,8 +11048,8 @@
           </p:sp>
         </mc:Fallback>
       </mc:AlternateContent>
-      <mc:AlternateContent xmlns:mc="http://schemas.openxmlformats.org/markup-compatibility/2006">
-        <mc:Choice xmlns:a14="http://schemas.microsoft.com/office/drawing/2010/main" Requires="a14">
+      <mc:AlternateContent xmlns:mc="http://schemas.openxmlformats.org/markup-compatibility/2006" xmlns:a14="http://schemas.microsoft.com/office/drawing/2010/main">
+        <mc:Choice Requires="a14">
           <p:sp>
             <p:nvSpPr>
               <p:cNvPr id="6" name="CaixaDeTexto 5">
@@ -11172,13 +11148,7 @@
                             <a:rPr lang="pt-BR" sz="2400" b="0" i="1" smtClean="0">
                               <a:latin typeface="Cambria Math" panose="02040503050406030204" pitchFamily="18" charset="0"/>
                             </a:rPr>
-                            <m:t>=</m:t>
-                          </m:r>
-                          <m:r>
-                            <a:rPr lang="pt-BR" sz="2400" b="0" i="1" smtClean="0">
-                              <a:latin typeface="Cambria Math" panose="02040503050406030204" pitchFamily="18" charset="0"/>
-                            </a:rPr>
-                            <m:t>0</m:t>
+                            <m:t>=0</m:t>
                           </m:r>
                         </m:sub>
                         <m:sup>
@@ -11279,7 +11249,7 @@
             </p:txBody>
           </p:sp>
         </mc:Choice>
-        <mc:Fallback>
+        <mc:Fallback xmlns="">
           <p:sp>
             <p:nvSpPr>
               <p:cNvPr id="6" name="CaixaDeTexto 5">
@@ -11324,8 +11294,8 @@
           </p:sp>
         </mc:Fallback>
       </mc:AlternateContent>
-      <mc:AlternateContent xmlns:mc="http://schemas.openxmlformats.org/markup-compatibility/2006">
-        <mc:Choice xmlns:a14="http://schemas.microsoft.com/office/drawing/2010/main" Requires="a14">
+      <mc:AlternateContent xmlns:mc="http://schemas.openxmlformats.org/markup-compatibility/2006" xmlns:a14="http://schemas.microsoft.com/office/drawing/2010/main">
+        <mc:Choice Requires="a14">
           <p:sp>
             <p:nvSpPr>
               <p:cNvPr id="8" name="CaixaDeTexto 7">
@@ -11424,13 +11394,7 @@
                             <a:rPr lang="pt-BR" sz="2400" b="0" i="1" smtClean="0">
                               <a:latin typeface="Cambria Math" panose="02040503050406030204" pitchFamily="18" charset="0"/>
                             </a:rPr>
-                            <m:t>=</m:t>
-                          </m:r>
-                          <m:r>
-                            <a:rPr lang="pt-BR" sz="2400" b="0" i="1" smtClean="0">
-                              <a:latin typeface="Cambria Math" panose="02040503050406030204" pitchFamily="18" charset="0"/>
-                            </a:rPr>
-                            <m:t>0</m:t>
+                            <m:t>=0</m:t>
                           </m:r>
                         </m:sub>
                         <m:sup>
@@ -11651,7 +11615,7 @@
             </p:txBody>
           </p:sp>
         </mc:Choice>
-        <mc:Fallback>
+        <mc:Fallback xmlns="">
           <p:sp>
             <p:nvSpPr>
               <p:cNvPr id="8" name="CaixaDeTexto 7">
@@ -11856,8 +11820,8 @@
           </a:p>
         </p:txBody>
       </p:sp>
-      <mc:AlternateContent xmlns:mc="http://schemas.openxmlformats.org/markup-compatibility/2006">
-        <mc:Choice xmlns:a14="http://schemas.microsoft.com/office/drawing/2010/main" Requires="a14">
+      <mc:AlternateContent xmlns:mc="http://schemas.openxmlformats.org/markup-compatibility/2006" xmlns:a14="http://schemas.microsoft.com/office/drawing/2010/main">
+        <mc:Choice Requires="a14">
           <p:sp>
             <p:nvSpPr>
               <p:cNvPr id="5" name="CaixaDeTexto 4">
@@ -12093,7 +12057,7 @@
             </p:txBody>
           </p:sp>
         </mc:Choice>
-        <mc:Fallback>
+        <mc:Fallback xmlns="">
           <p:sp>
             <p:nvSpPr>
               <p:cNvPr id="5" name="CaixaDeTexto 4">
@@ -12329,8 +12293,8 @@
           </a:p>
         </p:txBody>
       </p:sp>
-      <mc:AlternateContent xmlns:mc="http://schemas.openxmlformats.org/markup-compatibility/2006">
-        <mc:Choice xmlns:a14="http://schemas.microsoft.com/office/drawing/2010/main" Requires="a14">
+      <mc:AlternateContent xmlns:mc="http://schemas.openxmlformats.org/markup-compatibility/2006" xmlns:a14="http://schemas.microsoft.com/office/drawing/2010/main">
+        <mc:Choice Requires="a14">
           <p:sp>
             <p:nvSpPr>
               <p:cNvPr id="4" name="CaixaDeTexto 3">
@@ -12547,7 +12511,7 @@
             </p:txBody>
           </p:sp>
         </mc:Choice>
-        <mc:Fallback>
+        <mc:Fallback xmlns="">
           <p:sp>
             <p:nvSpPr>
               <p:cNvPr id="4" name="CaixaDeTexto 3">
@@ -12674,8 +12638,8 @@
           </a:p>
         </p:txBody>
       </p:sp>
-      <mc:AlternateContent xmlns:mc="http://schemas.openxmlformats.org/markup-compatibility/2006">
-        <mc:Choice xmlns:a14="http://schemas.microsoft.com/office/drawing/2010/main" Requires="a14">
+      <mc:AlternateContent xmlns:mc="http://schemas.openxmlformats.org/markup-compatibility/2006" xmlns:a14="http://schemas.microsoft.com/office/drawing/2010/main">
+        <mc:Choice Requires="a14">
           <p:sp>
             <p:nvSpPr>
               <p:cNvPr id="3" name="Espaço Reservado para Conteúdo 2">
@@ -12858,7 +12822,7 @@
             </p:txBody>
           </p:sp>
         </mc:Choice>
-        <mc:Fallback>
+        <mc:Fallback xmlns="">
           <p:sp>
             <p:nvSpPr>
               <p:cNvPr id="3" name="Espaço Reservado para Conteúdo 2">
@@ -12902,8 +12866,8 @@
           </p:sp>
         </mc:Fallback>
       </mc:AlternateContent>
-      <mc:AlternateContent xmlns:mc="http://schemas.openxmlformats.org/markup-compatibility/2006">
-        <mc:Choice xmlns:a14="http://schemas.microsoft.com/office/drawing/2010/main" Requires="a14">
+      <mc:AlternateContent xmlns:mc="http://schemas.openxmlformats.org/markup-compatibility/2006" xmlns:a14="http://schemas.microsoft.com/office/drawing/2010/main">
+        <mc:Choice Requires="a14">
           <p:sp>
             <p:nvSpPr>
               <p:cNvPr id="4" name="CaixaDeTexto 3">
@@ -13120,7 +13084,7 @@
             </p:txBody>
           </p:sp>
         </mc:Choice>
-        <mc:Fallback>
+        <mc:Fallback xmlns="">
           <p:sp>
             <p:nvSpPr>
               <p:cNvPr id="4" name="CaixaDeTexto 3">
@@ -13264,8 +13228,8 @@
           </a:p>
         </p:txBody>
       </p:sp>
-      <mc:AlternateContent xmlns:mc="http://schemas.openxmlformats.org/markup-compatibility/2006">
-        <mc:Choice xmlns:a14="http://schemas.microsoft.com/office/drawing/2010/main" Requires="a14">
+      <mc:AlternateContent xmlns:mc="http://schemas.openxmlformats.org/markup-compatibility/2006" xmlns:a14="http://schemas.microsoft.com/office/drawing/2010/main">
+        <mc:Choice Requires="a14">
           <p:sp>
             <p:nvSpPr>
               <p:cNvPr id="6" name="CaixaDeTexto 5">
@@ -13365,7 +13329,7 @@
             </p:txBody>
           </p:sp>
         </mc:Choice>
-        <mc:Fallback>
+        <mc:Fallback xmlns="">
           <p:sp>
             <p:nvSpPr>
               <p:cNvPr id="6" name="CaixaDeTexto 5">
@@ -13581,8 +13545,8 @@
           </a:p>
         </p:txBody>
       </p:sp>
-      <mc:AlternateContent xmlns:mc="http://schemas.openxmlformats.org/markup-compatibility/2006">
-        <mc:Choice xmlns:a14="http://schemas.microsoft.com/office/drawing/2010/main" Requires="a14">
+      <mc:AlternateContent xmlns:mc="http://schemas.openxmlformats.org/markup-compatibility/2006" xmlns:a14="http://schemas.microsoft.com/office/drawing/2010/main">
+        <mc:Choice Requires="a14">
           <p:sp>
             <p:nvSpPr>
               <p:cNvPr id="5" name="CaixaDeTexto 4">
@@ -13692,13 +13656,7 @@
                                 <a:rPr lang="pt-BR" sz="2400" i="1">
                                   <a:latin typeface="Cambria Math" panose="02040503050406030204" pitchFamily="18" charset="0"/>
                                 </a:rPr>
-                                <m:t>=</m:t>
-                              </m:r>
-                              <m:r>
-                                <a:rPr lang="pt-BR" sz="2400" i="1">
-                                  <a:latin typeface="Cambria Math" panose="02040503050406030204" pitchFamily="18" charset="0"/>
-                                </a:rPr>
-                                <m:t>0</m:t>
+                                <m:t>=0</m:t>
                               </m:r>
                             </m:sub>
                             <m:sup>
@@ -13818,7 +13776,7 @@
             </p:txBody>
           </p:sp>
         </mc:Choice>
-        <mc:Fallback>
+        <mc:Fallback xmlns="">
           <p:sp>
             <p:nvSpPr>
               <p:cNvPr id="5" name="CaixaDeTexto 4">
@@ -14043,8 +14001,8 @@
           </a:p>
         </p:txBody>
       </p:sp>
-      <mc:AlternateContent xmlns:mc="http://schemas.openxmlformats.org/markup-compatibility/2006">
-        <mc:Choice xmlns:a14="http://schemas.microsoft.com/office/drawing/2010/main" Requires="a14">
+      <mc:AlternateContent xmlns:mc="http://schemas.openxmlformats.org/markup-compatibility/2006" xmlns:a14="http://schemas.microsoft.com/office/drawing/2010/main">
+        <mc:Choice Requires="a14">
           <p:sp>
             <p:nvSpPr>
               <p:cNvPr id="4" name="CaixaDeTexto 3">
@@ -14244,7 +14202,7 @@
             </p:txBody>
           </p:sp>
         </mc:Choice>
-        <mc:Fallback>
+        <mc:Fallback xmlns="">
           <p:sp>
             <p:nvSpPr>
               <p:cNvPr id="4" name="CaixaDeTexto 3">
@@ -14673,8 +14631,8 @@
           </a:p>
         </p:txBody>
       </p:sp>
-      <mc:AlternateContent xmlns:mc="http://schemas.openxmlformats.org/markup-compatibility/2006">
-        <mc:Choice xmlns:a14="http://schemas.microsoft.com/office/drawing/2010/main" Requires="a14">
+      <mc:AlternateContent xmlns:mc="http://schemas.openxmlformats.org/markup-compatibility/2006" xmlns:a14="http://schemas.microsoft.com/office/drawing/2010/main">
+        <mc:Choice Requires="a14">
           <p:sp>
             <p:nvSpPr>
               <p:cNvPr id="4" name="CaixaDeTexto 3">
@@ -14874,7 +14832,7 @@
             </p:txBody>
           </p:sp>
         </mc:Choice>
-        <mc:Fallback>
+        <mc:Fallback xmlns="">
           <p:sp>
             <p:nvSpPr>
               <p:cNvPr id="4" name="CaixaDeTexto 3">
@@ -15480,8 +15438,8 @@
               </a:p>
             </p:txBody>
           </p:sp>
-          <mc:AlternateContent xmlns:mc="http://schemas.openxmlformats.org/markup-compatibility/2006">
-            <mc:Choice xmlns:a14="http://schemas.microsoft.com/office/drawing/2010/main" Requires="a14">
+          <mc:AlternateContent xmlns:mc="http://schemas.openxmlformats.org/markup-compatibility/2006" xmlns:a14="http://schemas.microsoft.com/office/drawing/2010/main">
+            <mc:Choice Requires="a14">
               <p:sp>
                 <p:nvSpPr>
                   <p:cNvPr id="9" name="CaixaDeTexto 8">
@@ -15531,7 +15489,7 @@
                 </p:txBody>
               </p:sp>
             </mc:Choice>
-            <mc:Fallback>
+            <mc:Fallback xmlns="">
               <p:sp>
                 <p:nvSpPr>
                   <p:cNvPr id="9" name="CaixaDeTexto 8">
@@ -15672,8 +15630,8 @@
               </p:sp>
             </mc:Fallback>
           </mc:AlternateContent>
-          <mc:AlternateContent xmlns:mc="http://schemas.openxmlformats.org/markup-compatibility/2006">
-            <mc:Choice xmlns:a14="http://schemas.microsoft.com/office/drawing/2010/main" Requires="a14">
+          <mc:AlternateContent xmlns:mc="http://schemas.openxmlformats.org/markup-compatibility/2006" xmlns:a14="http://schemas.microsoft.com/office/drawing/2010/main">
+            <mc:Choice Requires="a14">
               <p:sp>
                 <p:nvSpPr>
                   <p:cNvPr id="11" name="CaixaDeTexto 10">
@@ -15735,7 +15693,7 @@
                 </p:txBody>
               </p:sp>
             </mc:Choice>
-            <mc:Fallback>
+            <mc:Fallback xmlns="">
               <p:sp>
                 <p:nvSpPr>
                   <p:cNvPr id="11" name="CaixaDeTexto 10">
@@ -16873,8 +16831,8 @@
               </a:p>
             </p:txBody>
           </p:sp>
-          <mc:AlternateContent xmlns:mc="http://schemas.openxmlformats.org/markup-compatibility/2006">
-            <mc:Choice xmlns:a14="http://schemas.microsoft.com/office/drawing/2010/main" Requires="a14">
+          <mc:AlternateContent xmlns:mc="http://schemas.openxmlformats.org/markup-compatibility/2006" xmlns:a14="http://schemas.microsoft.com/office/drawing/2010/main">
+            <mc:Choice Requires="a14">
               <p:sp>
                 <p:nvSpPr>
                   <p:cNvPr id="9" name="CaixaDeTexto 8">
@@ -16924,7 +16882,7 @@
                 </p:txBody>
               </p:sp>
             </mc:Choice>
-            <mc:Fallback>
+            <mc:Fallback xmlns="">
               <p:sp>
                 <p:nvSpPr>
                   <p:cNvPr id="9" name="CaixaDeTexto 8">
@@ -17065,8 +17023,8 @@
               </p:sp>
             </mc:Fallback>
           </mc:AlternateContent>
-          <mc:AlternateContent xmlns:mc="http://schemas.openxmlformats.org/markup-compatibility/2006">
-            <mc:Choice xmlns:a14="http://schemas.microsoft.com/office/drawing/2010/main" Requires="a14">
+          <mc:AlternateContent xmlns:mc="http://schemas.openxmlformats.org/markup-compatibility/2006" xmlns:a14="http://schemas.microsoft.com/office/drawing/2010/main">
+            <mc:Choice Requires="a14">
               <p:sp>
                 <p:nvSpPr>
                   <p:cNvPr id="11" name="CaixaDeTexto 10">
@@ -17128,7 +17086,7 @@
                 </p:txBody>
               </p:sp>
             </mc:Choice>
-            <mc:Fallback>
+            <mc:Fallback xmlns="">
               <p:sp>
                 <p:nvSpPr>
                   <p:cNvPr id="11" name="CaixaDeTexto 10">
@@ -18089,8 +18047,8 @@
           </a:p>
         </p:txBody>
       </p:sp>
-      <mc:AlternateContent xmlns:mc="http://schemas.openxmlformats.org/markup-compatibility/2006">
-        <mc:Choice xmlns:a14="http://schemas.microsoft.com/office/drawing/2010/main" Requires="a14">
+      <mc:AlternateContent xmlns:mc="http://schemas.openxmlformats.org/markup-compatibility/2006" xmlns:a14="http://schemas.microsoft.com/office/drawing/2010/main">
+        <mc:Choice Requires="a14">
           <p:sp>
             <p:nvSpPr>
               <p:cNvPr id="5" name="CaixaDeTexto 4">
@@ -18189,13 +18147,7 @@
                             <a:rPr lang="pt-BR" sz="2400" b="0" i="1" smtClean="0">
                               <a:latin typeface="Cambria Math" panose="02040503050406030204" pitchFamily="18" charset="0"/>
                             </a:rPr>
-                            <m:t>=</m:t>
-                          </m:r>
-                          <m:r>
-                            <a:rPr lang="pt-BR" sz="2400" b="0" i="1" smtClean="0">
-                              <a:latin typeface="Cambria Math" panose="02040503050406030204" pitchFamily="18" charset="0"/>
-                            </a:rPr>
-                            <m:t>0</m:t>
+                            <m:t>=0</m:t>
                           </m:r>
                         </m:sub>
                         <m:sup>
@@ -18527,7 +18479,7 @@
             </p:txBody>
           </p:sp>
         </mc:Choice>
-        <mc:Fallback>
+        <mc:Fallback xmlns="">
           <p:sp>
             <p:nvSpPr>
               <p:cNvPr id="5" name="CaixaDeTexto 4">
@@ -19013,8 +18965,8 @@
           </a:p>
         </p:txBody>
       </p:sp>
-      <mc:AlternateContent xmlns:mc="http://schemas.openxmlformats.org/markup-compatibility/2006">
-        <mc:Choice xmlns:a14="http://schemas.microsoft.com/office/drawing/2010/main" Requires="a14">
+      <mc:AlternateContent xmlns:mc="http://schemas.openxmlformats.org/markup-compatibility/2006" xmlns:a14="http://schemas.microsoft.com/office/drawing/2010/main">
+        <mc:Choice Requires="a14">
           <p:sp>
             <p:nvSpPr>
               <p:cNvPr id="5" name="CaixaDeTexto 4">
@@ -19113,13 +19065,7 @@
                             <a:rPr lang="pt-BR" sz="2400" b="0" i="1" smtClean="0">
                               <a:latin typeface="Cambria Math" panose="02040503050406030204" pitchFamily="18" charset="0"/>
                             </a:rPr>
-                            <m:t>=</m:t>
-                          </m:r>
-                          <m:r>
-                            <a:rPr lang="pt-BR" sz="2400" b="0" i="1" smtClean="0">
-                              <a:latin typeface="Cambria Math" panose="02040503050406030204" pitchFamily="18" charset="0"/>
-                            </a:rPr>
-                            <m:t>0</m:t>
+                            <m:t>=0</m:t>
                           </m:r>
                         </m:sub>
                         <m:sup>
@@ -19451,7 +19397,7 @@
             </p:txBody>
           </p:sp>
         </mc:Choice>
-        <mc:Fallback>
+        <mc:Fallback xmlns="">
           <p:sp>
             <p:nvSpPr>
               <p:cNvPr id="5" name="CaixaDeTexto 4">
@@ -27113,8 +27059,8 @@
           </a:p>
         </p:txBody>
       </p:sp>
-      <mc:AlternateContent xmlns:mc="http://schemas.openxmlformats.org/markup-compatibility/2006">
-        <mc:Choice xmlns:a14="http://schemas.microsoft.com/office/drawing/2010/main" Requires="a14">
+      <mc:AlternateContent xmlns:mc="http://schemas.openxmlformats.org/markup-compatibility/2006" xmlns:a14="http://schemas.microsoft.com/office/drawing/2010/main">
+        <mc:Choice Requires="a14">
           <p:sp>
             <p:nvSpPr>
               <p:cNvPr id="3" name="Espaço Reservado para Conteúdo 2">
@@ -27358,7 +27304,7 @@
             </p:txBody>
           </p:sp>
         </mc:Choice>
-        <mc:Fallback>
+        <mc:Fallback xmlns="">
           <p:sp>
             <p:nvSpPr>
               <p:cNvPr id="3" name="Espaço Reservado para Conteúdo 2">
@@ -29948,8 +29894,8 @@
           </a:p>
         </p:txBody>
       </p:sp>
-      <mc:AlternateContent xmlns:mc="http://schemas.openxmlformats.org/markup-compatibility/2006">
-        <mc:Choice xmlns:a14="http://schemas.microsoft.com/office/drawing/2010/main" Requires="a14">
+      <mc:AlternateContent xmlns:mc="http://schemas.openxmlformats.org/markup-compatibility/2006" xmlns:a14="http://schemas.microsoft.com/office/drawing/2010/main">
+        <mc:Choice Requires="a14">
           <p:sp>
             <p:nvSpPr>
               <p:cNvPr id="3" name="Espaço Reservado para Conteúdo 2">
@@ -30062,7 +30008,7 @@
             </p:txBody>
           </p:sp>
         </mc:Choice>
-        <mc:Fallback>
+        <mc:Fallback xmlns="">
           <p:sp>
             <p:nvSpPr>
               <p:cNvPr id="3" name="Espaço Reservado para Conteúdo 2">

--- a/slides/TP557_5_Medindo_a_precisão_de_um_modelo_de_ML.pptx
+++ b/slides/TP557_5_Medindo_a_precisão_de_um_modelo_de_ML.pptx
@@ -968,6 +968,93 @@
 </file>
 
 <file path=ppt/notesSlides/notesSlide11.xml><?xml version="1.0" encoding="utf-8"?>
+<p:notes xmlns:a="http://schemas.openxmlformats.org/drawingml/2006/main" xmlns:r="http://schemas.openxmlformats.org/officeDocument/2006/relationships" xmlns:p="http://schemas.openxmlformats.org/presentationml/2006/main">
+  <p:cSld>
+    <p:spTree>
+      <p:nvGrpSpPr>
+        <p:cNvPr id="1" name=""/>
+        <p:cNvGrpSpPr/>
+        <p:nvPr/>
+      </p:nvGrpSpPr>
+      <p:grpSpPr>
+        <a:xfrm>
+          <a:off x="0" y="0"/>
+          <a:ext cx="0" cy="0"/>
+          <a:chOff x="0" y="0"/>
+          <a:chExt cx="0" cy="0"/>
+        </a:xfrm>
+      </p:grpSpPr>
+      <p:sp>
+        <p:nvSpPr>
+          <p:cNvPr id="2" name="Espaço Reservado para Imagem de Slide 1"/>
+          <p:cNvSpPr>
+            <a:spLocks noGrp="1" noRot="1" noChangeAspect="1"/>
+          </p:cNvSpPr>
+          <p:nvPr>
+            <p:ph type="sldImg"/>
+          </p:nvPr>
+        </p:nvSpPr>
+        <p:spPr/>
+      </p:sp>
+      <p:sp>
+        <p:nvSpPr>
+          <p:cNvPr id="3" name="Espaço Reservado para Anotações 2"/>
+          <p:cNvSpPr>
+            <a:spLocks noGrp="1"/>
+          </p:cNvSpPr>
+          <p:nvPr>
+            <p:ph type="body" idx="1"/>
+          </p:nvPr>
+        </p:nvSpPr>
+        <p:spPr/>
+        <p:txBody>
+          <a:bodyPr/>
+          <a:lstStyle/>
+          <a:p>
+            <a:r>
+              <a:rPr lang="pt-BR" dirty="0"/>
+              <a:t>https://colab.research.google.com/github/zz4fap/tp557-iot-ml/blob/master/examples/Explorando_a_fun%C3%A7%C3%A3o_de_erro.ipynb</a:t>
+            </a:r>
+          </a:p>
+        </p:txBody>
+      </p:sp>
+      <p:sp>
+        <p:nvSpPr>
+          <p:cNvPr id="4" name="Espaço Reservado para Número de Slide 3"/>
+          <p:cNvSpPr>
+            <a:spLocks noGrp="1"/>
+          </p:cNvSpPr>
+          <p:nvPr>
+            <p:ph type="sldNum" sz="quarter" idx="5"/>
+          </p:nvPr>
+        </p:nvSpPr>
+        <p:spPr/>
+        <p:txBody>
+          <a:bodyPr/>
+          <a:lstStyle/>
+          <a:p>
+            <a:fld id="{6FC8D850-966F-45A6-8DE7-15B891E7D40D}" type="slidenum">
+              <a:rPr lang="pt-BR" smtClean="0"/>
+              <a:t>30</a:t>
+            </a:fld>
+            <a:endParaRPr lang="pt-BR"/>
+          </a:p>
+        </p:txBody>
+      </p:sp>
+    </p:spTree>
+    <p:extLst>
+      <p:ext uri="{BB962C8B-B14F-4D97-AF65-F5344CB8AC3E}">
+        <p14:creationId xmlns:p14="http://schemas.microsoft.com/office/powerpoint/2010/main" val="3732672595"/>
+      </p:ext>
+    </p:extLst>
+  </p:cSld>
+  <p:clrMapOvr>
+    <a:masterClrMapping/>
+  </p:clrMapOvr>
+</p:notes>
+</file>
+
+<file path=ppt/notesSlides/notesSlide12.xml><?xml version="1.0" encoding="utf-8"?>
 <p:notes xmlns:a="http://schemas.openxmlformats.org/drawingml/2006/main" xmlns:r="http://schemas.openxmlformats.org/officeDocument/2006/relationships" xmlns:p="http://schemas.openxmlformats.org/presentationml/2006/main">
   <p:cSld>
     <p:spTree>
@@ -24797,7 +24884,7 @@
           <p:nvPr/>
         </p:nvPicPr>
         <p:blipFill>
-          <a:blip r:embed="rId2"/>
+          <a:blip r:embed="rId3"/>
           <a:stretch>
             <a:fillRect/>
           </a:stretch>
@@ -24842,7 +24929,7 @@
           <a:p>
             <a:r>
               <a:rPr lang="pt-BR" sz="2800" dirty="0">
-                <a:hlinkClick r:id="rId3"/>
+                <a:hlinkClick r:id="rId4"/>
               </a:rPr>
               <a:t>Explorando a função de erro</a:t>
             </a:r>

--- a/slides/TP557_5_Medindo_a_precisão_de_um_modelo_de_ML.pptx
+++ b/slides/TP557_5_Medindo_a_precisão_de_um_modelo_de_ML.pptx
@@ -308,7 +308,7 @@
           <a:p>
             <a:fld id="{144F1436-6906-4D93-B7A2-786C327BFA14}" type="datetimeFigureOut">
               <a:rPr lang="nl-BE" smtClean="0"/>
-              <a:t>23/08/2023</a:t>
+              <a:t>1/09/2023</a:t>
             </a:fld>
             <a:endParaRPr lang="nl-BE"/>
           </a:p>
@@ -473,7 +473,7 @@
           <a:p>
             <a:fld id="{AA8CD09E-2914-4F47-B6C1-51B2C31814C9}" type="datetimeFigureOut">
               <a:rPr lang="pt-BR" smtClean="0"/>
-              <a:t>23/08/2023</a:t>
+              <a:t>01/09/2023</a:t>
             </a:fld>
             <a:endParaRPr lang="pt-BR"/>
           </a:p>
@@ -2282,7 +2282,7 @@
           <a:p>
             <a:fld id="{63289F7E-B80B-496E-81B4-D396C37C9454}" type="datetimeFigureOut">
               <a:rPr lang="pt-BR" smtClean="0"/>
-              <a:t>23/08/2023</a:t>
+              <a:t>01/09/2023</a:t>
             </a:fld>
             <a:endParaRPr lang="pt-BR"/>
           </a:p>
@@ -2480,7 +2480,7 @@
           <a:p>
             <a:fld id="{63289F7E-B80B-496E-81B4-D396C37C9454}" type="datetimeFigureOut">
               <a:rPr lang="pt-BR" smtClean="0"/>
-              <a:t>23/08/2023</a:t>
+              <a:t>01/09/2023</a:t>
             </a:fld>
             <a:endParaRPr lang="pt-BR"/>
           </a:p>
@@ -2688,7 +2688,7 @@
           <a:p>
             <a:fld id="{63289F7E-B80B-496E-81B4-D396C37C9454}" type="datetimeFigureOut">
               <a:rPr lang="pt-BR" smtClean="0"/>
-              <a:t>23/08/2023</a:t>
+              <a:t>01/09/2023</a:t>
             </a:fld>
             <a:endParaRPr lang="pt-BR"/>
           </a:p>
@@ -2886,7 +2886,7 @@
           <a:p>
             <a:fld id="{63289F7E-B80B-496E-81B4-D396C37C9454}" type="datetimeFigureOut">
               <a:rPr lang="pt-BR" smtClean="0"/>
-              <a:t>23/08/2023</a:t>
+              <a:t>01/09/2023</a:t>
             </a:fld>
             <a:endParaRPr lang="pt-BR"/>
           </a:p>
@@ -3161,7 +3161,7 @@
           <a:p>
             <a:fld id="{63289F7E-B80B-496E-81B4-D396C37C9454}" type="datetimeFigureOut">
               <a:rPr lang="pt-BR" smtClean="0"/>
-              <a:t>23/08/2023</a:t>
+              <a:t>01/09/2023</a:t>
             </a:fld>
             <a:endParaRPr lang="pt-BR"/>
           </a:p>
@@ -3426,7 +3426,7 @@
           <a:p>
             <a:fld id="{63289F7E-B80B-496E-81B4-D396C37C9454}" type="datetimeFigureOut">
               <a:rPr lang="pt-BR" smtClean="0"/>
-              <a:t>23/08/2023</a:t>
+              <a:t>01/09/2023</a:t>
             </a:fld>
             <a:endParaRPr lang="pt-BR"/>
           </a:p>
@@ -3838,7 +3838,7 @@
           <a:p>
             <a:fld id="{63289F7E-B80B-496E-81B4-D396C37C9454}" type="datetimeFigureOut">
               <a:rPr lang="pt-BR" smtClean="0"/>
-              <a:t>23/08/2023</a:t>
+              <a:t>01/09/2023</a:t>
             </a:fld>
             <a:endParaRPr lang="pt-BR"/>
           </a:p>
@@ -3979,7 +3979,7 @@
           <a:p>
             <a:fld id="{63289F7E-B80B-496E-81B4-D396C37C9454}" type="datetimeFigureOut">
               <a:rPr lang="pt-BR" smtClean="0"/>
-              <a:t>23/08/2023</a:t>
+              <a:t>01/09/2023</a:t>
             </a:fld>
             <a:endParaRPr lang="pt-BR"/>
           </a:p>
@@ -4092,7 +4092,7 @@
           <a:p>
             <a:fld id="{63289F7E-B80B-496E-81B4-D396C37C9454}" type="datetimeFigureOut">
               <a:rPr lang="pt-BR" smtClean="0"/>
-              <a:t>23/08/2023</a:t>
+              <a:t>01/09/2023</a:t>
             </a:fld>
             <a:endParaRPr lang="pt-BR"/>
           </a:p>
@@ -4403,7 +4403,7 @@
           <a:p>
             <a:fld id="{63289F7E-B80B-496E-81B4-D396C37C9454}" type="datetimeFigureOut">
               <a:rPr lang="pt-BR" smtClean="0"/>
-              <a:t>23/08/2023</a:t>
+              <a:t>01/09/2023</a:t>
             </a:fld>
             <a:endParaRPr lang="pt-BR"/>
           </a:p>
@@ -4691,7 +4691,7 @@
           <a:p>
             <a:fld id="{63289F7E-B80B-496E-81B4-D396C37C9454}" type="datetimeFigureOut">
               <a:rPr lang="pt-BR" smtClean="0"/>
-              <a:t>23/08/2023</a:t>
+              <a:t>01/09/2023</a:t>
             </a:fld>
             <a:endParaRPr lang="pt-BR"/>
           </a:p>
@@ -4932,7 +4932,7 @@
           <a:p>
             <a:fld id="{63289F7E-B80B-496E-81B4-D396C37C9454}" type="datetimeFigureOut">
               <a:rPr lang="pt-BR" smtClean="0"/>
-              <a:t>23/08/2023</a:t>
+              <a:t>01/09/2023</a:t>
             </a:fld>
             <a:endParaRPr lang="pt-BR"/>
           </a:p>
@@ -22633,10 +22633,10 @@
       </p:sp>
       <p:grpSp>
         <p:nvGrpSpPr>
-          <p:cNvPr id="4" name="Agrupar 3">
+          <p:cNvPr id="7" name="Agrupar 6">
             <a:extLst>
               <a:ext uri="{FF2B5EF4-FFF2-40B4-BE49-F238E27FC236}">
-                <a16:creationId xmlns:a16="http://schemas.microsoft.com/office/drawing/2014/main" id="{B1CFFF15-2A34-B496-DF99-E020420F02A9}"/>
+                <a16:creationId xmlns:a16="http://schemas.microsoft.com/office/drawing/2014/main" id="{EFF7BA2C-85F3-2954-15C2-8C0FDFD2F383}"/>
               </a:ext>
             </a:extLst>
           </p:cNvPr>
@@ -22647,16 +22647,16 @@
           <a:xfrm>
             <a:off x="930667" y="1938641"/>
             <a:ext cx="4381189" cy="4083507"/>
-            <a:chOff x="447782" y="1825625"/>
+            <a:chOff x="930667" y="1938641"/>
             <a:chExt cx="4381189" cy="4083507"/>
           </a:xfrm>
         </p:grpSpPr>
         <p:grpSp>
           <p:nvGrpSpPr>
-            <p:cNvPr id="5" name="Agrupar 4">
+            <p:cNvPr id="4" name="Agrupar 3">
               <a:extLst>
                 <a:ext uri="{FF2B5EF4-FFF2-40B4-BE49-F238E27FC236}">
-                  <a16:creationId xmlns:a16="http://schemas.microsoft.com/office/drawing/2014/main" id="{303781AB-D3FD-EAC8-BA20-8C7AA74EED74}"/>
+                  <a16:creationId xmlns:a16="http://schemas.microsoft.com/office/drawing/2014/main" id="{B1CFFF15-2A34-B496-DF99-E020420F02A9}"/>
                 </a:ext>
               </a:extLst>
             </p:cNvPr>
@@ -22665,390 +22665,771 @@
           </p:nvGrpSpPr>
           <p:grpSpPr>
             <a:xfrm>
-              <a:off x="447782" y="1825625"/>
-              <a:ext cx="4381189" cy="3859236"/>
-              <a:chOff x="1592492" y="1393380"/>
-              <a:chExt cx="3155387" cy="2846768"/>
+              <a:off x="930667" y="1938641"/>
+              <a:ext cx="4381189" cy="4083507"/>
+              <a:chOff x="447782" y="1825625"/>
+              <a:chExt cx="4381189" cy="4083507"/>
             </a:xfrm>
           </p:grpSpPr>
-          <p:pic>
-            <p:nvPicPr>
-              <p:cNvPr id="15" name="Picture 2" descr="Visualization for Function Optimization in Python -  MachineLearningMastery.com">
+          <p:grpSp>
+            <p:nvGrpSpPr>
+              <p:cNvPr id="5" name="Agrupar 4">
                 <a:extLst>
                   <a:ext uri="{FF2B5EF4-FFF2-40B4-BE49-F238E27FC236}">
-                    <a16:creationId xmlns:a16="http://schemas.microsoft.com/office/drawing/2014/main" id="{638B6B9F-5A1A-14AD-55BD-744329EBD1EB}"/>
+                    <a16:creationId xmlns:a16="http://schemas.microsoft.com/office/drawing/2014/main" id="{303781AB-D3FD-EAC8-BA20-8C7AA74EED74}"/>
                   </a:ext>
                 </a:extLst>
               </p:cNvPr>
-              <p:cNvPicPr>
-                <a:picLocks noChangeAspect="1" noChangeArrowheads="1"/>
-              </p:cNvPicPr>
+              <p:cNvGrpSpPr/>
               <p:nvPr/>
-            </p:nvPicPr>
-            <p:blipFill rotWithShape="1">
-              <a:blip r:embed="rId3">
+            </p:nvGrpSpPr>
+            <p:grpSpPr>
+              <a:xfrm>
+                <a:off x="447782" y="1825625"/>
+                <a:ext cx="4381189" cy="3859236"/>
+                <a:chOff x="1592492" y="1393380"/>
+                <a:chExt cx="3155387" cy="2846768"/>
+              </a:xfrm>
+            </p:grpSpPr>
+            <p:pic>
+              <p:nvPicPr>
+                <p:cNvPr id="15" name="Picture 2" descr="Visualization for Function Optimization in Python -  MachineLearningMastery.com">
+                  <a:extLst>
+                    <a:ext uri="{FF2B5EF4-FFF2-40B4-BE49-F238E27FC236}">
+                      <a16:creationId xmlns:a16="http://schemas.microsoft.com/office/drawing/2014/main" id="{638B6B9F-5A1A-14AD-55BD-744329EBD1EB}"/>
+                    </a:ext>
+                  </a:extLst>
+                </p:cNvPr>
+                <p:cNvPicPr>
+                  <a:picLocks noChangeAspect="1" noChangeArrowheads="1"/>
+                </p:cNvPicPr>
+                <p:nvPr/>
+              </p:nvPicPr>
+              <p:blipFill rotWithShape="1">
+                <a:blip r:embed="rId3">
+                  <a:extLst>
+                    <a:ext uri="{28A0092B-C50C-407E-A947-70E740481C1C}">
+                      <a14:useLocalDpi xmlns:a14="http://schemas.microsoft.com/office/drawing/2010/main" val="0"/>
+                    </a:ext>
+                  </a:extLst>
+                </a:blip>
+                <a:srcRect l="25468" t="17228" r="16217" b="10711"/>
+                <a:stretch/>
+              </p:blipFill>
+              <p:spPr bwMode="auto">
+                <a:xfrm>
+                  <a:off x="1592492" y="1393380"/>
+                  <a:ext cx="3069081" cy="2844369"/>
+                </a:xfrm>
+                <a:prstGeom prst="rect">
+                  <a:avLst/>
+                </a:prstGeom>
+                <a:noFill/>
                 <a:extLst>
-                  <a:ext uri="{28A0092B-C50C-407E-A947-70E740481C1C}">
-                    <a14:useLocalDpi xmlns:a14="http://schemas.microsoft.com/office/drawing/2010/main" val="0"/>
+                  <a:ext uri="{909E8E84-426E-40DD-AFC4-6F175D3DCCD1}">
+                    <a14:hiddenFill xmlns:a14="http://schemas.microsoft.com/office/drawing/2010/main">
+                      <a:solidFill>
+                        <a:srgbClr val="FFFFFF"/>
+                      </a:solidFill>
+                    </a14:hiddenFill>
                   </a:ext>
                 </a:extLst>
-              </a:blip>
-              <a:srcRect l="25468" t="17228" r="16217" b="10711"/>
-              <a:stretch/>
-            </p:blipFill>
-            <p:spPr bwMode="auto">
+              </p:spPr>
+            </p:pic>
+            <mc:AlternateContent xmlns:mc="http://schemas.openxmlformats.org/markup-compatibility/2006" xmlns:a14="http://schemas.microsoft.com/office/drawing/2010/main">
+              <mc:Choice Requires="a14">
+                <p:sp>
+                  <p:nvSpPr>
+                    <p:cNvPr id="16" name="CaixaDeTexto 15">
+                      <a:extLst>
+                        <a:ext uri="{FF2B5EF4-FFF2-40B4-BE49-F238E27FC236}">
+                          <a16:creationId xmlns:a16="http://schemas.microsoft.com/office/drawing/2014/main" id="{79F1FF82-DAB9-8559-E32B-4EF2A346319E}"/>
+                        </a:ext>
+                      </a:extLst>
+                    </p:cNvPr>
+                    <p:cNvSpPr txBox="1"/>
+                    <p:nvPr/>
+                  </p:nvSpPr>
+                  <p:spPr>
+                    <a:xfrm>
+                      <a:off x="2025506" y="3945007"/>
+                      <a:ext cx="547099" cy="295141"/>
+                    </a:xfrm>
+                    <a:prstGeom prst="rect">
+                      <a:avLst/>
+                    </a:prstGeom>
+                    <a:noFill/>
+                  </p:spPr>
+                  <p:txBody>
+                    <a:bodyPr wrap="square">
+                      <a:spAutoFit/>
+                    </a:bodyPr>
+                    <a:lstStyle/>
+                    <a:p>
+                      <a:pPr/>
+                      <a14:m>
+                        <m:oMathPara xmlns:m="http://schemas.openxmlformats.org/officeDocument/2006/math">
+                          <m:oMathParaPr>
+                            <m:jc m:val="centerGroup"/>
+                          </m:oMathParaPr>
+                          <m:oMath xmlns:m="http://schemas.openxmlformats.org/officeDocument/2006/math">
+                            <m:sSub>
+                              <m:sSubPr>
+                                <m:ctrlPr>
+                                  <a:rPr lang="pt-BR" sz="2000" i="1" smtClean="0">
+                                    <a:latin typeface="Cambria Math" panose="02040503050406030204" pitchFamily="18" charset="0"/>
+                                  </a:rPr>
+                                </m:ctrlPr>
+                              </m:sSubPr>
+                              <m:e>
+                                <m:r>
+                                  <a:rPr lang="pt-BR" sz="2000" i="1">
+                                    <a:latin typeface="Cambria Math" panose="02040503050406030204" pitchFamily="18" charset="0"/>
+                                  </a:rPr>
+                                  <m:t>𝑎</m:t>
+                                </m:r>
+                              </m:e>
+                              <m:sub>
+                                <m:r>
+                                  <a:rPr lang="pt-BR" sz="2000" i="1">
+                                    <a:latin typeface="Cambria Math" panose="02040503050406030204" pitchFamily="18" charset="0"/>
+                                  </a:rPr>
+                                  <m:t>0</m:t>
+                                </m:r>
+                              </m:sub>
+                            </m:sSub>
+                          </m:oMath>
+                        </m:oMathPara>
+                      </a14:m>
+                      <a:endParaRPr lang="pt-BR" sz="2000" dirty="0"/>
+                    </a:p>
+                  </p:txBody>
+                </p:sp>
+              </mc:Choice>
+              <mc:Fallback xmlns="">
+                <p:sp>
+                  <p:nvSpPr>
+                    <p:cNvPr id="27" name="CaixaDeTexto 26">
+                      <a:extLst>
+                        <a:ext uri="{FF2B5EF4-FFF2-40B4-BE49-F238E27FC236}">
+                          <a16:creationId xmlns:a16="http://schemas.microsoft.com/office/drawing/2014/main" id="{00D42F04-97F1-C0EA-6B00-D0BD117CDEFF}"/>
+                        </a:ext>
+                      </a:extLst>
+                    </p:cNvPr>
+                    <p:cNvSpPr txBox="1">
+                      <a:spLocks noRot="1" noChangeAspect="1" noMove="1" noResize="1" noEditPoints="1" noAdjustHandles="1" noChangeArrowheads="1" noChangeShapeType="1" noTextEdit="1"/>
+                    </p:cNvSpPr>
+                    <p:nvPr/>
+                  </p:nvSpPr>
+                  <p:spPr>
+                    <a:xfrm>
+                      <a:off x="2025506" y="3945007"/>
+                      <a:ext cx="547099" cy="295141"/>
+                    </a:xfrm>
+                    <a:prstGeom prst="rect">
+                      <a:avLst/>
+                    </a:prstGeom>
+                    <a:blipFill>
+                      <a:blip r:embed="rId4"/>
+                      <a:stretch>
+                        <a:fillRect/>
+                      </a:stretch>
+                    </a:blipFill>
+                  </p:spPr>
+                  <p:txBody>
+                    <a:bodyPr/>
+                    <a:lstStyle/>
+                    <a:p>
+                      <a:r>
+                        <a:rPr lang="pt-BR">
+                          <a:noFill/>
+                        </a:rPr>
+                        <a:t> </a:t>
+                      </a:r>
+                    </a:p>
+                  </p:txBody>
+                </p:sp>
+              </mc:Fallback>
+            </mc:AlternateContent>
+            <mc:AlternateContent xmlns:mc="http://schemas.openxmlformats.org/markup-compatibility/2006" xmlns:a14="http://schemas.microsoft.com/office/drawing/2010/main">
+              <mc:Choice Requires="a14">
+                <p:sp>
+                  <p:nvSpPr>
+                    <p:cNvPr id="17" name="CaixaDeTexto 16">
+                      <a:extLst>
+                        <a:ext uri="{FF2B5EF4-FFF2-40B4-BE49-F238E27FC236}">
+                          <a16:creationId xmlns:a16="http://schemas.microsoft.com/office/drawing/2014/main" id="{443E934D-5711-801B-0B5C-12F96AF5817B}"/>
+                        </a:ext>
+                      </a:extLst>
+                    </p:cNvPr>
+                    <p:cNvSpPr txBox="1"/>
+                    <p:nvPr/>
+                  </p:nvSpPr>
+                  <p:spPr>
+                    <a:xfrm>
+                      <a:off x="4099817" y="3575675"/>
+                      <a:ext cx="423809" cy="295141"/>
+                    </a:xfrm>
+                    <a:prstGeom prst="rect">
+                      <a:avLst/>
+                    </a:prstGeom>
+                    <a:noFill/>
+                  </p:spPr>
+                  <p:txBody>
+                    <a:bodyPr wrap="square">
+                      <a:spAutoFit/>
+                    </a:bodyPr>
+                    <a:lstStyle/>
+                    <a:p>
+                      <a:pPr/>
+                      <a14:m>
+                        <m:oMathPara xmlns:m="http://schemas.openxmlformats.org/officeDocument/2006/math">
+                          <m:oMathParaPr>
+                            <m:jc m:val="centerGroup"/>
+                          </m:oMathParaPr>
+                          <m:oMath xmlns:m="http://schemas.openxmlformats.org/officeDocument/2006/math">
+                            <m:sSub>
+                              <m:sSubPr>
+                                <m:ctrlPr>
+                                  <a:rPr lang="pt-BR" sz="2000" i="1" smtClean="0">
+                                    <a:latin typeface="Cambria Math" panose="02040503050406030204" pitchFamily="18" charset="0"/>
+                                  </a:rPr>
+                                </m:ctrlPr>
+                              </m:sSubPr>
+                              <m:e>
+                                <m:r>
+                                  <a:rPr lang="pt-BR" sz="2000" i="1">
+                                    <a:latin typeface="Cambria Math" panose="02040503050406030204" pitchFamily="18" charset="0"/>
+                                  </a:rPr>
+                                  <m:t>𝑎</m:t>
+                                </m:r>
+                              </m:e>
+                              <m:sub>
+                                <m:r>
+                                  <a:rPr lang="pt-BR" sz="2000" i="1">
+                                    <a:latin typeface="Cambria Math" panose="02040503050406030204" pitchFamily="18" charset="0"/>
+                                  </a:rPr>
+                                  <m:t>1</m:t>
+                                </m:r>
+                              </m:sub>
+                            </m:sSub>
+                          </m:oMath>
+                        </m:oMathPara>
+                      </a14:m>
+                      <a:endParaRPr lang="pt-BR" sz="2000" dirty="0"/>
+                    </a:p>
+                  </p:txBody>
+                </p:sp>
+              </mc:Choice>
+              <mc:Fallback xmlns="">
+                <p:sp>
+                  <p:nvSpPr>
+                    <p:cNvPr id="29" name="CaixaDeTexto 28">
+                      <a:extLst>
+                        <a:ext uri="{FF2B5EF4-FFF2-40B4-BE49-F238E27FC236}">
+                          <a16:creationId xmlns:a16="http://schemas.microsoft.com/office/drawing/2014/main" id="{1FCA9EDF-24EB-6DAA-4AB3-9E76EE2FB342}"/>
+                        </a:ext>
+                      </a:extLst>
+                    </p:cNvPr>
+                    <p:cNvSpPr txBox="1">
+                      <a:spLocks noRot="1" noChangeAspect="1" noMove="1" noResize="1" noEditPoints="1" noAdjustHandles="1" noChangeArrowheads="1" noChangeShapeType="1" noTextEdit="1"/>
+                    </p:cNvSpPr>
+                    <p:nvPr/>
+                  </p:nvSpPr>
+                  <p:spPr>
+                    <a:xfrm>
+                      <a:off x="4099817" y="3575675"/>
+                      <a:ext cx="423809" cy="295141"/>
+                    </a:xfrm>
+                    <a:prstGeom prst="rect">
+                      <a:avLst/>
+                    </a:prstGeom>
+                    <a:blipFill>
+                      <a:blip r:embed="rId5"/>
+                      <a:stretch>
+                        <a:fillRect/>
+                      </a:stretch>
+                    </a:blipFill>
+                  </p:spPr>
+                  <p:txBody>
+                    <a:bodyPr/>
+                    <a:lstStyle/>
+                    <a:p>
+                      <a:r>
+                        <a:rPr lang="pt-BR">
+                          <a:noFill/>
+                        </a:rPr>
+                        <a:t> </a:t>
+                      </a:r>
+                    </a:p>
+                  </p:txBody>
+                </p:sp>
+              </mc:Fallback>
+            </mc:AlternateContent>
+            <mc:AlternateContent xmlns:mc="http://schemas.openxmlformats.org/markup-compatibility/2006" xmlns:a14="http://schemas.microsoft.com/office/drawing/2010/main">
+              <mc:Choice Requires="a14">
+                <p:sp>
+                  <p:nvSpPr>
+                    <p:cNvPr id="18" name="CaixaDeTexto 17">
+                      <a:extLst>
+                        <a:ext uri="{FF2B5EF4-FFF2-40B4-BE49-F238E27FC236}">
+                          <a16:creationId xmlns:a16="http://schemas.microsoft.com/office/drawing/2014/main" id="{837F7A79-D082-81E1-4CBD-925AE3AEB1BD}"/>
+                        </a:ext>
+                      </a:extLst>
+                    </p:cNvPr>
+                    <p:cNvSpPr txBox="1"/>
+                    <p:nvPr/>
+                  </p:nvSpPr>
+                  <p:spPr>
+                    <a:xfrm>
+                      <a:off x="4190506" y="1542308"/>
+                      <a:ext cx="557373" cy="272438"/>
+                    </a:xfrm>
+                    <a:prstGeom prst="rect">
+                      <a:avLst/>
+                    </a:prstGeom>
+                    <a:noFill/>
+                  </p:spPr>
+                  <p:txBody>
+                    <a:bodyPr wrap="square">
+                      <a:spAutoFit/>
+                    </a:bodyPr>
+                    <a:lstStyle/>
+                    <a:p>
+                      <a:pPr/>
+                      <a14:m>
+                        <m:oMathPara xmlns:m="http://schemas.openxmlformats.org/officeDocument/2006/math">
+                          <m:oMathParaPr>
+                            <m:jc m:val="centerGroup"/>
+                          </m:oMathParaPr>
+                          <m:oMath xmlns:m="http://schemas.openxmlformats.org/officeDocument/2006/math">
+                            <m:r>
+                              <a:rPr lang="pt-BR" sz="1800" b="1" i="0" smtClean="0">
+                                <a:latin typeface="Cambria Math" panose="02040503050406030204" pitchFamily="18" charset="0"/>
+                              </a:rPr>
+                              <m:t>𝐌𝐒𝐄</m:t>
+                            </m:r>
+                          </m:oMath>
+                        </m:oMathPara>
+                      </a14:m>
+                      <a:endParaRPr lang="pt-BR" b="1" dirty="0"/>
+                    </a:p>
+                  </p:txBody>
+                </p:sp>
+              </mc:Choice>
+              <mc:Fallback xmlns="">
+                <p:sp>
+                  <p:nvSpPr>
+                    <p:cNvPr id="32" name="CaixaDeTexto 31">
+                      <a:extLst>
+                        <a:ext uri="{FF2B5EF4-FFF2-40B4-BE49-F238E27FC236}">
+                          <a16:creationId xmlns:a16="http://schemas.microsoft.com/office/drawing/2014/main" id="{5C41B175-64DA-79AF-4D15-C9A59E4443D8}"/>
+                        </a:ext>
+                      </a:extLst>
+                    </p:cNvPr>
+                    <p:cNvSpPr txBox="1">
+                      <a:spLocks noRot="1" noChangeAspect="1" noMove="1" noResize="1" noEditPoints="1" noAdjustHandles="1" noChangeArrowheads="1" noChangeShapeType="1" noTextEdit="1"/>
+                    </p:cNvSpPr>
+                    <p:nvPr/>
+                  </p:nvSpPr>
+                  <p:spPr>
+                    <a:xfrm>
+                      <a:off x="4190506" y="1542308"/>
+                      <a:ext cx="557373" cy="272438"/>
+                    </a:xfrm>
+                    <a:prstGeom prst="rect">
+                      <a:avLst/>
+                    </a:prstGeom>
+                    <a:blipFill>
+                      <a:blip r:embed="rId6"/>
+                      <a:stretch>
+                        <a:fillRect/>
+                      </a:stretch>
+                    </a:blipFill>
+                  </p:spPr>
+                  <p:txBody>
+                    <a:bodyPr/>
+                    <a:lstStyle/>
+                    <a:p>
+                      <a:r>
+                        <a:rPr lang="pt-BR">
+                          <a:noFill/>
+                        </a:rPr>
+                        <a:t> </a:t>
+                      </a:r>
+                    </a:p>
+                  </p:txBody>
+                </p:sp>
+              </mc:Fallback>
+            </mc:AlternateContent>
+          </p:grpSp>
+          <p:sp>
+            <p:nvSpPr>
+              <p:cNvPr id="6" name="Elipse 5">
+                <a:extLst>
+                  <a:ext uri="{FF2B5EF4-FFF2-40B4-BE49-F238E27FC236}">
+                    <a16:creationId xmlns:a16="http://schemas.microsoft.com/office/drawing/2014/main" id="{753D0596-7D8A-84E6-B162-97698774E7BC}"/>
+                  </a:ext>
+                </a:extLst>
+              </p:cNvPr>
+              <p:cNvSpPr>
+                <a:spLocks noChangeAspect="1"/>
+              </p:cNvSpPr>
+              <p:nvPr/>
+            </p:nvSpPr>
+            <p:spPr>
               <a:xfrm>
-                <a:off x="1592492" y="1393380"/>
-                <a:ext cx="3069081" cy="2844369"/>
+                <a:off x="1548001" y="3424885"/>
+                <a:ext cx="72000" cy="72000"/>
+              </a:xfrm>
+              <a:prstGeom prst="ellipse">
+                <a:avLst/>
+              </a:prstGeom>
+              <a:solidFill>
+                <a:srgbClr val="FF0000"/>
+              </a:solidFill>
+              <a:ln>
+                <a:solidFill>
+                  <a:srgbClr val="FF0000"/>
+                </a:solidFill>
+              </a:ln>
+            </p:spPr>
+            <p:style>
+              <a:lnRef idx="2">
+                <a:schemeClr val="accent1">
+                  <a:shade val="15000"/>
+                </a:schemeClr>
+              </a:lnRef>
+              <a:fillRef idx="1">
+                <a:schemeClr val="accent1"/>
+              </a:fillRef>
+              <a:effectRef idx="0">
+                <a:schemeClr val="accent1"/>
+              </a:effectRef>
+              <a:fontRef idx="minor">
+                <a:schemeClr val="lt1"/>
+              </a:fontRef>
+            </p:style>
+            <p:txBody>
+              <a:bodyPr rtlCol="0" anchor="ctr"/>
+              <a:lstStyle/>
+              <a:p>
+                <a:pPr algn="ctr"/>
+                <a:endParaRPr lang="pt-BR" dirty="0"/>
+              </a:p>
+            </p:txBody>
+          </p:sp>
+          <p:cxnSp>
+            <p:nvCxnSpPr>
+              <p:cNvPr id="8" name="Conector reto 7">
+                <a:extLst>
+                  <a:ext uri="{FF2B5EF4-FFF2-40B4-BE49-F238E27FC236}">
+                    <a16:creationId xmlns:a16="http://schemas.microsoft.com/office/drawing/2014/main" id="{6F479719-E6C4-B962-F6C6-52D33662B977}"/>
+                  </a:ext>
+                </a:extLst>
+              </p:cNvPr>
+              <p:cNvCxnSpPr>
+                <a:cxnSpLocks/>
+                <a:endCxn id="6" idx="4"/>
+              </p:cNvCxnSpPr>
+              <p:nvPr/>
+            </p:nvCxnSpPr>
+            <p:spPr>
+              <a:xfrm flipH="1" flipV="1">
+                <a:off x="1584001" y="3496885"/>
+                <a:ext cx="11005" cy="464868"/>
+              </a:xfrm>
+              <a:prstGeom prst="line">
+                <a:avLst/>
+              </a:prstGeom>
+              <a:ln w="19050">
+                <a:solidFill>
+                  <a:schemeClr val="tx1"/>
+                </a:solidFill>
+                <a:prstDash val="sysDash"/>
+              </a:ln>
+            </p:spPr>
+            <p:style>
+              <a:lnRef idx="1">
+                <a:schemeClr val="accent1"/>
+              </a:lnRef>
+              <a:fillRef idx="0">
+                <a:schemeClr val="accent1"/>
+              </a:fillRef>
+              <a:effectRef idx="0">
+                <a:schemeClr val="accent1"/>
+              </a:effectRef>
+              <a:fontRef idx="minor">
+                <a:schemeClr val="tx1"/>
+              </a:fontRef>
+            </p:style>
+          </p:cxnSp>
+          <p:cxnSp>
+            <p:nvCxnSpPr>
+              <p:cNvPr id="9" name="Conector reto 8">
+                <a:extLst>
+                  <a:ext uri="{FF2B5EF4-FFF2-40B4-BE49-F238E27FC236}">
+                    <a16:creationId xmlns:a16="http://schemas.microsoft.com/office/drawing/2014/main" id="{3566EB52-B15F-0ADC-0621-7B26FF32C1D1}"/>
+                  </a:ext>
+                </a:extLst>
+              </p:cNvPr>
+              <p:cNvCxnSpPr>
+                <a:cxnSpLocks/>
+              </p:cNvCxnSpPr>
+              <p:nvPr/>
+            </p:nvCxnSpPr>
+            <p:spPr>
+              <a:xfrm flipH="1" flipV="1">
+                <a:off x="2644775" y="4469673"/>
+                <a:ext cx="931863" cy="278540"/>
+              </a:xfrm>
+              <a:prstGeom prst="line">
+                <a:avLst/>
+              </a:prstGeom>
+              <a:ln w="19050">
+                <a:solidFill>
+                  <a:schemeClr val="tx1"/>
+                </a:solidFill>
+                <a:prstDash val="sysDash"/>
+              </a:ln>
+            </p:spPr>
+            <p:style>
+              <a:lnRef idx="1">
+                <a:schemeClr val="accent1"/>
+              </a:lnRef>
+              <a:fillRef idx="0">
+                <a:schemeClr val="accent1"/>
+              </a:fillRef>
+              <a:effectRef idx="0">
+                <a:schemeClr val="accent1"/>
+              </a:effectRef>
+              <a:fontRef idx="minor">
+                <a:schemeClr val="tx1"/>
+              </a:fontRef>
+            </p:style>
+          </p:cxnSp>
+          <p:cxnSp>
+            <p:nvCxnSpPr>
+              <p:cNvPr id="10" name="Conector reto 9">
+                <a:extLst>
+                  <a:ext uri="{FF2B5EF4-FFF2-40B4-BE49-F238E27FC236}">
+                    <a16:creationId xmlns:a16="http://schemas.microsoft.com/office/drawing/2014/main" id="{E78B88C6-9D47-4D86-02FF-4EE1207C7079}"/>
+                  </a:ext>
+                </a:extLst>
+              </p:cNvPr>
+              <p:cNvCxnSpPr>
+                <a:cxnSpLocks/>
+              </p:cNvCxnSpPr>
+              <p:nvPr/>
+            </p:nvCxnSpPr>
+            <p:spPr>
+              <a:xfrm flipH="1">
+                <a:off x="857476" y="4155281"/>
+                <a:ext cx="737530" cy="628784"/>
+              </a:xfrm>
+              <a:prstGeom prst="line">
+                <a:avLst/>
+              </a:prstGeom>
+              <a:ln w="19050">
+                <a:solidFill>
+                  <a:schemeClr val="tx1"/>
+                </a:solidFill>
+                <a:prstDash val="sysDash"/>
+              </a:ln>
+            </p:spPr>
+            <p:style>
+              <a:lnRef idx="1">
+                <a:schemeClr val="accent1"/>
+              </a:lnRef>
+              <a:fillRef idx="0">
+                <a:schemeClr val="accent1"/>
+              </a:fillRef>
+              <a:effectRef idx="0">
+                <a:schemeClr val="accent1"/>
+              </a:effectRef>
+              <a:fontRef idx="minor">
+                <a:schemeClr val="tx1"/>
+              </a:fontRef>
+            </p:style>
+          </p:cxnSp>
+          <p:cxnSp>
+            <p:nvCxnSpPr>
+              <p:cNvPr id="11" name="Conector reto 10">
+                <a:extLst>
+                  <a:ext uri="{FF2B5EF4-FFF2-40B4-BE49-F238E27FC236}">
+                    <a16:creationId xmlns:a16="http://schemas.microsoft.com/office/drawing/2014/main" id="{DA042FA6-4FC2-9517-809F-063693D3492E}"/>
+                  </a:ext>
+                </a:extLst>
+              </p:cNvPr>
+              <p:cNvCxnSpPr>
+                <a:cxnSpLocks/>
+              </p:cNvCxnSpPr>
+              <p:nvPr/>
+            </p:nvCxnSpPr>
+            <p:spPr>
+              <a:xfrm flipH="1" flipV="1">
+                <a:off x="1600660" y="4144018"/>
+                <a:ext cx="73266" cy="32908"/>
+              </a:xfrm>
+              <a:prstGeom prst="line">
+                <a:avLst/>
+              </a:prstGeom>
+              <a:ln w="19050">
+                <a:solidFill>
+                  <a:schemeClr val="tx1"/>
+                </a:solidFill>
+                <a:prstDash val="sysDash"/>
+              </a:ln>
+            </p:spPr>
+            <p:style>
+              <a:lnRef idx="1">
+                <a:schemeClr val="accent1"/>
+              </a:lnRef>
+              <a:fillRef idx="0">
+                <a:schemeClr val="accent1"/>
+              </a:fillRef>
+              <a:effectRef idx="0">
+                <a:schemeClr val="accent1"/>
+              </a:effectRef>
+              <a:fontRef idx="minor">
+                <a:schemeClr val="tx1"/>
+              </a:fontRef>
+            </p:style>
+          </p:cxnSp>
+          <p:cxnSp>
+            <p:nvCxnSpPr>
+              <p:cNvPr id="12" name="Conector reto 11">
+                <a:extLst>
+                  <a:ext uri="{FF2B5EF4-FFF2-40B4-BE49-F238E27FC236}">
+                    <a16:creationId xmlns:a16="http://schemas.microsoft.com/office/drawing/2014/main" id="{716DF9ED-EC56-49C3-C322-EF7CA0BF65A4}"/>
+                  </a:ext>
+                </a:extLst>
+              </p:cNvPr>
+              <p:cNvCxnSpPr>
+                <a:cxnSpLocks/>
+              </p:cNvCxnSpPr>
+              <p:nvPr/>
+            </p:nvCxnSpPr>
+            <p:spPr>
+              <a:xfrm flipV="1">
+                <a:off x="1602149" y="4110038"/>
+                <a:ext cx="0" cy="40910"/>
+              </a:xfrm>
+              <a:prstGeom prst="line">
+                <a:avLst/>
+              </a:prstGeom>
+              <a:ln w="19050">
+                <a:solidFill>
+                  <a:schemeClr val="tx1"/>
+                </a:solidFill>
+                <a:prstDash val="sysDash"/>
+              </a:ln>
+            </p:spPr>
+            <p:style>
+              <a:lnRef idx="1">
+                <a:schemeClr val="accent1"/>
+              </a:lnRef>
+              <a:fillRef idx="0">
+                <a:schemeClr val="accent1"/>
+              </a:fillRef>
+              <a:effectRef idx="0">
+                <a:schemeClr val="accent1"/>
+              </a:effectRef>
+              <a:fontRef idx="minor">
+                <a:schemeClr val="tx1"/>
+              </a:fontRef>
+            </p:style>
+          </p:cxnSp>
+          <p:cxnSp>
+            <p:nvCxnSpPr>
+              <p:cNvPr id="13" name="Conector de Seta Reta 12">
+                <a:extLst>
+                  <a:ext uri="{FF2B5EF4-FFF2-40B4-BE49-F238E27FC236}">
+                    <a16:creationId xmlns:a16="http://schemas.microsoft.com/office/drawing/2014/main" id="{9C711E50-5628-B19F-099F-8D555230683F}"/>
+                  </a:ext>
+                </a:extLst>
+              </p:cNvPr>
+              <p:cNvCxnSpPr>
+                <a:cxnSpLocks/>
+              </p:cNvCxnSpPr>
+              <p:nvPr/>
+            </p:nvCxnSpPr>
+            <p:spPr>
+              <a:xfrm flipH="1" flipV="1">
+                <a:off x="2406947" y="4469673"/>
+                <a:ext cx="623733" cy="1211936"/>
+              </a:xfrm>
+              <a:prstGeom prst="straightConnector1">
+                <a:avLst/>
+              </a:prstGeom>
+              <a:ln>
+                <a:solidFill>
+                  <a:srgbClr val="FF0000"/>
+                </a:solidFill>
+                <a:tailEnd type="triangle"/>
+              </a:ln>
+            </p:spPr>
+            <p:style>
+              <a:lnRef idx="1">
+                <a:schemeClr val="accent1"/>
+              </a:lnRef>
+              <a:fillRef idx="0">
+                <a:schemeClr val="accent1"/>
+              </a:fillRef>
+              <a:effectRef idx="0">
+                <a:schemeClr val="accent1"/>
+              </a:effectRef>
+              <a:fontRef idx="minor">
+                <a:schemeClr val="tx1"/>
+              </a:fontRef>
+            </p:style>
+          </p:cxnSp>
+          <p:sp>
+            <p:nvSpPr>
+              <p:cNvPr id="14" name="CaixaDeTexto 13">
+                <a:extLst>
+                  <a:ext uri="{FF2B5EF4-FFF2-40B4-BE49-F238E27FC236}">
+                    <a16:creationId xmlns:a16="http://schemas.microsoft.com/office/drawing/2014/main" id="{63DE3061-554C-FAE5-3632-5525A4C8A9BC}"/>
+                  </a:ext>
+                </a:extLst>
+              </p:cNvPr>
+              <p:cNvSpPr txBox="1"/>
+              <p:nvPr/>
+            </p:nvSpPr>
+            <p:spPr>
+              <a:xfrm>
+                <a:off x="2426116" y="5601355"/>
+                <a:ext cx="1483596" cy="307777"/>
               </a:xfrm>
               <a:prstGeom prst="rect">
                 <a:avLst/>
               </a:prstGeom>
               <a:noFill/>
-              <a:extLst>
-                <a:ext uri="{909E8E84-426E-40DD-AFC4-6F175D3DCCD1}">
-                  <a14:hiddenFill xmlns:a14="http://schemas.microsoft.com/office/drawing/2010/main">
+            </p:spPr>
+            <p:txBody>
+              <a:bodyPr wrap="square" rtlCol="0">
+                <a:spAutoFit/>
+              </a:bodyPr>
+              <a:lstStyle/>
+              <a:p>
+                <a:r>
+                  <a:rPr lang="pt-BR" sz="1400" b="1" dirty="0">
                     <a:solidFill>
-                      <a:srgbClr val="FFFFFF"/>
+                      <a:srgbClr val="00B0F0"/>
                     </a:solidFill>
-                  </a14:hiddenFill>
-                </a:ext>
-              </a:extLst>
-            </p:spPr>
-          </p:pic>
-          <mc:AlternateContent xmlns:mc="http://schemas.openxmlformats.org/markup-compatibility/2006" xmlns:a14="http://schemas.microsoft.com/office/drawing/2010/main">
-            <mc:Choice Requires="a14">
-              <p:sp>
-                <p:nvSpPr>
-                  <p:cNvPr id="16" name="CaixaDeTexto 15">
-                    <a:extLst>
-                      <a:ext uri="{FF2B5EF4-FFF2-40B4-BE49-F238E27FC236}">
-                        <a16:creationId xmlns:a16="http://schemas.microsoft.com/office/drawing/2014/main" id="{79F1FF82-DAB9-8559-E32B-4EF2A346319E}"/>
-                      </a:ext>
-                    </a:extLst>
-                  </p:cNvPr>
-                  <p:cNvSpPr txBox="1"/>
-                  <p:nvPr/>
-                </p:nvSpPr>
-                <p:spPr>
-                  <a:xfrm>
-                    <a:off x="2025506" y="3945007"/>
-                    <a:ext cx="547099" cy="295141"/>
-                  </a:xfrm>
-                  <a:prstGeom prst="rect">
-                    <a:avLst/>
-                  </a:prstGeom>
-                  <a:noFill/>
-                </p:spPr>
-                <p:txBody>
-                  <a:bodyPr wrap="square">
-                    <a:spAutoFit/>
-                  </a:bodyPr>
-                  <a:lstStyle/>
-                  <a:p>
-                    <a:pPr/>
-                    <a14:m>
-                      <m:oMathPara xmlns:m="http://schemas.openxmlformats.org/officeDocument/2006/math">
-                        <m:oMathParaPr>
-                          <m:jc m:val="centerGroup"/>
-                        </m:oMathParaPr>
-                        <m:oMath xmlns:m="http://schemas.openxmlformats.org/officeDocument/2006/math">
-                          <m:sSub>
-                            <m:sSubPr>
-                              <m:ctrlPr>
-                                <a:rPr lang="pt-BR" sz="2000" i="1" smtClean="0">
-                                  <a:latin typeface="Cambria Math" panose="02040503050406030204" pitchFamily="18" charset="0"/>
-                                </a:rPr>
-                              </m:ctrlPr>
-                            </m:sSubPr>
-                            <m:e>
-                              <m:r>
-                                <a:rPr lang="pt-BR" sz="2000" i="1">
-                                  <a:latin typeface="Cambria Math" panose="02040503050406030204" pitchFamily="18" charset="0"/>
-                                </a:rPr>
-                                <m:t>𝑎</m:t>
-                              </m:r>
-                            </m:e>
-                            <m:sub>
-                              <m:r>
-                                <a:rPr lang="pt-BR" sz="2000" i="1">
-                                  <a:latin typeface="Cambria Math" panose="02040503050406030204" pitchFamily="18" charset="0"/>
-                                </a:rPr>
-                                <m:t>0</m:t>
-                              </m:r>
-                            </m:sub>
-                          </m:sSub>
-                        </m:oMath>
-                      </m:oMathPara>
-                    </a14:m>
-                    <a:endParaRPr lang="pt-BR" sz="2000" dirty="0"/>
-                  </a:p>
-                </p:txBody>
-              </p:sp>
-            </mc:Choice>
-            <mc:Fallback xmlns="">
-              <p:sp>
-                <p:nvSpPr>
-                  <p:cNvPr id="27" name="CaixaDeTexto 26">
-                    <a:extLst>
-                      <a:ext uri="{FF2B5EF4-FFF2-40B4-BE49-F238E27FC236}">
-                        <a16:creationId xmlns:a16="http://schemas.microsoft.com/office/drawing/2014/main" id="{00D42F04-97F1-C0EA-6B00-D0BD117CDEFF}"/>
-                      </a:ext>
-                    </a:extLst>
-                  </p:cNvPr>
-                  <p:cNvSpPr txBox="1">
-                    <a:spLocks noRot="1" noChangeAspect="1" noMove="1" noResize="1" noEditPoints="1" noAdjustHandles="1" noChangeArrowheads="1" noChangeShapeType="1" noTextEdit="1"/>
-                  </p:cNvSpPr>
-                  <p:nvPr/>
-                </p:nvSpPr>
-                <p:spPr>
-                  <a:xfrm>
-                    <a:off x="2025506" y="3945007"/>
-                    <a:ext cx="547099" cy="295141"/>
-                  </a:xfrm>
-                  <a:prstGeom prst="rect">
-                    <a:avLst/>
-                  </a:prstGeom>
-                  <a:blipFill>
-                    <a:blip r:embed="rId4"/>
-                    <a:stretch>
-                      <a:fillRect/>
-                    </a:stretch>
-                  </a:blipFill>
-                </p:spPr>
-                <p:txBody>
-                  <a:bodyPr/>
-                  <a:lstStyle/>
-                  <a:p>
-                    <a:r>
-                      <a:rPr lang="pt-BR">
-                        <a:noFill/>
-                      </a:rPr>
-                      <a:t> </a:t>
-                    </a:r>
-                  </a:p>
-                </p:txBody>
-              </p:sp>
-            </mc:Fallback>
-          </mc:AlternateContent>
-          <mc:AlternateContent xmlns:mc="http://schemas.openxmlformats.org/markup-compatibility/2006" xmlns:a14="http://schemas.microsoft.com/office/drawing/2010/main">
-            <mc:Choice Requires="a14">
-              <p:sp>
-                <p:nvSpPr>
-                  <p:cNvPr id="17" name="CaixaDeTexto 16">
-                    <a:extLst>
-                      <a:ext uri="{FF2B5EF4-FFF2-40B4-BE49-F238E27FC236}">
-                        <a16:creationId xmlns:a16="http://schemas.microsoft.com/office/drawing/2014/main" id="{443E934D-5711-801B-0B5C-12F96AF5817B}"/>
-                      </a:ext>
-                    </a:extLst>
-                  </p:cNvPr>
-                  <p:cNvSpPr txBox="1"/>
-                  <p:nvPr/>
-                </p:nvSpPr>
-                <p:spPr>
-                  <a:xfrm>
-                    <a:off x="4099817" y="3575675"/>
-                    <a:ext cx="423809" cy="295141"/>
-                  </a:xfrm>
-                  <a:prstGeom prst="rect">
-                    <a:avLst/>
-                  </a:prstGeom>
-                  <a:noFill/>
-                </p:spPr>
-                <p:txBody>
-                  <a:bodyPr wrap="square">
-                    <a:spAutoFit/>
-                  </a:bodyPr>
-                  <a:lstStyle/>
-                  <a:p>
-                    <a:pPr/>
-                    <a14:m>
-                      <m:oMathPara xmlns:m="http://schemas.openxmlformats.org/officeDocument/2006/math">
-                        <m:oMathParaPr>
-                          <m:jc m:val="centerGroup"/>
-                        </m:oMathParaPr>
-                        <m:oMath xmlns:m="http://schemas.openxmlformats.org/officeDocument/2006/math">
-                          <m:sSub>
-                            <m:sSubPr>
-                              <m:ctrlPr>
-                                <a:rPr lang="pt-BR" sz="2000" i="1" smtClean="0">
-                                  <a:latin typeface="Cambria Math" panose="02040503050406030204" pitchFamily="18" charset="0"/>
-                                </a:rPr>
-                              </m:ctrlPr>
-                            </m:sSubPr>
-                            <m:e>
-                              <m:r>
-                                <a:rPr lang="pt-BR" sz="2000" i="1">
-                                  <a:latin typeface="Cambria Math" panose="02040503050406030204" pitchFamily="18" charset="0"/>
-                                </a:rPr>
-                                <m:t>𝑎</m:t>
-                              </m:r>
-                            </m:e>
-                            <m:sub>
-                              <m:r>
-                                <a:rPr lang="pt-BR" sz="2000" i="1">
-                                  <a:latin typeface="Cambria Math" panose="02040503050406030204" pitchFamily="18" charset="0"/>
-                                </a:rPr>
-                                <m:t>1</m:t>
-                              </m:r>
-                            </m:sub>
-                          </m:sSub>
-                        </m:oMath>
-                      </m:oMathPara>
-                    </a14:m>
-                    <a:endParaRPr lang="pt-BR" sz="2000" dirty="0"/>
-                  </a:p>
-                </p:txBody>
-              </p:sp>
-            </mc:Choice>
-            <mc:Fallback xmlns="">
-              <p:sp>
-                <p:nvSpPr>
-                  <p:cNvPr id="29" name="CaixaDeTexto 28">
-                    <a:extLst>
-                      <a:ext uri="{FF2B5EF4-FFF2-40B4-BE49-F238E27FC236}">
-                        <a16:creationId xmlns:a16="http://schemas.microsoft.com/office/drawing/2014/main" id="{1FCA9EDF-24EB-6DAA-4AB3-9E76EE2FB342}"/>
-                      </a:ext>
-                    </a:extLst>
-                  </p:cNvPr>
-                  <p:cNvSpPr txBox="1">
-                    <a:spLocks noRot="1" noChangeAspect="1" noMove="1" noResize="1" noEditPoints="1" noAdjustHandles="1" noChangeArrowheads="1" noChangeShapeType="1" noTextEdit="1"/>
-                  </p:cNvSpPr>
-                  <p:nvPr/>
-                </p:nvSpPr>
-                <p:spPr>
-                  <a:xfrm>
-                    <a:off x="4099817" y="3575675"/>
-                    <a:ext cx="423809" cy="295141"/>
-                  </a:xfrm>
-                  <a:prstGeom prst="rect">
-                    <a:avLst/>
-                  </a:prstGeom>
-                  <a:blipFill>
-                    <a:blip r:embed="rId5"/>
-                    <a:stretch>
-                      <a:fillRect/>
-                    </a:stretch>
-                  </a:blipFill>
-                </p:spPr>
-                <p:txBody>
-                  <a:bodyPr/>
-                  <a:lstStyle/>
-                  <a:p>
-                    <a:r>
-                      <a:rPr lang="pt-BR">
-                        <a:noFill/>
-                      </a:rPr>
-                      <a:t> </a:t>
-                    </a:r>
-                  </a:p>
-                </p:txBody>
-              </p:sp>
-            </mc:Fallback>
-          </mc:AlternateContent>
-          <mc:AlternateContent xmlns:mc="http://schemas.openxmlformats.org/markup-compatibility/2006" xmlns:a14="http://schemas.microsoft.com/office/drawing/2010/main">
-            <mc:Choice Requires="a14">
-              <p:sp>
-                <p:nvSpPr>
-                  <p:cNvPr id="18" name="CaixaDeTexto 17">
-                    <a:extLst>
-                      <a:ext uri="{FF2B5EF4-FFF2-40B4-BE49-F238E27FC236}">
-                        <a16:creationId xmlns:a16="http://schemas.microsoft.com/office/drawing/2014/main" id="{837F7A79-D082-81E1-4CBD-925AE3AEB1BD}"/>
-                      </a:ext>
-                    </a:extLst>
-                  </p:cNvPr>
-                  <p:cNvSpPr txBox="1"/>
-                  <p:nvPr/>
-                </p:nvSpPr>
-                <p:spPr>
-                  <a:xfrm>
-                    <a:off x="4190506" y="1542308"/>
-                    <a:ext cx="557373" cy="272438"/>
-                  </a:xfrm>
-                  <a:prstGeom prst="rect">
-                    <a:avLst/>
-                  </a:prstGeom>
-                  <a:noFill/>
-                </p:spPr>
-                <p:txBody>
-                  <a:bodyPr wrap="square">
-                    <a:spAutoFit/>
-                  </a:bodyPr>
-                  <a:lstStyle/>
-                  <a:p>
-                    <a:pPr/>
-                    <a14:m>
-                      <m:oMathPara xmlns:m="http://schemas.openxmlformats.org/officeDocument/2006/math">
-                        <m:oMathParaPr>
-                          <m:jc m:val="centerGroup"/>
-                        </m:oMathParaPr>
-                        <m:oMath xmlns:m="http://schemas.openxmlformats.org/officeDocument/2006/math">
-                          <m:r>
-                            <a:rPr lang="pt-BR" sz="1800" b="1" i="0" smtClean="0">
-                              <a:latin typeface="Cambria Math" panose="02040503050406030204" pitchFamily="18" charset="0"/>
-                            </a:rPr>
-                            <m:t>𝐌𝐒𝐄</m:t>
-                          </m:r>
-                        </m:oMath>
-                      </m:oMathPara>
-                    </a14:m>
-                    <a:endParaRPr lang="pt-BR" b="1" dirty="0"/>
-                  </a:p>
-                </p:txBody>
-              </p:sp>
-            </mc:Choice>
-            <mc:Fallback xmlns="">
-              <p:sp>
-                <p:nvSpPr>
-                  <p:cNvPr id="32" name="CaixaDeTexto 31">
-                    <a:extLst>
-                      <a:ext uri="{FF2B5EF4-FFF2-40B4-BE49-F238E27FC236}">
-                        <a16:creationId xmlns:a16="http://schemas.microsoft.com/office/drawing/2014/main" id="{5C41B175-64DA-79AF-4D15-C9A59E4443D8}"/>
-                      </a:ext>
-                    </a:extLst>
-                  </p:cNvPr>
-                  <p:cNvSpPr txBox="1">
-                    <a:spLocks noRot="1" noChangeAspect="1" noMove="1" noResize="1" noEditPoints="1" noAdjustHandles="1" noChangeArrowheads="1" noChangeShapeType="1" noTextEdit="1"/>
-                  </p:cNvSpPr>
-                  <p:nvPr/>
-                </p:nvSpPr>
-                <p:spPr>
-                  <a:xfrm>
-                    <a:off x="4190506" y="1542308"/>
-                    <a:ext cx="557373" cy="272438"/>
-                  </a:xfrm>
-                  <a:prstGeom prst="rect">
-                    <a:avLst/>
-                  </a:prstGeom>
-                  <a:blipFill>
-                    <a:blip r:embed="rId6"/>
-                    <a:stretch>
-                      <a:fillRect/>
-                    </a:stretch>
-                  </a:blipFill>
-                </p:spPr>
-                <p:txBody>
-                  <a:bodyPr/>
-                  <a:lstStyle/>
-                  <a:p>
-                    <a:r>
-                      <a:rPr lang="pt-BR">
-                        <a:noFill/>
-                      </a:rPr>
-                      <a:t> </a:t>
-                    </a:r>
-                  </a:p>
-                </p:txBody>
-              </p:sp>
-            </mc:Fallback>
-          </mc:AlternateContent>
+                  </a:rPr>
+                  <a:t>ponto de mínimo</a:t>
+                </a:r>
+              </a:p>
+            </p:txBody>
+          </p:sp>
         </p:grpSp>
         <p:sp>
           <p:nvSpPr>
-            <p:cNvPr id="6" name="Elipse 5">
+            <p:cNvPr id="20" name="Elipse 19">
               <a:extLst>
                 <a:ext uri="{FF2B5EF4-FFF2-40B4-BE49-F238E27FC236}">
-                  <a16:creationId xmlns:a16="http://schemas.microsoft.com/office/drawing/2014/main" id="{753D0596-7D8A-84E6-B162-97698774E7BC}"/>
+                  <a16:creationId xmlns:a16="http://schemas.microsoft.com/office/drawing/2014/main" id="{63395918-0530-9B68-22F7-52BB772E432F}"/>
                 </a:ext>
               </a:extLst>
             </p:cNvPr>
@@ -23059,7 +23440,175 @@
           </p:nvSpPr>
           <p:spPr>
             <a:xfrm>
-              <a:off x="1548001" y="3424885"/>
+              <a:off x="2099351" y="3779808"/>
+              <a:ext cx="72000" cy="72000"/>
+            </a:xfrm>
+            <a:prstGeom prst="ellipse">
+              <a:avLst/>
+            </a:prstGeom>
+            <a:solidFill>
+              <a:srgbClr val="FF0000"/>
+            </a:solidFill>
+            <a:ln>
+              <a:solidFill>
+                <a:srgbClr val="FF0000"/>
+              </a:solidFill>
+            </a:ln>
+          </p:spPr>
+          <p:style>
+            <a:lnRef idx="2">
+              <a:schemeClr val="accent1">
+                <a:shade val="15000"/>
+              </a:schemeClr>
+            </a:lnRef>
+            <a:fillRef idx="1">
+              <a:schemeClr val="accent1"/>
+            </a:fillRef>
+            <a:effectRef idx="0">
+              <a:schemeClr val="accent1"/>
+            </a:effectRef>
+            <a:fontRef idx="minor">
+              <a:schemeClr val="lt1"/>
+            </a:fontRef>
+          </p:style>
+          <p:txBody>
+            <a:bodyPr rtlCol="0" anchor="ctr"/>
+            <a:lstStyle/>
+            <a:p>
+              <a:pPr algn="ctr"/>
+              <a:endParaRPr lang="pt-BR" dirty="0"/>
+            </a:p>
+          </p:txBody>
+        </p:sp>
+        <p:sp>
+          <p:nvSpPr>
+            <p:cNvPr id="21" name="Elipse 20">
+              <a:extLst>
+                <a:ext uri="{FF2B5EF4-FFF2-40B4-BE49-F238E27FC236}">
+                  <a16:creationId xmlns:a16="http://schemas.microsoft.com/office/drawing/2014/main" id="{0529F877-C5ED-2E1B-244D-784C90C54587}"/>
+                </a:ext>
+              </a:extLst>
+            </p:cNvPr>
+            <p:cNvSpPr>
+              <a:spLocks noChangeAspect="1"/>
+            </p:cNvSpPr>
+            <p:nvPr/>
+          </p:nvSpPr>
+          <p:spPr>
+            <a:xfrm>
+              <a:off x="2192811" y="3941684"/>
+              <a:ext cx="72000" cy="72000"/>
+            </a:xfrm>
+            <a:prstGeom prst="ellipse">
+              <a:avLst/>
+            </a:prstGeom>
+            <a:solidFill>
+              <a:srgbClr val="FF0000"/>
+            </a:solidFill>
+            <a:ln>
+              <a:solidFill>
+                <a:srgbClr val="FF0000"/>
+              </a:solidFill>
+            </a:ln>
+          </p:spPr>
+          <p:style>
+            <a:lnRef idx="2">
+              <a:schemeClr val="accent1">
+                <a:shade val="15000"/>
+              </a:schemeClr>
+            </a:lnRef>
+            <a:fillRef idx="1">
+              <a:schemeClr val="accent1"/>
+            </a:fillRef>
+            <a:effectRef idx="0">
+              <a:schemeClr val="accent1"/>
+            </a:effectRef>
+            <a:fontRef idx="minor">
+              <a:schemeClr val="lt1"/>
+            </a:fontRef>
+          </p:style>
+          <p:txBody>
+            <a:bodyPr rtlCol="0" anchor="ctr"/>
+            <a:lstStyle/>
+            <a:p>
+              <a:pPr algn="ctr"/>
+              <a:endParaRPr lang="pt-BR" dirty="0"/>
+            </a:p>
+          </p:txBody>
+        </p:sp>
+        <p:sp>
+          <p:nvSpPr>
+            <p:cNvPr id="22" name="Elipse 21">
+              <a:extLst>
+                <a:ext uri="{FF2B5EF4-FFF2-40B4-BE49-F238E27FC236}">
+                  <a16:creationId xmlns:a16="http://schemas.microsoft.com/office/drawing/2014/main" id="{8F34BE39-5691-A580-2510-188C1C53276B}"/>
+                </a:ext>
+              </a:extLst>
+            </p:cNvPr>
+            <p:cNvSpPr>
+              <a:spLocks noChangeAspect="1"/>
+            </p:cNvSpPr>
+            <p:nvPr/>
+          </p:nvSpPr>
+          <p:spPr>
+            <a:xfrm>
+              <a:off x="2316384" y="4063903"/>
+              <a:ext cx="72000" cy="72000"/>
+            </a:xfrm>
+            <a:prstGeom prst="ellipse">
+              <a:avLst/>
+            </a:prstGeom>
+            <a:solidFill>
+              <a:srgbClr val="FF0000"/>
+            </a:solidFill>
+            <a:ln>
+              <a:solidFill>
+                <a:srgbClr val="FF0000"/>
+              </a:solidFill>
+            </a:ln>
+          </p:spPr>
+          <p:style>
+            <a:lnRef idx="2">
+              <a:schemeClr val="accent1">
+                <a:shade val="15000"/>
+              </a:schemeClr>
+            </a:lnRef>
+            <a:fillRef idx="1">
+              <a:schemeClr val="accent1"/>
+            </a:fillRef>
+            <a:effectRef idx="0">
+              <a:schemeClr val="accent1"/>
+            </a:effectRef>
+            <a:fontRef idx="minor">
+              <a:schemeClr val="lt1"/>
+            </a:fontRef>
+          </p:style>
+          <p:txBody>
+            <a:bodyPr rtlCol="0" anchor="ctr"/>
+            <a:lstStyle/>
+            <a:p>
+              <a:pPr algn="ctr"/>
+              <a:endParaRPr lang="pt-BR" dirty="0"/>
+            </a:p>
+          </p:txBody>
+        </p:sp>
+        <p:sp>
+          <p:nvSpPr>
+            <p:cNvPr id="23" name="Elipse 22">
+              <a:extLst>
+                <a:ext uri="{FF2B5EF4-FFF2-40B4-BE49-F238E27FC236}">
+                  <a16:creationId xmlns:a16="http://schemas.microsoft.com/office/drawing/2014/main" id="{9F0AFFF7-43DE-1015-3F3B-AAF3DDF52E0C}"/>
+                </a:ext>
+              </a:extLst>
+            </p:cNvPr>
+            <p:cNvSpPr>
+              <a:spLocks noChangeAspect="1"/>
+            </p:cNvSpPr>
+            <p:nvPr/>
+          </p:nvSpPr>
+          <p:spPr>
+            <a:xfrm>
+              <a:off x="2490467" y="4126542"/>
               <a:ext cx="72000" cy="72000"/>
             </a:xfrm>
             <a:prstGeom prst="ellipse">
@@ -23101,32 +23650,36 @@
         </p:sp>
         <p:cxnSp>
           <p:nvCxnSpPr>
-            <p:cNvPr id="8" name="Conector reto 7">
+            <p:cNvPr id="25" name="Conector: Curvo 24">
               <a:extLst>
                 <a:ext uri="{FF2B5EF4-FFF2-40B4-BE49-F238E27FC236}">
-                  <a16:creationId xmlns:a16="http://schemas.microsoft.com/office/drawing/2014/main" id="{6F479719-E6C4-B962-F6C6-52D33662B977}"/>
+                  <a16:creationId xmlns:a16="http://schemas.microsoft.com/office/drawing/2014/main" id="{E4F3E26A-F810-43AC-924F-BF461C5FB86E}"/>
                 </a:ext>
               </a:extLst>
             </p:cNvPr>
             <p:cNvCxnSpPr>
               <a:cxnSpLocks/>
-              <a:endCxn id="6" idx="4"/>
+              <a:stCxn id="6" idx="0"/>
+              <a:endCxn id="20" idx="0"/>
             </p:cNvCxnSpPr>
             <p:nvPr/>
           </p:nvCxnSpPr>
           <p:spPr>
-            <a:xfrm flipH="1" flipV="1">
-              <a:off x="1584001" y="3496885"/>
-              <a:ext cx="11005" cy="464868"/>
+            <a:xfrm rot="16200000" flipH="1">
+              <a:off x="1980164" y="3624622"/>
+              <a:ext cx="241907" cy="68465"/>
             </a:xfrm>
-            <a:prstGeom prst="line">
-              <a:avLst/>
+            <a:prstGeom prst="curvedConnector3">
+              <a:avLst>
+                <a:gd name="adj1" fmla="val -29531"/>
+              </a:avLst>
             </a:prstGeom>
-            <a:ln w="19050">
+            <a:ln>
               <a:solidFill>
-                <a:schemeClr val="tx1"/>
+                <a:srgbClr val="FF0000"/>
               </a:solidFill>
-              <a:prstDash val="sysDash"/>
+              <a:prstDash val="dash"/>
+              <a:tailEnd type="triangle"/>
             </a:ln>
           </p:spPr>
           <p:style>
@@ -23146,31 +23699,36 @@
         </p:cxnSp>
         <p:cxnSp>
           <p:nvCxnSpPr>
-            <p:cNvPr id="9" name="Conector reto 8">
+            <p:cNvPr id="31" name="Conector: Curvo 30">
               <a:extLst>
                 <a:ext uri="{FF2B5EF4-FFF2-40B4-BE49-F238E27FC236}">
-                  <a16:creationId xmlns:a16="http://schemas.microsoft.com/office/drawing/2014/main" id="{3566EB52-B15F-0ADC-0621-7B26FF32C1D1}"/>
+                  <a16:creationId xmlns:a16="http://schemas.microsoft.com/office/drawing/2014/main" id="{C3043666-BB5A-C502-359A-4A3917065792}"/>
                 </a:ext>
               </a:extLst>
             </p:cNvPr>
             <p:cNvCxnSpPr>
               <a:cxnSpLocks/>
+              <a:stCxn id="20" idx="0"/>
+              <a:endCxn id="21" idx="0"/>
             </p:cNvCxnSpPr>
             <p:nvPr/>
           </p:nvCxnSpPr>
           <p:spPr>
-            <a:xfrm flipH="1" flipV="1">
-              <a:off x="2644775" y="4469673"/>
-              <a:ext cx="931863" cy="278540"/>
+            <a:xfrm rot="16200000" flipH="1">
+              <a:off x="2101143" y="3814016"/>
+              <a:ext cx="161876" cy="93460"/>
             </a:xfrm>
-            <a:prstGeom prst="line">
-              <a:avLst/>
+            <a:prstGeom prst="curvedConnector3">
+              <a:avLst>
+                <a:gd name="adj1" fmla="val -85320"/>
+              </a:avLst>
             </a:prstGeom>
-            <a:ln w="19050">
+            <a:ln>
               <a:solidFill>
-                <a:schemeClr val="tx1"/>
+                <a:srgbClr val="FF0000"/>
               </a:solidFill>
-              <a:prstDash val="sysDash"/>
+              <a:prstDash val="dash"/>
+              <a:tailEnd type="triangle"/>
             </a:ln>
           </p:spPr>
           <p:style>
@@ -23190,31 +23748,36 @@
         </p:cxnSp>
         <p:cxnSp>
           <p:nvCxnSpPr>
-            <p:cNvPr id="10" name="Conector reto 9">
+            <p:cNvPr id="36" name="Conector: Curvo 35">
               <a:extLst>
                 <a:ext uri="{FF2B5EF4-FFF2-40B4-BE49-F238E27FC236}">
-                  <a16:creationId xmlns:a16="http://schemas.microsoft.com/office/drawing/2014/main" id="{E78B88C6-9D47-4D86-02FF-4EE1207C7079}"/>
+                  <a16:creationId xmlns:a16="http://schemas.microsoft.com/office/drawing/2014/main" id="{CDD58E5F-EA2D-BB70-6D90-8E84E5EE604A}"/>
                 </a:ext>
               </a:extLst>
             </p:cNvPr>
             <p:cNvCxnSpPr>
               <a:cxnSpLocks/>
+              <a:stCxn id="21" idx="0"/>
+              <a:endCxn id="22" idx="0"/>
             </p:cNvCxnSpPr>
             <p:nvPr/>
           </p:nvCxnSpPr>
           <p:spPr>
-            <a:xfrm flipH="1">
-              <a:off x="857476" y="4155281"/>
-              <a:ext cx="737530" cy="628784"/>
+            <a:xfrm rot="16200000" flipH="1">
+              <a:off x="2229487" y="3941007"/>
+              <a:ext cx="122219" cy="123573"/>
             </a:xfrm>
-            <a:prstGeom prst="line">
-              <a:avLst/>
+            <a:prstGeom prst="curvedConnector3">
+              <a:avLst>
+                <a:gd name="adj1" fmla="val -120798"/>
+              </a:avLst>
             </a:prstGeom>
-            <a:ln w="19050">
+            <a:ln>
               <a:solidFill>
-                <a:schemeClr val="tx1"/>
+                <a:srgbClr val="FF0000"/>
               </a:solidFill>
-              <a:prstDash val="sysDash"/>
+              <a:prstDash val="dash"/>
+              <a:tailEnd type="triangle"/>
             </a:ln>
           </p:spPr>
           <p:style>
@@ -23234,118 +23797,35 @@
         </p:cxnSp>
         <p:cxnSp>
           <p:nvCxnSpPr>
-            <p:cNvPr id="11" name="Conector reto 10">
+            <p:cNvPr id="40" name="Conector: Curvo 39">
               <a:extLst>
                 <a:ext uri="{FF2B5EF4-FFF2-40B4-BE49-F238E27FC236}">
-                  <a16:creationId xmlns:a16="http://schemas.microsoft.com/office/drawing/2014/main" id="{DA042FA6-4FC2-9517-809F-063693D3492E}"/>
+                  <a16:creationId xmlns:a16="http://schemas.microsoft.com/office/drawing/2014/main" id="{0AA4F48C-5159-C330-2619-A60D9B827A22}"/>
                 </a:ext>
               </a:extLst>
             </p:cNvPr>
             <p:cNvCxnSpPr>
               <a:cxnSpLocks/>
+              <a:stCxn id="22" idx="0"/>
+              <a:endCxn id="23" idx="0"/>
             </p:cNvCxnSpPr>
             <p:nvPr/>
           </p:nvCxnSpPr>
           <p:spPr>
-            <a:xfrm flipH="1" flipV="1">
-              <a:off x="1600660" y="4144018"/>
-              <a:ext cx="73266" cy="32908"/>
+            <a:xfrm rot="16200000" flipH="1">
+              <a:off x="2408105" y="4008181"/>
+              <a:ext cx="62639" cy="174083"/>
             </a:xfrm>
-            <a:prstGeom prst="line">
-              <a:avLst/>
-            </a:prstGeom>
-            <a:ln w="19050">
-              <a:solidFill>
-                <a:schemeClr val="tx1"/>
-              </a:solidFill>
-              <a:prstDash val="sysDash"/>
-            </a:ln>
-          </p:spPr>
-          <p:style>
-            <a:lnRef idx="1">
-              <a:schemeClr val="accent1"/>
-            </a:lnRef>
-            <a:fillRef idx="0">
-              <a:schemeClr val="accent1"/>
-            </a:fillRef>
-            <a:effectRef idx="0">
-              <a:schemeClr val="accent1"/>
-            </a:effectRef>
-            <a:fontRef idx="minor">
-              <a:schemeClr val="tx1"/>
-            </a:fontRef>
-          </p:style>
-        </p:cxnSp>
-        <p:cxnSp>
-          <p:nvCxnSpPr>
-            <p:cNvPr id="12" name="Conector reto 11">
-              <a:extLst>
-                <a:ext uri="{FF2B5EF4-FFF2-40B4-BE49-F238E27FC236}">
-                  <a16:creationId xmlns:a16="http://schemas.microsoft.com/office/drawing/2014/main" id="{716DF9ED-EC56-49C3-C322-EF7CA0BF65A4}"/>
-                </a:ext>
-              </a:extLst>
-            </p:cNvPr>
-            <p:cNvCxnSpPr>
-              <a:cxnSpLocks/>
-            </p:cNvCxnSpPr>
-            <p:nvPr/>
-          </p:nvCxnSpPr>
-          <p:spPr>
-            <a:xfrm flipV="1">
-              <a:off x="1602149" y="4110038"/>
-              <a:ext cx="0" cy="40910"/>
-            </a:xfrm>
-            <a:prstGeom prst="line">
-              <a:avLst/>
-            </a:prstGeom>
-            <a:ln w="19050">
-              <a:solidFill>
-                <a:schemeClr val="tx1"/>
-              </a:solidFill>
-              <a:prstDash val="sysDash"/>
-            </a:ln>
-          </p:spPr>
-          <p:style>
-            <a:lnRef idx="1">
-              <a:schemeClr val="accent1"/>
-            </a:lnRef>
-            <a:fillRef idx="0">
-              <a:schemeClr val="accent1"/>
-            </a:fillRef>
-            <a:effectRef idx="0">
-              <a:schemeClr val="accent1"/>
-            </a:effectRef>
-            <a:fontRef idx="minor">
-              <a:schemeClr val="tx1"/>
-            </a:fontRef>
-          </p:style>
-        </p:cxnSp>
-        <p:cxnSp>
-          <p:nvCxnSpPr>
-            <p:cNvPr id="13" name="Conector de Seta Reta 12">
-              <a:extLst>
-                <a:ext uri="{FF2B5EF4-FFF2-40B4-BE49-F238E27FC236}">
-                  <a16:creationId xmlns:a16="http://schemas.microsoft.com/office/drawing/2014/main" id="{9C711E50-5628-B19F-099F-8D555230683F}"/>
-                </a:ext>
-              </a:extLst>
-            </p:cNvPr>
-            <p:cNvCxnSpPr>
-              <a:cxnSpLocks/>
-            </p:cNvCxnSpPr>
-            <p:nvPr/>
-          </p:nvCxnSpPr>
-          <p:spPr>
-            <a:xfrm flipH="1" flipV="1">
-              <a:off x="2406947" y="4469673"/>
-              <a:ext cx="623733" cy="1211936"/>
-            </a:xfrm>
-            <a:prstGeom prst="straightConnector1">
-              <a:avLst/>
+            <a:prstGeom prst="curvedConnector3">
+              <a:avLst>
+                <a:gd name="adj1" fmla="val -235697"/>
+              </a:avLst>
             </a:prstGeom>
             <a:ln>
               <a:solidFill>
                 <a:srgbClr val="FF0000"/>
               </a:solidFill>
+              <a:prstDash val="dash"/>
               <a:tailEnd type="triangle"/>
             </a:ln>
           </p:spPr>
@@ -23366,10 +23846,10 @@
         </p:cxnSp>
         <p:sp>
           <p:nvSpPr>
-            <p:cNvPr id="14" name="CaixaDeTexto 13">
+            <p:cNvPr id="46" name="CaixaDeTexto 45">
               <a:extLst>
                 <a:ext uri="{FF2B5EF4-FFF2-40B4-BE49-F238E27FC236}">
-                  <a16:creationId xmlns:a16="http://schemas.microsoft.com/office/drawing/2014/main" id="{63DE3061-554C-FAE5-3632-5525A4C8A9BC}"/>
+                  <a16:creationId xmlns:a16="http://schemas.microsoft.com/office/drawing/2014/main" id="{14539003-1BD8-17D2-A460-9687F6449CF4}"/>
                 </a:ext>
               </a:extLst>
             </p:cNvPr>
@@ -23378,8 +23858,8 @@
           </p:nvSpPr>
           <p:spPr>
             <a:xfrm>
-              <a:off x="2426116" y="5601355"/>
-              <a:ext cx="1483596" cy="307777"/>
+              <a:off x="2085034" y="3336761"/>
+              <a:ext cx="1753377" cy="276999"/>
             </a:xfrm>
             <a:prstGeom prst="rect">
               <a:avLst/>
@@ -23393,472 +23873,13 @@
             <a:lstStyle/>
             <a:p>
               <a:r>
-                <a:rPr lang="pt-BR" sz="1400" b="1" dirty="0">
-                  <a:solidFill>
-                    <a:srgbClr val="00B0F0"/>
-                  </a:solidFill>
-                </a:rPr>
-                <a:t>ponto de mínimo</a:t>
+                <a:rPr lang="pt-BR" sz="1200" dirty="0"/>
+                <a:t>iterações/atualizações</a:t>
               </a:r>
             </a:p>
           </p:txBody>
         </p:sp>
       </p:grpSp>
-      <p:sp>
-        <p:nvSpPr>
-          <p:cNvPr id="20" name="Elipse 19">
-            <a:extLst>
-              <a:ext uri="{FF2B5EF4-FFF2-40B4-BE49-F238E27FC236}">
-                <a16:creationId xmlns:a16="http://schemas.microsoft.com/office/drawing/2014/main" id="{63395918-0530-9B68-22F7-52BB772E432F}"/>
-              </a:ext>
-            </a:extLst>
-          </p:cNvPr>
-          <p:cNvSpPr>
-            <a:spLocks noChangeAspect="1"/>
-          </p:cNvSpPr>
-          <p:nvPr/>
-        </p:nvSpPr>
-        <p:spPr>
-          <a:xfrm>
-            <a:off x="2099351" y="3779808"/>
-            <a:ext cx="72000" cy="72000"/>
-          </a:xfrm>
-          <a:prstGeom prst="ellipse">
-            <a:avLst/>
-          </a:prstGeom>
-          <a:solidFill>
-            <a:srgbClr val="FF0000"/>
-          </a:solidFill>
-          <a:ln>
-            <a:solidFill>
-              <a:srgbClr val="FF0000"/>
-            </a:solidFill>
-          </a:ln>
-        </p:spPr>
-        <p:style>
-          <a:lnRef idx="2">
-            <a:schemeClr val="accent1">
-              <a:shade val="15000"/>
-            </a:schemeClr>
-          </a:lnRef>
-          <a:fillRef idx="1">
-            <a:schemeClr val="accent1"/>
-          </a:fillRef>
-          <a:effectRef idx="0">
-            <a:schemeClr val="accent1"/>
-          </a:effectRef>
-          <a:fontRef idx="minor">
-            <a:schemeClr val="lt1"/>
-          </a:fontRef>
-        </p:style>
-        <p:txBody>
-          <a:bodyPr rtlCol="0" anchor="ctr"/>
-          <a:lstStyle/>
-          <a:p>
-            <a:pPr algn="ctr"/>
-            <a:endParaRPr lang="pt-BR" dirty="0"/>
-          </a:p>
-        </p:txBody>
-      </p:sp>
-      <p:sp>
-        <p:nvSpPr>
-          <p:cNvPr id="21" name="Elipse 20">
-            <a:extLst>
-              <a:ext uri="{FF2B5EF4-FFF2-40B4-BE49-F238E27FC236}">
-                <a16:creationId xmlns:a16="http://schemas.microsoft.com/office/drawing/2014/main" id="{0529F877-C5ED-2E1B-244D-784C90C54587}"/>
-              </a:ext>
-            </a:extLst>
-          </p:cNvPr>
-          <p:cNvSpPr>
-            <a:spLocks noChangeAspect="1"/>
-          </p:cNvSpPr>
-          <p:nvPr/>
-        </p:nvSpPr>
-        <p:spPr>
-          <a:xfrm>
-            <a:off x="2192811" y="3941684"/>
-            <a:ext cx="72000" cy="72000"/>
-          </a:xfrm>
-          <a:prstGeom prst="ellipse">
-            <a:avLst/>
-          </a:prstGeom>
-          <a:solidFill>
-            <a:srgbClr val="FF0000"/>
-          </a:solidFill>
-          <a:ln>
-            <a:solidFill>
-              <a:srgbClr val="FF0000"/>
-            </a:solidFill>
-          </a:ln>
-        </p:spPr>
-        <p:style>
-          <a:lnRef idx="2">
-            <a:schemeClr val="accent1">
-              <a:shade val="15000"/>
-            </a:schemeClr>
-          </a:lnRef>
-          <a:fillRef idx="1">
-            <a:schemeClr val="accent1"/>
-          </a:fillRef>
-          <a:effectRef idx="0">
-            <a:schemeClr val="accent1"/>
-          </a:effectRef>
-          <a:fontRef idx="minor">
-            <a:schemeClr val="lt1"/>
-          </a:fontRef>
-        </p:style>
-        <p:txBody>
-          <a:bodyPr rtlCol="0" anchor="ctr"/>
-          <a:lstStyle/>
-          <a:p>
-            <a:pPr algn="ctr"/>
-            <a:endParaRPr lang="pt-BR" dirty="0"/>
-          </a:p>
-        </p:txBody>
-      </p:sp>
-      <p:sp>
-        <p:nvSpPr>
-          <p:cNvPr id="22" name="Elipse 21">
-            <a:extLst>
-              <a:ext uri="{FF2B5EF4-FFF2-40B4-BE49-F238E27FC236}">
-                <a16:creationId xmlns:a16="http://schemas.microsoft.com/office/drawing/2014/main" id="{8F34BE39-5691-A580-2510-188C1C53276B}"/>
-              </a:ext>
-            </a:extLst>
-          </p:cNvPr>
-          <p:cNvSpPr>
-            <a:spLocks noChangeAspect="1"/>
-          </p:cNvSpPr>
-          <p:nvPr/>
-        </p:nvSpPr>
-        <p:spPr>
-          <a:xfrm>
-            <a:off x="2316384" y="4063903"/>
-            <a:ext cx="72000" cy="72000"/>
-          </a:xfrm>
-          <a:prstGeom prst="ellipse">
-            <a:avLst/>
-          </a:prstGeom>
-          <a:solidFill>
-            <a:srgbClr val="FF0000"/>
-          </a:solidFill>
-          <a:ln>
-            <a:solidFill>
-              <a:srgbClr val="FF0000"/>
-            </a:solidFill>
-          </a:ln>
-        </p:spPr>
-        <p:style>
-          <a:lnRef idx="2">
-            <a:schemeClr val="accent1">
-              <a:shade val="15000"/>
-            </a:schemeClr>
-          </a:lnRef>
-          <a:fillRef idx="1">
-            <a:schemeClr val="accent1"/>
-          </a:fillRef>
-          <a:effectRef idx="0">
-            <a:schemeClr val="accent1"/>
-          </a:effectRef>
-          <a:fontRef idx="minor">
-            <a:schemeClr val="lt1"/>
-          </a:fontRef>
-        </p:style>
-        <p:txBody>
-          <a:bodyPr rtlCol="0" anchor="ctr"/>
-          <a:lstStyle/>
-          <a:p>
-            <a:pPr algn="ctr"/>
-            <a:endParaRPr lang="pt-BR" dirty="0"/>
-          </a:p>
-        </p:txBody>
-      </p:sp>
-      <p:sp>
-        <p:nvSpPr>
-          <p:cNvPr id="23" name="Elipse 22">
-            <a:extLst>
-              <a:ext uri="{FF2B5EF4-FFF2-40B4-BE49-F238E27FC236}">
-                <a16:creationId xmlns:a16="http://schemas.microsoft.com/office/drawing/2014/main" id="{9F0AFFF7-43DE-1015-3F3B-AAF3DDF52E0C}"/>
-              </a:ext>
-            </a:extLst>
-          </p:cNvPr>
-          <p:cNvSpPr>
-            <a:spLocks noChangeAspect="1"/>
-          </p:cNvSpPr>
-          <p:nvPr/>
-        </p:nvSpPr>
-        <p:spPr>
-          <a:xfrm>
-            <a:off x="2490467" y="4126542"/>
-            <a:ext cx="72000" cy="72000"/>
-          </a:xfrm>
-          <a:prstGeom prst="ellipse">
-            <a:avLst/>
-          </a:prstGeom>
-          <a:solidFill>
-            <a:srgbClr val="FF0000"/>
-          </a:solidFill>
-          <a:ln>
-            <a:solidFill>
-              <a:srgbClr val="FF0000"/>
-            </a:solidFill>
-          </a:ln>
-        </p:spPr>
-        <p:style>
-          <a:lnRef idx="2">
-            <a:schemeClr val="accent1">
-              <a:shade val="15000"/>
-            </a:schemeClr>
-          </a:lnRef>
-          <a:fillRef idx="1">
-            <a:schemeClr val="accent1"/>
-          </a:fillRef>
-          <a:effectRef idx="0">
-            <a:schemeClr val="accent1"/>
-          </a:effectRef>
-          <a:fontRef idx="minor">
-            <a:schemeClr val="lt1"/>
-          </a:fontRef>
-        </p:style>
-        <p:txBody>
-          <a:bodyPr rtlCol="0" anchor="ctr"/>
-          <a:lstStyle/>
-          <a:p>
-            <a:pPr algn="ctr"/>
-            <a:endParaRPr lang="pt-BR" dirty="0"/>
-          </a:p>
-        </p:txBody>
-      </p:sp>
-      <p:cxnSp>
-        <p:nvCxnSpPr>
-          <p:cNvPr id="25" name="Conector: Curvo 24">
-            <a:extLst>
-              <a:ext uri="{FF2B5EF4-FFF2-40B4-BE49-F238E27FC236}">
-                <a16:creationId xmlns:a16="http://schemas.microsoft.com/office/drawing/2014/main" id="{E4F3E26A-F810-43AC-924F-BF461C5FB86E}"/>
-              </a:ext>
-            </a:extLst>
-          </p:cNvPr>
-          <p:cNvCxnSpPr>
-            <a:cxnSpLocks/>
-            <a:stCxn id="6" idx="0"/>
-            <a:endCxn id="20" idx="0"/>
-          </p:cNvCxnSpPr>
-          <p:nvPr/>
-        </p:nvCxnSpPr>
-        <p:spPr>
-          <a:xfrm rot="16200000" flipH="1">
-            <a:off x="1980164" y="3624622"/>
-            <a:ext cx="241907" cy="68465"/>
-          </a:xfrm>
-          <a:prstGeom prst="curvedConnector3">
-            <a:avLst>
-              <a:gd name="adj1" fmla="val -29531"/>
-            </a:avLst>
-          </a:prstGeom>
-          <a:ln>
-            <a:solidFill>
-              <a:srgbClr val="FF0000"/>
-            </a:solidFill>
-            <a:prstDash val="dash"/>
-            <a:tailEnd type="triangle"/>
-          </a:ln>
-        </p:spPr>
-        <p:style>
-          <a:lnRef idx="1">
-            <a:schemeClr val="accent1"/>
-          </a:lnRef>
-          <a:fillRef idx="0">
-            <a:schemeClr val="accent1"/>
-          </a:fillRef>
-          <a:effectRef idx="0">
-            <a:schemeClr val="accent1"/>
-          </a:effectRef>
-          <a:fontRef idx="minor">
-            <a:schemeClr val="tx1"/>
-          </a:fontRef>
-        </p:style>
-      </p:cxnSp>
-      <p:cxnSp>
-        <p:nvCxnSpPr>
-          <p:cNvPr id="31" name="Conector: Curvo 30">
-            <a:extLst>
-              <a:ext uri="{FF2B5EF4-FFF2-40B4-BE49-F238E27FC236}">
-                <a16:creationId xmlns:a16="http://schemas.microsoft.com/office/drawing/2014/main" id="{C3043666-BB5A-C502-359A-4A3917065792}"/>
-              </a:ext>
-            </a:extLst>
-          </p:cNvPr>
-          <p:cNvCxnSpPr>
-            <a:cxnSpLocks/>
-            <a:stCxn id="20" idx="0"/>
-            <a:endCxn id="21" idx="0"/>
-          </p:cNvCxnSpPr>
-          <p:nvPr/>
-        </p:nvCxnSpPr>
-        <p:spPr>
-          <a:xfrm rot="16200000" flipH="1">
-            <a:off x="2101143" y="3814016"/>
-            <a:ext cx="161876" cy="93460"/>
-          </a:xfrm>
-          <a:prstGeom prst="curvedConnector3">
-            <a:avLst>
-              <a:gd name="adj1" fmla="val -85320"/>
-            </a:avLst>
-          </a:prstGeom>
-          <a:ln>
-            <a:solidFill>
-              <a:srgbClr val="FF0000"/>
-            </a:solidFill>
-            <a:prstDash val="dash"/>
-            <a:tailEnd type="triangle"/>
-          </a:ln>
-        </p:spPr>
-        <p:style>
-          <a:lnRef idx="1">
-            <a:schemeClr val="accent1"/>
-          </a:lnRef>
-          <a:fillRef idx="0">
-            <a:schemeClr val="accent1"/>
-          </a:fillRef>
-          <a:effectRef idx="0">
-            <a:schemeClr val="accent1"/>
-          </a:effectRef>
-          <a:fontRef idx="minor">
-            <a:schemeClr val="tx1"/>
-          </a:fontRef>
-        </p:style>
-      </p:cxnSp>
-      <p:cxnSp>
-        <p:nvCxnSpPr>
-          <p:cNvPr id="36" name="Conector: Curvo 35">
-            <a:extLst>
-              <a:ext uri="{FF2B5EF4-FFF2-40B4-BE49-F238E27FC236}">
-                <a16:creationId xmlns:a16="http://schemas.microsoft.com/office/drawing/2014/main" id="{CDD58E5F-EA2D-BB70-6D90-8E84E5EE604A}"/>
-              </a:ext>
-            </a:extLst>
-          </p:cNvPr>
-          <p:cNvCxnSpPr>
-            <a:cxnSpLocks/>
-            <a:stCxn id="21" idx="0"/>
-            <a:endCxn id="22" idx="0"/>
-          </p:cNvCxnSpPr>
-          <p:nvPr/>
-        </p:nvCxnSpPr>
-        <p:spPr>
-          <a:xfrm rot="16200000" flipH="1">
-            <a:off x="2229487" y="3941007"/>
-            <a:ext cx="122219" cy="123573"/>
-          </a:xfrm>
-          <a:prstGeom prst="curvedConnector3">
-            <a:avLst>
-              <a:gd name="adj1" fmla="val -120798"/>
-            </a:avLst>
-          </a:prstGeom>
-          <a:ln>
-            <a:solidFill>
-              <a:srgbClr val="FF0000"/>
-            </a:solidFill>
-            <a:prstDash val="dash"/>
-            <a:tailEnd type="triangle"/>
-          </a:ln>
-        </p:spPr>
-        <p:style>
-          <a:lnRef idx="1">
-            <a:schemeClr val="accent1"/>
-          </a:lnRef>
-          <a:fillRef idx="0">
-            <a:schemeClr val="accent1"/>
-          </a:fillRef>
-          <a:effectRef idx="0">
-            <a:schemeClr val="accent1"/>
-          </a:effectRef>
-          <a:fontRef idx="minor">
-            <a:schemeClr val="tx1"/>
-          </a:fontRef>
-        </p:style>
-      </p:cxnSp>
-      <p:cxnSp>
-        <p:nvCxnSpPr>
-          <p:cNvPr id="40" name="Conector: Curvo 39">
-            <a:extLst>
-              <a:ext uri="{FF2B5EF4-FFF2-40B4-BE49-F238E27FC236}">
-                <a16:creationId xmlns:a16="http://schemas.microsoft.com/office/drawing/2014/main" id="{0AA4F48C-5159-C330-2619-A60D9B827A22}"/>
-              </a:ext>
-            </a:extLst>
-          </p:cNvPr>
-          <p:cNvCxnSpPr>
-            <a:cxnSpLocks/>
-            <a:stCxn id="22" idx="0"/>
-            <a:endCxn id="23" idx="0"/>
-          </p:cNvCxnSpPr>
-          <p:nvPr/>
-        </p:nvCxnSpPr>
-        <p:spPr>
-          <a:xfrm rot="16200000" flipH="1">
-            <a:off x="2408105" y="4008181"/>
-            <a:ext cx="62639" cy="174083"/>
-          </a:xfrm>
-          <a:prstGeom prst="curvedConnector3">
-            <a:avLst>
-              <a:gd name="adj1" fmla="val -235697"/>
-            </a:avLst>
-          </a:prstGeom>
-          <a:ln>
-            <a:solidFill>
-              <a:srgbClr val="FF0000"/>
-            </a:solidFill>
-            <a:prstDash val="dash"/>
-            <a:tailEnd type="triangle"/>
-          </a:ln>
-        </p:spPr>
-        <p:style>
-          <a:lnRef idx="1">
-            <a:schemeClr val="accent1"/>
-          </a:lnRef>
-          <a:fillRef idx="0">
-            <a:schemeClr val="accent1"/>
-          </a:fillRef>
-          <a:effectRef idx="0">
-            <a:schemeClr val="accent1"/>
-          </a:effectRef>
-          <a:fontRef idx="minor">
-            <a:schemeClr val="tx1"/>
-          </a:fontRef>
-        </p:style>
-      </p:cxnSp>
-      <p:sp>
-        <p:nvSpPr>
-          <p:cNvPr id="46" name="CaixaDeTexto 45">
-            <a:extLst>
-              <a:ext uri="{FF2B5EF4-FFF2-40B4-BE49-F238E27FC236}">
-                <a16:creationId xmlns:a16="http://schemas.microsoft.com/office/drawing/2014/main" id="{14539003-1BD8-17D2-A460-9687F6449CF4}"/>
-              </a:ext>
-            </a:extLst>
-          </p:cNvPr>
-          <p:cNvSpPr txBox="1"/>
-          <p:nvPr/>
-        </p:nvSpPr>
-        <p:spPr>
-          <a:xfrm>
-            <a:off x="2085034" y="3336761"/>
-            <a:ext cx="1753377" cy="276999"/>
-          </a:xfrm>
-          <a:prstGeom prst="rect">
-            <a:avLst/>
-          </a:prstGeom>
-          <a:noFill/>
-        </p:spPr>
-        <p:txBody>
-          <a:bodyPr wrap="square" rtlCol="0">
-            <a:spAutoFit/>
-          </a:bodyPr>
-          <a:lstStyle/>
-          <a:p>
-            <a:r>
-              <a:rPr lang="pt-BR" sz="1200" dirty="0"/>
-              <a:t>iterações/atualizações</a:t>
-            </a:r>
-          </a:p>
-        </p:txBody>
-      </p:sp>
     </p:spTree>
     <p:extLst>
       <p:ext uri="{BB962C8B-B14F-4D97-AF65-F5344CB8AC3E}">
